--- a/talks/tensor-sensor.pptx
+++ b/talks/tensor-sensor.pptx
@@ -12,26 +12,26 @@
   </p:handoutMasterIdLst>
   <p:sldIdLst>
     <p:sldId id="256" r:id="rId2"/>
-    <p:sldId id="307" r:id="rId3"/>
+    <p:sldId id="311" r:id="rId3"/>
     <p:sldId id="289" r:id="rId4"/>
     <p:sldId id="308" r:id="rId5"/>
-    <p:sldId id="309" r:id="rId6"/>
-    <p:sldId id="290" r:id="rId7"/>
-    <p:sldId id="291" r:id="rId8"/>
-    <p:sldId id="292" r:id="rId9"/>
-    <p:sldId id="293" r:id="rId10"/>
-    <p:sldId id="294" r:id="rId11"/>
-    <p:sldId id="295" r:id="rId12"/>
-    <p:sldId id="296" r:id="rId13"/>
-    <p:sldId id="298" r:id="rId14"/>
-    <p:sldId id="299" r:id="rId15"/>
-    <p:sldId id="300" r:id="rId16"/>
-    <p:sldId id="302" r:id="rId17"/>
-    <p:sldId id="301" r:id="rId18"/>
-    <p:sldId id="303" r:id="rId19"/>
-    <p:sldId id="304" r:id="rId20"/>
-    <p:sldId id="305" r:id="rId21"/>
-    <p:sldId id="306" r:id="rId22"/>
+    <p:sldId id="290" r:id="rId6"/>
+    <p:sldId id="291" r:id="rId7"/>
+    <p:sldId id="292" r:id="rId8"/>
+    <p:sldId id="293" r:id="rId9"/>
+    <p:sldId id="294" r:id="rId10"/>
+    <p:sldId id="295" r:id="rId11"/>
+    <p:sldId id="296" r:id="rId12"/>
+    <p:sldId id="298" r:id="rId13"/>
+    <p:sldId id="299" r:id="rId14"/>
+    <p:sldId id="300" r:id="rId15"/>
+    <p:sldId id="302" r:id="rId16"/>
+    <p:sldId id="301" r:id="rId17"/>
+    <p:sldId id="303" r:id="rId18"/>
+    <p:sldId id="304" r:id="rId19"/>
+    <p:sldId id="305" r:id="rId20"/>
+    <p:sldId id="306" r:id="rId21"/>
+    <p:sldId id="312" r:id="rId22"/>
     <p:sldId id="310" r:id="rId23"/>
   </p:sldIdLst>
   <p:sldSz cx="12192000" cy="6858000"/>
@@ -227,7 +227,7 @@
           <a:p>
             <a:fld id="{8A1B613A-EFF1-404F-BEE8-EFAE84A4E5E2}" type="datetimeFigureOut">
               <a:rPr lang="en-US" smtClean="0"/>
-              <a:t>4/11/21</a:t>
+              <a:t>9/21/21</a:t>
             </a:fld>
             <a:endParaRPr lang="en-US"/>
           </a:p>
@@ -392,7 +392,7 @@
           <a:p>
             <a:fld id="{690847EA-AC25-3D4E-89E1-FD3F6A9702B6}" type="datetimeFigureOut">
               <a:rPr lang="en-US" smtClean="0"/>
-              <a:t>4/11/21</a:t>
+              <a:t>9/21/21</a:t>
             </a:fld>
             <a:endParaRPr lang="en-US"/>
           </a:p>
@@ -806,7 +806,7 @@
           <a:p>
             <a:fld id="{BE5295ED-3BAF-1140-8495-3D368771D6B1}" type="datetimeFigureOut">
               <a:rPr lang="en-US" smtClean="0"/>
-              <a:t>4/11/21</a:t>
+              <a:t>9/21/21</a:t>
             </a:fld>
             <a:endParaRPr lang="en-US"/>
           </a:p>
@@ -1004,7 +1004,7 @@
           <a:p>
             <a:fld id="{BE5295ED-3BAF-1140-8495-3D368771D6B1}" type="datetimeFigureOut">
               <a:rPr lang="en-US" smtClean="0"/>
-              <a:t>4/11/21</a:t>
+              <a:t>9/21/21</a:t>
             </a:fld>
             <a:endParaRPr lang="en-US"/>
           </a:p>
@@ -1212,7 +1212,7 @@
           <a:p>
             <a:fld id="{BE5295ED-3BAF-1140-8495-3D368771D6B1}" type="datetimeFigureOut">
               <a:rPr lang="en-US" smtClean="0"/>
-              <a:t>4/11/21</a:t>
+              <a:t>9/21/21</a:t>
             </a:fld>
             <a:endParaRPr lang="en-US"/>
           </a:p>
@@ -1410,7 +1410,7 @@
           <a:p>
             <a:fld id="{BE5295ED-3BAF-1140-8495-3D368771D6B1}" type="datetimeFigureOut">
               <a:rPr lang="en-US" smtClean="0"/>
-              <a:t>4/11/21</a:t>
+              <a:t>9/21/21</a:t>
             </a:fld>
             <a:endParaRPr lang="en-US"/>
           </a:p>
@@ -1685,7 +1685,7 @@
           <a:p>
             <a:fld id="{BE5295ED-3BAF-1140-8495-3D368771D6B1}" type="datetimeFigureOut">
               <a:rPr lang="en-US" smtClean="0"/>
-              <a:t>4/11/21</a:t>
+              <a:t>9/21/21</a:t>
             </a:fld>
             <a:endParaRPr lang="en-US"/>
           </a:p>
@@ -1950,7 +1950,7 @@
           <a:p>
             <a:fld id="{BE5295ED-3BAF-1140-8495-3D368771D6B1}" type="datetimeFigureOut">
               <a:rPr lang="en-US" smtClean="0"/>
-              <a:t>4/11/21</a:t>
+              <a:t>9/21/21</a:t>
             </a:fld>
             <a:endParaRPr lang="en-US"/>
           </a:p>
@@ -2362,7 +2362,7 @@
           <a:p>
             <a:fld id="{BE5295ED-3BAF-1140-8495-3D368771D6B1}" type="datetimeFigureOut">
               <a:rPr lang="en-US" smtClean="0"/>
-              <a:t>4/11/21</a:t>
+              <a:t>9/21/21</a:t>
             </a:fld>
             <a:endParaRPr lang="en-US"/>
           </a:p>
@@ -2503,7 +2503,7 @@
           <a:p>
             <a:fld id="{BE5295ED-3BAF-1140-8495-3D368771D6B1}" type="datetimeFigureOut">
               <a:rPr lang="en-US" smtClean="0"/>
-              <a:t>4/11/21</a:t>
+              <a:t>9/21/21</a:t>
             </a:fld>
             <a:endParaRPr lang="en-US"/>
           </a:p>
@@ -2616,7 +2616,7 @@
           <a:p>
             <a:fld id="{BE5295ED-3BAF-1140-8495-3D368771D6B1}" type="datetimeFigureOut">
               <a:rPr lang="en-US" smtClean="0"/>
-              <a:t>4/11/21</a:t>
+              <a:t>9/21/21</a:t>
             </a:fld>
             <a:endParaRPr lang="en-US"/>
           </a:p>
@@ -2927,7 +2927,7 @@
           <a:p>
             <a:fld id="{BE5295ED-3BAF-1140-8495-3D368771D6B1}" type="datetimeFigureOut">
               <a:rPr lang="en-US" smtClean="0"/>
-              <a:t>4/11/21</a:t>
+              <a:t>9/21/21</a:t>
             </a:fld>
             <a:endParaRPr lang="en-US"/>
           </a:p>
@@ -3218,7 +3218,7 @@
           <a:p>
             <a:fld id="{BE5295ED-3BAF-1140-8495-3D368771D6B1}" type="datetimeFigureOut">
               <a:rPr lang="en-US" smtClean="0"/>
-              <a:t>4/11/21</a:t>
+              <a:t>9/21/21</a:t>
             </a:fld>
             <a:endParaRPr lang="en-US"/>
           </a:p>
@@ -3459,7 +3459,7 @@
           <a:p>
             <a:fld id="{BE5295ED-3BAF-1140-8495-3D368771D6B1}" type="datetimeFigureOut">
               <a:rPr lang="en-US" smtClean="0"/>
-              <a:t>4/11/21</a:t>
+              <a:t>9/21/21</a:t>
             </a:fld>
             <a:endParaRPr lang="en-US"/>
           </a:p>
@@ -3932,7 +3932,15 @@
             <a:pPr algn="l"/>
             <a:r>
               <a:rPr lang="en-US" dirty="0"/>
-              <a:t>Language engineering applied to matrix algebra debugging in Python</a:t>
+              <a:t>Clarifying matrix algebra issues visually with </a:t>
+            </a:r>
+            <a:r>
+              <a:rPr lang="en-US" dirty="0" err="1"/>
+              <a:t>TensorSensor</a:t>
+            </a:r>
+            <a:r>
+              <a:rPr lang="en-US" dirty="0"/>
+              <a:t> </a:t>
             </a:r>
           </a:p>
         </p:txBody>
@@ -3968,15 +3976,7 @@
             <a:pPr algn="l"/>
             <a:r>
               <a:rPr lang="en-US" dirty="0"/>
-              <a:t>Clarifying and explaining matrix algebra visually with </a:t>
-            </a:r>
-            <a:r>
-              <a:rPr lang="en-US" dirty="0" err="1"/>
-              <a:t>TensorSensor</a:t>
-            </a:r>
-            <a:r>
-              <a:rPr lang="en-US" dirty="0"/>
-              <a:t> </a:t>
+              <a:t>Examples and implementation details</a:t>
             </a:r>
           </a:p>
         </p:txBody>
@@ -4018,6 +4018,48 @@
             <a:r>
               <a:rPr lang="en-US" b="1" dirty="0"/>
               <a:t>University of San Francisco</a:t>
+            </a:r>
+            <a:endParaRPr lang="en-US" dirty="0"/>
+          </a:p>
+        </p:txBody>
+      </p:sp>
+      <p:sp>
+        <p:nvSpPr>
+          <p:cNvPr id="4" name="TextBox 3">
+            <a:extLst>
+              <a:ext uri="{FF2B5EF4-FFF2-40B4-BE49-F238E27FC236}">
+                <a16:creationId xmlns:a16="http://schemas.microsoft.com/office/drawing/2014/main" id="{DB5EA86D-470E-6144-BCE6-AB7283DFED69}"/>
+              </a:ext>
+            </a:extLst>
+          </p:cNvPr>
+          <p:cNvSpPr txBox="1"/>
+          <p:nvPr/>
+        </p:nvSpPr>
+        <p:spPr>
+          <a:xfrm>
+            <a:off x="14342" y="6488668"/>
+            <a:ext cx="4557658" cy="369332"/>
+          </a:xfrm>
+          <a:prstGeom prst="rect">
+            <a:avLst/>
+          </a:prstGeom>
+          <a:noFill/>
+        </p:spPr>
+        <p:txBody>
+          <a:bodyPr wrap="none" rtlCol="0">
+            <a:spAutoFit/>
+          </a:bodyPr>
+          <a:lstStyle/>
+          <a:p>
+            <a:r>
+              <a:rPr lang="en-US" dirty="0"/>
+              <a:t>See </a:t>
+            </a:r>
+            <a:r>
+              <a:rPr lang="en-US" dirty="0">
+                <a:hlinkClick r:id="rId2"/>
+              </a:rPr>
+              <a:t>https://github.com/parrt/tensor-sensor</a:t>
             </a:r>
             <a:endParaRPr lang="en-US" dirty="0"/>
           </a:p>
@@ -4058,7 +4100,7 @@
           <p:cNvPr id="2" name="Title 1">
             <a:extLst>
               <a:ext uri="{FF2B5EF4-FFF2-40B4-BE49-F238E27FC236}">
-                <a16:creationId xmlns:a16="http://schemas.microsoft.com/office/drawing/2014/main" id="{414E8CDF-97F8-BA4F-995B-9E79802D7E0F}"/>
+                <a16:creationId xmlns:a16="http://schemas.microsoft.com/office/drawing/2014/main" id="{D088C2E6-F25E-6B46-B522-C154A29F4398}"/>
               </a:ext>
             </a:extLst>
           </p:cNvPr>
@@ -4076,388 +4118,47 @@
           <a:p>
             <a:r>
               <a:rPr lang="en-US" dirty="0"/>
-              <a:t>Requirement: explain code w/o errors</a:t>
-            </a:r>
-          </a:p>
-        </p:txBody>
-      </p:sp>
-      <p:pic>
-        <p:nvPicPr>
-          <p:cNvPr id="5" name="Content Placeholder 4">
-            <a:extLst>
-              <a:ext uri="{FF2B5EF4-FFF2-40B4-BE49-F238E27FC236}">
-                <a16:creationId xmlns:a16="http://schemas.microsoft.com/office/drawing/2014/main" id="{F62B8AAC-7B21-4946-A6A9-8B21D5E03563}"/>
-              </a:ext>
-            </a:extLst>
-          </p:cNvPr>
-          <p:cNvPicPr>
-            <a:picLocks noGrp="1" noChangeAspect="1"/>
-          </p:cNvPicPr>
-          <p:nvPr>
-            <p:ph idx="1"/>
-          </p:nvPr>
-        </p:nvPicPr>
-        <p:blipFill>
-          <a:blip r:embed="rId2"/>
-          <a:stretch>
-            <a:fillRect/>
-          </a:stretch>
-        </p:blipFill>
-        <p:spPr>
-          <a:xfrm>
-            <a:off x="361494" y="1690688"/>
-            <a:ext cx="3733800" cy="2120900"/>
-          </a:xfrm>
-        </p:spPr>
-      </p:pic>
-      <p:pic>
-        <p:nvPicPr>
-          <p:cNvPr id="7" name="Picture 6">
-            <a:extLst>
-              <a:ext uri="{FF2B5EF4-FFF2-40B4-BE49-F238E27FC236}">
-                <a16:creationId xmlns:a16="http://schemas.microsoft.com/office/drawing/2014/main" id="{F608205B-45C4-2349-BC49-9E88A9AC5BFC}"/>
-              </a:ext>
-            </a:extLst>
-          </p:cNvPr>
-          <p:cNvPicPr>
-            <a:picLocks noChangeAspect="1"/>
-          </p:cNvPicPr>
-          <p:nvPr/>
-        </p:nvPicPr>
-        <p:blipFill>
-          <a:blip r:embed="rId3"/>
-          <a:stretch>
-            <a:fillRect/>
-          </a:stretch>
-        </p:blipFill>
-        <p:spPr>
-          <a:xfrm>
-            <a:off x="7759504" y="3082302"/>
-            <a:ext cx="2578100" cy="1219200"/>
-          </a:xfrm>
-          <a:prstGeom prst="rect">
-            <a:avLst/>
-          </a:prstGeom>
-        </p:spPr>
-      </p:pic>
-      <p:pic>
-        <p:nvPicPr>
-          <p:cNvPr id="9" name="Picture 8">
-            <a:extLst>
-              <a:ext uri="{FF2B5EF4-FFF2-40B4-BE49-F238E27FC236}">
-                <a16:creationId xmlns:a16="http://schemas.microsoft.com/office/drawing/2014/main" id="{206D3E3A-529F-734E-A101-BA4130C4BBD2}"/>
-              </a:ext>
-            </a:extLst>
-          </p:cNvPr>
-          <p:cNvPicPr>
-            <a:picLocks noChangeAspect="1"/>
-          </p:cNvPicPr>
-          <p:nvPr/>
-        </p:nvPicPr>
-        <p:blipFill>
-          <a:blip r:embed="rId4"/>
-          <a:stretch>
-            <a:fillRect/>
-          </a:stretch>
-        </p:blipFill>
-        <p:spPr>
-          <a:xfrm>
-            <a:off x="7029254" y="1804447"/>
-            <a:ext cx="4038600" cy="812800"/>
-          </a:xfrm>
-          <a:prstGeom prst="rect">
-            <a:avLst/>
-          </a:prstGeom>
-        </p:spPr>
-      </p:pic>
-      <p:sp>
-        <p:nvSpPr>
-          <p:cNvPr id="10" name="Rectangle 9">
-            <a:extLst>
-              <a:ext uri="{FF2B5EF4-FFF2-40B4-BE49-F238E27FC236}">
-                <a16:creationId xmlns:a16="http://schemas.microsoft.com/office/drawing/2014/main" id="{0DDF4ACC-206E-644A-ABE0-2F61642F6F62}"/>
-              </a:ext>
-            </a:extLst>
-          </p:cNvPr>
-          <p:cNvSpPr/>
-          <p:nvPr/>
-        </p:nvSpPr>
-        <p:spPr>
-          <a:xfrm>
-            <a:off x="510100" y="1690688"/>
-            <a:ext cx="3585194" cy="330257"/>
-          </a:xfrm>
-          <a:prstGeom prst="rect">
-            <a:avLst/>
-          </a:prstGeom>
-          <a:noFill/>
-          <a:ln w="19050">
-            <a:solidFill>
-              <a:srgbClr val="E4754F"/>
-            </a:solidFill>
-          </a:ln>
-        </p:spPr>
-        <p:style>
-          <a:lnRef idx="2">
-            <a:schemeClr val="accent1">
-              <a:shade val="50000"/>
-            </a:schemeClr>
-          </a:lnRef>
-          <a:fillRef idx="1">
-            <a:schemeClr val="accent1"/>
-          </a:fillRef>
-          <a:effectRef idx="0">
-            <a:schemeClr val="accent1"/>
-          </a:effectRef>
-          <a:fontRef idx="minor">
-            <a:schemeClr val="lt1"/>
-          </a:fontRef>
-        </p:style>
-        <p:txBody>
-          <a:bodyPr rtlCol="0" anchor="ctr"/>
-          <a:lstStyle/>
-          <a:p>
-            <a:pPr algn="ctr"/>
+              <a:t>Language engineering</a:t>
+            </a:r>
+            <a:br>
+              <a:rPr lang="en-US" dirty="0"/>
+            </a:br>
+            <a:r>
+              <a:rPr lang="en-US" dirty="0"/>
+              <a:t>related implementation</a:t>
+            </a:r>
+          </a:p>
+        </p:txBody>
+      </p:sp>
+      <p:sp>
+        <p:nvSpPr>
+          <p:cNvPr id="3" name="Text Placeholder 2">
+            <a:extLst>
+              <a:ext uri="{FF2B5EF4-FFF2-40B4-BE49-F238E27FC236}">
+                <a16:creationId xmlns:a16="http://schemas.microsoft.com/office/drawing/2014/main" id="{5CB9B935-55FE-E744-8EB6-2AE7B9545811}"/>
+              </a:ext>
+            </a:extLst>
+          </p:cNvPr>
+          <p:cNvSpPr>
+            <a:spLocks noGrp="1"/>
+          </p:cNvSpPr>
+          <p:nvPr>
+            <p:ph type="body" idx="1"/>
+          </p:nvPr>
+        </p:nvSpPr>
+        <p:spPr/>
+        <p:txBody>
+          <a:bodyPr/>
+          <a:lstStyle/>
+          <a:p>
             <a:endParaRPr lang="en-US"/>
-          </a:p>
-        </p:txBody>
-      </p:sp>
-      <p:pic>
-        <p:nvPicPr>
-          <p:cNvPr id="12" name="Picture 11">
-            <a:extLst>
-              <a:ext uri="{FF2B5EF4-FFF2-40B4-BE49-F238E27FC236}">
-                <a16:creationId xmlns:a16="http://schemas.microsoft.com/office/drawing/2014/main" id="{920D7AB4-496D-C34D-AFB3-46ACAA75E25F}"/>
-              </a:ext>
-            </a:extLst>
-          </p:cNvPr>
-          <p:cNvPicPr>
-            <a:picLocks noChangeAspect="1"/>
-          </p:cNvPicPr>
-          <p:nvPr/>
-        </p:nvPicPr>
-        <p:blipFill>
-          <a:blip r:embed="rId5"/>
-          <a:stretch>
-            <a:fillRect/>
-          </a:stretch>
-        </p:blipFill>
-        <p:spPr>
-          <a:xfrm>
-            <a:off x="361494" y="4081807"/>
-            <a:ext cx="6155581" cy="2734564"/>
-          </a:xfrm>
-          <a:prstGeom prst="rect">
-            <a:avLst/>
-          </a:prstGeom>
-        </p:spPr>
-      </p:pic>
-      <p:sp>
-        <p:nvSpPr>
-          <p:cNvPr id="13" name="TextBox 12">
-            <a:extLst>
-              <a:ext uri="{FF2B5EF4-FFF2-40B4-BE49-F238E27FC236}">
-                <a16:creationId xmlns:a16="http://schemas.microsoft.com/office/drawing/2014/main" id="{B33509D6-EC6F-A347-8DD4-BC83D7071C34}"/>
-              </a:ext>
-            </a:extLst>
-          </p:cNvPr>
-          <p:cNvSpPr txBox="1"/>
-          <p:nvPr/>
-        </p:nvSpPr>
-        <p:spPr>
-          <a:xfrm>
-            <a:off x="3346515" y="6018041"/>
-            <a:ext cx="3544560" cy="369332"/>
-          </a:xfrm>
-          <a:prstGeom prst="rect">
-            <a:avLst/>
-          </a:prstGeom>
-          <a:noFill/>
-        </p:spPr>
-        <p:txBody>
-          <a:bodyPr wrap="none" rtlCol="0">
-            <a:spAutoFit/>
-          </a:bodyPr>
-          <a:lstStyle/>
-          <a:p>
-            <a:r>
-              <a:rPr lang="en-US" dirty="0"/>
-              <a:t>Greater than 2 and 3 dimensions</a:t>
-            </a:r>
-          </a:p>
-        </p:txBody>
-      </p:sp>
-      <p:cxnSp>
-        <p:nvCxnSpPr>
-          <p:cNvPr id="14" name="Straight Arrow Connector 13">
-            <a:extLst>
-              <a:ext uri="{FF2B5EF4-FFF2-40B4-BE49-F238E27FC236}">
-                <a16:creationId xmlns:a16="http://schemas.microsoft.com/office/drawing/2014/main" id="{39F31D14-AB77-A74D-BE71-97035E03188A}"/>
-              </a:ext>
-            </a:extLst>
-          </p:cNvPr>
-          <p:cNvCxnSpPr>
-            <a:cxnSpLocks/>
-            <a:stCxn id="13" idx="1"/>
-          </p:cNvCxnSpPr>
-          <p:nvPr/>
-        </p:nvCxnSpPr>
-        <p:spPr>
-          <a:xfrm flipH="1">
-            <a:off x="2639507" y="6202707"/>
-            <a:ext cx="707008" cy="9557"/>
-          </a:xfrm>
-          <a:prstGeom prst="straightConnector1">
-            <a:avLst/>
-          </a:prstGeom>
-          <a:ln>
-            <a:tailEnd type="triangle"/>
-          </a:ln>
-        </p:spPr>
-        <p:style>
-          <a:lnRef idx="1">
-            <a:schemeClr val="accent1"/>
-          </a:lnRef>
-          <a:fillRef idx="0">
-            <a:schemeClr val="accent1"/>
-          </a:fillRef>
-          <a:effectRef idx="0">
-            <a:schemeClr val="accent1"/>
-          </a:effectRef>
-          <a:fontRef idx="minor">
-            <a:schemeClr val="tx1"/>
-          </a:fontRef>
-        </p:style>
-      </p:cxnSp>
-      <p:sp>
-        <p:nvSpPr>
-          <p:cNvPr id="17" name="Rectangle 16">
-            <a:extLst>
-              <a:ext uri="{FF2B5EF4-FFF2-40B4-BE49-F238E27FC236}">
-                <a16:creationId xmlns:a16="http://schemas.microsoft.com/office/drawing/2014/main" id="{97FBF7FF-F5F0-A04E-B572-2FA59D73EF33}"/>
-              </a:ext>
-            </a:extLst>
-          </p:cNvPr>
-          <p:cNvSpPr/>
-          <p:nvPr/>
-        </p:nvSpPr>
-        <p:spPr>
-          <a:xfrm>
-            <a:off x="426370" y="4541781"/>
-            <a:ext cx="3544560" cy="330257"/>
-          </a:xfrm>
-          <a:prstGeom prst="rect">
-            <a:avLst/>
-          </a:prstGeom>
-          <a:noFill/>
-          <a:ln w="19050">
-            <a:solidFill>
-              <a:srgbClr val="E4754F"/>
-            </a:solidFill>
-          </a:ln>
-        </p:spPr>
-        <p:style>
-          <a:lnRef idx="2">
-            <a:schemeClr val="accent1">
-              <a:shade val="50000"/>
-            </a:schemeClr>
-          </a:lnRef>
-          <a:fillRef idx="1">
-            <a:schemeClr val="accent1"/>
-          </a:fillRef>
-          <a:effectRef idx="0">
-            <a:schemeClr val="accent1"/>
-          </a:effectRef>
-          <a:fontRef idx="minor">
-            <a:schemeClr val="lt1"/>
-          </a:fontRef>
-        </p:style>
-        <p:txBody>
-          <a:bodyPr rtlCol="0" anchor="ctr"/>
-          <a:lstStyle/>
-          <a:p>
-            <a:pPr algn="ctr"/>
-            <a:endParaRPr lang="en-US"/>
-          </a:p>
-        </p:txBody>
-      </p:sp>
-      <p:cxnSp>
-        <p:nvCxnSpPr>
-          <p:cNvPr id="19" name="Straight Connector 18">
-            <a:extLst>
-              <a:ext uri="{FF2B5EF4-FFF2-40B4-BE49-F238E27FC236}">
-                <a16:creationId xmlns:a16="http://schemas.microsoft.com/office/drawing/2014/main" id="{7EE79A98-C646-1D4A-A18D-A0A07DC95041}"/>
-              </a:ext>
-            </a:extLst>
-          </p:cNvPr>
-          <p:cNvCxnSpPr>
-            <a:cxnSpLocks/>
-          </p:cNvCxnSpPr>
-          <p:nvPr/>
-        </p:nvCxnSpPr>
-        <p:spPr>
-          <a:xfrm>
-            <a:off x="6815581" y="1555423"/>
-            <a:ext cx="0" cy="4279769"/>
-          </a:xfrm>
-          <a:prstGeom prst="line">
-            <a:avLst/>
-          </a:prstGeom>
-        </p:spPr>
-        <p:style>
-          <a:lnRef idx="1">
-            <a:schemeClr val="accent1"/>
-          </a:lnRef>
-          <a:fillRef idx="0">
-            <a:schemeClr val="accent1"/>
-          </a:fillRef>
-          <a:effectRef idx="0">
-            <a:schemeClr val="accent1"/>
-          </a:effectRef>
-          <a:fontRef idx="minor">
-            <a:schemeClr val="tx1"/>
-          </a:fontRef>
-        </p:style>
-      </p:cxnSp>
-      <p:sp>
-        <p:nvSpPr>
-          <p:cNvPr id="21" name="TextBox 20">
-            <a:extLst>
-              <a:ext uri="{FF2B5EF4-FFF2-40B4-BE49-F238E27FC236}">
-                <a16:creationId xmlns:a16="http://schemas.microsoft.com/office/drawing/2014/main" id="{681F30B4-E073-E04A-83C1-98D6FBB2C3CB}"/>
-              </a:ext>
-            </a:extLst>
-          </p:cNvPr>
-          <p:cNvSpPr txBox="1"/>
-          <p:nvPr/>
-        </p:nvSpPr>
-        <p:spPr>
-          <a:xfrm>
-            <a:off x="7358335" y="5230257"/>
-            <a:ext cx="4355068" cy="707886"/>
-          </a:xfrm>
-          <a:prstGeom prst="rect">
-            <a:avLst/>
-          </a:prstGeom>
-          <a:noFill/>
-        </p:spPr>
-        <p:txBody>
-          <a:bodyPr wrap="square" rtlCol="0">
-            <a:spAutoFit/>
-          </a:bodyPr>
-          <a:lstStyle/>
-          <a:p>
-            <a:r>
-              <a:rPr lang="en-US" sz="2000" dirty="0"/>
-              <a:t>Very helpful when trying to read (even correct) code</a:t>
-            </a:r>
           </a:p>
         </p:txBody>
       </p:sp>
     </p:spTree>
     <p:extLst>
       <p:ext uri="{BB962C8B-B14F-4D97-AF65-F5344CB8AC3E}">
-        <p14:creationId xmlns:p14="http://schemas.microsoft.com/office/powerpoint/2010/main" val="3545508290"/>
+        <p14:creationId xmlns:p14="http://schemas.microsoft.com/office/powerpoint/2010/main" val="1220282188"/>
       </p:ext>
     </p:extLst>
   </p:cSld>
@@ -4489,7 +4190,7 @@
           <p:cNvPr id="2" name="Title 1">
             <a:extLst>
               <a:ext uri="{FF2B5EF4-FFF2-40B4-BE49-F238E27FC236}">
-                <a16:creationId xmlns:a16="http://schemas.microsoft.com/office/drawing/2014/main" id="{D088C2E6-F25E-6B46-B522-C154A29F4398}"/>
+                <a16:creationId xmlns:a16="http://schemas.microsoft.com/office/drawing/2014/main" id="{D014B71A-3678-DA44-8A7B-69B0EC06C764}"/>
               </a:ext>
             </a:extLst>
           </p:cNvPr>
@@ -4500,31 +4201,29 @@
             <p:ph type="title"/>
           </p:nvPr>
         </p:nvSpPr>
-        <p:spPr/>
+        <p:spPr>
+          <a:xfrm>
+            <a:off x="838200" y="365125"/>
+            <a:ext cx="10515600" cy="992335"/>
+          </a:xfrm>
+        </p:spPr>
         <p:txBody>
           <a:bodyPr/>
           <a:lstStyle/>
           <a:p>
             <a:r>
               <a:rPr lang="en-US" dirty="0"/>
-              <a:t>Language engineering</a:t>
-            </a:r>
-            <a:br>
-              <a:rPr lang="en-US" dirty="0"/>
-            </a:br>
-            <a:r>
-              <a:rPr lang="en-US" dirty="0"/>
-              <a:t>related implementation</a:t>
-            </a:r>
-          </a:p>
-        </p:txBody>
-      </p:sp>
-      <p:sp>
-        <p:nvSpPr>
-          <p:cNvPr id="3" name="Text Placeholder 2">
-            <a:extLst>
-              <a:ext uri="{FF2B5EF4-FFF2-40B4-BE49-F238E27FC236}">
-                <a16:creationId xmlns:a16="http://schemas.microsoft.com/office/drawing/2014/main" id="{5CB9B935-55FE-E744-8EB6-2AE7B9545811}"/>
+              <a:t>Key questions to answer</a:t>
+            </a:r>
+          </a:p>
+        </p:txBody>
+      </p:sp>
+      <p:sp>
+        <p:nvSpPr>
+          <p:cNvPr id="3" name="Content Placeholder 2">
+            <a:extLst>
+              <a:ext uri="{FF2B5EF4-FFF2-40B4-BE49-F238E27FC236}">
+                <a16:creationId xmlns:a16="http://schemas.microsoft.com/office/drawing/2014/main" id="{22407BF5-7163-BB43-9BA1-C1728BB28111}"/>
               </a:ext>
             </a:extLst>
           </p:cNvPr>
@@ -4532,22 +4231,108 @@
             <a:spLocks noGrp="1"/>
           </p:cNvSpPr>
           <p:nvPr>
-            <p:ph type="body" idx="1"/>
-          </p:nvPr>
-        </p:nvSpPr>
-        <p:spPr/>
-        <p:txBody>
-          <a:bodyPr/>
-          <a:lstStyle/>
-          <a:p>
-            <a:endParaRPr lang="en-US"/>
+            <p:ph idx="1"/>
+          </p:nvPr>
+        </p:nvSpPr>
+        <p:spPr>
+          <a:xfrm>
+            <a:off x="838200" y="1498862"/>
+            <a:ext cx="10515600" cy="4678101"/>
+          </a:xfrm>
+        </p:spPr>
+        <p:txBody>
+          <a:bodyPr>
+            <a:normAutofit/>
+          </a:bodyPr>
+          <a:lstStyle/>
+          <a:p>
+            <a:pPr marL="514350" indent="-514350">
+              <a:buFont typeface="+mj-lt"/>
+              <a:buAutoNum type="arabicPeriod"/>
+            </a:pPr>
+            <a:r>
+              <a:rPr lang="en-US" dirty="0"/>
+              <a:t>Python traps exceptions at the statement level, so how can we identify offending operators and operand values? </a:t>
+            </a:r>
+          </a:p>
+          <a:p>
+            <a:pPr marL="514350" indent="-514350">
+              <a:buFont typeface="+mj-lt"/>
+              <a:buAutoNum type="arabicPeriod"/>
+            </a:pPr>
+            <a:r>
+              <a:rPr lang="en-US" dirty="0"/>
+              <a:t>How can we trap exceptions without requiring try/except blocks around statements with potential dimension problems?</a:t>
+            </a:r>
+            <a:br>
+              <a:rPr lang="en-US" dirty="0"/>
+            </a:br>
+            <a:r>
+              <a:rPr lang="en-US" dirty="0"/>
+              <a:t>(Also want to ignore non-matrix related exceptions; user shouldn't need to know Python internal execution details)</a:t>
+            </a:r>
+          </a:p>
+          <a:p>
+            <a:pPr marL="514350" indent="-514350">
+              <a:buFont typeface="+mj-lt"/>
+              <a:buAutoNum type="arabicPeriod"/>
+            </a:pPr>
+            <a:r>
+              <a:rPr lang="en-US" dirty="0"/>
+              <a:t>How can we generate matrix visualizations w/o explicit calls?</a:t>
+            </a:r>
+          </a:p>
+          <a:p>
+            <a:pPr marL="514350" indent="-514350">
+              <a:buFont typeface="+mj-lt"/>
+              <a:buAutoNum type="arabicPeriod"/>
+            </a:pPr>
+            <a:r>
+              <a:rPr lang="en-US" dirty="0"/>
+              <a:t>Can we make use of library zero cost until an exception?</a:t>
+            </a:r>
+          </a:p>
+        </p:txBody>
+      </p:sp>
+      <p:sp>
+        <p:nvSpPr>
+          <p:cNvPr id="6" name="TextBox 5">
+            <a:extLst>
+              <a:ext uri="{FF2B5EF4-FFF2-40B4-BE49-F238E27FC236}">
+                <a16:creationId xmlns:a16="http://schemas.microsoft.com/office/drawing/2014/main" id="{6A2404B0-BCDF-9C45-BF71-14219B10FE33}"/>
+              </a:ext>
+            </a:extLst>
+          </p:cNvPr>
+          <p:cNvSpPr txBox="1"/>
+          <p:nvPr/>
+        </p:nvSpPr>
+        <p:spPr>
+          <a:xfrm>
+            <a:off x="404459" y="5264715"/>
+            <a:ext cx="11524309" cy="584775"/>
+          </a:xfrm>
+          <a:prstGeom prst="rect">
+            <a:avLst/>
+          </a:prstGeom>
+          <a:noFill/>
+        </p:spPr>
+        <p:txBody>
+          <a:bodyPr wrap="none" rtlCol="0">
+            <a:spAutoFit/>
+          </a:bodyPr>
+          <a:lstStyle/>
+          <a:p>
+            <a:r>
+              <a:rPr lang="en-US" sz="3200" dirty="0"/>
+              <a:t>In other words, how do we make this precise and unobtrusive?</a:t>
+            </a:r>
           </a:p>
         </p:txBody>
       </p:sp>
     </p:spTree>
     <p:extLst>
       <p:ext uri="{BB962C8B-B14F-4D97-AF65-F5344CB8AC3E}">
-        <p14:creationId xmlns:p14="http://schemas.microsoft.com/office/powerpoint/2010/main" val="1220282188"/>
+        <p14:creationId xmlns:p14="http://schemas.microsoft.com/office/powerpoint/2010/main" val="3440886272"/>
       </p:ext>
     </p:extLst>
   </p:cSld>
@@ -4579,7 +4364,7 @@
           <p:cNvPr id="2" name="Title 1">
             <a:extLst>
               <a:ext uri="{FF2B5EF4-FFF2-40B4-BE49-F238E27FC236}">
-                <a16:creationId xmlns:a16="http://schemas.microsoft.com/office/drawing/2014/main" id="{D014B71A-3678-DA44-8A7B-69B0EC06C764}"/>
+                <a16:creationId xmlns:a16="http://schemas.microsoft.com/office/drawing/2014/main" id="{906CE396-B085-E245-AB6B-2C5E398C01CE}"/>
               </a:ext>
             </a:extLst>
           </p:cNvPr>
@@ -4590,19 +4375,14 @@
             <p:ph type="title"/>
           </p:nvPr>
         </p:nvSpPr>
-        <p:spPr>
-          <a:xfrm>
-            <a:off x="838200" y="365125"/>
-            <a:ext cx="10515600" cy="992335"/>
-          </a:xfrm>
-        </p:spPr>
+        <p:spPr/>
         <p:txBody>
           <a:bodyPr/>
           <a:lstStyle/>
           <a:p>
             <a:r>
               <a:rPr lang="en-US" dirty="0"/>
-              <a:t>Key questions to answer</a:t>
+              <a:t>Screams for code instrumentation, right?</a:t>
             </a:r>
           </a:p>
         </p:txBody>
@@ -4612,7 +4392,7 @@
           <p:cNvPr id="3" name="Content Placeholder 2">
             <a:extLst>
               <a:ext uri="{FF2B5EF4-FFF2-40B4-BE49-F238E27FC236}">
-                <a16:creationId xmlns:a16="http://schemas.microsoft.com/office/drawing/2014/main" id="{22407BF5-7163-BB43-9BA1-C1728BB28111}"/>
+                <a16:creationId xmlns:a16="http://schemas.microsoft.com/office/drawing/2014/main" id="{CB7C9509-26D1-7046-A349-9EE4BD8352B9}"/>
               </a:ext>
             </a:extLst>
           </p:cNvPr>
@@ -4623,105 +4403,51 @@
             <p:ph idx="1"/>
           </p:nvPr>
         </p:nvSpPr>
-        <p:spPr>
-          <a:xfrm>
-            <a:off x="838200" y="1498862"/>
-            <a:ext cx="10515600" cy="4678101"/>
-          </a:xfrm>
-        </p:spPr>
+        <p:spPr/>
         <p:txBody>
           <a:bodyPr>
             <a:normAutofit/>
           </a:bodyPr>
           <a:lstStyle/>
           <a:p>
-            <a:pPr marL="514350" indent="-514350">
-              <a:buFont typeface="+mj-lt"/>
-              <a:buAutoNum type="arabicPeriod"/>
-            </a:pPr>
-            <a:r>
-              <a:rPr lang="en-US" dirty="0"/>
-              <a:t>Python traps exceptions at the statement level, so how can we identify offending operators and operand values? </a:t>
-            </a:r>
-          </a:p>
-          <a:p>
-            <a:pPr marL="514350" indent="-514350">
-              <a:buFont typeface="+mj-lt"/>
-              <a:buAutoNum type="arabicPeriod"/>
-            </a:pPr>
-            <a:r>
-              <a:rPr lang="en-US" dirty="0"/>
-              <a:t>How can we trap exceptions without requiring try/except blocks around statements with potential dimension problems?</a:t>
-            </a:r>
-            <a:br>
-              <a:rPr lang="en-US" dirty="0"/>
-            </a:br>
-            <a:r>
-              <a:rPr lang="en-US" dirty="0"/>
-              <a:t>(Also want to ignore non-matrix related exceptions; user shouldn't need to know Python internal execution details)</a:t>
-            </a:r>
-          </a:p>
-          <a:p>
-            <a:pPr marL="514350" indent="-514350">
-              <a:buFont typeface="+mj-lt"/>
-              <a:buAutoNum type="arabicPeriod"/>
-            </a:pPr>
-            <a:r>
-              <a:rPr lang="en-US" dirty="0"/>
-              <a:t>How can we generate matrix visualizations w/o explicit calls?</a:t>
-            </a:r>
-          </a:p>
-          <a:p>
-            <a:pPr marL="514350" indent="-514350">
-              <a:buFont typeface="+mj-lt"/>
-              <a:buAutoNum type="arabicPeriod"/>
-            </a:pPr>
-            <a:r>
-              <a:rPr lang="en-US" dirty="0"/>
-              <a:t>Can we make use of library zero cost until an exception?</a:t>
-            </a:r>
-          </a:p>
-        </p:txBody>
-      </p:sp>
-      <p:sp>
-        <p:nvSpPr>
-          <p:cNvPr id="6" name="TextBox 5">
-            <a:extLst>
-              <a:ext uri="{FF2B5EF4-FFF2-40B4-BE49-F238E27FC236}">
-                <a16:creationId xmlns:a16="http://schemas.microsoft.com/office/drawing/2014/main" id="{6A2404B0-BCDF-9C45-BF71-14219B10FE33}"/>
-              </a:ext>
-            </a:extLst>
-          </p:cNvPr>
-          <p:cNvSpPr txBox="1"/>
-          <p:nvPr/>
-        </p:nvSpPr>
-        <p:spPr>
-          <a:xfrm>
-            <a:off x="404459" y="5264715"/>
-            <a:ext cx="11524309" cy="584775"/>
-          </a:xfrm>
-          <a:prstGeom prst="rect">
-            <a:avLst/>
-          </a:prstGeom>
-          <a:noFill/>
-        </p:spPr>
-        <p:txBody>
-          <a:bodyPr wrap="none" rtlCol="0">
-            <a:spAutoFit/>
-          </a:bodyPr>
-          <a:lstStyle/>
-          <a:p>
-            <a:r>
-              <a:rPr lang="en-US" sz="3200" dirty="0"/>
-              <a:t>In other words, how do we make this precise and unobtrusive?</a:t>
-            </a:r>
+            <a:r>
+              <a:rPr lang="en-US" dirty="0"/>
+              <a:t>I considered injecting Python bytecode to track subexpression evaluation and to get finer-grained exception handling</a:t>
+            </a:r>
+          </a:p>
+          <a:p>
+            <a:r>
+              <a:rPr lang="en-US" dirty="0"/>
+              <a:t>But, that might require a separate tool and a preprocessing step, rather than simply importing a library</a:t>
+            </a:r>
+          </a:p>
+          <a:p>
+            <a:r>
+              <a:rPr lang="en-US" dirty="0"/>
+              <a:t>Injected code could slow down entire program execution significantly</a:t>
+            </a:r>
+          </a:p>
+          <a:p>
+            <a:r>
+              <a:rPr lang="en-US" dirty="0"/>
+              <a:t>Injected code might affect Python optimization / concurrency</a:t>
+            </a:r>
+          </a:p>
+          <a:p>
+            <a:r>
+              <a:rPr lang="en-US" dirty="0"/>
+              <a:t>It seemed like a lot of work to learn and implement for a skill I probably would never need again</a:t>
+            </a:r>
+          </a:p>
+          <a:p>
+            <a:endParaRPr lang="en-US" dirty="0"/>
           </a:p>
         </p:txBody>
       </p:sp>
     </p:spTree>
     <p:extLst>
       <p:ext uri="{BB962C8B-B14F-4D97-AF65-F5344CB8AC3E}">
-        <p14:creationId xmlns:p14="http://schemas.microsoft.com/office/powerpoint/2010/main" val="3440886272"/>
+        <p14:creationId xmlns:p14="http://schemas.microsoft.com/office/powerpoint/2010/main" val="1540936661"/>
       </p:ext>
     </p:extLst>
   </p:cSld>
@@ -4753,7 +4479,7 @@
           <p:cNvPr id="2" name="Title 1">
             <a:extLst>
               <a:ext uri="{FF2B5EF4-FFF2-40B4-BE49-F238E27FC236}">
-                <a16:creationId xmlns:a16="http://schemas.microsoft.com/office/drawing/2014/main" id="{906CE396-B085-E245-AB6B-2C5E398C01CE}"/>
+                <a16:creationId xmlns:a16="http://schemas.microsoft.com/office/drawing/2014/main" id="{837F6A9A-0A6B-B94F-8B91-6C23BBC5A946}"/>
               </a:ext>
             </a:extLst>
           </p:cNvPr>
@@ -4764,14 +4490,21 @@
             <p:ph type="title"/>
           </p:nvPr>
         </p:nvSpPr>
-        <p:spPr/>
-        <p:txBody>
-          <a:bodyPr/>
-          <a:lstStyle/>
-          <a:p>
-            <a:r>
-              <a:rPr lang="en-US" dirty="0"/>
-              <a:t>Screams for code instrumentation, right?</a:t>
+        <p:spPr>
+          <a:xfrm>
+            <a:off x="838199" y="365125"/>
+            <a:ext cx="10662501" cy="1325563"/>
+          </a:xfrm>
+        </p:spPr>
+        <p:txBody>
+          <a:bodyPr>
+            <a:normAutofit fontScale="90000"/>
+          </a:bodyPr>
+          <a:lstStyle/>
+          <a:p>
+            <a:r>
+              <a:rPr lang="en-US" dirty="0"/>
+              <a:t>Getting operator-level exceptions w/o bytecode instrumentation requires a total hack</a:t>
             </a:r>
           </a:p>
         </p:txBody>
@@ -4781,7 +4514,7 @@
           <p:cNvPr id="3" name="Content Placeholder 2">
             <a:extLst>
               <a:ext uri="{FF2B5EF4-FFF2-40B4-BE49-F238E27FC236}">
-                <a16:creationId xmlns:a16="http://schemas.microsoft.com/office/drawing/2014/main" id="{CB7C9509-26D1-7046-A349-9EE4BD8352B9}"/>
+                <a16:creationId xmlns:a16="http://schemas.microsoft.com/office/drawing/2014/main" id="{524F48FA-29F3-7C45-AEC9-CDAD6EE5405B}"/>
               </a:ext>
             </a:extLst>
           </p:cNvPr>
@@ -4795,48 +4528,57 @@
         <p:spPr/>
         <p:txBody>
           <a:bodyPr>
-            <a:normAutofit/>
+            <a:normAutofit lnSpcReduction="10000"/>
           </a:bodyPr>
           <a:lstStyle/>
           <a:p>
             <a:r>
               <a:rPr lang="en-US" dirty="0"/>
-              <a:t>I considered injecting Python bytecode to track subexpression evaluation and to get finer-grained exception handling</a:t>
-            </a:r>
-          </a:p>
-          <a:p>
-            <a:r>
-              <a:rPr lang="en-US" dirty="0"/>
-              <a:t>But, that might require a separate tool and a preprocessing step, rather than simply importing a library</a:t>
-            </a:r>
-          </a:p>
-          <a:p>
-            <a:r>
-              <a:rPr lang="en-US" dirty="0"/>
-              <a:t>Injected code could slow down entire program execution significantly</a:t>
-            </a:r>
-          </a:p>
-          <a:p>
-            <a:r>
-              <a:rPr lang="en-US" dirty="0"/>
-              <a:t>Injected code might affect Python optimization / concurrency</a:t>
-            </a:r>
-          </a:p>
-          <a:p>
-            <a:r>
-              <a:rPr lang="en-US" dirty="0"/>
-              <a:t>It seemed like a lot of work to learn and implement for a skill I probably would never need again</a:t>
-            </a:r>
-          </a:p>
-          <a:p>
+              <a:t>We have: (1) the full execution stack and (2) the offending line of source code</a:t>
+            </a:r>
+          </a:p>
+          <a:p>
+            <a:r>
+              <a:rPr lang="en-US" dirty="0"/>
+              <a:t>To identify the individual operator and operands that triggered an exception use brute-force:</a:t>
+            </a:r>
+          </a:p>
+          <a:p>
+            <a:pPr lvl="1"/>
+            <a:r>
+              <a:rPr lang="en-US" dirty="0"/>
+              <a:t>reevaluate each operation in the line, piece-by-piece, in proper order, and in the correct execution context (must pick correct stack frame)</a:t>
+            </a:r>
+          </a:p>
+          <a:p>
+            <a:r>
+              <a:rPr lang="en-US" dirty="0"/>
+              <a:t>Wait for an operator to cause an exception, report op/</a:t>
+            </a:r>
+            <a:r>
+              <a:rPr lang="en-US" dirty="0" err="1"/>
+              <a:t>opnds</a:t>
+            </a:r>
             <a:endParaRPr lang="en-US" dirty="0"/>
+          </a:p>
+          <a:p>
+            <a:r>
+              <a:rPr lang="en-US" dirty="0"/>
+              <a:t>Zero cost until error, but assumes side-effect free functions</a:t>
+            </a:r>
+          </a:p>
+          <a:p>
+            <a:r>
+              <a:rPr lang="en-US" dirty="0"/>
+              <a:t>Even if side-effecting, who cares (usually)? Program is about to terminate</a:t>
+            </a:r>
           </a:p>
         </p:txBody>
       </p:sp>
     </p:spTree>
     <p:extLst>
       <p:ext uri="{BB962C8B-B14F-4D97-AF65-F5344CB8AC3E}">
-        <p14:creationId xmlns:p14="http://schemas.microsoft.com/office/powerpoint/2010/main" val="1540936661"/>
+        <p14:creationId xmlns:p14="http://schemas.microsoft.com/office/powerpoint/2010/main" val="4145247834"/>
       </p:ext>
     </p:extLst>
   </p:cSld>
@@ -4868,7 +4610,7 @@
           <p:cNvPr id="2" name="Title 1">
             <a:extLst>
               <a:ext uri="{FF2B5EF4-FFF2-40B4-BE49-F238E27FC236}">
-                <a16:creationId xmlns:a16="http://schemas.microsoft.com/office/drawing/2014/main" id="{837F6A9A-0A6B-B94F-8B91-6C23BBC5A946}"/>
+                <a16:creationId xmlns:a16="http://schemas.microsoft.com/office/drawing/2014/main" id="{F7B71233-6082-A34D-891B-535438901B7C}"/>
               </a:ext>
             </a:extLst>
           </p:cNvPr>
@@ -4881,19 +4623,17 @@
         </p:nvSpPr>
         <p:spPr>
           <a:xfrm>
-            <a:off x="838199" y="365125"/>
-            <a:ext cx="10662501" cy="1325563"/>
-          </a:xfrm>
-        </p:spPr>
-        <p:txBody>
-          <a:bodyPr>
-            <a:normAutofit fontScale="90000"/>
-          </a:bodyPr>
-          <a:lstStyle/>
-          <a:p>
-            <a:r>
-              <a:rPr lang="en-US" dirty="0"/>
-              <a:t>Getting operator-level exceptions w/o bytecode instrumentation requires a total hack</a:t>
+            <a:off x="838200" y="365125"/>
+            <a:ext cx="10515600" cy="727285"/>
+          </a:xfrm>
+        </p:spPr>
+        <p:txBody>
+          <a:bodyPr/>
+          <a:lstStyle/>
+          <a:p>
+            <a:r>
+              <a:rPr lang="en-US" dirty="0"/>
+              <a:t>Reevaluation mechanism</a:t>
             </a:r>
           </a:p>
         </p:txBody>
@@ -4903,7 +4643,7 @@
           <p:cNvPr id="3" name="Content Placeholder 2">
             <a:extLst>
               <a:ext uri="{FF2B5EF4-FFF2-40B4-BE49-F238E27FC236}">
-                <a16:creationId xmlns:a16="http://schemas.microsoft.com/office/drawing/2014/main" id="{524F48FA-29F3-7C45-AEC9-CDAD6EE5405B}"/>
+                <a16:creationId xmlns:a16="http://schemas.microsoft.com/office/drawing/2014/main" id="{5B71B924-17ED-DE4C-80CE-C6506A32A07D}"/>
               </a:ext>
             </a:extLst>
           </p:cNvPr>
@@ -4914,52 +4654,188 @@
             <p:ph idx="1"/>
           </p:nvPr>
         </p:nvSpPr>
-        <p:spPr/>
+        <p:spPr>
+          <a:xfrm>
+            <a:off x="754144" y="1230792"/>
+            <a:ext cx="5684363" cy="5262084"/>
+          </a:xfrm>
+        </p:spPr>
         <p:txBody>
           <a:bodyPr>
-            <a:normAutofit lnSpcReduction="10000"/>
+            <a:normAutofit fontScale="92500" lnSpcReduction="20000"/>
           </a:bodyPr>
           <a:lstStyle/>
           <a:p>
             <a:r>
               <a:rPr lang="en-US" dirty="0"/>
-              <a:t>We have: (1) the full execution stack and (2) the offending line of source code</a:t>
-            </a:r>
-          </a:p>
-          <a:p>
-            <a:r>
-              <a:rPr lang="en-US" dirty="0"/>
-              <a:t>To identify the individual operator and operands that triggered an exception use brute-force:</a:t>
-            </a:r>
-          </a:p>
-          <a:p>
-            <a:pPr lvl="1"/>
-            <a:r>
-              <a:rPr lang="en-US" dirty="0"/>
-              <a:t>reevaluate each operation in the line, piece-by-piece, in proper order, and in the correct execution context (must pick correct stack frame)</a:t>
-            </a:r>
-          </a:p>
-          <a:p>
-            <a:r>
-              <a:rPr lang="en-US" dirty="0"/>
-              <a:t>Wait for an operator to cause an exception, report op/</a:t>
+              <a:t>First, check if exception is tensor-related or if exec stack descends into a known tensor lib</a:t>
+            </a:r>
+          </a:p>
+          <a:p>
+            <a:r>
+              <a:rPr lang="en-US" dirty="0"/>
+              <a:t>If so, find and parse deepest </a:t>
+            </a:r>
+            <a:r>
+              <a:rPr lang="en-US" i="1" dirty="0"/>
+              <a:t>user-level</a:t>
+            </a:r>
+            <a:r>
+              <a:rPr lang="en-US" dirty="0"/>
+              <a:t> offending statement and build an appropriate AST with operators as subtree roots</a:t>
+            </a:r>
+          </a:p>
+          <a:p>
+            <a:r>
+              <a:rPr lang="en-US" dirty="0"/>
+              <a:t>Uses built-in Python tokenizer</a:t>
+            </a:r>
+          </a:p>
+          <a:p>
+            <a:r>
+              <a:rPr lang="en-US" dirty="0"/>
+              <a:t>Uses </a:t>
             </a:r>
             <a:r>
               <a:rPr lang="en-US" dirty="0" err="1"/>
-              <a:t>opnds</a:t>
+              <a:t>handbuilt</a:t>
+            </a:r>
+            <a:r>
+              <a:rPr lang="en-US" dirty="0"/>
+              <a:t> Python parser for subset of statements / </a:t>
+            </a:r>
+            <a:r>
+              <a:rPr lang="en-US" dirty="0" err="1"/>
+              <a:t>exprs</a:t>
             </a:r>
             <a:endParaRPr lang="en-US" dirty="0"/>
           </a:p>
           <a:p>
             <a:r>
               <a:rPr lang="en-US" dirty="0"/>
-              <a:t>Zero cost until error, but assumes side-effect free functions</a:t>
-            </a:r>
-          </a:p>
-          <a:p>
-            <a:r>
-              <a:rPr lang="en-US" dirty="0"/>
-              <a:t>Even if side-effecting, who cares (usually)? Program is about to terminate</a:t>
+              <a:t>Avoided ANTLR to avoid introducing a lib dependency</a:t>
+            </a:r>
+          </a:p>
+          <a:p>
+            <a:r>
+              <a:rPr lang="en-US" dirty="0"/>
+              <a:t>Avoided built-in Python parser since reorg'ing its AST is same work as  rolling my own "</a:t>
+            </a:r>
+            <a:r>
+              <a:rPr lang="en-US" dirty="0" err="1"/>
+              <a:t>parrser</a:t>
+            </a:r>
+            <a:r>
+              <a:rPr lang="en-US" dirty="0"/>
+              <a:t>"</a:t>
+            </a:r>
+          </a:p>
+        </p:txBody>
+      </p:sp>
+      <p:pic>
+        <p:nvPicPr>
+          <p:cNvPr id="4" name="Picture 3">
+            <a:extLst>
+              <a:ext uri="{FF2B5EF4-FFF2-40B4-BE49-F238E27FC236}">
+                <a16:creationId xmlns:a16="http://schemas.microsoft.com/office/drawing/2014/main" id="{18CB3F87-D4DE-1940-8589-A9F959BA4C1D}"/>
+              </a:ext>
+            </a:extLst>
+          </p:cNvPr>
+          <p:cNvPicPr>
+            <a:picLocks noChangeAspect="1"/>
+          </p:cNvPicPr>
+          <p:nvPr/>
+        </p:nvPicPr>
+        <p:blipFill>
+          <a:blip r:embed="rId2"/>
+          <a:stretch>
+            <a:fillRect/>
+          </a:stretch>
+        </p:blipFill>
+        <p:spPr>
+          <a:xfrm>
+            <a:off x="6438507" y="1230791"/>
+            <a:ext cx="5684363" cy="5084553"/>
+          </a:xfrm>
+          <a:prstGeom prst="rect">
+            <a:avLst/>
+          </a:prstGeom>
+        </p:spPr>
+      </p:pic>
+      <p:sp>
+        <p:nvSpPr>
+          <p:cNvPr id="5" name="TextBox 4">
+            <a:extLst>
+              <a:ext uri="{FF2B5EF4-FFF2-40B4-BE49-F238E27FC236}">
+                <a16:creationId xmlns:a16="http://schemas.microsoft.com/office/drawing/2014/main" id="{8054C3C1-F0F7-4C4F-B069-ED50342BA779}"/>
+              </a:ext>
+            </a:extLst>
+          </p:cNvPr>
+          <p:cNvSpPr txBox="1"/>
+          <p:nvPr/>
+        </p:nvSpPr>
+        <p:spPr>
+          <a:xfrm>
+            <a:off x="5203596" y="4490414"/>
+            <a:ext cx="697627" cy="707886"/>
+          </a:xfrm>
+          <a:prstGeom prst="rect">
+            <a:avLst/>
+          </a:prstGeom>
+          <a:noFill/>
+        </p:spPr>
+        <p:txBody>
+          <a:bodyPr wrap="none" rtlCol="0">
+            <a:spAutoFit/>
+          </a:bodyPr>
+          <a:lstStyle/>
+          <a:p>
+            <a:r>
+              <a:rPr lang="en-US" sz="4000" dirty="0"/>
+              <a:t>🤣</a:t>
+            </a:r>
+          </a:p>
+        </p:txBody>
+      </p:sp>
+      <p:sp>
+        <p:nvSpPr>
+          <p:cNvPr id="6" name="TextBox 5">
+            <a:extLst>
+              <a:ext uri="{FF2B5EF4-FFF2-40B4-BE49-F238E27FC236}">
+                <a16:creationId xmlns:a16="http://schemas.microsoft.com/office/drawing/2014/main" id="{9DD1F523-A5A5-9C40-A885-FA7BC77C7326}"/>
+              </a:ext>
+            </a:extLst>
+          </p:cNvPr>
+          <p:cNvSpPr txBox="1"/>
+          <p:nvPr/>
+        </p:nvSpPr>
+        <p:spPr>
+          <a:xfrm>
+            <a:off x="8832916" y="5442543"/>
+            <a:ext cx="3065968" cy="369332"/>
+          </a:xfrm>
+          <a:prstGeom prst="rect">
+            <a:avLst/>
+          </a:prstGeom>
+          <a:noFill/>
+        </p:spPr>
+        <p:txBody>
+          <a:bodyPr wrap="none" rtlCol="0">
+            <a:spAutoFit/>
+          </a:bodyPr>
+          <a:lstStyle/>
+          <a:p>
+            <a:r>
+              <a:rPr lang="en-US" dirty="0"/>
+              <a:t>(also from </a:t>
+            </a:r>
+            <a:r>
+              <a:rPr lang="en-US" dirty="0" err="1"/>
+              <a:t>TensorSensor</a:t>
+            </a:r>
+            <a:r>
+              <a:rPr lang="en-US" dirty="0"/>
+              <a:t> lib)</a:t>
             </a:r>
           </a:p>
         </p:txBody>
@@ -4967,7 +4843,7 @@
     </p:spTree>
     <p:extLst>
       <p:ext uri="{BB962C8B-B14F-4D97-AF65-F5344CB8AC3E}">
-        <p14:creationId xmlns:p14="http://schemas.microsoft.com/office/powerpoint/2010/main" val="4145247834"/>
+        <p14:creationId xmlns:p14="http://schemas.microsoft.com/office/powerpoint/2010/main" val="26650210"/>
       </p:ext>
     </p:extLst>
   </p:cSld>
@@ -5022,7 +4898,7 @@
           <a:p>
             <a:r>
               <a:rPr lang="en-US" dirty="0"/>
-              <a:t>Reevaluation mechanism</a:t>
+              <a:t>Reevaluation mechanism continued</a:t>
             </a:r>
           </a:p>
         </p:txBody>
@@ -5045,78 +4921,53 @@
         </p:nvSpPr>
         <p:spPr>
           <a:xfrm>
-            <a:off x="754144" y="1230792"/>
-            <a:ext cx="5684363" cy="5262084"/>
+            <a:off x="584462" y="1230791"/>
+            <a:ext cx="5854045" cy="5222934"/>
           </a:xfrm>
         </p:spPr>
         <p:txBody>
           <a:bodyPr>
-            <a:normAutofit fontScale="92500" lnSpcReduction="20000"/>
+            <a:normAutofit/>
           </a:bodyPr>
           <a:lstStyle/>
           <a:p>
             <a:r>
               <a:rPr lang="en-US" dirty="0"/>
-              <a:t>First, check if exception is tensor-related or if exec stack descends into a known tensor lib</a:t>
-            </a:r>
-          </a:p>
-          <a:p>
-            <a:r>
-              <a:rPr lang="en-US" dirty="0"/>
-              <a:t>If so, find and parse deepest </a:t>
-            </a:r>
-            <a:r>
-              <a:rPr lang="en-US" i="1" dirty="0"/>
-              <a:t>user-level</a:t>
-            </a:r>
-            <a:r>
-              <a:rPr lang="en-US" dirty="0"/>
-              <a:t> offending statement and build an appropriate AST with operators as subtree roots</a:t>
-            </a:r>
-          </a:p>
-          <a:p>
-            <a:r>
-              <a:rPr lang="en-US" dirty="0"/>
-              <a:t>Uses built-in Python tokenizer</a:t>
-            </a:r>
-          </a:p>
-          <a:p>
-            <a:r>
-              <a:rPr lang="en-US" dirty="0"/>
-              <a:t>Uses </a:t>
-            </a:r>
-            <a:r>
-              <a:rPr lang="en-US" dirty="0" err="1"/>
-              <a:t>handbuilt</a:t>
-            </a:r>
-            <a:r>
-              <a:rPr lang="en-US" dirty="0"/>
-              <a:t> Python parser for subset of statements / </a:t>
-            </a:r>
-            <a:r>
-              <a:rPr lang="en-US" dirty="0" err="1"/>
-              <a:t>exprs</a:t>
-            </a:r>
-            <a:endParaRPr lang="en-US" dirty="0"/>
-          </a:p>
-          <a:p>
-            <a:r>
-              <a:rPr lang="en-US" dirty="0"/>
-              <a:t>Avoided ANTLR to avoid introducing a lib dependency</a:t>
-            </a:r>
-          </a:p>
-          <a:p>
-            <a:r>
-              <a:rPr lang="en-US" dirty="0"/>
-              <a:t>Avoided built-in Python parser since reorg'ing its AST is same work as  rolling my own "</a:t>
-            </a:r>
-            <a:r>
-              <a:rPr lang="en-US" dirty="0" err="1"/>
-              <a:t>parrser</a:t>
-            </a:r>
-            <a:r>
-              <a:rPr lang="en-US" dirty="0"/>
-              <a:t>"</a:t>
+              <a:t>Evaluate operators of AST bottom-up in proper exec order</a:t>
+            </a:r>
+          </a:p>
+          <a:p>
+            <a:r>
+              <a:rPr lang="en-US" dirty="0"/>
+              <a:t>Call </a:t>
+            </a:r>
+            <a:r>
+              <a:rPr lang="en-US" b="1" dirty="0"/>
+              <a:t>eval()</a:t>
+            </a:r>
+            <a:r>
+              <a:rPr lang="en-US" dirty="0"/>
+              <a:t> on Python source of subexpressions using the appropriate execution contexts, saving results in associated nodes</a:t>
+            </a:r>
+          </a:p>
+          <a:p>
+            <a:r>
+              <a:rPr lang="en-US" dirty="0"/>
+              <a:t>Trap and absorb exception from </a:t>
+            </a:r>
+            <a:r>
+              <a:rPr lang="en-US" b="1" dirty="0"/>
+              <a:t>eval()</a:t>
+            </a:r>
+            <a:r>
+              <a:rPr lang="en-US" dirty="0"/>
+              <a:t>, record that exception and offending AST node</a:t>
+            </a:r>
+          </a:p>
+          <a:p>
+            <a:r>
+              <a:rPr lang="en-US" dirty="0"/>
+              <a:t>Augment original exception message with info derived this new exception, op, operands</a:t>
             </a:r>
           </a:p>
         </p:txBody>
@@ -5151,88 +5002,10 @@
           </a:prstGeom>
         </p:spPr>
       </p:pic>
-      <p:sp>
-        <p:nvSpPr>
-          <p:cNvPr id="5" name="TextBox 4">
-            <a:extLst>
-              <a:ext uri="{FF2B5EF4-FFF2-40B4-BE49-F238E27FC236}">
-                <a16:creationId xmlns:a16="http://schemas.microsoft.com/office/drawing/2014/main" id="{8054C3C1-F0F7-4C4F-B069-ED50342BA779}"/>
-              </a:ext>
-            </a:extLst>
-          </p:cNvPr>
-          <p:cNvSpPr txBox="1"/>
-          <p:nvPr/>
-        </p:nvSpPr>
-        <p:spPr>
-          <a:xfrm>
-            <a:off x="5203596" y="4490414"/>
-            <a:ext cx="697627" cy="707886"/>
-          </a:xfrm>
-          <a:prstGeom prst="rect">
-            <a:avLst/>
-          </a:prstGeom>
-          <a:noFill/>
-        </p:spPr>
-        <p:txBody>
-          <a:bodyPr wrap="none" rtlCol="0">
-            <a:spAutoFit/>
-          </a:bodyPr>
-          <a:lstStyle/>
-          <a:p>
-            <a:r>
-              <a:rPr lang="en-US" sz="4000" dirty="0"/>
-              <a:t>🤣</a:t>
-            </a:r>
-          </a:p>
-        </p:txBody>
-      </p:sp>
-      <p:sp>
-        <p:nvSpPr>
-          <p:cNvPr id="6" name="TextBox 5">
-            <a:extLst>
-              <a:ext uri="{FF2B5EF4-FFF2-40B4-BE49-F238E27FC236}">
-                <a16:creationId xmlns:a16="http://schemas.microsoft.com/office/drawing/2014/main" id="{9DD1F523-A5A5-9C40-A885-FA7BC77C7326}"/>
-              </a:ext>
-            </a:extLst>
-          </p:cNvPr>
-          <p:cNvSpPr txBox="1"/>
-          <p:nvPr/>
-        </p:nvSpPr>
-        <p:spPr>
-          <a:xfrm>
-            <a:off x="8832916" y="5442543"/>
-            <a:ext cx="3065968" cy="369332"/>
-          </a:xfrm>
-          <a:prstGeom prst="rect">
-            <a:avLst/>
-          </a:prstGeom>
-          <a:noFill/>
-        </p:spPr>
-        <p:txBody>
-          <a:bodyPr wrap="none" rtlCol="0">
-            <a:spAutoFit/>
-          </a:bodyPr>
-          <a:lstStyle/>
-          <a:p>
-            <a:r>
-              <a:rPr lang="en-US" dirty="0"/>
-              <a:t>(also from </a:t>
-            </a:r>
-            <a:r>
-              <a:rPr lang="en-US" dirty="0" err="1"/>
-              <a:t>TensorSensor</a:t>
-            </a:r>
-            <a:r>
-              <a:rPr lang="en-US" dirty="0"/>
-              <a:t> lib)</a:t>
-            </a:r>
-          </a:p>
-        </p:txBody>
-      </p:sp>
     </p:spTree>
     <p:extLst>
       <p:ext uri="{BB962C8B-B14F-4D97-AF65-F5344CB8AC3E}">
-        <p14:creationId xmlns:p14="http://schemas.microsoft.com/office/powerpoint/2010/main" val="26650210"/>
+        <p14:creationId xmlns:p14="http://schemas.microsoft.com/office/powerpoint/2010/main" val="611637354"/>
       </p:ext>
     </p:extLst>
   </p:cSld>
@@ -5264,168 +5037,6 @@
           <p:cNvPr id="2" name="Title 1">
             <a:extLst>
               <a:ext uri="{FF2B5EF4-FFF2-40B4-BE49-F238E27FC236}">
-                <a16:creationId xmlns:a16="http://schemas.microsoft.com/office/drawing/2014/main" id="{F7B71233-6082-A34D-891B-535438901B7C}"/>
-              </a:ext>
-            </a:extLst>
-          </p:cNvPr>
-          <p:cNvSpPr>
-            <a:spLocks noGrp="1"/>
-          </p:cNvSpPr>
-          <p:nvPr>
-            <p:ph type="title"/>
-          </p:nvPr>
-        </p:nvSpPr>
-        <p:spPr>
-          <a:xfrm>
-            <a:off x="838200" y="365125"/>
-            <a:ext cx="10515600" cy="727285"/>
-          </a:xfrm>
-        </p:spPr>
-        <p:txBody>
-          <a:bodyPr/>
-          <a:lstStyle/>
-          <a:p>
-            <a:r>
-              <a:rPr lang="en-US" dirty="0"/>
-              <a:t>Reevaluation mechanism continued</a:t>
-            </a:r>
-          </a:p>
-        </p:txBody>
-      </p:sp>
-      <p:sp>
-        <p:nvSpPr>
-          <p:cNvPr id="3" name="Content Placeholder 2">
-            <a:extLst>
-              <a:ext uri="{FF2B5EF4-FFF2-40B4-BE49-F238E27FC236}">
-                <a16:creationId xmlns:a16="http://schemas.microsoft.com/office/drawing/2014/main" id="{5B71B924-17ED-DE4C-80CE-C6506A32A07D}"/>
-              </a:ext>
-            </a:extLst>
-          </p:cNvPr>
-          <p:cNvSpPr>
-            <a:spLocks noGrp="1"/>
-          </p:cNvSpPr>
-          <p:nvPr>
-            <p:ph idx="1"/>
-          </p:nvPr>
-        </p:nvSpPr>
-        <p:spPr>
-          <a:xfrm>
-            <a:off x="584462" y="1230791"/>
-            <a:ext cx="5854045" cy="5222934"/>
-          </a:xfrm>
-        </p:spPr>
-        <p:txBody>
-          <a:bodyPr>
-            <a:normAutofit/>
-          </a:bodyPr>
-          <a:lstStyle/>
-          <a:p>
-            <a:r>
-              <a:rPr lang="en-US" dirty="0"/>
-              <a:t>Evaluate operators of AST bottom-up in proper exec order</a:t>
-            </a:r>
-          </a:p>
-          <a:p>
-            <a:r>
-              <a:rPr lang="en-US" dirty="0"/>
-              <a:t>Call </a:t>
-            </a:r>
-            <a:r>
-              <a:rPr lang="en-US" b="1" dirty="0"/>
-              <a:t>eval()</a:t>
-            </a:r>
-            <a:r>
-              <a:rPr lang="en-US" dirty="0"/>
-              <a:t> on Python source of subexpressions using the appropriate execution contexts, saving results in associated nodes</a:t>
-            </a:r>
-          </a:p>
-          <a:p>
-            <a:r>
-              <a:rPr lang="en-US" dirty="0"/>
-              <a:t>Trap and absorb exception from </a:t>
-            </a:r>
-            <a:r>
-              <a:rPr lang="en-US" b="1" dirty="0"/>
-              <a:t>eval()</a:t>
-            </a:r>
-            <a:r>
-              <a:rPr lang="en-US" dirty="0"/>
-              <a:t>, record that exception and offending AST node</a:t>
-            </a:r>
-          </a:p>
-          <a:p>
-            <a:r>
-              <a:rPr lang="en-US" dirty="0"/>
-              <a:t>Augment original exception message with info derived this new exception, op, operands</a:t>
-            </a:r>
-          </a:p>
-        </p:txBody>
-      </p:sp>
-      <p:pic>
-        <p:nvPicPr>
-          <p:cNvPr id="4" name="Picture 3">
-            <a:extLst>
-              <a:ext uri="{FF2B5EF4-FFF2-40B4-BE49-F238E27FC236}">
-                <a16:creationId xmlns:a16="http://schemas.microsoft.com/office/drawing/2014/main" id="{18CB3F87-D4DE-1940-8589-A9F959BA4C1D}"/>
-              </a:ext>
-            </a:extLst>
-          </p:cNvPr>
-          <p:cNvPicPr>
-            <a:picLocks noChangeAspect="1"/>
-          </p:cNvPicPr>
-          <p:nvPr/>
-        </p:nvPicPr>
-        <p:blipFill>
-          <a:blip r:embed="rId2"/>
-          <a:stretch>
-            <a:fillRect/>
-          </a:stretch>
-        </p:blipFill>
-        <p:spPr>
-          <a:xfrm>
-            <a:off x="6438507" y="1230791"/>
-            <a:ext cx="5684363" cy="5084553"/>
-          </a:xfrm>
-          <a:prstGeom prst="rect">
-            <a:avLst/>
-          </a:prstGeom>
-        </p:spPr>
-      </p:pic>
-    </p:spTree>
-    <p:extLst>
-      <p:ext uri="{BB962C8B-B14F-4D97-AF65-F5344CB8AC3E}">
-        <p14:creationId xmlns:p14="http://schemas.microsoft.com/office/powerpoint/2010/main" val="611637354"/>
-      </p:ext>
-    </p:extLst>
-  </p:cSld>
-  <p:clrMapOvr>
-    <a:masterClrMapping/>
-  </p:clrMapOvr>
-</p:sld>
-</file>
-
-<file path=ppt/slides/slide17.xml><?xml version="1.0" encoding="utf-8"?>
-<p:sld xmlns:a="http://schemas.openxmlformats.org/drawingml/2006/main" xmlns:r="http://schemas.openxmlformats.org/officeDocument/2006/relationships" xmlns:p="http://schemas.openxmlformats.org/presentationml/2006/main">
-  <p:cSld>
-    <p:spTree>
-      <p:nvGrpSpPr>
-        <p:cNvPr id="1" name=""/>
-        <p:cNvGrpSpPr/>
-        <p:nvPr/>
-      </p:nvGrpSpPr>
-      <p:grpSpPr>
-        <a:xfrm>
-          <a:off x="0" y="0"/>
-          <a:ext cx="0" cy="0"/>
-          <a:chOff x="0" y="0"/>
-          <a:chExt cx="0" cy="0"/>
-        </a:xfrm>
-      </p:grpSpPr>
-      <p:sp>
-        <p:nvSpPr>
-          <p:cNvPr id="2" name="Title 1">
-            <a:extLst>
-              <a:ext uri="{FF2B5EF4-FFF2-40B4-BE49-F238E27FC236}">
                 <a16:creationId xmlns:a16="http://schemas.microsoft.com/office/drawing/2014/main" id="{6EFC4823-71C6-5D49-A244-5A5599A9D139}"/>
               </a:ext>
             </a:extLst>
@@ -5587,7 +5198,7 @@
 </p:sld>
 </file>
 
-<file path=ppt/slides/slide18.xml><?xml version="1.0" encoding="utf-8"?>
+<file path=ppt/slides/slide17.xml><?xml version="1.0" encoding="utf-8"?>
 <p:sld xmlns:a="http://schemas.openxmlformats.org/drawingml/2006/main" xmlns:r="http://schemas.openxmlformats.org/officeDocument/2006/relationships" xmlns:p="http://schemas.openxmlformats.org/presentationml/2006/main">
   <p:cSld>
     <p:spTree>
@@ -7210,7 +6821,7 @@
 </p:sld>
 </file>
 
-<file path=ppt/slides/slide19.xml><?xml version="1.0" encoding="utf-8"?>
+<file path=ppt/slides/slide18.xml><?xml version="1.0" encoding="utf-8"?>
 <p:sld xmlns:a="http://schemas.openxmlformats.org/drawingml/2006/main" xmlns:r="http://schemas.openxmlformats.org/officeDocument/2006/relationships" xmlns:p="http://schemas.openxmlformats.org/presentationml/2006/main">
   <p:cSld>
     <p:spTree>
@@ -7709,6 +7320,239 @@
 </p:sld>
 </file>
 
+<file path=ppt/slides/slide19.xml><?xml version="1.0" encoding="utf-8"?>
+<p:sld xmlns:a="http://schemas.openxmlformats.org/drawingml/2006/main" xmlns:r="http://schemas.openxmlformats.org/officeDocument/2006/relationships" xmlns:p="http://schemas.openxmlformats.org/presentationml/2006/main">
+  <p:cSld>
+    <p:spTree>
+      <p:nvGrpSpPr>
+        <p:cNvPr id="1" name=""/>
+        <p:cNvGrpSpPr/>
+        <p:nvPr/>
+      </p:nvGrpSpPr>
+      <p:grpSpPr>
+        <a:xfrm>
+          <a:off x="0" y="0"/>
+          <a:ext cx="0" cy="0"/>
+          <a:chOff x="0" y="0"/>
+          <a:chExt cx="0" cy="0"/>
+        </a:xfrm>
+      </p:grpSpPr>
+      <p:sp>
+        <p:nvSpPr>
+          <p:cNvPr id="2" name="Title 1">
+            <a:extLst>
+              <a:ext uri="{FF2B5EF4-FFF2-40B4-BE49-F238E27FC236}">
+                <a16:creationId xmlns:a16="http://schemas.microsoft.com/office/drawing/2014/main" id="{BE960F11-DB38-DD4F-A5A9-30B2DBDF797C}"/>
+              </a:ext>
+            </a:extLst>
+          </p:cNvPr>
+          <p:cNvSpPr>
+            <a:spLocks noGrp="1"/>
+          </p:cNvSpPr>
+          <p:nvPr>
+            <p:ph type="title"/>
+          </p:nvPr>
+        </p:nvSpPr>
+        <p:spPr>
+          <a:xfrm>
+            <a:off x="838200" y="365126"/>
+            <a:ext cx="10515600" cy="760674"/>
+          </a:xfrm>
+        </p:spPr>
+        <p:txBody>
+          <a:bodyPr/>
+          <a:lstStyle/>
+          <a:p>
+            <a:r>
+              <a:rPr lang="en-US" dirty="0"/>
+              <a:t>Explaining correct matrix code</a:t>
+            </a:r>
+          </a:p>
+        </p:txBody>
+      </p:sp>
+      <p:sp>
+        <p:nvSpPr>
+          <p:cNvPr id="3" name="Content Placeholder 2">
+            <a:extLst>
+              <a:ext uri="{FF2B5EF4-FFF2-40B4-BE49-F238E27FC236}">
+                <a16:creationId xmlns:a16="http://schemas.microsoft.com/office/drawing/2014/main" id="{AA044F21-7281-AA48-A6A2-4A996F6DF59E}"/>
+              </a:ext>
+            </a:extLst>
+          </p:cNvPr>
+          <p:cNvSpPr>
+            <a:spLocks noGrp="1"/>
+          </p:cNvSpPr>
+          <p:nvPr>
+            <p:ph idx="1"/>
+          </p:nvPr>
+        </p:nvSpPr>
+        <p:spPr>
+          <a:xfrm>
+            <a:off x="744718" y="1457145"/>
+            <a:ext cx="3939309" cy="4719818"/>
+          </a:xfrm>
+        </p:spPr>
+        <p:txBody>
+          <a:bodyPr>
+            <a:normAutofit/>
+          </a:bodyPr>
+          <a:lstStyle/>
+          <a:p>
+            <a:r>
+              <a:rPr lang="en-US" b="1" dirty="0"/>
+              <a:t>clarify</a:t>
+            </a:r>
+            <a:r>
+              <a:rPr lang="en-US" dirty="0"/>
+              <a:t>() has no effect unless tensor code triggers an exception</a:t>
+            </a:r>
+          </a:p>
+          <a:p>
+            <a:r>
+              <a:rPr lang="en-US" dirty="0"/>
+              <a:t>To aid reading matrix code, </a:t>
+            </a:r>
+            <a:r>
+              <a:rPr lang="en-US" b="1" dirty="0"/>
+              <a:t>explain</a:t>
+            </a:r>
+            <a:r>
+              <a:rPr lang="en-US" dirty="0"/>
+              <a:t>() gens a visualization for each statement within the block</a:t>
+            </a:r>
+          </a:p>
+        </p:txBody>
+      </p:sp>
+      <p:pic>
+        <p:nvPicPr>
+          <p:cNvPr id="7" name="Picture 6">
+            <a:extLst>
+              <a:ext uri="{FF2B5EF4-FFF2-40B4-BE49-F238E27FC236}">
+                <a16:creationId xmlns:a16="http://schemas.microsoft.com/office/drawing/2014/main" id="{50E83C4E-8003-6248-81B6-1F8B3E7AD2DA}"/>
+              </a:ext>
+            </a:extLst>
+          </p:cNvPr>
+          <p:cNvPicPr>
+            <a:picLocks noChangeAspect="1"/>
+          </p:cNvPicPr>
+          <p:nvPr/>
+        </p:nvPicPr>
+        <p:blipFill>
+          <a:blip r:embed="rId2"/>
+          <a:stretch>
+            <a:fillRect/>
+          </a:stretch>
+        </p:blipFill>
+        <p:spPr>
+          <a:xfrm>
+            <a:off x="4644608" y="1323765"/>
+            <a:ext cx="7582807" cy="4719817"/>
+          </a:xfrm>
+          <a:prstGeom prst="rect">
+            <a:avLst/>
+          </a:prstGeom>
+        </p:spPr>
+      </p:pic>
+      <p:cxnSp>
+        <p:nvCxnSpPr>
+          <p:cNvPr id="9" name="Straight Arrow Connector 8">
+            <a:extLst>
+              <a:ext uri="{FF2B5EF4-FFF2-40B4-BE49-F238E27FC236}">
+                <a16:creationId xmlns:a16="http://schemas.microsoft.com/office/drawing/2014/main" id="{F2AD9F4D-7105-9E48-8095-DE74A2C68C3F}"/>
+              </a:ext>
+            </a:extLst>
+          </p:cNvPr>
+          <p:cNvCxnSpPr>
+            <a:cxnSpLocks/>
+          </p:cNvCxnSpPr>
+          <p:nvPr/>
+        </p:nvCxnSpPr>
+        <p:spPr>
+          <a:xfrm flipH="1">
+            <a:off x="7720553" y="3157979"/>
+            <a:ext cx="1159496" cy="0"/>
+          </a:xfrm>
+          <a:prstGeom prst="straightConnector1">
+            <a:avLst/>
+          </a:prstGeom>
+          <a:ln w="41275">
+            <a:solidFill>
+              <a:srgbClr val="C00000"/>
+            </a:solidFill>
+            <a:tailEnd type="triangle"/>
+          </a:ln>
+        </p:spPr>
+        <p:style>
+          <a:lnRef idx="1">
+            <a:schemeClr val="accent1"/>
+          </a:lnRef>
+          <a:fillRef idx="0">
+            <a:schemeClr val="accent1"/>
+          </a:fillRef>
+          <a:effectRef idx="0">
+            <a:schemeClr val="accent1"/>
+          </a:effectRef>
+          <a:fontRef idx="minor">
+            <a:schemeClr val="tx1"/>
+          </a:fontRef>
+        </p:style>
+      </p:cxnSp>
+      <p:sp>
+        <p:nvSpPr>
+          <p:cNvPr id="13" name="TextBox 12">
+            <a:extLst>
+              <a:ext uri="{FF2B5EF4-FFF2-40B4-BE49-F238E27FC236}">
+                <a16:creationId xmlns:a16="http://schemas.microsoft.com/office/drawing/2014/main" id="{C132B5EE-3945-5F48-9AA4-495E224EE86A}"/>
+              </a:ext>
+            </a:extLst>
+          </p:cNvPr>
+          <p:cNvSpPr txBox="1"/>
+          <p:nvPr/>
+        </p:nvSpPr>
+        <p:spPr>
+          <a:xfrm>
+            <a:off x="8955465" y="5874305"/>
+            <a:ext cx="3185487" cy="338554"/>
+          </a:xfrm>
+          <a:prstGeom prst="rect">
+            <a:avLst/>
+          </a:prstGeom>
+          <a:noFill/>
+        </p:spPr>
+        <p:txBody>
+          <a:bodyPr wrap="none" rtlCol="0">
+            <a:spAutoFit/>
+          </a:bodyPr>
+          <a:lstStyle/>
+          <a:p>
+            <a:r>
+              <a:rPr lang="en-US" sz="1600" dirty="0"/>
+              <a:t>(From within a </a:t>
+            </a:r>
+            <a:r>
+              <a:rPr lang="en-US" sz="1600" dirty="0" err="1"/>
+              <a:t>Jupyter</a:t>
+            </a:r>
+            <a:r>
+              <a:rPr lang="en-US" sz="1600" dirty="0"/>
+              <a:t> notebook)</a:t>
+            </a:r>
+          </a:p>
+        </p:txBody>
+      </p:sp>
+    </p:spTree>
+    <p:extLst>
+      <p:ext uri="{BB962C8B-B14F-4D97-AF65-F5344CB8AC3E}">
+        <p14:creationId xmlns:p14="http://schemas.microsoft.com/office/powerpoint/2010/main" val="4207456944"/>
+      </p:ext>
+    </p:extLst>
+  </p:cSld>
+  <p:clrMapOvr>
+    <a:masterClrMapping/>
+  </p:clrMapOvr>
+</p:sld>
+</file>
+
 <file path=ppt/slides/slide2.xml><?xml version="1.0" encoding="utf-8"?>
 <p:sld xmlns:a="http://schemas.openxmlformats.org/drawingml/2006/main" xmlns:r="http://schemas.openxmlformats.org/officeDocument/2006/relationships" xmlns:p="http://schemas.openxmlformats.org/presentationml/2006/main">
   <p:cSld>
@@ -7731,7 +7575,7 @@
           <p:cNvPr id="2" name="Title 1">
             <a:extLst>
               <a:ext uri="{FF2B5EF4-FFF2-40B4-BE49-F238E27FC236}">
-                <a16:creationId xmlns:a16="http://schemas.microsoft.com/office/drawing/2014/main" id="{856DB2A4-4162-6949-96B2-088884F9A081}"/>
+                <a16:creationId xmlns:a16="http://schemas.microsoft.com/office/drawing/2014/main" id="{1C7A7384-4454-E54A-80EC-D299E9023AAD}"/>
               </a:ext>
             </a:extLst>
           </p:cNvPr>
@@ -7749,17 +7593,17 @@
           <a:p>
             <a:r>
               <a:rPr lang="en-US" dirty="0"/>
-              <a:t>Let's start with the obvious</a:t>
-            </a:r>
-          </a:p>
-        </p:txBody>
-      </p:sp>
-      <p:sp>
-        <p:nvSpPr>
-          <p:cNvPr id="3" name="Content Placeholder 2">
-            <a:extLst>
-              <a:ext uri="{FF2B5EF4-FFF2-40B4-BE49-F238E27FC236}">
-                <a16:creationId xmlns:a16="http://schemas.microsoft.com/office/drawing/2014/main" id="{6AD8D2BE-BDF3-394C-A335-BFB911E5E054}"/>
+              <a:t>Demo in notebook</a:t>
+            </a:r>
+          </a:p>
+        </p:txBody>
+      </p:sp>
+      <p:sp>
+        <p:nvSpPr>
+          <p:cNvPr id="3" name="Text Placeholder 2">
+            <a:extLst>
+              <a:ext uri="{FF2B5EF4-FFF2-40B4-BE49-F238E27FC236}">
+                <a16:creationId xmlns:a16="http://schemas.microsoft.com/office/drawing/2014/main" id="{E2F9EC0E-ACE6-1344-8562-BF84CDF30FD2}"/>
               </a:ext>
             </a:extLst>
           </p:cNvPr>
@@ -7767,186 +7611,28 @@
             <a:spLocks noGrp="1"/>
           </p:cNvSpPr>
           <p:nvPr>
-            <p:ph idx="1"/>
-          </p:nvPr>
-        </p:nvSpPr>
-        <p:spPr>
-          <a:xfrm>
-            <a:off x="838200" y="1825624"/>
-            <a:ext cx="10515600" cy="4528041"/>
-          </a:xfrm>
-        </p:spPr>
-        <p:txBody>
-          <a:bodyPr>
-            <a:normAutofit lnSpcReduction="10000"/>
-          </a:bodyPr>
-          <a:lstStyle/>
-          <a:p>
-            <a:r>
-              <a:rPr lang="en-US" dirty="0"/>
-              <a:t>In order to read code, understand exceptions, or debug we need to know the types of all variables involved, even in non-statically typed languages like Python</a:t>
-            </a:r>
-          </a:p>
-          <a:p>
+            <p:ph type="body" idx="1"/>
+          </p:nvPr>
+        </p:nvSpPr>
+        <p:spPr/>
+        <p:txBody>
+          <a:bodyPr/>
+          <a:lstStyle/>
+          <a:p>
+            <a:r>
+              <a:rPr lang="en-US" dirty="0">
+                <a:hlinkClick r:id="rId2"/>
+              </a:rPr>
+              <a:t>https://github.com/parrt/tensor-sensor/blob/master/talks/demo.ipynb</a:t>
+            </a:r>
             <a:endParaRPr lang="en-US" dirty="0"/>
-          </a:p>
-          <a:p>
-            <a:endParaRPr lang="en-US" dirty="0"/>
-          </a:p>
-          <a:p>
-            <a:endParaRPr lang="en-US" dirty="0"/>
-          </a:p>
-          <a:p>
-            <a:endParaRPr lang="en-US" dirty="0"/>
-          </a:p>
-          <a:p>
-            <a:endParaRPr lang="en-US" dirty="0"/>
-          </a:p>
-          <a:p>
-            <a:r>
-              <a:rPr lang="en-US" dirty="0"/>
-              <a:t>Implementing deep learning neural networks means matching dimensions of layers and, more generally, matrix dimensions</a:t>
-            </a:r>
-          </a:p>
-          <a:p>
-            <a:endParaRPr lang="en-US" dirty="0"/>
-          </a:p>
-        </p:txBody>
-      </p:sp>
-      <p:sp>
-        <p:nvSpPr>
-          <p:cNvPr id="4" name="Rectangle 3">
-            <a:extLst>
-              <a:ext uri="{FF2B5EF4-FFF2-40B4-BE49-F238E27FC236}">
-                <a16:creationId xmlns:a16="http://schemas.microsoft.com/office/drawing/2014/main" id="{E2EC72AA-9D73-AB4F-B1BC-20CE04B44EDE}"/>
-              </a:ext>
-            </a:extLst>
-          </p:cNvPr>
-          <p:cNvSpPr/>
-          <p:nvPr/>
-        </p:nvSpPr>
-        <p:spPr>
-          <a:xfrm>
-            <a:off x="2227867" y="3138387"/>
-            <a:ext cx="3048000" cy="954107"/>
-          </a:xfrm>
-          <a:prstGeom prst="rect">
-            <a:avLst/>
-          </a:prstGeom>
-        </p:spPr>
-        <p:txBody>
-          <a:bodyPr wrap="square">
-            <a:spAutoFit/>
-          </a:bodyPr>
-          <a:lstStyle/>
-          <a:p>
-            <a:r>
-              <a:rPr lang="en-US" sz="2800" b="1" dirty="0">
-                <a:solidFill>
-                  <a:srgbClr val="000080"/>
-                </a:solidFill>
-                <a:latin typeface="Consolas" panose="020B0609020204030204" pitchFamily="49" charset="0"/>
-                <a:cs typeface="Consolas" panose="020B0609020204030204" pitchFamily="49" charset="0"/>
-              </a:rPr>
-              <a:t>def </a:t>
-            </a:r>
-            <a:r>
-              <a:rPr lang="en-US" sz="2800" dirty="0">
-                <a:latin typeface="Consolas" panose="020B0609020204030204" pitchFamily="49" charset="0"/>
-                <a:cs typeface="Consolas" panose="020B0609020204030204" pitchFamily="49" charset="0"/>
-              </a:rPr>
-              <a:t>f(</a:t>
-            </a:r>
-            <a:r>
-              <a:rPr lang="en-US" sz="2800" dirty="0" err="1">
-                <a:latin typeface="Consolas" panose="020B0609020204030204" pitchFamily="49" charset="0"/>
-                <a:cs typeface="Consolas" panose="020B0609020204030204" pitchFamily="49" charset="0"/>
-              </a:rPr>
-              <a:t>x,y</a:t>
-            </a:r>
-            <a:r>
-              <a:rPr lang="en-US" sz="2800" dirty="0">
-                <a:latin typeface="Consolas" panose="020B0609020204030204" pitchFamily="49" charset="0"/>
-                <a:cs typeface="Consolas" panose="020B0609020204030204" pitchFamily="49" charset="0"/>
-              </a:rPr>
-              <a:t>):</a:t>
-            </a:r>
-            <a:br>
-              <a:rPr lang="en-US" sz="2800" dirty="0">
-                <a:latin typeface="Consolas" panose="020B0609020204030204" pitchFamily="49" charset="0"/>
-                <a:cs typeface="Consolas" panose="020B0609020204030204" pitchFamily="49" charset="0"/>
-              </a:rPr>
-            </a:br>
-            <a:r>
-              <a:rPr lang="en-US" sz="2800" dirty="0">
-                <a:latin typeface="Consolas" panose="020B0609020204030204" pitchFamily="49" charset="0"/>
-                <a:cs typeface="Consolas" panose="020B0609020204030204" pitchFamily="49" charset="0"/>
-              </a:rPr>
-              <a:t>    </a:t>
-            </a:r>
-            <a:r>
-              <a:rPr lang="en-US" sz="2800" b="1" dirty="0">
-                <a:solidFill>
-                  <a:srgbClr val="000080"/>
-                </a:solidFill>
-                <a:latin typeface="Consolas" panose="020B0609020204030204" pitchFamily="49" charset="0"/>
-                <a:cs typeface="Consolas" panose="020B0609020204030204" pitchFamily="49" charset="0"/>
-              </a:rPr>
-              <a:t>return </a:t>
-            </a:r>
-            <a:r>
-              <a:rPr lang="en-US" sz="2800" dirty="0" err="1">
-                <a:latin typeface="Consolas" panose="020B0609020204030204" pitchFamily="49" charset="0"/>
-                <a:cs typeface="Consolas" panose="020B0609020204030204" pitchFamily="49" charset="0"/>
-              </a:rPr>
-              <a:t>x+y</a:t>
-            </a:r>
-            <a:endParaRPr lang="en-US" sz="2800" dirty="0">
-              <a:latin typeface="Consolas" panose="020B0609020204030204" pitchFamily="49" charset="0"/>
-              <a:cs typeface="Consolas" panose="020B0609020204030204" pitchFamily="49" charset="0"/>
-            </a:endParaRPr>
-          </a:p>
-        </p:txBody>
-      </p:sp>
-      <p:sp>
-        <p:nvSpPr>
-          <p:cNvPr id="5" name="TextBox 4">
-            <a:extLst>
-              <a:ext uri="{FF2B5EF4-FFF2-40B4-BE49-F238E27FC236}">
-                <a16:creationId xmlns:a16="http://schemas.microsoft.com/office/drawing/2014/main" id="{37EB2062-D027-2C4A-A07F-054A3B7F5B0D}"/>
-              </a:ext>
-            </a:extLst>
-          </p:cNvPr>
-          <p:cNvSpPr txBox="1"/>
-          <p:nvPr/>
-        </p:nvSpPr>
-        <p:spPr>
-          <a:xfrm>
-            <a:off x="6665534" y="3138387"/>
-            <a:ext cx="3048000" cy="1815882"/>
-          </a:xfrm>
-          <a:prstGeom prst="rect">
-            <a:avLst/>
-          </a:prstGeom>
-          <a:noFill/>
-        </p:spPr>
-        <p:txBody>
-          <a:bodyPr wrap="square" rtlCol="0">
-            <a:spAutoFit/>
-          </a:bodyPr>
-          <a:lstStyle/>
-          <a:p>
-            <a:r>
-              <a:rPr lang="en-US" sz="2800" dirty="0"/>
-              <a:t>In Python, this could do anything including erase your hard drive</a:t>
-            </a:r>
           </a:p>
         </p:txBody>
       </p:sp>
     </p:spTree>
     <p:extLst>
       <p:ext uri="{BB962C8B-B14F-4D97-AF65-F5344CB8AC3E}">
-        <p14:creationId xmlns:p14="http://schemas.microsoft.com/office/powerpoint/2010/main" val="2338218448"/>
+        <p14:creationId xmlns:p14="http://schemas.microsoft.com/office/powerpoint/2010/main" val="905803251"/>
       </p:ext>
     </p:extLst>
   </p:cSld>
@@ -7978,7 +7664,7 @@
           <p:cNvPr id="2" name="Title 1">
             <a:extLst>
               <a:ext uri="{FF2B5EF4-FFF2-40B4-BE49-F238E27FC236}">
-                <a16:creationId xmlns:a16="http://schemas.microsoft.com/office/drawing/2014/main" id="{BE960F11-DB38-DD4F-A5A9-30B2DBDF797C}"/>
+                <a16:creationId xmlns:a16="http://schemas.microsoft.com/office/drawing/2014/main" id="{A3EB3F4E-990D-2A4C-9237-9182994CF50E}"/>
               </a:ext>
             </a:extLst>
           </p:cNvPr>
@@ -7989,19 +7675,14 @@
             <p:ph type="title"/>
           </p:nvPr>
         </p:nvSpPr>
-        <p:spPr>
-          <a:xfrm>
-            <a:off x="838200" y="365126"/>
-            <a:ext cx="10515600" cy="760674"/>
-          </a:xfrm>
-        </p:spPr>
+        <p:spPr/>
         <p:txBody>
           <a:bodyPr/>
           <a:lstStyle/>
           <a:p>
             <a:r>
               <a:rPr lang="en-US" dirty="0"/>
-              <a:t>Explaining correct matrix code</a:t>
+              <a:t>Visualizing Python code on-the-fly</a:t>
             </a:r>
           </a:p>
         </p:txBody>
@@ -8011,7 +7692,7 @@
           <p:cNvPr id="3" name="Content Placeholder 2">
             <a:extLst>
               <a:ext uri="{FF2B5EF4-FFF2-40B4-BE49-F238E27FC236}">
-                <a16:creationId xmlns:a16="http://schemas.microsoft.com/office/drawing/2014/main" id="{AA044F21-7281-AA48-A6A2-4A996F6DF59E}"/>
+                <a16:creationId xmlns:a16="http://schemas.microsoft.com/office/drawing/2014/main" id="{607F336A-C4CB-634D-B9E8-B66638B19F36}"/>
               </a:ext>
             </a:extLst>
           </p:cNvPr>
@@ -8024,121 +7705,179 @@
         </p:nvSpPr>
         <p:spPr>
           <a:xfrm>
-            <a:off x="744718" y="1457145"/>
-            <a:ext cx="3939309" cy="4719818"/>
-          </a:xfrm>
-        </p:spPr>
-        <p:txBody>
-          <a:bodyPr>
-            <a:normAutofit/>
-          </a:bodyPr>
-          <a:lstStyle/>
-          <a:p>
+            <a:off x="838199" y="1555423"/>
+            <a:ext cx="10643647" cy="4621540"/>
+          </a:xfrm>
+        </p:spPr>
+        <p:txBody>
+          <a:bodyPr/>
+          <a:lstStyle/>
+          <a:p>
+            <a:r>
+              <a:rPr lang="en-US" b="1" dirty="0"/>
+              <a:t>explain</a:t>
+            </a:r>
+            <a:r>
+              <a:rPr lang="en-US" dirty="0"/>
+              <a:t>() object's </a:t>
+            </a:r>
+            <a:r>
+              <a:rPr lang="en-US" b="1" dirty="0"/>
+              <a:t>__enter__()</a:t>
+            </a:r>
+            <a:r>
+              <a:rPr lang="en-US" dirty="0"/>
+              <a:t> method creates a tracer object and registers it with Python via </a:t>
+            </a:r>
+            <a:r>
+              <a:rPr lang="en-US" b="1" dirty="0" err="1"/>
+              <a:t>sys.settrace</a:t>
+            </a:r>
+            <a:r>
+              <a:rPr lang="en-US" b="1" dirty="0"/>
+              <a:t>()</a:t>
+            </a:r>
+            <a:r>
+              <a:rPr lang="en-US" dirty="0"/>
+              <a:t> [1]</a:t>
+            </a:r>
+          </a:p>
+          <a:p>
+            <a:r>
+              <a:rPr lang="en-US" dirty="0"/>
+              <a:t>The tracer is notified upon each source line execution</a:t>
+            </a:r>
+          </a:p>
+          <a:p>
+            <a:r>
+              <a:rPr lang="en-US" dirty="0"/>
+              <a:t>Using the same mechanism as </a:t>
+            </a:r>
             <a:r>
               <a:rPr lang="en-US" b="1" dirty="0"/>
               <a:t>clarify</a:t>
             </a:r>
             <a:r>
               <a:rPr lang="en-US" dirty="0"/>
-              <a:t>() has no effect unless tensor code triggers an exception</a:t>
-            </a:r>
-          </a:p>
-          <a:p>
-            <a:r>
-              <a:rPr lang="en-US" dirty="0"/>
-              <a:t>To aid reading matrix code, </a:t>
+              <a:t>(): parse source line, build AST, evaluate AST subexpressions to identify operand shapes</a:t>
+            </a:r>
+          </a:p>
+          <a:p>
+            <a:r>
+              <a:rPr lang="en-US" dirty="0"/>
+              <a:t>Even in loop within </a:t>
             </a:r>
             <a:r>
               <a:rPr lang="en-US" b="1" dirty="0"/>
-              <a:t>explain</a:t>
-            </a:r>
-            <a:r>
-              <a:rPr lang="en-US" dirty="0"/>
-              <a:t>() gens a visualization for each statement within the block</a:t>
-            </a:r>
-          </a:p>
-        </p:txBody>
-      </p:sp>
-      <p:pic>
-        <p:nvPicPr>
-          <p:cNvPr id="7" name="Picture 6">
-            <a:extLst>
-              <a:ext uri="{FF2B5EF4-FFF2-40B4-BE49-F238E27FC236}">
-                <a16:creationId xmlns:a16="http://schemas.microsoft.com/office/drawing/2014/main" id="{50E83C4E-8003-6248-81B6-1F8B3E7AD2DA}"/>
-              </a:ext>
-            </a:extLst>
-          </p:cNvPr>
-          <p:cNvPicPr>
-            <a:picLocks noChangeAspect="1"/>
-          </p:cNvPicPr>
+              <a:t>with</a:t>
+            </a:r>
+            <a:r>
+              <a:rPr lang="en-US" dirty="0"/>
+              <a:t> block, statements visualized just once</a:t>
+            </a:r>
+          </a:p>
+          <a:p>
+            <a:r>
+              <a:rPr lang="en-US" dirty="0"/>
+              <a:t>Slows down execution (a lot) but it's still useful</a:t>
+            </a:r>
+          </a:p>
+          <a:p>
+            <a:r>
+              <a:rPr lang="en-US" dirty="0"/>
+              <a:t>Watch out for side effects; this prints "hi" twice:</a:t>
+            </a:r>
+            <a:br>
+              <a:rPr lang="en-US" dirty="0"/>
+            </a:br>
+            <a:endParaRPr lang="en-US" dirty="0">
+              <a:latin typeface="Consolas" panose="020B0609020204030204" pitchFamily="49" charset="0"/>
+              <a:cs typeface="Consolas" panose="020B0609020204030204" pitchFamily="49" charset="0"/>
+            </a:endParaRPr>
+          </a:p>
+        </p:txBody>
+      </p:sp>
+      <p:sp>
+        <p:nvSpPr>
+          <p:cNvPr id="4" name="Rectangle 3">
+            <a:extLst>
+              <a:ext uri="{FF2B5EF4-FFF2-40B4-BE49-F238E27FC236}">
+                <a16:creationId xmlns:a16="http://schemas.microsoft.com/office/drawing/2014/main" id="{32AA5690-1EE5-E544-BAB3-77052A1A6C1B}"/>
+              </a:ext>
+            </a:extLst>
+          </p:cNvPr>
+          <p:cNvSpPr/>
           <p:nvPr/>
-        </p:nvPicPr>
-        <p:blipFill>
-          <a:blip r:embed="rId2"/>
-          <a:stretch>
-            <a:fillRect/>
-          </a:stretch>
-        </p:blipFill>
-        <p:spPr>
-          <a:xfrm>
-            <a:off x="4644608" y="1323765"/>
-            <a:ext cx="7582807" cy="4719817"/>
+        </p:nvSpPr>
+        <p:spPr>
+          <a:xfrm>
+            <a:off x="2859465" y="5443682"/>
+            <a:ext cx="4163505" cy="830997"/>
           </a:xfrm>
           <a:prstGeom prst="rect">
             <a:avLst/>
           </a:prstGeom>
         </p:spPr>
-      </p:pic>
-      <p:cxnSp>
-        <p:nvCxnSpPr>
-          <p:cNvPr id="9" name="Straight Arrow Connector 8">
-            <a:extLst>
-              <a:ext uri="{FF2B5EF4-FFF2-40B4-BE49-F238E27FC236}">
-                <a16:creationId xmlns:a16="http://schemas.microsoft.com/office/drawing/2014/main" id="{F2AD9F4D-7105-9E48-8095-DE74A2C68C3F}"/>
-              </a:ext>
-            </a:extLst>
-          </p:cNvPr>
-          <p:cNvCxnSpPr>
-            <a:cxnSpLocks/>
-          </p:cNvCxnSpPr>
-          <p:nvPr/>
-        </p:nvCxnSpPr>
-        <p:spPr>
-          <a:xfrm flipH="1">
-            <a:off x="7720553" y="3157979"/>
-            <a:ext cx="1159496" cy="0"/>
-          </a:xfrm>
-          <a:prstGeom prst="straightConnector1">
-            <a:avLst/>
-          </a:prstGeom>
-          <a:ln w="41275">
-            <a:solidFill>
-              <a:srgbClr val="C00000"/>
-            </a:solidFill>
-            <a:tailEnd type="triangle"/>
-          </a:ln>
-        </p:spPr>
-        <p:style>
-          <a:lnRef idx="1">
-            <a:schemeClr val="accent1"/>
-          </a:lnRef>
-          <a:fillRef idx="0">
-            <a:schemeClr val="accent1"/>
-          </a:fillRef>
-          <a:effectRef idx="0">
-            <a:schemeClr val="accent1"/>
-          </a:effectRef>
-          <a:fontRef idx="minor">
-            <a:schemeClr val="tx1"/>
-          </a:fontRef>
-        </p:style>
-      </p:cxnSp>
-      <p:sp>
-        <p:nvSpPr>
-          <p:cNvPr id="13" name="TextBox 12">
-            <a:extLst>
-              <a:ext uri="{FF2B5EF4-FFF2-40B4-BE49-F238E27FC236}">
-                <a16:creationId xmlns:a16="http://schemas.microsoft.com/office/drawing/2014/main" id="{C132B5EE-3945-5F48-9AA4-495E224EE86A}"/>
+        <p:txBody>
+          <a:bodyPr wrap="square">
+            <a:spAutoFit/>
+          </a:bodyPr>
+          <a:lstStyle/>
+          <a:p>
+            <a:r>
+              <a:rPr lang="en-US" sz="2400" b="1" dirty="0">
+                <a:solidFill>
+                  <a:srgbClr val="000080"/>
+                </a:solidFill>
+                <a:latin typeface="Consolas" panose="020B0609020204030204" pitchFamily="49" charset="0"/>
+                <a:cs typeface="Consolas" panose="020B0609020204030204" pitchFamily="49" charset="0"/>
+              </a:rPr>
+              <a:t>with</a:t>
+            </a:r>
+            <a:r>
+              <a:rPr lang="en-US" sz="2400" dirty="0">
+                <a:latin typeface="Consolas" panose="020B0609020204030204" pitchFamily="49" charset="0"/>
+                <a:cs typeface="Consolas" panose="020B0609020204030204" pitchFamily="49" charset="0"/>
+              </a:rPr>
+              <a:t> </a:t>
+            </a:r>
+            <a:r>
+              <a:rPr lang="en-US" sz="2400" dirty="0" err="1">
+                <a:latin typeface="Consolas" panose="020B0609020204030204" pitchFamily="49" charset="0"/>
+                <a:cs typeface="Consolas" panose="020B0609020204030204" pitchFamily="49" charset="0"/>
+              </a:rPr>
+              <a:t>tsensor.explain</a:t>
+            </a:r>
+            <a:r>
+              <a:rPr lang="en-US" sz="2400" dirty="0">
+                <a:latin typeface="Consolas" panose="020B0609020204030204" pitchFamily="49" charset="0"/>
+                <a:cs typeface="Consolas" panose="020B0609020204030204" pitchFamily="49" charset="0"/>
+              </a:rPr>
+              <a:t>():</a:t>
+            </a:r>
+            <a:br>
+              <a:rPr lang="en-US" sz="2400" dirty="0">
+                <a:latin typeface="Consolas" panose="020B0609020204030204" pitchFamily="49" charset="0"/>
+                <a:cs typeface="Consolas" panose="020B0609020204030204" pitchFamily="49" charset="0"/>
+              </a:rPr>
+            </a:br>
+            <a:r>
+              <a:rPr lang="en-US" sz="2400" dirty="0">
+                <a:latin typeface="Consolas" panose="020B0609020204030204" pitchFamily="49" charset="0"/>
+                <a:cs typeface="Consolas" panose="020B0609020204030204" pitchFamily="49" charset="0"/>
+              </a:rPr>
+              <a:t>    print("hi")</a:t>
+            </a:r>
+            <a:endParaRPr lang="en-US" sz="2400" dirty="0"/>
+          </a:p>
+        </p:txBody>
+      </p:sp>
+      <p:sp>
+        <p:nvSpPr>
+          <p:cNvPr id="5" name="TextBox 4">
+            <a:extLst>
+              <a:ext uri="{FF2B5EF4-FFF2-40B4-BE49-F238E27FC236}">
+                <a16:creationId xmlns:a16="http://schemas.microsoft.com/office/drawing/2014/main" id="{00927F5E-5CFE-F746-9673-ECCB3AD12C8F}"/>
               </a:ext>
             </a:extLst>
           </p:cNvPr>
@@ -8147,8 +7886,8 @@
         </p:nvSpPr>
         <p:spPr>
           <a:xfrm>
-            <a:off x="8955465" y="5874305"/>
-            <a:ext cx="3185487" cy="338554"/>
+            <a:off x="0" y="6488668"/>
+            <a:ext cx="7258639" cy="307777"/>
           </a:xfrm>
           <a:prstGeom prst="rect">
             <a:avLst/>
@@ -8156,30 +7895,29 @@
           <a:noFill/>
         </p:spPr>
         <p:txBody>
-          <a:bodyPr wrap="none" rtlCol="0">
+          <a:bodyPr wrap="square" rtlCol="0">
             <a:spAutoFit/>
           </a:bodyPr>
           <a:lstStyle/>
           <a:p>
             <a:r>
-              <a:rPr lang="en-US" sz="1600" dirty="0"/>
-              <a:t>(From within a </a:t>
-            </a:r>
-            <a:r>
-              <a:rPr lang="en-US" sz="1600" dirty="0" err="1"/>
-              <a:t>Jupyter</a:t>
-            </a:r>
-            <a:r>
-              <a:rPr lang="en-US" sz="1600" dirty="0"/>
-              <a:t> notebook)</a:t>
-            </a:r>
+              <a:rPr lang="en-US" sz="1400" dirty="0"/>
+              <a:t>[1] </a:t>
+            </a:r>
+            <a:r>
+              <a:rPr lang="en-US" sz="1400" dirty="0">
+                <a:hlinkClick r:id="rId2"/>
+              </a:rPr>
+              <a:t>https://docs.python.org/3/library/sys.html#sys.settrace</a:t>
+            </a:r>
+            <a:endParaRPr lang="en-US" sz="1400" dirty="0"/>
           </a:p>
         </p:txBody>
       </p:sp>
     </p:spTree>
     <p:extLst>
       <p:ext uri="{BB962C8B-B14F-4D97-AF65-F5344CB8AC3E}">
-        <p14:creationId xmlns:p14="http://schemas.microsoft.com/office/powerpoint/2010/main" val="4207456944"/>
+        <p14:creationId xmlns:p14="http://schemas.microsoft.com/office/powerpoint/2010/main" val="1839508605"/>
       </p:ext>
     </p:extLst>
   </p:cSld>
@@ -8211,7 +7949,7 @@
           <p:cNvPr id="2" name="Title 1">
             <a:extLst>
               <a:ext uri="{FF2B5EF4-FFF2-40B4-BE49-F238E27FC236}">
-                <a16:creationId xmlns:a16="http://schemas.microsoft.com/office/drawing/2014/main" id="{A3EB3F4E-990D-2A4C-9237-9182994CF50E}"/>
+                <a16:creationId xmlns:a16="http://schemas.microsoft.com/office/drawing/2014/main" id="{BD1AD132-44A6-764D-B524-D3159947C592}"/>
               </a:ext>
             </a:extLst>
           </p:cNvPr>
@@ -8229,7 +7967,7 @@
           <a:p>
             <a:r>
               <a:rPr lang="en-US" dirty="0"/>
-              <a:t>Visualizing Python code on-the-fly</a:t>
+              <a:t>Examples of future work</a:t>
             </a:r>
           </a:p>
         </p:txBody>
@@ -8239,7 +7977,7 @@
           <p:cNvPr id="3" name="Content Placeholder 2">
             <a:extLst>
               <a:ext uri="{FF2B5EF4-FFF2-40B4-BE49-F238E27FC236}">
-                <a16:creationId xmlns:a16="http://schemas.microsoft.com/office/drawing/2014/main" id="{607F336A-C4CB-634D-B9E8-B66638B19F36}"/>
+                <a16:creationId xmlns:a16="http://schemas.microsoft.com/office/drawing/2014/main" id="{E23B81AC-73EF-5349-9FEF-73D407E03E6F}"/>
               </a:ext>
             </a:extLst>
           </p:cNvPr>
@@ -8252,219 +7990,154 @@
         </p:nvSpPr>
         <p:spPr>
           <a:xfrm>
-            <a:off x="838199" y="1555423"/>
-            <a:ext cx="10643647" cy="4621540"/>
-          </a:xfrm>
-        </p:spPr>
-        <p:txBody>
-          <a:bodyPr/>
-          <a:lstStyle/>
-          <a:p>
+            <a:off x="838200" y="1825625"/>
+            <a:ext cx="6293980" cy="4351338"/>
+          </a:xfrm>
+        </p:spPr>
+        <p:txBody>
+          <a:bodyPr>
+            <a:normAutofit/>
+          </a:bodyPr>
+          <a:lstStyle/>
+          <a:p>
+            <a:r>
+              <a:rPr lang="en-US" dirty="0"/>
+              <a:t>Lots of meat still on the bone</a:t>
+            </a:r>
+          </a:p>
+          <a:p>
+            <a:r>
+              <a:rPr lang="en-US" dirty="0"/>
+              <a:t>Add tensor element type to messages and visualizations</a:t>
+            </a:r>
+          </a:p>
+          <a:p>
+            <a:pPr lvl="1"/>
+            <a:r>
+              <a:rPr lang="en-US" dirty="0"/>
+              <a:t>we don’t want integers becoming floats if they are used as indexes</a:t>
+            </a:r>
+          </a:p>
+          <a:p>
+            <a:pPr lvl="1"/>
+            <a:r>
+              <a:rPr lang="en-US" dirty="0"/>
+              <a:t>might need to restrict to 32 bits </a:t>
+            </a:r>
+            <a:r>
+              <a:rPr lang="en-US" dirty="0" err="1"/>
+              <a:t>etc</a:t>
+            </a:r>
+            <a:r>
+              <a:rPr lang="en-US" dirty="0"/>
+              <a:t>…</a:t>
+            </a:r>
+          </a:p>
+          <a:p>
+            <a:endParaRPr lang="en-US" dirty="0"/>
+          </a:p>
+          <a:p>
+            <a:r>
+              <a:rPr lang="en-US" dirty="0"/>
+              <a:t>Viz errors in predefined layers; currently highlights </a:t>
+            </a:r>
             <a:r>
               <a:rPr lang="en-US" b="1" dirty="0"/>
-              <a:t>explain</a:t>
-            </a:r>
-            <a:r>
-              <a:rPr lang="en-US" dirty="0"/>
-              <a:t>() object's </a:t>
-            </a:r>
-            <a:r>
-              <a:rPr lang="en-US" b="1" dirty="0"/>
-              <a:t>__enter__()</a:t>
-            </a:r>
-            <a:r>
-              <a:rPr lang="en-US" dirty="0"/>
-              <a:t> method creates a tracer object and registers it with Python via </a:t>
+              <a:t>model(X)</a:t>
+            </a:r>
+            <a:r>
+              <a:rPr lang="en-US" dirty="0"/>
+              <a:t> not layer in </a:t>
             </a:r>
             <a:r>
               <a:rPr lang="en-US" b="1" dirty="0" err="1"/>
-              <a:t>sys.settrace</a:t>
-            </a:r>
-            <a:r>
-              <a:rPr lang="en-US" b="1" dirty="0"/>
-              <a:t>()</a:t>
-            </a:r>
-            <a:r>
-              <a:rPr lang="en-US" dirty="0"/>
-              <a:t> [1]</a:t>
-            </a:r>
-          </a:p>
-          <a:p>
-            <a:r>
-              <a:rPr lang="en-US" dirty="0"/>
-              <a:t>The tracer is notified upon each source line execution</a:t>
-            </a:r>
-          </a:p>
-          <a:p>
-            <a:r>
-              <a:rPr lang="en-US" dirty="0"/>
-              <a:t>Using the same mechanism as </a:t>
-            </a:r>
-            <a:r>
-              <a:rPr lang="en-US" b="1" dirty="0"/>
-              <a:t>clarify</a:t>
-            </a:r>
-            <a:r>
-              <a:rPr lang="en-US" dirty="0"/>
-              <a:t>(): parse source line, build AST, evaluate AST subexpressions to identify operand shapes</a:t>
-            </a:r>
-          </a:p>
-          <a:p>
-            <a:r>
-              <a:rPr lang="en-US" dirty="0"/>
-              <a:t>Even in loop within </a:t>
-            </a:r>
-            <a:r>
-              <a:rPr lang="en-US" b="1" dirty="0"/>
-              <a:t>with</a:t>
-            </a:r>
-            <a:r>
-              <a:rPr lang="en-US" dirty="0"/>
-              <a:t> block, statements visualized just once</a:t>
-            </a:r>
-          </a:p>
-          <a:p>
-            <a:r>
-              <a:rPr lang="en-US" dirty="0"/>
-              <a:t>Slows down execution (a lot) but it's still useful</a:t>
-            </a:r>
-          </a:p>
-          <a:p>
-            <a:r>
-              <a:rPr lang="en-US" dirty="0"/>
-              <a:t>Watch out for side effects; this prints "hi" twice:</a:t>
-            </a:r>
-            <a:br>
-              <a:rPr lang="en-US" dirty="0"/>
-            </a:br>
-            <a:endParaRPr lang="en-US" dirty="0">
-              <a:latin typeface="Consolas" panose="020B0609020204030204" pitchFamily="49" charset="0"/>
-              <a:cs typeface="Consolas" panose="020B0609020204030204" pitchFamily="49" charset="0"/>
-            </a:endParaRPr>
-          </a:p>
-        </p:txBody>
-      </p:sp>
-      <p:sp>
-        <p:nvSpPr>
-          <p:cNvPr id="4" name="Rectangle 3">
-            <a:extLst>
-              <a:ext uri="{FF2B5EF4-FFF2-40B4-BE49-F238E27FC236}">
-                <a16:creationId xmlns:a16="http://schemas.microsoft.com/office/drawing/2014/main" id="{32AA5690-1EE5-E544-BAB3-77052A1A6C1B}"/>
-              </a:ext>
-            </a:extLst>
-          </p:cNvPr>
-          <p:cNvSpPr/>
+              <a:t>nn.Sequential</a:t>
+            </a:r>
+            <a:endParaRPr lang="en-US" b="1" dirty="0"/>
+          </a:p>
+        </p:txBody>
+      </p:sp>
+      <p:pic>
+        <p:nvPicPr>
+          <p:cNvPr id="1026" name="Picture 2" descr="Screenshot 2021-09-20 at 20 00 33">
+            <a:extLst>
+              <a:ext uri="{FF2B5EF4-FFF2-40B4-BE49-F238E27FC236}">
+                <a16:creationId xmlns:a16="http://schemas.microsoft.com/office/drawing/2014/main" id="{A204512C-502E-0A4F-9DF0-2F1ABC6805CE}"/>
+              </a:ext>
+            </a:extLst>
+          </p:cNvPr>
+          <p:cNvPicPr>
+            <a:picLocks noChangeAspect="1" noChangeArrowheads="1"/>
+          </p:cNvPicPr>
           <p:nvPr/>
-        </p:nvSpPr>
-        <p:spPr>
-          <a:xfrm>
-            <a:off x="2859465" y="5443682"/>
-            <a:ext cx="4163505" cy="830997"/>
-          </a:xfrm>
-          <a:prstGeom prst="rect">
-            <a:avLst/>
-          </a:prstGeom>
-        </p:spPr>
-        <p:txBody>
-          <a:bodyPr wrap="square">
-            <a:spAutoFit/>
-          </a:bodyPr>
-          <a:lstStyle/>
-          <a:p>
-            <a:r>
-              <a:rPr lang="en-US" sz="2400" b="1" dirty="0">
-                <a:solidFill>
-                  <a:srgbClr val="000080"/>
-                </a:solidFill>
-                <a:latin typeface="Consolas" panose="020B0609020204030204" pitchFamily="49" charset="0"/>
-                <a:cs typeface="Consolas" panose="020B0609020204030204" pitchFamily="49" charset="0"/>
-              </a:rPr>
-              <a:t>with</a:t>
-            </a:r>
-            <a:r>
-              <a:rPr lang="en-US" sz="2400" dirty="0">
-                <a:latin typeface="Consolas" panose="020B0609020204030204" pitchFamily="49" charset="0"/>
-                <a:cs typeface="Consolas" panose="020B0609020204030204" pitchFamily="49" charset="0"/>
-              </a:rPr>
-              <a:t> </a:t>
-            </a:r>
-            <a:r>
-              <a:rPr lang="en-US" sz="2400" dirty="0" err="1">
-                <a:latin typeface="Consolas" panose="020B0609020204030204" pitchFamily="49" charset="0"/>
-                <a:cs typeface="Consolas" panose="020B0609020204030204" pitchFamily="49" charset="0"/>
-              </a:rPr>
-              <a:t>tsensor.explain</a:t>
-            </a:r>
-            <a:r>
-              <a:rPr lang="en-US" sz="2400" dirty="0">
-                <a:latin typeface="Consolas" panose="020B0609020204030204" pitchFamily="49" charset="0"/>
-                <a:cs typeface="Consolas" panose="020B0609020204030204" pitchFamily="49" charset="0"/>
-              </a:rPr>
-              <a:t>():</a:t>
-            </a:r>
-            <a:br>
-              <a:rPr lang="en-US" sz="2400" dirty="0">
-                <a:latin typeface="Consolas" panose="020B0609020204030204" pitchFamily="49" charset="0"/>
-                <a:cs typeface="Consolas" panose="020B0609020204030204" pitchFamily="49" charset="0"/>
-              </a:rPr>
-            </a:br>
-            <a:r>
-              <a:rPr lang="en-US" sz="2400" dirty="0">
-                <a:latin typeface="Consolas" panose="020B0609020204030204" pitchFamily="49" charset="0"/>
-                <a:cs typeface="Consolas" panose="020B0609020204030204" pitchFamily="49" charset="0"/>
-              </a:rPr>
-              <a:t>    print("hi")</a:t>
-            </a:r>
-            <a:endParaRPr lang="en-US" sz="2400" dirty="0"/>
-          </a:p>
-        </p:txBody>
-      </p:sp>
-      <p:sp>
-        <p:nvSpPr>
-          <p:cNvPr id="5" name="TextBox 4">
-            <a:extLst>
-              <a:ext uri="{FF2B5EF4-FFF2-40B4-BE49-F238E27FC236}">
-                <a16:creationId xmlns:a16="http://schemas.microsoft.com/office/drawing/2014/main" id="{00927F5E-5CFE-F746-9673-ECCB3AD12C8F}"/>
-              </a:ext>
-            </a:extLst>
-          </p:cNvPr>
-          <p:cNvSpPr txBox="1"/>
-          <p:nvPr/>
-        </p:nvSpPr>
-        <p:spPr>
-          <a:xfrm>
-            <a:off x="0" y="6488668"/>
-            <a:ext cx="7258639" cy="307777"/>
+        </p:nvPicPr>
+        <p:blipFill>
+          <a:blip r:embed="rId2">
+            <a:extLst>
+              <a:ext uri="{28A0092B-C50C-407E-A947-70E740481C1C}">
+                <a14:useLocalDpi xmlns:a14="http://schemas.microsoft.com/office/drawing/2010/main" val="0"/>
+              </a:ext>
+            </a:extLst>
+          </a:blip>
+          <a:srcRect/>
+          <a:stretch>
+            <a:fillRect/>
+          </a:stretch>
+        </p:blipFill>
+        <p:spPr bwMode="auto">
+          <a:xfrm>
+            <a:off x="7219674" y="2461271"/>
+            <a:ext cx="4951479" cy="1077059"/>
           </a:xfrm>
           <a:prstGeom prst="rect">
             <a:avLst/>
           </a:prstGeom>
           <a:noFill/>
-        </p:spPr>
-        <p:txBody>
-          <a:bodyPr wrap="square" rtlCol="0">
-            <a:spAutoFit/>
-          </a:bodyPr>
-          <a:lstStyle/>
-          <a:p>
-            <a:r>
-              <a:rPr lang="en-US" sz="1400" dirty="0"/>
-              <a:t>[1] </a:t>
-            </a:r>
-            <a:r>
-              <a:rPr lang="en-US" sz="1400" dirty="0">
-                <a:hlinkClick r:id="rId2"/>
-              </a:rPr>
-              <a:t>https://docs.python.org/3/library/sys.html#sys.settrace</a:t>
-            </a:r>
-            <a:endParaRPr lang="en-US" sz="1400" dirty="0"/>
-          </a:p>
-        </p:txBody>
-      </p:sp>
+          <a:extLst>
+            <a:ext uri="{909E8E84-426E-40DD-AFC4-6F175D3DCCD1}">
+              <a14:hiddenFill xmlns:a14="http://schemas.microsoft.com/office/drawing/2010/main">
+                <a:solidFill>
+                  <a:srgbClr val="FFFFFF"/>
+                </a:solidFill>
+              </a14:hiddenFill>
+            </a:ext>
+          </a:extLst>
+        </p:spPr>
+      </p:pic>
+      <p:pic>
+        <p:nvPicPr>
+          <p:cNvPr id="5" name="Picture 4" descr="Graphical user interface, text, application&#10;&#10;Description automatically generated">
+            <a:extLst>
+              <a:ext uri="{FF2B5EF4-FFF2-40B4-BE49-F238E27FC236}">
+                <a16:creationId xmlns:a16="http://schemas.microsoft.com/office/drawing/2014/main" id="{F1E953EE-2318-164D-9703-7552707BD67E}"/>
+              </a:ext>
+            </a:extLst>
+          </p:cNvPr>
+          <p:cNvPicPr>
+            <a:picLocks noChangeAspect="1"/>
+          </p:cNvPicPr>
+          <p:nvPr/>
+        </p:nvPicPr>
+        <p:blipFill>
+          <a:blip r:embed="rId3"/>
+          <a:stretch>
+            <a:fillRect/>
+          </a:stretch>
+        </p:blipFill>
+        <p:spPr>
+          <a:xfrm>
+            <a:off x="7051866" y="4949687"/>
+            <a:ext cx="5140134" cy="1908313"/>
+          </a:xfrm>
+          <a:prstGeom prst="rect">
+            <a:avLst/>
+          </a:prstGeom>
+        </p:spPr>
+      </p:pic>
     </p:spTree>
     <p:extLst>
       <p:ext uri="{BB962C8B-B14F-4D97-AF65-F5344CB8AC3E}">
-        <p14:creationId xmlns:p14="http://schemas.microsoft.com/office/powerpoint/2010/main" val="1839508605"/>
+        <p14:creationId xmlns:p14="http://schemas.microsoft.com/office/powerpoint/2010/main" val="4291488643"/>
       </p:ext>
     </p:extLst>
   </p:cSld>
@@ -8724,13 +8397,13 @@
           <a:p>
             <a:r>
               <a:rPr lang="en-US" dirty="0"/>
-              <a:t>Upon error, we get less than helpful exception messages</a:t>
-            </a:r>
-          </a:p>
-          <a:p>
-            <a:r>
-              <a:rPr lang="en-US" dirty="0"/>
-              <a:t>Here's a sample NumPy message:</a:t>
+              <a:t>Upon error, we often get less than helpful exception messages</a:t>
+            </a:r>
+          </a:p>
+          <a:p>
+            <a:r>
+              <a:rPr lang="en-US" dirty="0"/>
+              <a:t>E.g., here's a sample NumPy message:</a:t>
             </a:r>
           </a:p>
           <a:p>
@@ -8964,94 +8637,6 @@
           <p:cNvPr id="2" name="Title 1">
             <a:extLst>
               <a:ext uri="{FF2B5EF4-FFF2-40B4-BE49-F238E27FC236}">
-                <a16:creationId xmlns:a16="http://schemas.microsoft.com/office/drawing/2014/main" id="{3FBBC818-3386-9D41-8556-1C9E17E63871}"/>
-              </a:ext>
-            </a:extLst>
-          </p:cNvPr>
-          <p:cNvSpPr>
-            <a:spLocks noGrp="1"/>
-          </p:cNvSpPr>
-          <p:nvPr>
-            <p:ph type="title"/>
-          </p:nvPr>
-        </p:nvSpPr>
-        <p:spPr/>
-        <p:txBody>
-          <a:bodyPr/>
-          <a:lstStyle/>
-          <a:p>
-            <a:r>
-              <a:rPr lang="en-US" dirty="0"/>
-              <a:t>Introducing </a:t>
-            </a:r>
-            <a:r>
-              <a:rPr lang="en-US" dirty="0" err="1"/>
-              <a:t>TensorSensor</a:t>
-            </a:r>
-            <a:endParaRPr lang="en-US" dirty="0"/>
-          </a:p>
-        </p:txBody>
-      </p:sp>
-      <p:sp>
-        <p:nvSpPr>
-          <p:cNvPr id="3" name="Text Placeholder 2">
-            <a:extLst>
-              <a:ext uri="{FF2B5EF4-FFF2-40B4-BE49-F238E27FC236}">
-                <a16:creationId xmlns:a16="http://schemas.microsoft.com/office/drawing/2014/main" id="{A95C83CE-B142-2448-90B5-CFFC08048BB4}"/>
-              </a:ext>
-            </a:extLst>
-          </p:cNvPr>
-          <p:cNvSpPr>
-            <a:spLocks noGrp="1"/>
-          </p:cNvSpPr>
-          <p:nvPr>
-            <p:ph type="body" idx="1"/>
-          </p:nvPr>
-        </p:nvSpPr>
-        <p:spPr/>
-        <p:txBody>
-          <a:bodyPr/>
-          <a:lstStyle/>
-          <a:p>
-            <a:endParaRPr lang="en-US"/>
-          </a:p>
-        </p:txBody>
-      </p:sp>
-    </p:spTree>
-    <p:extLst>
-      <p:ext uri="{BB962C8B-B14F-4D97-AF65-F5344CB8AC3E}">
-        <p14:creationId xmlns:p14="http://schemas.microsoft.com/office/powerpoint/2010/main" val="3886338749"/>
-      </p:ext>
-    </p:extLst>
-  </p:cSld>
-  <p:clrMapOvr>
-    <a:masterClrMapping/>
-  </p:clrMapOvr>
-</p:sld>
-</file>
-
-<file path=ppt/slides/slide6.xml><?xml version="1.0" encoding="utf-8"?>
-<p:sld xmlns:a="http://schemas.openxmlformats.org/drawingml/2006/main" xmlns:r="http://schemas.openxmlformats.org/officeDocument/2006/relationships" xmlns:p="http://schemas.openxmlformats.org/presentationml/2006/main">
-  <p:cSld>
-    <p:spTree>
-      <p:nvGrpSpPr>
-        <p:cNvPr id="1" name=""/>
-        <p:cNvGrpSpPr/>
-        <p:nvPr/>
-      </p:nvGrpSpPr>
-      <p:grpSpPr>
-        <a:xfrm>
-          <a:off x="0" y="0"/>
-          <a:ext cx="0" cy="0"/>
-          <a:chOff x="0" y="0"/>
-          <a:chExt cx="0" cy="0"/>
-        </a:xfrm>
-      </p:grpSpPr>
-      <p:sp>
-        <p:nvSpPr>
-          <p:cNvPr id="2" name="Title 1">
-            <a:extLst>
-              <a:ext uri="{FF2B5EF4-FFF2-40B4-BE49-F238E27FC236}">
                 <a16:creationId xmlns:a16="http://schemas.microsoft.com/office/drawing/2014/main" id="{9B24DD6E-ECEF-5549-A412-0E23470C342B}"/>
               </a:ext>
             </a:extLst>
@@ -9512,7 +9097,7 @@
 </p:sld>
 </file>
 
-<file path=ppt/slides/slide7.xml><?xml version="1.0" encoding="utf-8"?>
+<file path=ppt/slides/slide6.xml><?xml version="1.0" encoding="utf-8"?>
 <p:sld xmlns:a="http://schemas.openxmlformats.org/drawingml/2006/main" xmlns:r="http://schemas.openxmlformats.org/officeDocument/2006/relationships" xmlns:p="http://schemas.openxmlformats.org/presentationml/2006/main">
   <p:cSld>
     <p:spTree>
@@ -9807,7 +9392,7 @@
 </p:sld>
 </file>
 
-<file path=ppt/slides/slide8.xml><?xml version="1.0" encoding="utf-8"?>
+<file path=ppt/slides/slide7.xml><?xml version="1.0" encoding="utf-8"?>
 <p:sld xmlns:a="http://schemas.openxmlformats.org/drawingml/2006/main" xmlns:r="http://schemas.openxmlformats.org/officeDocument/2006/relationships" xmlns:p="http://schemas.openxmlformats.org/presentationml/2006/main">
   <p:cSld>
     <p:spTree>
@@ -10003,6 +9588,340 @@
 </p:sld>
 </file>
 
+<file path=ppt/slides/slide8.xml><?xml version="1.0" encoding="utf-8"?>
+<p:sld xmlns:a="http://schemas.openxmlformats.org/drawingml/2006/main" xmlns:r="http://schemas.openxmlformats.org/officeDocument/2006/relationships" xmlns:p="http://schemas.openxmlformats.org/presentationml/2006/main">
+  <p:cSld>
+    <p:spTree>
+      <p:nvGrpSpPr>
+        <p:cNvPr id="1" name=""/>
+        <p:cNvGrpSpPr/>
+        <p:nvPr/>
+      </p:nvGrpSpPr>
+      <p:grpSpPr>
+        <a:xfrm>
+          <a:off x="0" y="0"/>
+          <a:ext cx="0" cy="0"/>
+          <a:chOff x="0" y="0"/>
+          <a:chExt cx="0" cy="0"/>
+        </a:xfrm>
+      </p:grpSpPr>
+      <p:sp>
+        <p:nvSpPr>
+          <p:cNvPr id="2" name="Title 1">
+            <a:extLst>
+              <a:ext uri="{FF2B5EF4-FFF2-40B4-BE49-F238E27FC236}">
+                <a16:creationId xmlns:a16="http://schemas.microsoft.com/office/drawing/2014/main" id="{0CE0B5EA-3CA5-3A4F-AA86-13916C56BAC6}"/>
+              </a:ext>
+            </a:extLst>
+          </p:cNvPr>
+          <p:cNvSpPr>
+            <a:spLocks noGrp="1"/>
+          </p:cNvSpPr>
+          <p:nvPr>
+            <p:ph type="title"/>
+          </p:nvPr>
+        </p:nvSpPr>
+        <p:spPr/>
+        <p:txBody>
+          <a:bodyPr/>
+          <a:lstStyle/>
+          <a:p>
+            <a:r>
+              <a:rPr lang="en-US" dirty="0"/>
+              <a:t>Requirement: support prebuilt layers</a:t>
+            </a:r>
+          </a:p>
+        </p:txBody>
+      </p:sp>
+      <p:pic>
+        <p:nvPicPr>
+          <p:cNvPr id="5" name="Content Placeholder 4">
+            <a:extLst>
+              <a:ext uri="{FF2B5EF4-FFF2-40B4-BE49-F238E27FC236}">
+                <a16:creationId xmlns:a16="http://schemas.microsoft.com/office/drawing/2014/main" id="{049270D4-2C43-A942-B59D-105C0C8BC584}"/>
+              </a:ext>
+            </a:extLst>
+          </p:cNvPr>
+          <p:cNvPicPr>
+            <a:picLocks noGrp="1" noChangeAspect="1"/>
+          </p:cNvPicPr>
+          <p:nvPr>
+            <p:ph idx="1"/>
+          </p:nvPr>
+        </p:nvPicPr>
+        <p:blipFill>
+          <a:blip r:embed="rId2"/>
+          <a:stretch>
+            <a:fillRect/>
+          </a:stretch>
+        </p:blipFill>
+        <p:spPr>
+          <a:xfrm>
+            <a:off x="470555" y="2015765"/>
+            <a:ext cx="11430000" cy="3810000"/>
+          </a:xfrm>
+        </p:spPr>
+      </p:pic>
+      <p:sp>
+        <p:nvSpPr>
+          <p:cNvPr id="6" name="TextBox 5">
+            <a:extLst>
+              <a:ext uri="{FF2B5EF4-FFF2-40B4-BE49-F238E27FC236}">
+                <a16:creationId xmlns:a16="http://schemas.microsoft.com/office/drawing/2014/main" id="{028159BF-D9BD-C646-8CF4-26F3587FA465}"/>
+              </a:ext>
+            </a:extLst>
+          </p:cNvPr>
+          <p:cNvSpPr txBox="1"/>
+          <p:nvPr/>
+        </p:nvSpPr>
+        <p:spPr>
+          <a:xfrm>
+            <a:off x="8239023" y="5916150"/>
+            <a:ext cx="3716082" cy="400110"/>
+          </a:xfrm>
+          <a:prstGeom prst="rect">
+            <a:avLst/>
+          </a:prstGeom>
+          <a:noFill/>
+        </p:spPr>
+        <p:txBody>
+          <a:bodyPr wrap="none" rtlCol="0">
+            <a:spAutoFit/>
+          </a:bodyPr>
+          <a:lstStyle/>
+          <a:p>
+            <a:r>
+              <a:rPr lang="en-US" sz="2000" dirty="0"/>
+              <a:t>(Note unhelpful C++ reference)</a:t>
+            </a:r>
+          </a:p>
+        </p:txBody>
+      </p:sp>
+      <p:cxnSp>
+        <p:nvCxnSpPr>
+          <p:cNvPr id="8" name="Straight Arrow Connector 7">
+            <a:extLst>
+              <a:ext uri="{FF2B5EF4-FFF2-40B4-BE49-F238E27FC236}">
+                <a16:creationId xmlns:a16="http://schemas.microsoft.com/office/drawing/2014/main" id="{01B00707-C191-1748-9F05-CAF700936A42}"/>
+              </a:ext>
+            </a:extLst>
+          </p:cNvPr>
+          <p:cNvCxnSpPr>
+            <a:cxnSpLocks/>
+          </p:cNvCxnSpPr>
+          <p:nvPr/>
+        </p:nvCxnSpPr>
+        <p:spPr>
+          <a:xfrm flipV="1">
+            <a:off x="10624008" y="5354427"/>
+            <a:ext cx="0" cy="552296"/>
+          </a:xfrm>
+          <a:prstGeom prst="straightConnector1">
+            <a:avLst/>
+          </a:prstGeom>
+          <a:ln w="12700">
+            <a:tailEnd type="triangle"/>
+          </a:ln>
+        </p:spPr>
+        <p:style>
+          <a:lnRef idx="1">
+            <a:schemeClr val="accent1"/>
+          </a:lnRef>
+          <a:fillRef idx="0">
+            <a:schemeClr val="accent1"/>
+          </a:fillRef>
+          <a:effectRef idx="0">
+            <a:schemeClr val="accent1"/>
+          </a:effectRef>
+          <a:fontRef idx="minor">
+            <a:schemeClr val="tx1"/>
+          </a:fontRef>
+        </p:style>
+      </p:cxnSp>
+      <p:sp>
+        <p:nvSpPr>
+          <p:cNvPr id="13" name="TextBox 12">
+            <a:extLst>
+              <a:ext uri="{FF2B5EF4-FFF2-40B4-BE49-F238E27FC236}">
+                <a16:creationId xmlns:a16="http://schemas.microsoft.com/office/drawing/2014/main" id="{2E3970E6-EDF8-7249-9D44-57518ACAF043}"/>
+              </a:ext>
+            </a:extLst>
+          </p:cNvPr>
+          <p:cNvSpPr txBox="1"/>
+          <p:nvPr/>
+        </p:nvSpPr>
+        <p:spPr>
+          <a:xfrm>
+            <a:off x="2441541" y="1341164"/>
+            <a:ext cx="7069564" cy="461665"/>
+          </a:xfrm>
+          <a:prstGeom prst="rect">
+            <a:avLst/>
+          </a:prstGeom>
+          <a:noFill/>
+        </p:spPr>
+        <p:txBody>
+          <a:bodyPr wrap="none" rtlCol="0">
+            <a:spAutoFit/>
+          </a:bodyPr>
+          <a:lstStyle/>
+          <a:p>
+            <a:r>
+              <a:rPr lang="en-US" sz="2400" dirty="0"/>
+              <a:t>Should highlight error in user code not library code</a:t>
+            </a:r>
+          </a:p>
+        </p:txBody>
+      </p:sp>
+      <p:sp>
+        <p:nvSpPr>
+          <p:cNvPr id="16" name="TextBox 15">
+            <a:extLst>
+              <a:ext uri="{FF2B5EF4-FFF2-40B4-BE49-F238E27FC236}">
+                <a16:creationId xmlns:a16="http://schemas.microsoft.com/office/drawing/2014/main" id="{FB7EF574-B296-CC4D-823B-6F51ABE8A4AF}"/>
+              </a:ext>
+            </a:extLst>
+          </p:cNvPr>
+          <p:cNvSpPr txBox="1"/>
+          <p:nvPr/>
+        </p:nvSpPr>
+        <p:spPr>
+          <a:xfrm>
+            <a:off x="2659926" y="6150842"/>
+            <a:ext cx="4243919" cy="400110"/>
+          </a:xfrm>
+          <a:prstGeom prst="rect">
+            <a:avLst/>
+          </a:prstGeom>
+          <a:noFill/>
+        </p:spPr>
+        <p:txBody>
+          <a:bodyPr wrap="none" rtlCol="0">
+            <a:spAutoFit/>
+          </a:bodyPr>
+          <a:lstStyle/>
+          <a:p>
+            <a:r>
+              <a:rPr lang="en-US" sz="2000" dirty="0"/>
+              <a:t>(</a:t>
+            </a:r>
+            <a:r>
+              <a:rPr lang="en-US" sz="2000" dirty="0" err="1"/>
+              <a:t>TensorSensor</a:t>
+            </a:r>
+            <a:r>
+              <a:rPr lang="en-US" sz="2000" dirty="0"/>
+              <a:t> augments message)</a:t>
+            </a:r>
+          </a:p>
+        </p:txBody>
+      </p:sp>
+      <p:cxnSp>
+        <p:nvCxnSpPr>
+          <p:cNvPr id="17" name="Straight Arrow Connector 16">
+            <a:extLst>
+              <a:ext uri="{FF2B5EF4-FFF2-40B4-BE49-F238E27FC236}">
+                <a16:creationId xmlns:a16="http://schemas.microsoft.com/office/drawing/2014/main" id="{1BF3CD1B-39ED-2A4D-A626-415E11984577}"/>
+              </a:ext>
+            </a:extLst>
+          </p:cNvPr>
+          <p:cNvCxnSpPr>
+            <a:cxnSpLocks/>
+          </p:cNvCxnSpPr>
+          <p:nvPr/>
+        </p:nvCxnSpPr>
+        <p:spPr>
+          <a:xfrm flipV="1">
+            <a:off x="4469876" y="5663201"/>
+            <a:ext cx="0" cy="552296"/>
+          </a:xfrm>
+          <a:prstGeom prst="straightConnector1">
+            <a:avLst/>
+          </a:prstGeom>
+          <a:ln>
+            <a:tailEnd type="triangle"/>
+          </a:ln>
+        </p:spPr>
+        <p:style>
+          <a:lnRef idx="1">
+            <a:schemeClr val="accent1"/>
+          </a:lnRef>
+          <a:fillRef idx="0">
+            <a:schemeClr val="accent1"/>
+          </a:fillRef>
+          <a:effectRef idx="0">
+            <a:schemeClr val="accent1"/>
+          </a:effectRef>
+          <a:fontRef idx="minor">
+            <a:schemeClr val="tx1"/>
+          </a:fontRef>
+        </p:style>
+      </p:cxnSp>
+      <p:sp>
+        <p:nvSpPr>
+          <p:cNvPr id="18" name="Rectangle 17">
+            <a:extLst>
+              <a:ext uri="{FF2B5EF4-FFF2-40B4-BE49-F238E27FC236}">
+                <a16:creationId xmlns:a16="http://schemas.microsoft.com/office/drawing/2014/main" id="{E7D962A7-65AA-674E-BA51-F8F563D3F624}"/>
+              </a:ext>
+            </a:extLst>
+          </p:cNvPr>
+          <p:cNvSpPr/>
+          <p:nvPr/>
+        </p:nvSpPr>
+        <p:spPr>
+          <a:xfrm>
+            <a:off x="4034672" y="5392135"/>
+            <a:ext cx="6457361" cy="271066"/>
+          </a:xfrm>
+          <a:prstGeom prst="rect">
+            <a:avLst/>
+          </a:prstGeom>
+          <a:noFill/>
+          <a:ln>
+            <a:solidFill>
+              <a:srgbClr val="FF0000"/>
+            </a:solidFill>
+          </a:ln>
+        </p:spPr>
+        <p:style>
+          <a:lnRef idx="2">
+            <a:schemeClr val="accent1">
+              <a:shade val="50000"/>
+            </a:schemeClr>
+          </a:lnRef>
+          <a:fillRef idx="1">
+            <a:schemeClr val="accent1"/>
+          </a:fillRef>
+          <a:effectRef idx="0">
+            <a:schemeClr val="accent1"/>
+          </a:effectRef>
+          <a:fontRef idx="minor">
+            <a:schemeClr val="lt1"/>
+          </a:fontRef>
+        </p:style>
+        <p:txBody>
+          <a:bodyPr rtlCol="0" anchor="ctr"/>
+          <a:lstStyle/>
+          <a:p>
+            <a:pPr algn="ctr"/>
+            <a:endParaRPr lang="en-US"/>
+          </a:p>
+        </p:txBody>
+      </p:sp>
+    </p:spTree>
+    <p:extLst>
+      <p:ext uri="{BB962C8B-B14F-4D97-AF65-F5344CB8AC3E}">
+        <p14:creationId xmlns:p14="http://schemas.microsoft.com/office/powerpoint/2010/main" val="3618322039"/>
+      </p:ext>
+    </p:extLst>
+  </p:cSld>
+  <p:clrMapOvr>
+    <a:masterClrMapping/>
+  </p:clrMapOvr>
+</p:sld>
+</file>
+
 <file path=ppt/slides/slide9.xml><?xml version="1.0" encoding="utf-8"?>
 <p:sld xmlns:a="http://schemas.openxmlformats.org/drawingml/2006/main" xmlns:r="http://schemas.openxmlformats.org/officeDocument/2006/relationships" xmlns:p="http://schemas.openxmlformats.org/presentationml/2006/main">
   <p:cSld>
@@ -10025,7 +9944,7 @@
           <p:cNvPr id="2" name="Title 1">
             <a:extLst>
               <a:ext uri="{FF2B5EF4-FFF2-40B4-BE49-F238E27FC236}">
-                <a16:creationId xmlns:a16="http://schemas.microsoft.com/office/drawing/2014/main" id="{0CE0B5EA-3CA5-3A4F-AA86-13916C56BAC6}"/>
+                <a16:creationId xmlns:a16="http://schemas.microsoft.com/office/drawing/2014/main" id="{414E8CDF-97F8-BA4F-995B-9E79802D7E0F}"/>
               </a:ext>
             </a:extLst>
           </p:cNvPr>
@@ -10043,7 +9962,7 @@
           <a:p>
             <a:r>
               <a:rPr lang="en-US" dirty="0"/>
-              <a:t>Requirement: support prebuilt layers</a:t>
+              <a:t>Requirement: explain code w/o errors</a:t>
             </a:r>
           </a:p>
         </p:txBody>
@@ -10053,7 +9972,7 @@
           <p:cNvPr id="5" name="Content Placeholder 4">
             <a:extLst>
               <a:ext uri="{FF2B5EF4-FFF2-40B4-BE49-F238E27FC236}">
-                <a16:creationId xmlns:a16="http://schemas.microsoft.com/office/drawing/2014/main" id="{049270D4-2C43-A942-B59D-105C0C8BC584}"/>
+                <a16:creationId xmlns:a16="http://schemas.microsoft.com/office/drawing/2014/main" id="{F62B8AAC-7B21-4946-A6A9-8B21D5E03563}"/>
               </a:ext>
             </a:extLst>
           </p:cNvPr>
@@ -10072,230 +9991,95 @@
         </p:blipFill>
         <p:spPr>
           <a:xfrm>
-            <a:off x="470555" y="2015765"/>
-            <a:ext cx="11430000" cy="3810000"/>
+            <a:off x="361494" y="1690688"/>
+            <a:ext cx="3733800" cy="2120900"/>
           </a:xfrm>
         </p:spPr>
       </p:pic>
-      <p:sp>
-        <p:nvSpPr>
-          <p:cNvPr id="6" name="TextBox 5">
-            <a:extLst>
-              <a:ext uri="{FF2B5EF4-FFF2-40B4-BE49-F238E27FC236}">
-                <a16:creationId xmlns:a16="http://schemas.microsoft.com/office/drawing/2014/main" id="{028159BF-D9BD-C646-8CF4-26F3587FA465}"/>
-              </a:ext>
-            </a:extLst>
-          </p:cNvPr>
-          <p:cNvSpPr txBox="1"/>
+      <p:pic>
+        <p:nvPicPr>
+          <p:cNvPr id="7" name="Picture 6">
+            <a:extLst>
+              <a:ext uri="{FF2B5EF4-FFF2-40B4-BE49-F238E27FC236}">
+                <a16:creationId xmlns:a16="http://schemas.microsoft.com/office/drawing/2014/main" id="{F608205B-45C4-2349-BC49-9E88A9AC5BFC}"/>
+              </a:ext>
+            </a:extLst>
+          </p:cNvPr>
+          <p:cNvPicPr>
+            <a:picLocks noChangeAspect="1"/>
+          </p:cNvPicPr>
           <p:nvPr/>
-        </p:nvSpPr>
-        <p:spPr>
-          <a:xfrm>
-            <a:off x="8239023" y="5916150"/>
-            <a:ext cx="3716082" cy="400110"/>
+        </p:nvPicPr>
+        <p:blipFill>
+          <a:blip r:embed="rId3"/>
+          <a:stretch>
+            <a:fillRect/>
+          </a:stretch>
+        </p:blipFill>
+        <p:spPr>
+          <a:xfrm>
+            <a:off x="7759504" y="3082302"/>
+            <a:ext cx="2578100" cy="1219200"/>
+          </a:xfrm>
+          <a:prstGeom prst="rect">
+            <a:avLst/>
+          </a:prstGeom>
+        </p:spPr>
+      </p:pic>
+      <p:pic>
+        <p:nvPicPr>
+          <p:cNvPr id="9" name="Picture 8">
+            <a:extLst>
+              <a:ext uri="{FF2B5EF4-FFF2-40B4-BE49-F238E27FC236}">
+                <a16:creationId xmlns:a16="http://schemas.microsoft.com/office/drawing/2014/main" id="{206D3E3A-529F-734E-A101-BA4130C4BBD2}"/>
+              </a:ext>
+            </a:extLst>
+          </p:cNvPr>
+          <p:cNvPicPr>
+            <a:picLocks noChangeAspect="1"/>
+          </p:cNvPicPr>
+          <p:nvPr/>
+        </p:nvPicPr>
+        <p:blipFill>
+          <a:blip r:embed="rId4"/>
+          <a:stretch>
+            <a:fillRect/>
+          </a:stretch>
+        </p:blipFill>
+        <p:spPr>
+          <a:xfrm>
+            <a:off x="7029254" y="1804447"/>
+            <a:ext cx="4038600" cy="812800"/>
+          </a:xfrm>
+          <a:prstGeom prst="rect">
+            <a:avLst/>
+          </a:prstGeom>
+        </p:spPr>
+      </p:pic>
+      <p:sp>
+        <p:nvSpPr>
+          <p:cNvPr id="10" name="Rectangle 9">
+            <a:extLst>
+              <a:ext uri="{FF2B5EF4-FFF2-40B4-BE49-F238E27FC236}">
+                <a16:creationId xmlns:a16="http://schemas.microsoft.com/office/drawing/2014/main" id="{0DDF4ACC-206E-644A-ABE0-2F61642F6F62}"/>
+              </a:ext>
+            </a:extLst>
+          </p:cNvPr>
+          <p:cNvSpPr/>
+          <p:nvPr/>
+        </p:nvSpPr>
+        <p:spPr>
+          <a:xfrm>
+            <a:off x="510100" y="1690688"/>
+            <a:ext cx="3585194" cy="330257"/>
           </a:xfrm>
           <a:prstGeom prst="rect">
             <a:avLst/>
           </a:prstGeom>
           <a:noFill/>
-        </p:spPr>
-        <p:txBody>
-          <a:bodyPr wrap="none" rtlCol="0">
-            <a:spAutoFit/>
-          </a:bodyPr>
-          <a:lstStyle/>
-          <a:p>
-            <a:r>
-              <a:rPr lang="en-US" sz="2000" dirty="0"/>
-              <a:t>(Note unhelpful C++ reference)</a:t>
-            </a:r>
-          </a:p>
-        </p:txBody>
-      </p:sp>
-      <p:cxnSp>
-        <p:nvCxnSpPr>
-          <p:cNvPr id="8" name="Straight Arrow Connector 7">
-            <a:extLst>
-              <a:ext uri="{FF2B5EF4-FFF2-40B4-BE49-F238E27FC236}">
-                <a16:creationId xmlns:a16="http://schemas.microsoft.com/office/drawing/2014/main" id="{01B00707-C191-1748-9F05-CAF700936A42}"/>
-              </a:ext>
-            </a:extLst>
-          </p:cNvPr>
-          <p:cNvCxnSpPr>
-            <a:cxnSpLocks/>
-          </p:cNvCxnSpPr>
-          <p:nvPr/>
-        </p:nvCxnSpPr>
-        <p:spPr>
-          <a:xfrm flipV="1">
-            <a:off x="10624008" y="5354427"/>
-            <a:ext cx="0" cy="552296"/>
-          </a:xfrm>
-          <a:prstGeom prst="straightConnector1">
-            <a:avLst/>
-          </a:prstGeom>
-          <a:ln w="12700">
-            <a:tailEnd type="triangle"/>
-          </a:ln>
-        </p:spPr>
-        <p:style>
-          <a:lnRef idx="1">
-            <a:schemeClr val="accent1"/>
-          </a:lnRef>
-          <a:fillRef idx="0">
-            <a:schemeClr val="accent1"/>
-          </a:fillRef>
-          <a:effectRef idx="0">
-            <a:schemeClr val="accent1"/>
-          </a:effectRef>
-          <a:fontRef idx="minor">
-            <a:schemeClr val="tx1"/>
-          </a:fontRef>
-        </p:style>
-      </p:cxnSp>
-      <p:sp>
-        <p:nvSpPr>
-          <p:cNvPr id="13" name="TextBox 12">
-            <a:extLst>
-              <a:ext uri="{FF2B5EF4-FFF2-40B4-BE49-F238E27FC236}">
-                <a16:creationId xmlns:a16="http://schemas.microsoft.com/office/drawing/2014/main" id="{2E3970E6-EDF8-7249-9D44-57518ACAF043}"/>
-              </a:ext>
-            </a:extLst>
-          </p:cNvPr>
-          <p:cNvSpPr txBox="1"/>
-          <p:nvPr/>
-        </p:nvSpPr>
-        <p:spPr>
-          <a:xfrm>
-            <a:off x="2441541" y="1341164"/>
-            <a:ext cx="7069564" cy="461665"/>
-          </a:xfrm>
-          <a:prstGeom prst="rect">
-            <a:avLst/>
-          </a:prstGeom>
-          <a:noFill/>
-        </p:spPr>
-        <p:txBody>
-          <a:bodyPr wrap="none" rtlCol="0">
-            <a:spAutoFit/>
-          </a:bodyPr>
-          <a:lstStyle/>
-          <a:p>
-            <a:r>
-              <a:rPr lang="en-US" sz="2400" dirty="0"/>
-              <a:t>Should highlight error in user code not library code</a:t>
-            </a:r>
-          </a:p>
-        </p:txBody>
-      </p:sp>
-      <p:sp>
-        <p:nvSpPr>
-          <p:cNvPr id="16" name="TextBox 15">
-            <a:extLst>
-              <a:ext uri="{FF2B5EF4-FFF2-40B4-BE49-F238E27FC236}">
-                <a16:creationId xmlns:a16="http://schemas.microsoft.com/office/drawing/2014/main" id="{FB7EF574-B296-CC4D-823B-6F51ABE8A4AF}"/>
-              </a:ext>
-            </a:extLst>
-          </p:cNvPr>
-          <p:cNvSpPr txBox="1"/>
-          <p:nvPr/>
-        </p:nvSpPr>
-        <p:spPr>
-          <a:xfrm>
-            <a:off x="2659926" y="6150842"/>
-            <a:ext cx="4243919" cy="400110"/>
-          </a:xfrm>
-          <a:prstGeom prst="rect">
-            <a:avLst/>
-          </a:prstGeom>
-          <a:noFill/>
-        </p:spPr>
-        <p:txBody>
-          <a:bodyPr wrap="none" rtlCol="0">
-            <a:spAutoFit/>
-          </a:bodyPr>
-          <a:lstStyle/>
-          <a:p>
-            <a:r>
-              <a:rPr lang="en-US" sz="2000" dirty="0"/>
-              <a:t>(</a:t>
-            </a:r>
-            <a:r>
-              <a:rPr lang="en-US" sz="2000" dirty="0" err="1"/>
-              <a:t>TensorSensor</a:t>
-            </a:r>
-            <a:r>
-              <a:rPr lang="en-US" sz="2000" dirty="0"/>
-              <a:t> augments message)</a:t>
-            </a:r>
-          </a:p>
-        </p:txBody>
-      </p:sp>
-      <p:cxnSp>
-        <p:nvCxnSpPr>
-          <p:cNvPr id="17" name="Straight Arrow Connector 16">
-            <a:extLst>
-              <a:ext uri="{FF2B5EF4-FFF2-40B4-BE49-F238E27FC236}">
-                <a16:creationId xmlns:a16="http://schemas.microsoft.com/office/drawing/2014/main" id="{1BF3CD1B-39ED-2A4D-A626-415E11984577}"/>
-              </a:ext>
-            </a:extLst>
-          </p:cNvPr>
-          <p:cNvCxnSpPr>
-            <a:cxnSpLocks/>
-          </p:cNvCxnSpPr>
-          <p:nvPr/>
-        </p:nvCxnSpPr>
-        <p:spPr>
-          <a:xfrm flipV="1">
-            <a:off x="4469876" y="5663201"/>
-            <a:ext cx="0" cy="552296"/>
-          </a:xfrm>
-          <a:prstGeom prst="straightConnector1">
-            <a:avLst/>
-          </a:prstGeom>
-          <a:ln>
-            <a:tailEnd type="triangle"/>
-          </a:ln>
-        </p:spPr>
-        <p:style>
-          <a:lnRef idx="1">
-            <a:schemeClr val="accent1"/>
-          </a:lnRef>
-          <a:fillRef idx="0">
-            <a:schemeClr val="accent1"/>
-          </a:fillRef>
-          <a:effectRef idx="0">
-            <a:schemeClr val="accent1"/>
-          </a:effectRef>
-          <a:fontRef idx="minor">
-            <a:schemeClr val="tx1"/>
-          </a:fontRef>
-        </p:style>
-      </p:cxnSp>
-      <p:sp>
-        <p:nvSpPr>
-          <p:cNvPr id="18" name="Rectangle 17">
-            <a:extLst>
-              <a:ext uri="{FF2B5EF4-FFF2-40B4-BE49-F238E27FC236}">
-                <a16:creationId xmlns:a16="http://schemas.microsoft.com/office/drawing/2014/main" id="{E7D962A7-65AA-674E-BA51-F8F563D3F624}"/>
-              </a:ext>
-            </a:extLst>
-          </p:cNvPr>
-          <p:cNvSpPr/>
-          <p:nvPr/>
-        </p:nvSpPr>
-        <p:spPr>
-          <a:xfrm>
-            <a:off x="4034672" y="5392135"/>
-            <a:ext cx="6457361" cy="271066"/>
-          </a:xfrm>
-          <a:prstGeom prst="rect">
-            <a:avLst/>
-          </a:prstGeom>
-          <a:noFill/>
-          <a:ln>
+          <a:ln w="19050">
             <a:solidFill>
-              <a:srgbClr val="FF0000"/>
+              <a:srgbClr val="E4754F"/>
             </a:solidFill>
           </a:ln>
         </p:spPr>
@@ -10324,10 +10108,242 @@
           </a:p>
         </p:txBody>
       </p:sp>
+      <p:pic>
+        <p:nvPicPr>
+          <p:cNvPr id="12" name="Picture 11">
+            <a:extLst>
+              <a:ext uri="{FF2B5EF4-FFF2-40B4-BE49-F238E27FC236}">
+                <a16:creationId xmlns:a16="http://schemas.microsoft.com/office/drawing/2014/main" id="{920D7AB4-496D-C34D-AFB3-46ACAA75E25F}"/>
+              </a:ext>
+            </a:extLst>
+          </p:cNvPr>
+          <p:cNvPicPr>
+            <a:picLocks noChangeAspect="1"/>
+          </p:cNvPicPr>
+          <p:nvPr/>
+        </p:nvPicPr>
+        <p:blipFill>
+          <a:blip r:embed="rId5"/>
+          <a:stretch>
+            <a:fillRect/>
+          </a:stretch>
+        </p:blipFill>
+        <p:spPr>
+          <a:xfrm>
+            <a:off x="361494" y="4081807"/>
+            <a:ext cx="6155581" cy="2734564"/>
+          </a:xfrm>
+          <a:prstGeom prst="rect">
+            <a:avLst/>
+          </a:prstGeom>
+        </p:spPr>
+      </p:pic>
+      <p:sp>
+        <p:nvSpPr>
+          <p:cNvPr id="13" name="TextBox 12">
+            <a:extLst>
+              <a:ext uri="{FF2B5EF4-FFF2-40B4-BE49-F238E27FC236}">
+                <a16:creationId xmlns:a16="http://schemas.microsoft.com/office/drawing/2014/main" id="{B33509D6-EC6F-A347-8DD4-BC83D7071C34}"/>
+              </a:ext>
+            </a:extLst>
+          </p:cNvPr>
+          <p:cNvSpPr txBox="1"/>
+          <p:nvPr/>
+        </p:nvSpPr>
+        <p:spPr>
+          <a:xfrm>
+            <a:off x="3346515" y="6018041"/>
+            <a:ext cx="3544560" cy="369332"/>
+          </a:xfrm>
+          <a:prstGeom prst="rect">
+            <a:avLst/>
+          </a:prstGeom>
+          <a:noFill/>
+        </p:spPr>
+        <p:txBody>
+          <a:bodyPr wrap="none" rtlCol="0">
+            <a:spAutoFit/>
+          </a:bodyPr>
+          <a:lstStyle/>
+          <a:p>
+            <a:r>
+              <a:rPr lang="en-US" dirty="0"/>
+              <a:t>Greater than 2 and 3 dimensions</a:t>
+            </a:r>
+          </a:p>
+        </p:txBody>
+      </p:sp>
+      <p:cxnSp>
+        <p:nvCxnSpPr>
+          <p:cNvPr id="14" name="Straight Arrow Connector 13">
+            <a:extLst>
+              <a:ext uri="{FF2B5EF4-FFF2-40B4-BE49-F238E27FC236}">
+                <a16:creationId xmlns:a16="http://schemas.microsoft.com/office/drawing/2014/main" id="{39F31D14-AB77-A74D-BE71-97035E03188A}"/>
+              </a:ext>
+            </a:extLst>
+          </p:cNvPr>
+          <p:cNvCxnSpPr>
+            <a:cxnSpLocks/>
+            <a:stCxn id="13" idx="1"/>
+          </p:cNvCxnSpPr>
+          <p:nvPr/>
+        </p:nvCxnSpPr>
+        <p:spPr>
+          <a:xfrm flipH="1">
+            <a:off x="2639507" y="6202707"/>
+            <a:ext cx="707008" cy="9557"/>
+          </a:xfrm>
+          <a:prstGeom prst="straightConnector1">
+            <a:avLst/>
+          </a:prstGeom>
+          <a:ln>
+            <a:tailEnd type="triangle"/>
+          </a:ln>
+        </p:spPr>
+        <p:style>
+          <a:lnRef idx="1">
+            <a:schemeClr val="accent1"/>
+          </a:lnRef>
+          <a:fillRef idx="0">
+            <a:schemeClr val="accent1"/>
+          </a:fillRef>
+          <a:effectRef idx="0">
+            <a:schemeClr val="accent1"/>
+          </a:effectRef>
+          <a:fontRef idx="minor">
+            <a:schemeClr val="tx1"/>
+          </a:fontRef>
+        </p:style>
+      </p:cxnSp>
+      <p:sp>
+        <p:nvSpPr>
+          <p:cNvPr id="17" name="Rectangle 16">
+            <a:extLst>
+              <a:ext uri="{FF2B5EF4-FFF2-40B4-BE49-F238E27FC236}">
+                <a16:creationId xmlns:a16="http://schemas.microsoft.com/office/drawing/2014/main" id="{97FBF7FF-F5F0-A04E-B572-2FA59D73EF33}"/>
+              </a:ext>
+            </a:extLst>
+          </p:cNvPr>
+          <p:cNvSpPr/>
+          <p:nvPr/>
+        </p:nvSpPr>
+        <p:spPr>
+          <a:xfrm>
+            <a:off x="426370" y="4541781"/>
+            <a:ext cx="3544560" cy="330257"/>
+          </a:xfrm>
+          <a:prstGeom prst="rect">
+            <a:avLst/>
+          </a:prstGeom>
+          <a:noFill/>
+          <a:ln w="19050">
+            <a:solidFill>
+              <a:srgbClr val="E4754F"/>
+            </a:solidFill>
+          </a:ln>
+        </p:spPr>
+        <p:style>
+          <a:lnRef idx="2">
+            <a:schemeClr val="accent1">
+              <a:shade val="50000"/>
+            </a:schemeClr>
+          </a:lnRef>
+          <a:fillRef idx="1">
+            <a:schemeClr val="accent1"/>
+          </a:fillRef>
+          <a:effectRef idx="0">
+            <a:schemeClr val="accent1"/>
+          </a:effectRef>
+          <a:fontRef idx="minor">
+            <a:schemeClr val="lt1"/>
+          </a:fontRef>
+        </p:style>
+        <p:txBody>
+          <a:bodyPr rtlCol="0" anchor="ctr"/>
+          <a:lstStyle/>
+          <a:p>
+            <a:pPr algn="ctr"/>
+            <a:endParaRPr lang="en-US"/>
+          </a:p>
+        </p:txBody>
+      </p:sp>
+      <p:cxnSp>
+        <p:nvCxnSpPr>
+          <p:cNvPr id="19" name="Straight Connector 18">
+            <a:extLst>
+              <a:ext uri="{FF2B5EF4-FFF2-40B4-BE49-F238E27FC236}">
+                <a16:creationId xmlns:a16="http://schemas.microsoft.com/office/drawing/2014/main" id="{7EE79A98-C646-1D4A-A18D-A0A07DC95041}"/>
+              </a:ext>
+            </a:extLst>
+          </p:cNvPr>
+          <p:cNvCxnSpPr>
+            <a:cxnSpLocks/>
+          </p:cNvCxnSpPr>
+          <p:nvPr/>
+        </p:nvCxnSpPr>
+        <p:spPr>
+          <a:xfrm>
+            <a:off x="6815581" y="1555423"/>
+            <a:ext cx="0" cy="4279769"/>
+          </a:xfrm>
+          <a:prstGeom prst="line">
+            <a:avLst/>
+          </a:prstGeom>
+        </p:spPr>
+        <p:style>
+          <a:lnRef idx="1">
+            <a:schemeClr val="accent1"/>
+          </a:lnRef>
+          <a:fillRef idx="0">
+            <a:schemeClr val="accent1"/>
+          </a:fillRef>
+          <a:effectRef idx="0">
+            <a:schemeClr val="accent1"/>
+          </a:effectRef>
+          <a:fontRef idx="minor">
+            <a:schemeClr val="tx1"/>
+          </a:fontRef>
+        </p:style>
+      </p:cxnSp>
+      <p:sp>
+        <p:nvSpPr>
+          <p:cNvPr id="21" name="TextBox 20">
+            <a:extLst>
+              <a:ext uri="{FF2B5EF4-FFF2-40B4-BE49-F238E27FC236}">
+                <a16:creationId xmlns:a16="http://schemas.microsoft.com/office/drawing/2014/main" id="{681F30B4-E073-E04A-83C1-98D6FBB2C3CB}"/>
+              </a:ext>
+            </a:extLst>
+          </p:cNvPr>
+          <p:cNvSpPr txBox="1"/>
+          <p:nvPr/>
+        </p:nvSpPr>
+        <p:spPr>
+          <a:xfrm>
+            <a:off x="7358335" y="5230257"/>
+            <a:ext cx="4355068" cy="707886"/>
+          </a:xfrm>
+          <a:prstGeom prst="rect">
+            <a:avLst/>
+          </a:prstGeom>
+          <a:noFill/>
+        </p:spPr>
+        <p:txBody>
+          <a:bodyPr wrap="square" rtlCol="0">
+            <a:spAutoFit/>
+          </a:bodyPr>
+          <a:lstStyle/>
+          <a:p>
+            <a:r>
+              <a:rPr lang="en-US" sz="2000" dirty="0"/>
+              <a:t>Very helpful when trying to read (even correct) code</a:t>
+            </a:r>
+          </a:p>
+        </p:txBody>
+      </p:sp>
     </p:spTree>
     <p:extLst>
       <p:ext uri="{BB962C8B-B14F-4D97-AF65-F5344CB8AC3E}">
-        <p14:creationId xmlns:p14="http://schemas.microsoft.com/office/powerpoint/2010/main" val="3618322039"/>
+        <p14:creationId xmlns:p14="http://schemas.microsoft.com/office/powerpoint/2010/main" val="3545508290"/>
       </p:ext>
     </p:extLst>
   </p:cSld>

--- a/talks/tensor-sensor.pptx
+++ b/talks/tensor-sensor.pptx
@@ -5,34 +5,37 @@
     <p:sldMasterId id="2147483672" r:id="rId1"/>
   </p:sldMasterIdLst>
   <p:notesMasterIdLst>
-    <p:notesMasterId r:id="rId24"/>
+    <p:notesMasterId r:id="rId27"/>
   </p:notesMasterIdLst>
   <p:handoutMasterIdLst>
-    <p:handoutMasterId r:id="rId25"/>
+    <p:handoutMasterId r:id="rId28"/>
   </p:handoutMasterIdLst>
   <p:sldIdLst>
     <p:sldId id="256" r:id="rId2"/>
     <p:sldId id="311" r:id="rId3"/>
-    <p:sldId id="289" r:id="rId4"/>
-    <p:sldId id="308" r:id="rId5"/>
-    <p:sldId id="290" r:id="rId6"/>
-    <p:sldId id="291" r:id="rId7"/>
-    <p:sldId id="292" r:id="rId8"/>
-    <p:sldId id="293" r:id="rId9"/>
-    <p:sldId id="294" r:id="rId10"/>
-    <p:sldId id="295" r:id="rId11"/>
-    <p:sldId id="296" r:id="rId12"/>
-    <p:sldId id="298" r:id="rId13"/>
-    <p:sldId id="299" r:id="rId14"/>
-    <p:sldId id="300" r:id="rId15"/>
-    <p:sldId id="302" r:id="rId16"/>
-    <p:sldId id="301" r:id="rId17"/>
-    <p:sldId id="303" r:id="rId18"/>
-    <p:sldId id="304" r:id="rId19"/>
-    <p:sldId id="305" r:id="rId20"/>
-    <p:sldId id="306" r:id="rId21"/>
-    <p:sldId id="312" r:id="rId22"/>
-    <p:sldId id="310" r:id="rId23"/>
+    <p:sldId id="313" r:id="rId4"/>
+    <p:sldId id="314" r:id="rId5"/>
+    <p:sldId id="315" r:id="rId6"/>
+    <p:sldId id="289" r:id="rId7"/>
+    <p:sldId id="308" r:id="rId8"/>
+    <p:sldId id="290" r:id="rId9"/>
+    <p:sldId id="291" r:id="rId10"/>
+    <p:sldId id="292" r:id="rId11"/>
+    <p:sldId id="293" r:id="rId12"/>
+    <p:sldId id="294" r:id="rId13"/>
+    <p:sldId id="295" r:id="rId14"/>
+    <p:sldId id="296" r:id="rId15"/>
+    <p:sldId id="298" r:id="rId16"/>
+    <p:sldId id="299" r:id="rId17"/>
+    <p:sldId id="300" r:id="rId18"/>
+    <p:sldId id="302" r:id="rId19"/>
+    <p:sldId id="301" r:id="rId20"/>
+    <p:sldId id="303" r:id="rId21"/>
+    <p:sldId id="304" r:id="rId22"/>
+    <p:sldId id="305" r:id="rId23"/>
+    <p:sldId id="306" r:id="rId24"/>
+    <p:sldId id="312" r:id="rId25"/>
+    <p:sldId id="310" r:id="rId26"/>
   </p:sldIdLst>
   <p:sldSz cx="12192000" cy="6858000"/>
   <p:notesSz cx="9144000" cy="6858000"/>
@@ -227,7 +230,7 @@
           <a:p>
             <a:fld id="{8A1B613A-EFF1-404F-BEE8-EFAE84A4E5E2}" type="datetimeFigureOut">
               <a:rPr lang="en-US" smtClean="0"/>
-              <a:t>9/21/21</a:t>
+              <a:t>9/24/21</a:t>
             </a:fld>
             <a:endParaRPr lang="en-US"/>
           </a:p>
@@ -392,7 +395,7 @@
           <a:p>
             <a:fld id="{690847EA-AC25-3D4E-89E1-FD3F6A9702B6}" type="datetimeFigureOut">
               <a:rPr lang="en-US" smtClean="0"/>
-              <a:t>9/21/21</a:t>
+              <a:t>9/24/21</a:t>
             </a:fld>
             <a:endParaRPr lang="en-US"/>
           </a:p>
@@ -806,7 +809,7 @@
           <a:p>
             <a:fld id="{BE5295ED-3BAF-1140-8495-3D368771D6B1}" type="datetimeFigureOut">
               <a:rPr lang="en-US" smtClean="0"/>
-              <a:t>9/21/21</a:t>
+              <a:t>9/24/21</a:t>
             </a:fld>
             <a:endParaRPr lang="en-US"/>
           </a:p>
@@ -1004,7 +1007,7 @@
           <a:p>
             <a:fld id="{BE5295ED-3BAF-1140-8495-3D368771D6B1}" type="datetimeFigureOut">
               <a:rPr lang="en-US" smtClean="0"/>
-              <a:t>9/21/21</a:t>
+              <a:t>9/24/21</a:t>
             </a:fld>
             <a:endParaRPr lang="en-US"/>
           </a:p>
@@ -1212,7 +1215,7 @@
           <a:p>
             <a:fld id="{BE5295ED-3BAF-1140-8495-3D368771D6B1}" type="datetimeFigureOut">
               <a:rPr lang="en-US" smtClean="0"/>
-              <a:t>9/21/21</a:t>
+              <a:t>9/24/21</a:t>
             </a:fld>
             <a:endParaRPr lang="en-US"/>
           </a:p>
@@ -1410,7 +1413,7 @@
           <a:p>
             <a:fld id="{BE5295ED-3BAF-1140-8495-3D368771D6B1}" type="datetimeFigureOut">
               <a:rPr lang="en-US" smtClean="0"/>
-              <a:t>9/21/21</a:t>
+              <a:t>9/24/21</a:t>
             </a:fld>
             <a:endParaRPr lang="en-US"/>
           </a:p>
@@ -1685,7 +1688,7 @@
           <a:p>
             <a:fld id="{BE5295ED-3BAF-1140-8495-3D368771D6B1}" type="datetimeFigureOut">
               <a:rPr lang="en-US" smtClean="0"/>
-              <a:t>9/21/21</a:t>
+              <a:t>9/24/21</a:t>
             </a:fld>
             <a:endParaRPr lang="en-US"/>
           </a:p>
@@ -1950,7 +1953,7 @@
           <a:p>
             <a:fld id="{BE5295ED-3BAF-1140-8495-3D368771D6B1}" type="datetimeFigureOut">
               <a:rPr lang="en-US" smtClean="0"/>
-              <a:t>9/21/21</a:t>
+              <a:t>9/24/21</a:t>
             </a:fld>
             <a:endParaRPr lang="en-US"/>
           </a:p>
@@ -2362,7 +2365,7 @@
           <a:p>
             <a:fld id="{BE5295ED-3BAF-1140-8495-3D368771D6B1}" type="datetimeFigureOut">
               <a:rPr lang="en-US" smtClean="0"/>
-              <a:t>9/21/21</a:t>
+              <a:t>9/24/21</a:t>
             </a:fld>
             <a:endParaRPr lang="en-US"/>
           </a:p>
@@ -2503,7 +2506,7 @@
           <a:p>
             <a:fld id="{BE5295ED-3BAF-1140-8495-3D368771D6B1}" type="datetimeFigureOut">
               <a:rPr lang="en-US" smtClean="0"/>
-              <a:t>9/21/21</a:t>
+              <a:t>9/24/21</a:t>
             </a:fld>
             <a:endParaRPr lang="en-US"/>
           </a:p>
@@ -2616,7 +2619,7 @@
           <a:p>
             <a:fld id="{BE5295ED-3BAF-1140-8495-3D368771D6B1}" type="datetimeFigureOut">
               <a:rPr lang="en-US" smtClean="0"/>
-              <a:t>9/21/21</a:t>
+              <a:t>9/24/21</a:t>
             </a:fld>
             <a:endParaRPr lang="en-US"/>
           </a:p>
@@ -2927,7 +2930,7 @@
           <a:p>
             <a:fld id="{BE5295ED-3BAF-1140-8495-3D368771D6B1}" type="datetimeFigureOut">
               <a:rPr lang="en-US" smtClean="0"/>
-              <a:t>9/21/21</a:t>
+              <a:t>9/24/21</a:t>
             </a:fld>
             <a:endParaRPr lang="en-US"/>
           </a:p>
@@ -3218,7 +3221,7 @@
           <a:p>
             <a:fld id="{BE5295ED-3BAF-1140-8495-3D368771D6B1}" type="datetimeFigureOut">
               <a:rPr lang="en-US" smtClean="0"/>
-              <a:t>9/21/21</a:t>
+              <a:t>9/24/21</a:t>
             </a:fld>
             <a:endParaRPr lang="en-US"/>
           </a:p>
@@ -3459,7 +3462,7 @@
           <a:p>
             <a:fld id="{BE5295ED-3BAF-1140-8495-3D368771D6B1}" type="datetimeFigureOut">
               <a:rPr lang="en-US" smtClean="0"/>
-              <a:t>9/21/21</a:t>
+              <a:t>9/24/21</a:t>
             </a:fld>
             <a:endParaRPr lang="en-US"/>
           </a:p>
@@ -4100,7 +4103,7 @@
           <p:cNvPr id="2" name="Title 1">
             <a:extLst>
               <a:ext uri="{FF2B5EF4-FFF2-40B4-BE49-F238E27FC236}">
-                <a16:creationId xmlns:a16="http://schemas.microsoft.com/office/drawing/2014/main" id="{D088C2E6-F25E-6B46-B522-C154A29F4398}"/>
+                <a16:creationId xmlns:a16="http://schemas.microsoft.com/office/drawing/2014/main" id="{EFA03F30-D5AE-2840-A719-5DAA707A9CCC}"/>
               </a:ext>
             </a:extLst>
           </p:cNvPr>
@@ -4113,52 +4116,158 @@
         </p:nvSpPr>
         <p:spPr/>
         <p:txBody>
+          <a:bodyPr>
+            <a:normAutofit/>
+          </a:bodyPr>
+          <a:lstStyle/>
+          <a:p>
+            <a:r>
+              <a:rPr lang="en-US" sz="4000" dirty="0"/>
+              <a:t>Requirement</a:t>
+            </a:r>
+            <a:r>
+              <a:rPr lang="en-US" sz="3900" dirty="0"/>
+              <a:t>: support complex expressions</a:t>
+            </a:r>
+          </a:p>
+        </p:txBody>
+      </p:sp>
+      <p:sp>
+        <p:nvSpPr>
+          <p:cNvPr id="3" name="Content Placeholder 2">
+            <a:extLst>
+              <a:ext uri="{FF2B5EF4-FFF2-40B4-BE49-F238E27FC236}">
+                <a16:creationId xmlns:a16="http://schemas.microsoft.com/office/drawing/2014/main" id="{705AA235-7B6A-574D-81AE-DAE77D7E45AE}"/>
+              </a:ext>
+            </a:extLst>
+          </p:cNvPr>
+          <p:cNvSpPr>
+            <a:spLocks noGrp="1"/>
+          </p:cNvSpPr>
+          <p:nvPr>
+            <p:ph idx="1"/>
+          </p:nvPr>
+        </p:nvSpPr>
+        <p:spPr/>
+        <p:txBody>
           <a:bodyPr/>
           <a:lstStyle/>
           <a:p>
             <a:r>
               <a:rPr lang="en-US" dirty="0"/>
-              <a:t>Language engineering</a:t>
-            </a:r>
-            <a:br>
-              <a:rPr lang="en-US" dirty="0"/>
-            </a:br>
-            <a:r>
-              <a:rPr lang="en-US" dirty="0"/>
-              <a:t>related implementation</a:t>
-            </a:r>
-          </a:p>
-        </p:txBody>
-      </p:sp>
-      <p:sp>
-        <p:nvSpPr>
-          <p:cNvPr id="3" name="Text Placeholder 2">
-            <a:extLst>
-              <a:ext uri="{FF2B5EF4-FFF2-40B4-BE49-F238E27FC236}">
-                <a16:creationId xmlns:a16="http://schemas.microsoft.com/office/drawing/2014/main" id="{5CB9B935-55FE-E744-8EB6-2AE7B9545811}"/>
-              </a:ext>
-            </a:extLst>
-          </p:cNvPr>
-          <p:cNvSpPr>
-            <a:spLocks noGrp="1"/>
-          </p:cNvSpPr>
-          <p:nvPr>
-            <p:ph type="body" idx="1"/>
-          </p:nvPr>
-        </p:nvSpPr>
-        <p:spPr/>
-        <p:txBody>
-          <a:bodyPr/>
-          <a:lstStyle/>
-          <a:p>
-            <a:endParaRPr lang="en-US"/>
-          </a:p>
-        </p:txBody>
-      </p:sp>
+              <a:t>We need to know which operator and operands failed so we should highlight the offending elements:</a:t>
+            </a:r>
+          </a:p>
+          <a:p>
+            <a:endParaRPr lang="en-US" dirty="0"/>
+          </a:p>
+          <a:p>
+            <a:endParaRPr lang="en-US" dirty="0"/>
+          </a:p>
+          <a:p>
+            <a:endParaRPr lang="en-US" dirty="0"/>
+          </a:p>
+          <a:p>
+            <a:endParaRPr lang="en-US" dirty="0"/>
+          </a:p>
+          <a:p>
+            <a:endParaRPr lang="en-US" dirty="0"/>
+          </a:p>
+          <a:p>
+            <a:r>
+              <a:rPr lang="en-US" dirty="0"/>
+              <a:t>(Oops: The columns of </a:t>
+            </a:r>
+            <a:r>
+              <a:rPr lang="en-US" dirty="0" err="1"/>
+              <a:t>Uxh</a:t>
+            </a:r>
+            <a:r>
+              <a:rPr lang="en-US" dirty="0"/>
+              <a:t>_ must match the rows of X.T)</a:t>
+            </a:r>
+          </a:p>
+        </p:txBody>
+      </p:sp>
+      <p:pic>
+        <p:nvPicPr>
+          <p:cNvPr id="6" name="Picture 5">
+            <a:extLst>
+              <a:ext uri="{FF2B5EF4-FFF2-40B4-BE49-F238E27FC236}">
+                <a16:creationId xmlns:a16="http://schemas.microsoft.com/office/drawing/2014/main" id="{F8EB4345-191D-1941-827D-07D7C6865F3E}"/>
+              </a:ext>
+            </a:extLst>
+          </p:cNvPr>
+          <p:cNvPicPr>
+            <a:picLocks noChangeAspect="1"/>
+          </p:cNvPicPr>
+          <p:nvPr/>
+        </p:nvPicPr>
+        <p:blipFill>
+          <a:blip r:embed="rId2"/>
+          <a:stretch>
+            <a:fillRect/>
+          </a:stretch>
+        </p:blipFill>
+        <p:spPr>
+          <a:xfrm>
+            <a:off x="838200" y="3073935"/>
+            <a:ext cx="9981676" cy="1504415"/>
+          </a:xfrm>
+          <a:prstGeom prst="rect">
+            <a:avLst/>
+          </a:prstGeom>
+        </p:spPr>
+      </p:pic>
+      <p:cxnSp>
+        <p:nvCxnSpPr>
+          <p:cNvPr id="8" name="Straight Arrow Connector 7">
+            <a:extLst>
+              <a:ext uri="{FF2B5EF4-FFF2-40B4-BE49-F238E27FC236}">
+                <a16:creationId xmlns:a16="http://schemas.microsoft.com/office/drawing/2014/main" id="{C7E79222-DA8B-664E-8073-9760043FF492}"/>
+              </a:ext>
+            </a:extLst>
+          </p:cNvPr>
+          <p:cNvCxnSpPr>
+            <a:cxnSpLocks/>
+          </p:cNvCxnSpPr>
+          <p:nvPr/>
+        </p:nvCxnSpPr>
+        <p:spPr>
+          <a:xfrm>
+            <a:off x="7954128" y="3676454"/>
+            <a:ext cx="424206" cy="320512"/>
+          </a:xfrm>
+          <a:prstGeom prst="straightConnector1">
+            <a:avLst/>
+          </a:prstGeom>
+          <a:ln>
+            <a:solidFill>
+              <a:srgbClr val="FF0000"/>
+            </a:solidFill>
+            <a:headEnd type="triangle"/>
+            <a:tailEnd type="triangle"/>
+          </a:ln>
+        </p:spPr>
+        <p:style>
+          <a:lnRef idx="1">
+            <a:schemeClr val="accent1"/>
+          </a:lnRef>
+          <a:fillRef idx="0">
+            <a:schemeClr val="accent1"/>
+          </a:fillRef>
+          <a:effectRef idx="0">
+            <a:schemeClr val="accent1"/>
+          </a:effectRef>
+          <a:fontRef idx="minor">
+            <a:schemeClr val="tx1"/>
+          </a:fontRef>
+        </p:style>
+      </p:cxnSp>
     </p:spTree>
     <p:extLst>
       <p:ext uri="{BB962C8B-B14F-4D97-AF65-F5344CB8AC3E}">
-        <p14:creationId xmlns:p14="http://schemas.microsoft.com/office/powerpoint/2010/main" val="1220282188"/>
+        <p14:creationId xmlns:p14="http://schemas.microsoft.com/office/powerpoint/2010/main" val="1274102799"/>
       </p:ext>
     </p:extLst>
   </p:cSld>
@@ -4190,7 +4299,7 @@
           <p:cNvPr id="2" name="Title 1">
             <a:extLst>
               <a:ext uri="{FF2B5EF4-FFF2-40B4-BE49-F238E27FC236}">
-                <a16:creationId xmlns:a16="http://schemas.microsoft.com/office/drawing/2014/main" id="{D014B71A-3678-DA44-8A7B-69B0EC06C764}"/>
+                <a16:creationId xmlns:a16="http://schemas.microsoft.com/office/drawing/2014/main" id="{0CE0B5EA-3CA5-3A4F-AA86-13916C56BAC6}"/>
               </a:ext>
             </a:extLst>
           </p:cNvPr>
@@ -4201,105 +4310,53 @@
             <p:ph type="title"/>
           </p:nvPr>
         </p:nvSpPr>
-        <p:spPr>
-          <a:xfrm>
-            <a:off x="838200" y="365125"/>
-            <a:ext cx="10515600" cy="992335"/>
-          </a:xfrm>
-        </p:spPr>
+        <p:spPr/>
         <p:txBody>
           <a:bodyPr/>
           <a:lstStyle/>
           <a:p>
             <a:r>
               <a:rPr lang="en-US" dirty="0"/>
-              <a:t>Key questions to answer</a:t>
-            </a:r>
-          </a:p>
-        </p:txBody>
-      </p:sp>
-      <p:sp>
-        <p:nvSpPr>
-          <p:cNvPr id="3" name="Content Placeholder 2">
-            <a:extLst>
-              <a:ext uri="{FF2B5EF4-FFF2-40B4-BE49-F238E27FC236}">
-                <a16:creationId xmlns:a16="http://schemas.microsoft.com/office/drawing/2014/main" id="{22407BF5-7163-BB43-9BA1-C1728BB28111}"/>
-              </a:ext>
-            </a:extLst>
-          </p:cNvPr>
-          <p:cNvSpPr>
-            <a:spLocks noGrp="1"/>
-          </p:cNvSpPr>
+              <a:t>Requirement: support prebuilt layers</a:t>
+            </a:r>
+          </a:p>
+        </p:txBody>
+      </p:sp>
+      <p:pic>
+        <p:nvPicPr>
+          <p:cNvPr id="5" name="Content Placeholder 4">
+            <a:extLst>
+              <a:ext uri="{FF2B5EF4-FFF2-40B4-BE49-F238E27FC236}">
+                <a16:creationId xmlns:a16="http://schemas.microsoft.com/office/drawing/2014/main" id="{049270D4-2C43-A942-B59D-105C0C8BC584}"/>
+              </a:ext>
+            </a:extLst>
+          </p:cNvPr>
+          <p:cNvPicPr>
+            <a:picLocks noGrp="1" noChangeAspect="1"/>
+          </p:cNvPicPr>
           <p:nvPr>
             <p:ph idx="1"/>
           </p:nvPr>
-        </p:nvSpPr>
-        <p:spPr>
-          <a:xfrm>
-            <a:off x="838200" y="1498862"/>
-            <a:ext cx="10515600" cy="4678101"/>
-          </a:xfrm>
-        </p:spPr>
-        <p:txBody>
-          <a:bodyPr>
-            <a:normAutofit/>
-          </a:bodyPr>
-          <a:lstStyle/>
-          <a:p>
-            <a:pPr marL="514350" indent="-514350">
-              <a:buFont typeface="+mj-lt"/>
-              <a:buAutoNum type="arabicPeriod"/>
-            </a:pPr>
-            <a:r>
-              <a:rPr lang="en-US" dirty="0"/>
-              <a:t>Python traps exceptions at the statement level, so how can we identify offending operators and operand values? </a:t>
-            </a:r>
-          </a:p>
-          <a:p>
-            <a:pPr marL="514350" indent="-514350">
-              <a:buFont typeface="+mj-lt"/>
-              <a:buAutoNum type="arabicPeriod"/>
-            </a:pPr>
-            <a:r>
-              <a:rPr lang="en-US" dirty="0"/>
-              <a:t>How can we trap exceptions without requiring try/except blocks around statements with potential dimension problems?</a:t>
-            </a:r>
-            <a:br>
-              <a:rPr lang="en-US" dirty="0"/>
-            </a:br>
-            <a:r>
-              <a:rPr lang="en-US" dirty="0"/>
-              <a:t>(Also want to ignore non-matrix related exceptions; user shouldn't need to know Python internal execution details)</a:t>
-            </a:r>
-          </a:p>
-          <a:p>
-            <a:pPr marL="514350" indent="-514350">
-              <a:buFont typeface="+mj-lt"/>
-              <a:buAutoNum type="arabicPeriod"/>
-            </a:pPr>
-            <a:r>
-              <a:rPr lang="en-US" dirty="0"/>
-              <a:t>How can we generate matrix visualizations w/o explicit calls?</a:t>
-            </a:r>
-          </a:p>
-          <a:p>
-            <a:pPr marL="514350" indent="-514350">
-              <a:buFont typeface="+mj-lt"/>
-              <a:buAutoNum type="arabicPeriod"/>
-            </a:pPr>
-            <a:r>
-              <a:rPr lang="en-US" dirty="0"/>
-              <a:t>Can we make use of library zero cost until an exception?</a:t>
-            </a:r>
-          </a:p>
-        </p:txBody>
-      </p:sp>
+        </p:nvPicPr>
+        <p:blipFill>
+          <a:blip r:embed="rId2"/>
+          <a:stretch>
+            <a:fillRect/>
+          </a:stretch>
+        </p:blipFill>
+        <p:spPr>
+          <a:xfrm>
+            <a:off x="470555" y="2015765"/>
+            <a:ext cx="11430000" cy="3810000"/>
+          </a:xfrm>
+        </p:spPr>
+      </p:pic>
       <p:sp>
         <p:nvSpPr>
           <p:cNvPr id="6" name="TextBox 5">
             <a:extLst>
               <a:ext uri="{FF2B5EF4-FFF2-40B4-BE49-F238E27FC236}">
-                <a16:creationId xmlns:a16="http://schemas.microsoft.com/office/drawing/2014/main" id="{6A2404B0-BCDF-9C45-BF71-14219B10FE33}"/>
+                <a16:creationId xmlns:a16="http://schemas.microsoft.com/office/drawing/2014/main" id="{028159BF-D9BD-C646-8CF4-26F3587FA465}"/>
               </a:ext>
             </a:extLst>
           </p:cNvPr>
@@ -4308,8 +4365,8 @@
         </p:nvSpPr>
         <p:spPr>
           <a:xfrm>
-            <a:off x="404459" y="5264715"/>
-            <a:ext cx="11524309" cy="584775"/>
+            <a:off x="8239023" y="5916150"/>
+            <a:ext cx="3716082" cy="400110"/>
           </a:xfrm>
           <a:prstGeom prst="rect">
             <a:avLst/>
@@ -4323,16 +4380,228 @@
           <a:lstStyle/>
           <a:p>
             <a:r>
-              <a:rPr lang="en-US" sz="3200" dirty="0"/>
-              <a:t>In other words, how do we make this precise and unobtrusive?</a:t>
-            </a:r>
+              <a:rPr lang="en-US" sz="2000" dirty="0"/>
+              <a:t>(Note unhelpful C++ reference)</a:t>
+            </a:r>
+          </a:p>
+        </p:txBody>
+      </p:sp>
+      <p:cxnSp>
+        <p:nvCxnSpPr>
+          <p:cNvPr id="8" name="Straight Arrow Connector 7">
+            <a:extLst>
+              <a:ext uri="{FF2B5EF4-FFF2-40B4-BE49-F238E27FC236}">
+                <a16:creationId xmlns:a16="http://schemas.microsoft.com/office/drawing/2014/main" id="{01B00707-C191-1748-9F05-CAF700936A42}"/>
+              </a:ext>
+            </a:extLst>
+          </p:cNvPr>
+          <p:cNvCxnSpPr>
+            <a:cxnSpLocks/>
+          </p:cNvCxnSpPr>
+          <p:nvPr/>
+        </p:nvCxnSpPr>
+        <p:spPr>
+          <a:xfrm flipV="1">
+            <a:off x="10624008" y="5354427"/>
+            <a:ext cx="0" cy="552296"/>
+          </a:xfrm>
+          <a:prstGeom prst="straightConnector1">
+            <a:avLst/>
+          </a:prstGeom>
+          <a:ln w="12700">
+            <a:tailEnd type="triangle"/>
+          </a:ln>
+        </p:spPr>
+        <p:style>
+          <a:lnRef idx="1">
+            <a:schemeClr val="accent1"/>
+          </a:lnRef>
+          <a:fillRef idx="0">
+            <a:schemeClr val="accent1"/>
+          </a:fillRef>
+          <a:effectRef idx="0">
+            <a:schemeClr val="accent1"/>
+          </a:effectRef>
+          <a:fontRef idx="minor">
+            <a:schemeClr val="tx1"/>
+          </a:fontRef>
+        </p:style>
+      </p:cxnSp>
+      <p:sp>
+        <p:nvSpPr>
+          <p:cNvPr id="13" name="TextBox 12">
+            <a:extLst>
+              <a:ext uri="{FF2B5EF4-FFF2-40B4-BE49-F238E27FC236}">
+                <a16:creationId xmlns:a16="http://schemas.microsoft.com/office/drawing/2014/main" id="{2E3970E6-EDF8-7249-9D44-57518ACAF043}"/>
+              </a:ext>
+            </a:extLst>
+          </p:cNvPr>
+          <p:cNvSpPr txBox="1"/>
+          <p:nvPr/>
+        </p:nvSpPr>
+        <p:spPr>
+          <a:xfrm>
+            <a:off x="2441541" y="1341164"/>
+            <a:ext cx="7069564" cy="461665"/>
+          </a:xfrm>
+          <a:prstGeom prst="rect">
+            <a:avLst/>
+          </a:prstGeom>
+          <a:noFill/>
+        </p:spPr>
+        <p:txBody>
+          <a:bodyPr wrap="none" rtlCol="0">
+            <a:spAutoFit/>
+          </a:bodyPr>
+          <a:lstStyle/>
+          <a:p>
+            <a:r>
+              <a:rPr lang="en-US" sz="2400" dirty="0"/>
+              <a:t>Should highlight error in user code not library code</a:t>
+            </a:r>
+          </a:p>
+        </p:txBody>
+      </p:sp>
+      <p:sp>
+        <p:nvSpPr>
+          <p:cNvPr id="16" name="TextBox 15">
+            <a:extLst>
+              <a:ext uri="{FF2B5EF4-FFF2-40B4-BE49-F238E27FC236}">
+                <a16:creationId xmlns:a16="http://schemas.microsoft.com/office/drawing/2014/main" id="{FB7EF574-B296-CC4D-823B-6F51ABE8A4AF}"/>
+              </a:ext>
+            </a:extLst>
+          </p:cNvPr>
+          <p:cNvSpPr txBox="1"/>
+          <p:nvPr/>
+        </p:nvSpPr>
+        <p:spPr>
+          <a:xfrm>
+            <a:off x="2659926" y="6150842"/>
+            <a:ext cx="4243919" cy="400110"/>
+          </a:xfrm>
+          <a:prstGeom prst="rect">
+            <a:avLst/>
+          </a:prstGeom>
+          <a:noFill/>
+        </p:spPr>
+        <p:txBody>
+          <a:bodyPr wrap="none" rtlCol="0">
+            <a:spAutoFit/>
+          </a:bodyPr>
+          <a:lstStyle/>
+          <a:p>
+            <a:r>
+              <a:rPr lang="en-US" sz="2000" dirty="0"/>
+              <a:t>(</a:t>
+            </a:r>
+            <a:r>
+              <a:rPr lang="en-US" sz="2000" dirty="0" err="1"/>
+              <a:t>TensorSensor</a:t>
+            </a:r>
+            <a:r>
+              <a:rPr lang="en-US" sz="2000" dirty="0"/>
+              <a:t> augments message)</a:t>
+            </a:r>
+          </a:p>
+        </p:txBody>
+      </p:sp>
+      <p:cxnSp>
+        <p:nvCxnSpPr>
+          <p:cNvPr id="17" name="Straight Arrow Connector 16">
+            <a:extLst>
+              <a:ext uri="{FF2B5EF4-FFF2-40B4-BE49-F238E27FC236}">
+                <a16:creationId xmlns:a16="http://schemas.microsoft.com/office/drawing/2014/main" id="{1BF3CD1B-39ED-2A4D-A626-415E11984577}"/>
+              </a:ext>
+            </a:extLst>
+          </p:cNvPr>
+          <p:cNvCxnSpPr>
+            <a:cxnSpLocks/>
+          </p:cNvCxnSpPr>
+          <p:nvPr/>
+        </p:nvCxnSpPr>
+        <p:spPr>
+          <a:xfrm flipV="1">
+            <a:off x="4469876" y="5663201"/>
+            <a:ext cx="0" cy="552296"/>
+          </a:xfrm>
+          <a:prstGeom prst="straightConnector1">
+            <a:avLst/>
+          </a:prstGeom>
+          <a:ln>
+            <a:tailEnd type="triangle"/>
+          </a:ln>
+        </p:spPr>
+        <p:style>
+          <a:lnRef idx="1">
+            <a:schemeClr val="accent1"/>
+          </a:lnRef>
+          <a:fillRef idx="0">
+            <a:schemeClr val="accent1"/>
+          </a:fillRef>
+          <a:effectRef idx="0">
+            <a:schemeClr val="accent1"/>
+          </a:effectRef>
+          <a:fontRef idx="minor">
+            <a:schemeClr val="tx1"/>
+          </a:fontRef>
+        </p:style>
+      </p:cxnSp>
+      <p:sp>
+        <p:nvSpPr>
+          <p:cNvPr id="18" name="Rectangle 17">
+            <a:extLst>
+              <a:ext uri="{FF2B5EF4-FFF2-40B4-BE49-F238E27FC236}">
+                <a16:creationId xmlns:a16="http://schemas.microsoft.com/office/drawing/2014/main" id="{E7D962A7-65AA-674E-BA51-F8F563D3F624}"/>
+              </a:ext>
+            </a:extLst>
+          </p:cNvPr>
+          <p:cNvSpPr/>
+          <p:nvPr/>
+        </p:nvSpPr>
+        <p:spPr>
+          <a:xfrm>
+            <a:off x="4034672" y="5392135"/>
+            <a:ext cx="6457361" cy="271066"/>
+          </a:xfrm>
+          <a:prstGeom prst="rect">
+            <a:avLst/>
+          </a:prstGeom>
+          <a:noFill/>
+          <a:ln>
+            <a:solidFill>
+              <a:srgbClr val="FF0000"/>
+            </a:solidFill>
+          </a:ln>
+        </p:spPr>
+        <p:style>
+          <a:lnRef idx="2">
+            <a:schemeClr val="accent1">
+              <a:shade val="50000"/>
+            </a:schemeClr>
+          </a:lnRef>
+          <a:fillRef idx="1">
+            <a:schemeClr val="accent1"/>
+          </a:fillRef>
+          <a:effectRef idx="0">
+            <a:schemeClr val="accent1"/>
+          </a:effectRef>
+          <a:fontRef idx="minor">
+            <a:schemeClr val="lt1"/>
+          </a:fontRef>
+        </p:style>
+        <p:txBody>
+          <a:bodyPr rtlCol="0" anchor="ctr"/>
+          <a:lstStyle/>
+          <a:p>
+            <a:pPr algn="ctr"/>
+            <a:endParaRPr lang="en-US"/>
           </a:p>
         </p:txBody>
       </p:sp>
     </p:spTree>
     <p:extLst>
       <p:ext uri="{BB962C8B-B14F-4D97-AF65-F5344CB8AC3E}">
-        <p14:creationId xmlns:p14="http://schemas.microsoft.com/office/powerpoint/2010/main" val="3440886272"/>
+        <p14:creationId xmlns:p14="http://schemas.microsoft.com/office/powerpoint/2010/main" val="3618322039"/>
       </p:ext>
     </p:extLst>
   </p:cSld>
@@ -4364,7 +4633,7 @@
           <p:cNvPr id="2" name="Title 1">
             <a:extLst>
               <a:ext uri="{FF2B5EF4-FFF2-40B4-BE49-F238E27FC236}">
-                <a16:creationId xmlns:a16="http://schemas.microsoft.com/office/drawing/2014/main" id="{906CE396-B085-E245-AB6B-2C5E398C01CE}"/>
+                <a16:creationId xmlns:a16="http://schemas.microsoft.com/office/drawing/2014/main" id="{414E8CDF-97F8-BA4F-995B-9E79802D7E0F}"/>
               </a:ext>
             </a:extLst>
           </p:cNvPr>
@@ -4382,72 +4651,388 @@
           <a:p>
             <a:r>
               <a:rPr lang="en-US" dirty="0"/>
-              <a:t>Screams for code instrumentation, right?</a:t>
-            </a:r>
-          </a:p>
-        </p:txBody>
-      </p:sp>
-      <p:sp>
-        <p:nvSpPr>
-          <p:cNvPr id="3" name="Content Placeholder 2">
-            <a:extLst>
-              <a:ext uri="{FF2B5EF4-FFF2-40B4-BE49-F238E27FC236}">
-                <a16:creationId xmlns:a16="http://schemas.microsoft.com/office/drawing/2014/main" id="{CB7C9509-26D1-7046-A349-9EE4BD8352B9}"/>
-              </a:ext>
-            </a:extLst>
-          </p:cNvPr>
-          <p:cNvSpPr>
-            <a:spLocks noGrp="1"/>
-          </p:cNvSpPr>
+              <a:t>Requirement: explain code w/o errors</a:t>
+            </a:r>
+          </a:p>
+        </p:txBody>
+      </p:sp>
+      <p:pic>
+        <p:nvPicPr>
+          <p:cNvPr id="5" name="Content Placeholder 4">
+            <a:extLst>
+              <a:ext uri="{FF2B5EF4-FFF2-40B4-BE49-F238E27FC236}">
+                <a16:creationId xmlns:a16="http://schemas.microsoft.com/office/drawing/2014/main" id="{F62B8AAC-7B21-4946-A6A9-8B21D5E03563}"/>
+              </a:ext>
+            </a:extLst>
+          </p:cNvPr>
+          <p:cNvPicPr>
+            <a:picLocks noGrp="1" noChangeAspect="1"/>
+          </p:cNvPicPr>
           <p:nvPr>
             <p:ph idx="1"/>
           </p:nvPr>
-        </p:nvSpPr>
-        <p:spPr/>
-        <p:txBody>
-          <a:bodyPr>
-            <a:normAutofit/>
+        </p:nvPicPr>
+        <p:blipFill>
+          <a:blip r:embed="rId2"/>
+          <a:stretch>
+            <a:fillRect/>
+          </a:stretch>
+        </p:blipFill>
+        <p:spPr>
+          <a:xfrm>
+            <a:off x="361494" y="1690688"/>
+            <a:ext cx="3733800" cy="2120900"/>
+          </a:xfrm>
+        </p:spPr>
+      </p:pic>
+      <p:pic>
+        <p:nvPicPr>
+          <p:cNvPr id="7" name="Picture 6">
+            <a:extLst>
+              <a:ext uri="{FF2B5EF4-FFF2-40B4-BE49-F238E27FC236}">
+                <a16:creationId xmlns:a16="http://schemas.microsoft.com/office/drawing/2014/main" id="{F608205B-45C4-2349-BC49-9E88A9AC5BFC}"/>
+              </a:ext>
+            </a:extLst>
+          </p:cNvPr>
+          <p:cNvPicPr>
+            <a:picLocks noChangeAspect="1"/>
+          </p:cNvPicPr>
+          <p:nvPr/>
+        </p:nvPicPr>
+        <p:blipFill>
+          <a:blip r:embed="rId3"/>
+          <a:stretch>
+            <a:fillRect/>
+          </a:stretch>
+        </p:blipFill>
+        <p:spPr>
+          <a:xfrm>
+            <a:off x="7759504" y="3082302"/>
+            <a:ext cx="2578100" cy="1219200"/>
+          </a:xfrm>
+          <a:prstGeom prst="rect">
+            <a:avLst/>
+          </a:prstGeom>
+        </p:spPr>
+      </p:pic>
+      <p:pic>
+        <p:nvPicPr>
+          <p:cNvPr id="9" name="Picture 8">
+            <a:extLst>
+              <a:ext uri="{FF2B5EF4-FFF2-40B4-BE49-F238E27FC236}">
+                <a16:creationId xmlns:a16="http://schemas.microsoft.com/office/drawing/2014/main" id="{206D3E3A-529F-734E-A101-BA4130C4BBD2}"/>
+              </a:ext>
+            </a:extLst>
+          </p:cNvPr>
+          <p:cNvPicPr>
+            <a:picLocks noChangeAspect="1"/>
+          </p:cNvPicPr>
+          <p:nvPr/>
+        </p:nvPicPr>
+        <p:blipFill>
+          <a:blip r:embed="rId4"/>
+          <a:stretch>
+            <a:fillRect/>
+          </a:stretch>
+        </p:blipFill>
+        <p:spPr>
+          <a:xfrm>
+            <a:off x="7029254" y="1804447"/>
+            <a:ext cx="4038600" cy="812800"/>
+          </a:xfrm>
+          <a:prstGeom prst="rect">
+            <a:avLst/>
+          </a:prstGeom>
+        </p:spPr>
+      </p:pic>
+      <p:sp>
+        <p:nvSpPr>
+          <p:cNvPr id="10" name="Rectangle 9">
+            <a:extLst>
+              <a:ext uri="{FF2B5EF4-FFF2-40B4-BE49-F238E27FC236}">
+                <a16:creationId xmlns:a16="http://schemas.microsoft.com/office/drawing/2014/main" id="{0DDF4ACC-206E-644A-ABE0-2F61642F6F62}"/>
+              </a:ext>
+            </a:extLst>
+          </p:cNvPr>
+          <p:cNvSpPr/>
+          <p:nvPr/>
+        </p:nvSpPr>
+        <p:spPr>
+          <a:xfrm>
+            <a:off x="510100" y="1690688"/>
+            <a:ext cx="3585194" cy="330257"/>
+          </a:xfrm>
+          <a:prstGeom prst="rect">
+            <a:avLst/>
+          </a:prstGeom>
+          <a:noFill/>
+          <a:ln w="19050">
+            <a:solidFill>
+              <a:srgbClr val="E4754F"/>
+            </a:solidFill>
+          </a:ln>
+        </p:spPr>
+        <p:style>
+          <a:lnRef idx="2">
+            <a:schemeClr val="accent1">
+              <a:shade val="50000"/>
+            </a:schemeClr>
+          </a:lnRef>
+          <a:fillRef idx="1">
+            <a:schemeClr val="accent1"/>
+          </a:fillRef>
+          <a:effectRef idx="0">
+            <a:schemeClr val="accent1"/>
+          </a:effectRef>
+          <a:fontRef idx="minor">
+            <a:schemeClr val="lt1"/>
+          </a:fontRef>
+        </p:style>
+        <p:txBody>
+          <a:bodyPr rtlCol="0" anchor="ctr"/>
+          <a:lstStyle/>
+          <a:p>
+            <a:pPr algn="ctr"/>
+            <a:endParaRPr lang="en-US"/>
+          </a:p>
+        </p:txBody>
+      </p:sp>
+      <p:pic>
+        <p:nvPicPr>
+          <p:cNvPr id="12" name="Picture 11">
+            <a:extLst>
+              <a:ext uri="{FF2B5EF4-FFF2-40B4-BE49-F238E27FC236}">
+                <a16:creationId xmlns:a16="http://schemas.microsoft.com/office/drawing/2014/main" id="{920D7AB4-496D-C34D-AFB3-46ACAA75E25F}"/>
+              </a:ext>
+            </a:extLst>
+          </p:cNvPr>
+          <p:cNvPicPr>
+            <a:picLocks noChangeAspect="1"/>
+          </p:cNvPicPr>
+          <p:nvPr/>
+        </p:nvPicPr>
+        <p:blipFill>
+          <a:blip r:embed="rId5"/>
+          <a:stretch>
+            <a:fillRect/>
+          </a:stretch>
+        </p:blipFill>
+        <p:spPr>
+          <a:xfrm>
+            <a:off x="361494" y="4081807"/>
+            <a:ext cx="6155581" cy="2734564"/>
+          </a:xfrm>
+          <a:prstGeom prst="rect">
+            <a:avLst/>
+          </a:prstGeom>
+        </p:spPr>
+      </p:pic>
+      <p:sp>
+        <p:nvSpPr>
+          <p:cNvPr id="13" name="TextBox 12">
+            <a:extLst>
+              <a:ext uri="{FF2B5EF4-FFF2-40B4-BE49-F238E27FC236}">
+                <a16:creationId xmlns:a16="http://schemas.microsoft.com/office/drawing/2014/main" id="{B33509D6-EC6F-A347-8DD4-BC83D7071C34}"/>
+              </a:ext>
+            </a:extLst>
+          </p:cNvPr>
+          <p:cNvSpPr txBox="1"/>
+          <p:nvPr/>
+        </p:nvSpPr>
+        <p:spPr>
+          <a:xfrm>
+            <a:off x="3346515" y="6018041"/>
+            <a:ext cx="3544560" cy="369332"/>
+          </a:xfrm>
+          <a:prstGeom prst="rect">
+            <a:avLst/>
+          </a:prstGeom>
+          <a:noFill/>
+        </p:spPr>
+        <p:txBody>
+          <a:bodyPr wrap="none" rtlCol="0">
+            <a:spAutoFit/>
           </a:bodyPr>
           <a:lstStyle/>
           <a:p>
             <a:r>
               <a:rPr lang="en-US" dirty="0"/>
-              <a:t>I considered injecting Python bytecode to track subexpression evaluation and to get finer-grained exception handling</a:t>
-            </a:r>
-          </a:p>
-          <a:p>
-            <a:r>
-              <a:rPr lang="en-US" dirty="0"/>
-              <a:t>But, that might require a separate tool and a preprocessing step, rather than simply importing a library</a:t>
-            </a:r>
-          </a:p>
-          <a:p>
-            <a:r>
-              <a:rPr lang="en-US" dirty="0"/>
-              <a:t>Injected code could slow down entire program execution significantly</a:t>
-            </a:r>
-          </a:p>
-          <a:p>
-            <a:r>
-              <a:rPr lang="en-US" dirty="0"/>
-              <a:t>Injected code might affect Python optimization / concurrency</a:t>
-            </a:r>
-          </a:p>
-          <a:p>
-            <a:r>
-              <a:rPr lang="en-US" dirty="0"/>
-              <a:t>It seemed like a lot of work to learn and implement for a skill I probably would never need again</a:t>
-            </a:r>
-          </a:p>
-          <a:p>
-            <a:endParaRPr lang="en-US" dirty="0"/>
+              <a:t>Greater than 2 and 3 dimensions</a:t>
+            </a:r>
+          </a:p>
+        </p:txBody>
+      </p:sp>
+      <p:cxnSp>
+        <p:nvCxnSpPr>
+          <p:cNvPr id="14" name="Straight Arrow Connector 13">
+            <a:extLst>
+              <a:ext uri="{FF2B5EF4-FFF2-40B4-BE49-F238E27FC236}">
+                <a16:creationId xmlns:a16="http://schemas.microsoft.com/office/drawing/2014/main" id="{39F31D14-AB77-A74D-BE71-97035E03188A}"/>
+              </a:ext>
+            </a:extLst>
+          </p:cNvPr>
+          <p:cNvCxnSpPr>
+            <a:cxnSpLocks/>
+            <a:stCxn id="13" idx="1"/>
+          </p:cNvCxnSpPr>
+          <p:nvPr/>
+        </p:nvCxnSpPr>
+        <p:spPr>
+          <a:xfrm flipH="1">
+            <a:off x="2639507" y="6202707"/>
+            <a:ext cx="707008" cy="9557"/>
+          </a:xfrm>
+          <a:prstGeom prst="straightConnector1">
+            <a:avLst/>
+          </a:prstGeom>
+          <a:ln>
+            <a:tailEnd type="triangle"/>
+          </a:ln>
+        </p:spPr>
+        <p:style>
+          <a:lnRef idx="1">
+            <a:schemeClr val="accent1"/>
+          </a:lnRef>
+          <a:fillRef idx="0">
+            <a:schemeClr val="accent1"/>
+          </a:fillRef>
+          <a:effectRef idx="0">
+            <a:schemeClr val="accent1"/>
+          </a:effectRef>
+          <a:fontRef idx="minor">
+            <a:schemeClr val="tx1"/>
+          </a:fontRef>
+        </p:style>
+      </p:cxnSp>
+      <p:sp>
+        <p:nvSpPr>
+          <p:cNvPr id="17" name="Rectangle 16">
+            <a:extLst>
+              <a:ext uri="{FF2B5EF4-FFF2-40B4-BE49-F238E27FC236}">
+                <a16:creationId xmlns:a16="http://schemas.microsoft.com/office/drawing/2014/main" id="{97FBF7FF-F5F0-A04E-B572-2FA59D73EF33}"/>
+              </a:ext>
+            </a:extLst>
+          </p:cNvPr>
+          <p:cNvSpPr/>
+          <p:nvPr/>
+        </p:nvSpPr>
+        <p:spPr>
+          <a:xfrm>
+            <a:off x="426370" y="4541781"/>
+            <a:ext cx="3544560" cy="330257"/>
+          </a:xfrm>
+          <a:prstGeom prst="rect">
+            <a:avLst/>
+          </a:prstGeom>
+          <a:noFill/>
+          <a:ln w="19050">
+            <a:solidFill>
+              <a:srgbClr val="E4754F"/>
+            </a:solidFill>
+          </a:ln>
+        </p:spPr>
+        <p:style>
+          <a:lnRef idx="2">
+            <a:schemeClr val="accent1">
+              <a:shade val="50000"/>
+            </a:schemeClr>
+          </a:lnRef>
+          <a:fillRef idx="1">
+            <a:schemeClr val="accent1"/>
+          </a:fillRef>
+          <a:effectRef idx="0">
+            <a:schemeClr val="accent1"/>
+          </a:effectRef>
+          <a:fontRef idx="minor">
+            <a:schemeClr val="lt1"/>
+          </a:fontRef>
+        </p:style>
+        <p:txBody>
+          <a:bodyPr rtlCol="0" anchor="ctr"/>
+          <a:lstStyle/>
+          <a:p>
+            <a:pPr algn="ctr"/>
+            <a:endParaRPr lang="en-US"/>
+          </a:p>
+        </p:txBody>
+      </p:sp>
+      <p:cxnSp>
+        <p:nvCxnSpPr>
+          <p:cNvPr id="19" name="Straight Connector 18">
+            <a:extLst>
+              <a:ext uri="{FF2B5EF4-FFF2-40B4-BE49-F238E27FC236}">
+                <a16:creationId xmlns:a16="http://schemas.microsoft.com/office/drawing/2014/main" id="{7EE79A98-C646-1D4A-A18D-A0A07DC95041}"/>
+              </a:ext>
+            </a:extLst>
+          </p:cNvPr>
+          <p:cNvCxnSpPr>
+            <a:cxnSpLocks/>
+          </p:cNvCxnSpPr>
+          <p:nvPr/>
+        </p:nvCxnSpPr>
+        <p:spPr>
+          <a:xfrm>
+            <a:off x="6815581" y="1555423"/>
+            <a:ext cx="0" cy="4279769"/>
+          </a:xfrm>
+          <a:prstGeom prst="line">
+            <a:avLst/>
+          </a:prstGeom>
+        </p:spPr>
+        <p:style>
+          <a:lnRef idx="1">
+            <a:schemeClr val="accent1"/>
+          </a:lnRef>
+          <a:fillRef idx="0">
+            <a:schemeClr val="accent1"/>
+          </a:fillRef>
+          <a:effectRef idx="0">
+            <a:schemeClr val="accent1"/>
+          </a:effectRef>
+          <a:fontRef idx="minor">
+            <a:schemeClr val="tx1"/>
+          </a:fontRef>
+        </p:style>
+      </p:cxnSp>
+      <p:sp>
+        <p:nvSpPr>
+          <p:cNvPr id="21" name="TextBox 20">
+            <a:extLst>
+              <a:ext uri="{FF2B5EF4-FFF2-40B4-BE49-F238E27FC236}">
+                <a16:creationId xmlns:a16="http://schemas.microsoft.com/office/drawing/2014/main" id="{681F30B4-E073-E04A-83C1-98D6FBB2C3CB}"/>
+              </a:ext>
+            </a:extLst>
+          </p:cNvPr>
+          <p:cNvSpPr txBox="1"/>
+          <p:nvPr/>
+        </p:nvSpPr>
+        <p:spPr>
+          <a:xfrm>
+            <a:off x="7358335" y="5230257"/>
+            <a:ext cx="4355068" cy="707886"/>
+          </a:xfrm>
+          <a:prstGeom prst="rect">
+            <a:avLst/>
+          </a:prstGeom>
+          <a:noFill/>
+        </p:spPr>
+        <p:txBody>
+          <a:bodyPr wrap="square" rtlCol="0">
+            <a:spAutoFit/>
+          </a:bodyPr>
+          <a:lstStyle/>
+          <a:p>
+            <a:r>
+              <a:rPr lang="en-US" sz="2000" dirty="0"/>
+              <a:t>Very helpful when trying to read (even correct) code</a:t>
+            </a:r>
           </a:p>
         </p:txBody>
       </p:sp>
     </p:spTree>
     <p:extLst>
       <p:ext uri="{BB962C8B-B14F-4D97-AF65-F5344CB8AC3E}">
-        <p14:creationId xmlns:p14="http://schemas.microsoft.com/office/powerpoint/2010/main" val="1540936661"/>
+        <p14:creationId xmlns:p14="http://schemas.microsoft.com/office/powerpoint/2010/main" val="3545508290"/>
       </p:ext>
     </p:extLst>
   </p:cSld>
@@ -4479,7 +5064,7 @@
           <p:cNvPr id="2" name="Title 1">
             <a:extLst>
               <a:ext uri="{FF2B5EF4-FFF2-40B4-BE49-F238E27FC236}">
-                <a16:creationId xmlns:a16="http://schemas.microsoft.com/office/drawing/2014/main" id="{837F6A9A-0A6B-B94F-8B91-6C23BBC5A946}"/>
+                <a16:creationId xmlns:a16="http://schemas.microsoft.com/office/drawing/2014/main" id="{D088C2E6-F25E-6B46-B522-C154A29F4398}"/>
               </a:ext>
             </a:extLst>
           </p:cNvPr>
@@ -4490,95 +5075,54 @@
             <p:ph type="title"/>
           </p:nvPr>
         </p:nvSpPr>
-        <p:spPr>
-          <a:xfrm>
-            <a:off x="838199" y="365125"/>
-            <a:ext cx="10662501" cy="1325563"/>
-          </a:xfrm>
-        </p:spPr>
-        <p:txBody>
-          <a:bodyPr>
-            <a:normAutofit fontScale="90000"/>
-          </a:bodyPr>
-          <a:lstStyle/>
-          <a:p>
-            <a:r>
-              <a:rPr lang="en-US" dirty="0"/>
-              <a:t>Getting operator-level exceptions w/o bytecode instrumentation requires a total hack</a:t>
-            </a:r>
-          </a:p>
-        </p:txBody>
-      </p:sp>
-      <p:sp>
-        <p:nvSpPr>
-          <p:cNvPr id="3" name="Content Placeholder 2">
-            <a:extLst>
-              <a:ext uri="{FF2B5EF4-FFF2-40B4-BE49-F238E27FC236}">
-                <a16:creationId xmlns:a16="http://schemas.microsoft.com/office/drawing/2014/main" id="{524F48FA-29F3-7C45-AEC9-CDAD6EE5405B}"/>
-              </a:ext>
-            </a:extLst>
-          </p:cNvPr>
-          <p:cNvSpPr>
-            <a:spLocks noGrp="1"/>
-          </p:cNvSpPr>
-          <p:nvPr>
-            <p:ph idx="1"/>
-          </p:nvPr>
-        </p:nvSpPr>
         <p:spPr/>
         <p:txBody>
-          <a:bodyPr>
-            <a:normAutofit lnSpcReduction="10000"/>
-          </a:bodyPr>
-          <a:lstStyle/>
-          <a:p>
-            <a:r>
-              <a:rPr lang="en-US" dirty="0"/>
-              <a:t>We have: (1) the full execution stack and (2) the offending line of source code</a:t>
-            </a:r>
-          </a:p>
-          <a:p>
-            <a:r>
-              <a:rPr lang="en-US" dirty="0"/>
-              <a:t>To identify the individual operator and operands that triggered an exception use brute-force:</a:t>
-            </a:r>
-          </a:p>
-          <a:p>
-            <a:pPr lvl="1"/>
-            <a:r>
-              <a:rPr lang="en-US" dirty="0"/>
-              <a:t>reevaluate each operation in the line, piece-by-piece, in proper order, and in the correct execution context (must pick correct stack frame)</a:t>
-            </a:r>
-          </a:p>
-          <a:p>
-            <a:r>
-              <a:rPr lang="en-US" dirty="0"/>
-              <a:t>Wait for an operator to cause an exception, report op/</a:t>
-            </a:r>
-            <a:r>
-              <a:rPr lang="en-US" dirty="0" err="1"/>
-              <a:t>opnds</a:t>
-            </a:r>
-            <a:endParaRPr lang="en-US" dirty="0"/>
-          </a:p>
-          <a:p>
-            <a:r>
-              <a:rPr lang="en-US" dirty="0"/>
-              <a:t>Zero cost until error, but assumes side-effect free functions</a:t>
-            </a:r>
-          </a:p>
-          <a:p>
-            <a:r>
-              <a:rPr lang="en-US" dirty="0"/>
-              <a:t>Even if side-effecting, who cares (usually)? Program is about to terminate</a:t>
-            </a:r>
+          <a:bodyPr/>
+          <a:lstStyle/>
+          <a:p>
+            <a:r>
+              <a:rPr lang="en-US" dirty="0"/>
+              <a:t>Language engineering</a:t>
+            </a:r>
+            <a:br>
+              <a:rPr lang="en-US" dirty="0"/>
+            </a:br>
+            <a:r>
+              <a:rPr lang="en-US" dirty="0"/>
+              <a:t>related implementation</a:t>
+            </a:r>
+          </a:p>
+        </p:txBody>
+      </p:sp>
+      <p:sp>
+        <p:nvSpPr>
+          <p:cNvPr id="3" name="Text Placeholder 2">
+            <a:extLst>
+              <a:ext uri="{FF2B5EF4-FFF2-40B4-BE49-F238E27FC236}">
+                <a16:creationId xmlns:a16="http://schemas.microsoft.com/office/drawing/2014/main" id="{5CB9B935-55FE-E744-8EB6-2AE7B9545811}"/>
+              </a:ext>
+            </a:extLst>
+          </p:cNvPr>
+          <p:cNvSpPr>
+            <a:spLocks noGrp="1"/>
+          </p:cNvSpPr>
+          <p:nvPr>
+            <p:ph type="body" idx="1"/>
+          </p:nvPr>
+        </p:nvSpPr>
+        <p:spPr/>
+        <p:txBody>
+          <a:bodyPr/>
+          <a:lstStyle/>
+          <a:p>
+            <a:endParaRPr lang="en-US"/>
           </a:p>
         </p:txBody>
       </p:sp>
     </p:spTree>
     <p:extLst>
       <p:ext uri="{BB962C8B-B14F-4D97-AF65-F5344CB8AC3E}">
-        <p14:creationId xmlns:p14="http://schemas.microsoft.com/office/powerpoint/2010/main" val="4145247834"/>
+        <p14:creationId xmlns:p14="http://schemas.microsoft.com/office/powerpoint/2010/main" val="1220282188"/>
       </p:ext>
     </p:extLst>
   </p:cSld>
@@ -4610,7 +5154,7 @@
           <p:cNvPr id="2" name="Title 1">
             <a:extLst>
               <a:ext uri="{FF2B5EF4-FFF2-40B4-BE49-F238E27FC236}">
-                <a16:creationId xmlns:a16="http://schemas.microsoft.com/office/drawing/2014/main" id="{F7B71233-6082-A34D-891B-535438901B7C}"/>
+                <a16:creationId xmlns:a16="http://schemas.microsoft.com/office/drawing/2014/main" id="{D014B71A-3678-DA44-8A7B-69B0EC06C764}"/>
               </a:ext>
             </a:extLst>
           </p:cNvPr>
@@ -4624,7 +5168,7 @@
         <p:spPr>
           <a:xfrm>
             <a:off x="838200" y="365125"/>
-            <a:ext cx="10515600" cy="727285"/>
+            <a:ext cx="10515600" cy="992335"/>
           </a:xfrm>
         </p:spPr>
         <p:txBody>
@@ -4633,7 +5177,7 @@
           <a:p>
             <a:r>
               <a:rPr lang="en-US" dirty="0"/>
-              <a:t>Reevaluation mechanism</a:t>
+              <a:t>Key questions to answer</a:t>
             </a:r>
           </a:p>
         </p:txBody>
@@ -4643,7 +5187,7 @@
           <p:cNvPr id="3" name="Content Placeholder 2">
             <a:extLst>
               <a:ext uri="{FF2B5EF4-FFF2-40B4-BE49-F238E27FC236}">
-                <a16:creationId xmlns:a16="http://schemas.microsoft.com/office/drawing/2014/main" id="{5B71B924-17ED-DE4C-80CE-C6506A32A07D}"/>
+                <a16:creationId xmlns:a16="http://schemas.microsoft.com/office/drawing/2014/main" id="{22407BF5-7163-BB43-9BA1-C1728BB28111}"/>
               </a:ext>
             </a:extLst>
           </p:cNvPr>
@@ -4656,118 +5200,70 @@
         </p:nvSpPr>
         <p:spPr>
           <a:xfrm>
-            <a:off x="754144" y="1230792"/>
-            <a:ext cx="5684363" cy="5262084"/>
+            <a:off x="838200" y="1498862"/>
+            <a:ext cx="10515600" cy="4678101"/>
           </a:xfrm>
         </p:spPr>
         <p:txBody>
           <a:bodyPr>
-            <a:normAutofit fontScale="92500" lnSpcReduction="20000"/>
+            <a:normAutofit/>
           </a:bodyPr>
           <a:lstStyle/>
           <a:p>
-            <a:r>
-              <a:rPr lang="en-US" dirty="0"/>
-              <a:t>First, check if exception is tensor-related or if exec stack descends into a known tensor lib</a:t>
-            </a:r>
-          </a:p>
-          <a:p>
-            <a:r>
-              <a:rPr lang="en-US" dirty="0"/>
-              <a:t>If so, find and parse deepest </a:t>
-            </a:r>
-            <a:r>
-              <a:rPr lang="en-US" i="1" dirty="0"/>
-              <a:t>user-level</a:t>
-            </a:r>
-            <a:r>
-              <a:rPr lang="en-US" dirty="0"/>
-              <a:t> offending statement and build an appropriate AST with operators as subtree roots</a:t>
-            </a:r>
-          </a:p>
-          <a:p>
-            <a:r>
-              <a:rPr lang="en-US" dirty="0"/>
-              <a:t>Uses built-in Python tokenizer</a:t>
-            </a:r>
-          </a:p>
-          <a:p>
-            <a:r>
-              <a:rPr lang="en-US" dirty="0"/>
-              <a:t>Uses </a:t>
-            </a:r>
-            <a:r>
-              <a:rPr lang="en-US" dirty="0" err="1"/>
-              <a:t>handbuilt</a:t>
-            </a:r>
-            <a:r>
-              <a:rPr lang="en-US" dirty="0"/>
-              <a:t> Python parser for subset of statements / </a:t>
-            </a:r>
-            <a:r>
-              <a:rPr lang="en-US" dirty="0" err="1"/>
-              <a:t>exprs</a:t>
-            </a:r>
-            <a:endParaRPr lang="en-US" dirty="0"/>
-          </a:p>
-          <a:p>
-            <a:r>
-              <a:rPr lang="en-US" dirty="0"/>
-              <a:t>Avoided ANTLR to avoid introducing a lib dependency</a:t>
-            </a:r>
-          </a:p>
-          <a:p>
-            <a:r>
-              <a:rPr lang="en-US" dirty="0"/>
-              <a:t>Avoided built-in Python parser since reorg'ing its AST is same work as  rolling my own "</a:t>
-            </a:r>
-            <a:r>
-              <a:rPr lang="en-US" dirty="0" err="1"/>
-              <a:t>parrser</a:t>
-            </a:r>
-            <a:r>
-              <a:rPr lang="en-US" dirty="0"/>
-              <a:t>"</a:t>
-            </a:r>
-          </a:p>
-        </p:txBody>
-      </p:sp>
-      <p:pic>
-        <p:nvPicPr>
-          <p:cNvPr id="4" name="Picture 3">
-            <a:extLst>
-              <a:ext uri="{FF2B5EF4-FFF2-40B4-BE49-F238E27FC236}">
-                <a16:creationId xmlns:a16="http://schemas.microsoft.com/office/drawing/2014/main" id="{18CB3F87-D4DE-1940-8589-A9F959BA4C1D}"/>
-              </a:ext>
-            </a:extLst>
-          </p:cNvPr>
-          <p:cNvPicPr>
-            <a:picLocks noChangeAspect="1"/>
-          </p:cNvPicPr>
-          <p:nvPr/>
-        </p:nvPicPr>
-        <p:blipFill>
-          <a:blip r:embed="rId2"/>
-          <a:stretch>
-            <a:fillRect/>
-          </a:stretch>
-        </p:blipFill>
-        <p:spPr>
-          <a:xfrm>
-            <a:off x="6438507" y="1230791"/>
-            <a:ext cx="5684363" cy="5084553"/>
-          </a:xfrm>
-          <a:prstGeom prst="rect">
-            <a:avLst/>
-          </a:prstGeom>
-        </p:spPr>
-      </p:pic>
-      <p:sp>
-        <p:nvSpPr>
-          <p:cNvPr id="5" name="TextBox 4">
-            <a:extLst>
-              <a:ext uri="{FF2B5EF4-FFF2-40B4-BE49-F238E27FC236}">
-                <a16:creationId xmlns:a16="http://schemas.microsoft.com/office/drawing/2014/main" id="{8054C3C1-F0F7-4C4F-B069-ED50342BA779}"/>
+            <a:pPr marL="514350" indent="-514350">
+              <a:buFont typeface="+mj-lt"/>
+              <a:buAutoNum type="arabicPeriod"/>
+            </a:pPr>
+            <a:r>
+              <a:rPr lang="en-US" dirty="0"/>
+              <a:t>Python traps exceptions at the statement level, so how can we identify offending operators and operand values? </a:t>
+            </a:r>
+          </a:p>
+          <a:p>
+            <a:pPr marL="514350" indent="-514350">
+              <a:buFont typeface="+mj-lt"/>
+              <a:buAutoNum type="arabicPeriod"/>
+            </a:pPr>
+            <a:r>
+              <a:rPr lang="en-US" dirty="0"/>
+              <a:t>How can we trap exceptions without requiring try/except blocks around statements with potential dimension problems?</a:t>
+            </a:r>
+            <a:br>
+              <a:rPr lang="en-US" dirty="0"/>
+            </a:br>
+            <a:r>
+              <a:rPr lang="en-US" dirty="0"/>
+              <a:t>(Also want to ignore non-matrix related exceptions; user shouldn't need to know Python internal execution details)</a:t>
+            </a:r>
+          </a:p>
+          <a:p>
+            <a:pPr marL="514350" indent="-514350">
+              <a:buFont typeface="+mj-lt"/>
+              <a:buAutoNum type="arabicPeriod"/>
+            </a:pPr>
+            <a:r>
+              <a:rPr lang="en-US" dirty="0"/>
+              <a:t>How can we generate matrix visualizations w/o explicit calls?</a:t>
+            </a:r>
+          </a:p>
+          <a:p>
+            <a:pPr marL="514350" indent="-514350">
+              <a:buFont typeface="+mj-lt"/>
+              <a:buAutoNum type="arabicPeriod"/>
+            </a:pPr>
+            <a:r>
+              <a:rPr lang="en-US" dirty="0"/>
+              <a:t>Can we make use of library zero cost until an exception?</a:t>
+            </a:r>
+          </a:p>
+        </p:txBody>
+      </p:sp>
+      <p:sp>
+        <p:nvSpPr>
+          <p:cNvPr id="6" name="TextBox 5">
+            <a:extLst>
+              <a:ext uri="{FF2B5EF4-FFF2-40B4-BE49-F238E27FC236}">
+                <a16:creationId xmlns:a16="http://schemas.microsoft.com/office/drawing/2014/main" id="{6A2404B0-BCDF-9C45-BF71-14219B10FE33}"/>
               </a:ext>
             </a:extLst>
           </p:cNvPr>
@@ -4776,8 +5272,8 @@
         </p:nvSpPr>
         <p:spPr>
           <a:xfrm>
-            <a:off x="5203596" y="4490414"/>
-            <a:ext cx="697627" cy="707886"/>
+            <a:off x="404459" y="5264715"/>
+            <a:ext cx="11524309" cy="584775"/>
           </a:xfrm>
           <a:prstGeom prst="rect">
             <a:avLst/>
@@ -4791,51 +5287,8 @@
           <a:lstStyle/>
           <a:p>
             <a:r>
-              <a:rPr lang="en-US" sz="4000" dirty="0"/>
-              <a:t>🤣</a:t>
-            </a:r>
-          </a:p>
-        </p:txBody>
-      </p:sp>
-      <p:sp>
-        <p:nvSpPr>
-          <p:cNvPr id="6" name="TextBox 5">
-            <a:extLst>
-              <a:ext uri="{FF2B5EF4-FFF2-40B4-BE49-F238E27FC236}">
-                <a16:creationId xmlns:a16="http://schemas.microsoft.com/office/drawing/2014/main" id="{9DD1F523-A5A5-9C40-A885-FA7BC77C7326}"/>
-              </a:ext>
-            </a:extLst>
-          </p:cNvPr>
-          <p:cNvSpPr txBox="1"/>
-          <p:nvPr/>
-        </p:nvSpPr>
-        <p:spPr>
-          <a:xfrm>
-            <a:off x="8832916" y="5442543"/>
-            <a:ext cx="3065968" cy="369332"/>
-          </a:xfrm>
-          <a:prstGeom prst="rect">
-            <a:avLst/>
-          </a:prstGeom>
-          <a:noFill/>
-        </p:spPr>
-        <p:txBody>
-          <a:bodyPr wrap="none" rtlCol="0">
-            <a:spAutoFit/>
-          </a:bodyPr>
-          <a:lstStyle/>
-          <a:p>
-            <a:r>
-              <a:rPr lang="en-US" dirty="0"/>
-              <a:t>(also from </a:t>
-            </a:r>
-            <a:r>
-              <a:rPr lang="en-US" dirty="0" err="1"/>
-              <a:t>TensorSensor</a:t>
-            </a:r>
-            <a:r>
-              <a:rPr lang="en-US" dirty="0"/>
-              <a:t> lib)</a:t>
+              <a:rPr lang="en-US" sz="3200" dirty="0"/>
+              <a:t>In other words, how do we make this precise and unobtrusive?</a:t>
             </a:r>
           </a:p>
         </p:txBody>
@@ -4843,7 +5296,7 @@
     </p:spTree>
     <p:extLst>
       <p:ext uri="{BB962C8B-B14F-4D97-AF65-F5344CB8AC3E}">
-        <p14:creationId xmlns:p14="http://schemas.microsoft.com/office/powerpoint/2010/main" val="26650210"/>
+        <p14:creationId xmlns:p14="http://schemas.microsoft.com/office/powerpoint/2010/main" val="3440886272"/>
       </p:ext>
     </p:extLst>
   </p:cSld>
@@ -4875,7 +5328,7 @@
           <p:cNvPr id="2" name="Title 1">
             <a:extLst>
               <a:ext uri="{FF2B5EF4-FFF2-40B4-BE49-F238E27FC236}">
-                <a16:creationId xmlns:a16="http://schemas.microsoft.com/office/drawing/2014/main" id="{F7B71233-6082-A34D-891B-535438901B7C}"/>
+                <a16:creationId xmlns:a16="http://schemas.microsoft.com/office/drawing/2014/main" id="{906CE396-B085-E245-AB6B-2C5E398C01CE}"/>
               </a:ext>
             </a:extLst>
           </p:cNvPr>
@@ -4886,19 +5339,14 @@
             <p:ph type="title"/>
           </p:nvPr>
         </p:nvSpPr>
-        <p:spPr>
-          <a:xfrm>
-            <a:off x="838200" y="365125"/>
-            <a:ext cx="10515600" cy="727285"/>
-          </a:xfrm>
-        </p:spPr>
+        <p:spPr/>
         <p:txBody>
           <a:bodyPr/>
           <a:lstStyle/>
           <a:p>
             <a:r>
               <a:rPr lang="en-US" dirty="0"/>
-              <a:t>Reevaluation mechanism continued</a:t>
+              <a:t>Screams for code instrumentation, right?</a:t>
             </a:r>
           </a:p>
         </p:txBody>
@@ -4908,7 +5356,7 @@
           <p:cNvPr id="3" name="Content Placeholder 2">
             <a:extLst>
               <a:ext uri="{FF2B5EF4-FFF2-40B4-BE49-F238E27FC236}">
-                <a16:creationId xmlns:a16="http://schemas.microsoft.com/office/drawing/2014/main" id="{5B71B924-17ED-DE4C-80CE-C6506A32A07D}"/>
+                <a16:creationId xmlns:a16="http://schemas.microsoft.com/office/drawing/2014/main" id="{CB7C9509-26D1-7046-A349-9EE4BD8352B9}"/>
               </a:ext>
             </a:extLst>
           </p:cNvPr>
@@ -4919,12 +5367,7 @@
             <p:ph idx="1"/>
           </p:nvPr>
         </p:nvSpPr>
-        <p:spPr>
-          <a:xfrm>
-            <a:off x="584462" y="1230791"/>
-            <a:ext cx="5854045" cy="5222934"/>
-          </a:xfrm>
-        </p:spPr>
+        <p:spPr/>
         <p:txBody>
           <a:bodyPr>
             <a:normAutofit/>
@@ -4933,79 +5376,42 @@
           <a:p>
             <a:r>
               <a:rPr lang="en-US" dirty="0"/>
-              <a:t>Evaluate operators of AST bottom-up in proper exec order</a:t>
-            </a:r>
-          </a:p>
-          <a:p>
-            <a:r>
-              <a:rPr lang="en-US" dirty="0"/>
-              <a:t>Call </a:t>
-            </a:r>
-            <a:r>
-              <a:rPr lang="en-US" b="1" dirty="0"/>
-              <a:t>eval()</a:t>
-            </a:r>
-            <a:r>
-              <a:rPr lang="en-US" dirty="0"/>
-              <a:t> on Python source of subexpressions using the appropriate execution contexts, saving results in associated nodes</a:t>
-            </a:r>
-          </a:p>
-          <a:p>
-            <a:r>
-              <a:rPr lang="en-US" dirty="0"/>
-              <a:t>Trap and absorb exception from </a:t>
-            </a:r>
-            <a:r>
-              <a:rPr lang="en-US" b="1" dirty="0"/>
-              <a:t>eval()</a:t>
-            </a:r>
-            <a:r>
-              <a:rPr lang="en-US" dirty="0"/>
-              <a:t>, record that exception and offending AST node</a:t>
-            </a:r>
-          </a:p>
-          <a:p>
-            <a:r>
-              <a:rPr lang="en-US" dirty="0"/>
-              <a:t>Augment original exception message with info derived this new exception, op, operands</a:t>
-            </a:r>
-          </a:p>
-        </p:txBody>
-      </p:sp>
-      <p:pic>
-        <p:nvPicPr>
-          <p:cNvPr id="4" name="Picture 3">
-            <a:extLst>
-              <a:ext uri="{FF2B5EF4-FFF2-40B4-BE49-F238E27FC236}">
-                <a16:creationId xmlns:a16="http://schemas.microsoft.com/office/drawing/2014/main" id="{18CB3F87-D4DE-1940-8589-A9F959BA4C1D}"/>
-              </a:ext>
-            </a:extLst>
-          </p:cNvPr>
-          <p:cNvPicPr>
-            <a:picLocks noChangeAspect="1"/>
-          </p:cNvPicPr>
-          <p:nvPr/>
-        </p:nvPicPr>
-        <p:blipFill>
-          <a:blip r:embed="rId2"/>
-          <a:stretch>
-            <a:fillRect/>
-          </a:stretch>
-        </p:blipFill>
-        <p:spPr>
-          <a:xfrm>
-            <a:off x="6438507" y="1230791"/>
-            <a:ext cx="5684363" cy="5084553"/>
-          </a:xfrm>
-          <a:prstGeom prst="rect">
-            <a:avLst/>
-          </a:prstGeom>
-        </p:spPr>
-      </p:pic>
+              <a:t>I considered injecting Python bytecode to track subexpression evaluation and to get finer-grained exception handling</a:t>
+            </a:r>
+          </a:p>
+          <a:p>
+            <a:r>
+              <a:rPr lang="en-US" dirty="0"/>
+              <a:t>But, that might require a separate tool and a preprocessing step, rather than simply importing a library</a:t>
+            </a:r>
+          </a:p>
+          <a:p>
+            <a:r>
+              <a:rPr lang="en-US" dirty="0"/>
+              <a:t>Injected code could slow down entire program execution significantly</a:t>
+            </a:r>
+          </a:p>
+          <a:p>
+            <a:r>
+              <a:rPr lang="en-US" dirty="0"/>
+              <a:t>Injected code might affect Python optimization / concurrency</a:t>
+            </a:r>
+          </a:p>
+          <a:p>
+            <a:r>
+              <a:rPr lang="en-US" dirty="0"/>
+              <a:t>It seemed like a lot of work to learn and implement for a skill I probably would never need again</a:t>
+            </a:r>
+          </a:p>
+          <a:p>
+            <a:endParaRPr lang="en-US" dirty="0"/>
+          </a:p>
+        </p:txBody>
+      </p:sp>
     </p:spTree>
     <p:extLst>
       <p:ext uri="{BB962C8B-B14F-4D97-AF65-F5344CB8AC3E}">
-        <p14:creationId xmlns:p14="http://schemas.microsoft.com/office/powerpoint/2010/main" val="611637354"/>
+        <p14:creationId xmlns:p14="http://schemas.microsoft.com/office/powerpoint/2010/main" val="1540936661"/>
       </p:ext>
     </p:extLst>
   </p:cSld>
@@ -5037,6 +5443,564 @@
           <p:cNvPr id="2" name="Title 1">
             <a:extLst>
               <a:ext uri="{FF2B5EF4-FFF2-40B4-BE49-F238E27FC236}">
+                <a16:creationId xmlns:a16="http://schemas.microsoft.com/office/drawing/2014/main" id="{837F6A9A-0A6B-B94F-8B91-6C23BBC5A946}"/>
+              </a:ext>
+            </a:extLst>
+          </p:cNvPr>
+          <p:cNvSpPr>
+            <a:spLocks noGrp="1"/>
+          </p:cNvSpPr>
+          <p:nvPr>
+            <p:ph type="title"/>
+          </p:nvPr>
+        </p:nvSpPr>
+        <p:spPr>
+          <a:xfrm>
+            <a:off x="838199" y="365125"/>
+            <a:ext cx="10662501" cy="1325563"/>
+          </a:xfrm>
+        </p:spPr>
+        <p:txBody>
+          <a:bodyPr>
+            <a:normAutofit fontScale="90000"/>
+          </a:bodyPr>
+          <a:lstStyle/>
+          <a:p>
+            <a:r>
+              <a:rPr lang="en-US" dirty="0"/>
+              <a:t>Getting operator-level exceptions w/o bytecode instrumentation requires a total hack</a:t>
+            </a:r>
+          </a:p>
+        </p:txBody>
+      </p:sp>
+      <p:sp>
+        <p:nvSpPr>
+          <p:cNvPr id="3" name="Content Placeholder 2">
+            <a:extLst>
+              <a:ext uri="{FF2B5EF4-FFF2-40B4-BE49-F238E27FC236}">
+                <a16:creationId xmlns:a16="http://schemas.microsoft.com/office/drawing/2014/main" id="{524F48FA-29F3-7C45-AEC9-CDAD6EE5405B}"/>
+              </a:ext>
+            </a:extLst>
+          </p:cNvPr>
+          <p:cNvSpPr>
+            <a:spLocks noGrp="1"/>
+          </p:cNvSpPr>
+          <p:nvPr>
+            <p:ph idx="1"/>
+          </p:nvPr>
+        </p:nvSpPr>
+        <p:spPr/>
+        <p:txBody>
+          <a:bodyPr>
+            <a:normAutofit lnSpcReduction="10000"/>
+          </a:bodyPr>
+          <a:lstStyle/>
+          <a:p>
+            <a:r>
+              <a:rPr lang="en-US" dirty="0"/>
+              <a:t>We have: (1) the full execution stack and (2) the offending line of source code</a:t>
+            </a:r>
+          </a:p>
+          <a:p>
+            <a:r>
+              <a:rPr lang="en-US" dirty="0"/>
+              <a:t>To identify the individual operator and operands that triggered an exception use brute-force:</a:t>
+            </a:r>
+          </a:p>
+          <a:p>
+            <a:pPr lvl="1"/>
+            <a:r>
+              <a:rPr lang="en-US" dirty="0"/>
+              <a:t>reevaluate each operation in the line, piece-by-piece, in proper order, and in the correct execution context (must pick correct stack frame)</a:t>
+            </a:r>
+          </a:p>
+          <a:p>
+            <a:r>
+              <a:rPr lang="en-US" dirty="0"/>
+              <a:t>Wait for an operator to cause an exception, report op/</a:t>
+            </a:r>
+            <a:r>
+              <a:rPr lang="en-US" dirty="0" err="1"/>
+              <a:t>opnds</a:t>
+            </a:r>
+            <a:endParaRPr lang="en-US" dirty="0"/>
+          </a:p>
+          <a:p>
+            <a:r>
+              <a:rPr lang="en-US" dirty="0"/>
+              <a:t>Zero cost until error, but assumes side-effect free functions</a:t>
+            </a:r>
+          </a:p>
+          <a:p>
+            <a:r>
+              <a:rPr lang="en-US" dirty="0"/>
+              <a:t>Even if side-effecting, who cares (usually)? Program is about to terminate</a:t>
+            </a:r>
+          </a:p>
+        </p:txBody>
+      </p:sp>
+    </p:spTree>
+    <p:extLst>
+      <p:ext uri="{BB962C8B-B14F-4D97-AF65-F5344CB8AC3E}">
+        <p14:creationId xmlns:p14="http://schemas.microsoft.com/office/powerpoint/2010/main" val="4145247834"/>
+      </p:ext>
+    </p:extLst>
+  </p:cSld>
+  <p:clrMapOvr>
+    <a:masterClrMapping/>
+  </p:clrMapOvr>
+</p:sld>
+</file>
+
+<file path=ppt/slides/slide17.xml><?xml version="1.0" encoding="utf-8"?>
+<p:sld xmlns:a="http://schemas.openxmlformats.org/drawingml/2006/main" xmlns:r="http://schemas.openxmlformats.org/officeDocument/2006/relationships" xmlns:p="http://schemas.openxmlformats.org/presentationml/2006/main">
+  <p:cSld>
+    <p:spTree>
+      <p:nvGrpSpPr>
+        <p:cNvPr id="1" name=""/>
+        <p:cNvGrpSpPr/>
+        <p:nvPr/>
+      </p:nvGrpSpPr>
+      <p:grpSpPr>
+        <a:xfrm>
+          <a:off x="0" y="0"/>
+          <a:ext cx="0" cy="0"/>
+          <a:chOff x="0" y="0"/>
+          <a:chExt cx="0" cy="0"/>
+        </a:xfrm>
+      </p:grpSpPr>
+      <p:sp>
+        <p:nvSpPr>
+          <p:cNvPr id="2" name="Title 1">
+            <a:extLst>
+              <a:ext uri="{FF2B5EF4-FFF2-40B4-BE49-F238E27FC236}">
+                <a16:creationId xmlns:a16="http://schemas.microsoft.com/office/drawing/2014/main" id="{F7B71233-6082-A34D-891B-535438901B7C}"/>
+              </a:ext>
+            </a:extLst>
+          </p:cNvPr>
+          <p:cNvSpPr>
+            <a:spLocks noGrp="1"/>
+          </p:cNvSpPr>
+          <p:nvPr>
+            <p:ph type="title"/>
+          </p:nvPr>
+        </p:nvSpPr>
+        <p:spPr>
+          <a:xfrm>
+            <a:off x="838200" y="365125"/>
+            <a:ext cx="10515600" cy="727285"/>
+          </a:xfrm>
+        </p:spPr>
+        <p:txBody>
+          <a:bodyPr/>
+          <a:lstStyle/>
+          <a:p>
+            <a:r>
+              <a:rPr lang="en-US" dirty="0"/>
+              <a:t>Reevaluation mechanism</a:t>
+            </a:r>
+          </a:p>
+        </p:txBody>
+      </p:sp>
+      <p:sp>
+        <p:nvSpPr>
+          <p:cNvPr id="3" name="Content Placeholder 2">
+            <a:extLst>
+              <a:ext uri="{FF2B5EF4-FFF2-40B4-BE49-F238E27FC236}">
+                <a16:creationId xmlns:a16="http://schemas.microsoft.com/office/drawing/2014/main" id="{5B71B924-17ED-DE4C-80CE-C6506A32A07D}"/>
+              </a:ext>
+            </a:extLst>
+          </p:cNvPr>
+          <p:cNvSpPr>
+            <a:spLocks noGrp="1"/>
+          </p:cNvSpPr>
+          <p:nvPr>
+            <p:ph idx="1"/>
+          </p:nvPr>
+        </p:nvSpPr>
+        <p:spPr>
+          <a:xfrm>
+            <a:off x="754144" y="1230792"/>
+            <a:ext cx="5684363" cy="5262084"/>
+          </a:xfrm>
+        </p:spPr>
+        <p:txBody>
+          <a:bodyPr>
+            <a:normAutofit fontScale="92500" lnSpcReduction="20000"/>
+          </a:bodyPr>
+          <a:lstStyle/>
+          <a:p>
+            <a:r>
+              <a:rPr lang="en-US" dirty="0"/>
+              <a:t>First, check if exception is tensor-related or if exec stack descends into a known tensor lib</a:t>
+            </a:r>
+          </a:p>
+          <a:p>
+            <a:r>
+              <a:rPr lang="en-US" dirty="0"/>
+              <a:t>If so, find and parse deepest </a:t>
+            </a:r>
+            <a:r>
+              <a:rPr lang="en-US" i="1" dirty="0"/>
+              <a:t>user-level</a:t>
+            </a:r>
+            <a:r>
+              <a:rPr lang="en-US" dirty="0"/>
+              <a:t> offending statement and build an appropriate AST with operators as subtree roots</a:t>
+            </a:r>
+          </a:p>
+          <a:p>
+            <a:r>
+              <a:rPr lang="en-US" dirty="0"/>
+              <a:t>Uses built-in Python tokenizer</a:t>
+            </a:r>
+          </a:p>
+          <a:p>
+            <a:r>
+              <a:rPr lang="en-US" dirty="0"/>
+              <a:t>Uses </a:t>
+            </a:r>
+            <a:r>
+              <a:rPr lang="en-US" dirty="0" err="1"/>
+              <a:t>handbuilt</a:t>
+            </a:r>
+            <a:r>
+              <a:rPr lang="en-US" dirty="0"/>
+              <a:t> Python parser for subset of statements / </a:t>
+            </a:r>
+            <a:r>
+              <a:rPr lang="en-US" dirty="0" err="1"/>
+              <a:t>exprs</a:t>
+            </a:r>
+            <a:endParaRPr lang="en-US" dirty="0"/>
+          </a:p>
+          <a:p>
+            <a:r>
+              <a:rPr lang="en-US" dirty="0"/>
+              <a:t>Avoided ANTLR to avoid introducing a lib dependency</a:t>
+            </a:r>
+          </a:p>
+          <a:p>
+            <a:r>
+              <a:rPr lang="en-US" dirty="0"/>
+              <a:t>Avoided built-in Python parser since reorg'ing its AST is same work as  rolling my own "</a:t>
+            </a:r>
+            <a:r>
+              <a:rPr lang="en-US" dirty="0" err="1"/>
+              <a:t>parrser</a:t>
+            </a:r>
+            <a:r>
+              <a:rPr lang="en-US" dirty="0"/>
+              <a:t>"</a:t>
+            </a:r>
+          </a:p>
+        </p:txBody>
+      </p:sp>
+      <p:pic>
+        <p:nvPicPr>
+          <p:cNvPr id="4" name="Picture 3">
+            <a:extLst>
+              <a:ext uri="{FF2B5EF4-FFF2-40B4-BE49-F238E27FC236}">
+                <a16:creationId xmlns:a16="http://schemas.microsoft.com/office/drawing/2014/main" id="{18CB3F87-D4DE-1940-8589-A9F959BA4C1D}"/>
+              </a:ext>
+            </a:extLst>
+          </p:cNvPr>
+          <p:cNvPicPr>
+            <a:picLocks noChangeAspect="1"/>
+          </p:cNvPicPr>
+          <p:nvPr/>
+        </p:nvPicPr>
+        <p:blipFill>
+          <a:blip r:embed="rId2"/>
+          <a:stretch>
+            <a:fillRect/>
+          </a:stretch>
+        </p:blipFill>
+        <p:spPr>
+          <a:xfrm>
+            <a:off x="6438507" y="1230791"/>
+            <a:ext cx="5684363" cy="5084553"/>
+          </a:xfrm>
+          <a:prstGeom prst="rect">
+            <a:avLst/>
+          </a:prstGeom>
+        </p:spPr>
+      </p:pic>
+      <p:sp>
+        <p:nvSpPr>
+          <p:cNvPr id="5" name="TextBox 4">
+            <a:extLst>
+              <a:ext uri="{FF2B5EF4-FFF2-40B4-BE49-F238E27FC236}">
+                <a16:creationId xmlns:a16="http://schemas.microsoft.com/office/drawing/2014/main" id="{8054C3C1-F0F7-4C4F-B069-ED50342BA779}"/>
+              </a:ext>
+            </a:extLst>
+          </p:cNvPr>
+          <p:cNvSpPr txBox="1"/>
+          <p:nvPr/>
+        </p:nvSpPr>
+        <p:spPr>
+          <a:xfrm>
+            <a:off x="5203596" y="4490414"/>
+            <a:ext cx="697627" cy="707886"/>
+          </a:xfrm>
+          <a:prstGeom prst="rect">
+            <a:avLst/>
+          </a:prstGeom>
+          <a:noFill/>
+        </p:spPr>
+        <p:txBody>
+          <a:bodyPr wrap="none" rtlCol="0">
+            <a:spAutoFit/>
+          </a:bodyPr>
+          <a:lstStyle/>
+          <a:p>
+            <a:r>
+              <a:rPr lang="en-US" sz="4000" dirty="0"/>
+              <a:t>🤣</a:t>
+            </a:r>
+          </a:p>
+        </p:txBody>
+      </p:sp>
+      <p:sp>
+        <p:nvSpPr>
+          <p:cNvPr id="6" name="TextBox 5">
+            <a:extLst>
+              <a:ext uri="{FF2B5EF4-FFF2-40B4-BE49-F238E27FC236}">
+                <a16:creationId xmlns:a16="http://schemas.microsoft.com/office/drawing/2014/main" id="{9DD1F523-A5A5-9C40-A885-FA7BC77C7326}"/>
+              </a:ext>
+            </a:extLst>
+          </p:cNvPr>
+          <p:cNvSpPr txBox="1"/>
+          <p:nvPr/>
+        </p:nvSpPr>
+        <p:spPr>
+          <a:xfrm>
+            <a:off x="8832916" y="5442543"/>
+            <a:ext cx="3065968" cy="369332"/>
+          </a:xfrm>
+          <a:prstGeom prst="rect">
+            <a:avLst/>
+          </a:prstGeom>
+          <a:noFill/>
+        </p:spPr>
+        <p:txBody>
+          <a:bodyPr wrap="none" rtlCol="0">
+            <a:spAutoFit/>
+          </a:bodyPr>
+          <a:lstStyle/>
+          <a:p>
+            <a:r>
+              <a:rPr lang="en-US" dirty="0"/>
+              <a:t>(also from </a:t>
+            </a:r>
+            <a:r>
+              <a:rPr lang="en-US" dirty="0" err="1"/>
+              <a:t>TensorSensor</a:t>
+            </a:r>
+            <a:r>
+              <a:rPr lang="en-US" dirty="0"/>
+              <a:t> lib)</a:t>
+            </a:r>
+          </a:p>
+        </p:txBody>
+      </p:sp>
+    </p:spTree>
+    <p:extLst>
+      <p:ext uri="{BB962C8B-B14F-4D97-AF65-F5344CB8AC3E}">
+        <p14:creationId xmlns:p14="http://schemas.microsoft.com/office/powerpoint/2010/main" val="26650210"/>
+      </p:ext>
+    </p:extLst>
+  </p:cSld>
+  <p:clrMapOvr>
+    <a:masterClrMapping/>
+  </p:clrMapOvr>
+</p:sld>
+</file>
+
+<file path=ppt/slides/slide18.xml><?xml version="1.0" encoding="utf-8"?>
+<p:sld xmlns:a="http://schemas.openxmlformats.org/drawingml/2006/main" xmlns:r="http://schemas.openxmlformats.org/officeDocument/2006/relationships" xmlns:p="http://schemas.openxmlformats.org/presentationml/2006/main">
+  <p:cSld>
+    <p:spTree>
+      <p:nvGrpSpPr>
+        <p:cNvPr id="1" name=""/>
+        <p:cNvGrpSpPr/>
+        <p:nvPr/>
+      </p:nvGrpSpPr>
+      <p:grpSpPr>
+        <a:xfrm>
+          <a:off x="0" y="0"/>
+          <a:ext cx="0" cy="0"/>
+          <a:chOff x="0" y="0"/>
+          <a:chExt cx="0" cy="0"/>
+        </a:xfrm>
+      </p:grpSpPr>
+      <p:sp>
+        <p:nvSpPr>
+          <p:cNvPr id="2" name="Title 1">
+            <a:extLst>
+              <a:ext uri="{FF2B5EF4-FFF2-40B4-BE49-F238E27FC236}">
+                <a16:creationId xmlns:a16="http://schemas.microsoft.com/office/drawing/2014/main" id="{F7B71233-6082-A34D-891B-535438901B7C}"/>
+              </a:ext>
+            </a:extLst>
+          </p:cNvPr>
+          <p:cNvSpPr>
+            <a:spLocks noGrp="1"/>
+          </p:cNvSpPr>
+          <p:nvPr>
+            <p:ph type="title"/>
+          </p:nvPr>
+        </p:nvSpPr>
+        <p:spPr>
+          <a:xfrm>
+            <a:off x="838200" y="365125"/>
+            <a:ext cx="10515600" cy="727285"/>
+          </a:xfrm>
+        </p:spPr>
+        <p:txBody>
+          <a:bodyPr/>
+          <a:lstStyle/>
+          <a:p>
+            <a:r>
+              <a:rPr lang="en-US" dirty="0"/>
+              <a:t>Reevaluation mechanism continued</a:t>
+            </a:r>
+          </a:p>
+        </p:txBody>
+      </p:sp>
+      <p:sp>
+        <p:nvSpPr>
+          <p:cNvPr id="3" name="Content Placeholder 2">
+            <a:extLst>
+              <a:ext uri="{FF2B5EF4-FFF2-40B4-BE49-F238E27FC236}">
+                <a16:creationId xmlns:a16="http://schemas.microsoft.com/office/drawing/2014/main" id="{5B71B924-17ED-DE4C-80CE-C6506A32A07D}"/>
+              </a:ext>
+            </a:extLst>
+          </p:cNvPr>
+          <p:cNvSpPr>
+            <a:spLocks noGrp="1"/>
+          </p:cNvSpPr>
+          <p:nvPr>
+            <p:ph idx="1"/>
+          </p:nvPr>
+        </p:nvSpPr>
+        <p:spPr>
+          <a:xfrm>
+            <a:off x="584462" y="1230791"/>
+            <a:ext cx="5854045" cy="5222934"/>
+          </a:xfrm>
+        </p:spPr>
+        <p:txBody>
+          <a:bodyPr>
+            <a:normAutofit/>
+          </a:bodyPr>
+          <a:lstStyle/>
+          <a:p>
+            <a:r>
+              <a:rPr lang="en-US" dirty="0"/>
+              <a:t>Evaluate operators of AST bottom-up in proper exec order</a:t>
+            </a:r>
+          </a:p>
+          <a:p>
+            <a:r>
+              <a:rPr lang="en-US" dirty="0"/>
+              <a:t>Call </a:t>
+            </a:r>
+            <a:r>
+              <a:rPr lang="en-US" b="1" dirty="0"/>
+              <a:t>eval()</a:t>
+            </a:r>
+            <a:r>
+              <a:rPr lang="en-US" dirty="0"/>
+              <a:t> on Python source of subexpressions using the appropriate execution contexts, saving results in associated nodes</a:t>
+            </a:r>
+          </a:p>
+          <a:p>
+            <a:r>
+              <a:rPr lang="en-US" dirty="0"/>
+              <a:t>Trap and absorb exception from </a:t>
+            </a:r>
+            <a:r>
+              <a:rPr lang="en-US" b="1" dirty="0"/>
+              <a:t>eval()</a:t>
+            </a:r>
+            <a:r>
+              <a:rPr lang="en-US" dirty="0"/>
+              <a:t>, record that exception and offending AST node</a:t>
+            </a:r>
+          </a:p>
+          <a:p>
+            <a:r>
+              <a:rPr lang="en-US" dirty="0"/>
+              <a:t>Augment original exception message with info derived this new exception, op, operands</a:t>
+            </a:r>
+          </a:p>
+        </p:txBody>
+      </p:sp>
+      <p:pic>
+        <p:nvPicPr>
+          <p:cNvPr id="4" name="Picture 3">
+            <a:extLst>
+              <a:ext uri="{FF2B5EF4-FFF2-40B4-BE49-F238E27FC236}">
+                <a16:creationId xmlns:a16="http://schemas.microsoft.com/office/drawing/2014/main" id="{18CB3F87-D4DE-1940-8589-A9F959BA4C1D}"/>
+              </a:ext>
+            </a:extLst>
+          </p:cNvPr>
+          <p:cNvPicPr>
+            <a:picLocks noChangeAspect="1"/>
+          </p:cNvPicPr>
+          <p:nvPr/>
+        </p:nvPicPr>
+        <p:blipFill>
+          <a:blip r:embed="rId2"/>
+          <a:stretch>
+            <a:fillRect/>
+          </a:stretch>
+        </p:blipFill>
+        <p:spPr>
+          <a:xfrm>
+            <a:off x="6438507" y="1230791"/>
+            <a:ext cx="5684363" cy="5084553"/>
+          </a:xfrm>
+          <a:prstGeom prst="rect">
+            <a:avLst/>
+          </a:prstGeom>
+        </p:spPr>
+      </p:pic>
+    </p:spTree>
+    <p:extLst>
+      <p:ext uri="{BB962C8B-B14F-4D97-AF65-F5344CB8AC3E}">
+        <p14:creationId xmlns:p14="http://schemas.microsoft.com/office/powerpoint/2010/main" val="611637354"/>
+      </p:ext>
+    </p:extLst>
+  </p:cSld>
+  <p:clrMapOvr>
+    <a:masterClrMapping/>
+  </p:clrMapOvr>
+</p:sld>
+</file>
+
+<file path=ppt/slides/slide19.xml><?xml version="1.0" encoding="utf-8"?>
+<p:sld xmlns:a="http://schemas.openxmlformats.org/drawingml/2006/main" xmlns:r="http://schemas.openxmlformats.org/officeDocument/2006/relationships" xmlns:p="http://schemas.openxmlformats.org/presentationml/2006/main">
+  <p:cSld>
+    <p:spTree>
+      <p:nvGrpSpPr>
+        <p:cNvPr id="1" name=""/>
+        <p:cNvGrpSpPr/>
+        <p:nvPr/>
+      </p:nvGrpSpPr>
+      <p:grpSpPr>
+        <a:xfrm>
+          <a:off x="0" y="0"/>
+          <a:ext cx="0" cy="0"/>
+          <a:chOff x="0" y="0"/>
+          <a:chExt cx="0" cy="0"/>
+        </a:xfrm>
+      </p:grpSpPr>
+      <p:sp>
+        <p:nvSpPr>
+          <p:cNvPr id="2" name="Title 1">
+            <a:extLst>
+              <a:ext uri="{FF2B5EF4-FFF2-40B4-BE49-F238E27FC236}">
                 <a16:creationId xmlns:a16="http://schemas.microsoft.com/office/drawing/2014/main" id="{6EFC4823-71C6-5D49-A244-5A5599A9D139}"/>
               </a:ext>
             </a:extLst>
@@ -5198,7 +6162,96 @@
 </p:sld>
 </file>
 
-<file path=ppt/slides/slide17.xml><?xml version="1.0" encoding="utf-8"?>
+<file path=ppt/slides/slide2.xml><?xml version="1.0" encoding="utf-8"?>
+<p:sld xmlns:a="http://schemas.openxmlformats.org/drawingml/2006/main" xmlns:r="http://schemas.openxmlformats.org/officeDocument/2006/relationships" xmlns:p="http://schemas.openxmlformats.org/presentationml/2006/main">
+  <p:cSld>
+    <p:spTree>
+      <p:nvGrpSpPr>
+        <p:cNvPr id="1" name=""/>
+        <p:cNvGrpSpPr/>
+        <p:nvPr/>
+      </p:nvGrpSpPr>
+      <p:grpSpPr>
+        <a:xfrm>
+          <a:off x="0" y="0"/>
+          <a:ext cx="0" cy="0"/>
+          <a:chOff x="0" y="0"/>
+          <a:chExt cx="0" cy="0"/>
+        </a:xfrm>
+      </p:grpSpPr>
+      <p:sp>
+        <p:nvSpPr>
+          <p:cNvPr id="2" name="Title 1">
+            <a:extLst>
+              <a:ext uri="{FF2B5EF4-FFF2-40B4-BE49-F238E27FC236}">
+                <a16:creationId xmlns:a16="http://schemas.microsoft.com/office/drawing/2014/main" id="{1C7A7384-4454-E54A-80EC-D299E9023AAD}"/>
+              </a:ext>
+            </a:extLst>
+          </p:cNvPr>
+          <p:cNvSpPr>
+            <a:spLocks noGrp="1"/>
+          </p:cNvSpPr>
+          <p:nvPr>
+            <p:ph type="title"/>
+          </p:nvPr>
+        </p:nvSpPr>
+        <p:spPr/>
+        <p:txBody>
+          <a:bodyPr/>
+          <a:lstStyle/>
+          <a:p>
+            <a:r>
+              <a:rPr lang="en-US" dirty="0"/>
+              <a:t>Demo in notebook</a:t>
+            </a:r>
+          </a:p>
+        </p:txBody>
+      </p:sp>
+      <p:sp>
+        <p:nvSpPr>
+          <p:cNvPr id="3" name="Text Placeholder 2">
+            <a:extLst>
+              <a:ext uri="{FF2B5EF4-FFF2-40B4-BE49-F238E27FC236}">
+                <a16:creationId xmlns:a16="http://schemas.microsoft.com/office/drawing/2014/main" id="{E2F9EC0E-ACE6-1344-8562-BF84CDF30FD2}"/>
+              </a:ext>
+            </a:extLst>
+          </p:cNvPr>
+          <p:cNvSpPr>
+            <a:spLocks noGrp="1"/>
+          </p:cNvSpPr>
+          <p:nvPr>
+            <p:ph type="body" idx="1"/>
+          </p:nvPr>
+        </p:nvSpPr>
+        <p:spPr/>
+        <p:txBody>
+          <a:bodyPr/>
+          <a:lstStyle/>
+          <a:p>
+            <a:r>
+              <a:rPr lang="en-US" dirty="0">
+                <a:hlinkClick r:id="rId2"/>
+              </a:rPr>
+              <a:t>https://github.com/parrt/tensor-sensor/blob/master/talks/demo.ipynb</a:t>
+            </a:r>
+            <a:endParaRPr lang="en-US" dirty="0"/>
+          </a:p>
+        </p:txBody>
+      </p:sp>
+    </p:spTree>
+    <p:extLst>
+      <p:ext uri="{BB962C8B-B14F-4D97-AF65-F5344CB8AC3E}">
+        <p14:creationId xmlns:p14="http://schemas.microsoft.com/office/powerpoint/2010/main" val="905803251"/>
+      </p:ext>
+    </p:extLst>
+  </p:cSld>
+  <p:clrMapOvr>
+    <a:masterClrMapping/>
+  </p:clrMapOvr>
+</p:sld>
+</file>
+
+<file path=ppt/slides/slide20.xml><?xml version="1.0" encoding="utf-8"?>
 <p:sld xmlns:a="http://schemas.openxmlformats.org/drawingml/2006/main" xmlns:r="http://schemas.openxmlformats.org/officeDocument/2006/relationships" xmlns:p="http://schemas.openxmlformats.org/presentationml/2006/main">
   <p:cSld>
     <p:spTree>
@@ -6821,7 +7874,7 @@
 </p:sld>
 </file>
 
-<file path=ppt/slides/slide18.xml><?xml version="1.0" encoding="utf-8"?>
+<file path=ppt/slides/slide21.xml><?xml version="1.0" encoding="utf-8"?>
 <p:sld xmlns:a="http://schemas.openxmlformats.org/drawingml/2006/main" xmlns:r="http://schemas.openxmlformats.org/officeDocument/2006/relationships" xmlns:p="http://schemas.openxmlformats.org/presentationml/2006/main">
   <p:cSld>
     <p:spTree>
@@ -7320,7 +8373,7 @@
 </p:sld>
 </file>
 
-<file path=ppt/slides/slide19.xml><?xml version="1.0" encoding="utf-8"?>
+<file path=ppt/slides/slide22.xml><?xml version="1.0" encoding="utf-8"?>
 <p:sld xmlns:a="http://schemas.openxmlformats.org/drawingml/2006/main" xmlns:r="http://schemas.openxmlformats.org/officeDocument/2006/relationships" xmlns:p="http://schemas.openxmlformats.org/presentationml/2006/main">
   <p:cSld>
     <p:spTree>
@@ -7553,7 +8606,7 @@
 </p:sld>
 </file>
 
-<file path=ppt/slides/slide2.xml><?xml version="1.0" encoding="utf-8"?>
+<file path=ppt/slides/slide23.xml><?xml version="1.0" encoding="utf-8"?>
 <p:sld xmlns:a="http://schemas.openxmlformats.org/drawingml/2006/main" xmlns:r="http://schemas.openxmlformats.org/officeDocument/2006/relationships" xmlns:p="http://schemas.openxmlformats.org/presentationml/2006/main">
   <p:cSld>
     <p:spTree>
@@ -7575,7 +8628,7 @@
           <p:cNvPr id="2" name="Title 1">
             <a:extLst>
               <a:ext uri="{FF2B5EF4-FFF2-40B4-BE49-F238E27FC236}">
-                <a16:creationId xmlns:a16="http://schemas.microsoft.com/office/drawing/2014/main" id="{1C7A7384-4454-E54A-80EC-D299E9023AAD}"/>
+                <a16:creationId xmlns:a16="http://schemas.microsoft.com/office/drawing/2014/main" id="{A3EB3F4E-990D-2A4C-9237-9182994CF50E}"/>
               </a:ext>
             </a:extLst>
           </p:cNvPr>
@@ -7593,46 +8646,242 @@
           <a:p>
             <a:r>
               <a:rPr lang="en-US" dirty="0"/>
-              <a:t>Demo in notebook</a:t>
-            </a:r>
-          </a:p>
-        </p:txBody>
-      </p:sp>
-      <p:sp>
-        <p:nvSpPr>
-          <p:cNvPr id="3" name="Text Placeholder 2">
-            <a:extLst>
-              <a:ext uri="{FF2B5EF4-FFF2-40B4-BE49-F238E27FC236}">
-                <a16:creationId xmlns:a16="http://schemas.microsoft.com/office/drawing/2014/main" id="{E2F9EC0E-ACE6-1344-8562-BF84CDF30FD2}"/>
-              </a:ext>
-            </a:extLst>
-          </p:cNvPr>
-          <p:cNvSpPr>
-            <a:spLocks noGrp="1"/>
-          </p:cNvSpPr>
-          <p:nvPr>
-            <p:ph type="body" idx="1"/>
-          </p:nvPr>
-        </p:nvSpPr>
-        <p:spPr/>
+              <a:t>Visualizing Python code on-the-fly</a:t>
+            </a:r>
+          </a:p>
+        </p:txBody>
+      </p:sp>
+      <p:sp>
+        <p:nvSpPr>
+          <p:cNvPr id="3" name="Content Placeholder 2">
+            <a:extLst>
+              <a:ext uri="{FF2B5EF4-FFF2-40B4-BE49-F238E27FC236}">
+                <a16:creationId xmlns:a16="http://schemas.microsoft.com/office/drawing/2014/main" id="{607F336A-C4CB-634D-B9E8-B66638B19F36}"/>
+              </a:ext>
+            </a:extLst>
+          </p:cNvPr>
+          <p:cNvSpPr>
+            <a:spLocks noGrp="1"/>
+          </p:cNvSpPr>
+          <p:nvPr>
+            <p:ph idx="1"/>
+          </p:nvPr>
+        </p:nvSpPr>
+        <p:spPr>
+          <a:xfrm>
+            <a:off x="838199" y="1555423"/>
+            <a:ext cx="10643647" cy="4621540"/>
+          </a:xfrm>
+        </p:spPr>
         <p:txBody>
           <a:bodyPr/>
           <a:lstStyle/>
           <a:p>
             <a:r>
-              <a:rPr lang="en-US" dirty="0">
+              <a:rPr lang="en-US" b="1" dirty="0"/>
+              <a:t>explain</a:t>
+            </a:r>
+            <a:r>
+              <a:rPr lang="en-US" dirty="0"/>
+              <a:t>() object's </a:t>
+            </a:r>
+            <a:r>
+              <a:rPr lang="en-US" b="1" dirty="0"/>
+              <a:t>__enter__()</a:t>
+            </a:r>
+            <a:r>
+              <a:rPr lang="en-US" dirty="0"/>
+              <a:t> method creates a tracer object and registers it with Python via </a:t>
+            </a:r>
+            <a:r>
+              <a:rPr lang="en-US" b="1" dirty="0" err="1"/>
+              <a:t>sys.settrace</a:t>
+            </a:r>
+            <a:r>
+              <a:rPr lang="en-US" b="1" dirty="0"/>
+              <a:t>()</a:t>
+            </a:r>
+            <a:r>
+              <a:rPr lang="en-US" dirty="0"/>
+              <a:t> [1]</a:t>
+            </a:r>
+          </a:p>
+          <a:p>
+            <a:r>
+              <a:rPr lang="en-US" dirty="0"/>
+              <a:t>The tracer is notified upon each source line execution</a:t>
+            </a:r>
+          </a:p>
+          <a:p>
+            <a:r>
+              <a:rPr lang="en-US" dirty="0"/>
+              <a:t>Using the same mechanism as </a:t>
+            </a:r>
+            <a:r>
+              <a:rPr lang="en-US" b="1" dirty="0"/>
+              <a:t>clarify</a:t>
+            </a:r>
+            <a:r>
+              <a:rPr lang="en-US" dirty="0"/>
+              <a:t>(): parse source line, build AST, evaluate AST subexpressions to identify operand shapes</a:t>
+            </a:r>
+          </a:p>
+          <a:p>
+            <a:r>
+              <a:rPr lang="en-US" dirty="0"/>
+              <a:t>Even in loop within </a:t>
+            </a:r>
+            <a:r>
+              <a:rPr lang="en-US" b="1" dirty="0"/>
+              <a:t>with</a:t>
+            </a:r>
+            <a:r>
+              <a:rPr lang="en-US" dirty="0"/>
+              <a:t> block, statements visualized just once</a:t>
+            </a:r>
+          </a:p>
+          <a:p>
+            <a:r>
+              <a:rPr lang="en-US" dirty="0"/>
+              <a:t>Slows down execution (a lot) but it's still useful</a:t>
+            </a:r>
+          </a:p>
+          <a:p>
+            <a:r>
+              <a:rPr lang="en-US" dirty="0"/>
+              <a:t>Watch out for side effects; this prints "hi" twice:</a:t>
+            </a:r>
+            <a:br>
+              <a:rPr lang="en-US" dirty="0"/>
+            </a:br>
+            <a:endParaRPr lang="en-US" dirty="0">
+              <a:latin typeface="Consolas" panose="020B0609020204030204" pitchFamily="49" charset="0"/>
+              <a:cs typeface="Consolas" panose="020B0609020204030204" pitchFamily="49" charset="0"/>
+            </a:endParaRPr>
+          </a:p>
+        </p:txBody>
+      </p:sp>
+      <p:sp>
+        <p:nvSpPr>
+          <p:cNvPr id="4" name="Rectangle 3">
+            <a:extLst>
+              <a:ext uri="{FF2B5EF4-FFF2-40B4-BE49-F238E27FC236}">
+                <a16:creationId xmlns:a16="http://schemas.microsoft.com/office/drawing/2014/main" id="{32AA5690-1EE5-E544-BAB3-77052A1A6C1B}"/>
+              </a:ext>
+            </a:extLst>
+          </p:cNvPr>
+          <p:cNvSpPr/>
+          <p:nvPr/>
+        </p:nvSpPr>
+        <p:spPr>
+          <a:xfrm>
+            <a:off x="2859465" y="5443682"/>
+            <a:ext cx="4163505" cy="830997"/>
+          </a:xfrm>
+          <a:prstGeom prst="rect">
+            <a:avLst/>
+          </a:prstGeom>
+        </p:spPr>
+        <p:txBody>
+          <a:bodyPr wrap="square">
+            <a:spAutoFit/>
+          </a:bodyPr>
+          <a:lstStyle/>
+          <a:p>
+            <a:r>
+              <a:rPr lang="en-US" sz="2400" b="1" dirty="0">
+                <a:solidFill>
+                  <a:srgbClr val="000080"/>
+                </a:solidFill>
+                <a:latin typeface="Consolas" panose="020B0609020204030204" pitchFamily="49" charset="0"/>
+                <a:cs typeface="Consolas" panose="020B0609020204030204" pitchFamily="49" charset="0"/>
+              </a:rPr>
+              <a:t>with</a:t>
+            </a:r>
+            <a:r>
+              <a:rPr lang="en-US" sz="2400" dirty="0">
+                <a:latin typeface="Consolas" panose="020B0609020204030204" pitchFamily="49" charset="0"/>
+                <a:cs typeface="Consolas" panose="020B0609020204030204" pitchFamily="49" charset="0"/>
+              </a:rPr>
+              <a:t> </a:t>
+            </a:r>
+            <a:r>
+              <a:rPr lang="en-US" sz="2400" dirty="0" err="1">
+                <a:latin typeface="Consolas" panose="020B0609020204030204" pitchFamily="49" charset="0"/>
+                <a:cs typeface="Consolas" panose="020B0609020204030204" pitchFamily="49" charset="0"/>
+              </a:rPr>
+              <a:t>tsensor.explain</a:t>
+            </a:r>
+            <a:r>
+              <a:rPr lang="en-US" sz="2400" dirty="0">
+                <a:latin typeface="Consolas" panose="020B0609020204030204" pitchFamily="49" charset="0"/>
+                <a:cs typeface="Consolas" panose="020B0609020204030204" pitchFamily="49" charset="0"/>
+              </a:rPr>
+              <a:t>():</a:t>
+            </a:r>
+            <a:br>
+              <a:rPr lang="en-US" sz="2400" dirty="0">
+                <a:latin typeface="Consolas" panose="020B0609020204030204" pitchFamily="49" charset="0"/>
+                <a:cs typeface="Consolas" panose="020B0609020204030204" pitchFamily="49" charset="0"/>
+              </a:rPr>
+            </a:br>
+            <a:r>
+              <a:rPr lang="en-US" sz="2400" dirty="0">
+                <a:latin typeface="Consolas" panose="020B0609020204030204" pitchFamily="49" charset="0"/>
+                <a:cs typeface="Consolas" panose="020B0609020204030204" pitchFamily="49" charset="0"/>
+              </a:rPr>
+              <a:t>    print("hi")</a:t>
+            </a:r>
+            <a:endParaRPr lang="en-US" sz="2400" dirty="0"/>
+          </a:p>
+        </p:txBody>
+      </p:sp>
+      <p:sp>
+        <p:nvSpPr>
+          <p:cNvPr id="5" name="TextBox 4">
+            <a:extLst>
+              <a:ext uri="{FF2B5EF4-FFF2-40B4-BE49-F238E27FC236}">
+                <a16:creationId xmlns:a16="http://schemas.microsoft.com/office/drawing/2014/main" id="{00927F5E-5CFE-F746-9673-ECCB3AD12C8F}"/>
+              </a:ext>
+            </a:extLst>
+          </p:cNvPr>
+          <p:cNvSpPr txBox="1"/>
+          <p:nvPr/>
+        </p:nvSpPr>
+        <p:spPr>
+          <a:xfrm>
+            <a:off x="0" y="6488668"/>
+            <a:ext cx="7258639" cy="307777"/>
+          </a:xfrm>
+          <a:prstGeom prst="rect">
+            <a:avLst/>
+          </a:prstGeom>
+          <a:noFill/>
+        </p:spPr>
+        <p:txBody>
+          <a:bodyPr wrap="square" rtlCol="0">
+            <a:spAutoFit/>
+          </a:bodyPr>
+          <a:lstStyle/>
+          <a:p>
+            <a:r>
+              <a:rPr lang="en-US" sz="1400" dirty="0"/>
+              <a:t>[1] </a:t>
+            </a:r>
+            <a:r>
+              <a:rPr lang="en-US" sz="1400" dirty="0">
                 <a:hlinkClick r:id="rId2"/>
               </a:rPr>
-              <a:t>https://github.com/parrt/tensor-sensor/blob/master/talks/demo.ipynb</a:t>
-            </a:r>
-            <a:endParaRPr lang="en-US" dirty="0"/>
+              <a:t>https://docs.python.org/3/library/sys.html#sys.settrace</a:t>
+            </a:r>
+            <a:endParaRPr lang="en-US" sz="1400" dirty="0"/>
           </a:p>
         </p:txBody>
       </p:sp>
     </p:spTree>
     <p:extLst>
       <p:ext uri="{BB962C8B-B14F-4D97-AF65-F5344CB8AC3E}">
-        <p14:creationId xmlns:p14="http://schemas.microsoft.com/office/powerpoint/2010/main" val="905803251"/>
+        <p14:creationId xmlns:p14="http://schemas.microsoft.com/office/powerpoint/2010/main" val="1839508605"/>
       </p:ext>
     </p:extLst>
   </p:cSld>
@@ -7642,7 +8891,7 @@
 </p:sld>
 </file>
 
-<file path=ppt/slides/slide20.xml><?xml version="1.0" encoding="utf-8"?>
+<file path=ppt/slides/slide24.xml><?xml version="1.0" encoding="utf-8"?>
 <p:sld xmlns:a="http://schemas.openxmlformats.org/drawingml/2006/main" xmlns:r="http://schemas.openxmlformats.org/officeDocument/2006/relationships" xmlns:p="http://schemas.openxmlformats.org/presentationml/2006/main">
   <p:cSld>
     <p:spTree>
@@ -7664,291 +8913,6 @@
           <p:cNvPr id="2" name="Title 1">
             <a:extLst>
               <a:ext uri="{FF2B5EF4-FFF2-40B4-BE49-F238E27FC236}">
-                <a16:creationId xmlns:a16="http://schemas.microsoft.com/office/drawing/2014/main" id="{A3EB3F4E-990D-2A4C-9237-9182994CF50E}"/>
-              </a:ext>
-            </a:extLst>
-          </p:cNvPr>
-          <p:cNvSpPr>
-            <a:spLocks noGrp="1"/>
-          </p:cNvSpPr>
-          <p:nvPr>
-            <p:ph type="title"/>
-          </p:nvPr>
-        </p:nvSpPr>
-        <p:spPr/>
-        <p:txBody>
-          <a:bodyPr/>
-          <a:lstStyle/>
-          <a:p>
-            <a:r>
-              <a:rPr lang="en-US" dirty="0"/>
-              <a:t>Visualizing Python code on-the-fly</a:t>
-            </a:r>
-          </a:p>
-        </p:txBody>
-      </p:sp>
-      <p:sp>
-        <p:nvSpPr>
-          <p:cNvPr id="3" name="Content Placeholder 2">
-            <a:extLst>
-              <a:ext uri="{FF2B5EF4-FFF2-40B4-BE49-F238E27FC236}">
-                <a16:creationId xmlns:a16="http://schemas.microsoft.com/office/drawing/2014/main" id="{607F336A-C4CB-634D-B9E8-B66638B19F36}"/>
-              </a:ext>
-            </a:extLst>
-          </p:cNvPr>
-          <p:cNvSpPr>
-            <a:spLocks noGrp="1"/>
-          </p:cNvSpPr>
-          <p:nvPr>
-            <p:ph idx="1"/>
-          </p:nvPr>
-        </p:nvSpPr>
-        <p:spPr>
-          <a:xfrm>
-            <a:off x="838199" y="1555423"/>
-            <a:ext cx="10643647" cy="4621540"/>
-          </a:xfrm>
-        </p:spPr>
-        <p:txBody>
-          <a:bodyPr/>
-          <a:lstStyle/>
-          <a:p>
-            <a:r>
-              <a:rPr lang="en-US" b="1" dirty="0"/>
-              <a:t>explain</a:t>
-            </a:r>
-            <a:r>
-              <a:rPr lang="en-US" dirty="0"/>
-              <a:t>() object's </a:t>
-            </a:r>
-            <a:r>
-              <a:rPr lang="en-US" b="1" dirty="0"/>
-              <a:t>__enter__()</a:t>
-            </a:r>
-            <a:r>
-              <a:rPr lang="en-US" dirty="0"/>
-              <a:t> method creates a tracer object and registers it with Python via </a:t>
-            </a:r>
-            <a:r>
-              <a:rPr lang="en-US" b="1" dirty="0" err="1"/>
-              <a:t>sys.settrace</a:t>
-            </a:r>
-            <a:r>
-              <a:rPr lang="en-US" b="1" dirty="0"/>
-              <a:t>()</a:t>
-            </a:r>
-            <a:r>
-              <a:rPr lang="en-US" dirty="0"/>
-              <a:t> [1]</a:t>
-            </a:r>
-          </a:p>
-          <a:p>
-            <a:r>
-              <a:rPr lang="en-US" dirty="0"/>
-              <a:t>The tracer is notified upon each source line execution</a:t>
-            </a:r>
-          </a:p>
-          <a:p>
-            <a:r>
-              <a:rPr lang="en-US" dirty="0"/>
-              <a:t>Using the same mechanism as </a:t>
-            </a:r>
-            <a:r>
-              <a:rPr lang="en-US" b="1" dirty="0"/>
-              <a:t>clarify</a:t>
-            </a:r>
-            <a:r>
-              <a:rPr lang="en-US" dirty="0"/>
-              <a:t>(): parse source line, build AST, evaluate AST subexpressions to identify operand shapes</a:t>
-            </a:r>
-          </a:p>
-          <a:p>
-            <a:r>
-              <a:rPr lang="en-US" dirty="0"/>
-              <a:t>Even in loop within </a:t>
-            </a:r>
-            <a:r>
-              <a:rPr lang="en-US" b="1" dirty="0"/>
-              <a:t>with</a:t>
-            </a:r>
-            <a:r>
-              <a:rPr lang="en-US" dirty="0"/>
-              <a:t> block, statements visualized just once</a:t>
-            </a:r>
-          </a:p>
-          <a:p>
-            <a:r>
-              <a:rPr lang="en-US" dirty="0"/>
-              <a:t>Slows down execution (a lot) but it's still useful</a:t>
-            </a:r>
-          </a:p>
-          <a:p>
-            <a:r>
-              <a:rPr lang="en-US" dirty="0"/>
-              <a:t>Watch out for side effects; this prints "hi" twice:</a:t>
-            </a:r>
-            <a:br>
-              <a:rPr lang="en-US" dirty="0"/>
-            </a:br>
-            <a:endParaRPr lang="en-US" dirty="0">
-              <a:latin typeface="Consolas" panose="020B0609020204030204" pitchFamily="49" charset="0"/>
-              <a:cs typeface="Consolas" panose="020B0609020204030204" pitchFamily="49" charset="0"/>
-            </a:endParaRPr>
-          </a:p>
-        </p:txBody>
-      </p:sp>
-      <p:sp>
-        <p:nvSpPr>
-          <p:cNvPr id="4" name="Rectangle 3">
-            <a:extLst>
-              <a:ext uri="{FF2B5EF4-FFF2-40B4-BE49-F238E27FC236}">
-                <a16:creationId xmlns:a16="http://schemas.microsoft.com/office/drawing/2014/main" id="{32AA5690-1EE5-E544-BAB3-77052A1A6C1B}"/>
-              </a:ext>
-            </a:extLst>
-          </p:cNvPr>
-          <p:cNvSpPr/>
-          <p:nvPr/>
-        </p:nvSpPr>
-        <p:spPr>
-          <a:xfrm>
-            <a:off x="2859465" y="5443682"/>
-            <a:ext cx="4163505" cy="830997"/>
-          </a:xfrm>
-          <a:prstGeom prst="rect">
-            <a:avLst/>
-          </a:prstGeom>
-        </p:spPr>
-        <p:txBody>
-          <a:bodyPr wrap="square">
-            <a:spAutoFit/>
-          </a:bodyPr>
-          <a:lstStyle/>
-          <a:p>
-            <a:r>
-              <a:rPr lang="en-US" sz="2400" b="1" dirty="0">
-                <a:solidFill>
-                  <a:srgbClr val="000080"/>
-                </a:solidFill>
-                <a:latin typeface="Consolas" panose="020B0609020204030204" pitchFamily="49" charset="0"/>
-                <a:cs typeface="Consolas" panose="020B0609020204030204" pitchFamily="49" charset="0"/>
-              </a:rPr>
-              <a:t>with</a:t>
-            </a:r>
-            <a:r>
-              <a:rPr lang="en-US" sz="2400" dirty="0">
-                <a:latin typeface="Consolas" panose="020B0609020204030204" pitchFamily="49" charset="0"/>
-                <a:cs typeface="Consolas" panose="020B0609020204030204" pitchFamily="49" charset="0"/>
-              </a:rPr>
-              <a:t> </a:t>
-            </a:r>
-            <a:r>
-              <a:rPr lang="en-US" sz="2400" dirty="0" err="1">
-                <a:latin typeface="Consolas" panose="020B0609020204030204" pitchFamily="49" charset="0"/>
-                <a:cs typeface="Consolas" panose="020B0609020204030204" pitchFamily="49" charset="0"/>
-              </a:rPr>
-              <a:t>tsensor.explain</a:t>
-            </a:r>
-            <a:r>
-              <a:rPr lang="en-US" sz="2400" dirty="0">
-                <a:latin typeface="Consolas" panose="020B0609020204030204" pitchFamily="49" charset="0"/>
-                <a:cs typeface="Consolas" panose="020B0609020204030204" pitchFamily="49" charset="0"/>
-              </a:rPr>
-              <a:t>():</a:t>
-            </a:r>
-            <a:br>
-              <a:rPr lang="en-US" sz="2400" dirty="0">
-                <a:latin typeface="Consolas" panose="020B0609020204030204" pitchFamily="49" charset="0"/>
-                <a:cs typeface="Consolas" panose="020B0609020204030204" pitchFamily="49" charset="0"/>
-              </a:rPr>
-            </a:br>
-            <a:r>
-              <a:rPr lang="en-US" sz="2400" dirty="0">
-                <a:latin typeface="Consolas" panose="020B0609020204030204" pitchFamily="49" charset="0"/>
-                <a:cs typeface="Consolas" panose="020B0609020204030204" pitchFamily="49" charset="0"/>
-              </a:rPr>
-              <a:t>    print("hi")</a:t>
-            </a:r>
-            <a:endParaRPr lang="en-US" sz="2400" dirty="0"/>
-          </a:p>
-        </p:txBody>
-      </p:sp>
-      <p:sp>
-        <p:nvSpPr>
-          <p:cNvPr id="5" name="TextBox 4">
-            <a:extLst>
-              <a:ext uri="{FF2B5EF4-FFF2-40B4-BE49-F238E27FC236}">
-                <a16:creationId xmlns:a16="http://schemas.microsoft.com/office/drawing/2014/main" id="{00927F5E-5CFE-F746-9673-ECCB3AD12C8F}"/>
-              </a:ext>
-            </a:extLst>
-          </p:cNvPr>
-          <p:cNvSpPr txBox="1"/>
-          <p:nvPr/>
-        </p:nvSpPr>
-        <p:spPr>
-          <a:xfrm>
-            <a:off x="0" y="6488668"/>
-            <a:ext cx="7258639" cy="307777"/>
-          </a:xfrm>
-          <a:prstGeom prst="rect">
-            <a:avLst/>
-          </a:prstGeom>
-          <a:noFill/>
-        </p:spPr>
-        <p:txBody>
-          <a:bodyPr wrap="square" rtlCol="0">
-            <a:spAutoFit/>
-          </a:bodyPr>
-          <a:lstStyle/>
-          <a:p>
-            <a:r>
-              <a:rPr lang="en-US" sz="1400" dirty="0"/>
-              <a:t>[1] </a:t>
-            </a:r>
-            <a:r>
-              <a:rPr lang="en-US" sz="1400" dirty="0">
-                <a:hlinkClick r:id="rId2"/>
-              </a:rPr>
-              <a:t>https://docs.python.org/3/library/sys.html#sys.settrace</a:t>
-            </a:r>
-            <a:endParaRPr lang="en-US" sz="1400" dirty="0"/>
-          </a:p>
-        </p:txBody>
-      </p:sp>
-    </p:spTree>
-    <p:extLst>
-      <p:ext uri="{BB962C8B-B14F-4D97-AF65-F5344CB8AC3E}">
-        <p14:creationId xmlns:p14="http://schemas.microsoft.com/office/powerpoint/2010/main" val="1839508605"/>
-      </p:ext>
-    </p:extLst>
-  </p:cSld>
-  <p:clrMapOvr>
-    <a:masterClrMapping/>
-  </p:clrMapOvr>
-</p:sld>
-</file>
-
-<file path=ppt/slides/slide21.xml><?xml version="1.0" encoding="utf-8"?>
-<p:sld xmlns:a="http://schemas.openxmlformats.org/drawingml/2006/main" xmlns:r="http://schemas.openxmlformats.org/officeDocument/2006/relationships" xmlns:p="http://schemas.openxmlformats.org/presentationml/2006/main">
-  <p:cSld>
-    <p:spTree>
-      <p:nvGrpSpPr>
-        <p:cNvPr id="1" name=""/>
-        <p:cNvGrpSpPr/>
-        <p:nvPr/>
-      </p:nvGrpSpPr>
-      <p:grpSpPr>
-        <a:xfrm>
-          <a:off x="0" y="0"/>
-          <a:ext cx="0" cy="0"/>
-          <a:chOff x="0" y="0"/>
-          <a:chExt cx="0" cy="0"/>
-        </a:xfrm>
-      </p:grpSpPr>
-      <p:sp>
-        <p:nvSpPr>
-          <p:cNvPr id="2" name="Title 1">
-            <a:extLst>
-              <a:ext uri="{FF2B5EF4-FFF2-40B4-BE49-F238E27FC236}">
                 <a16:creationId xmlns:a16="http://schemas.microsoft.com/office/drawing/2014/main" id="{BD1AD132-44A6-764D-B524-D3159947C592}"/>
               </a:ext>
             </a:extLst>
@@ -8147,7 +9111,7 @@
 </p:sld>
 </file>
 
-<file path=ppt/slides/slide22.xml><?xml version="1.0" encoding="utf-8"?>
+<file path=ppt/slides/slide25.xml><?xml version="1.0" encoding="utf-8"?>
 <p:sld xmlns:a="http://schemas.openxmlformats.org/drawingml/2006/main" xmlns:r="http://schemas.openxmlformats.org/officeDocument/2006/relationships" xmlns:p="http://schemas.openxmlformats.org/presentationml/2006/main">
   <p:cSld>
     <p:spTree>
@@ -8335,7 +9299,7 @@
           <p:cNvPr id="2" name="Title 1">
             <a:extLst>
               <a:ext uri="{FF2B5EF4-FFF2-40B4-BE49-F238E27FC236}">
-                <a16:creationId xmlns:a16="http://schemas.microsoft.com/office/drawing/2014/main" id="{B2880514-D98A-3E4F-9079-AFFCE297BE21}"/>
+                <a16:creationId xmlns:a16="http://schemas.microsoft.com/office/drawing/2014/main" id="{EE2209B4-E162-6F4A-BB1F-9F13BC0E0037}"/>
               </a:ext>
             </a:extLst>
           </p:cNvPr>
@@ -8346,29 +9310,24 @@
             <p:ph type="title"/>
           </p:nvPr>
         </p:nvSpPr>
-        <p:spPr>
-          <a:xfrm>
-            <a:off x="838200" y="365126"/>
-            <a:ext cx="10515600" cy="1036292"/>
-          </a:xfrm>
-        </p:spPr>
+        <p:spPr/>
         <p:txBody>
           <a:bodyPr/>
           <a:lstStyle/>
           <a:p>
             <a:r>
               <a:rPr lang="en-US" dirty="0"/>
-              <a:t>Current programmer aids are weak</a:t>
-            </a:r>
-          </a:p>
-        </p:txBody>
-      </p:sp>
-      <p:sp>
-        <p:nvSpPr>
-          <p:cNvPr id="3" name="Content Placeholder 2">
-            <a:extLst>
-              <a:ext uri="{FF2B5EF4-FFF2-40B4-BE49-F238E27FC236}">
-                <a16:creationId xmlns:a16="http://schemas.microsoft.com/office/drawing/2014/main" id="{06B60634-1AE0-B648-AF40-9AABCB0EAE7B}"/>
+              <a:t>The problem</a:t>
+            </a:r>
+          </a:p>
+        </p:txBody>
+      </p:sp>
+      <p:sp>
+        <p:nvSpPr>
+          <p:cNvPr id="7" name="Content Placeholder 6">
+            <a:extLst>
+              <a:ext uri="{FF2B5EF4-FFF2-40B4-BE49-F238E27FC236}">
+                <a16:creationId xmlns:a16="http://schemas.microsoft.com/office/drawing/2014/main" id="{D9E81DA5-11F8-F84C-AF14-F859B3F7ECFD}"/>
               </a:ext>
             </a:extLst>
           </p:cNvPr>
@@ -8379,32 +9338,47 @@
             <p:ph idx="1"/>
           </p:nvPr>
         </p:nvSpPr>
-        <p:spPr>
-          <a:xfrm>
-            <a:off x="838200" y="1401417"/>
-            <a:ext cx="10515600" cy="4775546"/>
-          </a:xfrm>
-        </p:spPr>
+        <p:spPr/>
         <p:txBody>
           <a:bodyPr/>
           <a:lstStyle/>
           <a:p>
             <a:r>
               <a:rPr lang="en-US" dirty="0"/>
-              <a:t>It's easy to lose track of matrix/tensor dimensionality in even simple expressions (even in statically-typed languages)</a:t>
-            </a:r>
-          </a:p>
-          <a:p>
-            <a:r>
-              <a:rPr lang="en-US" dirty="0"/>
-              <a:t>Upon error, we often get less than helpful exception messages</a:t>
-            </a:r>
-          </a:p>
-          <a:p>
-            <a:r>
-              <a:rPr lang="en-US" dirty="0"/>
-              <a:t>E.g., here's a sample NumPy message:</a:t>
-            </a:r>
+              <a:t>It's easy to lose track of matrix/tensor dimensionality in matrix algebra expressions (even in statically-typed languages)</a:t>
+            </a:r>
+          </a:p>
+          <a:p>
+            <a:r>
+              <a:rPr lang="en-US" dirty="0"/>
+              <a:t>Upon error, we often get less than helpful exception messages, such as this </a:t>
+            </a:r>
+            <a:r>
+              <a:rPr lang="en-US" dirty="0" err="1"/>
+              <a:t>PyTorch</a:t>
+            </a:r>
+            <a:r>
+              <a:rPr lang="en-US" dirty="0"/>
+              <a:t> message:</a:t>
+            </a:r>
+          </a:p>
+          <a:p>
+            <a:endParaRPr lang="en-US" dirty="0"/>
+          </a:p>
+          <a:p>
+            <a:endParaRPr lang="en-US" dirty="0"/>
+          </a:p>
+          <a:p>
+            <a:endParaRPr lang="en-US" dirty="0"/>
+          </a:p>
+          <a:p>
+            <a:r>
+              <a:rPr lang="en-US" dirty="0"/>
+              <a:t>The offending operator and operands are not clear</a:t>
+            </a:r>
+          </a:p>
+          <a:p>
+            <a:endParaRPr lang="en-US" dirty="0"/>
           </a:p>
           <a:p>
             <a:endParaRPr lang="en-US" dirty="0"/>
@@ -8413,10 +9387,10 @@
       </p:sp>
       <p:pic>
         <p:nvPicPr>
-          <p:cNvPr id="5" name="Picture 4">
-            <a:extLst>
-              <a:ext uri="{FF2B5EF4-FFF2-40B4-BE49-F238E27FC236}">
-                <a16:creationId xmlns:a16="http://schemas.microsoft.com/office/drawing/2014/main" id="{D4D9FB6D-05CB-704F-B08F-AC5234F99E9E}"/>
+          <p:cNvPr id="8" name="Content Placeholder 4">
+            <a:extLst>
+              <a:ext uri="{FF2B5EF4-FFF2-40B4-BE49-F238E27FC236}">
+                <a16:creationId xmlns:a16="http://schemas.microsoft.com/office/drawing/2014/main" id="{A8252864-C658-CF4B-B4AA-5816A030DDC4}"/>
               </a:ext>
             </a:extLst>
           </p:cNvPr>
@@ -8433,62 +9407,18 @@
         </p:blipFill>
         <p:spPr>
           <a:xfrm>
-            <a:off x="1691380" y="3586163"/>
-            <a:ext cx="7340600" cy="2590800"/>
+            <a:off x="808856" y="3785394"/>
+            <a:ext cx="10544944" cy="915814"/>
           </a:xfrm>
           <a:prstGeom prst="rect">
             <a:avLst/>
           </a:prstGeom>
         </p:spPr>
       </p:pic>
-      <p:sp>
-        <p:nvSpPr>
-          <p:cNvPr id="6" name="TextBox 5">
-            <a:extLst>
-              <a:ext uri="{FF2B5EF4-FFF2-40B4-BE49-F238E27FC236}">
-                <a16:creationId xmlns:a16="http://schemas.microsoft.com/office/drawing/2014/main" id="{8436D1D9-357E-4F4E-85B6-52AB2A14B629}"/>
-              </a:ext>
-            </a:extLst>
-          </p:cNvPr>
-          <p:cNvSpPr txBox="1"/>
-          <p:nvPr/>
-        </p:nvSpPr>
-        <p:spPr>
-          <a:xfrm>
-            <a:off x="9288811" y="4328242"/>
-            <a:ext cx="2064989" cy="1015663"/>
-          </a:xfrm>
-          <a:prstGeom prst="rect">
-            <a:avLst/>
-          </a:prstGeom>
-          <a:noFill/>
-        </p:spPr>
-        <p:txBody>
-          <a:bodyPr wrap="none" rtlCol="0">
-            <a:spAutoFit/>
-          </a:bodyPr>
-          <a:lstStyle/>
-          <a:p>
-            <a:r>
-              <a:rPr lang="en-US" sz="2000" i="1" dirty="0"/>
-              <a:t>Which operator?</a:t>
-            </a:r>
-          </a:p>
-          <a:p>
-            <a:endParaRPr lang="en-US" sz="2000" i="1" dirty="0"/>
-          </a:p>
-          <a:p>
-            <a:r>
-              <a:rPr lang="en-US" sz="2000" i="1" dirty="0"/>
-              <a:t>Which operand?</a:t>
-            </a:r>
-          </a:p>
-        </p:txBody>
-      </p:sp>
     </p:spTree>
     <p:extLst>
       <p:ext uri="{BB962C8B-B14F-4D97-AF65-F5344CB8AC3E}">
-        <p14:creationId xmlns:p14="http://schemas.microsoft.com/office/powerpoint/2010/main" val="3110574489"/>
+        <p14:creationId xmlns:p14="http://schemas.microsoft.com/office/powerpoint/2010/main" val="1865253501"/>
       </p:ext>
     </p:extLst>
   </p:cSld>
@@ -8520,7 +9450,7 @@
           <p:cNvPr id="2" name="Title 1">
             <a:extLst>
               <a:ext uri="{FF2B5EF4-FFF2-40B4-BE49-F238E27FC236}">
-                <a16:creationId xmlns:a16="http://schemas.microsoft.com/office/drawing/2014/main" id="{7642CDE2-8B6C-6346-B9A6-E3346FE4E24C}"/>
+                <a16:creationId xmlns:a16="http://schemas.microsoft.com/office/drawing/2014/main" id="{8A5A68E7-ACD4-B347-964C-F4FDE235CF62}"/>
               </a:ext>
             </a:extLst>
           </p:cNvPr>
@@ -8538,7 +9468,7 @@
           <a:p>
             <a:r>
               <a:rPr lang="en-US" dirty="0"/>
-              <a:t>We could rerun using the debugger but…</a:t>
+              <a:t>Current solution(s)</a:t>
             </a:r>
           </a:p>
         </p:txBody>
@@ -8548,7 +9478,7 @@
           <p:cNvPr id="3" name="Content Placeholder 2">
             <a:extLst>
               <a:ext uri="{FF2B5EF4-FFF2-40B4-BE49-F238E27FC236}">
-                <a16:creationId xmlns:a16="http://schemas.microsoft.com/office/drawing/2014/main" id="{3FDDB2C1-19DD-414C-9CDB-8EDFE922BD47}"/>
+                <a16:creationId xmlns:a16="http://schemas.microsoft.com/office/drawing/2014/main" id="{49581E2A-E4E3-664D-AF72-BB2245AADC83}"/>
               </a:ext>
             </a:extLst>
           </p:cNvPr>
@@ -8564,48 +9494,14 @@
           <a:bodyPr/>
           <a:lstStyle/>
           <a:p>
-            <a:r>
-              <a:rPr lang="en-US" dirty="0"/>
-              <a:t>Python debuggers seem much slower than normal execution</a:t>
-            </a:r>
-          </a:p>
-          <a:p>
-            <a:r>
-              <a:rPr lang="en-US" dirty="0"/>
-              <a:t>Even regular execution could take hours before faulting</a:t>
-            </a:r>
-          </a:p>
-          <a:p>
-            <a:r>
-              <a:rPr lang="en-US" dirty="0"/>
-              <a:t>Sometimes it's hard to set a breakpoint on the right statement when it's in a loop</a:t>
-            </a:r>
-          </a:p>
-          <a:p>
-            <a:r>
-              <a:rPr lang="en-US" dirty="0"/>
-              <a:t>Conditional breakpoints are challenging when the values are high-dimension matrices</a:t>
-            </a:r>
-          </a:p>
-          <a:p>
-            <a:r>
-              <a:rPr lang="en-US" dirty="0"/>
-              <a:t>Debugger does not tell us which subexpression caused an exception, due to line-level granularity Python</a:t>
-            </a:r>
-            <a:br>
-              <a:rPr lang="en-US" dirty="0"/>
-            </a:br>
-            <a:r>
-              <a:rPr lang="en-US" dirty="0"/>
-              <a:t>(Must write down shape of all operands and lineup dimensions)</a:t>
-            </a:r>
+            <a:endParaRPr lang="en-US" dirty="0"/>
           </a:p>
         </p:txBody>
       </p:sp>
     </p:spTree>
     <p:extLst>
       <p:ext uri="{BB962C8B-B14F-4D97-AF65-F5344CB8AC3E}">
-        <p14:creationId xmlns:p14="http://schemas.microsoft.com/office/powerpoint/2010/main" val="2897700229"/>
+        <p14:creationId xmlns:p14="http://schemas.microsoft.com/office/powerpoint/2010/main" val="2513423343"/>
       </p:ext>
     </p:extLst>
   </p:cSld>
@@ -8637,7 +9533,7 @@
           <p:cNvPr id="2" name="Title 1">
             <a:extLst>
               <a:ext uri="{FF2B5EF4-FFF2-40B4-BE49-F238E27FC236}">
-                <a16:creationId xmlns:a16="http://schemas.microsoft.com/office/drawing/2014/main" id="{9B24DD6E-ECEF-5549-A412-0E23470C342B}"/>
+                <a16:creationId xmlns:a16="http://schemas.microsoft.com/office/drawing/2014/main" id="{EF4C368D-B99D-D14A-B23D-A67B65AF6C9A}"/>
               </a:ext>
             </a:extLst>
           </p:cNvPr>
@@ -8650,436 +9546,52 @@
         </p:nvSpPr>
         <p:spPr/>
         <p:txBody>
-          <a:bodyPr>
-            <a:normAutofit/>
-          </a:bodyPr>
-          <a:lstStyle/>
-          <a:p>
-            <a:r>
-              <a:rPr lang="en-US" dirty="0"/>
-              <a:t>Clarifying errors</a:t>
-            </a:r>
-            <a:br>
-              <a:rPr lang="en-US" dirty="0"/>
-            </a:br>
-            <a:r>
-              <a:rPr lang="en-US" dirty="0"/>
-              <a:t>visually &amp; textually</a:t>
-            </a:r>
-          </a:p>
-        </p:txBody>
-      </p:sp>
-      <p:pic>
-        <p:nvPicPr>
-          <p:cNvPr id="5" name="Picture 4">
-            <a:extLst>
-              <a:ext uri="{FF2B5EF4-FFF2-40B4-BE49-F238E27FC236}">
-                <a16:creationId xmlns:a16="http://schemas.microsoft.com/office/drawing/2014/main" id="{76E7EF07-5536-B847-A3F4-85DD7161A5A6}"/>
-              </a:ext>
-            </a:extLst>
-          </p:cNvPr>
-          <p:cNvPicPr>
-            <a:picLocks noChangeAspect="1"/>
-          </p:cNvPicPr>
-          <p:nvPr/>
-        </p:nvPicPr>
-        <p:blipFill>
-          <a:blip r:embed="rId2"/>
-          <a:stretch>
-            <a:fillRect/>
-          </a:stretch>
-        </p:blipFill>
-        <p:spPr>
-          <a:xfrm>
-            <a:off x="696247" y="2676746"/>
-            <a:ext cx="4626665" cy="2055193"/>
-          </a:xfrm>
-          <a:prstGeom prst="rect">
-            <a:avLst/>
-          </a:prstGeom>
-        </p:spPr>
-      </p:pic>
-      <p:pic>
-        <p:nvPicPr>
-          <p:cNvPr id="7" name="Picture 6">
-            <a:extLst>
-              <a:ext uri="{FF2B5EF4-FFF2-40B4-BE49-F238E27FC236}">
-                <a16:creationId xmlns:a16="http://schemas.microsoft.com/office/drawing/2014/main" id="{E9A50E6B-4659-2049-A19B-0DF81CB120D5}"/>
-              </a:ext>
-            </a:extLst>
-          </p:cNvPr>
-          <p:cNvPicPr>
-            <a:picLocks noChangeAspect="1"/>
-          </p:cNvPicPr>
-          <p:nvPr/>
-        </p:nvPicPr>
-        <p:blipFill>
-          <a:blip r:embed="rId3"/>
-          <a:stretch>
-            <a:fillRect/>
-          </a:stretch>
-        </p:blipFill>
-        <p:spPr>
-          <a:xfrm>
-            <a:off x="5925931" y="681037"/>
-            <a:ext cx="6045200" cy="5384800"/>
-          </a:xfrm>
-          <a:prstGeom prst="rect">
-            <a:avLst/>
-          </a:prstGeom>
-        </p:spPr>
-      </p:pic>
-      <p:sp>
-        <p:nvSpPr>
-          <p:cNvPr id="8" name="Rectangle 7">
-            <a:extLst>
-              <a:ext uri="{FF2B5EF4-FFF2-40B4-BE49-F238E27FC236}">
-                <a16:creationId xmlns:a16="http://schemas.microsoft.com/office/drawing/2014/main" id="{D3159D01-63B7-7E4D-AE7E-C267F70BB539}"/>
-              </a:ext>
-            </a:extLst>
-          </p:cNvPr>
-          <p:cNvSpPr/>
-          <p:nvPr/>
-        </p:nvSpPr>
-        <p:spPr>
-          <a:xfrm>
-            <a:off x="27057" y="6426625"/>
-            <a:ext cx="4762842" cy="369332"/>
-          </a:xfrm>
-          <a:prstGeom prst="rect">
-            <a:avLst/>
-          </a:prstGeom>
-        </p:spPr>
-        <p:txBody>
-          <a:bodyPr wrap="none">
-            <a:spAutoFit/>
-          </a:bodyPr>
-          <a:lstStyle/>
-          <a:p>
-            <a:r>
-              <a:rPr lang="en-US" dirty="0">
-                <a:hlinkClick r:id="rId4"/>
-              </a:rPr>
-              <a:t>https://explained.ai/tensor-sensor/index.html</a:t>
-            </a:r>
-            <a:r>
-              <a:rPr lang="en-US" dirty="0"/>
-              <a:t> </a:t>
-            </a:r>
-          </a:p>
-        </p:txBody>
-      </p:sp>
-      <p:sp>
-        <p:nvSpPr>
-          <p:cNvPr id="10" name="Right Arrow 9">
-            <a:extLst>
-              <a:ext uri="{FF2B5EF4-FFF2-40B4-BE49-F238E27FC236}">
-                <a16:creationId xmlns:a16="http://schemas.microsoft.com/office/drawing/2014/main" id="{8B12D685-6B1A-604C-B2EA-FB6EE4739ACE}"/>
-              </a:ext>
-            </a:extLst>
-          </p:cNvPr>
-          <p:cNvSpPr/>
-          <p:nvPr/>
-        </p:nvSpPr>
-        <p:spPr>
-          <a:xfrm rot="1748416">
-            <a:off x="4773217" y="4414309"/>
-            <a:ext cx="1218510" cy="484632"/>
-          </a:xfrm>
-          <a:prstGeom prst="rightArrow">
-            <a:avLst/>
-          </a:prstGeom>
-          <a:solidFill>
-            <a:schemeClr val="accent1">
-              <a:lumMod val="60000"/>
-              <a:lumOff val="40000"/>
-            </a:schemeClr>
-          </a:solidFill>
-        </p:spPr>
-        <p:style>
-          <a:lnRef idx="2">
-            <a:schemeClr val="accent1">
-              <a:shade val="50000"/>
-            </a:schemeClr>
-          </a:lnRef>
-          <a:fillRef idx="1">
-            <a:schemeClr val="accent1"/>
-          </a:fillRef>
-          <a:effectRef idx="0">
-            <a:schemeClr val="accent1"/>
-          </a:effectRef>
-          <a:fontRef idx="minor">
-            <a:schemeClr val="lt1"/>
-          </a:fontRef>
-        </p:style>
-        <p:txBody>
-          <a:bodyPr rtlCol="0" anchor="ctr"/>
-          <a:lstStyle/>
-          <a:p>
-            <a:pPr algn="ctr"/>
-            <a:endParaRPr lang="en-US"/>
-          </a:p>
-        </p:txBody>
-      </p:sp>
-      <p:sp>
-        <p:nvSpPr>
-          <p:cNvPr id="11" name="Right Arrow 10">
-            <a:extLst>
-              <a:ext uri="{FF2B5EF4-FFF2-40B4-BE49-F238E27FC236}">
-                <a16:creationId xmlns:a16="http://schemas.microsoft.com/office/drawing/2014/main" id="{3D4CC8C8-A56F-0646-BBEA-F7E29FDA4EF9}"/>
-              </a:ext>
-            </a:extLst>
-          </p:cNvPr>
-          <p:cNvSpPr/>
-          <p:nvPr/>
-        </p:nvSpPr>
-        <p:spPr>
-          <a:xfrm rot="21344001">
-            <a:off x="3775995" y="2521964"/>
-            <a:ext cx="2217199" cy="484632"/>
-          </a:xfrm>
-          <a:prstGeom prst="rightArrow">
-            <a:avLst>
-              <a:gd name="adj1" fmla="val 53831"/>
-              <a:gd name="adj2" fmla="val 50000"/>
-            </a:avLst>
-          </a:prstGeom>
-          <a:solidFill>
-            <a:schemeClr val="accent1">
-              <a:lumMod val="60000"/>
-              <a:lumOff val="40000"/>
-            </a:schemeClr>
-          </a:solidFill>
-        </p:spPr>
-        <p:style>
-          <a:lnRef idx="2">
-            <a:schemeClr val="accent1">
-              <a:shade val="50000"/>
-            </a:schemeClr>
-          </a:lnRef>
-          <a:fillRef idx="1">
-            <a:schemeClr val="accent1"/>
-          </a:fillRef>
-          <a:effectRef idx="0">
-            <a:schemeClr val="accent1"/>
-          </a:effectRef>
-          <a:fontRef idx="minor">
-            <a:schemeClr val="lt1"/>
-          </a:fontRef>
-        </p:style>
-        <p:txBody>
-          <a:bodyPr rtlCol="0" anchor="ctr"/>
-          <a:lstStyle/>
-          <a:p>
-            <a:pPr algn="ctr"/>
-            <a:endParaRPr lang="en-US"/>
-          </a:p>
-        </p:txBody>
-      </p:sp>
-      <p:sp>
-        <p:nvSpPr>
-          <p:cNvPr id="13" name="Rectangle 12">
-            <a:extLst>
-              <a:ext uri="{FF2B5EF4-FFF2-40B4-BE49-F238E27FC236}">
-                <a16:creationId xmlns:a16="http://schemas.microsoft.com/office/drawing/2014/main" id="{8AA699DF-84B8-3541-97E5-7CBAE02B9D22}"/>
-              </a:ext>
-            </a:extLst>
-          </p:cNvPr>
-          <p:cNvSpPr/>
-          <p:nvPr/>
-        </p:nvSpPr>
-        <p:spPr>
-          <a:xfrm>
-            <a:off x="10731596" y="121028"/>
-            <a:ext cx="1460404" cy="1569660"/>
-          </a:xfrm>
-          <a:prstGeom prst="rect">
-            <a:avLst/>
-          </a:prstGeom>
-        </p:spPr>
-        <p:txBody>
-          <a:bodyPr wrap="square">
-            <a:spAutoFit/>
-          </a:bodyPr>
-          <a:lstStyle/>
-          <a:p>
-            <a:r>
-              <a:rPr lang="en-US" sz="9600" dirty="0"/>
-              <a:t>🎉</a:t>
-            </a:r>
-          </a:p>
-        </p:txBody>
-      </p:sp>
-      <p:sp>
-        <p:nvSpPr>
-          <p:cNvPr id="14" name="TextBox 13">
-            <a:extLst>
-              <a:ext uri="{FF2B5EF4-FFF2-40B4-BE49-F238E27FC236}">
-                <a16:creationId xmlns:a16="http://schemas.microsoft.com/office/drawing/2014/main" id="{384F2669-F6F1-D647-8FDE-0D3E2D463C0D}"/>
-              </a:ext>
-            </a:extLst>
-          </p:cNvPr>
-          <p:cNvSpPr txBox="1"/>
-          <p:nvPr/>
-        </p:nvSpPr>
-        <p:spPr>
-          <a:xfrm>
-            <a:off x="-160890" y="1917083"/>
-            <a:ext cx="1415772" cy="1569660"/>
-          </a:xfrm>
-          <a:prstGeom prst="rect">
-            <a:avLst/>
-          </a:prstGeom>
-          <a:noFill/>
-        </p:spPr>
-        <p:txBody>
-          <a:bodyPr wrap="none" rtlCol="0">
-            <a:spAutoFit/>
-          </a:bodyPr>
-          <a:lstStyle/>
-          <a:p>
-            <a:r>
-              <a:rPr lang="en-US" sz="9600" dirty="0"/>
-              <a:t>😿</a:t>
-            </a:r>
-          </a:p>
-        </p:txBody>
-      </p:sp>
-      <p:sp>
-        <p:nvSpPr>
-          <p:cNvPr id="15" name="Rectangle 14">
-            <a:extLst>
-              <a:ext uri="{FF2B5EF4-FFF2-40B4-BE49-F238E27FC236}">
-                <a16:creationId xmlns:a16="http://schemas.microsoft.com/office/drawing/2014/main" id="{75F85CD5-F246-CD48-AD14-72EEA7F4824E}"/>
-              </a:ext>
-            </a:extLst>
-          </p:cNvPr>
-          <p:cNvSpPr/>
-          <p:nvPr/>
-        </p:nvSpPr>
-        <p:spPr>
-          <a:xfrm>
-            <a:off x="5970442" y="1096186"/>
-            <a:ext cx="3697666" cy="409229"/>
-          </a:xfrm>
-          <a:prstGeom prst="rect">
-            <a:avLst/>
-          </a:prstGeom>
-          <a:noFill/>
-          <a:ln w="19050">
-            <a:solidFill>
-              <a:srgbClr val="E4754F"/>
-            </a:solidFill>
-          </a:ln>
-        </p:spPr>
-        <p:style>
-          <a:lnRef idx="2">
-            <a:schemeClr val="accent1">
-              <a:shade val="50000"/>
-            </a:schemeClr>
-          </a:lnRef>
-          <a:fillRef idx="1">
-            <a:schemeClr val="accent1"/>
-          </a:fillRef>
-          <a:effectRef idx="0">
-            <a:schemeClr val="accent1"/>
-          </a:effectRef>
-          <a:fontRef idx="minor">
-            <a:schemeClr val="lt1"/>
-          </a:fontRef>
-        </p:style>
-        <p:txBody>
-          <a:bodyPr rtlCol="0" anchor="ctr"/>
-          <a:lstStyle/>
-          <a:p>
-            <a:pPr algn="ctr"/>
-            <a:endParaRPr lang="en-US"/>
-          </a:p>
-        </p:txBody>
-      </p:sp>
-      <p:sp>
-        <p:nvSpPr>
-          <p:cNvPr id="16" name="TextBox 15">
-            <a:extLst>
-              <a:ext uri="{FF2B5EF4-FFF2-40B4-BE49-F238E27FC236}">
-                <a16:creationId xmlns:a16="http://schemas.microsoft.com/office/drawing/2014/main" id="{B1DAB5FF-703B-2D46-816F-8884997C77F6}"/>
-              </a:ext>
-            </a:extLst>
-          </p:cNvPr>
-          <p:cNvSpPr txBox="1"/>
-          <p:nvPr/>
-        </p:nvSpPr>
-        <p:spPr>
-          <a:xfrm>
-            <a:off x="2673242" y="5130883"/>
-            <a:ext cx="3274525" cy="646331"/>
-          </a:xfrm>
-          <a:prstGeom prst="rect">
-            <a:avLst/>
-          </a:prstGeom>
-          <a:noFill/>
-        </p:spPr>
-        <p:txBody>
-          <a:bodyPr wrap="square" rtlCol="0">
-            <a:spAutoFit/>
-          </a:bodyPr>
-          <a:lstStyle/>
-          <a:p>
-            <a:pPr lvl="1" algn="r"/>
-            <a:r>
-              <a:rPr lang="en-US" dirty="0" err="1"/>
-              <a:t>TensorSensor</a:t>
-            </a:r>
-            <a:r>
-              <a:rPr lang="en-US" dirty="0"/>
-              <a:t> augments</a:t>
-            </a:r>
-          </a:p>
-          <a:p>
-            <a:pPr lvl="1" algn="r"/>
-            <a:r>
-              <a:rPr lang="en-US" dirty="0"/>
-              <a:t>exception messages</a:t>
-            </a:r>
-          </a:p>
-        </p:txBody>
-      </p:sp>
-      <p:sp>
-        <p:nvSpPr>
-          <p:cNvPr id="17" name="TextBox 16">
-            <a:extLst>
-              <a:ext uri="{FF2B5EF4-FFF2-40B4-BE49-F238E27FC236}">
-                <a16:creationId xmlns:a16="http://schemas.microsoft.com/office/drawing/2014/main" id="{E9D29132-28FE-354C-A4A1-AA8A348A6A8C}"/>
-              </a:ext>
-            </a:extLst>
-          </p:cNvPr>
-          <p:cNvSpPr txBox="1"/>
-          <p:nvPr/>
-        </p:nvSpPr>
-        <p:spPr>
-          <a:xfrm>
-            <a:off x="8807040" y="2105837"/>
-            <a:ext cx="3274525" cy="1200329"/>
-          </a:xfrm>
-          <a:prstGeom prst="rect">
-            <a:avLst/>
-          </a:prstGeom>
-          <a:noFill/>
-        </p:spPr>
-        <p:txBody>
-          <a:bodyPr wrap="square" rtlCol="0">
-            <a:spAutoFit/>
-          </a:bodyPr>
-          <a:lstStyle/>
-          <a:p>
-            <a:pPr lvl="1"/>
-            <a:r>
-              <a:rPr lang="en-US" dirty="0" err="1"/>
-              <a:t>TensorSensor</a:t>
-            </a:r>
-            <a:r>
-              <a:rPr lang="en-US" dirty="0"/>
-              <a:t> generates visual cues to matrix dimensions and offending operator / operands</a:t>
+          <a:bodyPr/>
+          <a:lstStyle/>
+          <a:p>
+            <a:r>
+              <a:rPr lang="en-US" dirty="0"/>
+              <a:t>Problems</a:t>
+            </a:r>
+          </a:p>
+        </p:txBody>
+      </p:sp>
+      <p:sp>
+        <p:nvSpPr>
+          <p:cNvPr id="3" name="Content Placeholder 2">
+            <a:extLst>
+              <a:ext uri="{FF2B5EF4-FFF2-40B4-BE49-F238E27FC236}">
+                <a16:creationId xmlns:a16="http://schemas.microsoft.com/office/drawing/2014/main" id="{6D2DFF5B-A91F-F940-AAEF-430917D3D635}"/>
+              </a:ext>
+            </a:extLst>
+          </p:cNvPr>
+          <p:cNvSpPr>
+            <a:spLocks noGrp="1"/>
+          </p:cNvSpPr>
+          <p:nvPr>
+            <p:ph idx="1"/>
+          </p:nvPr>
+        </p:nvSpPr>
+        <p:spPr/>
+        <p:txBody>
+          <a:bodyPr/>
+          <a:lstStyle/>
+          <a:p>
+            <a:r>
+              <a:rPr lang="en-US" dirty="0"/>
+              <a:t>cannot easily reference Python variable names in error messages</a:t>
+            </a:r>
+          </a:p>
+          <a:p>
+            <a:r>
+              <a:rPr lang="en-US" dirty="0"/>
+              <a:t>Python exceptions also occur at the line level rather than the operator level so error messages cannot identify offending subexpressions within complicated matrix algebra statements</a:t>
+            </a:r>
+          </a:p>
+          <a:p>
+            <a:r>
+              <a:rPr lang="en-US" dirty="0"/>
+              <a:t>What’s the best programmer interface?</a:t>
             </a:r>
           </a:p>
         </p:txBody>
@@ -9087,7 +9599,7 @@
     </p:spTree>
     <p:extLst>
       <p:ext uri="{BB962C8B-B14F-4D97-AF65-F5344CB8AC3E}">
-        <p14:creationId xmlns:p14="http://schemas.microsoft.com/office/powerpoint/2010/main" val="3451222615"/>
+        <p14:creationId xmlns:p14="http://schemas.microsoft.com/office/powerpoint/2010/main" val="2772349986"/>
       </p:ext>
     </p:extLst>
   </p:cSld>
@@ -9119,7 +9631,7 @@
           <p:cNvPr id="2" name="Title 1">
             <a:extLst>
               <a:ext uri="{FF2B5EF4-FFF2-40B4-BE49-F238E27FC236}">
-                <a16:creationId xmlns:a16="http://schemas.microsoft.com/office/drawing/2014/main" id="{77C84AC9-6D68-B847-8432-35493E969DEB}"/>
+                <a16:creationId xmlns:a16="http://schemas.microsoft.com/office/drawing/2014/main" id="{B2880514-D98A-3E4F-9079-AFFCE297BE21}"/>
               </a:ext>
             </a:extLst>
           </p:cNvPr>
@@ -9130,24 +9642,77 @@
             <p:ph type="title"/>
           </p:nvPr>
         </p:nvSpPr>
-        <p:spPr/>
+        <p:spPr>
+          <a:xfrm>
+            <a:off x="838200" y="365126"/>
+            <a:ext cx="10515600" cy="1036292"/>
+          </a:xfrm>
+        </p:spPr>
         <p:txBody>
           <a:bodyPr/>
           <a:lstStyle/>
           <a:p>
             <a:r>
               <a:rPr lang="en-US" dirty="0"/>
-              <a:t>Requirement: support multiple libraries</a:t>
-            </a:r>
+              <a:t>Current programmer aids are weak</a:t>
+            </a:r>
+          </a:p>
+        </p:txBody>
+      </p:sp>
+      <p:sp>
+        <p:nvSpPr>
+          <p:cNvPr id="3" name="Content Placeholder 2">
+            <a:extLst>
+              <a:ext uri="{FF2B5EF4-FFF2-40B4-BE49-F238E27FC236}">
+                <a16:creationId xmlns:a16="http://schemas.microsoft.com/office/drawing/2014/main" id="{06B60634-1AE0-B648-AF40-9AABCB0EAE7B}"/>
+              </a:ext>
+            </a:extLst>
+          </p:cNvPr>
+          <p:cNvSpPr>
+            <a:spLocks noGrp="1"/>
+          </p:cNvSpPr>
+          <p:nvPr>
+            <p:ph idx="1"/>
+          </p:nvPr>
+        </p:nvSpPr>
+        <p:spPr>
+          <a:xfrm>
+            <a:off x="838200" y="1401417"/>
+            <a:ext cx="10515600" cy="4775546"/>
+          </a:xfrm>
+        </p:spPr>
+        <p:txBody>
+          <a:bodyPr/>
+          <a:lstStyle/>
+          <a:p>
+            <a:r>
+              <a:rPr lang="en-US" dirty="0"/>
+              <a:t>It's easy to lose track of matrix/tensor dimensionality in even simple expressions (even in statically-typed languages)</a:t>
+            </a:r>
+          </a:p>
+          <a:p>
+            <a:r>
+              <a:rPr lang="en-US" dirty="0"/>
+              <a:t>Upon error, we often get less than helpful exception messages</a:t>
+            </a:r>
+          </a:p>
+          <a:p>
+            <a:r>
+              <a:rPr lang="en-US" dirty="0"/>
+              <a:t>E.g., here's a sample NumPy message:</a:t>
+            </a:r>
+          </a:p>
+          <a:p>
+            <a:endParaRPr lang="en-US" dirty="0"/>
           </a:p>
         </p:txBody>
       </p:sp>
       <p:pic>
         <p:nvPicPr>
-          <p:cNvPr id="7" name="Picture 6">
-            <a:extLst>
-              <a:ext uri="{FF2B5EF4-FFF2-40B4-BE49-F238E27FC236}">
-                <a16:creationId xmlns:a16="http://schemas.microsoft.com/office/drawing/2014/main" id="{7747BABE-7A01-F341-8455-592CFA5A9D97}"/>
+          <p:cNvPr id="5" name="Picture 4">
+            <a:extLst>
+              <a:ext uri="{FF2B5EF4-FFF2-40B4-BE49-F238E27FC236}">
+                <a16:creationId xmlns:a16="http://schemas.microsoft.com/office/drawing/2014/main" id="{D4D9FB6D-05CB-704F-B08F-AC5234F99E9E}"/>
               </a:ext>
             </a:extLst>
           </p:cNvPr>
@@ -9164,79 +9729,20 @@
         </p:blipFill>
         <p:spPr>
           <a:xfrm>
-            <a:off x="355111" y="4170557"/>
-            <a:ext cx="5924464" cy="2071416"/>
+            <a:off x="1691380" y="3586163"/>
+            <a:ext cx="7340600" cy="2590800"/>
           </a:xfrm>
           <a:prstGeom prst="rect">
             <a:avLst/>
           </a:prstGeom>
         </p:spPr>
       </p:pic>
-      <p:pic>
-        <p:nvPicPr>
-          <p:cNvPr id="9" name="Picture 8">
-            <a:extLst>
-              <a:ext uri="{FF2B5EF4-FFF2-40B4-BE49-F238E27FC236}">
-                <a16:creationId xmlns:a16="http://schemas.microsoft.com/office/drawing/2014/main" id="{208FAAC5-76ED-994C-9D2D-B0132110E894}"/>
-              </a:ext>
-            </a:extLst>
-          </p:cNvPr>
-          <p:cNvPicPr>
-            <a:picLocks noChangeAspect="1"/>
-          </p:cNvPicPr>
-          <p:nvPr/>
-        </p:nvPicPr>
-        <p:blipFill>
-          <a:blip r:embed="rId3"/>
-          <a:stretch>
-            <a:fillRect/>
-          </a:stretch>
-        </p:blipFill>
-        <p:spPr>
-          <a:xfrm>
-            <a:off x="355111" y="1780884"/>
-            <a:ext cx="5837086" cy="2311613"/>
-          </a:xfrm>
-          <a:prstGeom prst="rect">
-            <a:avLst/>
-          </a:prstGeom>
-        </p:spPr>
-      </p:pic>
-      <p:pic>
-        <p:nvPicPr>
-          <p:cNvPr id="5" name="Content Placeholder 4">
-            <a:extLst>
-              <a:ext uri="{FF2B5EF4-FFF2-40B4-BE49-F238E27FC236}">
-                <a16:creationId xmlns:a16="http://schemas.microsoft.com/office/drawing/2014/main" id="{B6F23A89-C5A6-BB4E-85E5-1548EF9C3C36}"/>
-              </a:ext>
-            </a:extLst>
-          </p:cNvPr>
-          <p:cNvPicPr>
-            <a:picLocks noGrp="1" noChangeAspect="1"/>
-          </p:cNvPicPr>
-          <p:nvPr>
-            <p:ph idx="1"/>
-          </p:nvPr>
-        </p:nvPicPr>
-        <p:blipFill>
-          <a:blip r:embed="rId4"/>
-          <a:stretch>
-            <a:fillRect/>
-          </a:stretch>
-        </p:blipFill>
-        <p:spPr>
-          <a:xfrm>
-            <a:off x="5302665" y="1479938"/>
-            <a:ext cx="6775964" cy="4351338"/>
-          </a:xfrm>
-        </p:spPr>
-      </p:pic>
-      <p:sp>
-        <p:nvSpPr>
-          <p:cNvPr id="10" name="TextBox 9">
-            <a:extLst>
-              <a:ext uri="{FF2B5EF4-FFF2-40B4-BE49-F238E27FC236}">
-                <a16:creationId xmlns:a16="http://schemas.microsoft.com/office/drawing/2014/main" id="{A42E60A5-D452-ED43-BC7D-591A77D1B969}"/>
+      <p:sp>
+        <p:nvSpPr>
+          <p:cNvPr id="6" name="TextBox 5">
+            <a:extLst>
+              <a:ext uri="{FF2B5EF4-FFF2-40B4-BE49-F238E27FC236}">
+                <a16:creationId xmlns:a16="http://schemas.microsoft.com/office/drawing/2014/main" id="{8436D1D9-357E-4F4E-85B6-52AB2A14B629}"/>
               </a:ext>
             </a:extLst>
           </p:cNvPr>
@@ -9245,8 +9751,8 @@
         </p:nvSpPr>
         <p:spPr>
           <a:xfrm>
-            <a:off x="3712730" y="4092497"/>
-            <a:ext cx="655949" cy="400110"/>
+            <a:off x="9288811" y="4328242"/>
+            <a:ext cx="2064989" cy="1015663"/>
           </a:xfrm>
           <a:prstGeom prst="rect">
             <a:avLst/>
@@ -9260,129 +9766,25 @@
           <a:lstStyle/>
           <a:p>
             <a:r>
-              <a:rPr lang="en-US" sz="2000" dirty="0"/>
-              <a:t>JAX</a:t>
-            </a:r>
-          </a:p>
-        </p:txBody>
-      </p:sp>
-      <p:sp>
-        <p:nvSpPr>
-          <p:cNvPr id="11" name="TextBox 10">
-            <a:extLst>
-              <a:ext uri="{FF2B5EF4-FFF2-40B4-BE49-F238E27FC236}">
-                <a16:creationId xmlns:a16="http://schemas.microsoft.com/office/drawing/2014/main" id="{E2EA0D2B-CD69-5142-BA08-2CA47B87614F}"/>
-              </a:ext>
-            </a:extLst>
-          </p:cNvPr>
-          <p:cNvSpPr txBox="1"/>
-          <p:nvPr/>
-        </p:nvSpPr>
-        <p:spPr>
-          <a:xfrm>
-            <a:off x="3484878" y="2143076"/>
-            <a:ext cx="1111651" cy="400110"/>
-          </a:xfrm>
-          <a:prstGeom prst="rect">
-            <a:avLst/>
-          </a:prstGeom>
-          <a:noFill/>
-        </p:spPr>
-        <p:txBody>
-          <a:bodyPr wrap="none" rtlCol="0">
-            <a:spAutoFit/>
-          </a:bodyPr>
-          <a:lstStyle/>
-          <a:p>
-            <a:r>
-              <a:rPr lang="en-US" sz="2000" dirty="0" err="1"/>
-              <a:t>PyTorch</a:t>
-            </a:r>
-            <a:endParaRPr lang="en-US" sz="2000" dirty="0"/>
-          </a:p>
-        </p:txBody>
-      </p:sp>
-      <p:sp>
-        <p:nvSpPr>
-          <p:cNvPr id="12" name="TextBox 11">
-            <a:extLst>
-              <a:ext uri="{FF2B5EF4-FFF2-40B4-BE49-F238E27FC236}">
-                <a16:creationId xmlns:a16="http://schemas.microsoft.com/office/drawing/2014/main" id="{ABD11DCF-9AEF-3747-BC6D-5988187F63AB}"/>
-              </a:ext>
-            </a:extLst>
-          </p:cNvPr>
-          <p:cNvSpPr txBox="1"/>
-          <p:nvPr/>
-        </p:nvSpPr>
-        <p:spPr>
-          <a:xfrm>
-            <a:off x="2935240" y="1399416"/>
-            <a:ext cx="2282997" cy="338554"/>
-          </a:xfrm>
-          <a:prstGeom prst="rect">
-            <a:avLst/>
-          </a:prstGeom>
-          <a:noFill/>
-        </p:spPr>
-        <p:txBody>
-          <a:bodyPr wrap="none" rtlCol="0">
-            <a:spAutoFit/>
-          </a:bodyPr>
-          <a:lstStyle/>
-          <a:p>
-            <a:r>
-              <a:rPr lang="en-US" sz="1600" dirty="0"/>
-              <a:t>(1D vectors are yellow)</a:t>
-            </a:r>
-          </a:p>
-        </p:txBody>
-      </p:sp>
-      <p:cxnSp>
-        <p:nvCxnSpPr>
-          <p:cNvPr id="14" name="Straight Arrow Connector 13">
-            <a:extLst>
-              <a:ext uri="{FF2B5EF4-FFF2-40B4-BE49-F238E27FC236}">
-                <a16:creationId xmlns:a16="http://schemas.microsoft.com/office/drawing/2014/main" id="{42225EDD-FD6B-D04C-B2A5-A10FAADCAEEB}"/>
-              </a:ext>
-            </a:extLst>
-          </p:cNvPr>
-          <p:cNvCxnSpPr>
-            <a:cxnSpLocks/>
-            <a:stCxn id="12" idx="2"/>
-          </p:cNvCxnSpPr>
-          <p:nvPr/>
-        </p:nvCxnSpPr>
-        <p:spPr>
-          <a:xfrm flipH="1">
-            <a:off x="2124975" y="1737970"/>
-            <a:ext cx="1951764" cy="514576"/>
-          </a:xfrm>
-          <a:prstGeom prst="straightConnector1">
-            <a:avLst/>
-          </a:prstGeom>
-          <a:ln>
-            <a:tailEnd type="triangle"/>
-          </a:ln>
-        </p:spPr>
-        <p:style>
-          <a:lnRef idx="1">
-            <a:schemeClr val="accent1"/>
-          </a:lnRef>
-          <a:fillRef idx="0">
-            <a:schemeClr val="accent1"/>
-          </a:fillRef>
-          <a:effectRef idx="0">
-            <a:schemeClr val="accent1"/>
-          </a:effectRef>
-          <a:fontRef idx="minor">
-            <a:schemeClr val="tx1"/>
-          </a:fontRef>
-        </p:style>
-      </p:cxnSp>
+              <a:rPr lang="en-US" sz="2000" i="1" dirty="0"/>
+              <a:t>Which operator?</a:t>
+            </a:r>
+          </a:p>
+          <a:p>
+            <a:endParaRPr lang="en-US" sz="2000" i="1" dirty="0"/>
+          </a:p>
+          <a:p>
+            <a:r>
+              <a:rPr lang="en-US" sz="2000" i="1" dirty="0"/>
+              <a:t>Which operand?</a:t>
+            </a:r>
+          </a:p>
+        </p:txBody>
+      </p:sp>
     </p:spTree>
     <p:extLst>
       <p:ext uri="{BB962C8B-B14F-4D97-AF65-F5344CB8AC3E}">
-        <p14:creationId xmlns:p14="http://schemas.microsoft.com/office/powerpoint/2010/main" val="2774779205"/>
+        <p14:creationId xmlns:p14="http://schemas.microsoft.com/office/powerpoint/2010/main" val="3110574489"/>
       </p:ext>
     </p:extLst>
   </p:cSld>
@@ -9414,7 +9816,7 @@
           <p:cNvPr id="2" name="Title 1">
             <a:extLst>
               <a:ext uri="{FF2B5EF4-FFF2-40B4-BE49-F238E27FC236}">
-                <a16:creationId xmlns:a16="http://schemas.microsoft.com/office/drawing/2014/main" id="{EFA03F30-D5AE-2840-A719-5DAA707A9CCC}"/>
+                <a16:creationId xmlns:a16="http://schemas.microsoft.com/office/drawing/2014/main" id="{7642CDE2-8B6C-6346-B9A6-E3346FE4E24C}"/>
               </a:ext>
             </a:extLst>
           </p:cNvPr>
@@ -9427,18 +9829,12 @@
         </p:nvSpPr>
         <p:spPr/>
         <p:txBody>
-          <a:bodyPr>
-            <a:normAutofit/>
-          </a:bodyPr>
-          <a:lstStyle/>
-          <a:p>
-            <a:r>
-              <a:rPr lang="en-US" sz="4000" dirty="0"/>
-              <a:t>Requirement</a:t>
-            </a:r>
-            <a:r>
-              <a:rPr lang="en-US" sz="3900" dirty="0"/>
-              <a:t>: support complex expressions</a:t>
+          <a:bodyPr/>
+          <a:lstStyle/>
+          <a:p>
+            <a:r>
+              <a:rPr lang="en-US" dirty="0"/>
+              <a:t>We could rerun using the debugger but…</a:t>
             </a:r>
           </a:p>
         </p:txBody>
@@ -9448,7 +9844,7 @@
           <p:cNvPr id="3" name="Content Placeholder 2">
             <a:extLst>
               <a:ext uri="{FF2B5EF4-FFF2-40B4-BE49-F238E27FC236}">
-                <a16:creationId xmlns:a16="http://schemas.microsoft.com/office/drawing/2014/main" id="{705AA235-7B6A-574D-81AE-DAE77D7E45AE}"/>
+                <a16:creationId xmlns:a16="http://schemas.microsoft.com/office/drawing/2014/main" id="{3FDDB2C1-19DD-414C-9CDB-8EDFE922BD47}"/>
               </a:ext>
             </a:extLst>
           </p:cNvPr>
@@ -9466,119 +9862,46 @@
           <a:p>
             <a:r>
               <a:rPr lang="en-US" dirty="0"/>
-              <a:t>We need to know which operator and operands failed so we should highlight the offending elements:</a:t>
-            </a:r>
-          </a:p>
-          <a:p>
-            <a:endParaRPr lang="en-US" dirty="0"/>
-          </a:p>
-          <a:p>
-            <a:endParaRPr lang="en-US" dirty="0"/>
-          </a:p>
-          <a:p>
-            <a:endParaRPr lang="en-US" dirty="0"/>
-          </a:p>
-          <a:p>
-            <a:endParaRPr lang="en-US" dirty="0"/>
-          </a:p>
-          <a:p>
-            <a:endParaRPr lang="en-US" dirty="0"/>
-          </a:p>
-          <a:p>
-            <a:r>
-              <a:rPr lang="en-US" dirty="0"/>
-              <a:t>(Oops: The columns of </a:t>
-            </a:r>
-            <a:r>
-              <a:rPr lang="en-US" dirty="0" err="1"/>
-              <a:t>Uxh</a:t>
-            </a:r>
-            <a:r>
-              <a:rPr lang="en-US" dirty="0"/>
-              <a:t>_ must match the rows of X.T)</a:t>
-            </a:r>
-          </a:p>
-        </p:txBody>
-      </p:sp>
-      <p:pic>
-        <p:nvPicPr>
-          <p:cNvPr id="6" name="Picture 5">
-            <a:extLst>
-              <a:ext uri="{FF2B5EF4-FFF2-40B4-BE49-F238E27FC236}">
-                <a16:creationId xmlns:a16="http://schemas.microsoft.com/office/drawing/2014/main" id="{F8EB4345-191D-1941-827D-07D7C6865F3E}"/>
-              </a:ext>
-            </a:extLst>
-          </p:cNvPr>
-          <p:cNvPicPr>
-            <a:picLocks noChangeAspect="1"/>
-          </p:cNvPicPr>
-          <p:nvPr/>
-        </p:nvPicPr>
-        <p:blipFill>
-          <a:blip r:embed="rId2"/>
-          <a:stretch>
-            <a:fillRect/>
-          </a:stretch>
-        </p:blipFill>
-        <p:spPr>
-          <a:xfrm>
-            <a:off x="838200" y="3073935"/>
-            <a:ext cx="9981676" cy="1504415"/>
-          </a:xfrm>
-          <a:prstGeom prst="rect">
-            <a:avLst/>
-          </a:prstGeom>
-        </p:spPr>
-      </p:pic>
-      <p:cxnSp>
-        <p:nvCxnSpPr>
-          <p:cNvPr id="8" name="Straight Arrow Connector 7">
-            <a:extLst>
-              <a:ext uri="{FF2B5EF4-FFF2-40B4-BE49-F238E27FC236}">
-                <a16:creationId xmlns:a16="http://schemas.microsoft.com/office/drawing/2014/main" id="{C7E79222-DA8B-664E-8073-9760043FF492}"/>
-              </a:ext>
-            </a:extLst>
-          </p:cNvPr>
-          <p:cNvCxnSpPr>
-            <a:cxnSpLocks/>
-          </p:cNvCxnSpPr>
-          <p:nvPr/>
-        </p:nvCxnSpPr>
-        <p:spPr>
-          <a:xfrm>
-            <a:off x="7954128" y="3676454"/>
-            <a:ext cx="424206" cy="320512"/>
-          </a:xfrm>
-          <a:prstGeom prst="straightConnector1">
-            <a:avLst/>
-          </a:prstGeom>
-          <a:ln>
-            <a:solidFill>
-              <a:srgbClr val="FF0000"/>
-            </a:solidFill>
-            <a:headEnd type="triangle"/>
-            <a:tailEnd type="triangle"/>
-          </a:ln>
-        </p:spPr>
-        <p:style>
-          <a:lnRef idx="1">
-            <a:schemeClr val="accent1"/>
-          </a:lnRef>
-          <a:fillRef idx="0">
-            <a:schemeClr val="accent1"/>
-          </a:fillRef>
-          <a:effectRef idx="0">
-            <a:schemeClr val="accent1"/>
-          </a:effectRef>
-          <a:fontRef idx="minor">
-            <a:schemeClr val="tx1"/>
-          </a:fontRef>
-        </p:style>
-      </p:cxnSp>
+              <a:t>Python debuggers seem much slower than normal execution</a:t>
+            </a:r>
+          </a:p>
+          <a:p>
+            <a:r>
+              <a:rPr lang="en-US" dirty="0"/>
+              <a:t>Even regular execution could take hours before faulting</a:t>
+            </a:r>
+          </a:p>
+          <a:p>
+            <a:r>
+              <a:rPr lang="en-US" dirty="0"/>
+              <a:t>Sometimes it's hard to set a breakpoint on the right statement when it's in a loop</a:t>
+            </a:r>
+          </a:p>
+          <a:p>
+            <a:r>
+              <a:rPr lang="en-US" dirty="0"/>
+              <a:t>Conditional breakpoints are challenging when the values are high-dimension matrices</a:t>
+            </a:r>
+          </a:p>
+          <a:p>
+            <a:r>
+              <a:rPr lang="en-US" dirty="0"/>
+              <a:t>Debugger does not tell us which subexpression caused an exception, due to line-level granularity Python</a:t>
+            </a:r>
+            <a:br>
+              <a:rPr lang="en-US" dirty="0"/>
+            </a:br>
+            <a:r>
+              <a:rPr lang="en-US" dirty="0"/>
+              <a:t>(Must write down shape of all operands and lineup dimensions)</a:t>
+            </a:r>
+          </a:p>
+        </p:txBody>
+      </p:sp>
     </p:spTree>
     <p:extLst>
       <p:ext uri="{BB962C8B-B14F-4D97-AF65-F5344CB8AC3E}">
-        <p14:creationId xmlns:p14="http://schemas.microsoft.com/office/powerpoint/2010/main" val="1274102799"/>
+        <p14:creationId xmlns:p14="http://schemas.microsoft.com/office/powerpoint/2010/main" val="2897700229"/>
       </p:ext>
     </p:extLst>
   </p:cSld>
@@ -9610,7 +9933,7 @@
           <p:cNvPr id="2" name="Title 1">
             <a:extLst>
               <a:ext uri="{FF2B5EF4-FFF2-40B4-BE49-F238E27FC236}">
-                <a16:creationId xmlns:a16="http://schemas.microsoft.com/office/drawing/2014/main" id="{0CE0B5EA-3CA5-3A4F-AA86-13916C56BAC6}"/>
+                <a16:creationId xmlns:a16="http://schemas.microsoft.com/office/drawing/2014/main" id="{9B24DD6E-ECEF-5549-A412-0E23470C342B}"/>
               </a:ext>
             </a:extLst>
           </p:cNvPr>
@@ -9623,31 +9946,38 @@
         </p:nvSpPr>
         <p:spPr/>
         <p:txBody>
-          <a:bodyPr/>
-          <a:lstStyle/>
-          <a:p>
-            <a:r>
-              <a:rPr lang="en-US" dirty="0"/>
-              <a:t>Requirement: support prebuilt layers</a:t>
+          <a:bodyPr>
+            <a:normAutofit/>
+          </a:bodyPr>
+          <a:lstStyle/>
+          <a:p>
+            <a:r>
+              <a:rPr lang="en-US" dirty="0"/>
+              <a:t>Clarifying errors</a:t>
+            </a:r>
+            <a:br>
+              <a:rPr lang="en-US" dirty="0"/>
+            </a:br>
+            <a:r>
+              <a:rPr lang="en-US" dirty="0"/>
+              <a:t>visually &amp; textually</a:t>
             </a:r>
           </a:p>
         </p:txBody>
       </p:sp>
       <p:pic>
         <p:nvPicPr>
-          <p:cNvPr id="5" name="Content Placeholder 4">
-            <a:extLst>
-              <a:ext uri="{FF2B5EF4-FFF2-40B4-BE49-F238E27FC236}">
-                <a16:creationId xmlns:a16="http://schemas.microsoft.com/office/drawing/2014/main" id="{049270D4-2C43-A942-B59D-105C0C8BC584}"/>
+          <p:cNvPr id="5" name="Picture 4">
+            <a:extLst>
+              <a:ext uri="{FF2B5EF4-FFF2-40B4-BE49-F238E27FC236}">
+                <a16:creationId xmlns:a16="http://schemas.microsoft.com/office/drawing/2014/main" id="{76E7EF07-5536-B847-A3F4-85DD7161A5A6}"/>
               </a:ext>
             </a:extLst>
           </p:cNvPr>
           <p:cNvPicPr>
-            <a:picLocks noGrp="1" noChangeAspect="1"/>
+            <a:picLocks noChangeAspect="1"/>
           </p:cNvPicPr>
-          <p:nvPr>
-            <p:ph idx="1"/>
-          </p:nvPr>
+          <p:nvPr/>
         </p:nvPicPr>
         <p:blipFill>
           <a:blip r:embed="rId2"/>
@@ -9657,232 +9987,110 @@
         </p:blipFill>
         <p:spPr>
           <a:xfrm>
-            <a:off x="470555" y="2015765"/>
-            <a:ext cx="11430000" cy="3810000"/>
-          </a:xfrm>
-        </p:spPr>
-      </p:pic>
-      <p:sp>
-        <p:nvSpPr>
-          <p:cNvPr id="6" name="TextBox 5">
-            <a:extLst>
-              <a:ext uri="{FF2B5EF4-FFF2-40B4-BE49-F238E27FC236}">
-                <a16:creationId xmlns:a16="http://schemas.microsoft.com/office/drawing/2014/main" id="{028159BF-D9BD-C646-8CF4-26F3587FA465}"/>
-              </a:ext>
-            </a:extLst>
-          </p:cNvPr>
-          <p:cNvSpPr txBox="1"/>
-          <p:nvPr/>
-        </p:nvSpPr>
-        <p:spPr>
-          <a:xfrm>
-            <a:off x="8239023" y="5916150"/>
-            <a:ext cx="3716082" cy="400110"/>
+            <a:off x="696247" y="2676746"/>
+            <a:ext cx="4626665" cy="2055193"/>
           </a:xfrm>
           <a:prstGeom prst="rect">
             <a:avLst/>
           </a:prstGeom>
-          <a:noFill/>
-        </p:spPr>
-        <p:txBody>
-          <a:bodyPr wrap="none" rtlCol="0">
-            <a:spAutoFit/>
-          </a:bodyPr>
-          <a:lstStyle/>
-          <a:p>
-            <a:r>
-              <a:rPr lang="en-US" sz="2000" dirty="0"/>
-              <a:t>(Note unhelpful C++ reference)</a:t>
-            </a:r>
-          </a:p>
-        </p:txBody>
-      </p:sp>
-      <p:cxnSp>
-        <p:nvCxnSpPr>
-          <p:cNvPr id="8" name="Straight Arrow Connector 7">
-            <a:extLst>
-              <a:ext uri="{FF2B5EF4-FFF2-40B4-BE49-F238E27FC236}">
-                <a16:creationId xmlns:a16="http://schemas.microsoft.com/office/drawing/2014/main" id="{01B00707-C191-1748-9F05-CAF700936A42}"/>
-              </a:ext>
-            </a:extLst>
-          </p:cNvPr>
-          <p:cNvCxnSpPr>
-            <a:cxnSpLocks/>
-          </p:cNvCxnSpPr>
+        </p:spPr>
+      </p:pic>
+      <p:pic>
+        <p:nvPicPr>
+          <p:cNvPr id="7" name="Picture 6">
+            <a:extLst>
+              <a:ext uri="{FF2B5EF4-FFF2-40B4-BE49-F238E27FC236}">
+                <a16:creationId xmlns:a16="http://schemas.microsoft.com/office/drawing/2014/main" id="{E9A50E6B-4659-2049-A19B-0DF81CB120D5}"/>
+              </a:ext>
+            </a:extLst>
+          </p:cNvPr>
+          <p:cNvPicPr>
+            <a:picLocks noChangeAspect="1"/>
+          </p:cNvPicPr>
           <p:nvPr/>
-        </p:nvCxnSpPr>
-        <p:spPr>
-          <a:xfrm flipV="1">
-            <a:off x="10624008" y="5354427"/>
-            <a:ext cx="0" cy="552296"/>
-          </a:xfrm>
-          <a:prstGeom prst="straightConnector1">
-            <a:avLst/>
-          </a:prstGeom>
-          <a:ln w="12700">
-            <a:tailEnd type="triangle"/>
-          </a:ln>
-        </p:spPr>
-        <p:style>
-          <a:lnRef idx="1">
-            <a:schemeClr val="accent1"/>
-          </a:lnRef>
-          <a:fillRef idx="0">
-            <a:schemeClr val="accent1"/>
-          </a:fillRef>
-          <a:effectRef idx="0">
-            <a:schemeClr val="accent1"/>
-          </a:effectRef>
-          <a:fontRef idx="minor">
-            <a:schemeClr val="tx1"/>
-          </a:fontRef>
-        </p:style>
-      </p:cxnSp>
-      <p:sp>
-        <p:nvSpPr>
-          <p:cNvPr id="13" name="TextBox 12">
-            <a:extLst>
-              <a:ext uri="{FF2B5EF4-FFF2-40B4-BE49-F238E27FC236}">
-                <a16:creationId xmlns:a16="http://schemas.microsoft.com/office/drawing/2014/main" id="{2E3970E6-EDF8-7249-9D44-57518ACAF043}"/>
-              </a:ext>
-            </a:extLst>
-          </p:cNvPr>
-          <p:cNvSpPr txBox="1"/>
-          <p:nvPr/>
-        </p:nvSpPr>
-        <p:spPr>
-          <a:xfrm>
-            <a:off x="2441541" y="1341164"/>
-            <a:ext cx="7069564" cy="461665"/>
+        </p:nvPicPr>
+        <p:blipFill>
+          <a:blip r:embed="rId3"/>
+          <a:stretch>
+            <a:fillRect/>
+          </a:stretch>
+        </p:blipFill>
+        <p:spPr>
+          <a:xfrm>
+            <a:off x="5925931" y="681037"/>
+            <a:ext cx="6045200" cy="5384800"/>
           </a:xfrm>
           <a:prstGeom prst="rect">
             <a:avLst/>
           </a:prstGeom>
-          <a:noFill/>
-        </p:spPr>
-        <p:txBody>
-          <a:bodyPr wrap="none" rtlCol="0">
-            <a:spAutoFit/>
-          </a:bodyPr>
-          <a:lstStyle/>
-          <a:p>
-            <a:r>
-              <a:rPr lang="en-US" sz="2400" dirty="0"/>
-              <a:t>Should highlight error in user code not library code</a:t>
-            </a:r>
-          </a:p>
-        </p:txBody>
-      </p:sp>
-      <p:sp>
-        <p:nvSpPr>
-          <p:cNvPr id="16" name="TextBox 15">
-            <a:extLst>
-              <a:ext uri="{FF2B5EF4-FFF2-40B4-BE49-F238E27FC236}">
-                <a16:creationId xmlns:a16="http://schemas.microsoft.com/office/drawing/2014/main" id="{FB7EF574-B296-CC4D-823B-6F51ABE8A4AF}"/>
-              </a:ext>
-            </a:extLst>
-          </p:cNvPr>
-          <p:cNvSpPr txBox="1"/>
+        </p:spPr>
+      </p:pic>
+      <p:sp>
+        <p:nvSpPr>
+          <p:cNvPr id="8" name="Rectangle 7">
+            <a:extLst>
+              <a:ext uri="{FF2B5EF4-FFF2-40B4-BE49-F238E27FC236}">
+                <a16:creationId xmlns:a16="http://schemas.microsoft.com/office/drawing/2014/main" id="{D3159D01-63B7-7E4D-AE7E-C267F70BB539}"/>
+              </a:ext>
+            </a:extLst>
+          </p:cNvPr>
+          <p:cNvSpPr/>
           <p:nvPr/>
         </p:nvSpPr>
         <p:spPr>
           <a:xfrm>
-            <a:off x="2659926" y="6150842"/>
-            <a:ext cx="4243919" cy="400110"/>
+            <a:off x="27057" y="6426625"/>
+            <a:ext cx="4762842" cy="369332"/>
           </a:xfrm>
           <a:prstGeom prst="rect">
             <a:avLst/>
           </a:prstGeom>
-          <a:noFill/>
-        </p:spPr>
-        <p:txBody>
-          <a:bodyPr wrap="none" rtlCol="0">
+        </p:spPr>
+        <p:txBody>
+          <a:bodyPr wrap="none">
             <a:spAutoFit/>
           </a:bodyPr>
           <a:lstStyle/>
           <a:p>
             <a:r>
-              <a:rPr lang="en-US" sz="2000" dirty="0"/>
-              <a:t>(</a:t>
-            </a:r>
-            <a:r>
-              <a:rPr lang="en-US" sz="2000" dirty="0" err="1"/>
-              <a:t>TensorSensor</a:t>
-            </a:r>
-            <a:r>
-              <a:rPr lang="en-US" sz="2000" dirty="0"/>
-              <a:t> augments message)</a:t>
-            </a:r>
-          </a:p>
-        </p:txBody>
-      </p:sp>
-      <p:cxnSp>
-        <p:nvCxnSpPr>
-          <p:cNvPr id="17" name="Straight Arrow Connector 16">
-            <a:extLst>
-              <a:ext uri="{FF2B5EF4-FFF2-40B4-BE49-F238E27FC236}">
-                <a16:creationId xmlns:a16="http://schemas.microsoft.com/office/drawing/2014/main" id="{1BF3CD1B-39ED-2A4D-A626-415E11984577}"/>
-              </a:ext>
-            </a:extLst>
-          </p:cNvPr>
-          <p:cNvCxnSpPr>
-            <a:cxnSpLocks/>
-          </p:cNvCxnSpPr>
+              <a:rPr lang="en-US" dirty="0">
+                <a:hlinkClick r:id="rId4"/>
+              </a:rPr>
+              <a:t>https://explained.ai/tensor-sensor/index.html</a:t>
+            </a:r>
+            <a:r>
+              <a:rPr lang="en-US" dirty="0"/>
+              <a:t> </a:t>
+            </a:r>
+          </a:p>
+        </p:txBody>
+      </p:sp>
+      <p:sp>
+        <p:nvSpPr>
+          <p:cNvPr id="10" name="Right Arrow 9">
+            <a:extLst>
+              <a:ext uri="{FF2B5EF4-FFF2-40B4-BE49-F238E27FC236}">
+                <a16:creationId xmlns:a16="http://schemas.microsoft.com/office/drawing/2014/main" id="{8B12D685-6B1A-604C-B2EA-FB6EE4739ACE}"/>
+              </a:ext>
+            </a:extLst>
+          </p:cNvPr>
+          <p:cNvSpPr/>
           <p:nvPr/>
-        </p:nvCxnSpPr>
-        <p:spPr>
-          <a:xfrm flipV="1">
-            <a:off x="4469876" y="5663201"/>
-            <a:ext cx="0" cy="552296"/>
-          </a:xfrm>
-          <a:prstGeom prst="straightConnector1">
+        </p:nvSpPr>
+        <p:spPr>
+          <a:xfrm rot="1748416">
+            <a:off x="4773217" y="4414309"/>
+            <a:ext cx="1218510" cy="484632"/>
+          </a:xfrm>
+          <a:prstGeom prst="rightArrow">
             <a:avLst/>
           </a:prstGeom>
-          <a:ln>
-            <a:tailEnd type="triangle"/>
-          </a:ln>
-        </p:spPr>
-        <p:style>
-          <a:lnRef idx="1">
-            <a:schemeClr val="accent1"/>
-          </a:lnRef>
-          <a:fillRef idx="0">
-            <a:schemeClr val="accent1"/>
-          </a:fillRef>
-          <a:effectRef idx="0">
-            <a:schemeClr val="accent1"/>
-          </a:effectRef>
-          <a:fontRef idx="minor">
-            <a:schemeClr val="tx1"/>
-          </a:fontRef>
-        </p:style>
-      </p:cxnSp>
-      <p:sp>
-        <p:nvSpPr>
-          <p:cNvPr id="18" name="Rectangle 17">
-            <a:extLst>
-              <a:ext uri="{FF2B5EF4-FFF2-40B4-BE49-F238E27FC236}">
-                <a16:creationId xmlns:a16="http://schemas.microsoft.com/office/drawing/2014/main" id="{E7D962A7-65AA-674E-BA51-F8F563D3F624}"/>
-              </a:ext>
-            </a:extLst>
-          </p:cNvPr>
-          <p:cNvSpPr/>
-          <p:nvPr/>
-        </p:nvSpPr>
-        <p:spPr>
-          <a:xfrm>
-            <a:off x="4034672" y="5392135"/>
-            <a:ext cx="6457361" cy="271066"/>
-          </a:xfrm>
-          <a:prstGeom prst="rect">
-            <a:avLst/>
-          </a:prstGeom>
-          <a:noFill/>
-          <a:ln>
-            <a:solidFill>
-              <a:srgbClr val="FF0000"/>
-            </a:solidFill>
-          </a:ln>
+          <a:solidFill>
+            <a:schemeClr val="accent1">
+              <a:lumMod val="60000"/>
+              <a:lumOff val="40000"/>
+            </a:schemeClr>
+          </a:solidFill>
         </p:spPr>
         <p:style>
           <a:lnRef idx="2">
@@ -9909,10 +10117,273 @@
           </a:p>
         </p:txBody>
       </p:sp>
+      <p:sp>
+        <p:nvSpPr>
+          <p:cNvPr id="11" name="Right Arrow 10">
+            <a:extLst>
+              <a:ext uri="{FF2B5EF4-FFF2-40B4-BE49-F238E27FC236}">
+                <a16:creationId xmlns:a16="http://schemas.microsoft.com/office/drawing/2014/main" id="{3D4CC8C8-A56F-0646-BBEA-F7E29FDA4EF9}"/>
+              </a:ext>
+            </a:extLst>
+          </p:cNvPr>
+          <p:cNvSpPr/>
+          <p:nvPr/>
+        </p:nvSpPr>
+        <p:spPr>
+          <a:xfrm rot="21344001">
+            <a:off x="3775995" y="2521964"/>
+            <a:ext cx="2217199" cy="484632"/>
+          </a:xfrm>
+          <a:prstGeom prst="rightArrow">
+            <a:avLst>
+              <a:gd name="adj1" fmla="val 53831"/>
+              <a:gd name="adj2" fmla="val 50000"/>
+            </a:avLst>
+          </a:prstGeom>
+          <a:solidFill>
+            <a:schemeClr val="accent1">
+              <a:lumMod val="60000"/>
+              <a:lumOff val="40000"/>
+            </a:schemeClr>
+          </a:solidFill>
+        </p:spPr>
+        <p:style>
+          <a:lnRef idx="2">
+            <a:schemeClr val="accent1">
+              <a:shade val="50000"/>
+            </a:schemeClr>
+          </a:lnRef>
+          <a:fillRef idx="1">
+            <a:schemeClr val="accent1"/>
+          </a:fillRef>
+          <a:effectRef idx="0">
+            <a:schemeClr val="accent1"/>
+          </a:effectRef>
+          <a:fontRef idx="minor">
+            <a:schemeClr val="lt1"/>
+          </a:fontRef>
+        </p:style>
+        <p:txBody>
+          <a:bodyPr rtlCol="0" anchor="ctr"/>
+          <a:lstStyle/>
+          <a:p>
+            <a:pPr algn="ctr"/>
+            <a:endParaRPr lang="en-US"/>
+          </a:p>
+        </p:txBody>
+      </p:sp>
+      <p:sp>
+        <p:nvSpPr>
+          <p:cNvPr id="13" name="Rectangle 12">
+            <a:extLst>
+              <a:ext uri="{FF2B5EF4-FFF2-40B4-BE49-F238E27FC236}">
+                <a16:creationId xmlns:a16="http://schemas.microsoft.com/office/drawing/2014/main" id="{8AA699DF-84B8-3541-97E5-7CBAE02B9D22}"/>
+              </a:ext>
+            </a:extLst>
+          </p:cNvPr>
+          <p:cNvSpPr/>
+          <p:nvPr/>
+        </p:nvSpPr>
+        <p:spPr>
+          <a:xfrm>
+            <a:off x="10731596" y="121028"/>
+            <a:ext cx="1460404" cy="1569660"/>
+          </a:xfrm>
+          <a:prstGeom prst="rect">
+            <a:avLst/>
+          </a:prstGeom>
+        </p:spPr>
+        <p:txBody>
+          <a:bodyPr wrap="square">
+            <a:spAutoFit/>
+          </a:bodyPr>
+          <a:lstStyle/>
+          <a:p>
+            <a:r>
+              <a:rPr lang="en-US" sz="9600" dirty="0"/>
+              <a:t>🎉</a:t>
+            </a:r>
+          </a:p>
+        </p:txBody>
+      </p:sp>
+      <p:sp>
+        <p:nvSpPr>
+          <p:cNvPr id="14" name="TextBox 13">
+            <a:extLst>
+              <a:ext uri="{FF2B5EF4-FFF2-40B4-BE49-F238E27FC236}">
+                <a16:creationId xmlns:a16="http://schemas.microsoft.com/office/drawing/2014/main" id="{384F2669-F6F1-D647-8FDE-0D3E2D463C0D}"/>
+              </a:ext>
+            </a:extLst>
+          </p:cNvPr>
+          <p:cNvSpPr txBox="1"/>
+          <p:nvPr/>
+        </p:nvSpPr>
+        <p:spPr>
+          <a:xfrm>
+            <a:off x="-160890" y="1917083"/>
+            <a:ext cx="1415772" cy="1569660"/>
+          </a:xfrm>
+          <a:prstGeom prst="rect">
+            <a:avLst/>
+          </a:prstGeom>
+          <a:noFill/>
+        </p:spPr>
+        <p:txBody>
+          <a:bodyPr wrap="none" rtlCol="0">
+            <a:spAutoFit/>
+          </a:bodyPr>
+          <a:lstStyle/>
+          <a:p>
+            <a:r>
+              <a:rPr lang="en-US" sz="9600" dirty="0"/>
+              <a:t>😿</a:t>
+            </a:r>
+          </a:p>
+        </p:txBody>
+      </p:sp>
+      <p:sp>
+        <p:nvSpPr>
+          <p:cNvPr id="15" name="Rectangle 14">
+            <a:extLst>
+              <a:ext uri="{FF2B5EF4-FFF2-40B4-BE49-F238E27FC236}">
+                <a16:creationId xmlns:a16="http://schemas.microsoft.com/office/drawing/2014/main" id="{75F85CD5-F246-CD48-AD14-72EEA7F4824E}"/>
+              </a:ext>
+            </a:extLst>
+          </p:cNvPr>
+          <p:cNvSpPr/>
+          <p:nvPr/>
+        </p:nvSpPr>
+        <p:spPr>
+          <a:xfrm>
+            <a:off x="5970442" y="1096186"/>
+            <a:ext cx="3697666" cy="409229"/>
+          </a:xfrm>
+          <a:prstGeom prst="rect">
+            <a:avLst/>
+          </a:prstGeom>
+          <a:noFill/>
+          <a:ln w="19050">
+            <a:solidFill>
+              <a:srgbClr val="E4754F"/>
+            </a:solidFill>
+          </a:ln>
+        </p:spPr>
+        <p:style>
+          <a:lnRef idx="2">
+            <a:schemeClr val="accent1">
+              <a:shade val="50000"/>
+            </a:schemeClr>
+          </a:lnRef>
+          <a:fillRef idx="1">
+            <a:schemeClr val="accent1"/>
+          </a:fillRef>
+          <a:effectRef idx="0">
+            <a:schemeClr val="accent1"/>
+          </a:effectRef>
+          <a:fontRef idx="minor">
+            <a:schemeClr val="lt1"/>
+          </a:fontRef>
+        </p:style>
+        <p:txBody>
+          <a:bodyPr rtlCol="0" anchor="ctr"/>
+          <a:lstStyle/>
+          <a:p>
+            <a:pPr algn="ctr"/>
+            <a:endParaRPr lang="en-US"/>
+          </a:p>
+        </p:txBody>
+      </p:sp>
+      <p:sp>
+        <p:nvSpPr>
+          <p:cNvPr id="16" name="TextBox 15">
+            <a:extLst>
+              <a:ext uri="{FF2B5EF4-FFF2-40B4-BE49-F238E27FC236}">
+                <a16:creationId xmlns:a16="http://schemas.microsoft.com/office/drawing/2014/main" id="{B1DAB5FF-703B-2D46-816F-8884997C77F6}"/>
+              </a:ext>
+            </a:extLst>
+          </p:cNvPr>
+          <p:cNvSpPr txBox="1"/>
+          <p:nvPr/>
+        </p:nvSpPr>
+        <p:spPr>
+          <a:xfrm>
+            <a:off x="2673242" y="5130883"/>
+            <a:ext cx="3274525" cy="646331"/>
+          </a:xfrm>
+          <a:prstGeom prst="rect">
+            <a:avLst/>
+          </a:prstGeom>
+          <a:noFill/>
+        </p:spPr>
+        <p:txBody>
+          <a:bodyPr wrap="square" rtlCol="0">
+            <a:spAutoFit/>
+          </a:bodyPr>
+          <a:lstStyle/>
+          <a:p>
+            <a:pPr lvl="1" algn="r"/>
+            <a:r>
+              <a:rPr lang="en-US" dirty="0" err="1"/>
+              <a:t>TensorSensor</a:t>
+            </a:r>
+            <a:r>
+              <a:rPr lang="en-US" dirty="0"/>
+              <a:t> augments</a:t>
+            </a:r>
+          </a:p>
+          <a:p>
+            <a:pPr lvl="1" algn="r"/>
+            <a:r>
+              <a:rPr lang="en-US" dirty="0"/>
+              <a:t>exception messages</a:t>
+            </a:r>
+          </a:p>
+        </p:txBody>
+      </p:sp>
+      <p:sp>
+        <p:nvSpPr>
+          <p:cNvPr id="17" name="TextBox 16">
+            <a:extLst>
+              <a:ext uri="{FF2B5EF4-FFF2-40B4-BE49-F238E27FC236}">
+                <a16:creationId xmlns:a16="http://schemas.microsoft.com/office/drawing/2014/main" id="{E9D29132-28FE-354C-A4A1-AA8A348A6A8C}"/>
+              </a:ext>
+            </a:extLst>
+          </p:cNvPr>
+          <p:cNvSpPr txBox="1"/>
+          <p:nvPr/>
+        </p:nvSpPr>
+        <p:spPr>
+          <a:xfrm>
+            <a:off x="8807040" y="2105837"/>
+            <a:ext cx="3274525" cy="1200329"/>
+          </a:xfrm>
+          <a:prstGeom prst="rect">
+            <a:avLst/>
+          </a:prstGeom>
+          <a:noFill/>
+        </p:spPr>
+        <p:txBody>
+          <a:bodyPr wrap="square" rtlCol="0">
+            <a:spAutoFit/>
+          </a:bodyPr>
+          <a:lstStyle/>
+          <a:p>
+            <a:pPr lvl="1"/>
+            <a:r>
+              <a:rPr lang="en-US" dirty="0" err="1"/>
+              <a:t>TensorSensor</a:t>
+            </a:r>
+            <a:r>
+              <a:rPr lang="en-US" dirty="0"/>
+              <a:t> generates visual cues to matrix dimensions and offending operator / operands</a:t>
+            </a:r>
+          </a:p>
+        </p:txBody>
+      </p:sp>
     </p:spTree>
     <p:extLst>
       <p:ext uri="{BB962C8B-B14F-4D97-AF65-F5344CB8AC3E}">
-        <p14:creationId xmlns:p14="http://schemas.microsoft.com/office/powerpoint/2010/main" val="3618322039"/>
+        <p14:creationId xmlns:p14="http://schemas.microsoft.com/office/powerpoint/2010/main" val="3451222615"/>
       </p:ext>
     </p:extLst>
   </p:cSld>
@@ -9944,7 +10415,7 @@
           <p:cNvPr id="2" name="Title 1">
             <a:extLst>
               <a:ext uri="{FF2B5EF4-FFF2-40B4-BE49-F238E27FC236}">
-                <a16:creationId xmlns:a16="http://schemas.microsoft.com/office/drawing/2014/main" id="{414E8CDF-97F8-BA4F-995B-9E79802D7E0F}"/>
+                <a16:creationId xmlns:a16="http://schemas.microsoft.com/office/drawing/2014/main" id="{77C84AC9-6D68-B847-8432-35493E969DEB}"/>
               </a:ext>
             </a:extLst>
           </p:cNvPr>
@@ -9962,26 +10433,24 @@
           <a:p>
             <a:r>
               <a:rPr lang="en-US" dirty="0"/>
-              <a:t>Requirement: explain code w/o errors</a:t>
+              <a:t>Requirement: support multiple libraries</a:t>
             </a:r>
           </a:p>
         </p:txBody>
       </p:sp>
       <p:pic>
         <p:nvPicPr>
-          <p:cNvPr id="5" name="Content Placeholder 4">
-            <a:extLst>
-              <a:ext uri="{FF2B5EF4-FFF2-40B4-BE49-F238E27FC236}">
-                <a16:creationId xmlns:a16="http://schemas.microsoft.com/office/drawing/2014/main" id="{F62B8AAC-7B21-4946-A6A9-8B21D5E03563}"/>
+          <p:cNvPr id="7" name="Picture 6">
+            <a:extLst>
+              <a:ext uri="{FF2B5EF4-FFF2-40B4-BE49-F238E27FC236}">
+                <a16:creationId xmlns:a16="http://schemas.microsoft.com/office/drawing/2014/main" id="{7747BABE-7A01-F341-8455-592CFA5A9D97}"/>
               </a:ext>
             </a:extLst>
           </p:cNvPr>
           <p:cNvPicPr>
-            <a:picLocks noGrp="1" noChangeAspect="1"/>
+            <a:picLocks noChangeAspect="1"/>
           </p:cNvPicPr>
-          <p:nvPr>
-            <p:ph idx="1"/>
-          </p:nvPr>
+          <p:nvPr/>
         </p:nvPicPr>
         <p:blipFill>
           <a:blip r:embed="rId2"/>
@@ -9991,17 +10460,20 @@
         </p:blipFill>
         <p:spPr>
           <a:xfrm>
-            <a:off x="361494" y="1690688"/>
-            <a:ext cx="3733800" cy="2120900"/>
-          </a:xfrm>
+            <a:off x="355111" y="4170557"/>
+            <a:ext cx="5924464" cy="2071416"/>
+          </a:xfrm>
+          <a:prstGeom prst="rect">
+            <a:avLst/>
+          </a:prstGeom>
         </p:spPr>
       </p:pic>
       <p:pic>
         <p:nvPicPr>
-          <p:cNvPr id="7" name="Picture 6">
-            <a:extLst>
-              <a:ext uri="{FF2B5EF4-FFF2-40B4-BE49-F238E27FC236}">
-                <a16:creationId xmlns:a16="http://schemas.microsoft.com/office/drawing/2014/main" id="{F608205B-45C4-2349-BC49-9E88A9AC5BFC}"/>
+          <p:cNvPr id="9" name="Picture 8">
+            <a:extLst>
+              <a:ext uri="{FF2B5EF4-FFF2-40B4-BE49-F238E27FC236}">
+                <a16:creationId xmlns:a16="http://schemas.microsoft.com/office/drawing/2014/main" id="{208FAAC5-76ED-994C-9D2D-B0132110E894}"/>
               </a:ext>
             </a:extLst>
           </p:cNvPr>
@@ -10018,8 +10490,8 @@
         </p:blipFill>
         <p:spPr>
           <a:xfrm>
-            <a:off x="7759504" y="3082302"/>
-            <a:ext cx="2578100" cy="1219200"/>
+            <a:off x="355111" y="1780884"/>
+            <a:ext cx="5837086" cy="2311613"/>
           </a:xfrm>
           <a:prstGeom prst="rect">
             <a:avLst/>
@@ -10028,17 +10500,19 @@
       </p:pic>
       <p:pic>
         <p:nvPicPr>
-          <p:cNvPr id="9" name="Picture 8">
-            <a:extLst>
-              <a:ext uri="{FF2B5EF4-FFF2-40B4-BE49-F238E27FC236}">
-                <a16:creationId xmlns:a16="http://schemas.microsoft.com/office/drawing/2014/main" id="{206D3E3A-529F-734E-A101-BA4130C4BBD2}"/>
+          <p:cNvPr id="5" name="Content Placeholder 4">
+            <a:extLst>
+              <a:ext uri="{FF2B5EF4-FFF2-40B4-BE49-F238E27FC236}">
+                <a16:creationId xmlns:a16="http://schemas.microsoft.com/office/drawing/2014/main" id="{B6F23A89-C5A6-BB4E-85E5-1548EF9C3C36}"/>
               </a:ext>
             </a:extLst>
           </p:cNvPr>
           <p:cNvPicPr>
-            <a:picLocks noChangeAspect="1"/>
+            <a:picLocks noGrp="1" noChangeAspect="1"/>
           </p:cNvPicPr>
-          <p:nvPr/>
+          <p:nvPr>
+            <p:ph idx="1"/>
+          </p:nvPr>
         </p:nvPicPr>
         <p:blipFill>
           <a:blip r:embed="rId4"/>
@@ -10048,102 +10522,52 @@
         </p:blipFill>
         <p:spPr>
           <a:xfrm>
-            <a:off x="7029254" y="1804447"/>
-            <a:ext cx="4038600" cy="812800"/>
-          </a:xfrm>
-          <a:prstGeom prst="rect">
-            <a:avLst/>
-          </a:prstGeom>
+            <a:off x="5302665" y="1479938"/>
+            <a:ext cx="6775964" cy="4351338"/>
+          </a:xfrm>
         </p:spPr>
       </p:pic>
       <p:sp>
         <p:nvSpPr>
-          <p:cNvPr id="10" name="Rectangle 9">
-            <a:extLst>
-              <a:ext uri="{FF2B5EF4-FFF2-40B4-BE49-F238E27FC236}">
-                <a16:creationId xmlns:a16="http://schemas.microsoft.com/office/drawing/2014/main" id="{0DDF4ACC-206E-644A-ABE0-2F61642F6F62}"/>
-              </a:ext>
-            </a:extLst>
-          </p:cNvPr>
-          <p:cNvSpPr/>
+          <p:cNvPr id="10" name="TextBox 9">
+            <a:extLst>
+              <a:ext uri="{FF2B5EF4-FFF2-40B4-BE49-F238E27FC236}">
+                <a16:creationId xmlns:a16="http://schemas.microsoft.com/office/drawing/2014/main" id="{A42E60A5-D452-ED43-BC7D-591A77D1B969}"/>
+              </a:ext>
+            </a:extLst>
+          </p:cNvPr>
+          <p:cNvSpPr txBox="1"/>
           <p:nvPr/>
         </p:nvSpPr>
         <p:spPr>
           <a:xfrm>
-            <a:off x="510100" y="1690688"/>
-            <a:ext cx="3585194" cy="330257"/>
+            <a:off x="3712730" y="4092497"/>
+            <a:ext cx="655949" cy="400110"/>
           </a:xfrm>
           <a:prstGeom prst="rect">
             <a:avLst/>
           </a:prstGeom>
           <a:noFill/>
-          <a:ln w="19050">
-            <a:solidFill>
-              <a:srgbClr val="E4754F"/>
-            </a:solidFill>
-          </a:ln>
-        </p:spPr>
-        <p:style>
-          <a:lnRef idx="2">
-            <a:schemeClr val="accent1">
-              <a:shade val="50000"/>
-            </a:schemeClr>
-          </a:lnRef>
-          <a:fillRef idx="1">
-            <a:schemeClr val="accent1"/>
-          </a:fillRef>
-          <a:effectRef idx="0">
-            <a:schemeClr val="accent1"/>
-          </a:effectRef>
-          <a:fontRef idx="minor">
-            <a:schemeClr val="lt1"/>
-          </a:fontRef>
-        </p:style>
-        <p:txBody>
-          <a:bodyPr rtlCol="0" anchor="ctr"/>
-          <a:lstStyle/>
-          <a:p>
-            <a:pPr algn="ctr"/>
-            <a:endParaRPr lang="en-US"/>
-          </a:p>
-        </p:txBody>
-      </p:sp>
-      <p:pic>
-        <p:nvPicPr>
-          <p:cNvPr id="12" name="Picture 11">
-            <a:extLst>
-              <a:ext uri="{FF2B5EF4-FFF2-40B4-BE49-F238E27FC236}">
-                <a16:creationId xmlns:a16="http://schemas.microsoft.com/office/drawing/2014/main" id="{920D7AB4-496D-C34D-AFB3-46ACAA75E25F}"/>
-              </a:ext>
-            </a:extLst>
-          </p:cNvPr>
-          <p:cNvPicPr>
-            <a:picLocks noChangeAspect="1"/>
-          </p:cNvPicPr>
-          <p:nvPr/>
-        </p:nvPicPr>
-        <p:blipFill>
-          <a:blip r:embed="rId5"/>
-          <a:stretch>
-            <a:fillRect/>
-          </a:stretch>
-        </p:blipFill>
-        <p:spPr>
-          <a:xfrm>
-            <a:off x="361494" y="4081807"/>
-            <a:ext cx="6155581" cy="2734564"/>
-          </a:xfrm>
-          <a:prstGeom prst="rect">
-            <a:avLst/>
-          </a:prstGeom>
-        </p:spPr>
-      </p:pic>
-      <p:sp>
-        <p:nvSpPr>
-          <p:cNvPr id="13" name="TextBox 12">
-            <a:extLst>
-              <a:ext uri="{FF2B5EF4-FFF2-40B4-BE49-F238E27FC236}">
-                <a16:creationId xmlns:a16="http://schemas.microsoft.com/office/drawing/2014/main" id="{B33509D6-EC6F-A347-8DD4-BC83D7071C34}"/>
+        </p:spPr>
+        <p:txBody>
+          <a:bodyPr wrap="none" rtlCol="0">
+            <a:spAutoFit/>
+          </a:bodyPr>
+          <a:lstStyle/>
+          <a:p>
+            <a:r>
+              <a:rPr lang="en-US" sz="2000" dirty="0"/>
+              <a:t>JAX</a:t>
+            </a:r>
+          </a:p>
+        </p:txBody>
+      </p:sp>
+      <p:sp>
+        <p:nvSpPr>
+          <p:cNvPr id="11" name="TextBox 10">
+            <a:extLst>
+              <a:ext uri="{FF2B5EF4-FFF2-40B4-BE49-F238E27FC236}">
+                <a16:creationId xmlns:a16="http://schemas.microsoft.com/office/drawing/2014/main" id="{E2EA0D2B-CD69-5142-BA08-2CA47B87614F}"/>
               </a:ext>
             </a:extLst>
           </p:cNvPr>
@@ -10152,8 +10576,8 @@
         </p:nvSpPr>
         <p:spPr>
           <a:xfrm>
-            <a:off x="3346515" y="6018041"/>
-            <a:ext cx="3544560" cy="369332"/>
+            <a:off x="3484878" y="2143076"/>
+            <a:ext cx="1111651" cy="400110"/>
           </a:xfrm>
           <a:prstGeom prst="rect">
             <a:avLst/>
@@ -10167,8 +10591,44 @@
           <a:lstStyle/>
           <a:p>
             <a:r>
-              <a:rPr lang="en-US" dirty="0"/>
-              <a:t>Greater than 2 and 3 dimensions</a:t>
+              <a:rPr lang="en-US" sz="2000" dirty="0" err="1"/>
+              <a:t>PyTorch</a:t>
+            </a:r>
+            <a:endParaRPr lang="en-US" sz="2000" dirty="0"/>
+          </a:p>
+        </p:txBody>
+      </p:sp>
+      <p:sp>
+        <p:nvSpPr>
+          <p:cNvPr id="12" name="TextBox 11">
+            <a:extLst>
+              <a:ext uri="{FF2B5EF4-FFF2-40B4-BE49-F238E27FC236}">
+                <a16:creationId xmlns:a16="http://schemas.microsoft.com/office/drawing/2014/main" id="{ABD11DCF-9AEF-3747-BC6D-5988187F63AB}"/>
+              </a:ext>
+            </a:extLst>
+          </p:cNvPr>
+          <p:cNvSpPr txBox="1"/>
+          <p:nvPr/>
+        </p:nvSpPr>
+        <p:spPr>
+          <a:xfrm>
+            <a:off x="2935240" y="1399416"/>
+            <a:ext cx="2282997" cy="338554"/>
+          </a:xfrm>
+          <a:prstGeom prst="rect">
+            <a:avLst/>
+          </a:prstGeom>
+          <a:noFill/>
+        </p:spPr>
+        <p:txBody>
+          <a:bodyPr wrap="none" rtlCol="0">
+            <a:spAutoFit/>
+          </a:bodyPr>
+          <a:lstStyle/>
+          <a:p>
+            <a:r>
+              <a:rPr lang="en-US" sz="1600" dirty="0"/>
+              <a:t>(1D vectors are yellow)</a:t>
             </a:r>
           </a:p>
         </p:txBody>
@@ -10178,20 +10638,20 @@
           <p:cNvPr id="14" name="Straight Arrow Connector 13">
             <a:extLst>
               <a:ext uri="{FF2B5EF4-FFF2-40B4-BE49-F238E27FC236}">
-                <a16:creationId xmlns:a16="http://schemas.microsoft.com/office/drawing/2014/main" id="{39F31D14-AB77-A74D-BE71-97035E03188A}"/>
+                <a16:creationId xmlns:a16="http://schemas.microsoft.com/office/drawing/2014/main" id="{42225EDD-FD6B-D04C-B2A5-A10FAADCAEEB}"/>
               </a:ext>
             </a:extLst>
           </p:cNvPr>
           <p:cNvCxnSpPr>
             <a:cxnSpLocks/>
-            <a:stCxn id="13" idx="1"/>
+            <a:stCxn id="12" idx="2"/>
           </p:cNvCxnSpPr>
           <p:nvPr/>
         </p:nvCxnSpPr>
         <p:spPr>
           <a:xfrm flipH="1">
-            <a:off x="2639507" y="6202707"/>
-            <a:ext cx="707008" cy="9557"/>
+            <a:off x="2124975" y="1737970"/>
+            <a:ext cx="1951764" cy="514576"/>
           </a:xfrm>
           <a:prstGeom prst="straightConnector1">
             <a:avLst/>
@@ -10215,135 +10675,10 @@
           </a:fontRef>
         </p:style>
       </p:cxnSp>
-      <p:sp>
-        <p:nvSpPr>
-          <p:cNvPr id="17" name="Rectangle 16">
-            <a:extLst>
-              <a:ext uri="{FF2B5EF4-FFF2-40B4-BE49-F238E27FC236}">
-                <a16:creationId xmlns:a16="http://schemas.microsoft.com/office/drawing/2014/main" id="{97FBF7FF-F5F0-A04E-B572-2FA59D73EF33}"/>
-              </a:ext>
-            </a:extLst>
-          </p:cNvPr>
-          <p:cNvSpPr/>
-          <p:nvPr/>
-        </p:nvSpPr>
-        <p:spPr>
-          <a:xfrm>
-            <a:off x="426370" y="4541781"/>
-            <a:ext cx="3544560" cy="330257"/>
-          </a:xfrm>
-          <a:prstGeom prst="rect">
-            <a:avLst/>
-          </a:prstGeom>
-          <a:noFill/>
-          <a:ln w="19050">
-            <a:solidFill>
-              <a:srgbClr val="E4754F"/>
-            </a:solidFill>
-          </a:ln>
-        </p:spPr>
-        <p:style>
-          <a:lnRef idx="2">
-            <a:schemeClr val="accent1">
-              <a:shade val="50000"/>
-            </a:schemeClr>
-          </a:lnRef>
-          <a:fillRef idx="1">
-            <a:schemeClr val="accent1"/>
-          </a:fillRef>
-          <a:effectRef idx="0">
-            <a:schemeClr val="accent1"/>
-          </a:effectRef>
-          <a:fontRef idx="minor">
-            <a:schemeClr val="lt1"/>
-          </a:fontRef>
-        </p:style>
-        <p:txBody>
-          <a:bodyPr rtlCol="0" anchor="ctr"/>
-          <a:lstStyle/>
-          <a:p>
-            <a:pPr algn="ctr"/>
-            <a:endParaRPr lang="en-US"/>
-          </a:p>
-        </p:txBody>
-      </p:sp>
-      <p:cxnSp>
-        <p:nvCxnSpPr>
-          <p:cNvPr id="19" name="Straight Connector 18">
-            <a:extLst>
-              <a:ext uri="{FF2B5EF4-FFF2-40B4-BE49-F238E27FC236}">
-                <a16:creationId xmlns:a16="http://schemas.microsoft.com/office/drawing/2014/main" id="{7EE79A98-C646-1D4A-A18D-A0A07DC95041}"/>
-              </a:ext>
-            </a:extLst>
-          </p:cNvPr>
-          <p:cNvCxnSpPr>
-            <a:cxnSpLocks/>
-          </p:cNvCxnSpPr>
-          <p:nvPr/>
-        </p:nvCxnSpPr>
-        <p:spPr>
-          <a:xfrm>
-            <a:off x="6815581" y="1555423"/>
-            <a:ext cx="0" cy="4279769"/>
-          </a:xfrm>
-          <a:prstGeom prst="line">
-            <a:avLst/>
-          </a:prstGeom>
-        </p:spPr>
-        <p:style>
-          <a:lnRef idx="1">
-            <a:schemeClr val="accent1"/>
-          </a:lnRef>
-          <a:fillRef idx="0">
-            <a:schemeClr val="accent1"/>
-          </a:fillRef>
-          <a:effectRef idx="0">
-            <a:schemeClr val="accent1"/>
-          </a:effectRef>
-          <a:fontRef idx="minor">
-            <a:schemeClr val="tx1"/>
-          </a:fontRef>
-        </p:style>
-      </p:cxnSp>
-      <p:sp>
-        <p:nvSpPr>
-          <p:cNvPr id="21" name="TextBox 20">
-            <a:extLst>
-              <a:ext uri="{FF2B5EF4-FFF2-40B4-BE49-F238E27FC236}">
-                <a16:creationId xmlns:a16="http://schemas.microsoft.com/office/drawing/2014/main" id="{681F30B4-E073-E04A-83C1-98D6FBB2C3CB}"/>
-              </a:ext>
-            </a:extLst>
-          </p:cNvPr>
-          <p:cNvSpPr txBox="1"/>
-          <p:nvPr/>
-        </p:nvSpPr>
-        <p:spPr>
-          <a:xfrm>
-            <a:off x="7358335" y="5230257"/>
-            <a:ext cx="4355068" cy="707886"/>
-          </a:xfrm>
-          <a:prstGeom prst="rect">
-            <a:avLst/>
-          </a:prstGeom>
-          <a:noFill/>
-        </p:spPr>
-        <p:txBody>
-          <a:bodyPr wrap="square" rtlCol="0">
-            <a:spAutoFit/>
-          </a:bodyPr>
-          <a:lstStyle/>
-          <a:p>
-            <a:r>
-              <a:rPr lang="en-US" sz="2000" dirty="0"/>
-              <a:t>Very helpful when trying to read (even correct) code</a:t>
-            </a:r>
-          </a:p>
-        </p:txBody>
-      </p:sp>
     </p:spTree>
     <p:extLst>
       <p:ext uri="{BB962C8B-B14F-4D97-AF65-F5344CB8AC3E}">
-        <p14:creationId xmlns:p14="http://schemas.microsoft.com/office/powerpoint/2010/main" val="3545508290"/>
+        <p14:creationId xmlns:p14="http://schemas.microsoft.com/office/powerpoint/2010/main" val="2774779205"/>
       </p:ext>
     </p:extLst>
   </p:cSld>

--- a/talks/tensor-sensor.pptx
+++ b/talks/tensor-sensor.pptx
@@ -5,37 +5,41 @@
     <p:sldMasterId id="2147483672" r:id="rId1"/>
   </p:sldMasterIdLst>
   <p:notesMasterIdLst>
-    <p:notesMasterId r:id="rId27"/>
+    <p:notesMasterId r:id="rId31"/>
   </p:notesMasterIdLst>
   <p:handoutMasterIdLst>
-    <p:handoutMasterId r:id="rId28"/>
+    <p:handoutMasterId r:id="rId32"/>
   </p:handoutMasterIdLst>
   <p:sldIdLst>
     <p:sldId id="256" r:id="rId2"/>
     <p:sldId id="311" r:id="rId3"/>
     <p:sldId id="313" r:id="rId4"/>
-    <p:sldId id="314" r:id="rId5"/>
-    <p:sldId id="315" r:id="rId6"/>
-    <p:sldId id="289" r:id="rId7"/>
-    <p:sldId id="308" r:id="rId8"/>
-    <p:sldId id="290" r:id="rId9"/>
-    <p:sldId id="291" r:id="rId10"/>
-    <p:sldId id="292" r:id="rId11"/>
-    <p:sldId id="293" r:id="rId12"/>
-    <p:sldId id="294" r:id="rId13"/>
-    <p:sldId id="295" r:id="rId14"/>
-    <p:sldId id="296" r:id="rId15"/>
-    <p:sldId id="298" r:id="rId16"/>
-    <p:sldId id="299" r:id="rId17"/>
-    <p:sldId id="300" r:id="rId18"/>
-    <p:sldId id="302" r:id="rId19"/>
-    <p:sldId id="301" r:id="rId20"/>
-    <p:sldId id="303" r:id="rId21"/>
-    <p:sldId id="304" r:id="rId22"/>
-    <p:sldId id="305" r:id="rId23"/>
-    <p:sldId id="306" r:id="rId24"/>
-    <p:sldId id="312" r:id="rId25"/>
-    <p:sldId id="310" r:id="rId26"/>
+    <p:sldId id="308" r:id="rId5"/>
+    <p:sldId id="314" r:id="rId6"/>
+    <p:sldId id="316" r:id="rId7"/>
+    <p:sldId id="317" r:id="rId8"/>
+    <p:sldId id="319" r:id="rId9"/>
+    <p:sldId id="318" r:id="rId10"/>
+    <p:sldId id="315" r:id="rId11"/>
+    <p:sldId id="289" r:id="rId12"/>
+    <p:sldId id="290" r:id="rId13"/>
+    <p:sldId id="291" r:id="rId14"/>
+    <p:sldId id="292" r:id="rId15"/>
+    <p:sldId id="293" r:id="rId16"/>
+    <p:sldId id="294" r:id="rId17"/>
+    <p:sldId id="295" r:id="rId18"/>
+    <p:sldId id="296" r:id="rId19"/>
+    <p:sldId id="298" r:id="rId20"/>
+    <p:sldId id="299" r:id="rId21"/>
+    <p:sldId id="300" r:id="rId22"/>
+    <p:sldId id="302" r:id="rId23"/>
+    <p:sldId id="301" r:id="rId24"/>
+    <p:sldId id="303" r:id="rId25"/>
+    <p:sldId id="304" r:id="rId26"/>
+    <p:sldId id="305" r:id="rId27"/>
+    <p:sldId id="306" r:id="rId28"/>
+    <p:sldId id="312" r:id="rId29"/>
+    <p:sldId id="310" r:id="rId30"/>
   </p:sldIdLst>
   <p:sldSz cx="12192000" cy="6858000"/>
   <p:notesSz cx="9144000" cy="6858000"/>
@@ -230,7 +234,7 @@
           <a:p>
             <a:fld id="{8A1B613A-EFF1-404F-BEE8-EFAE84A4E5E2}" type="datetimeFigureOut">
               <a:rPr lang="en-US" smtClean="0"/>
-              <a:t>9/24/21</a:t>
+              <a:t>9/25/21</a:t>
             </a:fld>
             <a:endParaRPr lang="en-US"/>
           </a:p>
@@ -395,7 +399,7 @@
           <a:p>
             <a:fld id="{690847EA-AC25-3D4E-89E1-FD3F6A9702B6}" type="datetimeFigureOut">
               <a:rPr lang="en-US" smtClean="0"/>
-              <a:t>9/24/21</a:t>
+              <a:t>9/25/21</a:t>
             </a:fld>
             <a:endParaRPr lang="en-US"/>
           </a:p>
@@ -809,7 +813,7 @@
           <a:p>
             <a:fld id="{BE5295ED-3BAF-1140-8495-3D368771D6B1}" type="datetimeFigureOut">
               <a:rPr lang="en-US" smtClean="0"/>
-              <a:t>9/24/21</a:t>
+              <a:t>9/25/21</a:t>
             </a:fld>
             <a:endParaRPr lang="en-US"/>
           </a:p>
@@ -1007,7 +1011,7 @@
           <a:p>
             <a:fld id="{BE5295ED-3BAF-1140-8495-3D368771D6B1}" type="datetimeFigureOut">
               <a:rPr lang="en-US" smtClean="0"/>
-              <a:t>9/24/21</a:t>
+              <a:t>9/25/21</a:t>
             </a:fld>
             <a:endParaRPr lang="en-US"/>
           </a:p>
@@ -1215,7 +1219,7 @@
           <a:p>
             <a:fld id="{BE5295ED-3BAF-1140-8495-3D368771D6B1}" type="datetimeFigureOut">
               <a:rPr lang="en-US" smtClean="0"/>
-              <a:t>9/24/21</a:t>
+              <a:t>9/25/21</a:t>
             </a:fld>
             <a:endParaRPr lang="en-US"/>
           </a:p>
@@ -1413,7 +1417,7 @@
           <a:p>
             <a:fld id="{BE5295ED-3BAF-1140-8495-3D368771D6B1}" type="datetimeFigureOut">
               <a:rPr lang="en-US" smtClean="0"/>
-              <a:t>9/24/21</a:t>
+              <a:t>9/25/21</a:t>
             </a:fld>
             <a:endParaRPr lang="en-US"/>
           </a:p>
@@ -1688,7 +1692,7 @@
           <a:p>
             <a:fld id="{BE5295ED-3BAF-1140-8495-3D368771D6B1}" type="datetimeFigureOut">
               <a:rPr lang="en-US" smtClean="0"/>
-              <a:t>9/24/21</a:t>
+              <a:t>9/25/21</a:t>
             </a:fld>
             <a:endParaRPr lang="en-US"/>
           </a:p>
@@ -1953,7 +1957,7 @@
           <a:p>
             <a:fld id="{BE5295ED-3BAF-1140-8495-3D368771D6B1}" type="datetimeFigureOut">
               <a:rPr lang="en-US" smtClean="0"/>
-              <a:t>9/24/21</a:t>
+              <a:t>9/25/21</a:t>
             </a:fld>
             <a:endParaRPr lang="en-US"/>
           </a:p>
@@ -2365,7 +2369,7 @@
           <a:p>
             <a:fld id="{BE5295ED-3BAF-1140-8495-3D368771D6B1}" type="datetimeFigureOut">
               <a:rPr lang="en-US" smtClean="0"/>
-              <a:t>9/24/21</a:t>
+              <a:t>9/25/21</a:t>
             </a:fld>
             <a:endParaRPr lang="en-US"/>
           </a:p>
@@ -2506,7 +2510,7 @@
           <a:p>
             <a:fld id="{BE5295ED-3BAF-1140-8495-3D368771D6B1}" type="datetimeFigureOut">
               <a:rPr lang="en-US" smtClean="0"/>
-              <a:t>9/24/21</a:t>
+              <a:t>9/25/21</a:t>
             </a:fld>
             <a:endParaRPr lang="en-US"/>
           </a:p>
@@ -2619,7 +2623,7 @@
           <a:p>
             <a:fld id="{BE5295ED-3BAF-1140-8495-3D368771D6B1}" type="datetimeFigureOut">
               <a:rPr lang="en-US" smtClean="0"/>
-              <a:t>9/24/21</a:t>
+              <a:t>9/25/21</a:t>
             </a:fld>
             <a:endParaRPr lang="en-US"/>
           </a:p>
@@ -2930,7 +2934,7 @@
           <a:p>
             <a:fld id="{BE5295ED-3BAF-1140-8495-3D368771D6B1}" type="datetimeFigureOut">
               <a:rPr lang="en-US" smtClean="0"/>
-              <a:t>9/24/21</a:t>
+              <a:t>9/25/21</a:t>
             </a:fld>
             <a:endParaRPr lang="en-US"/>
           </a:p>
@@ -3221,7 +3225,7 @@
           <a:p>
             <a:fld id="{BE5295ED-3BAF-1140-8495-3D368771D6B1}" type="datetimeFigureOut">
               <a:rPr lang="en-US" smtClean="0"/>
-              <a:t>9/24/21</a:t>
+              <a:t>9/25/21</a:t>
             </a:fld>
             <a:endParaRPr lang="en-US"/>
           </a:p>
@@ -3462,7 +3466,7 @@
           <a:p>
             <a:fld id="{BE5295ED-3BAF-1140-8495-3D368771D6B1}" type="datetimeFigureOut">
               <a:rPr lang="en-US" smtClean="0"/>
-              <a:t>9/24/21</a:t>
+              <a:t>9/25/21</a:t>
             </a:fld>
             <a:endParaRPr lang="en-US"/>
           </a:p>
@@ -4103,6 +4107,1072 @@
           <p:cNvPr id="2" name="Title 1">
             <a:extLst>
               <a:ext uri="{FF2B5EF4-FFF2-40B4-BE49-F238E27FC236}">
+                <a16:creationId xmlns:a16="http://schemas.microsoft.com/office/drawing/2014/main" id="{EF4C368D-B99D-D14A-B23D-A67B65AF6C9A}"/>
+              </a:ext>
+            </a:extLst>
+          </p:cNvPr>
+          <p:cNvSpPr>
+            <a:spLocks noGrp="1"/>
+          </p:cNvSpPr>
+          <p:nvPr>
+            <p:ph type="title"/>
+          </p:nvPr>
+        </p:nvSpPr>
+        <p:spPr/>
+        <p:txBody>
+          <a:bodyPr/>
+          <a:lstStyle/>
+          <a:p>
+            <a:r>
+              <a:rPr lang="en-US" dirty="0"/>
+              <a:t>We need an automated solution</a:t>
+            </a:r>
+          </a:p>
+        </p:txBody>
+      </p:sp>
+      <p:sp>
+        <p:nvSpPr>
+          <p:cNvPr id="3" name="Content Placeholder 2">
+            <a:extLst>
+              <a:ext uri="{FF2B5EF4-FFF2-40B4-BE49-F238E27FC236}">
+                <a16:creationId xmlns:a16="http://schemas.microsoft.com/office/drawing/2014/main" id="{6D2DFF5B-A91F-F940-AAEF-430917D3D635}"/>
+              </a:ext>
+            </a:extLst>
+          </p:cNvPr>
+          <p:cNvSpPr>
+            <a:spLocks noGrp="1"/>
+          </p:cNvSpPr>
+          <p:nvPr>
+            <p:ph idx="1"/>
+          </p:nvPr>
+        </p:nvSpPr>
+        <p:spPr/>
+        <p:txBody>
+          <a:bodyPr/>
+          <a:lstStyle/>
+          <a:p>
+            <a:r>
+              <a:rPr lang="en-US" dirty="0"/>
+              <a:t>The goal is to replicate the print injection</a:t>
+            </a:r>
+          </a:p>
+          <a:p>
+            <a:r>
+              <a:rPr lang="en-US" dirty="0"/>
+              <a:t>Exceptions are usually triggered in C++ lib, which cannot easily indicated Python variable names in error messages</a:t>
+            </a:r>
+          </a:p>
+          <a:p>
+            <a:r>
+              <a:rPr lang="en-US" dirty="0"/>
+              <a:t>Python exceptions also occur at the line level rather than the operator level so error messages cannot identify offending subexpressions within complicated matrix algebra statements</a:t>
+            </a:r>
+          </a:p>
+          <a:p>
+            <a:r>
+              <a:rPr lang="en-US" dirty="0"/>
+              <a:t>What’s the best programmer interface?</a:t>
+            </a:r>
+          </a:p>
+        </p:txBody>
+      </p:sp>
+    </p:spTree>
+    <p:extLst>
+      <p:ext uri="{BB962C8B-B14F-4D97-AF65-F5344CB8AC3E}">
+        <p14:creationId xmlns:p14="http://schemas.microsoft.com/office/powerpoint/2010/main" val="2772349986"/>
+      </p:ext>
+    </p:extLst>
+  </p:cSld>
+  <p:clrMapOvr>
+    <a:masterClrMapping/>
+  </p:clrMapOvr>
+</p:sld>
+</file>
+
+<file path=ppt/slides/slide11.xml><?xml version="1.0" encoding="utf-8"?>
+<p:sld xmlns:a="http://schemas.openxmlformats.org/drawingml/2006/main" xmlns:r="http://schemas.openxmlformats.org/officeDocument/2006/relationships" xmlns:p="http://schemas.openxmlformats.org/presentationml/2006/main">
+  <p:cSld>
+    <p:spTree>
+      <p:nvGrpSpPr>
+        <p:cNvPr id="1" name=""/>
+        <p:cNvGrpSpPr/>
+        <p:nvPr/>
+      </p:nvGrpSpPr>
+      <p:grpSpPr>
+        <a:xfrm>
+          <a:off x="0" y="0"/>
+          <a:ext cx="0" cy="0"/>
+          <a:chOff x="0" y="0"/>
+          <a:chExt cx="0" cy="0"/>
+        </a:xfrm>
+      </p:grpSpPr>
+      <p:sp>
+        <p:nvSpPr>
+          <p:cNvPr id="2" name="Title 1">
+            <a:extLst>
+              <a:ext uri="{FF2B5EF4-FFF2-40B4-BE49-F238E27FC236}">
+                <a16:creationId xmlns:a16="http://schemas.microsoft.com/office/drawing/2014/main" id="{B2880514-D98A-3E4F-9079-AFFCE297BE21}"/>
+              </a:ext>
+            </a:extLst>
+          </p:cNvPr>
+          <p:cNvSpPr>
+            <a:spLocks noGrp="1"/>
+          </p:cNvSpPr>
+          <p:nvPr>
+            <p:ph type="title"/>
+          </p:nvPr>
+        </p:nvSpPr>
+        <p:spPr>
+          <a:xfrm>
+            <a:off x="838200" y="365126"/>
+            <a:ext cx="10515600" cy="1036292"/>
+          </a:xfrm>
+        </p:spPr>
+        <p:txBody>
+          <a:bodyPr/>
+          <a:lstStyle/>
+          <a:p>
+            <a:r>
+              <a:rPr lang="en-US" dirty="0"/>
+              <a:t>Current programmer aids are weak</a:t>
+            </a:r>
+          </a:p>
+        </p:txBody>
+      </p:sp>
+      <p:sp>
+        <p:nvSpPr>
+          <p:cNvPr id="3" name="Content Placeholder 2">
+            <a:extLst>
+              <a:ext uri="{FF2B5EF4-FFF2-40B4-BE49-F238E27FC236}">
+                <a16:creationId xmlns:a16="http://schemas.microsoft.com/office/drawing/2014/main" id="{06B60634-1AE0-B648-AF40-9AABCB0EAE7B}"/>
+              </a:ext>
+            </a:extLst>
+          </p:cNvPr>
+          <p:cNvSpPr>
+            <a:spLocks noGrp="1"/>
+          </p:cNvSpPr>
+          <p:nvPr>
+            <p:ph idx="1"/>
+          </p:nvPr>
+        </p:nvSpPr>
+        <p:spPr>
+          <a:xfrm>
+            <a:off x="838200" y="1401417"/>
+            <a:ext cx="10515600" cy="4775546"/>
+          </a:xfrm>
+        </p:spPr>
+        <p:txBody>
+          <a:bodyPr/>
+          <a:lstStyle/>
+          <a:p>
+            <a:r>
+              <a:rPr lang="en-US" dirty="0"/>
+              <a:t>It's easy to lose track of matrix/tensor dimensionality in even simple expressions (even in statically-typed languages)</a:t>
+            </a:r>
+          </a:p>
+          <a:p>
+            <a:r>
+              <a:rPr lang="en-US" dirty="0"/>
+              <a:t>Upon error, we often get less than helpful exception messages</a:t>
+            </a:r>
+          </a:p>
+          <a:p>
+            <a:r>
+              <a:rPr lang="en-US" dirty="0"/>
+              <a:t>E.g., here's a sample NumPy message:</a:t>
+            </a:r>
+          </a:p>
+          <a:p>
+            <a:endParaRPr lang="en-US" dirty="0"/>
+          </a:p>
+        </p:txBody>
+      </p:sp>
+      <p:pic>
+        <p:nvPicPr>
+          <p:cNvPr id="5" name="Picture 4">
+            <a:extLst>
+              <a:ext uri="{FF2B5EF4-FFF2-40B4-BE49-F238E27FC236}">
+                <a16:creationId xmlns:a16="http://schemas.microsoft.com/office/drawing/2014/main" id="{D4D9FB6D-05CB-704F-B08F-AC5234F99E9E}"/>
+              </a:ext>
+            </a:extLst>
+          </p:cNvPr>
+          <p:cNvPicPr>
+            <a:picLocks noChangeAspect="1"/>
+          </p:cNvPicPr>
+          <p:nvPr/>
+        </p:nvPicPr>
+        <p:blipFill>
+          <a:blip r:embed="rId2"/>
+          <a:stretch>
+            <a:fillRect/>
+          </a:stretch>
+        </p:blipFill>
+        <p:spPr>
+          <a:xfrm>
+            <a:off x="1691380" y="3586163"/>
+            <a:ext cx="7340600" cy="2590800"/>
+          </a:xfrm>
+          <a:prstGeom prst="rect">
+            <a:avLst/>
+          </a:prstGeom>
+        </p:spPr>
+      </p:pic>
+      <p:sp>
+        <p:nvSpPr>
+          <p:cNvPr id="6" name="TextBox 5">
+            <a:extLst>
+              <a:ext uri="{FF2B5EF4-FFF2-40B4-BE49-F238E27FC236}">
+                <a16:creationId xmlns:a16="http://schemas.microsoft.com/office/drawing/2014/main" id="{8436D1D9-357E-4F4E-85B6-52AB2A14B629}"/>
+              </a:ext>
+            </a:extLst>
+          </p:cNvPr>
+          <p:cNvSpPr txBox="1"/>
+          <p:nvPr/>
+        </p:nvSpPr>
+        <p:spPr>
+          <a:xfrm>
+            <a:off x="9288811" y="4328242"/>
+            <a:ext cx="2064989" cy="1015663"/>
+          </a:xfrm>
+          <a:prstGeom prst="rect">
+            <a:avLst/>
+          </a:prstGeom>
+          <a:noFill/>
+        </p:spPr>
+        <p:txBody>
+          <a:bodyPr wrap="none" rtlCol="0">
+            <a:spAutoFit/>
+          </a:bodyPr>
+          <a:lstStyle/>
+          <a:p>
+            <a:r>
+              <a:rPr lang="en-US" sz="2000" i="1" dirty="0"/>
+              <a:t>Which operator?</a:t>
+            </a:r>
+          </a:p>
+          <a:p>
+            <a:endParaRPr lang="en-US" sz="2000" i="1" dirty="0"/>
+          </a:p>
+          <a:p>
+            <a:r>
+              <a:rPr lang="en-US" sz="2000" i="1" dirty="0"/>
+              <a:t>Which operand?</a:t>
+            </a:r>
+          </a:p>
+        </p:txBody>
+      </p:sp>
+    </p:spTree>
+    <p:extLst>
+      <p:ext uri="{BB962C8B-B14F-4D97-AF65-F5344CB8AC3E}">
+        <p14:creationId xmlns:p14="http://schemas.microsoft.com/office/powerpoint/2010/main" val="3110574489"/>
+      </p:ext>
+    </p:extLst>
+  </p:cSld>
+  <p:clrMapOvr>
+    <a:masterClrMapping/>
+  </p:clrMapOvr>
+</p:sld>
+</file>
+
+<file path=ppt/slides/slide12.xml><?xml version="1.0" encoding="utf-8"?>
+<p:sld xmlns:a="http://schemas.openxmlformats.org/drawingml/2006/main" xmlns:r="http://schemas.openxmlformats.org/officeDocument/2006/relationships" xmlns:p="http://schemas.openxmlformats.org/presentationml/2006/main">
+  <p:cSld>
+    <p:spTree>
+      <p:nvGrpSpPr>
+        <p:cNvPr id="1" name=""/>
+        <p:cNvGrpSpPr/>
+        <p:nvPr/>
+      </p:nvGrpSpPr>
+      <p:grpSpPr>
+        <a:xfrm>
+          <a:off x="0" y="0"/>
+          <a:ext cx="0" cy="0"/>
+          <a:chOff x="0" y="0"/>
+          <a:chExt cx="0" cy="0"/>
+        </a:xfrm>
+      </p:grpSpPr>
+      <p:sp>
+        <p:nvSpPr>
+          <p:cNvPr id="2" name="Title 1">
+            <a:extLst>
+              <a:ext uri="{FF2B5EF4-FFF2-40B4-BE49-F238E27FC236}">
+                <a16:creationId xmlns:a16="http://schemas.microsoft.com/office/drawing/2014/main" id="{9B24DD6E-ECEF-5549-A412-0E23470C342B}"/>
+              </a:ext>
+            </a:extLst>
+          </p:cNvPr>
+          <p:cNvSpPr>
+            <a:spLocks noGrp="1"/>
+          </p:cNvSpPr>
+          <p:nvPr>
+            <p:ph type="title"/>
+          </p:nvPr>
+        </p:nvSpPr>
+        <p:spPr/>
+        <p:txBody>
+          <a:bodyPr>
+            <a:normAutofit/>
+          </a:bodyPr>
+          <a:lstStyle/>
+          <a:p>
+            <a:r>
+              <a:rPr lang="en-US" dirty="0"/>
+              <a:t>Clarifying errors</a:t>
+            </a:r>
+            <a:br>
+              <a:rPr lang="en-US" dirty="0"/>
+            </a:br>
+            <a:r>
+              <a:rPr lang="en-US" dirty="0"/>
+              <a:t>visually &amp; textually</a:t>
+            </a:r>
+          </a:p>
+        </p:txBody>
+      </p:sp>
+      <p:pic>
+        <p:nvPicPr>
+          <p:cNvPr id="5" name="Picture 4">
+            <a:extLst>
+              <a:ext uri="{FF2B5EF4-FFF2-40B4-BE49-F238E27FC236}">
+                <a16:creationId xmlns:a16="http://schemas.microsoft.com/office/drawing/2014/main" id="{76E7EF07-5536-B847-A3F4-85DD7161A5A6}"/>
+              </a:ext>
+            </a:extLst>
+          </p:cNvPr>
+          <p:cNvPicPr>
+            <a:picLocks noChangeAspect="1"/>
+          </p:cNvPicPr>
+          <p:nvPr/>
+        </p:nvPicPr>
+        <p:blipFill>
+          <a:blip r:embed="rId2"/>
+          <a:stretch>
+            <a:fillRect/>
+          </a:stretch>
+        </p:blipFill>
+        <p:spPr>
+          <a:xfrm>
+            <a:off x="696247" y="2676746"/>
+            <a:ext cx="4626665" cy="2055193"/>
+          </a:xfrm>
+          <a:prstGeom prst="rect">
+            <a:avLst/>
+          </a:prstGeom>
+        </p:spPr>
+      </p:pic>
+      <p:pic>
+        <p:nvPicPr>
+          <p:cNvPr id="7" name="Picture 6">
+            <a:extLst>
+              <a:ext uri="{FF2B5EF4-FFF2-40B4-BE49-F238E27FC236}">
+                <a16:creationId xmlns:a16="http://schemas.microsoft.com/office/drawing/2014/main" id="{E9A50E6B-4659-2049-A19B-0DF81CB120D5}"/>
+              </a:ext>
+            </a:extLst>
+          </p:cNvPr>
+          <p:cNvPicPr>
+            <a:picLocks noChangeAspect="1"/>
+          </p:cNvPicPr>
+          <p:nvPr/>
+        </p:nvPicPr>
+        <p:blipFill>
+          <a:blip r:embed="rId3"/>
+          <a:stretch>
+            <a:fillRect/>
+          </a:stretch>
+        </p:blipFill>
+        <p:spPr>
+          <a:xfrm>
+            <a:off x="5925931" y="681037"/>
+            <a:ext cx="6045200" cy="5384800"/>
+          </a:xfrm>
+          <a:prstGeom prst="rect">
+            <a:avLst/>
+          </a:prstGeom>
+        </p:spPr>
+      </p:pic>
+      <p:sp>
+        <p:nvSpPr>
+          <p:cNvPr id="8" name="Rectangle 7">
+            <a:extLst>
+              <a:ext uri="{FF2B5EF4-FFF2-40B4-BE49-F238E27FC236}">
+                <a16:creationId xmlns:a16="http://schemas.microsoft.com/office/drawing/2014/main" id="{D3159D01-63B7-7E4D-AE7E-C267F70BB539}"/>
+              </a:ext>
+            </a:extLst>
+          </p:cNvPr>
+          <p:cNvSpPr/>
+          <p:nvPr/>
+        </p:nvSpPr>
+        <p:spPr>
+          <a:xfrm>
+            <a:off x="27057" y="6426625"/>
+            <a:ext cx="4762842" cy="369332"/>
+          </a:xfrm>
+          <a:prstGeom prst="rect">
+            <a:avLst/>
+          </a:prstGeom>
+        </p:spPr>
+        <p:txBody>
+          <a:bodyPr wrap="none">
+            <a:spAutoFit/>
+          </a:bodyPr>
+          <a:lstStyle/>
+          <a:p>
+            <a:r>
+              <a:rPr lang="en-US" dirty="0">
+                <a:hlinkClick r:id="rId4"/>
+              </a:rPr>
+              <a:t>https://explained.ai/tensor-sensor/index.html</a:t>
+            </a:r>
+            <a:r>
+              <a:rPr lang="en-US" dirty="0"/>
+              <a:t> </a:t>
+            </a:r>
+          </a:p>
+        </p:txBody>
+      </p:sp>
+      <p:sp>
+        <p:nvSpPr>
+          <p:cNvPr id="10" name="Right Arrow 9">
+            <a:extLst>
+              <a:ext uri="{FF2B5EF4-FFF2-40B4-BE49-F238E27FC236}">
+                <a16:creationId xmlns:a16="http://schemas.microsoft.com/office/drawing/2014/main" id="{8B12D685-6B1A-604C-B2EA-FB6EE4739ACE}"/>
+              </a:ext>
+            </a:extLst>
+          </p:cNvPr>
+          <p:cNvSpPr/>
+          <p:nvPr/>
+        </p:nvSpPr>
+        <p:spPr>
+          <a:xfrm rot="1748416">
+            <a:off x="4773217" y="4414309"/>
+            <a:ext cx="1218510" cy="484632"/>
+          </a:xfrm>
+          <a:prstGeom prst="rightArrow">
+            <a:avLst/>
+          </a:prstGeom>
+          <a:solidFill>
+            <a:schemeClr val="accent1">
+              <a:lumMod val="60000"/>
+              <a:lumOff val="40000"/>
+            </a:schemeClr>
+          </a:solidFill>
+        </p:spPr>
+        <p:style>
+          <a:lnRef idx="2">
+            <a:schemeClr val="accent1">
+              <a:shade val="50000"/>
+            </a:schemeClr>
+          </a:lnRef>
+          <a:fillRef idx="1">
+            <a:schemeClr val="accent1"/>
+          </a:fillRef>
+          <a:effectRef idx="0">
+            <a:schemeClr val="accent1"/>
+          </a:effectRef>
+          <a:fontRef idx="minor">
+            <a:schemeClr val="lt1"/>
+          </a:fontRef>
+        </p:style>
+        <p:txBody>
+          <a:bodyPr rtlCol="0" anchor="ctr"/>
+          <a:lstStyle/>
+          <a:p>
+            <a:pPr algn="ctr"/>
+            <a:endParaRPr lang="en-US"/>
+          </a:p>
+        </p:txBody>
+      </p:sp>
+      <p:sp>
+        <p:nvSpPr>
+          <p:cNvPr id="11" name="Right Arrow 10">
+            <a:extLst>
+              <a:ext uri="{FF2B5EF4-FFF2-40B4-BE49-F238E27FC236}">
+                <a16:creationId xmlns:a16="http://schemas.microsoft.com/office/drawing/2014/main" id="{3D4CC8C8-A56F-0646-BBEA-F7E29FDA4EF9}"/>
+              </a:ext>
+            </a:extLst>
+          </p:cNvPr>
+          <p:cNvSpPr/>
+          <p:nvPr/>
+        </p:nvSpPr>
+        <p:spPr>
+          <a:xfrm rot="21344001">
+            <a:off x="3775995" y="2521964"/>
+            <a:ext cx="2217199" cy="484632"/>
+          </a:xfrm>
+          <a:prstGeom prst="rightArrow">
+            <a:avLst>
+              <a:gd name="adj1" fmla="val 53831"/>
+              <a:gd name="adj2" fmla="val 50000"/>
+            </a:avLst>
+          </a:prstGeom>
+          <a:solidFill>
+            <a:schemeClr val="accent1">
+              <a:lumMod val="60000"/>
+              <a:lumOff val="40000"/>
+            </a:schemeClr>
+          </a:solidFill>
+        </p:spPr>
+        <p:style>
+          <a:lnRef idx="2">
+            <a:schemeClr val="accent1">
+              <a:shade val="50000"/>
+            </a:schemeClr>
+          </a:lnRef>
+          <a:fillRef idx="1">
+            <a:schemeClr val="accent1"/>
+          </a:fillRef>
+          <a:effectRef idx="0">
+            <a:schemeClr val="accent1"/>
+          </a:effectRef>
+          <a:fontRef idx="minor">
+            <a:schemeClr val="lt1"/>
+          </a:fontRef>
+        </p:style>
+        <p:txBody>
+          <a:bodyPr rtlCol="0" anchor="ctr"/>
+          <a:lstStyle/>
+          <a:p>
+            <a:pPr algn="ctr"/>
+            <a:endParaRPr lang="en-US"/>
+          </a:p>
+        </p:txBody>
+      </p:sp>
+      <p:sp>
+        <p:nvSpPr>
+          <p:cNvPr id="13" name="Rectangle 12">
+            <a:extLst>
+              <a:ext uri="{FF2B5EF4-FFF2-40B4-BE49-F238E27FC236}">
+                <a16:creationId xmlns:a16="http://schemas.microsoft.com/office/drawing/2014/main" id="{8AA699DF-84B8-3541-97E5-7CBAE02B9D22}"/>
+              </a:ext>
+            </a:extLst>
+          </p:cNvPr>
+          <p:cNvSpPr/>
+          <p:nvPr/>
+        </p:nvSpPr>
+        <p:spPr>
+          <a:xfrm>
+            <a:off x="10731596" y="121028"/>
+            <a:ext cx="1460404" cy="1569660"/>
+          </a:xfrm>
+          <a:prstGeom prst="rect">
+            <a:avLst/>
+          </a:prstGeom>
+        </p:spPr>
+        <p:txBody>
+          <a:bodyPr wrap="square">
+            <a:spAutoFit/>
+          </a:bodyPr>
+          <a:lstStyle/>
+          <a:p>
+            <a:r>
+              <a:rPr lang="en-US" sz="9600" dirty="0"/>
+              <a:t>🎉</a:t>
+            </a:r>
+          </a:p>
+        </p:txBody>
+      </p:sp>
+      <p:sp>
+        <p:nvSpPr>
+          <p:cNvPr id="14" name="TextBox 13">
+            <a:extLst>
+              <a:ext uri="{FF2B5EF4-FFF2-40B4-BE49-F238E27FC236}">
+                <a16:creationId xmlns:a16="http://schemas.microsoft.com/office/drawing/2014/main" id="{384F2669-F6F1-D647-8FDE-0D3E2D463C0D}"/>
+              </a:ext>
+            </a:extLst>
+          </p:cNvPr>
+          <p:cNvSpPr txBox="1"/>
+          <p:nvPr/>
+        </p:nvSpPr>
+        <p:spPr>
+          <a:xfrm>
+            <a:off x="-160890" y="1917083"/>
+            <a:ext cx="1415772" cy="1569660"/>
+          </a:xfrm>
+          <a:prstGeom prst="rect">
+            <a:avLst/>
+          </a:prstGeom>
+          <a:noFill/>
+        </p:spPr>
+        <p:txBody>
+          <a:bodyPr wrap="none" rtlCol="0">
+            <a:spAutoFit/>
+          </a:bodyPr>
+          <a:lstStyle/>
+          <a:p>
+            <a:r>
+              <a:rPr lang="en-US" sz="9600" dirty="0"/>
+              <a:t>😿</a:t>
+            </a:r>
+          </a:p>
+        </p:txBody>
+      </p:sp>
+      <p:sp>
+        <p:nvSpPr>
+          <p:cNvPr id="15" name="Rectangle 14">
+            <a:extLst>
+              <a:ext uri="{FF2B5EF4-FFF2-40B4-BE49-F238E27FC236}">
+                <a16:creationId xmlns:a16="http://schemas.microsoft.com/office/drawing/2014/main" id="{75F85CD5-F246-CD48-AD14-72EEA7F4824E}"/>
+              </a:ext>
+            </a:extLst>
+          </p:cNvPr>
+          <p:cNvSpPr/>
+          <p:nvPr/>
+        </p:nvSpPr>
+        <p:spPr>
+          <a:xfrm>
+            <a:off x="5970442" y="1096186"/>
+            <a:ext cx="3697666" cy="409229"/>
+          </a:xfrm>
+          <a:prstGeom prst="rect">
+            <a:avLst/>
+          </a:prstGeom>
+          <a:noFill/>
+          <a:ln w="19050">
+            <a:solidFill>
+              <a:srgbClr val="E4754F"/>
+            </a:solidFill>
+          </a:ln>
+        </p:spPr>
+        <p:style>
+          <a:lnRef idx="2">
+            <a:schemeClr val="accent1">
+              <a:shade val="50000"/>
+            </a:schemeClr>
+          </a:lnRef>
+          <a:fillRef idx="1">
+            <a:schemeClr val="accent1"/>
+          </a:fillRef>
+          <a:effectRef idx="0">
+            <a:schemeClr val="accent1"/>
+          </a:effectRef>
+          <a:fontRef idx="minor">
+            <a:schemeClr val="lt1"/>
+          </a:fontRef>
+        </p:style>
+        <p:txBody>
+          <a:bodyPr rtlCol="0" anchor="ctr"/>
+          <a:lstStyle/>
+          <a:p>
+            <a:pPr algn="ctr"/>
+            <a:endParaRPr lang="en-US"/>
+          </a:p>
+        </p:txBody>
+      </p:sp>
+      <p:sp>
+        <p:nvSpPr>
+          <p:cNvPr id="16" name="TextBox 15">
+            <a:extLst>
+              <a:ext uri="{FF2B5EF4-FFF2-40B4-BE49-F238E27FC236}">
+                <a16:creationId xmlns:a16="http://schemas.microsoft.com/office/drawing/2014/main" id="{B1DAB5FF-703B-2D46-816F-8884997C77F6}"/>
+              </a:ext>
+            </a:extLst>
+          </p:cNvPr>
+          <p:cNvSpPr txBox="1"/>
+          <p:nvPr/>
+        </p:nvSpPr>
+        <p:spPr>
+          <a:xfrm>
+            <a:off x="2673242" y="5130883"/>
+            <a:ext cx="3274525" cy="646331"/>
+          </a:xfrm>
+          <a:prstGeom prst="rect">
+            <a:avLst/>
+          </a:prstGeom>
+          <a:noFill/>
+        </p:spPr>
+        <p:txBody>
+          <a:bodyPr wrap="square" rtlCol="0">
+            <a:spAutoFit/>
+          </a:bodyPr>
+          <a:lstStyle/>
+          <a:p>
+            <a:pPr lvl="1" algn="r"/>
+            <a:r>
+              <a:rPr lang="en-US" dirty="0" err="1"/>
+              <a:t>TensorSensor</a:t>
+            </a:r>
+            <a:r>
+              <a:rPr lang="en-US" dirty="0"/>
+              <a:t> augments</a:t>
+            </a:r>
+          </a:p>
+          <a:p>
+            <a:pPr lvl="1" algn="r"/>
+            <a:r>
+              <a:rPr lang="en-US" dirty="0"/>
+              <a:t>exception messages</a:t>
+            </a:r>
+          </a:p>
+        </p:txBody>
+      </p:sp>
+      <p:sp>
+        <p:nvSpPr>
+          <p:cNvPr id="17" name="TextBox 16">
+            <a:extLst>
+              <a:ext uri="{FF2B5EF4-FFF2-40B4-BE49-F238E27FC236}">
+                <a16:creationId xmlns:a16="http://schemas.microsoft.com/office/drawing/2014/main" id="{E9D29132-28FE-354C-A4A1-AA8A348A6A8C}"/>
+              </a:ext>
+            </a:extLst>
+          </p:cNvPr>
+          <p:cNvSpPr txBox="1"/>
+          <p:nvPr/>
+        </p:nvSpPr>
+        <p:spPr>
+          <a:xfrm>
+            <a:off x="8807040" y="2105837"/>
+            <a:ext cx="3274525" cy="1200329"/>
+          </a:xfrm>
+          <a:prstGeom prst="rect">
+            <a:avLst/>
+          </a:prstGeom>
+          <a:noFill/>
+        </p:spPr>
+        <p:txBody>
+          <a:bodyPr wrap="square" rtlCol="0">
+            <a:spAutoFit/>
+          </a:bodyPr>
+          <a:lstStyle/>
+          <a:p>
+            <a:pPr lvl="1"/>
+            <a:r>
+              <a:rPr lang="en-US" dirty="0" err="1"/>
+              <a:t>TensorSensor</a:t>
+            </a:r>
+            <a:r>
+              <a:rPr lang="en-US" dirty="0"/>
+              <a:t> generates visual cues to matrix dimensions and offending operator / operands</a:t>
+            </a:r>
+          </a:p>
+        </p:txBody>
+      </p:sp>
+    </p:spTree>
+    <p:extLst>
+      <p:ext uri="{BB962C8B-B14F-4D97-AF65-F5344CB8AC3E}">
+        <p14:creationId xmlns:p14="http://schemas.microsoft.com/office/powerpoint/2010/main" val="3451222615"/>
+      </p:ext>
+    </p:extLst>
+  </p:cSld>
+  <p:clrMapOvr>
+    <a:masterClrMapping/>
+  </p:clrMapOvr>
+</p:sld>
+</file>
+
+<file path=ppt/slides/slide13.xml><?xml version="1.0" encoding="utf-8"?>
+<p:sld xmlns:a="http://schemas.openxmlformats.org/drawingml/2006/main" xmlns:r="http://schemas.openxmlformats.org/officeDocument/2006/relationships" xmlns:p="http://schemas.openxmlformats.org/presentationml/2006/main">
+  <p:cSld>
+    <p:spTree>
+      <p:nvGrpSpPr>
+        <p:cNvPr id="1" name=""/>
+        <p:cNvGrpSpPr/>
+        <p:nvPr/>
+      </p:nvGrpSpPr>
+      <p:grpSpPr>
+        <a:xfrm>
+          <a:off x="0" y="0"/>
+          <a:ext cx="0" cy="0"/>
+          <a:chOff x="0" y="0"/>
+          <a:chExt cx="0" cy="0"/>
+        </a:xfrm>
+      </p:grpSpPr>
+      <p:sp>
+        <p:nvSpPr>
+          <p:cNvPr id="2" name="Title 1">
+            <a:extLst>
+              <a:ext uri="{FF2B5EF4-FFF2-40B4-BE49-F238E27FC236}">
+                <a16:creationId xmlns:a16="http://schemas.microsoft.com/office/drawing/2014/main" id="{77C84AC9-6D68-B847-8432-35493E969DEB}"/>
+              </a:ext>
+            </a:extLst>
+          </p:cNvPr>
+          <p:cNvSpPr>
+            <a:spLocks noGrp="1"/>
+          </p:cNvSpPr>
+          <p:nvPr>
+            <p:ph type="title"/>
+          </p:nvPr>
+        </p:nvSpPr>
+        <p:spPr/>
+        <p:txBody>
+          <a:bodyPr/>
+          <a:lstStyle/>
+          <a:p>
+            <a:r>
+              <a:rPr lang="en-US" dirty="0"/>
+              <a:t>Requirement: support multiple libraries</a:t>
+            </a:r>
+          </a:p>
+        </p:txBody>
+      </p:sp>
+      <p:pic>
+        <p:nvPicPr>
+          <p:cNvPr id="7" name="Picture 6">
+            <a:extLst>
+              <a:ext uri="{FF2B5EF4-FFF2-40B4-BE49-F238E27FC236}">
+                <a16:creationId xmlns:a16="http://schemas.microsoft.com/office/drawing/2014/main" id="{7747BABE-7A01-F341-8455-592CFA5A9D97}"/>
+              </a:ext>
+            </a:extLst>
+          </p:cNvPr>
+          <p:cNvPicPr>
+            <a:picLocks noChangeAspect="1"/>
+          </p:cNvPicPr>
+          <p:nvPr/>
+        </p:nvPicPr>
+        <p:blipFill>
+          <a:blip r:embed="rId2"/>
+          <a:stretch>
+            <a:fillRect/>
+          </a:stretch>
+        </p:blipFill>
+        <p:spPr>
+          <a:xfrm>
+            <a:off x="355111" y="4170557"/>
+            <a:ext cx="5924464" cy="2071416"/>
+          </a:xfrm>
+          <a:prstGeom prst="rect">
+            <a:avLst/>
+          </a:prstGeom>
+        </p:spPr>
+      </p:pic>
+      <p:pic>
+        <p:nvPicPr>
+          <p:cNvPr id="9" name="Picture 8">
+            <a:extLst>
+              <a:ext uri="{FF2B5EF4-FFF2-40B4-BE49-F238E27FC236}">
+                <a16:creationId xmlns:a16="http://schemas.microsoft.com/office/drawing/2014/main" id="{208FAAC5-76ED-994C-9D2D-B0132110E894}"/>
+              </a:ext>
+            </a:extLst>
+          </p:cNvPr>
+          <p:cNvPicPr>
+            <a:picLocks noChangeAspect="1"/>
+          </p:cNvPicPr>
+          <p:nvPr/>
+        </p:nvPicPr>
+        <p:blipFill>
+          <a:blip r:embed="rId3"/>
+          <a:stretch>
+            <a:fillRect/>
+          </a:stretch>
+        </p:blipFill>
+        <p:spPr>
+          <a:xfrm>
+            <a:off x="355111" y="1780884"/>
+            <a:ext cx="5837086" cy="2311613"/>
+          </a:xfrm>
+          <a:prstGeom prst="rect">
+            <a:avLst/>
+          </a:prstGeom>
+        </p:spPr>
+      </p:pic>
+      <p:pic>
+        <p:nvPicPr>
+          <p:cNvPr id="5" name="Content Placeholder 4">
+            <a:extLst>
+              <a:ext uri="{FF2B5EF4-FFF2-40B4-BE49-F238E27FC236}">
+                <a16:creationId xmlns:a16="http://schemas.microsoft.com/office/drawing/2014/main" id="{B6F23A89-C5A6-BB4E-85E5-1548EF9C3C36}"/>
+              </a:ext>
+            </a:extLst>
+          </p:cNvPr>
+          <p:cNvPicPr>
+            <a:picLocks noGrp="1" noChangeAspect="1"/>
+          </p:cNvPicPr>
+          <p:nvPr>
+            <p:ph idx="1"/>
+          </p:nvPr>
+        </p:nvPicPr>
+        <p:blipFill>
+          <a:blip r:embed="rId4"/>
+          <a:stretch>
+            <a:fillRect/>
+          </a:stretch>
+        </p:blipFill>
+        <p:spPr>
+          <a:xfrm>
+            <a:off x="5302665" y="1479938"/>
+            <a:ext cx="6775964" cy="4351338"/>
+          </a:xfrm>
+        </p:spPr>
+      </p:pic>
+      <p:sp>
+        <p:nvSpPr>
+          <p:cNvPr id="10" name="TextBox 9">
+            <a:extLst>
+              <a:ext uri="{FF2B5EF4-FFF2-40B4-BE49-F238E27FC236}">
+                <a16:creationId xmlns:a16="http://schemas.microsoft.com/office/drawing/2014/main" id="{A42E60A5-D452-ED43-BC7D-591A77D1B969}"/>
+              </a:ext>
+            </a:extLst>
+          </p:cNvPr>
+          <p:cNvSpPr txBox="1"/>
+          <p:nvPr/>
+        </p:nvSpPr>
+        <p:spPr>
+          <a:xfrm>
+            <a:off x="3712730" y="4092497"/>
+            <a:ext cx="655949" cy="400110"/>
+          </a:xfrm>
+          <a:prstGeom prst="rect">
+            <a:avLst/>
+          </a:prstGeom>
+          <a:noFill/>
+        </p:spPr>
+        <p:txBody>
+          <a:bodyPr wrap="none" rtlCol="0">
+            <a:spAutoFit/>
+          </a:bodyPr>
+          <a:lstStyle/>
+          <a:p>
+            <a:r>
+              <a:rPr lang="en-US" sz="2000" dirty="0"/>
+              <a:t>JAX</a:t>
+            </a:r>
+          </a:p>
+        </p:txBody>
+      </p:sp>
+      <p:sp>
+        <p:nvSpPr>
+          <p:cNvPr id="11" name="TextBox 10">
+            <a:extLst>
+              <a:ext uri="{FF2B5EF4-FFF2-40B4-BE49-F238E27FC236}">
+                <a16:creationId xmlns:a16="http://schemas.microsoft.com/office/drawing/2014/main" id="{E2EA0D2B-CD69-5142-BA08-2CA47B87614F}"/>
+              </a:ext>
+            </a:extLst>
+          </p:cNvPr>
+          <p:cNvSpPr txBox="1"/>
+          <p:nvPr/>
+        </p:nvSpPr>
+        <p:spPr>
+          <a:xfrm>
+            <a:off x="3484878" y="2143076"/>
+            <a:ext cx="1111651" cy="400110"/>
+          </a:xfrm>
+          <a:prstGeom prst="rect">
+            <a:avLst/>
+          </a:prstGeom>
+          <a:noFill/>
+        </p:spPr>
+        <p:txBody>
+          <a:bodyPr wrap="none" rtlCol="0">
+            <a:spAutoFit/>
+          </a:bodyPr>
+          <a:lstStyle/>
+          <a:p>
+            <a:r>
+              <a:rPr lang="en-US" sz="2000" dirty="0" err="1"/>
+              <a:t>PyTorch</a:t>
+            </a:r>
+            <a:endParaRPr lang="en-US" sz="2000" dirty="0"/>
+          </a:p>
+        </p:txBody>
+      </p:sp>
+      <p:sp>
+        <p:nvSpPr>
+          <p:cNvPr id="12" name="TextBox 11">
+            <a:extLst>
+              <a:ext uri="{FF2B5EF4-FFF2-40B4-BE49-F238E27FC236}">
+                <a16:creationId xmlns:a16="http://schemas.microsoft.com/office/drawing/2014/main" id="{ABD11DCF-9AEF-3747-BC6D-5988187F63AB}"/>
+              </a:ext>
+            </a:extLst>
+          </p:cNvPr>
+          <p:cNvSpPr txBox="1"/>
+          <p:nvPr/>
+        </p:nvSpPr>
+        <p:spPr>
+          <a:xfrm>
+            <a:off x="2935240" y="1399416"/>
+            <a:ext cx="2282997" cy="338554"/>
+          </a:xfrm>
+          <a:prstGeom prst="rect">
+            <a:avLst/>
+          </a:prstGeom>
+          <a:noFill/>
+        </p:spPr>
+        <p:txBody>
+          <a:bodyPr wrap="none" rtlCol="0">
+            <a:spAutoFit/>
+          </a:bodyPr>
+          <a:lstStyle/>
+          <a:p>
+            <a:r>
+              <a:rPr lang="en-US" sz="1600" dirty="0"/>
+              <a:t>(1D vectors are yellow)</a:t>
+            </a:r>
+          </a:p>
+        </p:txBody>
+      </p:sp>
+      <p:cxnSp>
+        <p:nvCxnSpPr>
+          <p:cNvPr id="14" name="Straight Arrow Connector 13">
+            <a:extLst>
+              <a:ext uri="{FF2B5EF4-FFF2-40B4-BE49-F238E27FC236}">
+                <a16:creationId xmlns:a16="http://schemas.microsoft.com/office/drawing/2014/main" id="{42225EDD-FD6B-D04C-B2A5-A10FAADCAEEB}"/>
+              </a:ext>
+            </a:extLst>
+          </p:cNvPr>
+          <p:cNvCxnSpPr>
+            <a:cxnSpLocks/>
+            <a:stCxn id="12" idx="2"/>
+          </p:cNvCxnSpPr>
+          <p:nvPr/>
+        </p:nvCxnSpPr>
+        <p:spPr>
+          <a:xfrm flipH="1">
+            <a:off x="2124975" y="1737970"/>
+            <a:ext cx="1951764" cy="514576"/>
+          </a:xfrm>
+          <a:prstGeom prst="straightConnector1">
+            <a:avLst/>
+          </a:prstGeom>
+          <a:ln>
+            <a:tailEnd type="triangle"/>
+          </a:ln>
+        </p:spPr>
+        <p:style>
+          <a:lnRef idx="1">
+            <a:schemeClr val="accent1"/>
+          </a:lnRef>
+          <a:fillRef idx="0">
+            <a:schemeClr val="accent1"/>
+          </a:fillRef>
+          <a:effectRef idx="0">
+            <a:schemeClr val="accent1"/>
+          </a:effectRef>
+          <a:fontRef idx="minor">
+            <a:schemeClr val="tx1"/>
+          </a:fontRef>
+        </p:style>
+      </p:cxnSp>
+    </p:spTree>
+    <p:extLst>
+      <p:ext uri="{BB962C8B-B14F-4D97-AF65-F5344CB8AC3E}">
+        <p14:creationId xmlns:p14="http://schemas.microsoft.com/office/powerpoint/2010/main" val="2774779205"/>
+      </p:ext>
+    </p:extLst>
+  </p:cSld>
+  <p:clrMapOvr>
+    <a:masterClrMapping/>
+  </p:clrMapOvr>
+</p:sld>
+</file>
+
+<file path=ppt/slides/slide14.xml><?xml version="1.0" encoding="utf-8"?>
+<p:sld xmlns:a="http://schemas.openxmlformats.org/drawingml/2006/main" xmlns:r="http://schemas.openxmlformats.org/officeDocument/2006/relationships" xmlns:p="http://schemas.openxmlformats.org/presentationml/2006/main">
+  <p:cSld>
+    <p:spTree>
+      <p:nvGrpSpPr>
+        <p:cNvPr id="1" name=""/>
+        <p:cNvGrpSpPr/>
+        <p:nvPr/>
+      </p:nvGrpSpPr>
+      <p:grpSpPr>
+        <a:xfrm>
+          <a:off x="0" y="0"/>
+          <a:ext cx="0" cy="0"/>
+          <a:chOff x="0" y="0"/>
+          <a:chExt cx="0" cy="0"/>
+        </a:xfrm>
+      </p:grpSpPr>
+      <p:sp>
+        <p:nvSpPr>
+          <p:cNvPr id="2" name="Title 1">
+            <a:extLst>
+              <a:ext uri="{FF2B5EF4-FFF2-40B4-BE49-F238E27FC236}">
                 <a16:creationId xmlns:a16="http://schemas.microsoft.com/office/drawing/2014/main" id="{EFA03F30-D5AE-2840-A719-5DAA707A9CCC}"/>
               </a:ext>
             </a:extLst>
@@ -4277,1035 +5347,6 @@
 </p:sld>
 </file>
 
-<file path=ppt/slides/slide11.xml><?xml version="1.0" encoding="utf-8"?>
-<p:sld xmlns:a="http://schemas.openxmlformats.org/drawingml/2006/main" xmlns:r="http://schemas.openxmlformats.org/officeDocument/2006/relationships" xmlns:p="http://schemas.openxmlformats.org/presentationml/2006/main">
-  <p:cSld>
-    <p:spTree>
-      <p:nvGrpSpPr>
-        <p:cNvPr id="1" name=""/>
-        <p:cNvGrpSpPr/>
-        <p:nvPr/>
-      </p:nvGrpSpPr>
-      <p:grpSpPr>
-        <a:xfrm>
-          <a:off x="0" y="0"/>
-          <a:ext cx="0" cy="0"/>
-          <a:chOff x="0" y="0"/>
-          <a:chExt cx="0" cy="0"/>
-        </a:xfrm>
-      </p:grpSpPr>
-      <p:sp>
-        <p:nvSpPr>
-          <p:cNvPr id="2" name="Title 1">
-            <a:extLst>
-              <a:ext uri="{FF2B5EF4-FFF2-40B4-BE49-F238E27FC236}">
-                <a16:creationId xmlns:a16="http://schemas.microsoft.com/office/drawing/2014/main" id="{0CE0B5EA-3CA5-3A4F-AA86-13916C56BAC6}"/>
-              </a:ext>
-            </a:extLst>
-          </p:cNvPr>
-          <p:cNvSpPr>
-            <a:spLocks noGrp="1"/>
-          </p:cNvSpPr>
-          <p:nvPr>
-            <p:ph type="title"/>
-          </p:nvPr>
-        </p:nvSpPr>
-        <p:spPr/>
-        <p:txBody>
-          <a:bodyPr/>
-          <a:lstStyle/>
-          <a:p>
-            <a:r>
-              <a:rPr lang="en-US" dirty="0"/>
-              <a:t>Requirement: support prebuilt layers</a:t>
-            </a:r>
-          </a:p>
-        </p:txBody>
-      </p:sp>
-      <p:pic>
-        <p:nvPicPr>
-          <p:cNvPr id="5" name="Content Placeholder 4">
-            <a:extLst>
-              <a:ext uri="{FF2B5EF4-FFF2-40B4-BE49-F238E27FC236}">
-                <a16:creationId xmlns:a16="http://schemas.microsoft.com/office/drawing/2014/main" id="{049270D4-2C43-A942-B59D-105C0C8BC584}"/>
-              </a:ext>
-            </a:extLst>
-          </p:cNvPr>
-          <p:cNvPicPr>
-            <a:picLocks noGrp="1" noChangeAspect="1"/>
-          </p:cNvPicPr>
-          <p:nvPr>
-            <p:ph idx="1"/>
-          </p:nvPr>
-        </p:nvPicPr>
-        <p:blipFill>
-          <a:blip r:embed="rId2"/>
-          <a:stretch>
-            <a:fillRect/>
-          </a:stretch>
-        </p:blipFill>
-        <p:spPr>
-          <a:xfrm>
-            <a:off x="470555" y="2015765"/>
-            <a:ext cx="11430000" cy="3810000"/>
-          </a:xfrm>
-        </p:spPr>
-      </p:pic>
-      <p:sp>
-        <p:nvSpPr>
-          <p:cNvPr id="6" name="TextBox 5">
-            <a:extLst>
-              <a:ext uri="{FF2B5EF4-FFF2-40B4-BE49-F238E27FC236}">
-                <a16:creationId xmlns:a16="http://schemas.microsoft.com/office/drawing/2014/main" id="{028159BF-D9BD-C646-8CF4-26F3587FA465}"/>
-              </a:ext>
-            </a:extLst>
-          </p:cNvPr>
-          <p:cNvSpPr txBox="1"/>
-          <p:nvPr/>
-        </p:nvSpPr>
-        <p:spPr>
-          <a:xfrm>
-            <a:off x="8239023" y="5916150"/>
-            <a:ext cx="3716082" cy="400110"/>
-          </a:xfrm>
-          <a:prstGeom prst="rect">
-            <a:avLst/>
-          </a:prstGeom>
-          <a:noFill/>
-        </p:spPr>
-        <p:txBody>
-          <a:bodyPr wrap="none" rtlCol="0">
-            <a:spAutoFit/>
-          </a:bodyPr>
-          <a:lstStyle/>
-          <a:p>
-            <a:r>
-              <a:rPr lang="en-US" sz="2000" dirty="0"/>
-              <a:t>(Note unhelpful C++ reference)</a:t>
-            </a:r>
-          </a:p>
-        </p:txBody>
-      </p:sp>
-      <p:cxnSp>
-        <p:nvCxnSpPr>
-          <p:cNvPr id="8" name="Straight Arrow Connector 7">
-            <a:extLst>
-              <a:ext uri="{FF2B5EF4-FFF2-40B4-BE49-F238E27FC236}">
-                <a16:creationId xmlns:a16="http://schemas.microsoft.com/office/drawing/2014/main" id="{01B00707-C191-1748-9F05-CAF700936A42}"/>
-              </a:ext>
-            </a:extLst>
-          </p:cNvPr>
-          <p:cNvCxnSpPr>
-            <a:cxnSpLocks/>
-          </p:cNvCxnSpPr>
-          <p:nvPr/>
-        </p:nvCxnSpPr>
-        <p:spPr>
-          <a:xfrm flipV="1">
-            <a:off x="10624008" y="5354427"/>
-            <a:ext cx="0" cy="552296"/>
-          </a:xfrm>
-          <a:prstGeom prst="straightConnector1">
-            <a:avLst/>
-          </a:prstGeom>
-          <a:ln w="12700">
-            <a:tailEnd type="triangle"/>
-          </a:ln>
-        </p:spPr>
-        <p:style>
-          <a:lnRef idx="1">
-            <a:schemeClr val="accent1"/>
-          </a:lnRef>
-          <a:fillRef idx="0">
-            <a:schemeClr val="accent1"/>
-          </a:fillRef>
-          <a:effectRef idx="0">
-            <a:schemeClr val="accent1"/>
-          </a:effectRef>
-          <a:fontRef idx="minor">
-            <a:schemeClr val="tx1"/>
-          </a:fontRef>
-        </p:style>
-      </p:cxnSp>
-      <p:sp>
-        <p:nvSpPr>
-          <p:cNvPr id="13" name="TextBox 12">
-            <a:extLst>
-              <a:ext uri="{FF2B5EF4-FFF2-40B4-BE49-F238E27FC236}">
-                <a16:creationId xmlns:a16="http://schemas.microsoft.com/office/drawing/2014/main" id="{2E3970E6-EDF8-7249-9D44-57518ACAF043}"/>
-              </a:ext>
-            </a:extLst>
-          </p:cNvPr>
-          <p:cNvSpPr txBox="1"/>
-          <p:nvPr/>
-        </p:nvSpPr>
-        <p:spPr>
-          <a:xfrm>
-            <a:off x="2441541" y="1341164"/>
-            <a:ext cx="7069564" cy="461665"/>
-          </a:xfrm>
-          <a:prstGeom prst="rect">
-            <a:avLst/>
-          </a:prstGeom>
-          <a:noFill/>
-        </p:spPr>
-        <p:txBody>
-          <a:bodyPr wrap="none" rtlCol="0">
-            <a:spAutoFit/>
-          </a:bodyPr>
-          <a:lstStyle/>
-          <a:p>
-            <a:r>
-              <a:rPr lang="en-US" sz="2400" dirty="0"/>
-              <a:t>Should highlight error in user code not library code</a:t>
-            </a:r>
-          </a:p>
-        </p:txBody>
-      </p:sp>
-      <p:sp>
-        <p:nvSpPr>
-          <p:cNvPr id="16" name="TextBox 15">
-            <a:extLst>
-              <a:ext uri="{FF2B5EF4-FFF2-40B4-BE49-F238E27FC236}">
-                <a16:creationId xmlns:a16="http://schemas.microsoft.com/office/drawing/2014/main" id="{FB7EF574-B296-CC4D-823B-6F51ABE8A4AF}"/>
-              </a:ext>
-            </a:extLst>
-          </p:cNvPr>
-          <p:cNvSpPr txBox="1"/>
-          <p:nvPr/>
-        </p:nvSpPr>
-        <p:spPr>
-          <a:xfrm>
-            <a:off x="2659926" y="6150842"/>
-            <a:ext cx="4243919" cy="400110"/>
-          </a:xfrm>
-          <a:prstGeom prst="rect">
-            <a:avLst/>
-          </a:prstGeom>
-          <a:noFill/>
-        </p:spPr>
-        <p:txBody>
-          <a:bodyPr wrap="none" rtlCol="0">
-            <a:spAutoFit/>
-          </a:bodyPr>
-          <a:lstStyle/>
-          <a:p>
-            <a:r>
-              <a:rPr lang="en-US" sz="2000" dirty="0"/>
-              <a:t>(</a:t>
-            </a:r>
-            <a:r>
-              <a:rPr lang="en-US" sz="2000" dirty="0" err="1"/>
-              <a:t>TensorSensor</a:t>
-            </a:r>
-            <a:r>
-              <a:rPr lang="en-US" sz="2000" dirty="0"/>
-              <a:t> augments message)</a:t>
-            </a:r>
-          </a:p>
-        </p:txBody>
-      </p:sp>
-      <p:cxnSp>
-        <p:nvCxnSpPr>
-          <p:cNvPr id="17" name="Straight Arrow Connector 16">
-            <a:extLst>
-              <a:ext uri="{FF2B5EF4-FFF2-40B4-BE49-F238E27FC236}">
-                <a16:creationId xmlns:a16="http://schemas.microsoft.com/office/drawing/2014/main" id="{1BF3CD1B-39ED-2A4D-A626-415E11984577}"/>
-              </a:ext>
-            </a:extLst>
-          </p:cNvPr>
-          <p:cNvCxnSpPr>
-            <a:cxnSpLocks/>
-          </p:cNvCxnSpPr>
-          <p:nvPr/>
-        </p:nvCxnSpPr>
-        <p:spPr>
-          <a:xfrm flipV="1">
-            <a:off x="4469876" y="5663201"/>
-            <a:ext cx="0" cy="552296"/>
-          </a:xfrm>
-          <a:prstGeom prst="straightConnector1">
-            <a:avLst/>
-          </a:prstGeom>
-          <a:ln>
-            <a:tailEnd type="triangle"/>
-          </a:ln>
-        </p:spPr>
-        <p:style>
-          <a:lnRef idx="1">
-            <a:schemeClr val="accent1"/>
-          </a:lnRef>
-          <a:fillRef idx="0">
-            <a:schemeClr val="accent1"/>
-          </a:fillRef>
-          <a:effectRef idx="0">
-            <a:schemeClr val="accent1"/>
-          </a:effectRef>
-          <a:fontRef idx="minor">
-            <a:schemeClr val="tx1"/>
-          </a:fontRef>
-        </p:style>
-      </p:cxnSp>
-      <p:sp>
-        <p:nvSpPr>
-          <p:cNvPr id="18" name="Rectangle 17">
-            <a:extLst>
-              <a:ext uri="{FF2B5EF4-FFF2-40B4-BE49-F238E27FC236}">
-                <a16:creationId xmlns:a16="http://schemas.microsoft.com/office/drawing/2014/main" id="{E7D962A7-65AA-674E-BA51-F8F563D3F624}"/>
-              </a:ext>
-            </a:extLst>
-          </p:cNvPr>
-          <p:cNvSpPr/>
-          <p:nvPr/>
-        </p:nvSpPr>
-        <p:spPr>
-          <a:xfrm>
-            <a:off x="4034672" y="5392135"/>
-            <a:ext cx="6457361" cy="271066"/>
-          </a:xfrm>
-          <a:prstGeom prst="rect">
-            <a:avLst/>
-          </a:prstGeom>
-          <a:noFill/>
-          <a:ln>
-            <a:solidFill>
-              <a:srgbClr val="FF0000"/>
-            </a:solidFill>
-          </a:ln>
-        </p:spPr>
-        <p:style>
-          <a:lnRef idx="2">
-            <a:schemeClr val="accent1">
-              <a:shade val="50000"/>
-            </a:schemeClr>
-          </a:lnRef>
-          <a:fillRef idx="1">
-            <a:schemeClr val="accent1"/>
-          </a:fillRef>
-          <a:effectRef idx="0">
-            <a:schemeClr val="accent1"/>
-          </a:effectRef>
-          <a:fontRef idx="minor">
-            <a:schemeClr val="lt1"/>
-          </a:fontRef>
-        </p:style>
-        <p:txBody>
-          <a:bodyPr rtlCol="0" anchor="ctr"/>
-          <a:lstStyle/>
-          <a:p>
-            <a:pPr algn="ctr"/>
-            <a:endParaRPr lang="en-US"/>
-          </a:p>
-        </p:txBody>
-      </p:sp>
-    </p:spTree>
-    <p:extLst>
-      <p:ext uri="{BB962C8B-B14F-4D97-AF65-F5344CB8AC3E}">
-        <p14:creationId xmlns:p14="http://schemas.microsoft.com/office/powerpoint/2010/main" val="3618322039"/>
-      </p:ext>
-    </p:extLst>
-  </p:cSld>
-  <p:clrMapOvr>
-    <a:masterClrMapping/>
-  </p:clrMapOvr>
-</p:sld>
-</file>
-
-<file path=ppt/slides/slide12.xml><?xml version="1.0" encoding="utf-8"?>
-<p:sld xmlns:a="http://schemas.openxmlformats.org/drawingml/2006/main" xmlns:r="http://schemas.openxmlformats.org/officeDocument/2006/relationships" xmlns:p="http://schemas.openxmlformats.org/presentationml/2006/main">
-  <p:cSld>
-    <p:spTree>
-      <p:nvGrpSpPr>
-        <p:cNvPr id="1" name=""/>
-        <p:cNvGrpSpPr/>
-        <p:nvPr/>
-      </p:nvGrpSpPr>
-      <p:grpSpPr>
-        <a:xfrm>
-          <a:off x="0" y="0"/>
-          <a:ext cx="0" cy="0"/>
-          <a:chOff x="0" y="0"/>
-          <a:chExt cx="0" cy="0"/>
-        </a:xfrm>
-      </p:grpSpPr>
-      <p:sp>
-        <p:nvSpPr>
-          <p:cNvPr id="2" name="Title 1">
-            <a:extLst>
-              <a:ext uri="{FF2B5EF4-FFF2-40B4-BE49-F238E27FC236}">
-                <a16:creationId xmlns:a16="http://schemas.microsoft.com/office/drawing/2014/main" id="{414E8CDF-97F8-BA4F-995B-9E79802D7E0F}"/>
-              </a:ext>
-            </a:extLst>
-          </p:cNvPr>
-          <p:cNvSpPr>
-            <a:spLocks noGrp="1"/>
-          </p:cNvSpPr>
-          <p:nvPr>
-            <p:ph type="title"/>
-          </p:nvPr>
-        </p:nvSpPr>
-        <p:spPr/>
-        <p:txBody>
-          <a:bodyPr/>
-          <a:lstStyle/>
-          <a:p>
-            <a:r>
-              <a:rPr lang="en-US" dirty="0"/>
-              <a:t>Requirement: explain code w/o errors</a:t>
-            </a:r>
-          </a:p>
-        </p:txBody>
-      </p:sp>
-      <p:pic>
-        <p:nvPicPr>
-          <p:cNvPr id="5" name="Content Placeholder 4">
-            <a:extLst>
-              <a:ext uri="{FF2B5EF4-FFF2-40B4-BE49-F238E27FC236}">
-                <a16:creationId xmlns:a16="http://schemas.microsoft.com/office/drawing/2014/main" id="{F62B8AAC-7B21-4946-A6A9-8B21D5E03563}"/>
-              </a:ext>
-            </a:extLst>
-          </p:cNvPr>
-          <p:cNvPicPr>
-            <a:picLocks noGrp="1" noChangeAspect="1"/>
-          </p:cNvPicPr>
-          <p:nvPr>
-            <p:ph idx="1"/>
-          </p:nvPr>
-        </p:nvPicPr>
-        <p:blipFill>
-          <a:blip r:embed="rId2"/>
-          <a:stretch>
-            <a:fillRect/>
-          </a:stretch>
-        </p:blipFill>
-        <p:spPr>
-          <a:xfrm>
-            <a:off x="361494" y="1690688"/>
-            <a:ext cx="3733800" cy="2120900"/>
-          </a:xfrm>
-        </p:spPr>
-      </p:pic>
-      <p:pic>
-        <p:nvPicPr>
-          <p:cNvPr id="7" name="Picture 6">
-            <a:extLst>
-              <a:ext uri="{FF2B5EF4-FFF2-40B4-BE49-F238E27FC236}">
-                <a16:creationId xmlns:a16="http://schemas.microsoft.com/office/drawing/2014/main" id="{F608205B-45C4-2349-BC49-9E88A9AC5BFC}"/>
-              </a:ext>
-            </a:extLst>
-          </p:cNvPr>
-          <p:cNvPicPr>
-            <a:picLocks noChangeAspect="1"/>
-          </p:cNvPicPr>
-          <p:nvPr/>
-        </p:nvPicPr>
-        <p:blipFill>
-          <a:blip r:embed="rId3"/>
-          <a:stretch>
-            <a:fillRect/>
-          </a:stretch>
-        </p:blipFill>
-        <p:spPr>
-          <a:xfrm>
-            <a:off x="7759504" y="3082302"/>
-            <a:ext cx="2578100" cy="1219200"/>
-          </a:xfrm>
-          <a:prstGeom prst="rect">
-            <a:avLst/>
-          </a:prstGeom>
-        </p:spPr>
-      </p:pic>
-      <p:pic>
-        <p:nvPicPr>
-          <p:cNvPr id="9" name="Picture 8">
-            <a:extLst>
-              <a:ext uri="{FF2B5EF4-FFF2-40B4-BE49-F238E27FC236}">
-                <a16:creationId xmlns:a16="http://schemas.microsoft.com/office/drawing/2014/main" id="{206D3E3A-529F-734E-A101-BA4130C4BBD2}"/>
-              </a:ext>
-            </a:extLst>
-          </p:cNvPr>
-          <p:cNvPicPr>
-            <a:picLocks noChangeAspect="1"/>
-          </p:cNvPicPr>
-          <p:nvPr/>
-        </p:nvPicPr>
-        <p:blipFill>
-          <a:blip r:embed="rId4"/>
-          <a:stretch>
-            <a:fillRect/>
-          </a:stretch>
-        </p:blipFill>
-        <p:spPr>
-          <a:xfrm>
-            <a:off x="7029254" y="1804447"/>
-            <a:ext cx="4038600" cy="812800"/>
-          </a:xfrm>
-          <a:prstGeom prst="rect">
-            <a:avLst/>
-          </a:prstGeom>
-        </p:spPr>
-      </p:pic>
-      <p:sp>
-        <p:nvSpPr>
-          <p:cNvPr id="10" name="Rectangle 9">
-            <a:extLst>
-              <a:ext uri="{FF2B5EF4-FFF2-40B4-BE49-F238E27FC236}">
-                <a16:creationId xmlns:a16="http://schemas.microsoft.com/office/drawing/2014/main" id="{0DDF4ACC-206E-644A-ABE0-2F61642F6F62}"/>
-              </a:ext>
-            </a:extLst>
-          </p:cNvPr>
-          <p:cNvSpPr/>
-          <p:nvPr/>
-        </p:nvSpPr>
-        <p:spPr>
-          <a:xfrm>
-            <a:off x="510100" y="1690688"/>
-            <a:ext cx="3585194" cy="330257"/>
-          </a:xfrm>
-          <a:prstGeom prst="rect">
-            <a:avLst/>
-          </a:prstGeom>
-          <a:noFill/>
-          <a:ln w="19050">
-            <a:solidFill>
-              <a:srgbClr val="E4754F"/>
-            </a:solidFill>
-          </a:ln>
-        </p:spPr>
-        <p:style>
-          <a:lnRef idx="2">
-            <a:schemeClr val="accent1">
-              <a:shade val="50000"/>
-            </a:schemeClr>
-          </a:lnRef>
-          <a:fillRef idx="1">
-            <a:schemeClr val="accent1"/>
-          </a:fillRef>
-          <a:effectRef idx="0">
-            <a:schemeClr val="accent1"/>
-          </a:effectRef>
-          <a:fontRef idx="minor">
-            <a:schemeClr val="lt1"/>
-          </a:fontRef>
-        </p:style>
-        <p:txBody>
-          <a:bodyPr rtlCol="0" anchor="ctr"/>
-          <a:lstStyle/>
-          <a:p>
-            <a:pPr algn="ctr"/>
-            <a:endParaRPr lang="en-US"/>
-          </a:p>
-        </p:txBody>
-      </p:sp>
-      <p:pic>
-        <p:nvPicPr>
-          <p:cNvPr id="12" name="Picture 11">
-            <a:extLst>
-              <a:ext uri="{FF2B5EF4-FFF2-40B4-BE49-F238E27FC236}">
-                <a16:creationId xmlns:a16="http://schemas.microsoft.com/office/drawing/2014/main" id="{920D7AB4-496D-C34D-AFB3-46ACAA75E25F}"/>
-              </a:ext>
-            </a:extLst>
-          </p:cNvPr>
-          <p:cNvPicPr>
-            <a:picLocks noChangeAspect="1"/>
-          </p:cNvPicPr>
-          <p:nvPr/>
-        </p:nvPicPr>
-        <p:blipFill>
-          <a:blip r:embed="rId5"/>
-          <a:stretch>
-            <a:fillRect/>
-          </a:stretch>
-        </p:blipFill>
-        <p:spPr>
-          <a:xfrm>
-            <a:off x="361494" y="4081807"/>
-            <a:ext cx="6155581" cy="2734564"/>
-          </a:xfrm>
-          <a:prstGeom prst="rect">
-            <a:avLst/>
-          </a:prstGeom>
-        </p:spPr>
-      </p:pic>
-      <p:sp>
-        <p:nvSpPr>
-          <p:cNvPr id="13" name="TextBox 12">
-            <a:extLst>
-              <a:ext uri="{FF2B5EF4-FFF2-40B4-BE49-F238E27FC236}">
-                <a16:creationId xmlns:a16="http://schemas.microsoft.com/office/drawing/2014/main" id="{B33509D6-EC6F-A347-8DD4-BC83D7071C34}"/>
-              </a:ext>
-            </a:extLst>
-          </p:cNvPr>
-          <p:cNvSpPr txBox="1"/>
-          <p:nvPr/>
-        </p:nvSpPr>
-        <p:spPr>
-          <a:xfrm>
-            <a:off x="3346515" y="6018041"/>
-            <a:ext cx="3544560" cy="369332"/>
-          </a:xfrm>
-          <a:prstGeom prst="rect">
-            <a:avLst/>
-          </a:prstGeom>
-          <a:noFill/>
-        </p:spPr>
-        <p:txBody>
-          <a:bodyPr wrap="none" rtlCol="0">
-            <a:spAutoFit/>
-          </a:bodyPr>
-          <a:lstStyle/>
-          <a:p>
-            <a:r>
-              <a:rPr lang="en-US" dirty="0"/>
-              <a:t>Greater than 2 and 3 dimensions</a:t>
-            </a:r>
-          </a:p>
-        </p:txBody>
-      </p:sp>
-      <p:cxnSp>
-        <p:nvCxnSpPr>
-          <p:cNvPr id="14" name="Straight Arrow Connector 13">
-            <a:extLst>
-              <a:ext uri="{FF2B5EF4-FFF2-40B4-BE49-F238E27FC236}">
-                <a16:creationId xmlns:a16="http://schemas.microsoft.com/office/drawing/2014/main" id="{39F31D14-AB77-A74D-BE71-97035E03188A}"/>
-              </a:ext>
-            </a:extLst>
-          </p:cNvPr>
-          <p:cNvCxnSpPr>
-            <a:cxnSpLocks/>
-            <a:stCxn id="13" idx="1"/>
-          </p:cNvCxnSpPr>
-          <p:nvPr/>
-        </p:nvCxnSpPr>
-        <p:spPr>
-          <a:xfrm flipH="1">
-            <a:off x="2639507" y="6202707"/>
-            <a:ext cx="707008" cy="9557"/>
-          </a:xfrm>
-          <a:prstGeom prst="straightConnector1">
-            <a:avLst/>
-          </a:prstGeom>
-          <a:ln>
-            <a:tailEnd type="triangle"/>
-          </a:ln>
-        </p:spPr>
-        <p:style>
-          <a:lnRef idx="1">
-            <a:schemeClr val="accent1"/>
-          </a:lnRef>
-          <a:fillRef idx="0">
-            <a:schemeClr val="accent1"/>
-          </a:fillRef>
-          <a:effectRef idx="0">
-            <a:schemeClr val="accent1"/>
-          </a:effectRef>
-          <a:fontRef idx="minor">
-            <a:schemeClr val="tx1"/>
-          </a:fontRef>
-        </p:style>
-      </p:cxnSp>
-      <p:sp>
-        <p:nvSpPr>
-          <p:cNvPr id="17" name="Rectangle 16">
-            <a:extLst>
-              <a:ext uri="{FF2B5EF4-FFF2-40B4-BE49-F238E27FC236}">
-                <a16:creationId xmlns:a16="http://schemas.microsoft.com/office/drawing/2014/main" id="{97FBF7FF-F5F0-A04E-B572-2FA59D73EF33}"/>
-              </a:ext>
-            </a:extLst>
-          </p:cNvPr>
-          <p:cNvSpPr/>
-          <p:nvPr/>
-        </p:nvSpPr>
-        <p:spPr>
-          <a:xfrm>
-            <a:off x="426370" y="4541781"/>
-            <a:ext cx="3544560" cy="330257"/>
-          </a:xfrm>
-          <a:prstGeom prst="rect">
-            <a:avLst/>
-          </a:prstGeom>
-          <a:noFill/>
-          <a:ln w="19050">
-            <a:solidFill>
-              <a:srgbClr val="E4754F"/>
-            </a:solidFill>
-          </a:ln>
-        </p:spPr>
-        <p:style>
-          <a:lnRef idx="2">
-            <a:schemeClr val="accent1">
-              <a:shade val="50000"/>
-            </a:schemeClr>
-          </a:lnRef>
-          <a:fillRef idx="1">
-            <a:schemeClr val="accent1"/>
-          </a:fillRef>
-          <a:effectRef idx="0">
-            <a:schemeClr val="accent1"/>
-          </a:effectRef>
-          <a:fontRef idx="minor">
-            <a:schemeClr val="lt1"/>
-          </a:fontRef>
-        </p:style>
-        <p:txBody>
-          <a:bodyPr rtlCol="0" anchor="ctr"/>
-          <a:lstStyle/>
-          <a:p>
-            <a:pPr algn="ctr"/>
-            <a:endParaRPr lang="en-US"/>
-          </a:p>
-        </p:txBody>
-      </p:sp>
-      <p:cxnSp>
-        <p:nvCxnSpPr>
-          <p:cNvPr id="19" name="Straight Connector 18">
-            <a:extLst>
-              <a:ext uri="{FF2B5EF4-FFF2-40B4-BE49-F238E27FC236}">
-                <a16:creationId xmlns:a16="http://schemas.microsoft.com/office/drawing/2014/main" id="{7EE79A98-C646-1D4A-A18D-A0A07DC95041}"/>
-              </a:ext>
-            </a:extLst>
-          </p:cNvPr>
-          <p:cNvCxnSpPr>
-            <a:cxnSpLocks/>
-          </p:cNvCxnSpPr>
-          <p:nvPr/>
-        </p:nvCxnSpPr>
-        <p:spPr>
-          <a:xfrm>
-            <a:off x="6815581" y="1555423"/>
-            <a:ext cx="0" cy="4279769"/>
-          </a:xfrm>
-          <a:prstGeom prst="line">
-            <a:avLst/>
-          </a:prstGeom>
-        </p:spPr>
-        <p:style>
-          <a:lnRef idx="1">
-            <a:schemeClr val="accent1"/>
-          </a:lnRef>
-          <a:fillRef idx="0">
-            <a:schemeClr val="accent1"/>
-          </a:fillRef>
-          <a:effectRef idx="0">
-            <a:schemeClr val="accent1"/>
-          </a:effectRef>
-          <a:fontRef idx="minor">
-            <a:schemeClr val="tx1"/>
-          </a:fontRef>
-        </p:style>
-      </p:cxnSp>
-      <p:sp>
-        <p:nvSpPr>
-          <p:cNvPr id="21" name="TextBox 20">
-            <a:extLst>
-              <a:ext uri="{FF2B5EF4-FFF2-40B4-BE49-F238E27FC236}">
-                <a16:creationId xmlns:a16="http://schemas.microsoft.com/office/drawing/2014/main" id="{681F30B4-E073-E04A-83C1-98D6FBB2C3CB}"/>
-              </a:ext>
-            </a:extLst>
-          </p:cNvPr>
-          <p:cNvSpPr txBox="1"/>
-          <p:nvPr/>
-        </p:nvSpPr>
-        <p:spPr>
-          <a:xfrm>
-            <a:off x="7358335" y="5230257"/>
-            <a:ext cx="4355068" cy="707886"/>
-          </a:xfrm>
-          <a:prstGeom prst="rect">
-            <a:avLst/>
-          </a:prstGeom>
-          <a:noFill/>
-        </p:spPr>
-        <p:txBody>
-          <a:bodyPr wrap="square" rtlCol="0">
-            <a:spAutoFit/>
-          </a:bodyPr>
-          <a:lstStyle/>
-          <a:p>
-            <a:r>
-              <a:rPr lang="en-US" sz="2000" dirty="0"/>
-              <a:t>Very helpful when trying to read (even correct) code</a:t>
-            </a:r>
-          </a:p>
-        </p:txBody>
-      </p:sp>
-    </p:spTree>
-    <p:extLst>
-      <p:ext uri="{BB962C8B-B14F-4D97-AF65-F5344CB8AC3E}">
-        <p14:creationId xmlns:p14="http://schemas.microsoft.com/office/powerpoint/2010/main" val="3545508290"/>
-      </p:ext>
-    </p:extLst>
-  </p:cSld>
-  <p:clrMapOvr>
-    <a:masterClrMapping/>
-  </p:clrMapOvr>
-</p:sld>
-</file>
-
-<file path=ppt/slides/slide13.xml><?xml version="1.0" encoding="utf-8"?>
-<p:sld xmlns:a="http://schemas.openxmlformats.org/drawingml/2006/main" xmlns:r="http://schemas.openxmlformats.org/officeDocument/2006/relationships" xmlns:p="http://schemas.openxmlformats.org/presentationml/2006/main">
-  <p:cSld>
-    <p:spTree>
-      <p:nvGrpSpPr>
-        <p:cNvPr id="1" name=""/>
-        <p:cNvGrpSpPr/>
-        <p:nvPr/>
-      </p:nvGrpSpPr>
-      <p:grpSpPr>
-        <a:xfrm>
-          <a:off x="0" y="0"/>
-          <a:ext cx="0" cy="0"/>
-          <a:chOff x="0" y="0"/>
-          <a:chExt cx="0" cy="0"/>
-        </a:xfrm>
-      </p:grpSpPr>
-      <p:sp>
-        <p:nvSpPr>
-          <p:cNvPr id="2" name="Title 1">
-            <a:extLst>
-              <a:ext uri="{FF2B5EF4-FFF2-40B4-BE49-F238E27FC236}">
-                <a16:creationId xmlns:a16="http://schemas.microsoft.com/office/drawing/2014/main" id="{D088C2E6-F25E-6B46-B522-C154A29F4398}"/>
-              </a:ext>
-            </a:extLst>
-          </p:cNvPr>
-          <p:cNvSpPr>
-            <a:spLocks noGrp="1"/>
-          </p:cNvSpPr>
-          <p:nvPr>
-            <p:ph type="title"/>
-          </p:nvPr>
-        </p:nvSpPr>
-        <p:spPr/>
-        <p:txBody>
-          <a:bodyPr/>
-          <a:lstStyle/>
-          <a:p>
-            <a:r>
-              <a:rPr lang="en-US" dirty="0"/>
-              <a:t>Language engineering</a:t>
-            </a:r>
-            <a:br>
-              <a:rPr lang="en-US" dirty="0"/>
-            </a:br>
-            <a:r>
-              <a:rPr lang="en-US" dirty="0"/>
-              <a:t>related implementation</a:t>
-            </a:r>
-          </a:p>
-        </p:txBody>
-      </p:sp>
-      <p:sp>
-        <p:nvSpPr>
-          <p:cNvPr id="3" name="Text Placeholder 2">
-            <a:extLst>
-              <a:ext uri="{FF2B5EF4-FFF2-40B4-BE49-F238E27FC236}">
-                <a16:creationId xmlns:a16="http://schemas.microsoft.com/office/drawing/2014/main" id="{5CB9B935-55FE-E744-8EB6-2AE7B9545811}"/>
-              </a:ext>
-            </a:extLst>
-          </p:cNvPr>
-          <p:cNvSpPr>
-            <a:spLocks noGrp="1"/>
-          </p:cNvSpPr>
-          <p:nvPr>
-            <p:ph type="body" idx="1"/>
-          </p:nvPr>
-        </p:nvSpPr>
-        <p:spPr/>
-        <p:txBody>
-          <a:bodyPr/>
-          <a:lstStyle/>
-          <a:p>
-            <a:endParaRPr lang="en-US"/>
-          </a:p>
-        </p:txBody>
-      </p:sp>
-    </p:spTree>
-    <p:extLst>
-      <p:ext uri="{BB962C8B-B14F-4D97-AF65-F5344CB8AC3E}">
-        <p14:creationId xmlns:p14="http://schemas.microsoft.com/office/powerpoint/2010/main" val="1220282188"/>
-      </p:ext>
-    </p:extLst>
-  </p:cSld>
-  <p:clrMapOvr>
-    <a:masterClrMapping/>
-  </p:clrMapOvr>
-</p:sld>
-</file>
-
-<file path=ppt/slides/slide14.xml><?xml version="1.0" encoding="utf-8"?>
-<p:sld xmlns:a="http://schemas.openxmlformats.org/drawingml/2006/main" xmlns:r="http://schemas.openxmlformats.org/officeDocument/2006/relationships" xmlns:p="http://schemas.openxmlformats.org/presentationml/2006/main">
-  <p:cSld>
-    <p:spTree>
-      <p:nvGrpSpPr>
-        <p:cNvPr id="1" name=""/>
-        <p:cNvGrpSpPr/>
-        <p:nvPr/>
-      </p:nvGrpSpPr>
-      <p:grpSpPr>
-        <a:xfrm>
-          <a:off x="0" y="0"/>
-          <a:ext cx="0" cy="0"/>
-          <a:chOff x="0" y="0"/>
-          <a:chExt cx="0" cy="0"/>
-        </a:xfrm>
-      </p:grpSpPr>
-      <p:sp>
-        <p:nvSpPr>
-          <p:cNvPr id="2" name="Title 1">
-            <a:extLst>
-              <a:ext uri="{FF2B5EF4-FFF2-40B4-BE49-F238E27FC236}">
-                <a16:creationId xmlns:a16="http://schemas.microsoft.com/office/drawing/2014/main" id="{D014B71A-3678-DA44-8A7B-69B0EC06C764}"/>
-              </a:ext>
-            </a:extLst>
-          </p:cNvPr>
-          <p:cNvSpPr>
-            <a:spLocks noGrp="1"/>
-          </p:cNvSpPr>
-          <p:nvPr>
-            <p:ph type="title"/>
-          </p:nvPr>
-        </p:nvSpPr>
-        <p:spPr>
-          <a:xfrm>
-            <a:off x="838200" y="365125"/>
-            <a:ext cx="10515600" cy="992335"/>
-          </a:xfrm>
-        </p:spPr>
-        <p:txBody>
-          <a:bodyPr/>
-          <a:lstStyle/>
-          <a:p>
-            <a:r>
-              <a:rPr lang="en-US" dirty="0"/>
-              <a:t>Key questions to answer</a:t>
-            </a:r>
-          </a:p>
-        </p:txBody>
-      </p:sp>
-      <p:sp>
-        <p:nvSpPr>
-          <p:cNvPr id="3" name="Content Placeholder 2">
-            <a:extLst>
-              <a:ext uri="{FF2B5EF4-FFF2-40B4-BE49-F238E27FC236}">
-                <a16:creationId xmlns:a16="http://schemas.microsoft.com/office/drawing/2014/main" id="{22407BF5-7163-BB43-9BA1-C1728BB28111}"/>
-              </a:ext>
-            </a:extLst>
-          </p:cNvPr>
-          <p:cNvSpPr>
-            <a:spLocks noGrp="1"/>
-          </p:cNvSpPr>
-          <p:nvPr>
-            <p:ph idx="1"/>
-          </p:nvPr>
-        </p:nvSpPr>
-        <p:spPr>
-          <a:xfrm>
-            <a:off x="838200" y="1498862"/>
-            <a:ext cx="10515600" cy="4678101"/>
-          </a:xfrm>
-        </p:spPr>
-        <p:txBody>
-          <a:bodyPr>
-            <a:normAutofit/>
-          </a:bodyPr>
-          <a:lstStyle/>
-          <a:p>
-            <a:pPr marL="514350" indent="-514350">
-              <a:buFont typeface="+mj-lt"/>
-              <a:buAutoNum type="arabicPeriod"/>
-            </a:pPr>
-            <a:r>
-              <a:rPr lang="en-US" dirty="0"/>
-              <a:t>Python traps exceptions at the statement level, so how can we identify offending operators and operand values? </a:t>
-            </a:r>
-          </a:p>
-          <a:p>
-            <a:pPr marL="514350" indent="-514350">
-              <a:buFont typeface="+mj-lt"/>
-              <a:buAutoNum type="arabicPeriod"/>
-            </a:pPr>
-            <a:r>
-              <a:rPr lang="en-US" dirty="0"/>
-              <a:t>How can we trap exceptions without requiring try/except blocks around statements with potential dimension problems?</a:t>
-            </a:r>
-            <a:br>
-              <a:rPr lang="en-US" dirty="0"/>
-            </a:br>
-            <a:r>
-              <a:rPr lang="en-US" dirty="0"/>
-              <a:t>(Also want to ignore non-matrix related exceptions; user shouldn't need to know Python internal execution details)</a:t>
-            </a:r>
-          </a:p>
-          <a:p>
-            <a:pPr marL="514350" indent="-514350">
-              <a:buFont typeface="+mj-lt"/>
-              <a:buAutoNum type="arabicPeriod"/>
-            </a:pPr>
-            <a:r>
-              <a:rPr lang="en-US" dirty="0"/>
-              <a:t>How can we generate matrix visualizations w/o explicit calls?</a:t>
-            </a:r>
-          </a:p>
-          <a:p>
-            <a:pPr marL="514350" indent="-514350">
-              <a:buFont typeface="+mj-lt"/>
-              <a:buAutoNum type="arabicPeriod"/>
-            </a:pPr>
-            <a:r>
-              <a:rPr lang="en-US" dirty="0"/>
-              <a:t>Can we make use of library zero cost until an exception?</a:t>
-            </a:r>
-          </a:p>
-        </p:txBody>
-      </p:sp>
-      <p:sp>
-        <p:nvSpPr>
-          <p:cNvPr id="6" name="TextBox 5">
-            <a:extLst>
-              <a:ext uri="{FF2B5EF4-FFF2-40B4-BE49-F238E27FC236}">
-                <a16:creationId xmlns:a16="http://schemas.microsoft.com/office/drawing/2014/main" id="{6A2404B0-BCDF-9C45-BF71-14219B10FE33}"/>
-              </a:ext>
-            </a:extLst>
-          </p:cNvPr>
-          <p:cNvSpPr txBox="1"/>
-          <p:nvPr/>
-        </p:nvSpPr>
-        <p:spPr>
-          <a:xfrm>
-            <a:off x="404459" y="5264715"/>
-            <a:ext cx="11524309" cy="584775"/>
-          </a:xfrm>
-          <a:prstGeom prst="rect">
-            <a:avLst/>
-          </a:prstGeom>
-          <a:noFill/>
-        </p:spPr>
-        <p:txBody>
-          <a:bodyPr wrap="none" rtlCol="0">
-            <a:spAutoFit/>
-          </a:bodyPr>
-          <a:lstStyle/>
-          <a:p>
-            <a:r>
-              <a:rPr lang="en-US" sz="3200" dirty="0"/>
-              <a:t>In other words, how do we make this precise and unobtrusive?</a:t>
-            </a:r>
-          </a:p>
-        </p:txBody>
-      </p:sp>
-    </p:spTree>
-    <p:extLst>
-      <p:ext uri="{BB962C8B-B14F-4D97-AF65-F5344CB8AC3E}">
-        <p14:creationId xmlns:p14="http://schemas.microsoft.com/office/powerpoint/2010/main" val="3440886272"/>
-      </p:ext>
-    </p:extLst>
-  </p:cSld>
-  <p:clrMapOvr>
-    <a:masterClrMapping/>
-  </p:clrMapOvr>
-</p:sld>
-</file>
-
 <file path=ppt/slides/slide15.xml><?xml version="1.0" encoding="utf-8"?>
 <p:sld xmlns:a="http://schemas.openxmlformats.org/drawingml/2006/main" xmlns:r="http://schemas.openxmlformats.org/officeDocument/2006/relationships" xmlns:p="http://schemas.openxmlformats.org/presentationml/2006/main">
   <p:cSld>
@@ -5328,7 +5369,7 @@
           <p:cNvPr id="2" name="Title 1">
             <a:extLst>
               <a:ext uri="{FF2B5EF4-FFF2-40B4-BE49-F238E27FC236}">
-                <a16:creationId xmlns:a16="http://schemas.microsoft.com/office/drawing/2014/main" id="{906CE396-B085-E245-AB6B-2C5E398C01CE}"/>
+                <a16:creationId xmlns:a16="http://schemas.microsoft.com/office/drawing/2014/main" id="{0CE0B5EA-3CA5-3A4F-AA86-13916C56BAC6}"/>
               </a:ext>
             </a:extLst>
           </p:cNvPr>
@@ -5346,72 +5387,291 @@
           <a:p>
             <a:r>
               <a:rPr lang="en-US" dirty="0"/>
-              <a:t>Screams for code instrumentation, right?</a:t>
-            </a:r>
-          </a:p>
-        </p:txBody>
-      </p:sp>
-      <p:sp>
-        <p:nvSpPr>
-          <p:cNvPr id="3" name="Content Placeholder 2">
-            <a:extLst>
-              <a:ext uri="{FF2B5EF4-FFF2-40B4-BE49-F238E27FC236}">
-                <a16:creationId xmlns:a16="http://schemas.microsoft.com/office/drawing/2014/main" id="{CB7C9509-26D1-7046-A349-9EE4BD8352B9}"/>
-              </a:ext>
-            </a:extLst>
-          </p:cNvPr>
-          <p:cNvSpPr>
-            <a:spLocks noGrp="1"/>
-          </p:cNvSpPr>
+              <a:t>Requirement: support prebuilt layers</a:t>
+            </a:r>
+          </a:p>
+        </p:txBody>
+      </p:sp>
+      <p:pic>
+        <p:nvPicPr>
+          <p:cNvPr id="5" name="Content Placeholder 4">
+            <a:extLst>
+              <a:ext uri="{FF2B5EF4-FFF2-40B4-BE49-F238E27FC236}">
+                <a16:creationId xmlns:a16="http://schemas.microsoft.com/office/drawing/2014/main" id="{049270D4-2C43-A942-B59D-105C0C8BC584}"/>
+              </a:ext>
+            </a:extLst>
+          </p:cNvPr>
+          <p:cNvPicPr>
+            <a:picLocks noGrp="1" noChangeAspect="1"/>
+          </p:cNvPicPr>
           <p:nvPr>
             <p:ph idx="1"/>
           </p:nvPr>
-        </p:nvSpPr>
-        <p:spPr/>
-        <p:txBody>
-          <a:bodyPr>
-            <a:normAutofit/>
+        </p:nvPicPr>
+        <p:blipFill>
+          <a:blip r:embed="rId2"/>
+          <a:stretch>
+            <a:fillRect/>
+          </a:stretch>
+        </p:blipFill>
+        <p:spPr>
+          <a:xfrm>
+            <a:off x="470555" y="2015765"/>
+            <a:ext cx="11430000" cy="3810000"/>
+          </a:xfrm>
+        </p:spPr>
+      </p:pic>
+      <p:sp>
+        <p:nvSpPr>
+          <p:cNvPr id="6" name="TextBox 5">
+            <a:extLst>
+              <a:ext uri="{FF2B5EF4-FFF2-40B4-BE49-F238E27FC236}">
+                <a16:creationId xmlns:a16="http://schemas.microsoft.com/office/drawing/2014/main" id="{028159BF-D9BD-C646-8CF4-26F3587FA465}"/>
+              </a:ext>
+            </a:extLst>
+          </p:cNvPr>
+          <p:cNvSpPr txBox="1"/>
+          <p:nvPr/>
+        </p:nvSpPr>
+        <p:spPr>
+          <a:xfrm>
+            <a:off x="8239023" y="5916150"/>
+            <a:ext cx="3716082" cy="400110"/>
+          </a:xfrm>
+          <a:prstGeom prst="rect">
+            <a:avLst/>
+          </a:prstGeom>
+          <a:noFill/>
+        </p:spPr>
+        <p:txBody>
+          <a:bodyPr wrap="none" rtlCol="0">
+            <a:spAutoFit/>
           </a:bodyPr>
           <a:lstStyle/>
           <a:p>
             <a:r>
-              <a:rPr lang="en-US" dirty="0"/>
-              <a:t>I considered injecting Python bytecode to track subexpression evaluation and to get finer-grained exception handling</a:t>
-            </a:r>
-          </a:p>
-          <a:p>
-            <a:r>
-              <a:rPr lang="en-US" dirty="0"/>
-              <a:t>But, that might require a separate tool and a preprocessing step, rather than simply importing a library</a:t>
-            </a:r>
-          </a:p>
-          <a:p>
-            <a:r>
-              <a:rPr lang="en-US" dirty="0"/>
-              <a:t>Injected code could slow down entire program execution significantly</a:t>
-            </a:r>
-          </a:p>
-          <a:p>
-            <a:r>
-              <a:rPr lang="en-US" dirty="0"/>
-              <a:t>Injected code might affect Python optimization / concurrency</a:t>
-            </a:r>
-          </a:p>
-          <a:p>
-            <a:r>
-              <a:rPr lang="en-US" dirty="0"/>
-              <a:t>It seemed like a lot of work to learn and implement for a skill I probably would never need again</a:t>
-            </a:r>
-          </a:p>
-          <a:p>
-            <a:endParaRPr lang="en-US" dirty="0"/>
+              <a:rPr lang="en-US" sz="2000" dirty="0"/>
+              <a:t>(Note unhelpful C++ reference)</a:t>
+            </a:r>
+          </a:p>
+        </p:txBody>
+      </p:sp>
+      <p:cxnSp>
+        <p:nvCxnSpPr>
+          <p:cNvPr id="8" name="Straight Arrow Connector 7">
+            <a:extLst>
+              <a:ext uri="{FF2B5EF4-FFF2-40B4-BE49-F238E27FC236}">
+                <a16:creationId xmlns:a16="http://schemas.microsoft.com/office/drawing/2014/main" id="{01B00707-C191-1748-9F05-CAF700936A42}"/>
+              </a:ext>
+            </a:extLst>
+          </p:cNvPr>
+          <p:cNvCxnSpPr>
+            <a:cxnSpLocks/>
+          </p:cNvCxnSpPr>
+          <p:nvPr/>
+        </p:nvCxnSpPr>
+        <p:spPr>
+          <a:xfrm flipV="1">
+            <a:off x="10624008" y="5354427"/>
+            <a:ext cx="0" cy="552296"/>
+          </a:xfrm>
+          <a:prstGeom prst="straightConnector1">
+            <a:avLst/>
+          </a:prstGeom>
+          <a:ln w="12700">
+            <a:tailEnd type="triangle"/>
+          </a:ln>
+        </p:spPr>
+        <p:style>
+          <a:lnRef idx="1">
+            <a:schemeClr val="accent1"/>
+          </a:lnRef>
+          <a:fillRef idx="0">
+            <a:schemeClr val="accent1"/>
+          </a:fillRef>
+          <a:effectRef idx="0">
+            <a:schemeClr val="accent1"/>
+          </a:effectRef>
+          <a:fontRef idx="minor">
+            <a:schemeClr val="tx1"/>
+          </a:fontRef>
+        </p:style>
+      </p:cxnSp>
+      <p:sp>
+        <p:nvSpPr>
+          <p:cNvPr id="13" name="TextBox 12">
+            <a:extLst>
+              <a:ext uri="{FF2B5EF4-FFF2-40B4-BE49-F238E27FC236}">
+                <a16:creationId xmlns:a16="http://schemas.microsoft.com/office/drawing/2014/main" id="{2E3970E6-EDF8-7249-9D44-57518ACAF043}"/>
+              </a:ext>
+            </a:extLst>
+          </p:cNvPr>
+          <p:cNvSpPr txBox="1"/>
+          <p:nvPr/>
+        </p:nvSpPr>
+        <p:spPr>
+          <a:xfrm>
+            <a:off x="2441541" y="1341164"/>
+            <a:ext cx="7069564" cy="461665"/>
+          </a:xfrm>
+          <a:prstGeom prst="rect">
+            <a:avLst/>
+          </a:prstGeom>
+          <a:noFill/>
+        </p:spPr>
+        <p:txBody>
+          <a:bodyPr wrap="none" rtlCol="0">
+            <a:spAutoFit/>
+          </a:bodyPr>
+          <a:lstStyle/>
+          <a:p>
+            <a:r>
+              <a:rPr lang="en-US" sz="2400" dirty="0"/>
+              <a:t>Should highlight error in user code not library code</a:t>
+            </a:r>
+          </a:p>
+        </p:txBody>
+      </p:sp>
+      <p:sp>
+        <p:nvSpPr>
+          <p:cNvPr id="16" name="TextBox 15">
+            <a:extLst>
+              <a:ext uri="{FF2B5EF4-FFF2-40B4-BE49-F238E27FC236}">
+                <a16:creationId xmlns:a16="http://schemas.microsoft.com/office/drawing/2014/main" id="{FB7EF574-B296-CC4D-823B-6F51ABE8A4AF}"/>
+              </a:ext>
+            </a:extLst>
+          </p:cNvPr>
+          <p:cNvSpPr txBox="1"/>
+          <p:nvPr/>
+        </p:nvSpPr>
+        <p:spPr>
+          <a:xfrm>
+            <a:off x="2659926" y="6150842"/>
+            <a:ext cx="4243919" cy="400110"/>
+          </a:xfrm>
+          <a:prstGeom prst="rect">
+            <a:avLst/>
+          </a:prstGeom>
+          <a:noFill/>
+        </p:spPr>
+        <p:txBody>
+          <a:bodyPr wrap="none" rtlCol="0">
+            <a:spAutoFit/>
+          </a:bodyPr>
+          <a:lstStyle/>
+          <a:p>
+            <a:r>
+              <a:rPr lang="en-US" sz="2000" dirty="0"/>
+              <a:t>(</a:t>
+            </a:r>
+            <a:r>
+              <a:rPr lang="en-US" sz="2000" dirty="0" err="1"/>
+              <a:t>TensorSensor</a:t>
+            </a:r>
+            <a:r>
+              <a:rPr lang="en-US" sz="2000" dirty="0"/>
+              <a:t> augments message)</a:t>
+            </a:r>
+          </a:p>
+        </p:txBody>
+      </p:sp>
+      <p:cxnSp>
+        <p:nvCxnSpPr>
+          <p:cNvPr id="17" name="Straight Arrow Connector 16">
+            <a:extLst>
+              <a:ext uri="{FF2B5EF4-FFF2-40B4-BE49-F238E27FC236}">
+                <a16:creationId xmlns:a16="http://schemas.microsoft.com/office/drawing/2014/main" id="{1BF3CD1B-39ED-2A4D-A626-415E11984577}"/>
+              </a:ext>
+            </a:extLst>
+          </p:cNvPr>
+          <p:cNvCxnSpPr>
+            <a:cxnSpLocks/>
+          </p:cNvCxnSpPr>
+          <p:nvPr/>
+        </p:nvCxnSpPr>
+        <p:spPr>
+          <a:xfrm flipV="1">
+            <a:off x="4469876" y="5663201"/>
+            <a:ext cx="0" cy="552296"/>
+          </a:xfrm>
+          <a:prstGeom prst="straightConnector1">
+            <a:avLst/>
+          </a:prstGeom>
+          <a:ln>
+            <a:tailEnd type="triangle"/>
+          </a:ln>
+        </p:spPr>
+        <p:style>
+          <a:lnRef idx="1">
+            <a:schemeClr val="accent1"/>
+          </a:lnRef>
+          <a:fillRef idx="0">
+            <a:schemeClr val="accent1"/>
+          </a:fillRef>
+          <a:effectRef idx="0">
+            <a:schemeClr val="accent1"/>
+          </a:effectRef>
+          <a:fontRef idx="minor">
+            <a:schemeClr val="tx1"/>
+          </a:fontRef>
+        </p:style>
+      </p:cxnSp>
+      <p:sp>
+        <p:nvSpPr>
+          <p:cNvPr id="18" name="Rectangle 17">
+            <a:extLst>
+              <a:ext uri="{FF2B5EF4-FFF2-40B4-BE49-F238E27FC236}">
+                <a16:creationId xmlns:a16="http://schemas.microsoft.com/office/drawing/2014/main" id="{E7D962A7-65AA-674E-BA51-F8F563D3F624}"/>
+              </a:ext>
+            </a:extLst>
+          </p:cNvPr>
+          <p:cNvSpPr/>
+          <p:nvPr/>
+        </p:nvSpPr>
+        <p:spPr>
+          <a:xfrm>
+            <a:off x="4034672" y="5392135"/>
+            <a:ext cx="6457361" cy="271066"/>
+          </a:xfrm>
+          <a:prstGeom prst="rect">
+            <a:avLst/>
+          </a:prstGeom>
+          <a:noFill/>
+          <a:ln>
+            <a:solidFill>
+              <a:srgbClr val="FF0000"/>
+            </a:solidFill>
+          </a:ln>
+        </p:spPr>
+        <p:style>
+          <a:lnRef idx="2">
+            <a:schemeClr val="accent1">
+              <a:shade val="50000"/>
+            </a:schemeClr>
+          </a:lnRef>
+          <a:fillRef idx="1">
+            <a:schemeClr val="accent1"/>
+          </a:fillRef>
+          <a:effectRef idx="0">
+            <a:schemeClr val="accent1"/>
+          </a:effectRef>
+          <a:fontRef idx="minor">
+            <a:schemeClr val="lt1"/>
+          </a:fontRef>
+        </p:style>
+        <p:txBody>
+          <a:bodyPr rtlCol="0" anchor="ctr"/>
+          <a:lstStyle/>
+          <a:p>
+            <a:pPr algn="ctr"/>
+            <a:endParaRPr lang="en-US"/>
           </a:p>
         </p:txBody>
       </p:sp>
     </p:spTree>
     <p:extLst>
       <p:ext uri="{BB962C8B-B14F-4D97-AF65-F5344CB8AC3E}">
-        <p14:creationId xmlns:p14="http://schemas.microsoft.com/office/powerpoint/2010/main" val="1540936661"/>
+        <p14:creationId xmlns:p14="http://schemas.microsoft.com/office/powerpoint/2010/main" val="3618322039"/>
       </p:ext>
     </p:extLst>
   </p:cSld>
@@ -5443,7 +5703,7 @@
           <p:cNvPr id="2" name="Title 1">
             <a:extLst>
               <a:ext uri="{FF2B5EF4-FFF2-40B4-BE49-F238E27FC236}">
-                <a16:creationId xmlns:a16="http://schemas.microsoft.com/office/drawing/2014/main" id="{837F6A9A-0A6B-B94F-8B91-6C23BBC5A946}"/>
+                <a16:creationId xmlns:a16="http://schemas.microsoft.com/office/drawing/2014/main" id="{414E8CDF-97F8-BA4F-995B-9E79802D7E0F}"/>
               </a:ext>
             </a:extLst>
           </p:cNvPr>
@@ -5454,87 +5714,387 @@
             <p:ph type="title"/>
           </p:nvPr>
         </p:nvSpPr>
-        <p:spPr>
-          <a:xfrm>
-            <a:off x="838199" y="365125"/>
-            <a:ext cx="10662501" cy="1325563"/>
-          </a:xfrm>
-        </p:spPr>
-        <p:txBody>
-          <a:bodyPr>
-            <a:normAutofit fontScale="90000"/>
+        <p:spPr/>
+        <p:txBody>
+          <a:bodyPr/>
+          <a:lstStyle/>
+          <a:p>
+            <a:r>
+              <a:rPr lang="en-US" dirty="0"/>
+              <a:t>Requirement: explain code w/o errors</a:t>
+            </a:r>
+          </a:p>
+        </p:txBody>
+      </p:sp>
+      <p:pic>
+        <p:nvPicPr>
+          <p:cNvPr id="5" name="Content Placeholder 4">
+            <a:extLst>
+              <a:ext uri="{FF2B5EF4-FFF2-40B4-BE49-F238E27FC236}">
+                <a16:creationId xmlns:a16="http://schemas.microsoft.com/office/drawing/2014/main" id="{F62B8AAC-7B21-4946-A6A9-8B21D5E03563}"/>
+              </a:ext>
+            </a:extLst>
+          </p:cNvPr>
+          <p:cNvPicPr>
+            <a:picLocks noGrp="1" noChangeAspect="1"/>
+          </p:cNvPicPr>
+          <p:nvPr>
+            <p:ph idx="1"/>
+          </p:nvPr>
+        </p:nvPicPr>
+        <p:blipFill>
+          <a:blip r:embed="rId2"/>
+          <a:stretch>
+            <a:fillRect/>
+          </a:stretch>
+        </p:blipFill>
+        <p:spPr>
+          <a:xfrm>
+            <a:off x="361494" y="1690688"/>
+            <a:ext cx="3733800" cy="2120900"/>
+          </a:xfrm>
+        </p:spPr>
+      </p:pic>
+      <p:pic>
+        <p:nvPicPr>
+          <p:cNvPr id="7" name="Picture 6">
+            <a:extLst>
+              <a:ext uri="{FF2B5EF4-FFF2-40B4-BE49-F238E27FC236}">
+                <a16:creationId xmlns:a16="http://schemas.microsoft.com/office/drawing/2014/main" id="{F608205B-45C4-2349-BC49-9E88A9AC5BFC}"/>
+              </a:ext>
+            </a:extLst>
+          </p:cNvPr>
+          <p:cNvPicPr>
+            <a:picLocks noChangeAspect="1"/>
+          </p:cNvPicPr>
+          <p:nvPr/>
+        </p:nvPicPr>
+        <p:blipFill>
+          <a:blip r:embed="rId3"/>
+          <a:stretch>
+            <a:fillRect/>
+          </a:stretch>
+        </p:blipFill>
+        <p:spPr>
+          <a:xfrm>
+            <a:off x="7759504" y="3082302"/>
+            <a:ext cx="2578100" cy="1219200"/>
+          </a:xfrm>
+          <a:prstGeom prst="rect">
+            <a:avLst/>
+          </a:prstGeom>
+        </p:spPr>
+      </p:pic>
+      <p:pic>
+        <p:nvPicPr>
+          <p:cNvPr id="9" name="Picture 8">
+            <a:extLst>
+              <a:ext uri="{FF2B5EF4-FFF2-40B4-BE49-F238E27FC236}">
+                <a16:creationId xmlns:a16="http://schemas.microsoft.com/office/drawing/2014/main" id="{206D3E3A-529F-734E-A101-BA4130C4BBD2}"/>
+              </a:ext>
+            </a:extLst>
+          </p:cNvPr>
+          <p:cNvPicPr>
+            <a:picLocks noChangeAspect="1"/>
+          </p:cNvPicPr>
+          <p:nvPr/>
+        </p:nvPicPr>
+        <p:blipFill>
+          <a:blip r:embed="rId4"/>
+          <a:stretch>
+            <a:fillRect/>
+          </a:stretch>
+        </p:blipFill>
+        <p:spPr>
+          <a:xfrm>
+            <a:off x="7029254" y="1804447"/>
+            <a:ext cx="4038600" cy="812800"/>
+          </a:xfrm>
+          <a:prstGeom prst="rect">
+            <a:avLst/>
+          </a:prstGeom>
+        </p:spPr>
+      </p:pic>
+      <p:sp>
+        <p:nvSpPr>
+          <p:cNvPr id="10" name="Rectangle 9">
+            <a:extLst>
+              <a:ext uri="{FF2B5EF4-FFF2-40B4-BE49-F238E27FC236}">
+                <a16:creationId xmlns:a16="http://schemas.microsoft.com/office/drawing/2014/main" id="{0DDF4ACC-206E-644A-ABE0-2F61642F6F62}"/>
+              </a:ext>
+            </a:extLst>
+          </p:cNvPr>
+          <p:cNvSpPr/>
+          <p:nvPr/>
+        </p:nvSpPr>
+        <p:spPr>
+          <a:xfrm>
+            <a:off x="510100" y="1690688"/>
+            <a:ext cx="3585194" cy="330257"/>
+          </a:xfrm>
+          <a:prstGeom prst="rect">
+            <a:avLst/>
+          </a:prstGeom>
+          <a:noFill/>
+          <a:ln w="19050">
+            <a:solidFill>
+              <a:srgbClr val="E4754F"/>
+            </a:solidFill>
+          </a:ln>
+        </p:spPr>
+        <p:style>
+          <a:lnRef idx="2">
+            <a:schemeClr val="accent1">
+              <a:shade val="50000"/>
+            </a:schemeClr>
+          </a:lnRef>
+          <a:fillRef idx="1">
+            <a:schemeClr val="accent1"/>
+          </a:fillRef>
+          <a:effectRef idx="0">
+            <a:schemeClr val="accent1"/>
+          </a:effectRef>
+          <a:fontRef idx="minor">
+            <a:schemeClr val="lt1"/>
+          </a:fontRef>
+        </p:style>
+        <p:txBody>
+          <a:bodyPr rtlCol="0" anchor="ctr"/>
+          <a:lstStyle/>
+          <a:p>
+            <a:pPr algn="ctr"/>
+            <a:endParaRPr lang="en-US"/>
+          </a:p>
+        </p:txBody>
+      </p:sp>
+      <p:pic>
+        <p:nvPicPr>
+          <p:cNvPr id="12" name="Picture 11">
+            <a:extLst>
+              <a:ext uri="{FF2B5EF4-FFF2-40B4-BE49-F238E27FC236}">
+                <a16:creationId xmlns:a16="http://schemas.microsoft.com/office/drawing/2014/main" id="{920D7AB4-496D-C34D-AFB3-46ACAA75E25F}"/>
+              </a:ext>
+            </a:extLst>
+          </p:cNvPr>
+          <p:cNvPicPr>
+            <a:picLocks noChangeAspect="1"/>
+          </p:cNvPicPr>
+          <p:nvPr/>
+        </p:nvPicPr>
+        <p:blipFill>
+          <a:blip r:embed="rId5"/>
+          <a:stretch>
+            <a:fillRect/>
+          </a:stretch>
+        </p:blipFill>
+        <p:spPr>
+          <a:xfrm>
+            <a:off x="361494" y="4081807"/>
+            <a:ext cx="6155581" cy="2734564"/>
+          </a:xfrm>
+          <a:prstGeom prst="rect">
+            <a:avLst/>
+          </a:prstGeom>
+        </p:spPr>
+      </p:pic>
+      <p:sp>
+        <p:nvSpPr>
+          <p:cNvPr id="13" name="TextBox 12">
+            <a:extLst>
+              <a:ext uri="{FF2B5EF4-FFF2-40B4-BE49-F238E27FC236}">
+                <a16:creationId xmlns:a16="http://schemas.microsoft.com/office/drawing/2014/main" id="{B33509D6-EC6F-A347-8DD4-BC83D7071C34}"/>
+              </a:ext>
+            </a:extLst>
+          </p:cNvPr>
+          <p:cNvSpPr txBox="1"/>
+          <p:nvPr/>
+        </p:nvSpPr>
+        <p:spPr>
+          <a:xfrm>
+            <a:off x="3346515" y="6018041"/>
+            <a:ext cx="3544560" cy="369332"/>
+          </a:xfrm>
+          <a:prstGeom prst="rect">
+            <a:avLst/>
+          </a:prstGeom>
+          <a:noFill/>
+        </p:spPr>
+        <p:txBody>
+          <a:bodyPr wrap="none" rtlCol="0">
+            <a:spAutoFit/>
           </a:bodyPr>
           <a:lstStyle/>
           <a:p>
             <a:r>
               <a:rPr lang="en-US" dirty="0"/>
-              <a:t>Getting operator-level exceptions w/o bytecode instrumentation requires a total hack</a:t>
-            </a:r>
-          </a:p>
-        </p:txBody>
-      </p:sp>
-      <p:sp>
-        <p:nvSpPr>
-          <p:cNvPr id="3" name="Content Placeholder 2">
-            <a:extLst>
-              <a:ext uri="{FF2B5EF4-FFF2-40B4-BE49-F238E27FC236}">
-                <a16:creationId xmlns:a16="http://schemas.microsoft.com/office/drawing/2014/main" id="{524F48FA-29F3-7C45-AEC9-CDAD6EE5405B}"/>
-              </a:ext>
-            </a:extLst>
-          </p:cNvPr>
-          <p:cNvSpPr>
-            <a:spLocks noGrp="1"/>
-          </p:cNvSpPr>
-          <p:nvPr>
-            <p:ph idx="1"/>
-          </p:nvPr>
-        </p:nvSpPr>
-        <p:spPr/>
-        <p:txBody>
-          <a:bodyPr>
-            <a:normAutofit lnSpcReduction="10000"/>
+              <a:t>Greater than 2 and 3 dimensions</a:t>
+            </a:r>
+          </a:p>
+        </p:txBody>
+      </p:sp>
+      <p:cxnSp>
+        <p:nvCxnSpPr>
+          <p:cNvPr id="14" name="Straight Arrow Connector 13">
+            <a:extLst>
+              <a:ext uri="{FF2B5EF4-FFF2-40B4-BE49-F238E27FC236}">
+                <a16:creationId xmlns:a16="http://schemas.microsoft.com/office/drawing/2014/main" id="{39F31D14-AB77-A74D-BE71-97035E03188A}"/>
+              </a:ext>
+            </a:extLst>
+          </p:cNvPr>
+          <p:cNvCxnSpPr>
+            <a:cxnSpLocks/>
+            <a:stCxn id="13" idx="1"/>
+          </p:cNvCxnSpPr>
+          <p:nvPr/>
+        </p:nvCxnSpPr>
+        <p:spPr>
+          <a:xfrm flipH="1">
+            <a:off x="2639507" y="6202707"/>
+            <a:ext cx="707008" cy="9557"/>
+          </a:xfrm>
+          <a:prstGeom prst="straightConnector1">
+            <a:avLst/>
+          </a:prstGeom>
+          <a:ln>
+            <a:tailEnd type="triangle"/>
+          </a:ln>
+        </p:spPr>
+        <p:style>
+          <a:lnRef idx="1">
+            <a:schemeClr val="accent1"/>
+          </a:lnRef>
+          <a:fillRef idx="0">
+            <a:schemeClr val="accent1"/>
+          </a:fillRef>
+          <a:effectRef idx="0">
+            <a:schemeClr val="accent1"/>
+          </a:effectRef>
+          <a:fontRef idx="minor">
+            <a:schemeClr val="tx1"/>
+          </a:fontRef>
+        </p:style>
+      </p:cxnSp>
+      <p:sp>
+        <p:nvSpPr>
+          <p:cNvPr id="17" name="Rectangle 16">
+            <a:extLst>
+              <a:ext uri="{FF2B5EF4-FFF2-40B4-BE49-F238E27FC236}">
+                <a16:creationId xmlns:a16="http://schemas.microsoft.com/office/drawing/2014/main" id="{97FBF7FF-F5F0-A04E-B572-2FA59D73EF33}"/>
+              </a:ext>
+            </a:extLst>
+          </p:cNvPr>
+          <p:cNvSpPr/>
+          <p:nvPr/>
+        </p:nvSpPr>
+        <p:spPr>
+          <a:xfrm>
+            <a:off x="426370" y="4541781"/>
+            <a:ext cx="3544560" cy="330257"/>
+          </a:xfrm>
+          <a:prstGeom prst="rect">
+            <a:avLst/>
+          </a:prstGeom>
+          <a:noFill/>
+          <a:ln w="19050">
+            <a:solidFill>
+              <a:srgbClr val="E4754F"/>
+            </a:solidFill>
+          </a:ln>
+        </p:spPr>
+        <p:style>
+          <a:lnRef idx="2">
+            <a:schemeClr val="accent1">
+              <a:shade val="50000"/>
+            </a:schemeClr>
+          </a:lnRef>
+          <a:fillRef idx="1">
+            <a:schemeClr val="accent1"/>
+          </a:fillRef>
+          <a:effectRef idx="0">
+            <a:schemeClr val="accent1"/>
+          </a:effectRef>
+          <a:fontRef idx="minor">
+            <a:schemeClr val="lt1"/>
+          </a:fontRef>
+        </p:style>
+        <p:txBody>
+          <a:bodyPr rtlCol="0" anchor="ctr"/>
+          <a:lstStyle/>
+          <a:p>
+            <a:pPr algn="ctr"/>
+            <a:endParaRPr lang="en-US"/>
+          </a:p>
+        </p:txBody>
+      </p:sp>
+      <p:cxnSp>
+        <p:nvCxnSpPr>
+          <p:cNvPr id="19" name="Straight Connector 18">
+            <a:extLst>
+              <a:ext uri="{FF2B5EF4-FFF2-40B4-BE49-F238E27FC236}">
+                <a16:creationId xmlns:a16="http://schemas.microsoft.com/office/drawing/2014/main" id="{7EE79A98-C646-1D4A-A18D-A0A07DC95041}"/>
+              </a:ext>
+            </a:extLst>
+          </p:cNvPr>
+          <p:cNvCxnSpPr>
+            <a:cxnSpLocks/>
+          </p:cNvCxnSpPr>
+          <p:nvPr/>
+        </p:nvCxnSpPr>
+        <p:spPr>
+          <a:xfrm>
+            <a:off x="6815581" y="1555423"/>
+            <a:ext cx="0" cy="4279769"/>
+          </a:xfrm>
+          <a:prstGeom prst="line">
+            <a:avLst/>
+          </a:prstGeom>
+        </p:spPr>
+        <p:style>
+          <a:lnRef idx="1">
+            <a:schemeClr val="accent1"/>
+          </a:lnRef>
+          <a:fillRef idx="0">
+            <a:schemeClr val="accent1"/>
+          </a:fillRef>
+          <a:effectRef idx="0">
+            <a:schemeClr val="accent1"/>
+          </a:effectRef>
+          <a:fontRef idx="minor">
+            <a:schemeClr val="tx1"/>
+          </a:fontRef>
+        </p:style>
+      </p:cxnSp>
+      <p:sp>
+        <p:nvSpPr>
+          <p:cNvPr id="21" name="TextBox 20">
+            <a:extLst>
+              <a:ext uri="{FF2B5EF4-FFF2-40B4-BE49-F238E27FC236}">
+                <a16:creationId xmlns:a16="http://schemas.microsoft.com/office/drawing/2014/main" id="{681F30B4-E073-E04A-83C1-98D6FBB2C3CB}"/>
+              </a:ext>
+            </a:extLst>
+          </p:cNvPr>
+          <p:cNvSpPr txBox="1"/>
+          <p:nvPr/>
+        </p:nvSpPr>
+        <p:spPr>
+          <a:xfrm>
+            <a:off x="7358335" y="5230257"/>
+            <a:ext cx="4355068" cy="707886"/>
+          </a:xfrm>
+          <a:prstGeom prst="rect">
+            <a:avLst/>
+          </a:prstGeom>
+          <a:noFill/>
+        </p:spPr>
+        <p:txBody>
+          <a:bodyPr wrap="square" rtlCol="0">
+            <a:spAutoFit/>
           </a:bodyPr>
           <a:lstStyle/>
           <a:p>
             <a:r>
-              <a:rPr lang="en-US" dirty="0"/>
-              <a:t>We have: (1) the full execution stack and (2) the offending line of source code</a:t>
-            </a:r>
-          </a:p>
-          <a:p>
-            <a:r>
-              <a:rPr lang="en-US" dirty="0"/>
-              <a:t>To identify the individual operator and operands that triggered an exception use brute-force:</a:t>
-            </a:r>
-          </a:p>
-          <a:p>
-            <a:pPr lvl="1"/>
-            <a:r>
-              <a:rPr lang="en-US" dirty="0"/>
-              <a:t>reevaluate each operation in the line, piece-by-piece, in proper order, and in the correct execution context (must pick correct stack frame)</a:t>
-            </a:r>
-          </a:p>
-          <a:p>
-            <a:r>
-              <a:rPr lang="en-US" dirty="0"/>
-              <a:t>Wait for an operator to cause an exception, report op/</a:t>
-            </a:r>
-            <a:r>
-              <a:rPr lang="en-US" dirty="0" err="1"/>
-              <a:t>opnds</a:t>
-            </a:r>
-            <a:endParaRPr lang="en-US" dirty="0"/>
-          </a:p>
-          <a:p>
-            <a:r>
-              <a:rPr lang="en-US" dirty="0"/>
-              <a:t>Zero cost until error, but assumes side-effect free functions</a:t>
-            </a:r>
-          </a:p>
-          <a:p>
-            <a:r>
-              <a:rPr lang="en-US" dirty="0"/>
-              <a:t>Even if side-effecting, who cares (usually)? Program is about to terminate</a:t>
+              <a:rPr lang="en-US" sz="2000" dirty="0"/>
+              <a:t>Very helpful when trying to read (even correct) code</a:t>
             </a:r>
           </a:p>
         </p:txBody>
@@ -5542,7 +6102,7 @@
     </p:spTree>
     <p:extLst>
       <p:ext uri="{BB962C8B-B14F-4D97-AF65-F5344CB8AC3E}">
-        <p14:creationId xmlns:p14="http://schemas.microsoft.com/office/powerpoint/2010/main" val="4145247834"/>
+        <p14:creationId xmlns:p14="http://schemas.microsoft.com/office/powerpoint/2010/main" val="3545508290"/>
       </p:ext>
     </p:extLst>
   </p:cSld>
@@ -5574,7 +6134,7 @@
           <p:cNvPr id="2" name="Title 1">
             <a:extLst>
               <a:ext uri="{FF2B5EF4-FFF2-40B4-BE49-F238E27FC236}">
-                <a16:creationId xmlns:a16="http://schemas.microsoft.com/office/drawing/2014/main" id="{F7B71233-6082-A34D-891B-535438901B7C}"/>
+                <a16:creationId xmlns:a16="http://schemas.microsoft.com/office/drawing/2014/main" id="{D088C2E6-F25E-6B46-B522-C154A29F4398}"/>
               </a:ext>
             </a:extLst>
           </p:cNvPr>
@@ -5585,29 +6145,31 @@
             <p:ph type="title"/>
           </p:nvPr>
         </p:nvSpPr>
-        <p:spPr>
-          <a:xfrm>
-            <a:off x="838200" y="365125"/>
-            <a:ext cx="10515600" cy="727285"/>
-          </a:xfrm>
-        </p:spPr>
+        <p:spPr/>
         <p:txBody>
           <a:bodyPr/>
           <a:lstStyle/>
           <a:p>
             <a:r>
               <a:rPr lang="en-US" dirty="0"/>
-              <a:t>Reevaluation mechanism</a:t>
-            </a:r>
-          </a:p>
-        </p:txBody>
-      </p:sp>
-      <p:sp>
-        <p:nvSpPr>
-          <p:cNvPr id="3" name="Content Placeholder 2">
-            <a:extLst>
-              <a:ext uri="{FF2B5EF4-FFF2-40B4-BE49-F238E27FC236}">
-                <a16:creationId xmlns:a16="http://schemas.microsoft.com/office/drawing/2014/main" id="{5B71B924-17ED-DE4C-80CE-C6506A32A07D}"/>
+              <a:t>Language engineering</a:t>
+            </a:r>
+            <a:br>
+              <a:rPr lang="en-US" dirty="0"/>
+            </a:br>
+            <a:r>
+              <a:rPr lang="en-US" dirty="0"/>
+              <a:t>related implementation</a:t>
+            </a:r>
+          </a:p>
+        </p:txBody>
+      </p:sp>
+      <p:sp>
+        <p:nvSpPr>
+          <p:cNvPr id="3" name="Text Placeholder 2">
+            <a:extLst>
+              <a:ext uri="{FF2B5EF4-FFF2-40B4-BE49-F238E27FC236}">
+                <a16:creationId xmlns:a16="http://schemas.microsoft.com/office/drawing/2014/main" id="{5CB9B935-55FE-E744-8EB6-2AE7B9545811}"/>
               </a:ext>
             </a:extLst>
           </p:cNvPr>
@@ -5615,199 +6177,22 @@
             <a:spLocks noGrp="1"/>
           </p:cNvSpPr>
           <p:nvPr>
-            <p:ph idx="1"/>
-          </p:nvPr>
-        </p:nvSpPr>
-        <p:spPr>
-          <a:xfrm>
-            <a:off x="754144" y="1230792"/>
-            <a:ext cx="5684363" cy="5262084"/>
-          </a:xfrm>
-        </p:spPr>
-        <p:txBody>
-          <a:bodyPr>
-            <a:normAutofit fontScale="92500" lnSpcReduction="20000"/>
-          </a:bodyPr>
-          <a:lstStyle/>
-          <a:p>
-            <a:r>
-              <a:rPr lang="en-US" dirty="0"/>
-              <a:t>First, check if exception is tensor-related or if exec stack descends into a known tensor lib</a:t>
-            </a:r>
-          </a:p>
-          <a:p>
-            <a:r>
-              <a:rPr lang="en-US" dirty="0"/>
-              <a:t>If so, find and parse deepest </a:t>
-            </a:r>
-            <a:r>
-              <a:rPr lang="en-US" i="1" dirty="0"/>
-              <a:t>user-level</a:t>
-            </a:r>
-            <a:r>
-              <a:rPr lang="en-US" dirty="0"/>
-              <a:t> offending statement and build an appropriate AST with operators as subtree roots</a:t>
-            </a:r>
-          </a:p>
-          <a:p>
-            <a:r>
-              <a:rPr lang="en-US" dirty="0"/>
-              <a:t>Uses built-in Python tokenizer</a:t>
-            </a:r>
-          </a:p>
-          <a:p>
-            <a:r>
-              <a:rPr lang="en-US" dirty="0"/>
-              <a:t>Uses </a:t>
-            </a:r>
-            <a:r>
-              <a:rPr lang="en-US" dirty="0" err="1"/>
-              <a:t>handbuilt</a:t>
-            </a:r>
-            <a:r>
-              <a:rPr lang="en-US" dirty="0"/>
-              <a:t> Python parser for subset of statements / </a:t>
-            </a:r>
-            <a:r>
-              <a:rPr lang="en-US" dirty="0" err="1"/>
-              <a:t>exprs</a:t>
-            </a:r>
-            <a:endParaRPr lang="en-US" dirty="0"/>
-          </a:p>
-          <a:p>
-            <a:r>
-              <a:rPr lang="en-US" dirty="0"/>
-              <a:t>Avoided ANTLR to avoid introducing a lib dependency</a:t>
-            </a:r>
-          </a:p>
-          <a:p>
-            <a:r>
-              <a:rPr lang="en-US" dirty="0"/>
-              <a:t>Avoided built-in Python parser since reorg'ing its AST is same work as  rolling my own "</a:t>
-            </a:r>
-            <a:r>
-              <a:rPr lang="en-US" dirty="0" err="1"/>
-              <a:t>parrser</a:t>
-            </a:r>
-            <a:r>
-              <a:rPr lang="en-US" dirty="0"/>
-              <a:t>"</a:t>
-            </a:r>
-          </a:p>
-        </p:txBody>
-      </p:sp>
-      <p:pic>
-        <p:nvPicPr>
-          <p:cNvPr id="4" name="Picture 3">
-            <a:extLst>
-              <a:ext uri="{FF2B5EF4-FFF2-40B4-BE49-F238E27FC236}">
-                <a16:creationId xmlns:a16="http://schemas.microsoft.com/office/drawing/2014/main" id="{18CB3F87-D4DE-1940-8589-A9F959BA4C1D}"/>
-              </a:ext>
-            </a:extLst>
-          </p:cNvPr>
-          <p:cNvPicPr>
-            <a:picLocks noChangeAspect="1"/>
-          </p:cNvPicPr>
-          <p:nvPr/>
-        </p:nvPicPr>
-        <p:blipFill>
-          <a:blip r:embed="rId2"/>
-          <a:stretch>
-            <a:fillRect/>
-          </a:stretch>
-        </p:blipFill>
-        <p:spPr>
-          <a:xfrm>
-            <a:off x="6438507" y="1230791"/>
-            <a:ext cx="5684363" cy="5084553"/>
-          </a:xfrm>
-          <a:prstGeom prst="rect">
-            <a:avLst/>
-          </a:prstGeom>
-        </p:spPr>
-      </p:pic>
-      <p:sp>
-        <p:nvSpPr>
-          <p:cNvPr id="5" name="TextBox 4">
-            <a:extLst>
-              <a:ext uri="{FF2B5EF4-FFF2-40B4-BE49-F238E27FC236}">
-                <a16:creationId xmlns:a16="http://schemas.microsoft.com/office/drawing/2014/main" id="{8054C3C1-F0F7-4C4F-B069-ED50342BA779}"/>
-              </a:ext>
-            </a:extLst>
-          </p:cNvPr>
-          <p:cNvSpPr txBox="1"/>
-          <p:nvPr/>
-        </p:nvSpPr>
-        <p:spPr>
-          <a:xfrm>
-            <a:off x="5203596" y="4490414"/>
-            <a:ext cx="697627" cy="707886"/>
-          </a:xfrm>
-          <a:prstGeom prst="rect">
-            <a:avLst/>
-          </a:prstGeom>
-          <a:noFill/>
-        </p:spPr>
-        <p:txBody>
-          <a:bodyPr wrap="none" rtlCol="0">
-            <a:spAutoFit/>
-          </a:bodyPr>
-          <a:lstStyle/>
-          <a:p>
-            <a:r>
-              <a:rPr lang="en-US" sz="4000" dirty="0"/>
-              <a:t>🤣</a:t>
-            </a:r>
-          </a:p>
-        </p:txBody>
-      </p:sp>
-      <p:sp>
-        <p:nvSpPr>
-          <p:cNvPr id="6" name="TextBox 5">
-            <a:extLst>
-              <a:ext uri="{FF2B5EF4-FFF2-40B4-BE49-F238E27FC236}">
-                <a16:creationId xmlns:a16="http://schemas.microsoft.com/office/drawing/2014/main" id="{9DD1F523-A5A5-9C40-A885-FA7BC77C7326}"/>
-              </a:ext>
-            </a:extLst>
-          </p:cNvPr>
-          <p:cNvSpPr txBox="1"/>
-          <p:nvPr/>
-        </p:nvSpPr>
-        <p:spPr>
-          <a:xfrm>
-            <a:off x="8832916" y="5442543"/>
-            <a:ext cx="3065968" cy="369332"/>
-          </a:xfrm>
-          <a:prstGeom prst="rect">
-            <a:avLst/>
-          </a:prstGeom>
-          <a:noFill/>
-        </p:spPr>
-        <p:txBody>
-          <a:bodyPr wrap="none" rtlCol="0">
-            <a:spAutoFit/>
-          </a:bodyPr>
-          <a:lstStyle/>
-          <a:p>
-            <a:r>
-              <a:rPr lang="en-US" dirty="0"/>
-              <a:t>(also from </a:t>
-            </a:r>
-            <a:r>
-              <a:rPr lang="en-US" dirty="0" err="1"/>
-              <a:t>TensorSensor</a:t>
-            </a:r>
-            <a:r>
-              <a:rPr lang="en-US" dirty="0"/>
-              <a:t> lib)</a:t>
-            </a:r>
+            <p:ph type="body" idx="1"/>
+          </p:nvPr>
+        </p:nvSpPr>
+        <p:spPr/>
+        <p:txBody>
+          <a:bodyPr/>
+          <a:lstStyle/>
+          <a:p>
+            <a:endParaRPr lang="en-US"/>
           </a:p>
         </p:txBody>
       </p:sp>
     </p:spTree>
     <p:extLst>
       <p:ext uri="{BB962C8B-B14F-4D97-AF65-F5344CB8AC3E}">
-        <p14:creationId xmlns:p14="http://schemas.microsoft.com/office/powerpoint/2010/main" val="26650210"/>
+        <p14:creationId xmlns:p14="http://schemas.microsoft.com/office/powerpoint/2010/main" val="1220282188"/>
       </p:ext>
     </p:extLst>
   </p:cSld>
@@ -5839,7 +6224,7 @@
           <p:cNvPr id="2" name="Title 1">
             <a:extLst>
               <a:ext uri="{FF2B5EF4-FFF2-40B4-BE49-F238E27FC236}">
-                <a16:creationId xmlns:a16="http://schemas.microsoft.com/office/drawing/2014/main" id="{F7B71233-6082-A34D-891B-535438901B7C}"/>
+                <a16:creationId xmlns:a16="http://schemas.microsoft.com/office/drawing/2014/main" id="{D014B71A-3678-DA44-8A7B-69B0EC06C764}"/>
               </a:ext>
             </a:extLst>
           </p:cNvPr>
@@ -5853,7 +6238,7 @@
         <p:spPr>
           <a:xfrm>
             <a:off x="838200" y="365125"/>
-            <a:ext cx="10515600" cy="727285"/>
+            <a:ext cx="10515600" cy="992335"/>
           </a:xfrm>
         </p:spPr>
         <p:txBody>
@@ -5862,7 +6247,7 @@
           <a:p>
             <a:r>
               <a:rPr lang="en-US" dirty="0"/>
-              <a:t>Reevaluation mechanism continued</a:t>
+              <a:t>Key questions to answer</a:t>
             </a:r>
           </a:p>
         </p:txBody>
@@ -5872,7 +6257,7 @@
           <p:cNvPr id="3" name="Content Placeholder 2">
             <a:extLst>
               <a:ext uri="{FF2B5EF4-FFF2-40B4-BE49-F238E27FC236}">
-                <a16:creationId xmlns:a16="http://schemas.microsoft.com/office/drawing/2014/main" id="{5B71B924-17ED-DE4C-80CE-C6506A32A07D}"/>
+                <a16:creationId xmlns:a16="http://schemas.microsoft.com/office/drawing/2014/main" id="{22407BF5-7163-BB43-9BA1-C1728BB28111}"/>
               </a:ext>
             </a:extLst>
           </p:cNvPr>
@@ -5885,8 +6270,8 @@
         </p:nvSpPr>
         <p:spPr>
           <a:xfrm>
-            <a:off x="584462" y="1230791"/>
-            <a:ext cx="5854045" cy="5222934"/>
+            <a:off x="838200" y="1498862"/>
+            <a:ext cx="10515600" cy="4678101"/>
           </a:xfrm>
         </p:spPr>
         <p:txBody>
@@ -5895,81 +6280,93 @@
           </a:bodyPr>
           <a:lstStyle/>
           <a:p>
-            <a:r>
-              <a:rPr lang="en-US" dirty="0"/>
-              <a:t>Evaluate operators of AST bottom-up in proper exec order</a:t>
-            </a:r>
-          </a:p>
-          <a:p>
-            <a:r>
-              <a:rPr lang="en-US" dirty="0"/>
-              <a:t>Call </a:t>
-            </a:r>
-            <a:r>
-              <a:rPr lang="en-US" b="1" dirty="0"/>
-              <a:t>eval()</a:t>
-            </a:r>
-            <a:r>
-              <a:rPr lang="en-US" dirty="0"/>
-              <a:t> on Python source of subexpressions using the appropriate execution contexts, saving results in associated nodes</a:t>
-            </a:r>
-          </a:p>
-          <a:p>
-            <a:r>
-              <a:rPr lang="en-US" dirty="0"/>
-              <a:t>Trap and absorb exception from </a:t>
-            </a:r>
-            <a:r>
-              <a:rPr lang="en-US" b="1" dirty="0"/>
-              <a:t>eval()</a:t>
-            </a:r>
-            <a:r>
-              <a:rPr lang="en-US" dirty="0"/>
-              <a:t>, record that exception and offending AST node</a:t>
-            </a:r>
-          </a:p>
-          <a:p>
-            <a:r>
-              <a:rPr lang="en-US" dirty="0"/>
-              <a:t>Augment original exception message with info derived this new exception, op, operands</a:t>
-            </a:r>
-          </a:p>
-        </p:txBody>
-      </p:sp>
-      <p:pic>
-        <p:nvPicPr>
-          <p:cNvPr id="4" name="Picture 3">
-            <a:extLst>
-              <a:ext uri="{FF2B5EF4-FFF2-40B4-BE49-F238E27FC236}">
-                <a16:creationId xmlns:a16="http://schemas.microsoft.com/office/drawing/2014/main" id="{18CB3F87-D4DE-1940-8589-A9F959BA4C1D}"/>
-              </a:ext>
-            </a:extLst>
-          </p:cNvPr>
-          <p:cNvPicPr>
-            <a:picLocks noChangeAspect="1"/>
-          </p:cNvPicPr>
+            <a:pPr marL="514350" indent="-514350">
+              <a:buFont typeface="+mj-lt"/>
+              <a:buAutoNum type="arabicPeriod"/>
+            </a:pPr>
+            <a:r>
+              <a:rPr lang="en-US" dirty="0"/>
+              <a:t>Python traps exceptions at the statement level, so how can we identify offending operators and operand values? </a:t>
+            </a:r>
+          </a:p>
+          <a:p>
+            <a:pPr marL="514350" indent="-514350">
+              <a:buFont typeface="+mj-lt"/>
+              <a:buAutoNum type="arabicPeriod"/>
+            </a:pPr>
+            <a:r>
+              <a:rPr lang="en-US" dirty="0"/>
+              <a:t>How can we trap exceptions without requiring try/except blocks around statements with potential dimension problems?</a:t>
+            </a:r>
+            <a:br>
+              <a:rPr lang="en-US" dirty="0"/>
+            </a:br>
+            <a:r>
+              <a:rPr lang="en-US" dirty="0"/>
+              <a:t>(Also want to ignore non-matrix related exceptions; user shouldn't need to know Python internal execution details)</a:t>
+            </a:r>
+          </a:p>
+          <a:p>
+            <a:pPr marL="514350" indent="-514350">
+              <a:buFont typeface="+mj-lt"/>
+              <a:buAutoNum type="arabicPeriod"/>
+            </a:pPr>
+            <a:r>
+              <a:rPr lang="en-US" dirty="0"/>
+              <a:t>How can we generate matrix visualizations w/o explicit calls?</a:t>
+            </a:r>
+          </a:p>
+          <a:p>
+            <a:pPr marL="514350" indent="-514350">
+              <a:buFont typeface="+mj-lt"/>
+              <a:buAutoNum type="arabicPeriod"/>
+            </a:pPr>
+            <a:r>
+              <a:rPr lang="en-US" dirty="0"/>
+              <a:t>Can we make use of library zero cost until an exception?</a:t>
+            </a:r>
+          </a:p>
+        </p:txBody>
+      </p:sp>
+      <p:sp>
+        <p:nvSpPr>
+          <p:cNvPr id="6" name="TextBox 5">
+            <a:extLst>
+              <a:ext uri="{FF2B5EF4-FFF2-40B4-BE49-F238E27FC236}">
+                <a16:creationId xmlns:a16="http://schemas.microsoft.com/office/drawing/2014/main" id="{6A2404B0-BCDF-9C45-BF71-14219B10FE33}"/>
+              </a:ext>
+            </a:extLst>
+          </p:cNvPr>
+          <p:cNvSpPr txBox="1"/>
           <p:nvPr/>
-        </p:nvPicPr>
-        <p:blipFill>
-          <a:blip r:embed="rId2"/>
-          <a:stretch>
-            <a:fillRect/>
-          </a:stretch>
-        </p:blipFill>
-        <p:spPr>
-          <a:xfrm>
-            <a:off x="6438507" y="1230791"/>
-            <a:ext cx="5684363" cy="5084553"/>
+        </p:nvSpPr>
+        <p:spPr>
+          <a:xfrm>
+            <a:off x="404459" y="5264715"/>
+            <a:ext cx="11524309" cy="584775"/>
           </a:xfrm>
           <a:prstGeom prst="rect">
             <a:avLst/>
           </a:prstGeom>
-        </p:spPr>
-      </p:pic>
+          <a:noFill/>
+        </p:spPr>
+        <p:txBody>
+          <a:bodyPr wrap="none" rtlCol="0">
+            <a:spAutoFit/>
+          </a:bodyPr>
+          <a:lstStyle/>
+          <a:p>
+            <a:r>
+              <a:rPr lang="en-US" sz="3200" dirty="0"/>
+              <a:t>In other words, how do we make this precise and unobtrusive?</a:t>
+            </a:r>
+          </a:p>
+        </p:txBody>
+      </p:sp>
     </p:spTree>
     <p:extLst>
       <p:ext uri="{BB962C8B-B14F-4D97-AF65-F5344CB8AC3E}">
-        <p14:creationId xmlns:p14="http://schemas.microsoft.com/office/powerpoint/2010/main" val="611637354"/>
+        <p14:creationId xmlns:p14="http://schemas.microsoft.com/office/powerpoint/2010/main" val="3440886272"/>
       </p:ext>
     </p:extLst>
   </p:cSld>
@@ -6001,7 +6398,7 @@
           <p:cNvPr id="2" name="Title 1">
             <a:extLst>
               <a:ext uri="{FF2B5EF4-FFF2-40B4-BE49-F238E27FC236}">
-                <a16:creationId xmlns:a16="http://schemas.microsoft.com/office/drawing/2014/main" id="{6EFC4823-71C6-5D49-A244-5A5599A9D139}"/>
+                <a16:creationId xmlns:a16="http://schemas.microsoft.com/office/drawing/2014/main" id="{906CE396-B085-E245-AB6B-2C5E398C01CE}"/>
               </a:ext>
             </a:extLst>
           </p:cNvPr>
@@ -6019,7 +6416,7 @@
           <a:p>
             <a:r>
               <a:rPr lang="en-US" dirty="0"/>
-              <a:t>Picking the right execution context</a:t>
+              <a:t>Screams for code instrumentation, right?</a:t>
             </a:r>
           </a:p>
         </p:txBody>
@@ -6029,7 +6426,7 @@
           <p:cNvPr id="3" name="Content Placeholder 2">
             <a:extLst>
               <a:ext uri="{FF2B5EF4-FFF2-40B4-BE49-F238E27FC236}">
-                <a16:creationId xmlns:a16="http://schemas.microsoft.com/office/drawing/2014/main" id="{9CBDC17F-5C07-CB41-B24C-7BF90E2EF41E}"/>
+                <a16:creationId xmlns:a16="http://schemas.microsoft.com/office/drawing/2014/main" id="{CB7C9509-26D1-7046-A349-9EE4BD8352B9}"/>
               </a:ext>
             </a:extLst>
           </p:cNvPr>
@@ -6042,117 +6439,49 @@
         </p:nvSpPr>
         <p:spPr/>
         <p:txBody>
-          <a:bodyPr/>
-          <a:lstStyle/>
-          <a:p>
-            <a:r>
-              <a:rPr lang="en-US" dirty="0"/>
-              <a:t>The goal is to identify user code not library code that (eventually) triggers a tensor-related exception</a:t>
-            </a:r>
-          </a:p>
-          <a:p>
-            <a:r>
-              <a:rPr lang="en-US" dirty="0" err="1"/>
-              <a:t>TensorSensor</a:t>
-            </a:r>
-            <a:r>
-              <a:rPr lang="en-US" dirty="0"/>
-              <a:t> </a:t>
-            </a:r>
-            <a:r>
-              <a:rPr lang="en-US" b="1" dirty="0"/>
-              <a:t>clarify</a:t>
-            </a:r>
-            <a:r>
-              <a:rPr lang="en-US" dirty="0"/>
-              <a:t>() descends into any user code function calls, stopping only when it reaches a tensor library function</a:t>
-            </a:r>
-          </a:p>
-          <a:p>
-            <a:r>
-              <a:rPr lang="en-US" dirty="0"/>
-              <a:t>Source file prefix indicates user code boundary, such as:</a:t>
-            </a:r>
-            <a:br>
-              <a:rPr lang="en-US" dirty="0"/>
-            </a:br>
-            <a:r>
-              <a:rPr lang="en-US" sz="2400" dirty="0">
-                <a:latin typeface="Consolas" panose="020B0609020204030204" pitchFamily="49" charset="0"/>
-                <a:cs typeface="Consolas" panose="020B0609020204030204" pitchFamily="49" charset="0"/>
-              </a:rPr>
-              <a:t>…/lib/python3.8/site-packages/</a:t>
-            </a:r>
-            <a:r>
-              <a:rPr lang="en-US" sz="2400" b="1" dirty="0" err="1">
-                <a:latin typeface="Consolas" panose="020B0609020204030204" pitchFamily="49" charset="0"/>
-                <a:cs typeface="Consolas" panose="020B0609020204030204" pitchFamily="49" charset="0"/>
-              </a:rPr>
-              <a:t>tensorflow</a:t>
-            </a:r>
-            <a:r>
-              <a:rPr lang="en-US" sz="2400" dirty="0">
-                <a:latin typeface="Consolas" panose="020B0609020204030204" pitchFamily="49" charset="0"/>
-                <a:cs typeface="Consolas" panose="020B0609020204030204" pitchFamily="49" charset="0"/>
-              </a:rPr>
-              <a:t>/…</a:t>
-            </a:r>
-            <a:endParaRPr lang="en-US" sz="2400" b="1" dirty="0">
-              <a:latin typeface="Consolas" panose="020B0609020204030204" pitchFamily="49" charset="0"/>
-              <a:cs typeface="Consolas" panose="020B0609020204030204" pitchFamily="49" charset="0"/>
-            </a:endParaRPr>
-          </a:p>
-          <a:p>
-            <a:r>
-              <a:rPr lang="en-US" dirty="0"/>
-              <a:t>Boundary frame is any whose package is in</a:t>
-            </a:r>
-            <a:br>
-              <a:rPr lang="en-US" dirty="0"/>
-            </a:br>
-            <a:r>
-              <a:rPr lang="en-US" dirty="0"/>
-              <a:t>{</a:t>
-            </a:r>
-            <a:r>
-              <a:rPr lang="en-US" i="1" dirty="0" err="1"/>
-              <a:t>numpy</a:t>
-            </a:r>
-            <a:r>
-              <a:rPr lang="en-US" dirty="0"/>
-              <a:t>, </a:t>
-            </a:r>
-            <a:r>
-              <a:rPr lang="en-US" i="1" dirty="0"/>
-              <a:t>torch</a:t>
-            </a:r>
-            <a:r>
-              <a:rPr lang="en-US" dirty="0"/>
-              <a:t>, </a:t>
-            </a:r>
-            <a:r>
-              <a:rPr lang="en-US" i="1" dirty="0" err="1"/>
-              <a:t>tensorflow</a:t>
-            </a:r>
-            <a:r>
-              <a:rPr lang="en-US" dirty="0"/>
-              <a:t>, </a:t>
-            </a:r>
-            <a:r>
-              <a:rPr lang="en-US" i="1" dirty="0" err="1"/>
-              <a:t>jax</a:t>
-            </a:r>
-            <a:r>
-              <a:rPr lang="en-US" dirty="0"/>
-              <a:t>}</a:t>
-            </a:r>
+          <a:bodyPr>
+            <a:normAutofit/>
+          </a:bodyPr>
+          <a:lstStyle/>
+          <a:p>
+            <a:r>
+              <a:rPr lang="en-US" dirty="0"/>
+              <a:t>I considered injecting Python bytecode to track subexpression evaluation and to get finer-grained exception handling</a:t>
+            </a:r>
+          </a:p>
+          <a:p>
+            <a:r>
+              <a:rPr lang="en-US" dirty="0"/>
+              <a:t>But, that might require a separate tool and a preprocessing step, rather than simply importing a library</a:t>
+            </a:r>
+          </a:p>
+          <a:p>
+            <a:r>
+              <a:rPr lang="en-US" dirty="0"/>
+              <a:t>Injected code could slow down entire program execution significantly</a:t>
+            </a:r>
+          </a:p>
+          <a:p>
+            <a:r>
+              <a:rPr lang="en-US" dirty="0"/>
+              <a:t>Injected code might affect Python optimization / concurrency</a:t>
+            </a:r>
+          </a:p>
+          <a:p>
+            <a:r>
+              <a:rPr lang="en-US" dirty="0"/>
+              <a:t>It seemed like a lot of work to learn and implement for a skill I probably would never need again</a:t>
+            </a:r>
+          </a:p>
+          <a:p>
+            <a:endParaRPr lang="en-US" dirty="0"/>
           </a:p>
         </p:txBody>
       </p:sp>
     </p:spTree>
     <p:extLst>
       <p:ext uri="{BB962C8B-B14F-4D97-AF65-F5344CB8AC3E}">
-        <p14:creationId xmlns:p14="http://schemas.microsoft.com/office/powerpoint/2010/main" val="1719787904"/>
+        <p14:creationId xmlns:p14="http://schemas.microsoft.com/office/powerpoint/2010/main" val="1540936661"/>
       </p:ext>
     </p:extLst>
   </p:cSld>
@@ -6252,6 +6581,747 @@
 </file>
 
 <file path=ppt/slides/slide20.xml><?xml version="1.0" encoding="utf-8"?>
+<p:sld xmlns:a="http://schemas.openxmlformats.org/drawingml/2006/main" xmlns:r="http://schemas.openxmlformats.org/officeDocument/2006/relationships" xmlns:p="http://schemas.openxmlformats.org/presentationml/2006/main">
+  <p:cSld>
+    <p:spTree>
+      <p:nvGrpSpPr>
+        <p:cNvPr id="1" name=""/>
+        <p:cNvGrpSpPr/>
+        <p:nvPr/>
+      </p:nvGrpSpPr>
+      <p:grpSpPr>
+        <a:xfrm>
+          <a:off x="0" y="0"/>
+          <a:ext cx="0" cy="0"/>
+          <a:chOff x="0" y="0"/>
+          <a:chExt cx="0" cy="0"/>
+        </a:xfrm>
+      </p:grpSpPr>
+      <p:sp>
+        <p:nvSpPr>
+          <p:cNvPr id="2" name="Title 1">
+            <a:extLst>
+              <a:ext uri="{FF2B5EF4-FFF2-40B4-BE49-F238E27FC236}">
+                <a16:creationId xmlns:a16="http://schemas.microsoft.com/office/drawing/2014/main" id="{837F6A9A-0A6B-B94F-8B91-6C23BBC5A946}"/>
+              </a:ext>
+            </a:extLst>
+          </p:cNvPr>
+          <p:cNvSpPr>
+            <a:spLocks noGrp="1"/>
+          </p:cNvSpPr>
+          <p:nvPr>
+            <p:ph type="title"/>
+          </p:nvPr>
+        </p:nvSpPr>
+        <p:spPr>
+          <a:xfrm>
+            <a:off x="838199" y="365125"/>
+            <a:ext cx="10662501" cy="1325563"/>
+          </a:xfrm>
+        </p:spPr>
+        <p:txBody>
+          <a:bodyPr>
+            <a:normAutofit fontScale="90000"/>
+          </a:bodyPr>
+          <a:lstStyle/>
+          <a:p>
+            <a:r>
+              <a:rPr lang="en-US" dirty="0"/>
+              <a:t>Getting operator-level exceptions w/o bytecode instrumentation requires a total hack</a:t>
+            </a:r>
+          </a:p>
+        </p:txBody>
+      </p:sp>
+      <p:sp>
+        <p:nvSpPr>
+          <p:cNvPr id="3" name="Content Placeholder 2">
+            <a:extLst>
+              <a:ext uri="{FF2B5EF4-FFF2-40B4-BE49-F238E27FC236}">
+                <a16:creationId xmlns:a16="http://schemas.microsoft.com/office/drawing/2014/main" id="{524F48FA-29F3-7C45-AEC9-CDAD6EE5405B}"/>
+              </a:ext>
+            </a:extLst>
+          </p:cNvPr>
+          <p:cNvSpPr>
+            <a:spLocks noGrp="1"/>
+          </p:cNvSpPr>
+          <p:nvPr>
+            <p:ph idx="1"/>
+          </p:nvPr>
+        </p:nvSpPr>
+        <p:spPr/>
+        <p:txBody>
+          <a:bodyPr>
+            <a:normAutofit lnSpcReduction="10000"/>
+          </a:bodyPr>
+          <a:lstStyle/>
+          <a:p>
+            <a:r>
+              <a:rPr lang="en-US" dirty="0"/>
+              <a:t>We have: (1) the full execution stack and (2) the offending line of source code</a:t>
+            </a:r>
+          </a:p>
+          <a:p>
+            <a:r>
+              <a:rPr lang="en-US" dirty="0"/>
+              <a:t>To identify the individual operator and operands that triggered an exception use brute-force:</a:t>
+            </a:r>
+          </a:p>
+          <a:p>
+            <a:pPr lvl="1"/>
+            <a:r>
+              <a:rPr lang="en-US" dirty="0"/>
+              <a:t>reevaluate each operation in the line, piece-by-piece, in proper order, and in the correct execution context (must pick correct stack frame)</a:t>
+            </a:r>
+          </a:p>
+          <a:p>
+            <a:r>
+              <a:rPr lang="en-US" dirty="0"/>
+              <a:t>Wait for an operator to cause an exception, report op/</a:t>
+            </a:r>
+            <a:r>
+              <a:rPr lang="en-US" dirty="0" err="1"/>
+              <a:t>opnds</a:t>
+            </a:r>
+            <a:endParaRPr lang="en-US" dirty="0"/>
+          </a:p>
+          <a:p>
+            <a:r>
+              <a:rPr lang="en-US" dirty="0"/>
+              <a:t>Zero cost until error, but assumes side-effect free functions</a:t>
+            </a:r>
+          </a:p>
+          <a:p>
+            <a:r>
+              <a:rPr lang="en-US" dirty="0"/>
+              <a:t>Even if side-effecting, who cares (usually)? Program is about to terminate</a:t>
+            </a:r>
+          </a:p>
+        </p:txBody>
+      </p:sp>
+    </p:spTree>
+    <p:extLst>
+      <p:ext uri="{BB962C8B-B14F-4D97-AF65-F5344CB8AC3E}">
+        <p14:creationId xmlns:p14="http://schemas.microsoft.com/office/powerpoint/2010/main" val="4145247834"/>
+      </p:ext>
+    </p:extLst>
+  </p:cSld>
+  <p:clrMapOvr>
+    <a:masterClrMapping/>
+  </p:clrMapOvr>
+</p:sld>
+</file>
+
+<file path=ppt/slides/slide21.xml><?xml version="1.0" encoding="utf-8"?>
+<p:sld xmlns:a="http://schemas.openxmlformats.org/drawingml/2006/main" xmlns:r="http://schemas.openxmlformats.org/officeDocument/2006/relationships" xmlns:p="http://schemas.openxmlformats.org/presentationml/2006/main">
+  <p:cSld>
+    <p:spTree>
+      <p:nvGrpSpPr>
+        <p:cNvPr id="1" name=""/>
+        <p:cNvGrpSpPr/>
+        <p:nvPr/>
+      </p:nvGrpSpPr>
+      <p:grpSpPr>
+        <a:xfrm>
+          <a:off x="0" y="0"/>
+          <a:ext cx="0" cy="0"/>
+          <a:chOff x="0" y="0"/>
+          <a:chExt cx="0" cy="0"/>
+        </a:xfrm>
+      </p:grpSpPr>
+      <p:sp>
+        <p:nvSpPr>
+          <p:cNvPr id="2" name="Title 1">
+            <a:extLst>
+              <a:ext uri="{FF2B5EF4-FFF2-40B4-BE49-F238E27FC236}">
+                <a16:creationId xmlns:a16="http://schemas.microsoft.com/office/drawing/2014/main" id="{F7B71233-6082-A34D-891B-535438901B7C}"/>
+              </a:ext>
+            </a:extLst>
+          </p:cNvPr>
+          <p:cNvSpPr>
+            <a:spLocks noGrp="1"/>
+          </p:cNvSpPr>
+          <p:nvPr>
+            <p:ph type="title"/>
+          </p:nvPr>
+        </p:nvSpPr>
+        <p:spPr>
+          <a:xfrm>
+            <a:off x="838200" y="365125"/>
+            <a:ext cx="10515600" cy="727285"/>
+          </a:xfrm>
+        </p:spPr>
+        <p:txBody>
+          <a:bodyPr/>
+          <a:lstStyle/>
+          <a:p>
+            <a:r>
+              <a:rPr lang="en-US" dirty="0"/>
+              <a:t>Reevaluation mechanism</a:t>
+            </a:r>
+          </a:p>
+        </p:txBody>
+      </p:sp>
+      <p:sp>
+        <p:nvSpPr>
+          <p:cNvPr id="3" name="Content Placeholder 2">
+            <a:extLst>
+              <a:ext uri="{FF2B5EF4-FFF2-40B4-BE49-F238E27FC236}">
+                <a16:creationId xmlns:a16="http://schemas.microsoft.com/office/drawing/2014/main" id="{5B71B924-17ED-DE4C-80CE-C6506A32A07D}"/>
+              </a:ext>
+            </a:extLst>
+          </p:cNvPr>
+          <p:cNvSpPr>
+            <a:spLocks noGrp="1"/>
+          </p:cNvSpPr>
+          <p:nvPr>
+            <p:ph idx="1"/>
+          </p:nvPr>
+        </p:nvSpPr>
+        <p:spPr>
+          <a:xfrm>
+            <a:off x="754144" y="1230792"/>
+            <a:ext cx="5684363" cy="5262084"/>
+          </a:xfrm>
+        </p:spPr>
+        <p:txBody>
+          <a:bodyPr>
+            <a:normAutofit fontScale="92500" lnSpcReduction="20000"/>
+          </a:bodyPr>
+          <a:lstStyle/>
+          <a:p>
+            <a:r>
+              <a:rPr lang="en-US" dirty="0"/>
+              <a:t>First, check if exception is tensor-related or if exec stack descends into a known tensor lib</a:t>
+            </a:r>
+          </a:p>
+          <a:p>
+            <a:r>
+              <a:rPr lang="en-US" dirty="0"/>
+              <a:t>If so, find and parse deepest </a:t>
+            </a:r>
+            <a:r>
+              <a:rPr lang="en-US" i="1" dirty="0"/>
+              <a:t>user-level</a:t>
+            </a:r>
+            <a:r>
+              <a:rPr lang="en-US" dirty="0"/>
+              <a:t> offending statement and build an appropriate AST with operators as subtree roots</a:t>
+            </a:r>
+          </a:p>
+          <a:p>
+            <a:r>
+              <a:rPr lang="en-US" dirty="0"/>
+              <a:t>Uses built-in Python tokenizer</a:t>
+            </a:r>
+          </a:p>
+          <a:p>
+            <a:r>
+              <a:rPr lang="en-US" dirty="0"/>
+              <a:t>Uses </a:t>
+            </a:r>
+            <a:r>
+              <a:rPr lang="en-US" dirty="0" err="1"/>
+              <a:t>handbuilt</a:t>
+            </a:r>
+            <a:r>
+              <a:rPr lang="en-US" dirty="0"/>
+              <a:t> Python parser for subset of statements / </a:t>
+            </a:r>
+            <a:r>
+              <a:rPr lang="en-US" dirty="0" err="1"/>
+              <a:t>exprs</a:t>
+            </a:r>
+            <a:endParaRPr lang="en-US" dirty="0"/>
+          </a:p>
+          <a:p>
+            <a:r>
+              <a:rPr lang="en-US" dirty="0"/>
+              <a:t>Avoided ANTLR to avoid introducing a lib dependency</a:t>
+            </a:r>
+          </a:p>
+          <a:p>
+            <a:r>
+              <a:rPr lang="en-US" dirty="0"/>
+              <a:t>Avoided built-in Python parser since reorg'ing its AST is same work as  rolling my own "</a:t>
+            </a:r>
+            <a:r>
+              <a:rPr lang="en-US" dirty="0" err="1"/>
+              <a:t>parrser</a:t>
+            </a:r>
+            <a:r>
+              <a:rPr lang="en-US" dirty="0"/>
+              <a:t>"</a:t>
+            </a:r>
+          </a:p>
+        </p:txBody>
+      </p:sp>
+      <p:pic>
+        <p:nvPicPr>
+          <p:cNvPr id="4" name="Picture 3">
+            <a:extLst>
+              <a:ext uri="{FF2B5EF4-FFF2-40B4-BE49-F238E27FC236}">
+                <a16:creationId xmlns:a16="http://schemas.microsoft.com/office/drawing/2014/main" id="{18CB3F87-D4DE-1940-8589-A9F959BA4C1D}"/>
+              </a:ext>
+            </a:extLst>
+          </p:cNvPr>
+          <p:cNvPicPr>
+            <a:picLocks noChangeAspect="1"/>
+          </p:cNvPicPr>
+          <p:nvPr/>
+        </p:nvPicPr>
+        <p:blipFill>
+          <a:blip r:embed="rId2"/>
+          <a:stretch>
+            <a:fillRect/>
+          </a:stretch>
+        </p:blipFill>
+        <p:spPr>
+          <a:xfrm>
+            <a:off x="6438507" y="1230791"/>
+            <a:ext cx="5684363" cy="5084553"/>
+          </a:xfrm>
+          <a:prstGeom prst="rect">
+            <a:avLst/>
+          </a:prstGeom>
+        </p:spPr>
+      </p:pic>
+      <p:sp>
+        <p:nvSpPr>
+          <p:cNvPr id="5" name="TextBox 4">
+            <a:extLst>
+              <a:ext uri="{FF2B5EF4-FFF2-40B4-BE49-F238E27FC236}">
+                <a16:creationId xmlns:a16="http://schemas.microsoft.com/office/drawing/2014/main" id="{8054C3C1-F0F7-4C4F-B069-ED50342BA779}"/>
+              </a:ext>
+            </a:extLst>
+          </p:cNvPr>
+          <p:cNvSpPr txBox="1"/>
+          <p:nvPr/>
+        </p:nvSpPr>
+        <p:spPr>
+          <a:xfrm>
+            <a:off x="5203596" y="4490414"/>
+            <a:ext cx="697627" cy="707886"/>
+          </a:xfrm>
+          <a:prstGeom prst="rect">
+            <a:avLst/>
+          </a:prstGeom>
+          <a:noFill/>
+        </p:spPr>
+        <p:txBody>
+          <a:bodyPr wrap="none" rtlCol="0">
+            <a:spAutoFit/>
+          </a:bodyPr>
+          <a:lstStyle/>
+          <a:p>
+            <a:r>
+              <a:rPr lang="en-US" sz="4000" dirty="0"/>
+              <a:t>🤣</a:t>
+            </a:r>
+          </a:p>
+        </p:txBody>
+      </p:sp>
+      <p:sp>
+        <p:nvSpPr>
+          <p:cNvPr id="6" name="TextBox 5">
+            <a:extLst>
+              <a:ext uri="{FF2B5EF4-FFF2-40B4-BE49-F238E27FC236}">
+                <a16:creationId xmlns:a16="http://schemas.microsoft.com/office/drawing/2014/main" id="{9DD1F523-A5A5-9C40-A885-FA7BC77C7326}"/>
+              </a:ext>
+            </a:extLst>
+          </p:cNvPr>
+          <p:cNvSpPr txBox="1"/>
+          <p:nvPr/>
+        </p:nvSpPr>
+        <p:spPr>
+          <a:xfrm>
+            <a:off x="8832916" y="5442543"/>
+            <a:ext cx="3065968" cy="369332"/>
+          </a:xfrm>
+          <a:prstGeom prst="rect">
+            <a:avLst/>
+          </a:prstGeom>
+          <a:noFill/>
+        </p:spPr>
+        <p:txBody>
+          <a:bodyPr wrap="none" rtlCol="0">
+            <a:spAutoFit/>
+          </a:bodyPr>
+          <a:lstStyle/>
+          <a:p>
+            <a:r>
+              <a:rPr lang="en-US" dirty="0"/>
+              <a:t>(also from </a:t>
+            </a:r>
+            <a:r>
+              <a:rPr lang="en-US" dirty="0" err="1"/>
+              <a:t>TensorSensor</a:t>
+            </a:r>
+            <a:r>
+              <a:rPr lang="en-US" dirty="0"/>
+              <a:t> lib)</a:t>
+            </a:r>
+          </a:p>
+        </p:txBody>
+      </p:sp>
+    </p:spTree>
+    <p:extLst>
+      <p:ext uri="{BB962C8B-B14F-4D97-AF65-F5344CB8AC3E}">
+        <p14:creationId xmlns:p14="http://schemas.microsoft.com/office/powerpoint/2010/main" val="26650210"/>
+      </p:ext>
+    </p:extLst>
+  </p:cSld>
+  <p:clrMapOvr>
+    <a:masterClrMapping/>
+  </p:clrMapOvr>
+</p:sld>
+</file>
+
+<file path=ppt/slides/slide22.xml><?xml version="1.0" encoding="utf-8"?>
+<p:sld xmlns:a="http://schemas.openxmlformats.org/drawingml/2006/main" xmlns:r="http://schemas.openxmlformats.org/officeDocument/2006/relationships" xmlns:p="http://schemas.openxmlformats.org/presentationml/2006/main">
+  <p:cSld>
+    <p:spTree>
+      <p:nvGrpSpPr>
+        <p:cNvPr id="1" name=""/>
+        <p:cNvGrpSpPr/>
+        <p:nvPr/>
+      </p:nvGrpSpPr>
+      <p:grpSpPr>
+        <a:xfrm>
+          <a:off x="0" y="0"/>
+          <a:ext cx="0" cy="0"/>
+          <a:chOff x="0" y="0"/>
+          <a:chExt cx="0" cy="0"/>
+        </a:xfrm>
+      </p:grpSpPr>
+      <p:sp>
+        <p:nvSpPr>
+          <p:cNvPr id="2" name="Title 1">
+            <a:extLst>
+              <a:ext uri="{FF2B5EF4-FFF2-40B4-BE49-F238E27FC236}">
+                <a16:creationId xmlns:a16="http://schemas.microsoft.com/office/drawing/2014/main" id="{F7B71233-6082-A34D-891B-535438901B7C}"/>
+              </a:ext>
+            </a:extLst>
+          </p:cNvPr>
+          <p:cNvSpPr>
+            <a:spLocks noGrp="1"/>
+          </p:cNvSpPr>
+          <p:nvPr>
+            <p:ph type="title"/>
+          </p:nvPr>
+        </p:nvSpPr>
+        <p:spPr>
+          <a:xfrm>
+            <a:off x="838200" y="365125"/>
+            <a:ext cx="10515600" cy="727285"/>
+          </a:xfrm>
+        </p:spPr>
+        <p:txBody>
+          <a:bodyPr/>
+          <a:lstStyle/>
+          <a:p>
+            <a:r>
+              <a:rPr lang="en-US" dirty="0"/>
+              <a:t>Reevaluation mechanism continued</a:t>
+            </a:r>
+          </a:p>
+        </p:txBody>
+      </p:sp>
+      <p:sp>
+        <p:nvSpPr>
+          <p:cNvPr id="3" name="Content Placeholder 2">
+            <a:extLst>
+              <a:ext uri="{FF2B5EF4-FFF2-40B4-BE49-F238E27FC236}">
+                <a16:creationId xmlns:a16="http://schemas.microsoft.com/office/drawing/2014/main" id="{5B71B924-17ED-DE4C-80CE-C6506A32A07D}"/>
+              </a:ext>
+            </a:extLst>
+          </p:cNvPr>
+          <p:cNvSpPr>
+            <a:spLocks noGrp="1"/>
+          </p:cNvSpPr>
+          <p:nvPr>
+            <p:ph idx="1"/>
+          </p:nvPr>
+        </p:nvSpPr>
+        <p:spPr>
+          <a:xfrm>
+            <a:off x="584462" y="1230791"/>
+            <a:ext cx="5854045" cy="5222934"/>
+          </a:xfrm>
+        </p:spPr>
+        <p:txBody>
+          <a:bodyPr>
+            <a:normAutofit/>
+          </a:bodyPr>
+          <a:lstStyle/>
+          <a:p>
+            <a:r>
+              <a:rPr lang="en-US" dirty="0"/>
+              <a:t>Evaluate operators of AST bottom-up in proper exec order</a:t>
+            </a:r>
+          </a:p>
+          <a:p>
+            <a:r>
+              <a:rPr lang="en-US" dirty="0"/>
+              <a:t>Call </a:t>
+            </a:r>
+            <a:r>
+              <a:rPr lang="en-US" b="1" dirty="0"/>
+              <a:t>eval()</a:t>
+            </a:r>
+            <a:r>
+              <a:rPr lang="en-US" dirty="0"/>
+              <a:t> on Python source of subexpressions using the appropriate execution contexts, saving results in associated nodes</a:t>
+            </a:r>
+          </a:p>
+          <a:p>
+            <a:r>
+              <a:rPr lang="en-US" dirty="0"/>
+              <a:t>Trap and absorb exception from </a:t>
+            </a:r>
+            <a:r>
+              <a:rPr lang="en-US" b="1" dirty="0"/>
+              <a:t>eval()</a:t>
+            </a:r>
+            <a:r>
+              <a:rPr lang="en-US" dirty="0"/>
+              <a:t>, record that exception and offending AST node</a:t>
+            </a:r>
+          </a:p>
+          <a:p>
+            <a:r>
+              <a:rPr lang="en-US" dirty="0"/>
+              <a:t>Augment original exception message with info derived this new exception, op, operands</a:t>
+            </a:r>
+          </a:p>
+        </p:txBody>
+      </p:sp>
+      <p:pic>
+        <p:nvPicPr>
+          <p:cNvPr id="4" name="Picture 3">
+            <a:extLst>
+              <a:ext uri="{FF2B5EF4-FFF2-40B4-BE49-F238E27FC236}">
+                <a16:creationId xmlns:a16="http://schemas.microsoft.com/office/drawing/2014/main" id="{18CB3F87-D4DE-1940-8589-A9F959BA4C1D}"/>
+              </a:ext>
+            </a:extLst>
+          </p:cNvPr>
+          <p:cNvPicPr>
+            <a:picLocks noChangeAspect="1"/>
+          </p:cNvPicPr>
+          <p:nvPr/>
+        </p:nvPicPr>
+        <p:blipFill>
+          <a:blip r:embed="rId2"/>
+          <a:stretch>
+            <a:fillRect/>
+          </a:stretch>
+        </p:blipFill>
+        <p:spPr>
+          <a:xfrm>
+            <a:off x="6438507" y="1230791"/>
+            <a:ext cx="5684363" cy="5084553"/>
+          </a:xfrm>
+          <a:prstGeom prst="rect">
+            <a:avLst/>
+          </a:prstGeom>
+        </p:spPr>
+      </p:pic>
+    </p:spTree>
+    <p:extLst>
+      <p:ext uri="{BB962C8B-B14F-4D97-AF65-F5344CB8AC3E}">
+        <p14:creationId xmlns:p14="http://schemas.microsoft.com/office/powerpoint/2010/main" val="611637354"/>
+      </p:ext>
+    </p:extLst>
+  </p:cSld>
+  <p:clrMapOvr>
+    <a:masterClrMapping/>
+  </p:clrMapOvr>
+</p:sld>
+</file>
+
+<file path=ppt/slides/slide23.xml><?xml version="1.0" encoding="utf-8"?>
+<p:sld xmlns:a="http://schemas.openxmlformats.org/drawingml/2006/main" xmlns:r="http://schemas.openxmlformats.org/officeDocument/2006/relationships" xmlns:p="http://schemas.openxmlformats.org/presentationml/2006/main">
+  <p:cSld>
+    <p:spTree>
+      <p:nvGrpSpPr>
+        <p:cNvPr id="1" name=""/>
+        <p:cNvGrpSpPr/>
+        <p:nvPr/>
+      </p:nvGrpSpPr>
+      <p:grpSpPr>
+        <a:xfrm>
+          <a:off x="0" y="0"/>
+          <a:ext cx="0" cy="0"/>
+          <a:chOff x="0" y="0"/>
+          <a:chExt cx="0" cy="0"/>
+        </a:xfrm>
+      </p:grpSpPr>
+      <p:sp>
+        <p:nvSpPr>
+          <p:cNvPr id="2" name="Title 1">
+            <a:extLst>
+              <a:ext uri="{FF2B5EF4-FFF2-40B4-BE49-F238E27FC236}">
+                <a16:creationId xmlns:a16="http://schemas.microsoft.com/office/drawing/2014/main" id="{6EFC4823-71C6-5D49-A244-5A5599A9D139}"/>
+              </a:ext>
+            </a:extLst>
+          </p:cNvPr>
+          <p:cNvSpPr>
+            <a:spLocks noGrp="1"/>
+          </p:cNvSpPr>
+          <p:nvPr>
+            <p:ph type="title"/>
+          </p:nvPr>
+        </p:nvSpPr>
+        <p:spPr/>
+        <p:txBody>
+          <a:bodyPr/>
+          <a:lstStyle/>
+          <a:p>
+            <a:r>
+              <a:rPr lang="en-US" dirty="0"/>
+              <a:t>Picking the right execution context</a:t>
+            </a:r>
+          </a:p>
+        </p:txBody>
+      </p:sp>
+      <p:sp>
+        <p:nvSpPr>
+          <p:cNvPr id="3" name="Content Placeholder 2">
+            <a:extLst>
+              <a:ext uri="{FF2B5EF4-FFF2-40B4-BE49-F238E27FC236}">
+                <a16:creationId xmlns:a16="http://schemas.microsoft.com/office/drawing/2014/main" id="{9CBDC17F-5C07-CB41-B24C-7BF90E2EF41E}"/>
+              </a:ext>
+            </a:extLst>
+          </p:cNvPr>
+          <p:cNvSpPr>
+            <a:spLocks noGrp="1"/>
+          </p:cNvSpPr>
+          <p:nvPr>
+            <p:ph idx="1"/>
+          </p:nvPr>
+        </p:nvSpPr>
+        <p:spPr/>
+        <p:txBody>
+          <a:bodyPr/>
+          <a:lstStyle/>
+          <a:p>
+            <a:r>
+              <a:rPr lang="en-US" dirty="0"/>
+              <a:t>The goal is to identify user code not library code that (eventually) triggers a tensor-related exception</a:t>
+            </a:r>
+          </a:p>
+          <a:p>
+            <a:r>
+              <a:rPr lang="en-US" dirty="0" err="1"/>
+              <a:t>TensorSensor</a:t>
+            </a:r>
+            <a:r>
+              <a:rPr lang="en-US" dirty="0"/>
+              <a:t> </a:t>
+            </a:r>
+            <a:r>
+              <a:rPr lang="en-US" b="1" dirty="0"/>
+              <a:t>clarify</a:t>
+            </a:r>
+            <a:r>
+              <a:rPr lang="en-US" dirty="0"/>
+              <a:t>() descends into any user code function calls, stopping only when it reaches a tensor library function</a:t>
+            </a:r>
+          </a:p>
+          <a:p>
+            <a:r>
+              <a:rPr lang="en-US" dirty="0"/>
+              <a:t>Source file prefix indicates user code boundary, such as:</a:t>
+            </a:r>
+            <a:br>
+              <a:rPr lang="en-US" dirty="0"/>
+            </a:br>
+            <a:r>
+              <a:rPr lang="en-US" sz="2400" dirty="0">
+                <a:latin typeface="Consolas" panose="020B0609020204030204" pitchFamily="49" charset="0"/>
+                <a:cs typeface="Consolas" panose="020B0609020204030204" pitchFamily="49" charset="0"/>
+              </a:rPr>
+              <a:t>…/lib/python3.8/site-packages/</a:t>
+            </a:r>
+            <a:r>
+              <a:rPr lang="en-US" sz="2400" b="1" dirty="0" err="1">
+                <a:latin typeface="Consolas" panose="020B0609020204030204" pitchFamily="49" charset="0"/>
+                <a:cs typeface="Consolas" panose="020B0609020204030204" pitchFamily="49" charset="0"/>
+              </a:rPr>
+              <a:t>tensorflow</a:t>
+            </a:r>
+            <a:r>
+              <a:rPr lang="en-US" sz="2400" dirty="0">
+                <a:latin typeface="Consolas" panose="020B0609020204030204" pitchFamily="49" charset="0"/>
+                <a:cs typeface="Consolas" panose="020B0609020204030204" pitchFamily="49" charset="0"/>
+              </a:rPr>
+              <a:t>/…</a:t>
+            </a:r>
+            <a:endParaRPr lang="en-US" sz="2400" b="1" dirty="0">
+              <a:latin typeface="Consolas" panose="020B0609020204030204" pitchFamily="49" charset="0"/>
+              <a:cs typeface="Consolas" panose="020B0609020204030204" pitchFamily="49" charset="0"/>
+            </a:endParaRPr>
+          </a:p>
+          <a:p>
+            <a:r>
+              <a:rPr lang="en-US" dirty="0"/>
+              <a:t>Boundary frame is any whose package is in</a:t>
+            </a:r>
+            <a:br>
+              <a:rPr lang="en-US" dirty="0"/>
+            </a:br>
+            <a:r>
+              <a:rPr lang="en-US" dirty="0"/>
+              <a:t>{</a:t>
+            </a:r>
+            <a:r>
+              <a:rPr lang="en-US" i="1" dirty="0" err="1"/>
+              <a:t>numpy</a:t>
+            </a:r>
+            <a:r>
+              <a:rPr lang="en-US" dirty="0"/>
+              <a:t>, </a:t>
+            </a:r>
+            <a:r>
+              <a:rPr lang="en-US" i="1" dirty="0"/>
+              <a:t>torch</a:t>
+            </a:r>
+            <a:r>
+              <a:rPr lang="en-US" dirty="0"/>
+              <a:t>, </a:t>
+            </a:r>
+            <a:r>
+              <a:rPr lang="en-US" i="1" dirty="0" err="1"/>
+              <a:t>tensorflow</a:t>
+            </a:r>
+            <a:r>
+              <a:rPr lang="en-US" dirty="0"/>
+              <a:t>, </a:t>
+            </a:r>
+            <a:r>
+              <a:rPr lang="en-US" i="1" dirty="0" err="1"/>
+              <a:t>jax</a:t>
+            </a:r>
+            <a:r>
+              <a:rPr lang="en-US" dirty="0"/>
+              <a:t>}</a:t>
+            </a:r>
+          </a:p>
+        </p:txBody>
+      </p:sp>
+    </p:spTree>
+    <p:extLst>
+      <p:ext uri="{BB962C8B-B14F-4D97-AF65-F5344CB8AC3E}">
+        <p14:creationId xmlns:p14="http://schemas.microsoft.com/office/powerpoint/2010/main" val="1719787904"/>
+      </p:ext>
+    </p:extLst>
+  </p:cSld>
+  <p:clrMapOvr>
+    <a:masterClrMapping/>
+  </p:clrMapOvr>
+</p:sld>
+</file>
+
+<file path=ppt/slides/slide24.xml><?xml version="1.0" encoding="utf-8"?>
 <p:sld xmlns:a="http://schemas.openxmlformats.org/drawingml/2006/main" xmlns:r="http://schemas.openxmlformats.org/officeDocument/2006/relationships" xmlns:p="http://schemas.openxmlformats.org/presentationml/2006/main">
   <p:cSld>
     <p:spTree>
@@ -7874,7 +8944,7 @@
 </p:sld>
 </file>
 
-<file path=ppt/slides/slide21.xml><?xml version="1.0" encoding="utf-8"?>
+<file path=ppt/slides/slide25.xml><?xml version="1.0" encoding="utf-8"?>
 <p:sld xmlns:a="http://schemas.openxmlformats.org/drawingml/2006/main" xmlns:r="http://schemas.openxmlformats.org/officeDocument/2006/relationships" xmlns:p="http://schemas.openxmlformats.org/presentationml/2006/main">
   <p:cSld>
     <p:spTree>
@@ -8373,7 +9443,7 @@
 </p:sld>
 </file>
 
-<file path=ppt/slides/slide22.xml><?xml version="1.0" encoding="utf-8"?>
+<file path=ppt/slides/slide26.xml><?xml version="1.0" encoding="utf-8"?>
 <p:sld xmlns:a="http://schemas.openxmlformats.org/drawingml/2006/main" xmlns:r="http://schemas.openxmlformats.org/officeDocument/2006/relationships" xmlns:p="http://schemas.openxmlformats.org/presentationml/2006/main">
   <p:cSld>
     <p:spTree>
@@ -8606,7 +9676,7 @@
 </p:sld>
 </file>
 
-<file path=ppt/slides/slide23.xml><?xml version="1.0" encoding="utf-8"?>
+<file path=ppt/slides/slide27.xml><?xml version="1.0" encoding="utf-8"?>
 <p:sld xmlns:a="http://schemas.openxmlformats.org/drawingml/2006/main" xmlns:r="http://schemas.openxmlformats.org/officeDocument/2006/relationships" xmlns:p="http://schemas.openxmlformats.org/presentationml/2006/main">
   <p:cSld>
     <p:spTree>
@@ -8891,7 +9961,7 @@
 </p:sld>
 </file>
 
-<file path=ppt/slides/slide24.xml><?xml version="1.0" encoding="utf-8"?>
+<file path=ppt/slides/slide28.xml><?xml version="1.0" encoding="utf-8"?>
 <p:sld xmlns:a="http://schemas.openxmlformats.org/drawingml/2006/main" xmlns:r="http://schemas.openxmlformats.org/officeDocument/2006/relationships" xmlns:p="http://schemas.openxmlformats.org/presentationml/2006/main">
   <p:cSld>
     <p:spTree>
@@ -9111,7 +10181,7 @@
 </p:sld>
 </file>
 
-<file path=ppt/slides/slide25.xml><?xml version="1.0" encoding="utf-8"?>
+<file path=ppt/slides/slide29.xml><?xml version="1.0" encoding="utf-8"?>
 <p:sld xmlns:a="http://schemas.openxmlformats.org/drawingml/2006/main" xmlns:r="http://schemas.openxmlformats.org/officeDocument/2006/relationships" xmlns:p="http://schemas.openxmlformats.org/presentationml/2006/main">
   <p:cSld>
     <p:spTree>
@@ -9338,9 +10408,16 @@
             <p:ph idx="1"/>
           </p:nvPr>
         </p:nvSpPr>
-        <p:spPr/>
-        <p:txBody>
-          <a:bodyPr/>
+        <p:spPr>
+          <a:xfrm>
+            <a:off x="838200" y="1795346"/>
+            <a:ext cx="10515600" cy="4697529"/>
+          </a:xfrm>
+        </p:spPr>
+        <p:txBody>
+          <a:bodyPr>
+            <a:normAutofit/>
+          </a:bodyPr>
           <a:lstStyle/>
           <a:p>
             <a:r>
@@ -9351,7 +10428,7 @@
           <a:p>
             <a:r>
               <a:rPr lang="en-US" dirty="0"/>
-              <a:t>Upon error, we often get less than helpful exception messages, such as this </a:t>
+              <a:t>Upon error, we often get less than helpful exception messages, such as this (</a:t>
             </a:r>
             <a:r>
               <a:rPr lang="en-US" dirty="0" err="1"/>
@@ -9359,7 +10436,7 @@
             </a:r>
             <a:r>
               <a:rPr lang="en-US" dirty="0"/>
-              <a:t> message:</a:t>
+              <a:t>) message:</a:t>
             </a:r>
           </a:p>
           <a:p>
@@ -9374,14 +10451,8 @@
           <a:p>
             <a:r>
               <a:rPr lang="en-US" dirty="0"/>
-              <a:t>The offending operator and operands are not clear</a:t>
-            </a:r>
-          </a:p>
-          <a:p>
-            <a:endParaRPr lang="en-US" dirty="0"/>
-          </a:p>
-          <a:p>
-            <a:endParaRPr lang="en-US" dirty="0"/>
+              <a:t>The offending operator and operands are not identified, since Python exceptions occur at the line level rather than the operator level</a:t>
+            </a:r>
           </a:p>
         </p:txBody>
       </p:sp>
@@ -9409,6 +10480,36 @@
           <a:xfrm>
             <a:off x="808856" y="3785394"/>
             <a:ext cx="10544944" cy="915814"/>
+          </a:xfrm>
+          <a:prstGeom prst="rect">
+            <a:avLst/>
+          </a:prstGeom>
+        </p:spPr>
+      </p:pic>
+      <p:pic>
+        <p:nvPicPr>
+          <p:cNvPr id="4" name="Picture 3" descr="Graphical user interface, text, application, chat or text message&#10;&#10;Description automatically generated">
+            <a:extLst>
+              <a:ext uri="{FF2B5EF4-FFF2-40B4-BE49-F238E27FC236}">
+                <a16:creationId xmlns:a16="http://schemas.microsoft.com/office/drawing/2014/main" id="{C7DCD08B-E8A0-DC4D-8DEE-20E214DD99E6}"/>
+              </a:ext>
+            </a:extLst>
+          </p:cNvPr>
+          <p:cNvPicPr>
+            <a:picLocks noChangeAspect="1"/>
+          </p:cNvPicPr>
+          <p:nvPr/>
+        </p:nvPicPr>
+        <p:blipFill>
+          <a:blip r:embed="rId3"/>
+          <a:stretch>
+            <a:fillRect/>
+          </a:stretch>
+        </p:blipFill>
+        <p:spPr>
+          <a:xfrm>
+            <a:off x="7962734" y="4008"/>
+            <a:ext cx="4229266" cy="1675529"/>
           </a:xfrm>
           <a:prstGeom prst="rect">
             <a:avLst/>
@@ -9450,7 +10551,7 @@
           <p:cNvPr id="2" name="Title 1">
             <a:extLst>
               <a:ext uri="{FF2B5EF4-FFF2-40B4-BE49-F238E27FC236}">
-                <a16:creationId xmlns:a16="http://schemas.microsoft.com/office/drawing/2014/main" id="{8A5A68E7-ACD4-B347-964C-F4FDE235CF62}"/>
+                <a16:creationId xmlns:a16="http://schemas.microsoft.com/office/drawing/2014/main" id="{7642CDE2-8B6C-6346-B9A6-E3346FE4E24C}"/>
               </a:ext>
             </a:extLst>
           </p:cNvPr>
@@ -9468,7 +10569,7 @@
           <a:p>
             <a:r>
               <a:rPr lang="en-US" dirty="0"/>
-              <a:t>Current solution(s)</a:t>
+              <a:t>We could rerun using the debugger but…</a:t>
             </a:r>
           </a:p>
         </p:txBody>
@@ -9478,7 +10579,7 @@
           <p:cNvPr id="3" name="Content Placeholder 2">
             <a:extLst>
               <a:ext uri="{FF2B5EF4-FFF2-40B4-BE49-F238E27FC236}">
-                <a16:creationId xmlns:a16="http://schemas.microsoft.com/office/drawing/2014/main" id="{49581E2A-E4E3-664D-AF72-BB2245AADC83}"/>
+                <a16:creationId xmlns:a16="http://schemas.microsoft.com/office/drawing/2014/main" id="{3FDDB2C1-19DD-414C-9CDB-8EDFE922BD47}"/>
               </a:ext>
             </a:extLst>
           </p:cNvPr>
@@ -9494,14 +10595,56 @@
           <a:bodyPr/>
           <a:lstStyle/>
           <a:p>
-            <a:endParaRPr lang="en-US" dirty="0"/>
+            <a:r>
+              <a:rPr lang="en-US" dirty="0"/>
+              <a:t>Python debuggers seem much slower than normal execution</a:t>
+            </a:r>
+          </a:p>
+          <a:p>
+            <a:r>
+              <a:rPr lang="en-US" dirty="0"/>
+              <a:t>Even regular execution could take hours before faulting</a:t>
+            </a:r>
+          </a:p>
+          <a:p>
+            <a:r>
+              <a:rPr lang="en-US" dirty="0"/>
+              <a:t>Sometimes it's hard to set a breakpoint on the right statement when it's in a loop</a:t>
+            </a:r>
+          </a:p>
+          <a:p>
+            <a:r>
+              <a:rPr lang="en-US" dirty="0"/>
+              <a:t>Conditional breakpoints are challenging when the values are high-dimension matrices</a:t>
+            </a:r>
+          </a:p>
+          <a:p>
+            <a:r>
+              <a:rPr lang="en-US" dirty="0">
+                <a:solidFill>
+                  <a:schemeClr val="accent1"/>
+                </a:solidFill>
+              </a:rPr>
+              <a:t>Debugger still does not tell us which subexpression caused the exception</a:t>
+            </a:r>
+            <a:r>
+              <a:rPr lang="en-US" dirty="0"/>
+              <a:t>, due to line-level granularity of Python exceptions</a:t>
+            </a:r>
+            <a:br>
+              <a:rPr lang="en-US" dirty="0"/>
+            </a:br>
+            <a:r>
+              <a:rPr lang="en-US" dirty="0"/>
+              <a:t>(Must write down shape of all operands and lineup dimensions)</a:t>
+            </a:r>
           </a:p>
         </p:txBody>
       </p:sp>
     </p:spTree>
     <p:extLst>
       <p:ext uri="{BB962C8B-B14F-4D97-AF65-F5344CB8AC3E}">
-        <p14:creationId xmlns:p14="http://schemas.microsoft.com/office/powerpoint/2010/main" val="2513423343"/>
+        <p14:creationId xmlns:p14="http://schemas.microsoft.com/office/powerpoint/2010/main" val="2897700229"/>
       </p:ext>
     </p:extLst>
   </p:cSld>
@@ -9533,7 +10676,7 @@
           <p:cNvPr id="2" name="Title 1">
             <a:extLst>
               <a:ext uri="{FF2B5EF4-FFF2-40B4-BE49-F238E27FC236}">
-                <a16:creationId xmlns:a16="http://schemas.microsoft.com/office/drawing/2014/main" id="{EF4C368D-B99D-D14A-B23D-A67B65AF6C9A}"/>
+                <a16:creationId xmlns:a16="http://schemas.microsoft.com/office/drawing/2014/main" id="{8A5A68E7-ACD4-B347-964C-F4FDE235CF62}"/>
               </a:ext>
             </a:extLst>
           </p:cNvPr>
@@ -9551,17 +10694,17 @@
           <a:p>
             <a:r>
               <a:rPr lang="en-US" dirty="0"/>
-              <a:t>Problems</a:t>
-            </a:r>
-          </a:p>
-        </p:txBody>
-      </p:sp>
-      <p:sp>
-        <p:nvSpPr>
-          <p:cNvPr id="3" name="Content Placeholder 2">
-            <a:extLst>
-              <a:ext uri="{FF2B5EF4-FFF2-40B4-BE49-F238E27FC236}">
-                <a16:creationId xmlns:a16="http://schemas.microsoft.com/office/drawing/2014/main" id="{6D2DFF5B-A91F-F940-AAEF-430917D3D635}"/>
+              <a:t>Most common solution</a:t>
+            </a:r>
+          </a:p>
+        </p:txBody>
+      </p:sp>
+      <p:sp>
+        <p:nvSpPr>
+          <p:cNvPr id="7" name="Content Placeholder 6">
+            <a:extLst>
+              <a:ext uri="{FF2B5EF4-FFF2-40B4-BE49-F238E27FC236}">
+                <a16:creationId xmlns:a16="http://schemas.microsoft.com/office/drawing/2014/main" id="{23B298DF-FA56-AD45-BCE3-5A7CF0721E97}"/>
               </a:ext>
             </a:extLst>
           </p:cNvPr>
@@ -9572,34 +10715,87 @@
             <p:ph idx="1"/>
           </p:nvPr>
         </p:nvSpPr>
-        <p:spPr/>
+        <p:spPr>
+          <a:xfrm>
+            <a:off x="838200" y="1500809"/>
+            <a:ext cx="10515600" cy="4676154"/>
+          </a:xfrm>
+        </p:spPr>
         <p:txBody>
           <a:bodyPr/>
           <a:lstStyle/>
           <a:p>
             <a:r>
               <a:rPr lang="en-US" dirty="0"/>
-              <a:t>cannot easily reference Python variable names in error messages</a:t>
-            </a:r>
-          </a:p>
-          <a:p>
-            <a:r>
-              <a:rPr lang="en-US" dirty="0"/>
-              <a:t>Python exceptions also occur at the line level rather than the operator level so error messages cannot identify offending subexpressions within complicated matrix algebra statements</a:t>
-            </a:r>
-          </a:p>
-          <a:p>
-            <a:r>
-              <a:rPr lang="en-US" dirty="0"/>
-              <a:t>What’s the best programmer interface?</a:t>
-            </a:r>
-          </a:p>
-        </p:txBody>
-      </p:sp>
+              <a:t>Most data scientists laboriously inject code and rerun to isolate:</a:t>
+            </a:r>
+          </a:p>
+        </p:txBody>
+      </p:sp>
+      <p:pic>
+        <p:nvPicPr>
+          <p:cNvPr id="8" name="Content Placeholder 4" descr="Text&#10;&#10;Description automatically generated">
+            <a:extLst>
+              <a:ext uri="{FF2B5EF4-FFF2-40B4-BE49-F238E27FC236}">
+                <a16:creationId xmlns:a16="http://schemas.microsoft.com/office/drawing/2014/main" id="{41C28C86-3DFC-3044-960E-262F6832AF19}"/>
+              </a:ext>
+            </a:extLst>
+          </p:cNvPr>
+          <p:cNvPicPr>
+            <a:picLocks noChangeAspect="1"/>
+          </p:cNvPicPr>
+          <p:nvPr/>
+        </p:nvPicPr>
+        <p:blipFill>
+          <a:blip r:embed="rId2"/>
+          <a:stretch>
+            <a:fillRect/>
+          </a:stretch>
+        </p:blipFill>
+        <p:spPr>
+          <a:xfrm>
+            <a:off x="1625600" y="2090738"/>
+            <a:ext cx="8940800" cy="2070100"/>
+          </a:xfrm>
+          <a:prstGeom prst="rect">
+            <a:avLst/>
+          </a:prstGeom>
+        </p:spPr>
+      </p:pic>
+      <p:pic>
+        <p:nvPicPr>
+          <p:cNvPr id="10" name="Picture 9" descr="A picture containing text&#10;&#10;Description automatically generated">
+            <a:extLst>
+              <a:ext uri="{FF2B5EF4-FFF2-40B4-BE49-F238E27FC236}">
+                <a16:creationId xmlns:a16="http://schemas.microsoft.com/office/drawing/2014/main" id="{B8273A2F-49A2-C64A-9269-7504B158B816}"/>
+              </a:ext>
+            </a:extLst>
+          </p:cNvPr>
+          <p:cNvPicPr>
+            <a:picLocks noChangeAspect="1"/>
+          </p:cNvPicPr>
+          <p:nvPr/>
+        </p:nvPicPr>
+        <p:blipFill>
+          <a:blip r:embed="rId3"/>
+          <a:stretch>
+            <a:fillRect/>
+          </a:stretch>
+        </p:blipFill>
+        <p:spPr>
+          <a:xfrm>
+            <a:off x="629012" y="4437218"/>
+            <a:ext cx="11156996" cy="2309270"/>
+          </a:xfrm>
+          <a:prstGeom prst="rect">
+            <a:avLst/>
+          </a:prstGeom>
+        </p:spPr>
+      </p:pic>
     </p:spTree>
     <p:extLst>
       <p:ext uri="{BB962C8B-B14F-4D97-AF65-F5344CB8AC3E}">
-        <p14:creationId xmlns:p14="http://schemas.microsoft.com/office/powerpoint/2010/main" val="2772349986"/>
+        <p14:creationId xmlns:p14="http://schemas.microsoft.com/office/powerpoint/2010/main" val="2513423343"/>
       </p:ext>
     </p:extLst>
   </p:cSld>
@@ -9631,7 +10827,7 @@
           <p:cNvPr id="2" name="Title 1">
             <a:extLst>
               <a:ext uri="{FF2B5EF4-FFF2-40B4-BE49-F238E27FC236}">
-                <a16:creationId xmlns:a16="http://schemas.microsoft.com/office/drawing/2014/main" id="{B2880514-D98A-3E4F-9079-AFFCE297BE21}"/>
+                <a16:creationId xmlns:a16="http://schemas.microsoft.com/office/drawing/2014/main" id="{181508FF-49F9-E34F-B329-E9D3EFCC15CF}"/>
               </a:ext>
             </a:extLst>
           </p:cNvPr>
@@ -9642,19 +10838,14 @@
             <p:ph type="title"/>
           </p:nvPr>
         </p:nvSpPr>
-        <p:spPr>
-          <a:xfrm>
-            <a:off x="838200" y="365126"/>
-            <a:ext cx="10515600" cy="1036292"/>
-          </a:xfrm>
-        </p:spPr>
+        <p:spPr/>
         <p:txBody>
           <a:bodyPr/>
           <a:lstStyle/>
           <a:p>
             <a:r>
               <a:rPr lang="en-US" dirty="0"/>
-              <a:t>Current programmer aids are weak</a:t>
+              <a:t>What we need</a:t>
             </a:r>
           </a:p>
         </p:txBody>
@@ -9664,7 +10855,7 @@
           <p:cNvPr id="3" name="Content Placeholder 2">
             <a:extLst>
               <a:ext uri="{FF2B5EF4-FFF2-40B4-BE49-F238E27FC236}">
-                <a16:creationId xmlns:a16="http://schemas.microsoft.com/office/drawing/2014/main" id="{06B60634-1AE0-B648-AF40-9AABCB0EAE7B}"/>
+                <a16:creationId xmlns:a16="http://schemas.microsoft.com/office/drawing/2014/main" id="{2F6ECB7A-46C2-1F4F-8A3A-EEA9E9C3DB3D}"/>
               </a:ext>
             </a:extLst>
           </p:cNvPr>
@@ -9675,44 +10866,47 @@
             <p:ph idx="1"/>
           </p:nvPr>
         </p:nvSpPr>
-        <p:spPr>
-          <a:xfrm>
-            <a:off x="838200" y="1401417"/>
-            <a:ext cx="10515600" cy="4775546"/>
-          </a:xfrm>
-        </p:spPr>
-        <p:txBody>
-          <a:bodyPr/>
-          <a:lstStyle/>
-          <a:p>
-            <a:r>
-              <a:rPr lang="en-US" dirty="0"/>
-              <a:t>It's easy to lose track of matrix/tensor dimensionality in even simple expressions (even in statically-typed languages)</a:t>
-            </a:r>
-          </a:p>
-          <a:p>
-            <a:r>
-              <a:rPr lang="en-US" dirty="0"/>
-              <a:t>Upon error, we often get less than helpful exception messages</a:t>
-            </a:r>
-          </a:p>
-          <a:p>
-            <a:r>
-              <a:rPr lang="en-US" dirty="0"/>
-              <a:t>E.g., here's a sample NumPy message:</a:t>
+        <p:spPr/>
+        <p:txBody>
+          <a:bodyPr>
+            <a:normAutofit/>
+          </a:bodyPr>
+          <a:lstStyle/>
+          <a:p>
+            <a:r>
+              <a:rPr lang="en-US" dirty="0"/>
+              <a:t>First, augment the exception message to identify operation</a:t>
             </a:r>
           </a:p>
           <a:p>
             <a:endParaRPr lang="en-US" dirty="0"/>
+          </a:p>
+          <a:p>
+            <a:pPr marL="0" indent="0">
+              <a:buNone/>
+            </a:pPr>
+            <a:endParaRPr lang="en-US" dirty="0"/>
+          </a:p>
+          <a:p>
+            <a:r>
+              <a:rPr lang="en-US" dirty="0"/>
+              <a:t>But we can help programmers even more…</a:t>
+            </a:r>
+          </a:p>
+          <a:p>
+            <a:r>
+              <a:rPr lang="en-US" dirty="0"/>
+              <a:t>We need to line up dimensions so let’s do that visually!</a:t>
+            </a:r>
           </a:p>
         </p:txBody>
       </p:sp>
       <p:pic>
         <p:nvPicPr>
-          <p:cNvPr id="5" name="Picture 4">
-            <a:extLst>
-              <a:ext uri="{FF2B5EF4-FFF2-40B4-BE49-F238E27FC236}">
-                <a16:creationId xmlns:a16="http://schemas.microsoft.com/office/drawing/2014/main" id="{D4D9FB6D-05CB-704F-B08F-AC5234F99E9E}"/>
+          <p:cNvPr id="5" name="Picture 4" descr="A picture containing text&#10;&#10;Description automatically generated">
+            <a:extLst>
+              <a:ext uri="{FF2B5EF4-FFF2-40B4-BE49-F238E27FC236}">
+                <a16:creationId xmlns:a16="http://schemas.microsoft.com/office/drawing/2014/main" id="{9E4926CC-B985-E046-9D6D-57DD2612DEFD}"/>
               </a:ext>
             </a:extLst>
           </p:cNvPr>
@@ -9729,62 +10923,145 @@
         </p:blipFill>
         <p:spPr>
           <a:xfrm>
-            <a:off x="1691380" y="3586163"/>
-            <a:ext cx="7340600" cy="2590800"/>
+            <a:off x="1370211" y="4586150"/>
+            <a:ext cx="9172560" cy="1590813"/>
           </a:xfrm>
           <a:prstGeom prst="rect">
             <a:avLst/>
           </a:prstGeom>
         </p:spPr>
       </p:pic>
-      <p:sp>
-        <p:nvSpPr>
-          <p:cNvPr id="6" name="TextBox 5">
-            <a:extLst>
-              <a:ext uri="{FF2B5EF4-FFF2-40B4-BE49-F238E27FC236}">
-                <a16:creationId xmlns:a16="http://schemas.microsoft.com/office/drawing/2014/main" id="{8436D1D9-357E-4F4E-85B6-52AB2A14B629}"/>
-              </a:ext>
-            </a:extLst>
-          </p:cNvPr>
-          <p:cNvSpPr txBox="1"/>
+      <p:cxnSp>
+        <p:nvCxnSpPr>
+          <p:cNvPr id="6" name="Straight Arrow Connector 5">
+            <a:extLst>
+              <a:ext uri="{FF2B5EF4-FFF2-40B4-BE49-F238E27FC236}">
+                <a16:creationId xmlns:a16="http://schemas.microsoft.com/office/drawing/2014/main" id="{AB88FC99-4998-B840-B9E5-D63214567F67}"/>
+              </a:ext>
+            </a:extLst>
+          </p:cNvPr>
+          <p:cNvCxnSpPr>
+            <a:cxnSpLocks/>
+          </p:cNvCxnSpPr>
           <p:nvPr/>
-        </p:nvSpPr>
-        <p:spPr>
-          <a:xfrm>
-            <a:off x="9288811" y="4328242"/>
-            <a:ext cx="2064989" cy="1015663"/>
+        </p:nvCxnSpPr>
+        <p:spPr>
+          <a:xfrm>
+            <a:off x="7994369" y="5256805"/>
+            <a:ext cx="364924" cy="249502"/>
+          </a:xfrm>
+          <a:prstGeom prst="straightConnector1">
+            <a:avLst/>
+          </a:prstGeom>
+          <a:ln>
+            <a:solidFill>
+              <a:srgbClr val="FF0000"/>
+            </a:solidFill>
+            <a:headEnd type="triangle"/>
+            <a:tailEnd type="triangle"/>
+          </a:ln>
+        </p:spPr>
+        <p:style>
+          <a:lnRef idx="1">
+            <a:schemeClr val="accent1"/>
+          </a:lnRef>
+          <a:fillRef idx="0">
+            <a:schemeClr val="accent1"/>
+          </a:fillRef>
+          <a:effectRef idx="0">
+            <a:schemeClr val="accent1"/>
+          </a:effectRef>
+          <a:fontRef idx="minor">
+            <a:schemeClr val="tx1"/>
+          </a:fontRef>
+        </p:style>
+      </p:cxnSp>
+      <p:pic>
+        <p:nvPicPr>
+          <p:cNvPr id="12" name="Picture 11">
+            <a:extLst>
+              <a:ext uri="{FF2B5EF4-FFF2-40B4-BE49-F238E27FC236}">
+                <a16:creationId xmlns:a16="http://schemas.microsoft.com/office/drawing/2014/main" id="{CC039054-8509-A54B-9CA4-582220EBE0DF}"/>
+              </a:ext>
+            </a:extLst>
+          </p:cNvPr>
+          <p:cNvPicPr>
+            <a:picLocks noChangeAspect="1"/>
+          </p:cNvPicPr>
+          <p:nvPr/>
+        </p:nvPicPr>
+        <p:blipFill>
+          <a:blip r:embed="rId3"/>
+          <a:stretch>
+            <a:fillRect/>
+          </a:stretch>
+        </p:blipFill>
+        <p:spPr>
+          <a:xfrm>
+            <a:off x="11151" y="2426715"/>
+            <a:ext cx="12168809" cy="609103"/>
+          </a:xfrm>
+          <a:prstGeom prst="rect">
+            <a:avLst/>
+          </a:prstGeom>
+        </p:spPr>
+      </p:pic>
+      <p:sp>
+        <p:nvSpPr>
+          <p:cNvPr id="13" name="Rectangle 12">
+            <a:extLst>
+              <a:ext uri="{FF2B5EF4-FFF2-40B4-BE49-F238E27FC236}">
+                <a16:creationId xmlns:a16="http://schemas.microsoft.com/office/drawing/2014/main" id="{5097608E-595E-054C-83FF-FDE2A00BC81C}"/>
+              </a:ext>
+            </a:extLst>
+          </p:cNvPr>
+          <p:cNvSpPr/>
+          <p:nvPr/>
+        </p:nvSpPr>
+        <p:spPr>
+          <a:xfrm>
+            <a:off x="1212" y="2731685"/>
+            <a:ext cx="12192000" cy="304133"/>
           </a:xfrm>
           <a:prstGeom prst="rect">
             <a:avLst/>
           </a:prstGeom>
           <a:noFill/>
-        </p:spPr>
-        <p:txBody>
-          <a:bodyPr wrap="none" rtlCol="0">
-            <a:spAutoFit/>
-          </a:bodyPr>
-          <a:lstStyle/>
-          <a:p>
-            <a:r>
-              <a:rPr lang="en-US" sz="2000" i="1" dirty="0"/>
-              <a:t>Which operator?</a:t>
-            </a:r>
-          </a:p>
-          <a:p>
-            <a:endParaRPr lang="en-US" sz="2000" i="1" dirty="0"/>
-          </a:p>
-          <a:p>
-            <a:r>
-              <a:rPr lang="en-US" sz="2000" i="1" dirty="0"/>
-              <a:t>Which operand?</a:t>
-            </a:r>
+          <a:ln w="19050">
+            <a:solidFill>
+              <a:srgbClr val="89D555"/>
+            </a:solidFill>
+          </a:ln>
+        </p:spPr>
+        <p:style>
+          <a:lnRef idx="2">
+            <a:schemeClr val="accent1">
+              <a:shade val="50000"/>
+            </a:schemeClr>
+          </a:lnRef>
+          <a:fillRef idx="1">
+            <a:schemeClr val="accent1"/>
+          </a:fillRef>
+          <a:effectRef idx="0">
+            <a:schemeClr val="accent1"/>
+          </a:effectRef>
+          <a:fontRef idx="minor">
+            <a:schemeClr val="lt1"/>
+          </a:fontRef>
+        </p:style>
+        <p:txBody>
+          <a:bodyPr rtlCol="0" anchor="ctr"/>
+          <a:lstStyle/>
+          <a:p>
+            <a:pPr algn="ctr"/>
+            <a:endParaRPr lang="en-US"/>
           </a:p>
         </p:txBody>
       </p:sp>
     </p:spTree>
     <p:extLst>
       <p:ext uri="{BB962C8B-B14F-4D97-AF65-F5344CB8AC3E}">
-        <p14:creationId xmlns:p14="http://schemas.microsoft.com/office/powerpoint/2010/main" val="3110574489"/>
+        <p14:creationId xmlns:p14="http://schemas.microsoft.com/office/powerpoint/2010/main" val="2599871143"/>
       </p:ext>
     </p:extLst>
   </p:cSld>
@@ -9811,12 +11088,72 @@
           <a:chExt cx="0" cy="0"/>
         </a:xfrm>
       </p:grpSpPr>
+      <p:pic>
+        <p:nvPicPr>
+          <p:cNvPr id="4" name="Picture 3" descr="A picture containing diagram&#10;&#10;Description automatically generated">
+            <a:extLst>
+              <a:ext uri="{FF2B5EF4-FFF2-40B4-BE49-F238E27FC236}">
+                <a16:creationId xmlns:a16="http://schemas.microsoft.com/office/drawing/2014/main" id="{60493E7D-78DE-614C-B5CA-4DBBF82B10F3}"/>
+              </a:ext>
+            </a:extLst>
+          </p:cNvPr>
+          <p:cNvPicPr>
+            <a:picLocks noChangeAspect="1"/>
+          </p:cNvPicPr>
+          <p:nvPr/>
+        </p:nvPicPr>
+        <p:blipFill>
+          <a:blip r:embed="rId2"/>
+          <a:stretch>
+            <a:fillRect/>
+          </a:stretch>
+        </p:blipFill>
+        <p:spPr>
+          <a:xfrm>
+            <a:off x="1383574" y="1471973"/>
+            <a:ext cx="8852626" cy="2498287"/>
+          </a:xfrm>
+          <a:prstGeom prst="rect">
+            <a:avLst/>
+          </a:prstGeom>
+        </p:spPr>
+      </p:pic>
+      <p:pic>
+        <p:nvPicPr>
+          <p:cNvPr id="8" name="Picture 7" descr="Diagram&#10;&#10;Description automatically generated">
+            <a:extLst>
+              <a:ext uri="{FF2B5EF4-FFF2-40B4-BE49-F238E27FC236}">
+                <a16:creationId xmlns:a16="http://schemas.microsoft.com/office/drawing/2014/main" id="{C5B76390-D102-364D-A29B-53B7A41C27EB}"/>
+              </a:ext>
+            </a:extLst>
+          </p:cNvPr>
+          <p:cNvPicPr>
+            <a:picLocks noChangeAspect="1"/>
+          </p:cNvPicPr>
+          <p:nvPr/>
+        </p:nvPicPr>
+        <p:blipFill>
+          <a:blip r:embed="rId3"/>
+          <a:stretch>
+            <a:fillRect/>
+          </a:stretch>
+        </p:blipFill>
+        <p:spPr>
+          <a:xfrm>
+            <a:off x="599605" y="4507836"/>
+            <a:ext cx="3114592" cy="1426431"/>
+          </a:xfrm>
+          <a:prstGeom prst="rect">
+            <a:avLst/>
+          </a:prstGeom>
+        </p:spPr>
+      </p:pic>
       <p:sp>
         <p:nvSpPr>
           <p:cNvPr id="2" name="Title 1">
             <a:extLst>
               <a:ext uri="{FF2B5EF4-FFF2-40B4-BE49-F238E27FC236}">
-                <a16:creationId xmlns:a16="http://schemas.microsoft.com/office/drawing/2014/main" id="{7642CDE2-8B6C-6346-B9A6-E3346FE4E24C}"/>
+                <a16:creationId xmlns:a16="http://schemas.microsoft.com/office/drawing/2014/main" id="{414E8CDF-97F8-BA4F-995B-9E79802D7E0F}"/>
               </a:ext>
             </a:extLst>
           </p:cNvPr>
@@ -9834,74 +11171,233 @@
           <a:p>
             <a:r>
               <a:rPr lang="en-US" dirty="0"/>
-              <a:t>We could rerun using the debugger but…</a:t>
-            </a:r>
-          </a:p>
-        </p:txBody>
-      </p:sp>
-      <p:sp>
-        <p:nvSpPr>
-          <p:cNvPr id="3" name="Content Placeholder 2">
-            <a:extLst>
-              <a:ext uri="{FF2B5EF4-FFF2-40B4-BE49-F238E27FC236}">
-                <a16:creationId xmlns:a16="http://schemas.microsoft.com/office/drawing/2014/main" id="{3FDDB2C1-19DD-414C-9CDB-8EDFE922BD47}"/>
-              </a:ext>
-            </a:extLst>
-          </p:cNvPr>
-          <p:cNvSpPr>
-            <a:spLocks noGrp="1"/>
-          </p:cNvSpPr>
-          <p:nvPr>
-            <p:ph idx="1"/>
-          </p:nvPr>
-        </p:nvSpPr>
-        <p:spPr/>
-        <p:txBody>
-          <a:bodyPr/>
-          <a:lstStyle/>
-          <a:p>
-            <a:r>
-              <a:rPr lang="en-US" dirty="0"/>
-              <a:t>Python debuggers seem much slower than normal execution</a:t>
-            </a:r>
-          </a:p>
-          <a:p>
-            <a:r>
-              <a:rPr lang="en-US" dirty="0"/>
-              <a:t>Even regular execution could take hours before faulting</a:t>
-            </a:r>
-          </a:p>
-          <a:p>
-            <a:r>
-              <a:rPr lang="en-US" dirty="0"/>
-              <a:t>Sometimes it's hard to set a breakpoint on the right statement when it's in a loop</a:t>
-            </a:r>
-          </a:p>
-          <a:p>
-            <a:r>
-              <a:rPr lang="en-US" dirty="0"/>
-              <a:t>Conditional breakpoints are challenging when the values are high-dimension matrices</a:t>
-            </a:r>
-          </a:p>
-          <a:p>
-            <a:r>
-              <a:rPr lang="en-US" dirty="0"/>
-              <a:t>Debugger does not tell us which subexpression caused an exception, due to line-level granularity Python</a:t>
-            </a:r>
-            <a:br>
-              <a:rPr lang="en-US" dirty="0"/>
-            </a:br>
-            <a:r>
-              <a:rPr lang="en-US" dirty="0"/>
-              <a:t>(Must write down shape of all operands and lineup dimensions)</a:t>
-            </a:r>
-          </a:p>
-        </p:txBody>
-      </p:sp>
+              <a:t>A nice-to-have feature: viz correct code</a:t>
+            </a:r>
+          </a:p>
+        </p:txBody>
+      </p:sp>
+      <p:pic>
+        <p:nvPicPr>
+          <p:cNvPr id="7" name="Picture 6">
+            <a:extLst>
+              <a:ext uri="{FF2B5EF4-FFF2-40B4-BE49-F238E27FC236}">
+                <a16:creationId xmlns:a16="http://schemas.microsoft.com/office/drawing/2014/main" id="{F608205B-45C4-2349-BC49-9E88A9AC5BFC}"/>
+              </a:ext>
+            </a:extLst>
+          </p:cNvPr>
+          <p:cNvPicPr>
+            <a:picLocks noChangeAspect="1"/>
+          </p:cNvPicPr>
+          <p:nvPr/>
+        </p:nvPicPr>
+        <p:blipFill>
+          <a:blip r:embed="rId4"/>
+          <a:stretch>
+            <a:fillRect/>
+          </a:stretch>
+        </p:blipFill>
+        <p:spPr>
+          <a:xfrm>
+            <a:off x="8319182" y="4637133"/>
+            <a:ext cx="2578100" cy="1219200"/>
+          </a:xfrm>
+          <a:prstGeom prst="rect">
+            <a:avLst/>
+          </a:prstGeom>
+        </p:spPr>
+      </p:pic>
+      <p:sp>
+        <p:nvSpPr>
+          <p:cNvPr id="13" name="TextBox 12">
+            <a:extLst>
+              <a:ext uri="{FF2B5EF4-FFF2-40B4-BE49-F238E27FC236}">
+                <a16:creationId xmlns:a16="http://schemas.microsoft.com/office/drawing/2014/main" id="{B33509D6-EC6F-A347-8DD4-BC83D7071C34}"/>
+              </a:ext>
+            </a:extLst>
+          </p:cNvPr>
+          <p:cNvSpPr txBox="1"/>
+          <p:nvPr/>
+        </p:nvSpPr>
+        <p:spPr>
+          <a:xfrm>
+            <a:off x="1739208" y="6219168"/>
+            <a:ext cx="3544560" cy="369332"/>
+          </a:xfrm>
+          <a:prstGeom prst="rect">
+            <a:avLst/>
+          </a:prstGeom>
+          <a:noFill/>
+        </p:spPr>
+        <p:txBody>
+          <a:bodyPr wrap="none" rtlCol="0">
+            <a:spAutoFit/>
+          </a:bodyPr>
+          <a:lstStyle/>
+          <a:p>
+            <a:r>
+              <a:rPr lang="en-US" dirty="0"/>
+              <a:t>Greater than 2 and 3 dimensions</a:t>
+            </a:r>
+          </a:p>
+        </p:txBody>
+      </p:sp>
+      <p:cxnSp>
+        <p:nvCxnSpPr>
+          <p:cNvPr id="14" name="Straight Arrow Connector 13">
+            <a:extLst>
+              <a:ext uri="{FF2B5EF4-FFF2-40B4-BE49-F238E27FC236}">
+                <a16:creationId xmlns:a16="http://schemas.microsoft.com/office/drawing/2014/main" id="{39F31D14-AB77-A74D-BE71-97035E03188A}"/>
+              </a:ext>
+            </a:extLst>
+          </p:cNvPr>
+          <p:cNvCxnSpPr>
+            <a:cxnSpLocks/>
+            <a:endCxn id="8" idx="2"/>
+          </p:cNvCxnSpPr>
+          <p:nvPr/>
+        </p:nvCxnSpPr>
+        <p:spPr>
+          <a:xfrm flipV="1">
+            <a:off x="2156901" y="5934267"/>
+            <a:ext cx="0" cy="310568"/>
+          </a:xfrm>
+          <a:prstGeom prst="straightConnector1">
+            <a:avLst/>
+          </a:prstGeom>
+          <a:ln>
+            <a:tailEnd type="triangle"/>
+          </a:ln>
+        </p:spPr>
+        <p:style>
+          <a:lnRef idx="1">
+            <a:schemeClr val="accent1"/>
+          </a:lnRef>
+          <a:fillRef idx="0">
+            <a:schemeClr val="accent1"/>
+          </a:fillRef>
+          <a:effectRef idx="0">
+            <a:schemeClr val="accent1"/>
+          </a:effectRef>
+          <a:fontRef idx="minor">
+            <a:schemeClr val="tx1"/>
+          </a:fontRef>
+        </p:style>
+      </p:cxnSp>
+      <p:cxnSp>
+        <p:nvCxnSpPr>
+          <p:cNvPr id="19" name="Straight Connector 18">
+            <a:extLst>
+              <a:ext uri="{FF2B5EF4-FFF2-40B4-BE49-F238E27FC236}">
+                <a16:creationId xmlns:a16="http://schemas.microsoft.com/office/drawing/2014/main" id="{7EE79A98-C646-1D4A-A18D-A0A07DC95041}"/>
+              </a:ext>
+            </a:extLst>
+          </p:cNvPr>
+          <p:cNvCxnSpPr>
+            <a:cxnSpLocks/>
+          </p:cNvCxnSpPr>
+          <p:nvPr/>
+        </p:nvCxnSpPr>
+        <p:spPr>
+          <a:xfrm>
+            <a:off x="6536800" y="4436508"/>
+            <a:ext cx="0" cy="1497956"/>
+          </a:xfrm>
+          <a:prstGeom prst="line">
+            <a:avLst/>
+          </a:prstGeom>
+        </p:spPr>
+        <p:style>
+          <a:lnRef idx="1">
+            <a:schemeClr val="accent1"/>
+          </a:lnRef>
+          <a:fillRef idx="0">
+            <a:schemeClr val="accent1"/>
+          </a:fillRef>
+          <a:effectRef idx="0">
+            <a:schemeClr val="accent1"/>
+          </a:effectRef>
+          <a:fontRef idx="minor">
+            <a:schemeClr val="tx1"/>
+          </a:fontRef>
+        </p:style>
+      </p:cxnSp>
+      <p:sp>
+        <p:nvSpPr>
+          <p:cNvPr id="21" name="TextBox 20">
+            <a:extLst>
+              <a:ext uri="{FF2B5EF4-FFF2-40B4-BE49-F238E27FC236}">
+                <a16:creationId xmlns:a16="http://schemas.microsoft.com/office/drawing/2014/main" id="{681F30B4-E073-E04A-83C1-98D6FBB2C3CB}"/>
+              </a:ext>
+            </a:extLst>
+          </p:cNvPr>
+          <p:cNvSpPr txBox="1"/>
+          <p:nvPr/>
+        </p:nvSpPr>
+        <p:spPr>
+          <a:xfrm>
+            <a:off x="7086455" y="1586054"/>
+            <a:ext cx="4355068" cy="707886"/>
+          </a:xfrm>
+          <a:prstGeom prst="rect">
+            <a:avLst/>
+          </a:prstGeom>
+          <a:noFill/>
+        </p:spPr>
+        <p:txBody>
+          <a:bodyPr wrap="square" rtlCol="0">
+            <a:spAutoFit/>
+          </a:bodyPr>
+          <a:lstStyle/>
+          <a:p>
+            <a:r>
+              <a:rPr lang="en-US" sz="2000" dirty="0"/>
+              <a:t>Very helpful when trying to read (even correct) code</a:t>
+            </a:r>
+          </a:p>
+        </p:txBody>
+      </p:sp>
+      <p:cxnSp>
+        <p:nvCxnSpPr>
+          <p:cNvPr id="20" name="Straight Connector 19">
+            <a:extLst>
+              <a:ext uri="{FF2B5EF4-FFF2-40B4-BE49-F238E27FC236}">
+                <a16:creationId xmlns:a16="http://schemas.microsoft.com/office/drawing/2014/main" id="{1FA9ACEC-D4AB-B649-A999-E1F0001210EF}"/>
+              </a:ext>
+            </a:extLst>
+          </p:cNvPr>
+          <p:cNvCxnSpPr>
+            <a:cxnSpLocks/>
+          </p:cNvCxnSpPr>
+          <p:nvPr/>
+        </p:nvCxnSpPr>
+        <p:spPr>
+          <a:xfrm>
+            <a:off x="599605" y="4197267"/>
+            <a:ext cx="10897302" cy="0"/>
+          </a:xfrm>
+          <a:prstGeom prst="line">
+            <a:avLst/>
+          </a:prstGeom>
+        </p:spPr>
+        <p:style>
+          <a:lnRef idx="1">
+            <a:schemeClr val="accent1"/>
+          </a:lnRef>
+          <a:fillRef idx="0">
+            <a:schemeClr val="accent1"/>
+          </a:fillRef>
+          <a:effectRef idx="0">
+            <a:schemeClr val="accent1"/>
+          </a:effectRef>
+          <a:fontRef idx="minor">
+            <a:schemeClr val="tx1"/>
+          </a:fontRef>
+        </p:style>
+      </p:cxnSp>
     </p:spTree>
     <p:extLst>
       <p:ext uri="{BB962C8B-B14F-4D97-AF65-F5344CB8AC3E}">
-        <p14:creationId xmlns:p14="http://schemas.microsoft.com/office/powerpoint/2010/main" val="2897700229"/>
+        <p14:creationId xmlns:p14="http://schemas.microsoft.com/office/powerpoint/2010/main" val="2807488976"/>
       </p:ext>
     </p:extLst>
   </p:cSld>
@@ -9933,7 +11429,7 @@
           <p:cNvPr id="2" name="Title 1">
             <a:extLst>
               <a:ext uri="{FF2B5EF4-FFF2-40B4-BE49-F238E27FC236}">
-                <a16:creationId xmlns:a16="http://schemas.microsoft.com/office/drawing/2014/main" id="{9B24DD6E-ECEF-5549-A412-0E23470C342B}"/>
+                <a16:creationId xmlns:a16="http://schemas.microsoft.com/office/drawing/2014/main" id="{77C84AC9-6D68-B847-8432-35493E969DEB}"/>
               </a:ext>
             </a:extLst>
           </p:cNvPr>
@@ -9946,31 +11442,22 @@
         </p:nvSpPr>
         <p:spPr/>
         <p:txBody>
-          <a:bodyPr>
-            <a:normAutofit/>
-          </a:bodyPr>
-          <a:lstStyle/>
-          <a:p>
-            <a:r>
-              <a:rPr lang="en-US" dirty="0"/>
-              <a:t>Clarifying errors</a:t>
-            </a:r>
-            <a:br>
-              <a:rPr lang="en-US" dirty="0"/>
-            </a:br>
-            <a:r>
-              <a:rPr lang="en-US" dirty="0"/>
-              <a:t>visually &amp; textually</a:t>
+          <a:bodyPr/>
+          <a:lstStyle/>
+          <a:p>
+            <a:r>
+              <a:rPr lang="en-US" dirty="0"/>
+              <a:t>Oh, and support multiple libraries</a:t>
             </a:r>
           </a:p>
         </p:txBody>
       </p:sp>
       <p:pic>
         <p:nvPicPr>
-          <p:cNvPr id="5" name="Picture 4">
-            <a:extLst>
-              <a:ext uri="{FF2B5EF4-FFF2-40B4-BE49-F238E27FC236}">
-                <a16:creationId xmlns:a16="http://schemas.microsoft.com/office/drawing/2014/main" id="{76E7EF07-5536-B847-A3F4-85DD7161A5A6}"/>
+          <p:cNvPr id="7" name="Picture 6">
+            <a:extLst>
+              <a:ext uri="{FF2B5EF4-FFF2-40B4-BE49-F238E27FC236}">
+                <a16:creationId xmlns:a16="http://schemas.microsoft.com/office/drawing/2014/main" id="{7747BABE-7A01-F341-8455-592CFA5A9D97}"/>
               </a:ext>
             </a:extLst>
           </p:cNvPr>
@@ -9987,8 +11474,8 @@
         </p:blipFill>
         <p:spPr>
           <a:xfrm>
-            <a:off x="696247" y="2676746"/>
-            <a:ext cx="4626665" cy="2055193"/>
+            <a:off x="355111" y="4170557"/>
+            <a:ext cx="5924464" cy="2071416"/>
           </a:xfrm>
           <a:prstGeom prst="rect">
             <a:avLst/>
@@ -9997,10 +11484,10 @@
       </p:pic>
       <p:pic>
         <p:nvPicPr>
-          <p:cNvPr id="7" name="Picture 6">
-            <a:extLst>
-              <a:ext uri="{FF2B5EF4-FFF2-40B4-BE49-F238E27FC236}">
-                <a16:creationId xmlns:a16="http://schemas.microsoft.com/office/drawing/2014/main" id="{E9A50E6B-4659-2049-A19B-0DF81CB120D5}"/>
+          <p:cNvPr id="9" name="Picture 8">
+            <a:extLst>
+              <a:ext uri="{FF2B5EF4-FFF2-40B4-BE49-F238E27FC236}">
+                <a16:creationId xmlns:a16="http://schemas.microsoft.com/office/drawing/2014/main" id="{208FAAC5-76ED-994C-9D2D-B0132110E894}"/>
               </a:ext>
             </a:extLst>
           </p:cNvPr>
@@ -10017,373 +11504,225 @@
         </p:blipFill>
         <p:spPr>
           <a:xfrm>
-            <a:off x="5925931" y="681037"/>
-            <a:ext cx="6045200" cy="5384800"/>
+            <a:off x="355111" y="1780884"/>
+            <a:ext cx="5837086" cy="2311613"/>
           </a:xfrm>
           <a:prstGeom prst="rect">
             <a:avLst/>
           </a:prstGeom>
         </p:spPr>
       </p:pic>
-      <p:sp>
-        <p:nvSpPr>
-          <p:cNvPr id="8" name="Rectangle 7">
-            <a:extLst>
-              <a:ext uri="{FF2B5EF4-FFF2-40B4-BE49-F238E27FC236}">
-                <a16:creationId xmlns:a16="http://schemas.microsoft.com/office/drawing/2014/main" id="{D3159D01-63B7-7E4D-AE7E-C267F70BB539}"/>
-              </a:ext>
-            </a:extLst>
-          </p:cNvPr>
-          <p:cNvSpPr/>
+      <p:pic>
+        <p:nvPicPr>
+          <p:cNvPr id="5" name="Content Placeholder 4">
+            <a:extLst>
+              <a:ext uri="{FF2B5EF4-FFF2-40B4-BE49-F238E27FC236}">
+                <a16:creationId xmlns:a16="http://schemas.microsoft.com/office/drawing/2014/main" id="{B6F23A89-C5A6-BB4E-85E5-1548EF9C3C36}"/>
+              </a:ext>
+            </a:extLst>
+          </p:cNvPr>
+          <p:cNvPicPr>
+            <a:picLocks noGrp="1" noChangeAspect="1"/>
+          </p:cNvPicPr>
+          <p:nvPr>
+            <p:ph idx="1"/>
+          </p:nvPr>
+        </p:nvPicPr>
+        <p:blipFill>
+          <a:blip r:embed="rId4"/>
+          <a:stretch>
+            <a:fillRect/>
+          </a:stretch>
+        </p:blipFill>
+        <p:spPr>
+          <a:xfrm>
+            <a:off x="5302665" y="1479938"/>
+            <a:ext cx="6775964" cy="4351338"/>
+          </a:xfrm>
+        </p:spPr>
+      </p:pic>
+      <p:sp>
+        <p:nvSpPr>
+          <p:cNvPr id="10" name="TextBox 9">
+            <a:extLst>
+              <a:ext uri="{FF2B5EF4-FFF2-40B4-BE49-F238E27FC236}">
+                <a16:creationId xmlns:a16="http://schemas.microsoft.com/office/drawing/2014/main" id="{A42E60A5-D452-ED43-BC7D-591A77D1B969}"/>
+              </a:ext>
+            </a:extLst>
+          </p:cNvPr>
+          <p:cNvSpPr txBox="1"/>
           <p:nvPr/>
         </p:nvSpPr>
         <p:spPr>
           <a:xfrm>
-            <a:off x="27057" y="6426625"/>
-            <a:ext cx="4762842" cy="369332"/>
+            <a:off x="3712730" y="4092497"/>
+            <a:ext cx="655949" cy="400110"/>
           </a:xfrm>
           <a:prstGeom prst="rect">
             <a:avLst/>
           </a:prstGeom>
-        </p:spPr>
-        <p:txBody>
-          <a:bodyPr wrap="none">
+          <a:noFill/>
+        </p:spPr>
+        <p:txBody>
+          <a:bodyPr wrap="none" rtlCol="0">
             <a:spAutoFit/>
           </a:bodyPr>
           <a:lstStyle/>
           <a:p>
             <a:r>
-              <a:rPr lang="en-US" dirty="0">
-                <a:hlinkClick r:id="rId4"/>
-              </a:rPr>
-              <a:t>https://explained.ai/tensor-sensor/index.html</a:t>
-            </a:r>
-            <a:r>
-              <a:rPr lang="en-US" dirty="0"/>
-              <a:t> </a:t>
-            </a:r>
-          </a:p>
-        </p:txBody>
-      </p:sp>
-      <p:sp>
-        <p:nvSpPr>
-          <p:cNvPr id="10" name="Right Arrow 9">
-            <a:extLst>
-              <a:ext uri="{FF2B5EF4-FFF2-40B4-BE49-F238E27FC236}">
-                <a16:creationId xmlns:a16="http://schemas.microsoft.com/office/drawing/2014/main" id="{8B12D685-6B1A-604C-B2EA-FB6EE4739ACE}"/>
-              </a:ext>
-            </a:extLst>
-          </p:cNvPr>
-          <p:cNvSpPr/>
+              <a:rPr lang="en-US" sz="2000" dirty="0"/>
+              <a:t>JAX</a:t>
+            </a:r>
+          </a:p>
+        </p:txBody>
+      </p:sp>
+      <p:sp>
+        <p:nvSpPr>
+          <p:cNvPr id="11" name="TextBox 10">
+            <a:extLst>
+              <a:ext uri="{FF2B5EF4-FFF2-40B4-BE49-F238E27FC236}">
+                <a16:creationId xmlns:a16="http://schemas.microsoft.com/office/drawing/2014/main" id="{E2EA0D2B-CD69-5142-BA08-2CA47B87614F}"/>
+              </a:ext>
+            </a:extLst>
+          </p:cNvPr>
+          <p:cNvSpPr txBox="1"/>
           <p:nvPr/>
         </p:nvSpPr>
         <p:spPr>
-          <a:xfrm rot="1748416">
-            <a:off x="4773217" y="4414309"/>
-            <a:ext cx="1218510" cy="484632"/>
-          </a:xfrm>
-          <a:prstGeom prst="rightArrow">
+          <a:xfrm>
+            <a:off x="3484878" y="2143076"/>
+            <a:ext cx="1111651" cy="400110"/>
+          </a:xfrm>
+          <a:prstGeom prst="rect">
             <a:avLst/>
           </a:prstGeom>
-          <a:solidFill>
-            <a:schemeClr val="accent1">
-              <a:lumMod val="60000"/>
-              <a:lumOff val="40000"/>
-            </a:schemeClr>
-          </a:solidFill>
+          <a:noFill/>
+        </p:spPr>
+        <p:txBody>
+          <a:bodyPr wrap="none" rtlCol="0">
+            <a:spAutoFit/>
+          </a:bodyPr>
+          <a:lstStyle/>
+          <a:p>
+            <a:r>
+              <a:rPr lang="en-US" sz="2000" dirty="0" err="1"/>
+              <a:t>PyTorch</a:t>
+            </a:r>
+            <a:endParaRPr lang="en-US" sz="2000" dirty="0"/>
+          </a:p>
+        </p:txBody>
+      </p:sp>
+      <p:sp>
+        <p:nvSpPr>
+          <p:cNvPr id="12" name="TextBox 11">
+            <a:extLst>
+              <a:ext uri="{FF2B5EF4-FFF2-40B4-BE49-F238E27FC236}">
+                <a16:creationId xmlns:a16="http://schemas.microsoft.com/office/drawing/2014/main" id="{ABD11DCF-9AEF-3747-BC6D-5988187F63AB}"/>
+              </a:ext>
+            </a:extLst>
+          </p:cNvPr>
+          <p:cNvSpPr txBox="1"/>
+          <p:nvPr/>
+        </p:nvSpPr>
+        <p:spPr>
+          <a:xfrm>
+            <a:off x="2935240" y="1399416"/>
+            <a:ext cx="2282997" cy="338554"/>
+          </a:xfrm>
+          <a:prstGeom prst="rect">
+            <a:avLst/>
+          </a:prstGeom>
+          <a:noFill/>
+        </p:spPr>
+        <p:txBody>
+          <a:bodyPr wrap="none" rtlCol="0">
+            <a:spAutoFit/>
+          </a:bodyPr>
+          <a:lstStyle/>
+          <a:p>
+            <a:r>
+              <a:rPr lang="en-US" sz="1600" dirty="0"/>
+              <a:t>(1D vectors are yellow)</a:t>
+            </a:r>
+          </a:p>
+        </p:txBody>
+      </p:sp>
+      <p:cxnSp>
+        <p:nvCxnSpPr>
+          <p:cNvPr id="14" name="Straight Arrow Connector 13">
+            <a:extLst>
+              <a:ext uri="{FF2B5EF4-FFF2-40B4-BE49-F238E27FC236}">
+                <a16:creationId xmlns:a16="http://schemas.microsoft.com/office/drawing/2014/main" id="{42225EDD-FD6B-D04C-B2A5-A10FAADCAEEB}"/>
+              </a:ext>
+            </a:extLst>
+          </p:cNvPr>
+          <p:cNvCxnSpPr>
+            <a:cxnSpLocks/>
+            <a:stCxn id="12" idx="2"/>
+          </p:cNvCxnSpPr>
+          <p:nvPr/>
+        </p:nvCxnSpPr>
+        <p:spPr>
+          <a:xfrm flipH="1">
+            <a:off x="2124975" y="1737970"/>
+            <a:ext cx="1951764" cy="514576"/>
+          </a:xfrm>
+          <a:prstGeom prst="straightConnector1">
+            <a:avLst/>
+          </a:prstGeom>
+          <a:ln>
+            <a:tailEnd type="triangle"/>
+          </a:ln>
         </p:spPr>
         <p:style>
-          <a:lnRef idx="2">
-            <a:schemeClr val="accent1">
-              <a:shade val="50000"/>
-            </a:schemeClr>
+          <a:lnRef idx="1">
+            <a:schemeClr val="accent1"/>
           </a:lnRef>
-          <a:fillRef idx="1">
+          <a:fillRef idx="0">
             <a:schemeClr val="accent1"/>
           </a:fillRef>
           <a:effectRef idx="0">
             <a:schemeClr val="accent1"/>
           </a:effectRef>
           <a:fontRef idx="minor">
-            <a:schemeClr val="lt1"/>
+            <a:schemeClr val="tx1"/>
           </a:fontRef>
         </p:style>
-        <p:txBody>
-          <a:bodyPr rtlCol="0" anchor="ctr"/>
-          <a:lstStyle/>
-          <a:p>
-            <a:pPr algn="ctr"/>
-            <a:endParaRPr lang="en-US"/>
-          </a:p>
-        </p:txBody>
-      </p:sp>
-      <p:sp>
-        <p:nvSpPr>
-          <p:cNvPr id="11" name="Right Arrow 10">
-            <a:extLst>
-              <a:ext uri="{FF2B5EF4-FFF2-40B4-BE49-F238E27FC236}">
-                <a16:creationId xmlns:a16="http://schemas.microsoft.com/office/drawing/2014/main" id="{3D4CC8C8-A56F-0646-BBEA-F7E29FDA4EF9}"/>
-              </a:ext>
-            </a:extLst>
-          </p:cNvPr>
-          <p:cNvSpPr/>
+      </p:cxnSp>
+      <p:pic>
+        <p:nvPicPr>
+          <p:cNvPr id="4" name="Picture 3">
+            <a:extLst>
+              <a:ext uri="{FF2B5EF4-FFF2-40B4-BE49-F238E27FC236}">
+                <a16:creationId xmlns:a16="http://schemas.microsoft.com/office/drawing/2014/main" id="{AB13C54A-96D4-6B42-9017-F103FF5AC49C}"/>
+              </a:ext>
+            </a:extLst>
+          </p:cNvPr>
+          <p:cNvPicPr>
+            <a:picLocks noChangeAspect="1"/>
+          </p:cNvPicPr>
           <p:nvPr/>
-        </p:nvSpPr>
-        <p:spPr>
-          <a:xfrm rot="21344001">
-            <a:off x="3775995" y="2521964"/>
-            <a:ext cx="2217199" cy="484632"/>
-          </a:xfrm>
-          <a:prstGeom prst="rightArrow">
-            <a:avLst>
-              <a:gd name="adj1" fmla="val 53831"/>
-              <a:gd name="adj2" fmla="val 50000"/>
-            </a:avLst>
-          </a:prstGeom>
-          <a:solidFill>
-            <a:schemeClr val="accent1">
-              <a:lumMod val="60000"/>
-              <a:lumOff val="40000"/>
-            </a:schemeClr>
-          </a:solidFill>
-        </p:spPr>
-        <p:style>
-          <a:lnRef idx="2">
-            <a:schemeClr val="accent1">
-              <a:shade val="50000"/>
-            </a:schemeClr>
-          </a:lnRef>
-          <a:fillRef idx="1">
-            <a:schemeClr val="accent1"/>
-          </a:fillRef>
-          <a:effectRef idx="0">
-            <a:schemeClr val="accent1"/>
-          </a:effectRef>
-          <a:fontRef idx="minor">
-            <a:schemeClr val="lt1"/>
-          </a:fontRef>
-        </p:style>
-        <p:txBody>
-          <a:bodyPr rtlCol="0" anchor="ctr"/>
-          <a:lstStyle/>
-          <a:p>
-            <a:pPr algn="ctr"/>
-            <a:endParaRPr lang="en-US"/>
-          </a:p>
-        </p:txBody>
-      </p:sp>
-      <p:sp>
-        <p:nvSpPr>
-          <p:cNvPr id="13" name="Rectangle 12">
-            <a:extLst>
-              <a:ext uri="{FF2B5EF4-FFF2-40B4-BE49-F238E27FC236}">
-                <a16:creationId xmlns:a16="http://schemas.microsoft.com/office/drawing/2014/main" id="{8AA699DF-84B8-3541-97E5-7CBAE02B9D22}"/>
-              </a:ext>
-            </a:extLst>
-          </p:cNvPr>
-          <p:cNvSpPr/>
-          <p:nvPr/>
-        </p:nvSpPr>
-        <p:spPr>
-          <a:xfrm>
-            <a:off x="10731596" y="121028"/>
-            <a:ext cx="1460404" cy="1569660"/>
+        </p:nvPicPr>
+        <p:blipFill>
+          <a:blip r:embed="rId5"/>
+          <a:stretch>
+            <a:fillRect/>
+          </a:stretch>
+        </p:blipFill>
+        <p:spPr>
+          <a:xfrm>
+            <a:off x="7394342" y="-354361"/>
+            <a:ext cx="4584700" cy="965200"/>
           </a:xfrm>
           <a:prstGeom prst="rect">
             <a:avLst/>
           </a:prstGeom>
         </p:spPr>
-        <p:txBody>
-          <a:bodyPr wrap="square">
-            <a:spAutoFit/>
-          </a:bodyPr>
-          <a:lstStyle/>
-          <a:p>
-            <a:r>
-              <a:rPr lang="en-US" sz="9600" dirty="0"/>
-              <a:t>🎉</a:t>
-            </a:r>
-          </a:p>
-        </p:txBody>
-      </p:sp>
-      <p:sp>
-        <p:nvSpPr>
-          <p:cNvPr id="14" name="TextBox 13">
-            <a:extLst>
-              <a:ext uri="{FF2B5EF4-FFF2-40B4-BE49-F238E27FC236}">
-                <a16:creationId xmlns:a16="http://schemas.microsoft.com/office/drawing/2014/main" id="{384F2669-F6F1-D647-8FDE-0D3E2D463C0D}"/>
-              </a:ext>
-            </a:extLst>
-          </p:cNvPr>
-          <p:cNvSpPr txBox="1"/>
-          <p:nvPr/>
-        </p:nvSpPr>
-        <p:spPr>
-          <a:xfrm>
-            <a:off x="-160890" y="1917083"/>
-            <a:ext cx="1415772" cy="1569660"/>
-          </a:xfrm>
-          <a:prstGeom prst="rect">
-            <a:avLst/>
-          </a:prstGeom>
-          <a:noFill/>
-        </p:spPr>
-        <p:txBody>
-          <a:bodyPr wrap="none" rtlCol="0">
-            <a:spAutoFit/>
-          </a:bodyPr>
-          <a:lstStyle/>
-          <a:p>
-            <a:r>
-              <a:rPr lang="en-US" sz="9600" dirty="0"/>
-              <a:t>😿</a:t>
-            </a:r>
-          </a:p>
-        </p:txBody>
-      </p:sp>
-      <p:sp>
-        <p:nvSpPr>
-          <p:cNvPr id="15" name="Rectangle 14">
-            <a:extLst>
-              <a:ext uri="{FF2B5EF4-FFF2-40B4-BE49-F238E27FC236}">
-                <a16:creationId xmlns:a16="http://schemas.microsoft.com/office/drawing/2014/main" id="{75F85CD5-F246-CD48-AD14-72EEA7F4824E}"/>
-              </a:ext>
-            </a:extLst>
-          </p:cNvPr>
-          <p:cNvSpPr/>
-          <p:nvPr/>
-        </p:nvSpPr>
-        <p:spPr>
-          <a:xfrm>
-            <a:off x="5970442" y="1096186"/>
-            <a:ext cx="3697666" cy="409229"/>
-          </a:xfrm>
-          <a:prstGeom prst="rect">
-            <a:avLst/>
-          </a:prstGeom>
-          <a:noFill/>
-          <a:ln w="19050">
-            <a:solidFill>
-              <a:srgbClr val="E4754F"/>
-            </a:solidFill>
-          </a:ln>
-        </p:spPr>
-        <p:style>
-          <a:lnRef idx="2">
-            <a:schemeClr val="accent1">
-              <a:shade val="50000"/>
-            </a:schemeClr>
-          </a:lnRef>
-          <a:fillRef idx="1">
-            <a:schemeClr val="accent1"/>
-          </a:fillRef>
-          <a:effectRef idx="0">
-            <a:schemeClr val="accent1"/>
-          </a:effectRef>
-          <a:fontRef idx="minor">
-            <a:schemeClr val="lt1"/>
-          </a:fontRef>
-        </p:style>
-        <p:txBody>
-          <a:bodyPr rtlCol="0" anchor="ctr"/>
-          <a:lstStyle/>
-          <a:p>
-            <a:pPr algn="ctr"/>
-            <a:endParaRPr lang="en-US"/>
-          </a:p>
-        </p:txBody>
-      </p:sp>
-      <p:sp>
-        <p:nvSpPr>
-          <p:cNvPr id="16" name="TextBox 15">
-            <a:extLst>
-              <a:ext uri="{FF2B5EF4-FFF2-40B4-BE49-F238E27FC236}">
-                <a16:creationId xmlns:a16="http://schemas.microsoft.com/office/drawing/2014/main" id="{B1DAB5FF-703B-2D46-816F-8884997C77F6}"/>
-              </a:ext>
-            </a:extLst>
-          </p:cNvPr>
-          <p:cNvSpPr txBox="1"/>
-          <p:nvPr/>
-        </p:nvSpPr>
-        <p:spPr>
-          <a:xfrm>
-            <a:off x="2673242" y="5130883"/>
-            <a:ext cx="3274525" cy="646331"/>
-          </a:xfrm>
-          <a:prstGeom prst="rect">
-            <a:avLst/>
-          </a:prstGeom>
-          <a:noFill/>
-        </p:spPr>
-        <p:txBody>
-          <a:bodyPr wrap="square" rtlCol="0">
-            <a:spAutoFit/>
-          </a:bodyPr>
-          <a:lstStyle/>
-          <a:p>
-            <a:pPr lvl="1" algn="r"/>
-            <a:r>
-              <a:rPr lang="en-US" dirty="0" err="1"/>
-              <a:t>TensorSensor</a:t>
-            </a:r>
-            <a:r>
-              <a:rPr lang="en-US" dirty="0"/>
-              <a:t> augments</a:t>
-            </a:r>
-          </a:p>
-          <a:p>
-            <a:pPr lvl="1" algn="r"/>
-            <a:r>
-              <a:rPr lang="en-US" dirty="0"/>
-              <a:t>exception messages</a:t>
-            </a:r>
-          </a:p>
-        </p:txBody>
-      </p:sp>
-      <p:sp>
-        <p:nvSpPr>
-          <p:cNvPr id="17" name="TextBox 16">
-            <a:extLst>
-              <a:ext uri="{FF2B5EF4-FFF2-40B4-BE49-F238E27FC236}">
-                <a16:creationId xmlns:a16="http://schemas.microsoft.com/office/drawing/2014/main" id="{E9D29132-28FE-354C-A4A1-AA8A348A6A8C}"/>
-              </a:ext>
-            </a:extLst>
-          </p:cNvPr>
-          <p:cNvSpPr txBox="1"/>
-          <p:nvPr/>
-        </p:nvSpPr>
-        <p:spPr>
-          <a:xfrm>
-            <a:off x="8807040" y="2105837"/>
-            <a:ext cx="3274525" cy="1200329"/>
-          </a:xfrm>
-          <a:prstGeom prst="rect">
-            <a:avLst/>
-          </a:prstGeom>
-          <a:noFill/>
-        </p:spPr>
-        <p:txBody>
-          <a:bodyPr wrap="square" rtlCol="0">
-            <a:spAutoFit/>
-          </a:bodyPr>
-          <a:lstStyle/>
-          <a:p>
-            <a:pPr lvl="1"/>
-            <a:r>
-              <a:rPr lang="en-US" dirty="0" err="1"/>
-              <a:t>TensorSensor</a:t>
-            </a:r>
-            <a:r>
-              <a:rPr lang="en-US" dirty="0"/>
-              <a:t> generates visual cues to matrix dimensions and offending operator / operands</a:t>
-            </a:r>
-          </a:p>
-        </p:txBody>
-      </p:sp>
+      </p:pic>
     </p:spTree>
     <p:extLst>
       <p:ext uri="{BB962C8B-B14F-4D97-AF65-F5344CB8AC3E}">
-        <p14:creationId xmlns:p14="http://schemas.microsoft.com/office/powerpoint/2010/main" val="3451222615"/>
+        <p14:creationId xmlns:p14="http://schemas.microsoft.com/office/powerpoint/2010/main" val="955658222"/>
       </p:ext>
     </p:extLst>
   </p:cSld>
@@ -10415,7 +11754,7 @@
           <p:cNvPr id="2" name="Title 1">
             <a:extLst>
               <a:ext uri="{FF2B5EF4-FFF2-40B4-BE49-F238E27FC236}">
-                <a16:creationId xmlns:a16="http://schemas.microsoft.com/office/drawing/2014/main" id="{77C84AC9-6D68-B847-8432-35493E969DEB}"/>
+                <a16:creationId xmlns:a16="http://schemas.microsoft.com/office/drawing/2014/main" id="{79978330-775B-5942-B0F9-BB003366EB25}"/>
               </a:ext>
             </a:extLst>
           </p:cNvPr>
@@ -10433,252 +11772,66 @@
           <a:p>
             <a:r>
               <a:rPr lang="en-US" dirty="0"/>
-              <a:t>Requirement: support multiple libraries</a:t>
-            </a:r>
-          </a:p>
-        </p:txBody>
-      </p:sp>
-      <p:pic>
-        <p:nvPicPr>
-          <p:cNvPr id="7" name="Picture 6">
-            <a:extLst>
-              <a:ext uri="{FF2B5EF4-FFF2-40B4-BE49-F238E27FC236}">
-                <a16:creationId xmlns:a16="http://schemas.microsoft.com/office/drawing/2014/main" id="{7747BABE-7A01-F341-8455-592CFA5A9D97}"/>
-              </a:ext>
-            </a:extLst>
-          </p:cNvPr>
-          <p:cNvPicPr>
-            <a:picLocks noChangeAspect="1"/>
-          </p:cNvPicPr>
-          <p:nvPr/>
-        </p:nvPicPr>
-        <p:blipFill>
-          <a:blip r:embed="rId2"/>
-          <a:stretch>
-            <a:fillRect/>
-          </a:stretch>
-        </p:blipFill>
-        <p:spPr>
-          <a:xfrm>
-            <a:off x="355111" y="4170557"/>
-            <a:ext cx="5924464" cy="2071416"/>
-          </a:xfrm>
-          <a:prstGeom prst="rect">
-            <a:avLst/>
-          </a:prstGeom>
-        </p:spPr>
-      </p:pic>
-      <p:pic>
-        <p:nvPicPr>
-          <p:cNvPr id="9" name="Picture 8">
-            <a:extLst>
-              <a:ext uri="{FF2B5EF4-FFF2-40B4-BE49-F238E27FC236}">
-                <a16:creationId xmlns:a16="http://schemas.microsoft.com/office/drawing/2014/main" id="{208FAAC5-76ED-994C-9D2D-B0132110E894}"/>
-              </a:ext>
-            </a:extLst>
-          </p:cNvPr>
-          <p:cNvPicPr>
-            <a:picLocks noChangeAspect="1"/>
-          </p:cNvPicPr>
-          <p:nvPr/>
-        </p:nvPicPr>
-        <p:blipFill>
-          <a:blip r:embed="rId3"/>
-          <a:stretch>
-            <a:fillRect/>
-          </a:stretch>
-        </p:blipFill>
-        <p:spPr>
-          <a:xfrm>
-            <a:off x="355111" y="1780884"/>
-            <a:ext cx="5837086" cy="2311613"/>
-          </a:xfrm>
-          <a:prstGeom prst="rect">
-            <a:avLst/>
-          </a:prstGeom>
-        </p:spPr>
-      </p:pic>
-      <p:pic>
-        <p:nvPicPr>
-          <p:cNvPr id="5" name="Content Placeholder 4">
-            <a:extLst>
-              <a:ext uri="{FF2B5EF4-FFF2-40B4-BE49-F238E27FC236}">
-                <a16:creationId xmlns:a16="http://schemas.microsoft.com/office/drawing/2014/main" id="{B6F23A89-C5A6-BB4E-85E5-1548EF9C3C36}"/>
-              </a:ext>
-            </a:extLst>
-          </p:cNvPr>
-          <p:cNvPicPr>
-            <a:picLocks noGrp="1" noChangeAspect="1"/>
-          </p:cNvPicPr>
+              <a:t>What’s the right programmer interface?</a:t>
+            </a:r>
+          </a:p>
+        </p:txBody>
+      </p:sp>
+      <p:sp>
+        <p:nvSpPr>
+          <p:cNvPr id="3" name="Content Placeholder 2">
+            <a:extLst>
+              <a:ext uri="{FF2B5EF4-FFF2-40B4-BE49-F238E27FC236}">
+                <a16:creationId xmlns:a16="http://schemas.microsoft.com/office/drawing/2014/main" id="{EDF0EDDF-B0D0-C942-AF7C-FDB201B8348A}"/>
+              </a:ext>
+            </a:extLst>
+          </p:cNvPr>
+          <p:cNvSpPr>
+            <a:spLocks noGrp="1"/>
+          </p:cNvSpPr>
           <p:nvPr>
             <p:ph idx="1"/>
           </p:nvPr>
-        </p:nvPicPr>
-        <p:blipFill>
-          <a:blip r:embed="rId4"/>
-          <a:stretch>
-            <a:fillRect/>
-          </a:stretch>
-        </p:blipFill>
-        <p:spPr>
-          <a:xfrm>
-            <a:off x="5302665" y="1479938"/>
-            <a:ext cx="6775964" cy="4351338"/>
-          </a:xfrm>
-        </p:spPr>
-      </p:pic>
-      <p:sp>
-        <p:nvSpPr>
-          <p:cNvPr id="10" name="TextBox 9">
-            <a:extLst>
-              <a:ext uri="{FF2B5EF4-FFF2-40B4-BE49-F238E27FC236}">
-                <a16:creationId xmlns:a16="http://schemas.microsoft.com/office/drawing/2014/main" id="{A42E60A5-D452-ED43-BC7D-591A77D1B969}"/>
-              </a:ext>
-            </a:extLst>
-          </p:cNvPr>
-          <p:cNvSpPr txBox="1"/>
-          <p:nvPr/>
-        </p:nvSpPr>
-        <p:spPr>
-          <a:xfrm>
-            <a:off x="3712730" y="4092497"/>
-            <a:ext cx="655949" cy="400110"/>
-          </a:xfrm>
-          <a:prstGeom prst="rect">
-            <a:avLst/>
-          </a:prstGeom>
-          <a:noFill/>
-        </p:spPr>
-        <p:txBody>
-          <a:bodyPr wrap="none" rtlCol="0">
-            <a:spAutoFit/>
-          </a:bodyPr>
-          <a:lstStyle/>
-          <a:p>
-            <a:r>
-              <a:rPr lang="en-US" sz="2000" dirty="0"/>
-              <a:t>JAX</a:t>
-            </a:r>
-          </a:p>
-        </p:txBody>
-      </p:sp>
-      <p:sp>
-        <p:nvSpPr>
-          <p:cNvPr id="11" name="TextBox 10">
-            <a:extLst>
-              <a:ext uri="{FF2B5EF4-FFF2-40B4-BE49-F238E27FC236}">
-                <a16:creationId xmlns:a16="http://schemas.microsoft.com/office/drawing/2014/main" id="{E2EA0D2B-CD69-5142-BA08-2CA47B87614F}"/>
-              </a:ext>
-            </a:extLst>
-          </p:cNvPr>
-          <p:cNvSpPr txBox="1"/>
-          <p:nvPr/>
-        </p:nvSpPr>
-        <p:spPr>
-          <a:xfrm>
-            <a:off x="3484878" y="2143076"/>
-            <a:ext cx="1111651" cy="400110"/>
-          </a:xfrm>
-          <a:prstGeom prst="rect">
-            <a:avLst/>
-          </a:prstGeom>
-          <a:noFill/>
-        </p:spPr>
-        <p:txBody>
-          <a:bodyPr wrap="none" rtlCol="0">
-            <a:spAutoFit/>
-          </a:bodyPr>
-          <a:lstStyle/>
-          <a:p>
-            <a:r>
-              <a:rPr lang="en-US" sz="2000" dirty="0" err="1"/>
-              <a:t>PyTorch</a:t>
-            </a:r>
-            <a:endParaRPr lang="en-US" sz="2000" dirty="0"/>
-          </a:p>
-        </p:txBody>
-      </p:sp>
-      <p:sp>
-        <p:nvSpPr>
-          <p:cNvPr id="12" name="TextBox 11">
-            <a:extLst>
-              <a:ext uri="{FF2B5EF4-FFF2-40B4-BE49-F238E27FC236}">
-                <a16:creationId xmlns:a16="http://schemas.microsoft.com/office/drawing/2014/main" id="{ABD11DCF-9AEF-3747-BC6D-5988187F63AB}"/>
-              </a:ext>
-            </a:extLst>
-          </p:cNvPr>
-          <p:cNvSpPr txBox="1"/>
-          <p:nvPr/>
-        </p:nvSpPr>
-        <p:spPr>
-          <a:xfrm>
-            <a:off x="2935240" y="1399416"/>
-            <a:ext cx="2282997" cy="338554"/>
-          </a:xfrm>
-          <a:prstGeom prst="rect">
-            <a:avLst/>
-          </a:prstGeom>
-          <a:noFill/>
-        </p:spPr>
-        <p:txBody>
-          <a:bodyPr wrap="none" rtlCol="0">
-            <a:spAutoFit/>
-          </a:bodyPr>
-          <a:lstStyle/>
-          <a:p>
-            <a:r>
-              <a:rPr lang="en-US" sz="1600" dirty="0"/>
-              <a:t>(1D vectors are yellow)</a:t>
-            </a:r>
-          </a:p>
-        </p:txBody>
-      </p:sp>
-      <p:cxnSp>
-        <p:nvCxnSpPr>
-          <p:cNvPr id="14" name="Straight Arrow Connector 13">
-            <a:extLst>
-              <a:ext uri="{FF2B5EF4-FFF2-40B4-BE49-F238E27FC236}">
-                <a16:creationId xmlns:a16="http://schemas.microsoft.com/office/drawing/2014/main" id="{42225EDD-FD6B-D04C-B2A5-A10FAADCAEEB}"/>
-              </a:ext>
-            </a:extLst>
-          </p:cNvPr>
-          <p:cNvCxnSpPr>
-            <a:cxnSpLocks/>
-            <a:stCxn id="12" idx="2"/>
-          </p:cNvCxnSpPr>
-          <p:nvPr/>
-        </p:nvCxnSpPr>
-        <p:spPr>
-          <a:xfrm flipH="1">
-            <a:off x="2124975" y="1737970"/>
-            <a:ext cx="1951764" cy="514576"/>
-          </a:xfrm>
-          <a:prstGeom prst="straightConnector1">
-            <a:avLst/>
-          </a:prstGeom>
-          <a:ln>
-            <a:tailEnd type="triangle"/>
-          </a:ln>
-        </p:spPr>
-        <p:style>
-          <a:lnRef idx="1">
-            <a:schemeClr val="accent1"/>
-          </a:lnRef>
-          <a:fillRef idx="0">
-            <a:schemeClr val="accent1"/>
-          </a:fillRef>
-          <a:effectRef idx="0">
-            <a:schemeClr val="accent1"/>
-          </a:effectRef>
-          <a:fontRef idx="minor">
-            <a:schemeClr val="tx1"/>
-          </a:fontRef>
-        </p:style>
-      </p:cxnSp>
+        </p:nvSpPr>
+        <p:spPr>
+          <a:xfrm>
+            <a:off x="838200" y="1825625"/>
+            <a:ext cx="10848278" cy="4351338"/>
+          </a:xfrm>
+        </p:spPr>
+        <p:txBody>
+          <a:bodyPr/>
+          <a:lstStyle/>
+          <a:p>
+            <a:r>
+              <a:rPr lang="en-US" dirty="0"/>
+              <a:t>Should be as unobtrusive as possible with least programmer effort</a:t>
+            </a:r>
+          </a:p>
+          <a:p>
+            <a:r>
+              <a:rPr lang="en-US" dirty="0"/>
+              <a:t>(Ideally, implementation would be simple)</a:t>
+            </a:r>
+          </a:p>
+          <a:p>
+            <a:r>
+              <a:rPr lang="en-US" dirty="0"/>
+              <a:t>How can we generate matrix visualizations w/o explicit calls?</a:t>
+            </a:r>
+          </a:p>
+          <a:p>
+            <a:r>
+              <a:rPr lang="en-US" dirty="0"/>
+              <a:t>Can we make use of library zero cost until an exception?</a:t>
+            </a:r>
+          </a:p>
+        </p:txBody>
+      </p:sp>
     </p:spTree>
     <p:extLst>
       <p:ext uri="{BB962C8B-B14F-4D97-AF65-F5344CB8AC3E}">
-        <p14:creationId xmlns:p14="http://schemas.microsoft.com/office/powerpoint/2010/main" val="2774779205"/>
+        <p14:creationId xmlns:p14="http://schemas.microsoft.com/office/powerpoint/2010/main" val="499867538"/>
       </p:ext>
     </p:extLst>
   </p:cSld>

--- a/talks/tensor-sensor.pptx
+++ b/talks/tensor-sensor.pptx
@@ -5,41 +5,33 @@
     <p:sldMasterId id="2147483672" r:id="rId1"/>
   </p:sldMasterIdLst>
   <p:notesMasterIdLst>
-    <p:notesMasterId r:id="rId31"/>
+    <p:notesMasterId r:id="rId23"/>
   </p:notesMasterIdLst>
   <p:handoutMasterIdLst>
-    <p:handoutMasterId r:id="rId32"/>
+    <p:handoutMasterId r:id="rId24"/>
   </p:handoutMasterIdLst>
   <p:sldIdLst>
     <p:sldId id="256" r:id="rId2"/>
-    <p:sldId id="311" r:id="rId3"/>
-    <p:sldId id="313" r:id="rId4"/>
-    <p:sldId id="308" r:id="rId5"/>
-    <p:sldId id="314" r:id="rId6"/>
-    <p:sldId id="316" r:id="rId7"/>
-    <p:sldId id="317" r:id="rId8"/>
-    <p:sldId id="319" r:id="rId9"/>
-    <p:sldId id="318" r:id="rId10"/>
-    <p:sldId id="315" r:id="rId11"/>
-    <p:sldId id="289" r:id="rId12"/>
-    <p:sldId id="290" r:id="rId13"/>
-    <p:sldId id="291" r:id="rId14"/>
-    <p:sldId id="292" r:id="rId15"/>
-    <p:sldId id="293" r:id="rId16"/>
-    <p:sldId id="294" r:id="rId17"/>
-    <p:sldId id="295" r:id="rId18"/>
-    <p:sldId id="296" r:id="rId19"/>
-    <p:sldId id="298" r:id="rId20"/>
-    <p:sldId id="299" r:id="rId21"/>
-    <p:sldId id="300" r:id="rId22"/>
-    <p:sldId id="302" r:id="rId23"/>
-    <p:sldId id="301" r:id="rId24"/>
-    <p:sldId id="303" r:id="rId25"/>
-    <p:sldId id="304" r:id="rId26"/>
-    <p:sldId id="305" r:id="rId27"/>
-    <p:sldId id="306" r:id="rId28"/>
-    <p:sldId id="312" r:id="rId29"/>
-    <p:sldId id="310" r:id="rId30"/>
+    <p:sldId id="313" r:id="rId3"/>
+    <p:sldId id="308" r:id="rId4"/>
+    <p:sldId id="314" r:id="rId5"/>
+    <p:sldId id="316" r:id="rId6"/>
+    <p:sldId id="317" r:id="rId7"/>
+    <p:sldId id="319" r:id="rId8"/>
+    <p:sldId id="318" r:id="rId9"/>
+    <p:sldId id="321" r:id="rId10"/>
+    <p:sldId id="305" r:id="rId11"/>
+    <p:sldId id="320" r:id="rId12"/>
+    <p:sldId id="322" r:id="rId13"/>
+    <p:sldId id="323" r:id="rId14"/>
+    <p:sldId id="299" r:id="rId15"/>
+    <p:sldId id="300" r:id="rId16"/>
+    <p:sldId id="302" r:id="rId17"/>
+    <p:sldId id="301" r:id="rId18"/>
+    <p:sldId id="303" r:id="rId19"/>
+    <p:sldId id="306" r:id="rId20"/>
+    <p:sldId id="312" r:id="rId21"/>
+    <p:sldId id="310" r:id="rId22"/>
   </p:sldIdLst>
   <p:sldSz cx="12192000" cy="6858000"/>
   <p:notesSz cx="9144000" cy="6858000"/>
@@ -3939,7 +3931,7 @@
             <a:pPr algn="l"/>
             <a:r>
               <a:rPr lang="en-US" dirty="0"/>
-              <a:t>Clarifying matrix algebra issues visually with </a:t>
+              <a:t>Clarifying matrix algebra exceptions in Python visually with </a:t>
             </a:r>
             <a:r>
               <a:rPr lang="en-US" dirty="0" err="1"/>
@@ -4107,7 +4099,7 @@
           <p:cNvPr id="2" name="Title 1">
             <a:extLst>
               <a:ext uri="{FF2B5EF4-FFF2-40B4-BE49-F238E27FC236}">
-                <a16:creationId xmlns:a16="http://schemas.microsoft.com/office/drawing/2014/main" id="{EF4C368D-B99D-D14A-B23D-A67B65AF6C9A}"/>
+                <a16:creationId xmlns:a16="http://schemas.microsoft.com/office/drawing/2014/main" id="{BE960F11-DB38-DD4F-A5A9-30B2DBDF797C}"/>
               </a:ext>
             </a:extLst>
           </p:cNvPr>
@@ -4118,14 +4110,19 @@
             <p:ph type="title"/>
           </p:nvPr>
         </p:nvSpPr>
-        <p:spPr/>
+        <p:spPr>
+          <a:xfrm>
+            <a:off x="838200" y="365126"/>
+            <a:ext cx="10515600" cy="760674"/>
+          </a:xfrm>
+        </p:spPr>
         <p:txBody>
           <a:bodyPr/>
           <a:lstStyle/>
           <a:p>
             <a:r>
               <a:rPr lang="en-US" dirty="0"/>
-              <a:t>We need an automated solution</a:t>
+              <a:t>Explaining correct matrix code</a:t>
             </a:r>
           </a:p>
         </p:txBody>
@@ -4135,7 +4132,7 @@
           <p:cNvPr id="3" name="Content Placeholder 2">
             <a:extLst>
               <a:ext uri="{FF2B5EF4-FFF2-40B4-BE49-F238E27FC236}">
-                <a16:creationId xmlns:a16="http://schemas.microsoft.com/office/drawing/2014/main" id="{6D2DFF5B-A91F-F940-AAEF-430917D3D635}"/>
+                <a16:creationId xmlns:a16="http://schemas.microsoft.com/office/drawing/2014/main" id="{AA044F21-7281-AA48-A6A2-4A996F6DF59E}"/>
               </a:ext>
             </a:extLst>
           </p:cNvPr>
@@ -4146,40 +4143,129 @@
             <p:ph idx="1"/>
           </p:nvPr>
         </p:nvSpPr>
-        <p:spPr/>
-        <p:txBody>
-          <a:bodyPr/>
-          <a:lstStyle/>
-          <a:p>
-            <a:r>
-              <a:rPr lang="en-US" dirty="0"/>
-              <a:t>The goal is to replicate the print injection</a:t>
-            </a:r>
-          </a:p>
-          <a:p>
-            <a:r>
-              <a:rPr lang="en-US" dirty="0"/>
-              <a:t>Exceptions are usually triggered in C++ lib, which cannot easily indicated Python variable names in error messages</a:t>
-            </a:r>
-          </a:p>
-          <a:p>
-            <a:r>
-              <a:rPr lang="en-US" dirty="0"/>
-              <a:t>Python exceptions also occur at the line level rather than the operator level so error messages cannot identify offending subexpressions within complicated matrix algebra statements</a:t>
-            </a:r>
-          </a:p>
-          <a:p>
-            <a:r>
-              <a:rPr lang="en-US" dirty="0"/>
-              <a:t>What’s the best programmer interface?</a:t>
-            </a:r>
+        <p:spPr>
+          <a:xfrm>
+            <a:off x="744718" y="1457145"/>
+            <a:ext cx="3939309" cy="4719818"/>
+          </a:xfrm>
+        </p:spPr>
+        <p:txBody>
+          <a:bodyPr>
+            <a:normAutofit/>
+          </a:bodyPr>
+          <a:lstStyle/>
+          <a:p>
+            <a:r>
+              <a:rPr lang="en-US" b="1" dirty="0"/>
+              <a:t>clarify</a:t>
+            </a:r>
+            <a:r>
+              <a:rPr lang="en-US" dirty="0"/>
+              <a:t>() has no effect unless tensor code triggers an exception</a:t>
+            </a:r>
+          </a:p>
+          <a:p>
+            <a:r>
+              <a:rPr lang="en-US" dirty="0"/>
+              <a:t>But </a:t>
+            </a:r>
+            <a:r>
+              <a:rPr lang="en-US" b="1" dirty="0"/>
+              <a:t>explain</a:t>
+            </a:r>
+            <a:r>
+              <a:rPr lang="en-US" dirty="0"/>
+              <a:t>() gens a visualization for each statement within the block</a:t>
+            </a:r>
+          </a:p>
+        </p:txBody>
+      </p:sp>
+      <p:pic>
+        <p:nvPicPr>
+          <p:cNvPr id="7" name="Picture 6">
+            <a:extLst>
+              <a:ext uri="{FF2B5EF4-FFF2-40B4-BE49-F238E27FC236}">
+                <a16:creationId xmlns:a16="http://schemas.microsoft.com/office/drawing/2014/main" id="{50E83C4E-8003-6248-81B6-1F8B3E7AD2DA}"/>
+              </a:ext>
+            </a:extLst>
+          </p:cNvPr>
+          <p:cNvPicPr>
+            <a:picLocks noChangeAspect="1"/>
+          </p:cNvPicPr>
+          <p:nvPr/>
+        </p:nvPicPr>
+        <p:blipFill>
+          <a:blip r:embed="rId2"/>
+          <a:stretch>
+            <a:fillRect/>
+          </a:stretch>
+        </p:blipFill>
+        <p:spPr>
+          <a:xfrm>
+            <a:off x="4644608" y="1323765"/>
+            <a:ext cx="7582807" cy="4719817"/>
+          </a:xfrm>
+          <a:prstGeom prst="rect">
+            <a:avLst/>
+          </a:prstGeom>
+        </p:spPr>
+      </p:pic>
+      <p:sp>
+        <p:nvSpPr>
+          <p:cNvPr id="8" name="Rectangle 7">
+            <a:extLst>
+              <a:ext uri="{FF2B5EF4-FFF2-40B4-BE49-F238E27FC236}">
+                <a16:creationId xmlns:a16="http://schemas.microsoft.com/office/drawing/2014/main" id="{2E07496E-1AE6-A445-BB3E-B3A5C518C89C}"/>
+              </a:ext>
+            </a:extLst>
+          </p:cNvPr>
+          <p:cNvSpPr/>
+          <p:nvPr/>
+        </p:nvSpPr>
+        <p:spPr>
+          <a:xfrm>
+            <a:off x="4704943" y="2983842"/>
+            <a:ext cx="2968476" cy="348273"/>
+          </a:xfrm>
+          <a:prstGeom prst="rect">
+            <a:avLst/>
+          </a:prstGeom>
+          <a:noFill/>
+          <a:ln w="19050">
+            <a:solidFill>
+              <a:srgbClr val="E4754F"/>
+            </a:solidFill>
+          </a:ln>
+        </p:spPr>
+        <p:style>
+          <a:lnRef idx="2">
+            <a:schemeClr val="accent1">
+              <a:shade val="50000"/>
+            </a:schemeClr>
+          </a:lnRef>
+          <a:fillRef idx="1">
+            <a:schemeClr val="accent1"/>
+          </a:fillRef>
+          <a:effectRef idx="0">
+            <a:schemeClr val="accent1"/>
+          </a:effectRef>
+          <a:fontRef idx="minor">
+            <a:schemeClr val="lt1"/>
+          </a:fontRef>
+        </p:style>
+        <p:txBody>
+          <a:bodyPr rtlCol="0" anchor="ctr"/>
+          <a:lstStyle/>
+          <a:p>
+            <a:pPr algn="ctr"/>
+            <a:endParaRPr lang="en-US" dirty="0"/>
           </a:p>
         </p:txBody>
       </p:sp>
     </p:spTree>
     <p:extLst>
       <p:ext uri="{BB962C8B-B14F-4D97-AF65-F5344CB8AC3E}">
-        <p14:creationId xmlns:p14="http://schemas.microsoft.com/office/powerpoint/2010/main" val="2772349986"/>
+        <p14:creationId xmlns:p14="http://schemas.microsoft.com/office/powerpoint/2010/main" val="4207456944"/>
       </p:ext>
     </p:extLst>
   </p:cSld>
@@ -4211,7 +4297,7 @@
           <p:cNvPr id="2" name="Title 1">
             <a:extLst>
               <a:ext uri="{FF2B5EF4-FFF2-40B4-BE49-F238E27FC236}">
-                <a16:creationId xmlns:a16="http://schemas.microsoft.com/office/drawing/2014/main" id="{B2880514-D98A-3E4F-9079-AFFCE297BE21}"/>
+                <a16:creationId xmlns:a16="http://schemas.microsoft.com/office/drawing/2014/main" id="{8CD637BD-F6B4-D44B-9203-AAEB21D39517}"/>
               </a:ext>
             </a:extLst>
           </p:cNvPr>
@@ -4222,19 +4308,14 @@
             <p:ph type="title"/>
           </p:nvPr>
         </p:nvSpPr>
-        <p:spPr>
-          <a:xfrm>
-            <a:off x="838200" y="365126"/>
-            <a:ext cx="10515600" cy="1036292"/>
-          </a:xfrm>
-        </p:spPr>
+        <p:spPr/>
         <p:txBody>
           <a:bodyPr/>
           <a:lstStyle/>
           <a:p>
             <a:r>
               <a:rPr lang="en-US" dirty="0"/>
-              <a:t>Current programmer aids are weak</a:t>
+              <a:t>Approaches I rejected</a:t>
             </a:r>
           </a:p>
         </p:txBody>
@@ -4244,7 +4325,7 @@
           <p:cNvPr id="3" name="Content Placeholder 2">
             <a:extLst>
               <a:ext uri="{FF2B5EF4-FFF2-40B4-BE49-F238E27FC236}">
-                <a16:creationId xmlns:a16="http://schemas.microsoft.com/office/drawing/2014/main" id="{06B60634-1AE0-B648-AF40-9AABCB0EAE7B}"/>
+                <a16:creationId xmlns:a16="http://schemas.microsoft.com/office/drawing/2014/main" id="{E10EC835-BF2B-1843-BE57-05A33B8F9CED}"/>
               </a:ext>
             </a:extLst>
           </p:cNvPr>
@@ -4257,29 +4338,58 @@
         </p:nvSpPr>
         <p:spPr>
           <a:xfrm>
-            <a:off x="838200" y="1401417"/>
-            <a:ext cx="10515600" cy="4775546"/>
-          </a:xfrm>
-        </p:spPr>
-        <p:txBody>
-          <a:bodyPr/>
-          <a:lstStyle/>
-          <a:p>
-            <a:r>
-              <a:rPr lang="en-US" dirty="0"/>
-              <a:t>It's easy to lose track of matrix/tensor dimensionality in even simple expressions (even in statically-typed languages)</a:t>
-            </a:r>
-          </a:p>
-          <a:p>
-            <a:r>
-              <a:rPr lang="en-US" dirty="0"/>
-              <a:t>Upon error, we often get less than helpful exception messages</a:t>
-            </a:r>
-          </a:p>
-          <a:p>
-            <a:r>
-              <a:rPr lang="en-US" dirty="0"/>
-              <a:t>E.g., here's a sample NumPy message:</a:t>
+            <a:off x="838200" y="1825625"/>
+            <a:ext cx="5594022" cy="4351338"/>
+          </a:xfrm>
+        </p:spPr>
+        <p:txBody>
+          <a:bodyPr>
+            <a:normAutofit lnSpcReduction="10000"/>
+          </a:bodyPr>
+          <a:lstStyle/>
+          <a:p>
+            <a:r>
+              <a:rPr lang="en-US" dirty="0"/>
+              <a:t>Python decorators: would require wrapping user code in functions</a:t>
+            </a:r>
+          </a:p>
+          <a:p>
+            <a:r>
+              <a:rPr lang="en-US" dirty="0"/>
+              <a:t>Try/except blocks</a:t>
+            </a:r>
+          </a:p>
+          <a:p>
+            <a:r>
+              <a:rPr lang="en-US" dirty="0"/>
+              <a:t>Program rewriting is complex and requires a separate tool</a:t>
+            </a:r>
+          </a:p>
+          <a:p>
+            <a:r>
+              <a:rPr lang="en-US" dirty="0"/>
+              <a:t>Bytecode injection:</a:t>
+            </a:r>
+          </a:p>
+          <a:p>
+            <a:pPr lvl="1"/>
+            <a:r>
+              <a:rPr lang="en-US" dirty="0"/>
+              <a:t>slows down entire program </a:t>
+            </a:r>
+          </a:p>
+          <a:p>
+            <a:pPr lvl="1"/>
+            <a:r>
+              <a:rPr lang="en-US" dirty="0"/>
+              <a:t>could require huge cache of subexpression partial results</a:t>
+            </a:r>
+          </a:p>
+          <a:p>
+            <a:pPr lvl="1"/>
+            <a:r>
+              <a:rPr lang="en-US" dirty="0"/>
+              <a:t>function-level granularity</a:t>
             </a:r>
           </a:p>
           <a:p>
@@ -4287,42 +4397,122 @@
           </a:p>
         </p:txBody>
       </p:sp>
-      <p:pic>
-        <p:nvPicPr>
-          <p:cNvPr id="5" name="Picture 4">
-            <a:extLst>
-              <a:ext uri="{FF2B5EF4-FFF2-40B4-BE49-F238E27FC236}">
-                <a16:creationId xmlns:a16="http://schemas.microsoft.com/office/drawing/2014/main" id="{D4D9FB6D-05CB-704F-B08F-AC5234F99E9E}"/>
-              </a:ext>
-            </a:extLst>
-          </p:cNvPr>
-          <p:cNvPicPr>
-            <a:picLocks noChangeAspect="1"/>
-          </p:cNvPicPr>
+      <p:sp>
+        <p:nvSpPr>
+          <p:cNvPr id="4" name="Rectangle 3">
+            <a:extLst>
+              <a:ext uri="{FF2B5EF4-FFF2-40B4-BE49-F238E27FC236}">
+                <a16:creationId xmlns:a16="http://schemas.microsoft.com/office/drawing/2014/main" id="{02AD3AED-FE8C-104D-A07E-A5FF9FCDC772}"/>
+              </a:ext>
+            </a:extLst>
+          </p:cNvPr>
+          <p:cNvSpPr/>
           <p:nvPr/>
-        </p:nvPicPr>
-        <p:blipFill>
-          <a:blip r:embed="rId2"/>
-          <a:stretch>
-            <a:fillRect/>
-          </a:stretch>
-        </p:blipFill>
-        <p:spPr>
-          <a:xfrm>
-            <a:off x="1691380" y="3586163"/>
-            <a:ext cx="7340600" cy="2590800"/>
+        </p:nvSpPr>
+        <p:spPr>
+          <a:xfrm>
+            <a:off x="6432222" y="2297783"/>
+            <a:ext cx="5681221" cy="1815882"/>
           </a:xfrm>
           <a:prstGeom prst="rect">
             <a:avLst/>
           </a:prstGeom>
-        </p:spPr>
-      </p:pic>
-      <p:sp>
-        <p:nvSpPr>
-          <p:cNvPr id="6" name="TextBox 5">
-            <a:extLst>
-              <a:ext uri="{FF2B5EF4-FFF2-40B4-BE49-F238E27FC236}">
-                <a16:creationId xmlns:a16="http://schemas.microsoft.com/office/drawing/2014/main" id="{8436D1D9-357E-4F4E-85B6-52AB2A14B629}"/>
+          <a:ln>
+            <a:solidFill>
+              <a:schemeClr val="accent1"/>
+            </a:solidFill>
+          </a:ln>
+        </p:spPr>
+        <p:txBody>
+          <a:bodyPr wrap="square">
+            <a:spAutoFit/>
+          </a:bodyPr>
+          <a:lstStyle/>
+          <a:p>
+            <a:r>
+              <a:rPr lang="en-US" sz="2800" b="1" dirty="0">
+                <a:solidFill>
+                  <a:srgbClr val="000080"/>
+                </a:solidFill>
+                <a:latin typeface="Consolas" panose="020B0609020204030204" pitchFamily="49" charset="0"/>
+                <a:cs typeface="Consolas" panose="020B0609020204030204" pitchFamily="49" charset="0"/>
+              </a:rPr>
+              <a:t>try:</a:t>
+            </a:r>
+          </a:p>
+          <a:p>
+            <a:r>
+              <a:rPr lang="en-US" sz="2800" dirty="0">
+                <a:latin typeface="Consolas" panose="020B0609020204030204" pitchFamily="49" charset="0"/>
+                <a:cs typeface="Consolas" panose="020B0609020204030204" pitchFamily="49" charset="0"/>
+              </a:rPr>
+              <a:t>    … </a:t>
+            </a:r>
+            <a:r>
+              <a:rPr lang="en-US" sz="2800" i="1" dirty="0">
+                <a:latin typeface="Consolas" panose="020B0609020204030204" pitchFamily="49" charset="0"/>
+                <a:cs typeface="Consolas" panose="020B0609020204030204" pitchFamily="49" charset="0"/>
+              </a:rPr>
+              <a:t>my code </a:t>
+            </a:r>
+            <a:r>
+              <a:rPr lang="en-US" sz="2800" dirty="0">
+                <a:latin typeface="Consolas" panose="020B0609020204030204" pitchFamily="49" charset="0"/>
+                <a:cs typeface="Consolas" panose="020B0609020204030204" pitchFamily="49" charset="0"/>
+              </a:rPr>
+              <a:t>…</a:t>
+            </a:r>
+          </a:p>
+          <a:p>
+            <a:r>
+              <a:rPr lang="en-US" sz="2800" b="1" dirty="0">
+                <a:solidFill>
+                  <a:srgbClr val="000080"/>
+                </a:solidFill>
+                <a:latin typeface="Consolas" panose="020B0609020204030204" pitchFamily="49" charset="0"/>
+                <a:cs typeface="Consolas" panose="020B0609020204030204" pitchFamily="49" charset="0"/>
+              </a:rPr>
+              <a:t>except</a:t>
+            </a:r>
+            <a:r>
+              <a:rPr lang="en-US" sz="2800" dirty="0">
+                <a:latin typeface="Consolas" panose="020B0609020204030204" pitchFamily="49" charset="0"/>
+                <a:cs typeface="Consolas" panose="020B0609020204030204" pitchFamily="49" charset="0"/>
+              </a:rPr>
+              <a:t> Exception as e:</a:t>
+            </a:r>
+          </a:p>
+          <a:p>
+            <a:r>
+              <a:rPr lang="en-US" sz="2800" dirty="0">
+                <a:latin typeface="Consolas" panose="020B0609020204030204" pitchFamily="49" charset="0"/>
+                <a:cs typeface="Consolas" panose="020B0609020204030204" pitchFamily="49" charset="0"/>
+              </a:rPr>
+              <a:t>    </a:t>
+            </a:r>
+            <a:r>
+              <a:rPr lang="en-US" sz="2800" dirty="0" err="1">
+                <a:latin typeface="Consolas" panose="020B0609020204030204" pitchFamily="49" charset="0"/>
+                <a:cs typeface="Consolas" panose="020B0609020204030204" pitchFamily="49" charset="0"/>
+              </a:rPr>
+              <a:t>tsensor.do_everything</a:t>
+            </a:r>
+            <a:r>
+              <a:rPr lang="en-US" sz="2800" dirty="0">
+                <a:latin typeface="Consolas" panose="020B0609020204030204" pitchFamily="49" charset="0"/>
+                <a:cs typeface="Consolas" panose="020B0609020204030204" pitchFamily="49" charset="0"/>
+              </a:rPr>
+              <a:t>(e) </a:t>
+            </a:r>
+          </a:p>
+        </p:txBody>
+      </p:sp>
+      <p:sp>
+        <p:nvSpPr>
+          <p:cNvPr id="5" name="TextBox 4">
+            <a:extLst>
+              <a:ext uri="{FF2B5EF4-FFF2-40B4-BE49-F238E27FC236}">
+                <a16:creationId xmlns:a16="http://schemas.microsoft.com/office/drawing/2014/main" id="{C575FEBC-D901-AE47-A3BE-02013090ACB4}"/>
               </a:ext>
             </a:extLst>
           </p:cNvPr>
@@ -4331,8 +4521,8 @@
         </p:nvSpPr>
         <p:spPr>
           <a:xfrm>
-            <a:off x="9288811" y="4328242"/>
-            <a:ext cx="2064989" cy="1015663"/>
+            <a:off x="6519403" y="4196896"/>
+            <a:ext cx="5477782" cy="338554"/>
           </a:xfrm>
           <a:prstGeom prst="rect">
             <a:avLst/>
@@ -4346,17 +4536,133 @@
           <a:lstStyle/>
           <a:p>
             <a:r>
-              <a:rPr lang="en-US" sz="2000" i="1" dirty="0"/>
-              <a:t>Which operator?</a:t>
-            </a:r>
-          </a:p>
-          <a:p>
-            <a:endParaRPr lang="en-US" sz="2000" i="1" dirty="0"/>
-          </a:p>
-          <a:p>
-            <a:r>
-              <a:rPr lang="en-US" sz="2000" i="1" dirty="0"/>
-              <a:t>Which operand?</a:t>
+              <a:rPr lang="en-US" sz="1600" dirty="0"/>
+              <a:t>(might not be able to hide everything here, like reraising </a:t>
+            </a:r>
+            <a:r>
+              <a:rPr lang="en-US" sz="1600" b="1" dirty="0"/>
+              <a:t>e</a:t>
+            </a:r>
+            <a:r>
+              <a:rPr lang="en-US" sz="1600" dirty="0"/>
+              <a:t>)</a:t>
+            </a:r>
+          </a:p>
+        </p:txBody>
+      </p:sp>
+      <p:cxnSp>
+        <p:nvCxnSpPr>
+          <p:cNvPr id="6" name="Straight Arrow Connector 5">
+            <a:extLst>
+              <a:ext uri="{FF2B5EF4-FFF2-40B4-BE49-F238E27FC236}">
+                <a16:creationId xmlns:a16="http://schemas.microsoft.com/office/drawing/2014/main" id="{C9534B90-BBA8-E642-B611-3E3BE8833E31}"/>
+              </a:ext>
+            </a:extLst>
+          </p:cNvPr>
+          <p:cNvCxnSpPr>
+            <a:cxnSpLocks/>
+          </p:cNvCxnSpPr>
+          <p:nvPr/>
+        </p:nvCxnSpPr>
+        <p:spPr>
+          <a:xfrm flipV="1">
+            <a:off x="9597140" y="3972568"/>
+            <a:ext cx="0" cy="292542"/>
+          </a:xfrm>
+          <a:prstGeom prst="straightConnector1">
+            <a:avLst/>
+          </a:prstGeom>
+          <a:ln w="25400">
+            <a:tailEnd type="triangle"/>
+          </a:ln>
+        </p:spPr>
+        <p:style>
+          <a:lnRef idx="1">
+            <a:schemeClr val="accent1"/>
+          </a:lnRef>
+          <a:fillRef idx="0">
+            <a:schemeClr val="accent1"/>
+          </a:fillRef>
+          <a:effectRef idx="0">
+            <a:schemeClr val="accent1"/>
+          </a:effectRef>
+          <a:fontRef idx="minor">
+            <a:schemeClr val="tx1"/>
+          </a:fontRef>
+        </p:style>
+      </p:cxnSp>
+      <p:cxnSp>
+        <p:nvCxnSpPr>
+          <p:cNvPr id="7" name="Straight Arrow Connector 6">
+            <a:extLst>
+              <a:ext uri="{FF2B5EF4-FFF2-40B4-BE49-F238E27FC236}">
+                <a16:creationId xmlns:a16="http://schemas.microsoft.com/office/drawing/2014/main" id="{EC6C9322-75A1-EA43-8AD5-A7D0CEFF2AE0}"/>
+              </a:ext>
+            </a:extLst>
+          </p:cNvPr>
+          <p:cNvCxnSpPr>
+            <a:cxnSpLocks/>
+          </p:cNvCxnSpPr>
+          <p:nvPr/>
+        </p:nvCxnSpPr>
+        <p:spPr>
+          <a:xfrm>
+            <a:off x="4008616" y="3210879"/>
+            <a:ext cx="2307366" cy="0"/>
+          </a:xfrm>
+          <a:prstGeom prst="straightConnector1">
+            <a:avLst/>
+          </a:prstGeom>
+          <a:ln w="25400">
+            <a:tailEnd type="triangle"/>
+          </a:ln>
+        </p:spPr>
+        <p:style>
+          <a:lnRef idx="1">
+            <a:schemeClr val="accent1"/>
+          </a:lnRef>
+          <a:fillRef idx="0">
+            <a:schemeClr val="accent1"/>
+          </a:fillRef>
+          <a:effectRef idx="0">
+            <a:schemeClr val="accent1"/>
+          </a:effectRef>
+          <a:fontRef idx="minor">
+            <a:schemeClr val="tx1"/>
+          </a:fontRef>
+        </p:style>
+      </p:cxnSp>
+      <p:sp>
+        <p:nvSpPr>
+          <p:cNvPr id="9" name="TextBox 8">
+            <a:extLst>
+              <a:ext uri="{FF2B5EF4-FFF2-40B4-BE49-F238E27FC236}">
+                <a16:creationId xmlns:a16="http://schemas.microsoft.com/office/drawing/2014/main" id="{E9546F54-06DF-6E41-AA3F-7CADCD70DA0D}"/>
+              </a:ext>
+            </a:extLst>
+          </p:cNvPr>
+          <p:cNvSpPr txBox="1"/>
+          <p:nvPr/>
+        </p:nvSpPr>
+        <p:spPr>
+          <a:xfrm>
+            <a:off x="11588618" y="2017336"/>
+            <a:ext cx="697627" cy="707886"/>
+          </a:xfrm>
+          <a:prstGeom prst="rect">
+            <a:avLst/>
+          </a:prstGeom>
+          <a:noFill/>
+        </p:spPr>
+        <p:txBody>
+          <a:bodyPr wrap="none" rtlCol="0">
+            <a:spAutoFit/>
+          </a:bodyPr>
+          <a:lstStyle/>
+          <a:p>
+            <a:r>
+              <a:rPr lang="en-US" sz="4000" dirty="0"/>
+              <a:t>🤢</a:t>
             </a:r>
           </a:p>
         </p:txBody>
@@ -4364,7 +4670,7 @@
     </p:spTree>
     <p:extLst>
       <p:ext uri="{BB962C8B-B14F-4D97-AF65-F5344CB8AC3E}">
-        <p14:creationId xmlns:p14="http://schemas.microsoft.com/office/powerpoint/2010/main" val="3110574489"/>
+        <p14:creationId xmlns:p14="http://schemas.microsoft.com/office/powerpoint/2010/main" val="658349134"/>
       </p:ext>
     </p:extLst>
   </p:cSld>
@@ -4396,7 +4702,7 @@
           <p:cNvPr id="2" name="Title 1">
             <a:extLst>
               <a:ext uri="{FF2B5EF4-FFF2-40B4-BE49-F238E27FC236}">
-                <a16:creationId xmlns:a16="http://schemas.microsoft.com/office/drawing/2014/main" id="{9B24DD6E-ECEF-5549-A412-0E23470C342B}"/>
+                <a16:creationId xmlns:a16="http://schemas.microsoft.com/office/drawing/2014/main" id="{56556C72-B548-D541-9EFF-0667A6C9DABB}"/>
               </a:ext>
             </a:extLst>
           </p:cNvPr>
@@ -4409,444 +4715,49 @@
         </p:nvSpPr>
         <p:spPr/>
         <p:txBody>
-          <a:bodyPr>
-            <a:normAutofit/>
-          </a:bodyPr>
-          <a:lstStyle/>
-          <a:p>
-            <a:r>
-              <a:rPr lang="en-US" dirty="0"/>
-              <a:t>Clarifying errors</a:t>
-            </a:r>
-            <a:br>
-              <a:rPr lang="en-US" dirty="0"/>
-            </a:br>
-            <a:r>
-              <a:rPr lang="en-US" dirty="0"/>
-              <a:t>visually &amp; textually</a:t>
-            </a:r>
-          </a:p>
-        </p:txBody>
-      </p:sp>
-      <p:pic>
-        <p:nvPicPr>
-          <p:cNvPr id="5" name="Picture 4">
-            <a:extLst>
-              <a:ext uri="{FF2B5EF4-FFF2-40B4-BE49-F238E27FC236}">
-                <a16:creationId xmlns:a16="http://schemas.microsoft.com/office/drawing/2014/main" id="{76E7EF07-5536-B847-A3F4-85DD7161A5A6}"/>
-              </a:ext>
-            </a:extLst>
-          </p:cNvPr>
-          <p:cNvPicPr>
-            <a:picLocks noChangeAspect="1"/>
-          </p:cNvPicPr>
-          <p:nvPr/>
-        </p:nvPicPr>
-        <p:blipFill>
-          <a:blip r:embed="rId2"/>
-          <a:stretch>
-            <a:fillRect/>
-          </a:stretch>
-        </p:blipFill>
-        <p:spPr>
-          <a:xfrm>
-            <a:off x="696247" y="2676746"/>
-            <a:ext cx="4626665" cy="2055193"/>
-          </a:xfrm>
-          <a:prstGeom prst="rect">
-            <a:avLst/>
-          </a:prstGeom>
-        </p:spPr>
-      </p:pic>
-      <p:pic>
-        <p:nvPicPr>
-          <p:cNvPr id="7" name="Picture 6">
-            <a:extLst>
-              <a:ext uri="{FF2B5EF4-FFF2-40B4-BE49-F238E27FC236}">
-                <a16:creationId xmlns:a16="http://schemas.microsoft.com/office/drawing/2014/main" id="{E9A50E6B-4659-2049-A19B-0DF81CB120D5}"/>
-              </a:ext>
-            </a:extLst>
-          </p:cNvPr>
-          <p:cNvPicPr>
-            <a:picLocks noChangeAspect="1"/>
-          </p:cNvPicPr>
-          <p:nvPr/>
-        </p:nvPicPr>
-        <p:blipFill>
-          <a:blip r:embed="rId3"/>
-          <a:stretch>
-            <a:fillRect/>
-          </a:stretch>
-        </p:blipFill>
-        <p:spPr>
-          <a:xfrm>
-            <a:off x="5925931" y="681037"/>
-            <a:ext cx="6045200" cy="5384800"/>
-          </a:xfrm>
-          <a:prstGeom prst="rect">
-            <a:avLst/>
-          </a:prstGeom>
-        </p:spPr>
-      </p:pic>
-      <p:sp>
-        <p:nvSpPr>
-          <p:cNvPr id="8" name="Rectangle 7">
-            <a:extLst>
-              <a:ext uri="{FF2B5EF4-FFF2-40B4-BE49-F238E27FC236}">
-                <a16:creationId xmlns:a16="http://schemas.microsoft.com/office/drawing/2014/main" id="{D3159D01-63B7-7E4D-AE7E-C267F70BB539}"/>
-              </a:ext>
-            </a:extLst>
-          </p:cNvPr>
-          <p:cNvSpPr/>
-          <p:nvPr/>
-        </p:nvSpPr>
-        <p:spPr>
-          <a:xfrm>
-            <a:off x="27057" y="6426625"/>
-            <a:ext cx="4762842" cy="369332"/>
-          </a:xfrm>
-          <a:prstGeom prst="rect">
-            <a:avLst/>
-          </a:prstGeom>
-        </p:spPr>
-        <p:txBody>
-          <a:bodyPr wrap="none">
-            <a:spAutoFit/>
-          </a:bodyPr>
-          <a:lstStyle/>
-          <a:p>
-            <a:r>
-              <a:rPr lang="en-US" dirty="0">
-                <a:hlinkClick r:id="rId4"/>
-              </a:rPr>
-              <a:t>https://explained.ai/tensor-sensor/index.html</a:t>
-            </a:r>
-            <a:r>
-              <a:rPr lang="en-US" dirty="0"/>
-              <a:t> </a:t>
-            </a:r>
-          </a:p>
-        </p:txBody>
-      </p:sp>
-      <p:sp>
-        <p:nvSpPr>
-          <p:cNvPr id="10" name="Right Arrow 9">
-            <a:extLst>
-              <a:ext uri="{FF2B5EF4-FFF2-40B4-BE49-F238E27FC236}">
-                <a16:creationId xmlns:a16="http://schemas.microsoft.com/office/drawing/2014/main" id="{8B12D685-6B1A-604C-B2EA-FB6EE4739ACE}"/>
-              </a:ext>
-            </a:extLst>
-          </p:cNvPr>
-          <p:cNvSpPr/>
-          <p:nvPr/>
-        </p:nvSpPr>
-        <p:spPr>
-          <a:xfrm rot="1748416">
-            <a:off x="4773217" y="4414309"/>
-            <a:ext cx="1218510" cy="484632"/>
-          </a:xfrm>
-          <a:prstGeom prst="rightArrow">
-            <a:avLst/>
-          </a:prstGeom>
-          <a:solidFill>
-            <a:schemeClr val="accent1">
-              <a:lumMod val="60000"/>
-              <a:lumOff val="40000"/>
-            </a:schemeClr>
-          </a:solidFill>
-        </p:spPr>
-        <p:style>
-          <a:lnRef idx="2">
-            <a:schemeClr val="accent1">
-              <a:shade val="50000"/>
-            </a:schemeClr>
-          </a:lnRef>
-          <a:fillRef idx="1">
-            <a:schemeClr val="accent1"/>
-          </a:fillRef>
-          <a:effectRef idx="0">
-            <a:schemeClr val="accent1"/>
-          </a:effectRef>
-          <a:fontRef idx="minor">
-            <a:schemeClr val="lt1"/>
-          </a:fontRef>
-        </p:style>
-        <p:txBody>
-          <a:bodyPr rtlCol="0" anchor="ctr"/>
-          <a:lstStyle/>
-          <a:p>
-            <a:pPr algn="ctr"/>
-            <a:endParaRPr lang="en-US"/>
-          </a:p>
-        </p:txBody>
-      </p:sp>
-      <p:sp>
-        <p:nvSpPr>
-          <p:cNvPr id="11" name="Right Arrow 10">
-            <a:extLst>
-              <a:ext uri="{FF2B5EF4-FFF2-40B4-BE49-F238E27FC236}">
-                <a16:creationId xmlns:a16="http://schemas.microsoft.com/office/drawing/2014/main" id="{3D4CC8C8-A56F-0646-BBEA-F7E29FDA4EF9}"/>
-              </a:ext>
-            </a:extLst>
-          </p:cNvPr>
-          <p:cNvSpPr/>
-          <p:nvPr/>
-        </p:nvSpPr>
-        <p:spPr>
-          <a:xfrm rot="21344001">
-            <a:off x="3775995" y="2521964"/>
-            <a:ext cx="2217199" cy="484632"/>
-          </a:xfrm>
-          <a:prstGeom prst="rightArrow">
-            <a:avLst>
-              <a:gd name="adj1" fmla="val 53831"/>
-              <a:gd name="adj2" fmla="val 50000"/>
-            </a:avLst>
-          </a:prstGeom>
-          <a:solidFill>
-            <a:schemeClr val="accent1">
-              <a:lumMod val="60000"/>
-              <a:lumOff val="40000"/>
-            </a:schemeClr>
-          </a:solidFill>
-        </p:spPr>
-        <p:style>
-          <a:lnRef idx="2">
-            <a:schemeClr val="accent1">
-              <a:shade val="50000"/>
-            </a:schemeClr>
-          </a:lnRef>
-          <a:fillRef idx="1">
-            <a:schemeClr val="accent1"/>
-          </a:fillRef>
-          <a:effectRef idx="0">
-            <a:schemeClr val="accent1"/>
-          </a:effectRef>
-          <a:fontRef idx="minor">
-            <a:schemeClr val="lt1"/>
-          </a:fontRef>
-        </p:style>
-        <p:txBody>
-          <a:bodyPr rtlCol="0" anchor="ctr"/>
-          <a:lstStyle/>
-          <a:p>
-            <a:pPr algn="ctr"/>
-            <a:endParaRPr lang="en-US"/>
-          </a:p>
-        </p:txBody>
-      </p:sp>
-      <p:sp>
-        <p:nvSpPr>
-          <p:cNvPr id="13" name="Rectangle 12">
-            <a:extLst>
-              <a:ext uri="{FF2B5EF4-FFF2-40B4-BE49-F238E27FC236}">
-                <a16:creationId xmlns:a16="http://schemas.microsoft.com/office/drawing/2014/main" id="{8AA699DF-84B8-3541-97E5-7CBAE02B9D22}"/>
-              </a:ext>
-            </a:extLst>
-          </p:cNvPr>
-          <p:cNvSpPr/>
-          <p:nvPr/>
-        </p:nvSpPr>
-        <p:spPr>
-          <a:xfrm>
-            <a:off x="10731596" y="121028"/>
-            <a:ext cx="1460404" cy="1569660"/>
-          </a:xfrm>
-          <a:prstGeom prst="rect">
-            <a:avLst/>
-          </a:prstGeom>
-        </p:spPr>
-        <p:txBody>
-          <a:bodyPr wrap="square">
-            <a:spAutoFit/>
-          </a:bodyPr>
-          <a:lstStyle/>
-          <a:p>
-            <a:r>
-              <a:rPr lang="en-US" sz="9600" dirty="0"/>
-              <a:t>🎉</a:t>
-            </a:r>
-          </a:p>
-        </p:txBody>
-      </p:sp>
-      <p:sp>
-        <p:nvSpPr>
-          <p:cNvPr id="14" name="TextBox 13">
-            <a:extLst>
-              <a:ext uri="{FF2B5EF4-FFF2-40B4-BE49-F238E27FC236}">
-                <a16:creationId xmlns:a16="http://schemas.microsoft.com/office/drawing/2014/main" id="{384F2669-F6F1-D647-8FDE-0D3E2D463C0D}"/>
-              </a:ext>
-            </a:extLst>
-          </p:cNvPr>
-          <p:cNvSpPr txBox="1"/>
-          <p:nvPr/>
-        </p:nvSpPr>
-        <p:spPr>
-          <a:xfrm>
-            <a:off x="-160890" y="1917083"/>
-            <a:ext cx="1415772" cy="1569660"/>
-          </a:xfrm>
-          <a:prstGeom prst="rect">
-            <a:avLst/>
-          </a:prstGeom>
-          <a:noFill/>
-        </p:spPr>
-        <p:txBody>
-          <a:bodyPr wrap="none" rtlCol="0">
-            <a:spAutoFit/>
-          </a:bodyPr>
-          <a:lstStyle/>
-          <a:p>
-            <a:r>
-              <a:rPr lang="en-US" sz="9600" dirty="0"/>
-              <a:t>😿</a:t>
-            </a:r>
-          </a:p>
-        </p:txBody>
-      </p:sp>
-      <p:sp>
-        <p:nvSpPr>
-          <p:cNvPr id="15" name="Rectangle 14">
-            <a:extLst>
-              <a:ext uri="{FF2B5EF4-FFF2-40B4-BE49-F238E27FC236}">
-                <a16:creationId xmlns:a16="http://schemas.microsoft.com/office/drawing/2014/main" id="{75F85CD5-F246-CD48-AD14-72EEA7F4824E}"/>
-              </a:ext>
-            </a:extLst>
-          </p:cNvPr>
-          <p:cNvSpPr/>
-          <p:nvPr/>
-        </p:nvSpPr>
-        <p:spPr>
-          <a:xfrm>
-            <a:off x="5970442" y="1096186"/>
-            <a:ext cx="3697666" cy="409229"/>
-          </a:xfrm>
-          <a:prstGeom prst="rect">
-            <a:avLst/>
-          </a:prstGeom>
-          <a:noFill/>
-          <a:ln w="19050">
-            <a:solidFill>
-              <a:srgbClr val="E4754F"/>
-            </a:solidFill>
-          </a:ln>
-        </p:spPr>
-        <p:style>
-          <a:lnRef idx="2">
-            <a:schemeClr val="accent1">
-              <a:shade val="50000"/>
-            </a:schemeClr>
-          </a:lnRef>
-          <a:fillRef idx="1">
-            <a:schemeClr val="accent1"/>
-          </a:fillRef>
-          <a:effectRef idx="0">
-            <a:schemeClr val="accent1"/>
-          </a:effectRef>
-          <a:fontRef idx="minor">
-            <a:schemeClr val="lt1"/>
-          </a:fontRef>
-        </p:style>
-        <p:txBody>
-          <a:bodyPr rtlCol="0" anchor="ctr"/>
-          <a:lstStyle/>
-          <a:p>
-            <a:pPr algn="ctr"/>
-            <a:endParaRPr lang="en-US"/>
-          </a:p>
-        </p:txBody>
-      </p:sp>
-      <p:sp>
-        <p:nvSpPr>
-          <p:cNvPr id="16" name="TextBox 15">
-            <a:extLst>
-              <a:ext uri="{FF2B5EF4-FFF2-40B4-BE49-F238E27FC236}">
-                <a16:creationId xmlns:a16="http://schemas.microsoft.com/office/drawing/2014/main" id="{B1DAB5FF-703B-2D46-816F-8884997C77F6}"/>
-              </a:ext>
-            </a:extLst>
-          </p:cNvPr>
-          <p:cNvSpPr txBox="1"/>
-          <p:nvPr/>
-        </p:nvSpPr>
-        <p:spPr>
-          <a:xfrm>
-            <a:off x="2673242" y="5130883"/>
-            <a:ext cx="3274525" cy="646331"/>
-          </a:xfrm>
-          <a:prstGeom prst="rect">
-            <a:avLst/>
-          </a:prstGeom>
-          <a:noFill/>
-        </p:spPr>
-        <p:txBody>
-          <a:bodyPr wrap="square" rtlCol="0">
-            <a:spAutoFit/>
-          </a:bodyPr>
-          <a:lstStyle/>
-          <a:p>
-            <a:pPr lvl="1" algn="r"/>
+          <a:bodyPr/>
+          <a:lstStyle/>
+          <a:p>
             <a:r>
               <a:rPr lang="en-US" dirty="0" err="1"/>
               <a:t>TensorSensor</a:t>
             </a:r>
             <a:r>
               <a:rPr lang="en-US" dirty="0"/>
-              <a:t> augments</a:t>
-            </a:r>
-          </a:p>
-          <a:p>
-            <a:pPr lvl="1" algn="r"/>
-            <a:r>
-              <a:rPr lang="en-US" dirty="0"/>
-              <a:t>exception messages</a:t>
-            </a:r>
-          </a:p>
-        </p:txBody>
-      </p:sp>
-      <p:sp>
-        <p:nvSpPr>
-          <p:cNvPr id="17" name="TextBox 16">
-            <a:extLst>
-              <a:ext uri="{FF2B5EF4-FFF2-40B4-BE49-F238E27FC236}">
-                <a16:creationId xmlns:a16="http://schemas.microsoft.com/office/drawing/2014/main" id="{E9D29132-28FE-354C-A4A1-AA8A348A6A8C}"/>
-              </a:ext>
-            </a:extLst>
-          </p:cNvPr>
-          <p:cNvSpPr txBox="1"/>
-          <p:nvPr/>
-        </p:nvSpPr>
-        <p:spPr>
-          <a:xfrm>
-            <a:off x="8807040" y="2105837"/>
-            <a:ext cx="3274525" cy="1200329"/>
-          </a:xfrm>
-          <a:prstGeom prst="rect">
-            <a:avLst/>
-          </a:prstGeom>
-          <a:noFill/>
-        </p:spPr>
-        <p:txBody>
-          <a:bodyPr wrap="square" rtlCol="0">
-            <a:spAutoFit/>
-          </a:bodyPr>
-          <a:lstStyle/>
-          <a:p>
-            <a:pPr lvl="1"/>
-            <a:r>
-              <a:rPr lang="en-US" dirty="0" err="1"/>
-              <a:t>TensorSensor</a:t>
-            </a:r>
-            <a:r>
-              <a:rPr lang="en-US" dirty="0"/>
-              <a:t> generates visual cues to matrix dimensions and offending operator / operands</a:t>
-            </a:r>
+              <a:t> implementation</a:t>
+            </a:r>
+          </a:p>
+        </p:txBody>
+      </p:sp>
+      <p:sp>
+        <p:nvSpPr>
+          <p:cNvPr id="3" name="Text Placeholder 2">
+            <a:extLst>
+              <a:ext uri="{FF2B5EF4-FFF2-40B4-BE49-F238E27FC236}">
+                <a16:creationId xmlns:a16="http://schemas.microsoft.com/office/drawing/2014/main" id="{FAE4592F-C2B6-E04E-8A5A-F28EF3EA6048}"/>
+              </a:ext>
+            </a:extLst>
+          </p:cNvPr>
+          <p:cNvSpPr>
+            <a:spLocks noGrp="1"/>
+          </p:cNvSpPr>
+          <p:nvPr>
+            <p:ph type="body" idx="1"/>
+          </p:nvPr>
+        </p:nvSpPr>
+        <p:spPr/>
+        <p:txBody>
+          <a:bodyPr/>
+          <a:lstStyle/>
+          <a:p>
+            <a:endParaRPr lang="en-US"/>
           </a:p>
         </p:txBody>
       </p:sp>
     </p:spTree>
     <p:extLst>
       <p:ext uri="{BB962C8B-B14F-4D97-AF65-F5344CB8AC3E}">
-        <p14:creationId xmlns:p14="http://schemas.microsoft.com/office/powerpoint/2010/main" val="3451222615"/>
+        <p14:creationId xmlns:p14="http://schemas.microsoft.com/office/powerpoint/2010/main" val="204516122"/>
       </p:ext>
     </p:extLst>
   </p:cSld>
@@ -4878,7 +4789,7 @@
           <p:cNvPr id="2" name="Title 1">
             <a:extLst>
               <a:ext uri="{FF2B5EF4-FFF2-40B4-BE49-F238E27FC236}">
-                <a16:creationId xmlns:a16="http://schemas.microsoft.com/office/drawing/2014/main" id="{77C84AC9-6D68-B847-8432-35493E969DEB}"/>
+                <a16:creationId xmlns:a16="http://schemas.microsoft.com/office/drawing/2014/main" id="{ACB339FB-9A1C-5A4E-B920-A5114A541FAE}"/>
               </a:ext>
             </a:extLst>
           </p:cNvPr>
@@ -4889,24 +4800,157 @@
             <p:ph type="title"/>
           </p:nvPr>
         </p:nvSpPr>
-        <p:spPr/>
+        <p:spPr>
+          <a:xfrm>
+            <a:off x="838200" y="365126"/>
+            <a:ext cx="10515600" cy="916920"/>
+          </a:xfrm>
+        </p:spPr>
         <p:txBody>
           <a:bodyPr/>
           <a:lstStyle/>
           <a:p>
             <a:r>
-              <a:rPr lang="en-US" dirty="0"/>
-              <a:t>Requirement: support multiple libraries</a:t>
-            </a:r>
+              <a:rPr lang="en-US" dirty="0" err="1"/>
+              <a:t>Impl</a:t>
+            </a:r>
+            <a:r>
+              <a:rPr lang="en-US" dirty="0"/>
+              <a:t>. relies on “context manager” objects</a:t>
+            </a:r>
+          </a:p>
+        </p:txBody>
+      </p:sp>
+      <p:sp>
+        <p:nvSpPr>
+          <p:cNvPr id="3" name="Content Placeholder 2">
+            <a:extLst>
+              <a:ext uri="{FF2B5EF4-FFF2-40B4-BE49-F238E27FC236}">
+                <a16:creationId xmlns:a16="http://schemas.microsoft.com/office/drawing/2014/main" id="{0A0C09A6-32D3-734C-819A-877656E3D7D0}"/>
+              </a:ext>
+            </a:extLst>
+          </p:cNvPr>
+          <p:cNvSpPr>
+            <a:spLocks noGrp="1"/>
+          </p:cNvSpPr>
+          <p:nvPr>
+            <p:ph idx="1"/>
+          </p:nvPr>
+        </p:nvSpPr>
+        <p:spPr>
+          <a:xfrm>
+            <a:off x="838200" y="1423447"/>
+            <a:ext cx="10515600" cy="4753516"/>
+          </a:xfrm>
+        </p:spPr>
+        <p:txBody>
+          <a:bodyPr/>
+          <a:lstStyle/>
+          <a:p>
+            <a:r>
+              <a:rPr lang="en-US" dirty="0"/>
+              <a:t>Python "</a:t>
+            </a:r>
+            <a:r>
+              <a:rPr lang="en-US" b="1" dirty="0"/>
+              <a:t>with</a:t>
+            </a:r>
+            <a:r>
+              <a:rPr lang="en-US" dirty="0"/>
+              <a:t> </a:t>
+            </a:r>
+            <a:r>
+              <a:rPr lang="en-US" b="1" dirty="0"/>
+              <a:t>b</a:t>
+            </a:r>
+            <a:r>
+              <a:rPr lang="en-US" dirty="0"/>
+              <a:t>" blocks call </a:t>
+            </a:r>
+            <a:r>
+              <a:rPr lang="en-US" b="1" dirty="0"/>
+              <a:t>__enter__</a:t>
+            </a:r>
+            <a:r>
+              <a:rPr lang="en-US" dirty="0"/>
+              <a:t>(), </a:t>
+            </a:r>
+            <a:r>
+              <a:rPr lang="en-US" b="1" dirty="0"/>
+              <a:t>__exit__</a:t>
+            </a:r>
+            <a:r>
+              <a:rPr lang="en-US" dirty="0"/>
+              <a:t>() on object </a:t>
+            </a:r>
+            <a:r>
+              <a:rPr lang="en-US" b="1" dirty="0"/>
+              <a:t>b</a:t>
+            </a:r>
+            <a:r>
+              <a:rPr lang="en-US" dirty="0"/>
+              <a:t> and exit method receives exception object and execution stack</a:t>
+            </a:r>
+          </a:p>
+          <a:p>
+            <a:r>
+              <a:rPr lang="en-US" b="1" dirty="0"/>
+              <a:t>clarify() </a:t>
+            </a:r>
+            <a:r>
+              <a:rPr lang="en-US" dirty="0"/>
+              <a:t>needs the exception object to augment messages and the execution stack to obtain subexpression values, identify offending operator</a:t>
+            </a:r>
+          </a:p>
+          <a:p>
+            <a:r>
+              <a:rPr lang="en-US" b="1" dirty="0"/>
+              <a:t>__exit__</a:t>
+            </a:r>
+            <a:r>
+              <a:rPr lang="en-US" dirty="0"/>
+              <a:t>() can automatically gen visualization in notebook or pop-up a window if run outside a notebook</a:t>
+            </a:r>
+          </a:p>
+          <a:p>
+            <a:r>
+              <a:rPr lang="en-US" dirty="0"/>
+              <a:t>There’s no cost unless</a:t>
+            </a:r>
+            <a:br>
+              <a:rPr lang="en-US" dirty="0"/>
+            </a:br>
+            <a:r>
+              <a:rPr lang="en-US" dirty="0"/>
+              <a:t>exception occurs within</a:t>
+            </a:r>
+            <a:br>
+              <a:rPr lang="en-US" dirty="0"/>
+            </a:br>
+            <a:r>
+              <a:rPr lang="en-US" dirty="0"/>
+              <a:t>the </a:t>
+            </a:r>
+            <a:r>
+              <a:rPr lang="en-US" b="1" dirty="0"/>
+              <a:t>with</a:t>
+            </a:r>
+            <a:r>
+              <a:rPr lang="en-US" dirty="0"/>
+              <a:t> block</a:t>
+            </a:r>
+          </a:p>
+          <a:p>
+            <a:endParaRPr lang="en-US" dirty="0"/>
           </a:p>
         </p:txBody>
       </p:sp>
       <p:pic>
         <p:nvPicPr>
-          <p:cNvPr id="7" name="Picture 6">
-            <a:extLst>
-              <a:ext uri="{FF2B5EF4-FFF2-40B4-BE49-F238E27FC236}">
-                <a16:creationId xmlns:a16="http://schemas.microsoft.com/office/drawing/2014/main" id="{7747BABE-7A01-F341-8455-592CFA5A9D97}"/>
+          <p:cNvPr id="4" name="Picture 3" descr="Graphical user interface, text, application&#10;&#10;Description automatically generated">
+            <a:extLst>
+              <a:ext uri="{FF2B5EF4-FFF2-40B4-BE49-F238E27FC236}">
+                <a16:creationId xmlns:a16="http://schemas.microsoft.com/office/drawing/2014/main" id="{4640D0C1-3ACB-9947-8F41-2783B855C0B9}"/>
               </a:ext>
             </a:extLst>
           </p:cNvPr>
@@ -4923,225 +4967,18 @@
         </p:blipFill>
         <p:spPr>
           <a:xfrm>
-            <a:off x="355111" y="4170557"/>
-            <a:ext cx="5924464" cy="2071416"/>
+            <a:off x="6022850" y="4487159"/>
+            <a:ext cx="6169150" cy="2370841"/>
           </a:xfrm>
           <a:prstGeom prst="rect">
             <a:avLst/>
           </a:prstGeom>
         </p:spPr>
       </p:pic>
-      <p:pic>
-        <p:nvPicPr>
-          <p:cNvPr id="9" name="Picture 8">
-            <a:extLst>
-              <a:ext uri="{FF2B5EF4-FFF2-40B4-BE49-F238E27FC236}">
-                <a16:creationId xmlns:a16="http://schemas.microsoft.com/office/drawing/2014/main" id="{208FAAC5-76ED-994C-9D2D-B0132110E894}"/>
-              </a:ext>
-            </a:extLst>
-          </p:cNvPr>
-          <p:cNvPicPr>
-            <a:picLocks noChangeAspect="1"/>
-          </p:cNvPicPr>
-          <p:nvPr/>
-        </p:nvPicPr>
-        <p:blipFill>
-          <a:blip r:embed="rId3"/>
-          <a:stretch>
-            <a:fillRect/>
-          </a:stretch>
-        </p:blipFill>
-        <p:spPr>
-          <a:xfrm>
-            <a:off x="355111" y="1780884"/>
-            <a:ext cx="5837086" cy="2311613"/>
-          </a:xfrm>
-          <a:prstGeom prst="rect">
-            <a:avLst/>
-          </a:prstGeom>
-        </p:spPr>
-      </p:pic>
-      <p:pic>
-        <p:nvPicPr>
-          <p:cNvPr id="5" name="Content Placeholder 4">
-            <a:extLst>
-              <a:ext uri="{FF2B5EF4-FFF2-40B4-BE49-F238E27FC236}">
-                <a16:creationId xmlns:a16="http://schemas.microsoft.com/office/drawing/2014/main" id="{B6F23A89-C5A6-BB4E-85E5-1548EF9C3C36}"/>
-              </a:ext>
-            </a:extLst>
-          </p:cNvPr>
-          <p:cNvPicPr>
-            <a:picLocks noGrp="1" noChangeAspect="1"/>
-          </p:cNvPicPr>
-          <p:nvPr>
-            <p:ph idx="1"/>
-          </p:nvPr>
-        </p:nvPicPr>
-        <p:blipFill>
-          <a:blip r:embed="rId4"/>
-          <a:stretch>
-            <a:fillRect/>
-          </a:stretch>
-        </p:blipFill>
-        <p:spPr>
-          <a:xfrm>
-            <a:off x="5302665" y="1479938"/>
-            <a:ext cx="6775964" cy="4351338"/>
-          </a:xfrm>
-        </p:spPr>
-      </p:pic>
-      <p:sp>
-        <p:nvSpPr>
-          <p:cNvPr id="10" name="TextBox 9">
-            <a:extLst>
-              <a:ext uri="{FF2B5EF4-FFF2-40B4-BE49-F238E27FC236}">
-                <a16:creationId xmlns:a16="http://schemas.microsoft.com/office/drawing/2014/main" id="{A42E60A5-D452-ED43-BC7D-591A77D1B969}"/>
-              </a:ext>
-            </a:extLst>
-          </p:cNvPr>
-          <p:cNvSpPr txBox="1"/>
-          <p:nvPr/>
-        </p:nvSpPr>
-        <p:spPr>
-          <a:xfrm>
-            <a:off x="3712730" y="4092497"/>
-            <a:ext cx="655949" cy="400110"/>
-          </a:xfrm>
-          <a:prstGeom prst="rect">
-            <a:avLst/>
-          </a:prstGeom>
-          <a:noFill/>
-        </p:spPr>
-        <p:txBody>
-          <a:bodyPr wrap="none" rtlCol="0">
-            <a:spAutoFit/>
-          </a:bodyPr>
-          <a:lstStyle/>
-          <a:p>
-            <a:r>
-              <a:rPr lang="en-US" sz="2000" dirty="0"/>
-              <a:t>JAX</a:t>
-            </a:r>
-          </a:p>
-        </p:txBody>
-      </p:sp>
-      <p:sp>
-        <p:nvSpPr>
-          <p:cNvPr id="11" name="TextBox 10">
-            <a:extLst>
-              <a:ext uri="{FF2B5EF4-FFF2-40B4-BE49-F238E27FC236}">
-                <a16:creationId xmlns:a16="http://schemas.microsoft.com/office/drawing/2014/main" id="{E2EA0D2B-CD69-5142-BA08-2CA47B87614F}"/>
-              </a:ext>
-            </a:extLst>
-          </p:cNvPr>
-          <p:cNvSpPr txBox="1"/>
-          <p:nvPr/>
-        </p:nvSpPr>
-        <p:spPr>
-          <a:xfrm>
-            <a:off x="3484878" y="2143076"/>
-            <a:ext cx="1111651" cy="400110"/>
-          </a:xfrm>
-          <a:prstGeom prst="rect">
-            <a:avLst/>
-          </a:prstGeom>
-          <a:noFill/>
-        </p:spPr>
-        <p:txBody>
-          <a:bodyPr wrap="none" rtlCol="0">
-            <a:spAutoFit/>
-          </a:bodyPr>
-          <a:lstStyle/>
-          <a:p>
-            <a:r>
-              <a:rPr lang="en-US" sz="2000" dirty="0" err="1"/>
-              <a:t>PyTorch</a:t>
-            </a:r>
-            <a:endParaRPr lang="en-US" sz="2000" dirty="0"/>
-          </a:p>
-        </p:txBody>
-      </p:sp>
-      <p:sp>
-        <p:nvSpPr>
-          <p:cNvPr id="12" name="TextBox 11">
-            <a:extLst>
-              <a:ext uri="{FF2B5EF4-FFF2-40B4-BE49-F238E27FC236}">
-                <a16:creationId xmlns:a16="http://schemas.microsoft.com/office/drawing/2014/main" id="{ABD11DCF-9AEF-3747-BC6D-5988187F63AB}"/>
-              </a:ext>
-            </a:extLst>
-          </p:cNvPr>
-          <p:cNvSpPr txBox="1"/>
-          <p:nvPr/>
-        </p:nvSpPr>
-        <p:spPr>
-          <a:xfrm>
-            <a:off x="2935240" y="1399416"/>
-            <a:ext cx="2282997" cy="338554"/>
-          </a:xfrm>
-          <a:prstGeom prst="rect">
-            <a:avLst/>
-          </a:prstGeom>
-          <a:noFill/>
-        </p:spPr>
-        <p:txBody>
-          <a:bodyPr wrap="none" rtlCol="0">
-            <a:spAutoFit/>
-          </a:bodyPr>
-          <a:lstStyle/>
-          <a:p>
-            <a:r>
-              <a:rPr lang="en-US" sz="1600" dirty="0"/>
-              <a:t>(1D vectors are yellow)</a:t>
-            </a:r>
-          </a:p>
-        </p:txBody>
-      </p:sp>
-      <p:cxnSp>
-        <p:nvCxnSpPr>
-          <p:cNvPr id="14" name="Straight Arrow Connector 13">
-            <a:extLst>
-              <a:ext uri="{FF2B5EF4-FFF2-40B4-BE49-F238E27FC236}">
-                <a16:creationId xmlns:a16="http://schemas.microsoft.com/office/drawing/2014/main" id="{42225EDD-FD6B-D04C-B2A5-A10FAADCAEEB}"/>
-              </a:ext>
-            </a:extLst>
-          </p:cNvPr>
-          <p:cNvCxnSpPr>
-            <a:cxnSpLocks/>
-            <a:stCxn id="12" idx="2"/>
-          </p:cNvCxnSpPr>
-          <p:nvPr/>
-        </p:nvCxnSpPr>
-        <p:spPr>
-          <a:xfrm flipH="1">
-            <a:off x="2124975" y="1737970"/>
-            <a:ext cx="1951764" cy="514576"/>
-          </a:xfrm>
-          <a:prstGeom prst="straightConnector1">
-            <a:avLst/>
-          </a:prstGeom>
-          <a:ln>
-            <a:tailEnd type="triangle"/>
-          </a:ln>
-        </p:spPr>
-        <p:style>
-          <a:lnRef idx="1">
-            <a:schemeClr val="accent1"/>
-          </a:lnRef>
-          <a:fillRef idx="0">
-            <a:schemeClr val="accent1"/>
-          </a:fillRef>
-          <a:effectRef idx="0">
-            <a:schemeClr val="accent1"/>
-          </a:effectRef>
-          <a:fontRef idx="minor">
-            <a:schemeClr val="tx1"/>
-          </a:fontRef>
-        </p:style>
-      </p:cxnSp>
     </p:spTree>
     <p:extLst>
       <p:ext uri="{BB962C8B-B14F-4D97-AF65-F5344CB8AC3E}">
-        <p14:creationId xmlns:p14="http://schemas.microsoft.com/office/powerpoint/2010/main" val="2774779205"/>
+        <p14:creationId xmlns:p14="http://schemas.microsoft.com/office/powerpoint/2010/main" val="2164074136"/>
       </p:ext>
     </p:extLst>
   </p:cSld>
@@ -5173,7 +5010,7 @@
           <p:cNvPr id="2" name="Title 1">
             <a:extLst>
               <a:ext uri="{FF2B5EF4-FFF2-40B4-BE49-F238E27FC236}">
-                <a16:creationId xmlns:a16="http://schemas.microsoft.com/office/drawing/2014/main" id="{EFA03F30-D5AE-2840-A719-5DAA707A9CCC}"/>
+                <a16:creationId xmlns:a16="http://schemas.microsoft.com/office/drawing/2014/main" id="{837F6A9A-0A6B-B94F-8B91-6C23BBC5A946}"/>
               </a:ext>
             </a:extLst>
           </p:cNvPr>
@@ -5184,20 +5021,21 @@
             <p:ph type="title"/>
           </p:nvPr>
         </p:nvSpPr>
-        <p:spPr/>
+        <p:spPr>
+          <a:xfrm>
+            <a:off x="838199" y="365125"/>
+            <a:ext cx="10662501" cy="1325563"/>
+          </a:xfrm>
+        </p:spPr>
         <p:txBody>
           <a:bodyPr>
-            <a:normAutofit/>
+            <a:normAutofit fontScale="90000"/>
           </a:bodyPr>
           <a:lstStyle/>
           <a:p>
             <a:r>
-              <a:rPr lang="en-US" sz="4000" dirty="0"/>
-              <a:t>Requirement</a:t>
-            </a:r>
-            <a:r>
-              <a:rPr lang="en-US" sz="3900" dirty="0"/>
-              <a:t>: support complex expressions</a:t>
+              <a:rPr lang="en-US" dirty="0"/>
+              <a:t>Getting operator-level exceptions w/o bytecode instrumentation requires a total hack</a:t>
             </a:r>
           </a:p>
         </p:txBody>
@@ -5207,7 +5045,7 @@
           <p:cNvPr id="3" name="Content Placeholder 2">
             <a:extLst>
               <a:ext uri="{FF2B5EF4-FFF2-40B4-BE49-F238E27FC236}">
-                <a16:creationId xmlns:a16="http://schemas.microsoft.com/office/drawing/2014/main" id="{705AA235-7B6A-574D-81AE-DAE77D7E45AE}"/>
+                <a16:creationId xmlns:a16="http://schemas.microsoft.com/office/drawing/2014/main" id="{524F48FA-29F3-7C45-AEC9-CDAD6EE5405B}"/>
               </a:ext>
             </a:extLst>
           </p:cNvPr>
@@ -5220,124 +5058,77 @@
         </p:nvSpPr>
         <p:spPr/>
         <p:txBody>
-          <a:bodyPr/>
-          <a:lstStyle/>
-          <a:p>
-            <a:r>
-              <a:rPr lang="en-US" dirty="0"/>
-              <a:t>We need to know which operator and operands failed so we should highlight the offending elements:</a:t>
-            </a:r>
-          </a:p>
-          <a:p>
+          <a:bodyPr>
+            <a:normAutofit lnSpcReduction="10000"/>
+          </a:bodyPr>
+          <a:lstStyle/>
+          <a:p>
+            <a:r>
+              <a:rPr lang="en-US" dirty="0"/>
+              <a:t>We have: (1) the full execution stack and (2) the offending line of source code (</a:t>
+            </a:r>
+            <a:r>
+              <a:rPr lang="en-US" b="1" dirty="0" err="1"/>
+              <a:t>inspect.getframeinfo</a:t>
+            </a:r>
+            <a:r>
+              <a:rPr lang="en-US" b="1" dirty="0"/>
+              <a:t>()</a:t>
+            </a:r>
+            <a:r>
+              <a:rPr lang="en-US" dirty="0"/>
+              <a:t>)</a:t>
+            </a:r>
+          </a:p>
+          <a:p>
+            <a:r>
+              <a:rPr lang="en-US" dirty="0"/>
+              <a:t>To identify the individual operator and operands that triggered an exception, use brute-force:</a:t>
+            </a:r>
+          </a:p>
+          <a:p>
+            <a:pPr lvl="1"/>
+            <a:r>
+              <a:rPr lang="en-US" dirty="0"/>
+              <a:t>reevaluate each operation in the line, piece-by-piece, in proper order, and in the correct execution context (must pick correct stack frame)</a:t>
+            </a:r>
+          </a:p>
+          <a:p>
+            <a:r>
+              <a:rPr lang="en-US" dirty="0"/>
+              <a:t>Wait for an operator to cause an exception, report op/</a:t>
+            </a:r>
+            <a:r>
+              <a:rPr lang="en-US" dirty="0" err="1"/>
+              <a:t>opnds</a:t>
+            </a:r>
             <a:endParaRPr lang="en-US" dirty="0"/>
           </a:p>
           <a:p>
-            <a:endParaRPr lang="en-US" dirty="0"/>
-          </a:p>
-          <a:p>
-            <a:endParaRPr lang="en-US" dirty="0"/>
-          </a:p>
-          <a:p>
-            <a:endParaRPr lang="en-US" dirty="0"/>
-          </a:p>
-          <a:p>
-            <a:endParaRPr lang="en-US" dirty="0"/>
-          </a:p>
-          <a:p>
-            <a:r>
-              <a:rPr lang="en-US" dirty="0"/>
-              <a:t>(Oops: The columns of </a:t>
-            </a:r>
-            <a:r>
-              <a:rPr lang="en-US" dirty="0" err="1"/>
-              <a:t>Uxh</a:t>
-            </a:r>
-            <a:r>
-              <a:rPr lang="en-US" dirty="0"/>
-              <a:t>_ must match the rows of X.T)</a:t>
-            </a:r>
-          </a:p>
-        </p:txBody>
-      </p:sp>
-      <p:pic>
-        <p:nvPicPr>
-          <p:cNvPr id="6" name="Picture 5">
-            <a:extLst>
-              <a:ext uri="{FF2B5EF4-FFF2-40B4-BE49-F238E27FC236}">
-                <a16:creationId xmlns:a16="http://schemas.microsoft.com/office/drawing/2014/main" id="{F8EB4345-191D-1941-827D-07D7C6865F3E}"/>
-              </a:ext>
-            </a:extLst>
-          </p:cNvPr>
-          <p:cNvPicPr>
-            <a:picLocks noChangeAspect="1"/>
-          </p:cNvPicPr>
-          <p:nvPr/>
-        </p:nvPicPr>
-        <p:blipFill>
-          <a:blip r:embed="rId2"/>
-          <a:stretch>
-            <a:fillRect/>
-          </a:stretch>
-        </p:blipFill>
-        <p:spPr>
-          <a:xfrm>
-            <a:off x="838200" y="3073935"/>
-            <a:ext cx="9981676" cy="1504415"/>
-          </a:xfrm>
-          <a:prstGeom prst="rect">
-            <a:avLst/>
-          </a:prstGeom>
-        </p:spPr>
-      </p:pic>
-      <p:cxnSp>
-        <p:nvCxnSpPr>
-          <p:cNvPr id="8" name="Straight Arrow Connector 7">
-            <a:extLst>
-              <a:ext uri="{FF2B5EF4-FFF2-40B4-BE49-F238E27FC236}">
-                <a16:creationId xmlns:a16="http://schemas.microsoft.com/office/drawing/2014/main" id="{C7E79222-DA8B-664E-8073-9760043FF492}"/>
-              </a:ext>
-            </a:extLst>
-          </p:cNvPr>
-          <p:cNvCxnSpPr>
-            <a:cxnSpLocks/>
-          </p:cNvCxnSpPr>
-          <p:nvPr/>
-        </p:nvCxnSpPr>
-        <p:spPr>
-          <a:xfrm>
-            <a:off x="7954128" y="3676454"/>
-            <a:ext cx="424206" cy="320512"/>
-          </a:xfrm>
-          <a:prstGeom prst="straightConnector1">
-            <a:avLst/>
-          </a:prstGeom>
-          <a:ln>
-            <a:solidFill>
-              <a:srgbClr val="FF0000"/>
-            </a:solidFill>
-            <a:headEnd type="triangle"/>
-            <a:tailEnd type="triangle"/>
-          </a:ln>
-        </p:spPr>
-        <p:style>
-          <a:lnRef idx="1">
-            <a:schemeClr val="accent1"/>
-          </a:lnRef>
-          <a:fillRef idx="0">
-            <a:schemeClr val="accent1"/>
-          </a:fillRef>
-          <a:effectRef idx="0">
-            <a:schemeClr val="accent1"/>
-          </a:effectRef>
-          <a:fontRef idx="minor">
-            <a:schemeClr val="tx1"/>
-          </a:fontRef>
-        </p:style>
-      </p:cxnSp>
+            <a:r>
+              <a:rPr lang="en-US" dirty="0"/>
+              <a:t>Assumes side-effect free operations</a:t>
+            </a:r>
+          </a:p>
+          <a:p>
+            <a:r>
+              <a:rPr lang="en-US" dirty="0"/>
+              <a:t>Even if side-effecting, who cares (usually)?</a:t>
+            </a:r>
+            <a:br>
+              <a:rPr lang="en-US" dirty="0"/>
+            </a:br>
+            <a:r>
+              <a:rPr lang="en-US" dirty="0"/>
+              <a:t>The program is about to terminate</a:t>
+            </a:r>
+          </a:p>
+        </p:txBody>
+      </p:sp>
     </p:spTree>
     <p:extLst>
       <p:ext uri="{BB962C8B-B14F-4D97-AF65-F5344CB8AC3E}">
-        <p14:creationId xmlns:p14="http://schemas.microsoft.com/office/powerpoint/2010/main" val="1274102799"/>
+        <p14:creationId xmlns:p14="http://schemas.microsoft.com/office/powerpoint/2010/main" val="4145247834"/>
       </p:ext>
     </p:extLst>
   </p:cSld>
@@ -5369,7 +5160,7 @@
           <p:cNvPr id="2" name="Title 1">
             <a:extLst>
               <a:ext uri="{FF2B5EF4-FFF2-40B4-BE49-F238E27FC236}">
-                <a16:creationId xmlns:a16="http://schemas.microsoft.com/office/drawing/2014/main" id="{0CE0B5EA-3CA5-3A4F-AA86-13916C56BAC6}"/>
+                <a16:creationId xmlns:a16="http://schemas.microsoft.com/office/drawing/2014/main" id="{F7B71233-6082-A34D-891B-535438901B7C}"/>
               </a:ext>
             </a:extLst>
           </p:cNvPr>
@@ -5380,33 +5171,130 @@
             <p:ph type="title"/>
           </p:nvPr>
         </p:nvSpPr>
-        <p:spPr/>
+        <p:spPr>
+          <a:xfrm>
+            <a:off x="838200" y="365125"/>
+            <a:ext cx="10515600" cy="727285"/>
+          </a:xfrm>
+        </p:spPr>
         <p:txBody>
           <a:bodyPr/>
           <a:lstStyle/>
           <a:p>
             <a:r>
               <a:rPr lang="en-US" dirty="0"/>
-              <a:t>Requirement: support prebuilt layers</a:t>
-            </a:r>
-          </a:p>
-        </p:txBody>
-      </p:sp>
-      <p:pic>
-        <p:nvPicPr>
-          <p:cNvPr id="5" name="Content Placeholder 4">
-            <a:extLst>
-              <a:ext uri="{FF2B5EF4-FFF2-40B4-BE49-F238E27FC236}">
-                <a16:creationId xmlns:a16="http://schemas.microsoft.com/office/drawing/2014/main" id="{049270D4-2C43-A942-B59D-105C0C8BC584}"/>
-              </a:ext>
-            </a:extLst>
-          </p:cNvPr>
-          <p:cNvPicPr>
-            <a:picLocks noGrp="1" noChangeAspect="1"/>
-          </p:cNvPicPr>
+              <a:t>Reevaluation mechanism</a:t>
+            </a:r>
+          </a:p>
+        </p:txBody>
+      </p:sp>
+      <p:sp>
+        <p:nvSpPr>
+          <p:cNvPr id="3" name="Content Placeholder 2">
+            <a:extLst>
+              <a:ext uri="{FF2B5EF4-FFF2-40B4-BE49-F238E27FC236}">
+                <a16:creationId xmlns:a16="http://schemas.microsoft.com/office/drawing/2014/main" id="{5B71B924-17ED-DE4C-80CE-C6506A32A07D}"/>
+              </a:ext>
+            </a:extLst>
+          </p:cNvPr>
+          <p:cNvSpPr>
+            <a:spLocks noGrp="1"/>
+          </p:cNvSpPr>
           <p:nvPr>
             <p:ph idx="1"/>
           </p:nvPr>
+        </p:nvSpPr>
+        <p:spPr>
+          <a:xfrm>
+            <a:off x="754144" y="1230792"/>
+            <a:ext cx="5684363" cy="5262084"/>
+          </a:xfrm>
+        </p:spPr>
+        <p:txBody>
+          <a:bodyPr>
+            <a:normAutofit fontScale="92500" lnSpcReduction="20000"/>
+          </a:bodyPr>
+          <a:lstStyle/>
+          <a:p>
+            <a:r>
+              <a:rPr lang="en-US" dirty="0"/>
+              <a:t>First, check if exception is tensor-related or if exec stack descends into a known tensor lib</a:t>
+            </a:r>
+          </a:p>
+          <a:p>
+            <a:r>
+              <a:rPr lang="en-US" dirty="0"/>
+              <a:t>If so, scan stack to find and parse deepest </a:t>
+            </a:r>
+            <a:r>
+              <a:rPr lang="en-US" i="1" dirty="0"/>
+              <a:t>user-level</a:t>
+            </a:r>
+            <a:r>
+              <a:rPr lang="en-US" dirty="0"/>
+              <a:t> offending statement and build an appropriate AST with operators as subtree roots</a:t>
+            </a:r>
+          </a:p>
+          <a:p>
+            <a:r>
+              <a:rPr lang="en-US" dirty="0"/>
+              <a:t>Uses built-in Python tokenizer</a:t>
+            </a:r>
+          </a:p>
+          <a:p>
+            <a:r>
+              <a:rPr lang="en-US" dirty="0"/>
+              <a:t>Uses </a:t>
+            </a:r>
+            <a:r>
+              <a:rPr lang="en-US" dirty="0" err="1"/>
+              <a:t>handbuilt</a:t>
+            </a:r>
+            <a:r>
+              <a:rPr lang="en-US" dirty="0"/>
+              <a:t> Python parser for subset of statements / </a:t>
+            </a:r>
+            <a:r>
+              <a:rPr lang="en-US" dirty="0" err="1"/>
+              <a:t>exprs</a:t>
+            </a:r>
+            <a:endParaRPr lang="en-US" dirty="0"/>
+          </a:p>
+          <a:p>
+            <a:r>
+              <a:rPr lang="en-US" dirty="0"/>
+              <a:t>Avoided ANTLR to avoid introducing a lib dependency</a:t>
+            </a:r>
+          </a:p>
+          <a:p>
+            <a:r>
+              <a:rPr lang="en-US" dirty="0"/>
+              <a:t>Avoided built-in Python parser since reorg'ing its AST is same work as  rolling my own "</a:t>
+            </a:r>
+            <a:r>
+              <a:rPr lang="en-US" dirty="0" err="1"/>
+              <a:t>parrser</a:t>
+            </a:r>
+            <a:r>
+              <a:rPr lang="en-US" dirty="0"/>
+              <a:t>"</a:t>
+            </a:r>
+          </a:p>
+        </p:txBody>
+      </p:sp>
+      <p:pic>
+        <p:nvPicPr>
+          <p:cNvPr id="4" name="Picture 3">
+            <a:extLst>
+              <a:ext uri="{FF2B5EF4-FFF2-40B4-BE49-F238E27FC236}">
+                <a16:creationId xmlns:a16="http://schemas.microsoft.com/office/drawing/2014/main" id="{18CB3F87-D4DE-1940-8589-A9F959BA4C1D}"/>
+              </a:ext>
+            </a:extLst>
+          </p:cNvPr>
+          <p:cNvPicPr>
+            <a:picLocks noChangeAspect="1"/>
+          </p:cNvPicPr>
+          <p:nvPr/>
         </p:nvPicPr>
         <p:blipFill>
           <a:blip r:embed="rId2"/>
@@ -5416,17 +5304,20 @@
         </p:blipFill>
         <p:spPr>
           <a:xfrm>
-            <a:off x="470555" y="2015765"/>
-            <a:ext cx="11430000" cy="3810000"/>
-          </a:xfrm>
+            <a:off x="6438507" y="1230791"/>
+            <a:ext cx="5684363" cy="5084553"/>
+          </a:xfrm>
+          <a:prstGeom prst="rect">
+            <a:avLst/>
+          </a:prstGeom>
         </p:spPr>
       </p:pic>
       <p:sp>
         <p:nvSpPr>
-          <p:cNvPr id="6" name="TextBox 5">
-            <a:extLst>
-              <a:ext uri="{FF2B5EF4-FFF2-40B4-BE49-F238E27FC236}">
-                <a16:creationId xmlns:a16="http://schemas.microsoft.com/office/drawing/2014/main" id="{028159BF-D9BD-C646-8CF4-26F3587FA465}"/>
+          <p:cNvPr id="5" name="TextBox 4">
+            <a:extLst>
+              <a:ext uri="{FF2B5EF4-FFF2-40B4-BE49-F238E27FC236}">
+                <a16:creationId xmlns:a16="http://schemas.microsoft.com/office/drawing/2014/main" id="{8054C3C1-F0F7-4C4F-B069-ED50342BA779}"/>
               </a:ext>
             </a:extLst>
           </p:cNvPr>
@@ -5435,8 +5326,8 @@
         </p:nvSpPr>
         <p:spPr>
           <a:xfrm>
-            <a:off x="8239023" y="5916150"/>
-            <a:ext cx="3716082" cy="400110"/>
+            <a:off x="5203596" y="4490414"/>
+            <a:ext cx="697627" cy="707886"/>
           </a:xfrm>
           <a:prstGeom prst="rect">
             <a:avLst/>
@@ -5450,59 +5341,18 @@
           <a:lstStyle/>
           <a:p>
             <a:r>
-              <a:rPr lang="en-US" sz="2000" dirty="0"/>
-              <a:t>(Note unhelpful C++ reference)</a:t>
-            </a:r>
-          </a:p>
-        </p:txBody>
-      </p:sp>
-      <p:cxnSp>
-        <p:nvCxnSpPr>
-          <p:cNvPr id="8" name="Straight Arrow Connector 7">
-            <a:extLst>
-              <a:ext uri="{FF2B5EF4-FFF2-40B4-BE49-F238E27FC236}">
-                <a16:creationId xmlns:a16="http://schemas.microsoft.com/office/drawing/2014/main" id="{01B00707-C191-1748-9F05-CAF700936A42}"/>
-              </a:ext>
-            </a:extLst>
-          </p:cNvPr>
-          <p:cNvCxnSpPr>
-            <a:cxnSpLocks/>
-          </p:cNvCxnSpPr>
-          <p:nvPr/>
-        </p:nvCxnSpPr>
-        <p:spPr>
-          <a:xfrm flipV="1">
-            <a:off x="10624008" y="5354427"/>
-            <a:ext cx="0" cy="552296"/>
-          </a:xfrm>
-          <a:prstGeom prst="straightConnector1">
-            <a:avLst/>
-          </a:prstGeom>
-          <a:ln w="12700">
-            <a:tailEnd type="triangle"/>
-          </a:ln>
-        </p:spPr>
-        <p:style>
-          <a:lnRef idx="1">
-            <a:schemeClr val="accent1"/>
-          </a:lnRef>
-          <a:fillRef idx="0">
-            <a:schemeClr val="accent1"/>
-          </a:fillRef>
-          <a:effectRef idx="0">
-            <a:schemeClr val="accent1"/>
-          </a:effectRef>
-          <a:fontRef idx="minor">
-            <a:schemeClr val="tx1"/>
-          </a:fontRef>
-        </p:style>
-      </p:cxnSp>
-      <p:sp>
-        <p:nvSpPr>
-          <p:cNvPr id="13" name="TextBox 12">
-            <a:extLst>
-              <a:ext uri="{FF2B5EF4-FFF2-40B4-BE49-F238E27FC236}">
-                <a16:creationId xmlns:a16="http://schemas.microsoft.com/office/drawing/2014/main" id="{2E3970E6-EDF8-7249-9D44-57518ACAF043}"/>
+              <a:rPr lang="en-US" sz="4000" dirty="0"/>
+              <a:t>🤣</a:t>
+            </a:r>
+          </a:p>
+        </p:txBody>
+      </p:sp>
+      <p:sp>
+        <p:nvSpPr>
+          <p:cNvPr id="6" name="TextBox 5">
+            <a:extLst>
+              <a:ext uri="{FF2B5EF4-FFF2-40B4-BE49-F238E27FC236}">
+                <a16:creationId xmlns:a16="http://schemas.microsoft.com/office/drawing/2014/main" id="{9DD1F523-A5A5-9C40-A885-FA7BC77C7326}"/>
               </a:ext>
             </a:extLst>
           </p:cNvPr>
@@ -5511,8 +5361,8 @@
         </p:nvSpPr>
         <p:spPr>
           <a:xfrm>
-            <a:off x="2441541" y="1341164"/>
-            <a:ext cx="7069564" cy="461665"/>
+            <a:off x="8832916" y="5442543"/>
+            <a:ext cx="3065968" cy="369332"/>
           </a:xfrm>
           <a:prstGeom prst="rect">
             <a:avLst/>
@@ -5526,152 +5376,24 @@
           <a:lstStyle/>
           <a:p>
             <a:r>
-              <a:rPr lang="en-US" sz="2400" dirty="0"/>
-              <a:t>Should highlight error in user code not library code</a:t>
-            </a:r>
-          </a:p>
-        </p:txBody>
-      </p:sp>
-      <p:sp>
-        <p:nvSpPr>
-          <p:cNvPr id="16" name="TextBox 15">
-            <a:extLst>
-              <a:ext uri="{FF2B5EF4-FFF2-40B4-BE49-F238E27FC236}">
-                <a16:creationId xmlns:a16="http://schemas.microsoft.com/office/drawing/2014/main" id="{FB7EF574-B296-CC4D-823B-6F51ABE8A4AF}"/>
-              </a:ext>
-            </a:extLst>
-          </p:cNvPr>
-          <p:cNvSpPr txBox="1"/>
-          <p:nvPr/>
-        </p:nvSpPr>
-        <p:spPr>
-          <a:xfrm>
-            <a:off x="2659926" y="6150842"/>
-            <a:ext cx="4243919" cy="400110"/>
-          </a:xfrm>
-          <a:prstGeom prst="rect">
-            <a:avLst/>
-          </a:prstGeom>
-          <a:noFill/>
-        </p:spPr>
-        <p:txBody>
-          <a:bodyPr wrap="none" rtlCol="0">
-            <a:spAutoFit/>
-          </a:bodyPr>
-          <a:lstStyle/>
-          <a:p>
-            <a:r>
-              <a:rPr lang="en-US" sz="2000" dirty="0"/>
-              <a:t>(</a:t>
-            </a:r>
-            <a:r>
-              <a:rPr lang="en-US" sz="2000" dirty="0" err="1"/>
+              <a:rPr lang="en-US" dirty="0"/>
+              <a:t>(also from </a:t>
+            </a:r>
+            <a:r>
+              <a:rPr lang="en-US" dirty="0" err="1"/>
               <a:t>TensorSensor</a:t>
             </a:r>
             <a:r>
-              <a:rPr lang="en-US" sz="2000" dirty="0"/>
-              <a:t> augments message)</a:t>
-            </a:r>
-          </a:p>
-        </p:txBody>
-      </p:sp>
-      <p:cxnSp>
-        <p:nvCxnSpPr>
-          <p:cNvPr id="17" name="Straight Arrow Connector 16">
-            <a:extLst>
-              <a:ext uri="{FF2B5EF4-FFF2-40B4-BE49-F238E27FC236}">
-                <a16:creationId xmlns:a16="http://schemas.microsoft.com/office/drawing/2014/main" id="{1BF3CD1B-39ED-2A4D-A626-415E11984577}"/>
-              </a:ext>
-            </a:extLst>
-          </p:cNvPr>
-          <p:cNvCxnSpPr>
-            <a:cxnSpLocks/>
-          </p:cNvCxnSpPr>
-          <p:nvPr/>
-        </p:nvCxnSpPr>
-        <p:spPr>
-          <a:xfrm flipV="1">
-            <a:off x="4469876" y="5663201"/>
-            <a:ext cx="0" cy="552296"/>
-          </a:xfrm>
-          <a:prstGeom prst="straightConnector1">
-            <a:avLst/>
-          </a:prstGeom>
-          <a:ln>
-            <a:tailEnd type="triangle"/>
-          </a:ln>
-        </p:spPr>
-        <p:style>
-          <a:lnRef idx="1">
-            <a:schemeClr val="accent1"/>
-          </a:lnRef>
-          <a:fillRef idx="0">
-            <a:schemeClr val="accent1"/>
-          </a:fillRef>
-          <a:effectRef idx="0">
-            <a:schemeClr val="accent1"/>
-          </a:effectRef>
-          <a:fontRef idx="minor">
-            <a:schemeClr val="tx1"/>
-          </a:fontRef>
-        </p:style>
-      </p:cxnSp>
-      <p:sp>
-        <p:nvSpPr>
-          <p:cNvPr id="18" name="Rectangle 17">
-            <a:extLst>
-              <a:ext uri="{FF2B5EF4-FFF2-40B4-BE49-F238E27FC236}">
-                <a16:creationId xmlns:a16="http://schemas.microsoft.com/office/drawing/2014/main" id="{E7D962A7-65AA-674E-BA51-F8F563D3F624}"/>
-              </a:ext>
-            </a:extLst>
-          </p:cNvPr>
-          <p:cNvSpPr/>
-          <p:nvPr/>
-        </p:nvSpPr>
-        <p:spPr>
-          <a:xfrm>
-            <a:off x="4034672" y="5392135"/>
-            <a:ext cx="6457361" cy="271066"/>
-          </a:xfrm>
-          <a:prstGeom prst="rect">
-            <a:avLst/>
-          </a:prstGeom>
-          <a:noFill/>
-          <a:ln>
-            <a:solidFill>
-              <a:srgbClr val="FF0000"/>
-            </a:solidFill>
-          </a:ln>
-        </p:spPr>
-        <p:style>
-          <a:lnRef idx="2">
-            <a:schemeClr val="accent1">
-              <a:shade val="50000"/>
-            </a:schemeClr>
-          </a:lnRef>
-          <a:fillRef idx="1">
-            <a:schemeClr val="accent1"/>
-          </a:fillRef>
-          <a:effectRef idx="0">
-            <a:schemeClr val="accent1"/>
-          </a:effectRef>
-          <a:fontRef idx="minor">
-            <a:schemeClr val="lt1"/>
-          </a:fontRef>
-        </p:style>
-        <p:txBody>
-          <a:bodyPr rtlCol="0" anchor="ctr"/>
-          <a:lstStyle/>
-          <a:p>
-            <a:pPr algn="ctr"/>
-            <a:endParaRPr lang="en-US"/>
+              <a:rPr lang="en-US" dirty="0"/>
+              <a:t> lib)</a:t>
+            </a:r>
           </a:p>
         </p:txBody>
       </p:sp>
     </p:spTree>
     <p:extLst>
       <p:ext uri="{BB962C8B-B14F-4D97-AF65-F5344CB8AC3E}">
-        <p14:creationId xmlns:p14="http://schemas.microsoft.com/office/powerpoint/2010/main" val="3618322039"/>
+        <p14:creationId xmlns:p14="http://schemas.microsoft.com/office/powerpoint/2010/main" val="26650210"/>
       </p:ext>
     </p:extLst>
   </p:cSld>
@@ -5703,7 +5425,7 @@
           <p:cNvPr id="2" name="Title 1">
             <a:extLst>
               <a:ext uri="{FF2B5EF4-FFF2-40B4-BE49-F238E27FC236}">
-                <a16:creationId xmlns:a16="http://schemas.microsoft.com/office/drawing/2014/main" id="{414E8CDF-97F8-BA4F-995B-9E79802D7E0F}"/>
+                <a16:creationId xmlns:a16="http://schemas.microsoft.com/office/drawing/2014/main" id="{F7B71233-6082-A34D-891B-535438901B7C}"/>
               </a:ext>
             </a:extLst>
           </p:cNvPr>
@@ -5714,33 +5436,105 @@
             <p:ph type="title"/>
           </p:nvPr>
         </p:nvSpPr>
-        <p:spPr/>
+        <p:spPr>
+          <a:xfrm>
+            <a:off x="838200" y="365125"/>
+            <a:ext cx="10515600" cy="727285"/>
+          </a:xfrm>
+        </p:spPr>
         <p:txBody>
           <a:bodyPr/>
           <a:lstStyle/>
           <a:p>
             <a:r>
               <a:rPr lang="en-US" dirty="0"/>
-              <a:t>Requirement: explain code w/o errors</a:t>
-            </a:r>
-          </a:p>
-        </p:txBody>
-      </p:sp>
-      <p:pic>
-        <p:nvPicPr>
-          <p:cNvPr id="5" name="Content Placeholder 4">
-            <a:extLst>
-              <a:ext uri="{FF2B5EF4-FFF2-40B4-BE49-F238E27FC236}">
-                <a16:creationId xmlns:a16="http://schemas.microsoft.com/office/drawing/2014/main" id="{F62B8AAC-7B21-4946-A6A9-8B21D5E03563}"/>
-              </a:ext>
-            </a:extLst>
-          </p:cNvPr>
-          <p:cNvPicPr>
-            <a:picLocks noGrp="1" noChangeAspect="1"/>
-          </p:cNvPicPr>
+              <a:t>Reevaluation mechanism continued</a:t>
+            </a:r>
+          </a:p>
+        </p:txBody>
+      </p:sp>
+      <p:sp>
+        <p:nvSpPr>
+          <p:cNvPr id="3" name="Content Placeholder 2">
+            <a:extLst>
+              <a:ext uri="{FF2B5EF4-FFF2-40B4-BE49-F238E27FC236}">
+                <a16:creationId xmlns:a16="http://schemas.microsoft.com/office/drawing/2014/main" id="{5B71B924-17ED-DE4C-80CE-C6506A32A07D}"/>
+              </a:ext>
+            </a:extLst>
+          </p:cNvPr>
+          <p:cNvSpPr>
+            <a:spLocks noGrp="1"/>
+          </p:cNvSpPr>
           <p:nvPr>
             <p:ph idx="1"/>
           </p:nvPr>
+        </p:nvSpPr>
+        <p:spPr>
+          <a:xfrm>
+            <a:off x="584462" y="1230791"/>
+            <a:ext cx="5854045" cy="5222934"/>
+          </a:xfrm>
+        </p:spPr>
+        <p:txBody>
+          <a:bodyPr>
+            <a:normAutofit/>
+          </a:bodyPr>
+          <a:lstStyle/>
+          <a:p>
+            <a:r>
+              <a:rPr lang="en-US" dirty="0"/>
+              <a:t>Evaluate operators of AST bottom-up in proper exec order</a:t>
+            </a:r>
+          </a:p>
+          <a:p>
+            <a:r>
+              <a:rPr lang="en-US" dirty="0"/>
+              <a:t>Call </a:t>
+            </a:r>
+            <a:r>
+              <a:rPr lang="en-US" b="1" dirty="0"/>
+              <a:t>eval()</a:t>
+            </a:r>
+            <a:r>
+              <a:rPr lang="en-US" dirty="0"/>
+              <a:t> on Python source of subexpressions using the appropriate execution contexts, saving results in associated nodes</a:t>
+            </a:r>
+          </a:p>
+          <a:p>
+            <a:r>
+              <a:rPr lang="en-US" dirty="0"/>
+              <a:t>Trap and absorb exception from </a:t>
+            </a:r>
+            <a:r>
+              <a:rPr lang="en-US" b="1" dirty="0"/>
+              <a:t>eval()</a:t>
+            </a:r>
+            <a:r>
+              <a:rPr lang="en-US" dirty="0"/>
+              <a:t>, record that exception and offending AST node</a:t>
+            </a:r>
+          </a:p>
+          <a:p>
+            <a:r>
+              <a:rPr lang="en-US" dirty="0"/>
+              <a:t>Augment original exception message with info derived this new exception, op, operands</a:t>
+            </a:r>
+          </a:p>
+        </p:txBody>
+      </p:sp>
+      <p:pic>
+        <p:nvPicPr>
+          <p:cNvPr id="4" name="Picture 3">
+            <a:extLst>
+              <a:ext uri="{FF2B5EF4-FFF2-40B4-BE49-F238E27FC236}">
+                <a16:creationId xmlns:a16="http://schemas.microsoft.com/office/drawing/2014/main" id="{18CB3F87-D4DE-1940-8589-A9F959BA4C1D}"/>
+              </a:ext>
+            </a:extLst>
+          </p:cNvPr>
+          <p:cNvPicPr>
+            <a:picLocks noChangeAspect="1"/>
+          </p:cNvPicPr>
+          <p:nvPr/>
         </p:nvPicPr>
         <p:blipFill>
           <a:blip r:embed="rId2"/>
@@ -5750,359 +5544,18 @@
         </p:blipFill>
         <p:spPr>
           <a:xfrm>
-            <a:off x="361494" y="1690688"/>
-            <a:ext cx="3733800" cy="2120900"/>
-          </a:xfrm>
-        </p:spPr>
-      </p:pic>
-      <p:pic>
-        <p:nvPicPr>
-          <p:cNvPr id="7" name="Picture 6">
-            <a:extLst>
-              <a:ext uri="{FF2B5EF4-FFF2-40B4-BE49-F238E27FC236}">
-                <a16:creationId xmlns:a16="http://schemas.microsoft.com/office/drawing/2014/main" id="{F608205B-45C4-2349-BC49-9E88A9AC5BFC}"/>
-              </a:ext>
-            </a:extLst>
-          </p:cNvPr>
-          <p:cNvPicPr>
-            <a:picLocks noChangeAspect="1"/>
-          </p:cNvPicPr>
-          <p:nvPr/>
-        </p:nvPicPr>
-        <p:blipFill>
-          <a:blip r:embed="rId3"/>
-          <a:stretch>
-            <a:fillRect/>
-          </a:stretch>
-        </p:blipFill>
-        <p:spPr>
-          <a:xfrm>
-            <a:off x="7759504" y="3082302"/>
-            <a:ext cx="2578100" cy="1219200"/>
+            <a:off x="6438507" y="1230791"/>
+            <a:ext cx="5684363" cy="5084553"/>
           </a:xfrm>
           <a:prstGeom prst="rect">
             <a:avLst/>
           </a:prstGeom>
         </p:spPr>
       </p:pic>
-      <p:pic>
-        <p:nvPicPr>
-          <p:cNvPr id="9" name="Picture 8">
-            <a:extLst>
-              <a:ext uri="{FF2B5EF4-FFF2-40B4-BE49-F238E27FC236}">
-                <a16:creationId xmlns:a16="http://schemas.microsoft.com/office/drawing/2014/main" id="{206D3E3A-529F-734E-A101-BA4130C4BBD2}"/>
-              </a:ext>
-            </a:extLst>
-          </p:cNvPr>
-          <p:cNvPicPr>
-            <a:picLocks noChangeAspect="1"/>
-          </p:cNvPicPr>
-          <p:nvPr/>
-        </p:nvPicPr>
-        <p:blipFill>
-          <a:blip r:embed="rId4"/>
-          <a:stretch>
-            <a:fillRect/>
-          </a:stretch>
-        </p:blipFill>
-        <p:spPr>
-          <a:xfrm>
-            <a:off x="7029254" y="1804447"/>
-            <a:ext cx="4038600" cy="812800"/>
-          </a:xfrm>
-          <a:prstGeom prst="rect">
-            <a:avLst/>
-          </a:prstGeom>
-        </p:spPr>
-      </p:pic>
-      <p:sp>
-        <p:nvSpPr>
-          <p:cNvPr id="10" name="Rectangle 9">
-            <a:extLst>
-              <a:ext uri="{FF2B5EF4-FFF2-40B4-BE49-F238E27FC236}">
-                <a16:creationId xmlns:a16="http://schemas.microsoft.com/office/drawing/2014/main" id="{0DDF4ACC-206E-644A-ABE0-2F61642F6F62}"/>
-              </a:ext>
-            </a:extLst>
-          </p:cNvPr>
-          <p:cNvSpPr/>
-          <p:nvPr/>
-        </p:nvSpPr>
-        <p:spPr>
-          <a:xfrm>
-            <a:off x="510100" y="1690688"/>
-            <a:ext cx="3585194" cy="330257"/>
-          </a:xfrm>
-          <a:prstGeom prst="rect">
-            <a:avLst/>
-          </a:prstGeom>
-          <a:noFill/>
-          <a:ln w="19050">
-            <a:solidFill>
-              <a:srgbClr val="E4754F"/>
-            </a:solidFill>
-          </a:ln>
-        </p:spPr>
-        <p:style>
-          <a:lnRef idx="2">
-            <a:schemeClr val="accent1">
-              <a:shade val="50000"/>
-            </a:schemeClr>
-          </a:lnRef>
-          <a:fillRef idx="1">
-            <a:schemeClr val="accent1"/>
-          </a:fillRef>
-          <a:effectRef idx="0">
-            <a:schemeClr val="accent1"/>
-          </a:effectRef>
-          <a:fontRef idx="minor">
-            <a:schemeClr val="lt1"/>
-          </a:fontRef>
-        </p:style>
-        <p:txBody>
-          <a:bodyPr rtlCol="0" anchor="ctr"/>
-          <a:lstStyle/>
-          <a:p>
-            <a:pPr algn="ctr"/>
-            <a:endParaRPr lang="en-US"/>
-          </a:p>
-        </p:txBody>
-      </p:sp>
-      <p:pic>
-        <p:nvPicPr>
-          <p:cNvPr id="12" name="Picture 11">
-            <a:extLst>
-              <a:ext uri="{FF2B5EF4-FFF2-40B4-BE49-F238E27FC236}">
-                <a16:creationId xmlns:a16="http://schemas.microsoft.com/office/drawing/2014/main" id="{920D7AB4-496D-C34D-AFB3-46ACAA75E25F}"/>
-              </a:ext>
-            </a:extLst>
-          </p:cNvPr>
-          <p:cNvPicPr>
-            <a:picLocks noChangeAspect="1"/>
-          </p:cNvPicPr>
-          <p:nvPr/>
-        </p:nvPicPr>
-        <p:blipFill>
-          <a:blip r:embed="rId5"/>
-          <a:stretch>
-            <a:fillRect/>
-          </a:stretch>
-        </p:blipFill>
-        <p:spPr>
-          <a:xfrm>
-            <a:off x="361494" y="4081807"/>
-            <a:ext cx="6155581" cy="2734564"/>
-          </a:xfrm>
-          <a:prstGeom prst="rect">
-            <a:avLst/>
-          </a:prstGeom>
-        </p:spPr>
-      </p:pic>
-      <p:sp>
-        <p:nvSpPr>
-          <p:cNvPr id="13" name="TextBox 12">
-            <a:extLst>
-              <a:ext uri="{FF2B5EF4-FFF2-40B4-BE49-F238E27FC236}">
-                <a16:creationId xmlns:a16="http://schemas.microsoft.com/office/drawing/2014/main" id="{B33509D6-EC6F-A347-8DD4-BC83D7071C34}"/>
-              </a:ext>
-            </a:extLst>
-          </p:cNvPr>
-          <p:cNvSpPr txBox="1"/>
-          <p:nvPr/>
-        </p:nvSpPr>
-        <p:spPr>
-          <a:xfrm>
-            <a:off x="3346515" y="6018041"/>
-            <a:ext cx="3544560" cy="369332"/>
-          </a:xfrm>
-          <a:prstGeom prst="rect">
-            <a:avLst/>
-          </a:prstGeom>
-          <a:noFill/>
-        </p:spPr>
-        <p:txBody>
-          <a:bodyPr wrap="none" rtlCol="0">
-            <a:spAutoFit/>
-          </a:bodyPr>
-          <a:lstStyle/>
-          <a:p>
-            <a:r>
-              <a:rPr lang="en-US" dirty="0"/>
-              <a:t>Greater than 2 and 3 dimensions</a:t>
-            </a:r>
-          </a:p>
-        </p:txBody>
-      </p:sp>
-      <p:cxnSp>
-        <p:nvCxnSpPr>
-          <p:cNvPr id="14" name="Straight Arrow Connector 13">
-            <a:extLst>
-              <a:ext uri="{FF2B5EF4-FFF2-40B4-BE49-F238E27FC236}">
-                <a16:creationId xmlns:a16="http://schemas.microsoft.com/office/drawing/2014/main" id="{39F31D14-AB77-A74D-BE71-97035E03188A}"/>
-              </a:ext>
-            </a:extLst>
-          </p:cNvPr>
-          <p:cNvCxnSpPr>
-            <a:cxnSpLocks/>
-            <a:stCxn id="13" idx="1"/>
-          </p:cNvCxnSpPr>
-          <p:nvPr/>
-        </p:nvCxnSpPr>
-        <p:spPr>
-          <a:xfrm flipH="1">
-            <a:off x="2639507" y="6202707"/>
-            <a:ext cx="707008" cy="9557"/>
-          </a:xfrm>
-          <a:prstGeom prst="straightConnector1">
-            <a:avLst/>
-          </a:prstGeom>
-          <a:ln>
-            <a:tailEnd type="triangle"/>
-          </a:ln>
-        </p:spPr>
-        <p:style>
-          <a:lnRef idx="1">
-            <a:schemeClr val="accent1"/>
-          </a:lnRef>
-          <a:fillRef idx="0">
-            <a:schemeClr val="accent1"/>
-          </a:fillRef>
-          <a:effectRef idx="0">
-            <a:schemeClr val="accent1"/>
-          </a:effectRef>
-          <a:fontRef idx="minor">
-            <a:schemeClr val="tx1"/>
-          </a:fontRef>
-        </p:style>
-      </p:cxnSp>
-      <p:sp>
-        <p:nvSpPr>
-          <p:cNvPr id="17" name="Rectangle 16">
-            <a:extLst>
-              <a:ext uri="{FF2B5EF4-FFF2-40B4-BE49-F238E27FC236}">
-                <a16:creationId xmlns:a16="http://schemas.microsoft.com/office/drawing/2014/main" id="{97FBF7FF-F5F0-A04E-B572-2FA59D73EF33}"/>
-              </a:ext>
-            </a:extLst>
-          </p:cNvPr>
-          <p:cNvSpPr/>
-          <p:nvPr/>
-        </p:nvSpPr>
-        <p:spPr>
-          <a:xfrm>
-            <a:off x="426370" y="4541781"/>
-            <a:ext cx="3544560" cy="330257"/>
-          </a:xfrm>
-          <a:prstGeom prst="rect">
-            <a:avLst/>
-          </a:prstGeom>
-          <a:noFill/>
-          <a:ln w="19050">
-            <a:solidFill>
-              <a:srgbClr val="E4754F"/>
-            </a:solidFill>
-          </a:ln>
-        </p:spPr>
-        <p:style>
-          <a:lnRef idx="2">
-            <a:schemeClr val="accent1">
-              <a:shade val="50000"/>
-            </a:schemeClr>
-          </a:lnRef>
-          <a:fillRef idx="1">
-            <a:schemeClr val="accent1"/>
-          </a:fillRef>
-          <a:effectRef idx="0">
-            <a:schemeClr val="accent1"/>
-          </a:effectRef>
-          <a:fontRef idx="minor">
-            <a:schemeClr val="lt1"/>
-          </a:fontRef>
-        </p:style>
-        <p:txBody>
-          <a:bodyPr rtlCol="0" anchor="ctr"/>
-          <a:lstStyle/>
-          <a:p>
-            <a:pPr algn="ctr"/>
-            <a:endParaRPr lang="en-US"/>
-          </a:p>
-        </p:txBody>
-      </p:sp>
-      <p:cxnSp>
-        <p:nvCxnSpPr>
-          <p:cNvPr id="19" name="Straight Connector 18">
-            <a:extLst>
-              <a:ext uri="{FF2B5EF4-FFF2-40B4-BE49-F238E27FC236}">
-                <a16:creationId xmlns:a16="http://schemas.microsoft.com/office/drawing/2014/main" id="{7EE79A98-C646-1D4A-A18D-A0A07DC95041}"/>
-              </a:ext>
-            </a:extLst>
-          </p:cNvPr>
-          <p:cNvCxnSpPr>
-            <a:cxnSpLocks/>
-          </p:cNvCxnSpPr>
-          <p:nvPr/>
-        </p:nvCxnSpPr>
-        <p:spPr>
-          <a:xfrm>
-            <a:off x="6815581" y="1555423"/>
-            <a:ext cx="0" cy="4279769"/>
-          </a:xfrm>
-          <a:prstGeom prst="line">
-            <a:avLst/>
-          </a:prstGeom>
-        </p:spPr>
-        <p:style>
-          <a:lnRef idx="1">
-            <a:schemeClr val="accent1"/>
-          </a:lnRef>
-          <a:fillRef idx="0">
-            <a:schemeClr val="accent1"/>
-          </a:fillRef>
-          <a:effectRef idx="0">
-            <a:schemeClr val="accent1"/>
-          </a:effectRef>
-          <a:fontRef idx="minor">
-            <a:schemeClr val="tx1"/>
-          </a:fontRef>
-        </p:style>
-      </p:cxnSp>
-      <p:sp>
-        <p:nvSpPr>
-          <p:cNvPr id="21" name="TextBox 20">
-            <a:extLst>
-              <a:ext uri="{FF2B5EF4-FFF2-40B4-BE49-F238E27FC236}">
-                <a16:creationId xmlns:a16="http://schemas.microsoft.com/office/drawing/2014/main" id="{681F30B4-E073-E04A-83C1-98D6FBB2C3CB}"/>
-              </a:ext>
-            </a:extLst>
-          </p:cNvPr>
-          <p:cNvSpPr txBox="1"/>
-          <p:nvPr/>
-        </p:nvSpPr>
-        <p:spPr>
-          <a:xfrm>
-            <a:off x="7358335" y="5230257"/>
-            <a:ext cx="4355068" cy="707886"/>
-          </a:xfrm>
-          <a:prstGeom prst="rect">
-            <a:avLst/>
-          </a:prstGeom>
-          <a:noFill/>
-        </p:spPr>
-        <p:txBody>
-          <a:bodyPr wrap="square" rtlCol="0">
-            <a:spAutoFit/>
-          </a:bodyPr>
-          <a:lstStyle/>
-          <a:p>
-            <a:r>
-              <a:rPr lang="en-US" sz="2000" dirty="0"/>
-              <a:t>Very helpful when trying to read (even correct) code</a:t>
-            </a:r>
-          </a:p>
-        </p:txBody>
-      </p:sp>
     </p:spTree>
     <p:extLst>
       <p:ext uri="{BB962C8B-B14F-4D97-AF65-F5344CB8AC3E}">
-        <p14:creationId xmlns:p14="http://schemas.microsoft.com/office/powerpoint/2010/main" val="3545508290"/>
+        <p14:creationId xmlns:p14="http://schemas.microsoft.com/office/powerpoint/2010/main" val="611637354"/>
       </p:ext>
     </p:extLst>
   </p:cSld>
@@ -6134,1032 +5587,6 @@
           <p:cNvPr id="2" name="Title 1">
             <a:extLst>
               <a:ext uri="{FF2B5EF4-FFF2-40B4-BE49-F238E27FC236}">
-                <a16:creationId xmlns:a16="http://schemas.microsoft.com/office/drawing/2014/main" id="{D088C2E6-F25E-6B46-B522-C154A29F4398}"/>
-              </a:ext>
-            </a:extLst>
-          </p:cNvPr>
-          <p:cNvSpPr>
-            <a:spLocks noGrp="1"/>
-          </p:cNvSpPr>
-          <p:nvPr>
-            <p:ph type="title"/>
-          </p:nvPr>
-        </p:nvSpPr>
-        <p:spPr/>
-        <p:txBody>
-          <a:bodyPr/>
-          <a:lstStyle/>
-          <a:p>
-            <a:r>
-              <a:rPr lang="en-US" dirty="0"/>
-              <a:t>Language engineering</a:t>
-            </a:r>
-            <a:br>
-              <a:rPr lang="en-US" dirty="0"/>
-            </a:br>
-            <a:r>
-              <a:rPr lang="en-US" dirty="0"/>
-              <a:t>related implementation</a:t>
-            </a:r>
-          </a:p>
-        </p:txBody>
-      </p:sp>
-      <p:sp>
-        <p:nvSpPr>
-          <p:cNvPr id="3" name="Text Placeholder 2">
-            <a:extLst>
-              <a:ext uri="{FF2B5EF4-FFF2-40B4-BE49-F238E27FC236}">
-                <a16:creationId xmlns:a16="http://schemas.microsoft.com/office/drawing/2014/main" id="{5CB9B935-55FE-E744-8EB6-2AE7B9545811}"/>
-              </a:ext>
-            </a:extLst>
-          </p:cNvPr>
-          <p:cNvSpPr>
-            <a:spLocks noGrp="1"/>
-          </p:cNvSpPr>
-          <p:nvPr>
-            <p:ph type="body" idx="1"/>
-          </p:nvPr>
-        </p:nvSpPr>
-        <p:spPr/>
-        <p:txBody>
-          <a:bodyPr/>
-          <a:lstStyle/>
-          <a:p>
-            <a:endParaRPr lang="en-US"/>
-          </a:p>
-        </p:txBody>
-      </p:sp>
-    </p:spTree>
-    <p:extLst>
-      <p:ext uri="{BB962C8B-B14F-4D97-AF65-F5344CB8AC3E}">
-        <p14:creationId xmlns:p14="http://schemas.microsoft.com/office/powerpoint/2010/main" val="1220282188"/>
-      </p:ext>
-    </p:extLst>
-  </p:cSld>
-  <p:clrMapOvr>
-    <a:masterClrMapping/>
-  </p:clrMapOvr>
-</p:sld>
-</file>
-
-<file path=ppt/slides/slide18.xml><?xml version="1.0" encoding="utf-8"?>
-<p:sld xmlns:a="http://schemas.openxmlformats.org/drawingml/2006/main" xmlns:r="http://schemas.openxmlformats.org/officeDocument/2006/relationships" xmlns:p="http://schemas.openxmlformats.org/presentationml/2006/main">
-  <p:cSld>
-    <p:spTree>
-      <p:nvGrpSpPr>
-        <p:cNvPr id="1" name=""/>
-        <p:cNvGrpSpPr/>
-        <p:nvPr/>
-      </p:nvGrpSpPr>
-      <p:grpSpPr>
-        <a:xfrm>
-          <a:off x="0" y="0"/>
-          <a:ext cx="0" cy="0"/>
-          <a:chOff x="0" y="0"/>
-          <a:chExt cx="0" cy="0"/>
-        </a:xfrm>
-      </p:grpSpPr>
-      <p:sp>
-        <p:nvSpPr>
-          <p:cNvPr id="2" name="Title 1">
-            <a:extLst>
-              <a:ext uri="{FF2B5EF4-FFF2-40B4-BE49-F238E27FC236}">
-                <a16:creationId xmlns:a16="http://schemas.microsoft.com/office/drawing/2014/main" id="{D014B71A-3678-DA44-8A7B-69B0EC06C764}"/>
-              </a:ext>
-            </a:extLst>
-          </p:cNvPr>
-          <p:cNvSpPr>
-            <a:spLocks noGrp="1"/>
-          </p:cNvSpPr>
-          <p:nvPr>
-            <p:ph type="title"/>
-          </p:nvPr>
-        </p:nvSpPr>
-        <p:spPr>
-          <a:xfrm>
-            <a:off x="838200" y="365125"/>
-            <a:ext cx="10515600" cy="992335"/>
-          </a:xfrm>
-        </p:spPr>
-        <p:txBody>
-          <a:bodyPr/>
-          <a:lstStyle/>
-          <a:p>
-            <a:r>
-              <a:rPr lang="en-US" dirty="0"/>
-              <a:t>Key questions to answer</a:t>
-            </a:r>
-          </a:p>
-        </p:txBody>
-      </p:sp>
-      <p:sp>
-        <p:nvSpPr>
-          <p:cNvPr id="3" name="Content Placeholder 2">
-            <a:extLst>
-              <a:ext uri="{FF2B5EF4-FFF2-40B4-BE49-F238E27FC236}">
-                <a16:creationId xmlns:a16="http://schemas.microsoft.com/office/drawing/2014/main" id="{22407BF5-7163-BB43-9BA1-C1728BB28111}"/>
-              </a:ext>
-            </a:extLst>
-          </p:cNvPr>
-          <p:cNvSpPr>
-            <a:spLocks noGrp="1"/>
-          </p:cNvSpPr>
-          <p:nvPr>
-            <p:ph idx="1"/>
-          </p:nvPr>
-        </p:nvSpPr>
-        <p:spPr>
-          <a:xfrm>
-            <a:off x="838200" y="1498862"/>
-            <a:ext cx="10515600" cy="4678101"/>
-          </a:xfrm>
-        </p:spPr>
-        <p:txBody>
-          <a:bodyPr>
-            <a:normAutofit/>
-          </a:bodyPr>
-          <a:lstStyle/>
-          <a:p>
-            <a:pPr marL="514350" indent="-514350">
-              <a:buFont typeface="+mj-lt"/>
-              <a:buAutoNum type="arabicPeriod"/>
-            </a:pPr>
-            <a:r>
-              <a:rPr lang="en-US" dirty="0"/>
-              <a:t>Python traps exceptions at the statement level, so how can we identify offending operators and operand values? </a:t>
-            </a:r>
-          </a:p>
-          <a:p>
-            <a:pPr marL="514350" indent="-514350">
-              <a:buFont typeface="+mj-lt"/>
-              <a:buAutoNum type="arabicPeriod"/>
-            </a:pPr>
-            <a:r>
-              <a:rPr lang="en-US" dirty="0"/>
-              <a:t>How can we trap exceptions without requiring try/except blocks around statements with potential dimension problems?</a:t>
-            </a:r>
-            <a:br>
-              <a:rPr lang="en-US" dirty="0"/>
-            </a:br>
-            <a:r>
-              <a:rPr lang="en-US" dirty="0"/>
-              <a:t>(Also want to ignore non-matrix related exceptions; user shouldn't need to know Python internal execution details)</a:t>
-            </a:r>
-          </a:p>
-          <a:p>
-            <a:pPr marL="514350" indent="-514350">
-              <a:buFont typeface="+mj-lt"/>
-              <a:buAutoNum type="arabicPeriod"/>
-            </a:pPr>
-            <a:r>
-              <a:rPr lang="en-US" dirty="0"/>
-              <a:t>How can we generate matrix visualizations w/o explicit calls?</a:t>
-            </a:r>
-          </a:p>
-          <a:p>
-            <a:pPr marL="514350" indent="-514350">
-              <a:buFont typeface="+mj-lt"/>
-              <a:buAutoNum type="arabicPeriod"/>
-            </a:pPr>
-            <a:r>
-              <a:rPr lang="en-US" dirty="0"/>
-              <a:t>Can we make use of library zero cost until an exception?</a:t>
-            </a:r>
-          </a:p>
-        </p:txBody>
-      </p:sp>
-      <p:sp>
-        <p:nvSpPr>
-          <p:cNvPr id="6" name="TextBox 5">
-            <a:extLst>
-              <a:ext uri="{FF2B5EF4-FFF2-40B4-BE49-F238E27FC236}">
-                <a16:creationId xmlns:a16="http://schemas.microsoft.com/office/drawing/2014/main" id="{6A2404B0-BCDF-9C45-BF71-14219B10FE33}"/>
-              </a:ext>
-            </a:extLst>
-          </p:cNvPr>
-          <p:cNvSpPr txBox="1"/>
-          <p:nvPr/>
-        </p:nvSpPr>
-        <p:spPr>
-          <a:xfrm>
-            <a:off x="404459" y="5264715"/>
-            <a:ext cx="11524309" cy="584775"/>
-          </a:xfrm>
-          <a:prstGeom prst="rect">
-            <a:avLst/>
-          </a:prstGeom>
-          <a:noFill/>
-        </p:spPr>
-        <p:txBody>
-          <a:bodyPr wrap="none" rtlCol="0">
-            <a:spAutoFit/>
-          </a:bodyPr>
-          <a:lstStyle/>
-          <a:p>
-            <a:r>
-              <a:rPr lang="en-US" sz="3200" dirty="0"/>
-              <a:t>In other words, how do we make this precise and unobtrusive?</a:t>
-            </a:r>
-          </a:p>
-        </p:txBody>
-      </p:sp>
-    </p:spTree>
-    <p:extLst>
-      <p:ext uri="{BB962C8B-B14F-4D97-AF65-F5344CB8AC3E}">
-        <p14:creationId xmlns:p14="http://schemas.microsoft.com/office/powerpoint/2010/main" val="3440886272"/>
-      </p:ext>
-    </p:extLst>
-  </p:cSld>
-  <p:clrMapOvr>
-    <a:masterClrMapping/>
-  </p:clrMapOvr>
-</p:sld>
-</file>
-
-<file path=ppt/slides/slide19.xml><?xml version="1.0" encoding="utf-8"?>
-<p:sld xmlns:a="http://schemas.openxmlformats.org/drawingml/2006/main" xmlns:r="http://schemas.openxmlformats.org/officeDocument/2006/relationships" xmlns:p="http://schemas.openxmlformats.org/presentationml/2006/main">
-  <p:cSld>
-    <p:spTree>
-      <p:nvGrpSpPr>
-        <p:cNvPr id="1" name=""/>
-        <p:cNvGrpSpPr/>
-        <p:nvPr/>
-      </p:nvGrpSpPr>
-      <p:grpSpPr>
-        <a:xfrm>
-          <a:off x="0" y="0"/>
-          <a:ext cx="0" cy="0"/>
-          <a:chOff x="0" y="0"/>
-          <a:chExt cx="0" cy="0"/>
-        </a:xfrm>
-      </p:grpSpPr>
-      <p:sp>
-        <p:nvSpPr>
-          <p:cNvPr id="2" name="Title 1">
-            <a:extLst>
-              <a:ext uri="{FF2B5EF4-FFF2-40B4-BE49-F238E27FC236}">
-                <a16:creationId xmlns:a16="http://schemas.microsoft.com/office/drawing/2014/main" id="{906CE396-B085-E245-AB6B-2C5E398C01CE}"/>
-              </a:ext>
-            </a:extLst>
-          </p:cNvPr>
-          <p:cNvSpPr>
-            <a:spLocks noGrp="1"/>
-          </p:cNvSpPr>
-          <p:nvPr>
-            <p:ph type="title"/>
-          </p:nvPr>
-        </p:nvSpPr>
-        <p:spPr/>
-        <p:txBody>
-          <a:bodyPr/>
-          <a:lstStyle/>
-          <a:p>
-            <a:r>
-              <a:rPr lang="en-US" dirty="0"/>
-              <a:t>Screams for code instrumentation, right?</a:t>
-            </a:r>
-          </a:p>
-        </p:txBody>
-      </p:sp>
-      <p:sp>
-        <p:nvSpPr>
-          <p:cNvPr id="3" name="Content Placeholder 2">
-            <a:extLst>
-              <a:ext uri="{FF2B5EF4-FFF2-40B4-BE49-F238E27FC236}">
-                <a16:creationId xmlns:a16="http://schemas.microsoft.com/office/drawing/2014/main" id="{CB7C9509-26D1-7046-A349-9EE4BD8352B9}"/>
-              </a:ext>
-            </a:extLst>
-          </p:cNvPr>
-          <p:cNvSpPr>
-            <a:spLocks noGrp="1"/>
-          </p:cNvSpPr>
-          <p:nvPr>
-            <p:ph idx="1"/>
-          </p:nvPr>
-        </p:nvSpPr>
-        <p:spPr/>
-        <p:txBody>
-          <a:bodyPr>
-            <a:normAutofit/>
-          </a:bodyPr>
-          <a:lstStyle/>
-          <a:p>
-            <a:r>
-              <a:rPr lang="en-US" dirty="0"/>
-              <a:t>I considered injecting Python bytecode to track subexpression evaluation and to get finer-grained exception handling</a:t>
-            </a:r>
-          </a:p>
-          <a:p>
-            <a:r>
-              <a:rPr lang="en-US" dirty="0"/>
-              <a:t>But, that might require a separate tool and a preprocessing step, rather than simply importing a library</a:t>
-            </a:r>
-          </a:p>
-          <a:p>
-            <a:r>
-              <a:rPr lang="en-US" dirty="0"/>
-              <a:t>Injected code could slow down entire program execution significantly</a:t>
-            </a:r>
-          </a:p>
-          <a:p>
-            <a:r>
-              <a:rPr lang="en-US" dirty="0"/>
-              <a:t>Injected code might affect Python optimization / concurrency</a:t>
-            </a:r>
-          </a:p>
-          <a:p>
-            <a:r>
-              <a:rPr lang="en-US" dirty="0"/>
-              <a:t>It seemed like a lot of work to learn and implement for a skill I probably would never need again</a:t>
-            </a:r>
-          </a:p>
-          <a:p>
-            <a:endParaRPr lang="en-US" dirty="0"/>
-          </a:p>
-        </p:txBody>
-      </p:sp>
-    </p:spTree>
-    <p:extLst>
-      <p:ext uri="{BB962C8B-B14F-4D97-AF65-F5344CB8AC3E}">
-        <p14:creationId xmlns:p14="http://schemas.microsoft.com/office/powerpoint/2010/main" val="1540936661"/>
-      </p:ext>
-    </p:extLst>
-  </p:cSld>
-  <p:clrMapOvr>
-    <a:masterClrMapping/>
-  </p:clrMapOvr>
-</p:sld>
-</file>
-
-<file path=ppt/slides/slide2.xml><?xml version="1.0" encoding="utf-8"?>
-<p:sld xmlns:a="http://schemas.openxmlformats.org/drawingml/2006/main" xmlns:r="http://schemas.openxmlformats.org/officeDocument/2006/relationships" xmlns:p="http://schemas.openxmlformats.org/presentationml/2006/main">
-  <p:cSld>
-    <p:spTree>
-      <p:nvGrpSpPr>
-        <p:cNvPr id="1" name=""/>
-        <p:cNvGrpSpPr/>
-        <p:nvPr/>
-      </p:nvGrpSpPr>
-      <p:grpSpPr>
-        <a:xfrm>
-          <a:off x="0" y="0"/>
-          <a:ext cx="0" cy="0"/>
-          <a:chOff x="0" y="0"/>
-          <a:chExt cx="0" cy="0"/>
-        </a:xfrm>
-      </p:grpSpPr>
-      <p:sp>
-        <p:nvSpPr>
-          <p:cNvPr id="2" name="Title 1">
-            <a:extLst>
-              <a:ext uri="{FF2B5EF4-FFF2-40B4-BE49-F238E27FC236}">
-                <a16:creationId xmlns:a16="http://schemas.microsoft.com/office/drawing/2014/main" id="{1C7A7384-4454-E54A-80EC-D299E9023AAD}"/>
-              </a:ext>
-            </a:extLst>
-          </p:cNvPr>
-          <p:cNvSpPr>
-            <a:spLocks noGrp="1"/>
-          </p:cNvSpPr>
-          <p:nvPr>
-            <p:ph type="title"/>
-          </p:nvPr>
-        </p:nvSpPr>
-        <p:spPr/>
-        <p:txBody>
-          <a:bodyPr/>
-          <a:lstStyle/>
-          <a:p>
-            <a:r>
-              <a:rPr lang="en-US" dirty="0"/>
-              <a:t>Demo in notebook</a:t>
-            </a:r>
-          </a:p>
-        </p:txBody>
-      </p:sp>
-      <p:sp>
-        <p:nvSpPr>
-          <p:cNvPr id="3" name="Text Placeholder 2">
-            <a:extLst>
-              <a:ext uri="{FF2B5EF4-FFF2-40B4-BE49-F238E27FC236}">
-                <a16:creationId xmlns:a16="http://schemas.microsoft.com/office/drawing/2014/main" id="{E2F9EC0E-ACE6-1344-8562-BF84CDF30FD2}"/>
-              </a:ext>
-            </a:extLst>
-          </p:cNvPr>
-          <p:cNvSpPr>
-            <a:spLocks noGrp="1"/>
-          </p:cNvSpPr>
-          <p:nvPr>
-            <p:ph type="body" idx="1"/>
-          </p:nvPr>
-        </p:nvSpPr>
-        <p:spPr/>
-        <p:txBody>
-          <a:bodyPr/>
-          <a:lstStyle/>
-          <a:p>
-            <a:r>
-              <a:rPr lang="en-US" dirty="0">
-                <a:hlinkClick r:id="rId2"/>
-              </a:rPr>
-              <a:t>https://github.com/parrt/tensor-sensor/blob/master/talks/demo.ipynb</a:t>
-            </a:r>
-            <a:endParaRPr lang="en-US" dirty="0"/>
-          </a:p>
-        </p:txBody>
-      </p:sp>
-    </p:spTree>
-    <p:extLst>
-      <p:ext uri="{BB962C8B-B14F-4D97-AF65-F5344CB8AC3E}">
-        <p14:creationId xmlns:p14="http://schemas.microsoft.com/office/powerpoint/2010/main" val="905803251"/>
-      </p:ext>
-    </p:extLst>
-  </p:cSld>
-  <p:clrMapOvr>
-    <a:masterClrMapping/>
-  </p:clrMapOvr>
-</p:sld>
-</file>
-
-<file path=ppt/slides/slide20.xml><?xml version="1.0" encoding="utf-8"?>
-<p:sld xmlns:a="http://schemas.openxmlformats.org/drawingml/2006/main" xmlns:r="http://schemas.openxmlformats.org/officeDocument/2006/relationships" xmlns:p="http://schemas.openxmlformats.org/presentationml/2006/main">
-  <p:cSld>
-    <p:spTree>
-      <p:nvGrpSpPr>
-        <p:cNvPr id="1" name=""/>
-        <p:cNvGrpSpPr/>
-        <p:nvPr/>
-      </p:nvGrpSpPr>
-      <p:grpSpPr>
-        <a:xfrm>
-          <a:off x="0" y="0"/>
-          <a:ext cx="0" cy="0"/>
-          <a:chOff x="0" y="0"/>
-          <a:chExt cx="0" cy="0"/>
-        </a:xfrm>
-      </p:grpSpPr>
-      <p:sp>
-        <p:nvSpPr>
-          <p:cNvPr id="2" name="Title 1">
-            <a:extLst>
-              <a:ext uri="{FF2B5EF4-FFF2-40B4-BE49-F238E27FC236}">
-                <a16:creationId xmlns:a16="http://schemas.microsoft.com/office/drawing/2014/main" id="{837F6A9A-0A6B-B94F-8B91-6C23BBC5A946}"/>
-              </a:ext>
-            </a:extLst>
-          </p:cNvPr>
-          <p:cNvSpPr>
-            <a:spLocks noGrp="1"/>
-          </p:cNvSpPr>
-          <p:nvPr>
-            <p:ph type="title"/>
-          </p:nvPr>
-        </p:nvSpPr>
-        <p:spPr>
-          <a:xfrm>
-            <a:off x="838199" y="365125"/>
-            <a:ext cx="10662501" cy="1325563"/>
-          </a:xfrm>
-        </p:spPr>
-        <p:txBody>
-          <a:bodyPr>
-            <a:normAutofit fontScale="90000"/>
-          </a:bodyPr>
-          <a:lstStyle/>
-          <a:p>
-            <a:r>
-              <a:rPr lang="en-US" dirty="0"/>
-              <a:t>Getting operator-level exceptions w/o bytecode instrumentation requires a total hack</a:t>
-            </a:r>
-          </a:p>
-        </p:txBody>
-      </p:sp>
-      <p:sp>
-        <p:nvSpPr>
-          <p:cNvPr id="3" name="Content Placeholder 2">
-            <a:extLst>
-              <a:ext uri="{FF2B5EF4-FFF2-40B4-BE49-F238E27FC236}">
-                <a16:creationId xmlns:a16="http://schemas.microsoft.com/office/drawing/2014/main" id="{524F48FA-29F3-7C45-AEC9-CDAD6EE5405B}"/>
-              </a:ext>
-            </a:extLst>
-          </p:cNvPr>
-          <p:cNvSpPr>
-            <a:spLocks noGrp="1"/>
-          </p:cNvSpPr>
-          <p:nvPr>
-            <p:ph idx="1"/>
-          </p:nvPr>
-        </p:nvSpPr>
-        <p:spPr/>
-        <p:txBody>
-          <a:bodyPr>
-            <a:normAutofit lnSpcReduction="10000"/>
-          </a:bodyPr>
-          <a:lstStyle/>
-          <a:p>
-            <a:r>
-              <a:rPr lang="en-US" dirty="0"/>
-              <a:t>We have: (1) the full execution stack and (2) the offending line of source code</a:t>
-            </a:r>
-          </a:p>
-          <a:p>
-            <a:r>
-              <a:rPr lang="en-US" dirty="0"/>
-              <a:t>To identify the individual operator and operands that triggered an exception use brute-force:</a:t>
-            </a:r>
-          </a:p>
-          <a:p>
-            <a:pPr lvl="1"/>
-            <a:r>
-              <a:rPr lang="en-US" dirty="0"/>
-              <a:t>reevaluate each operation in the line, piece-by-piece, in proper order, and in the correct execution context (must pick correct stack frame)</a:t>
-            </a:r>
-          </a:p>
-          <a:p>
-            <a:r>
-              <a:rPr lang="en-US" dirty="0"/>
-              <a:t>Wait for an operator to cause an exception, report op/</a:t>
-            </a:r>
-            <a:r>
-              <a:rPr lang="en-US" dirty="0" err="1"/>
-              <a:t>opnds</a:t>
-            </a:r>
-            <a:endParaRPr lang="en-US" dirty="0"/>
-          </a:p>
-          <a:p>
-            <a:r>
-              <a:rPr lang="en-US" dirty="0"/>
-              <a:t>Zero cost until error, but assumes side-effect free functions</a:t>
-            </a:r>
-          </a:p>
-          <a:p>
-            <a:r>
-              <a:rPr lang="en-US" dirty="0"/>
-              <a:t>Even if side-effecting, who cares (usually)? Program is about to terminate</a:t>
-            </a:r>
-          </a:p>
-        </p:txBody>
-      </p:sp>
-    </p:spTree>
-    <p:extLst>
-      <p:ext uri="{BB962C8B-B14F-4D97-AF65-F5344CB8AC3E}">
-        <p14:creationId xmlns:p14="http://schemas.microsoft.com/office/powerpoint/2010/main" val="4145247834"/>
-      </p:ext>
-    </p:extLst>
-  </p:cSld>
-  <p:clrMapOvr>
-    <a:masterClrMapping/>
-  </p:clrMapOvr>
-</p:sld>
-</file>
-
-<file path=ppt/slides/slide21.xml><?xml version="1.0" encoding="utf-8"?>
-<p:sld xmlns:a="http://schemas.openxmlformats.org/drawingml/2006/main" xmlns:r="http://schemas.openxmlformats.org/officeDocument/2006/relationships" xmlns:p="http://schemas.openxmlformats.org/presentationml/2006/main">
-  <p:cSld>
-    <p:spTree>
-      <p:nvGrpSpPr>
-        <p:cNvPr id="1" name=""/>
-        <p:cNvGrpSpPr/>
-        <p:nvPr/>
-      </p:nvGrpSpPr>
-      <p:grpSpPr>
-        <a:xfrm>
-          <a:off x="0" y="0"/>
-          <a:ext cx="0" cy="0"/>
-          <a:chOff x="0" y="0"/>
-          <a:chExt cx="0" cy="0"/>
-        </a:xfrm>
-      </p:grpSpPr>
-      <p:sp>
-        <p:nvSpPr>
-          <p:cNvPr id="2" name="Title 1">
-            <a:extLst>
-              <a:ext uri="{FF2B5EF4-FFF2-40B4-BE49-F238E27FC236}">
-                <a16:creationId xmlns:a16="http://schemas.microsoft.com/office/drawing/2014/main" id="{F7B71233-6082-A34D-891B-535438901B7C}"/>
-              </a:ext>
-            </a:extLst>
-          </p:cNvPr>
-          <p:cNvSpPr>
-            <a:spLocks noGrp="1"/>
-          </p:cNvSpPr>
-          <p:nvPr>
-            <p:ph type="title"/>
-          </p:nvPr>
-        </p:nvSpPr>
-        <p:spPr>
-          <a:xfrm>
-            <a:off x="838200" y="365125"/>
-            <a:ext cx="10515600" cy="727285"/>
-          </a:xfrm>
-        </p:spPr>
-        <p:txBody>
-          <a:bodyPr/>
-          <a:lstStyle/>
-          <a:p>
-            <a:r>
-              <a:rPr lang="en-US" dirty="0"/>
-              <a:t>Reevaluation mechanism</a:t>
-            </a:r>
-          </a:p>
-        </p:txBody>
-      </p:sp>
-      <p:sp>
-        <p:nvSpPr>
-          <p:cNvPr id="3" name="Content Placeholder 2">
-            <a:extLst>
-              <a:ext uri="{FF2B5EF4-FFF2-40B4-BE49-F238E27FC236}">
-                <a16:creationId xmlns:a16="http://schemas.microsoft.com/office/drawing/2014/main" id="{5B71B924-17ED-DE4C-80CE-C6506A32A07D}"/>
-              </a:ext>
-            </a:extLst>
-          </p:cNvPr>
-          <p:cNvSpPr>
-            <a:spLocks noGrp="1"/>
-          </p:cNvSpPr>
-          <p:nvPr>
-            <p:ph idx="1"/>
-          </p:nvPr>
-        </p:nvSpPr>
-        <p:spPr>
-          <a:xfrm>
-            <a:off x="754144" y="1230792"/>
-            <a:ext cx="5684363" cy="5262084"/>
-          </a:xfrm>
-        </p:spPr>
-        <p:txBody>
-          <a:bodyPr>
-            <a:normAutofit fontScale="92500" lnSpcReduction="20000"/>
-          </a:bodyPr>
-          <a:lstStyle/>
-          <a:p>
-            <a:r>
-              <a:rPr lang="en-US" dirty="0"/>
-              <a:t>First, check if exception is tensor-related or if exec stack descends into a known tensor lib</a:t>
-            </a:r>
-          </a:p>
-          <a:p>
-            <a:r>
-              <a:rPr lang="en-US" dirty="0"/>
-              <a:t>If so, find and parse deepest </a:t>
-            </a:r>
-            <a:r>
-              <a:rPr lang="en-US" i="1" dirty="0"/>
-              <a:t>user-level</a:t>
-            </a:r>
-            <a:r>
-              <a:rPr lang="en-US" dirty="0"/>
-              <a:t> offending statement and build an appropriate AST with operators as subtree roots</a:t>
-            </a:r>
-          </a:p>
-          <a:p>
-            <a:r>
-              <a:rPr lang="en-US" dirty="0"/>
-              <a:t>Uses built-in Python tokenizer</a:t>
-            </a:r>
-          </a:p>
-          <a:p>
-            <a:r>
-              <a:rPr lang="en-US" dirty="0"/>
-              <a:t>Uses </a:t>
-            </a:r>
-            <a:r>
-              <a:rPr lang="en-US" dirty="0" err="1"/>
-              <a:t>handbuilt</a:t>
-            </a:r>
-            <a:r>
-              <a:rPr lang="en-US" dirty="0"/>
-              <a:t> Python parser for subset of statements / </a:t>
-            </a:r>
-            <a:r>
-              <a:rPr lang="en-US" dirty="0" err="1"/>
-              <a:t>exprs</a:t>
-            </a:r>
-            <a:endParaRPr lang="en-US" dirty="0"/>
-          </a:p>
-          <a:p>
-            <a:r>
-              <a:rPr lang="en-US" dirty="0"/>
-              <a:t>Avoided ANTLR to avoid introducing a lib dependency</a:t>
-            </a:r>
-          </a:p>
-          <a:p>
-            <a:r>
-              <a:rPr lang="en-US" dirty="0"/>
-              <a:t>Avoided built-in Python parser since reorg'ing its AST is same work as  rolling my own "</a:t>
-            </a:r>
-            <a:r>
-              <a:rPr lang="en-US" dirty="0" err="1"/>
-              <a:t>parrser</a:t>
-            </a:r>
-            <a:r>
-              <a:rPr lang="en-US" dirty="0"/>
-              <a:t>"</a:t>
-            </a:r>
-          </a:p>
-        </p:txBody>
-      </p:sp>
-      <p:pic>
-        <p:nvPicPr>
-          <p:cNvPr id="4" name="Picture 3">
-            <a:extLst>
-              <a:ext uri="{FF2B5EF4-FFF2-40B4-BE49-F238E27FC236}">
-                <a16:creationId xmlns:a16="http://schemas.microsoft.com/office/drawing/2014/main" id="{18CB3F87-D4DE-1940-8589-A9F959BA4C1D}"/>
-              </a:ext>
-            </a:extLst>
-          </p:cNvPr>
-          <p:cNvPicPr>
-            <a:picLocks noChangeAspect="1"/>
-          </p:cNvPicPr>
-          <p:nvPr/>
-        </p:nvPicPr>
-        <p:blipFill>
-          <a:blip r:embed="rId2"/>
-          <a:stretch>
-            <a:fillRect/>
-          </a:stretch>
-        </p:blipFill>
-        <p:spPr>
-          <a:xfrm>
-            <a:off x="6438507" y="1230791"/>
-            <a:ext cx="5684363" cy="5084553"/>
-          </a:xfrm>
-          <a:prstGeom prst="rect">
-            <a:avLst/>
-          </a:prstGeom>
-        </p:spPr>
-      </p:pic>
-      <p:sp>
-        <p:nvSpPr>
-          <p:cNvPr id="5" name="TextBox 4">
-            <a:extLst>
-              <a:ext uri="{FF2B5EF4-FFF2-40B4-BE49-F238E27FC236}">
-                <a16:creationId xmlns:a16="http://schemas.microsoft.com/office/drawing/2014/main" id="{8054C3C1-F0F7-4C4F-B069-ED50342BA779}"/>
-              </a:ext>
-            </a:extLst>
-          </p:cNvPr>
-          <p:cNvSpPr txBox="1"/>
-          <p:nvPr/>
-        </p:nvSpPr>
-        <p:spPr>
-          <a:xfrm>
-            <a:off x="5203596" y="4490414"/>
-            <a:ext cx="697627" cy="707886"/>
-          </a:xfrm>
-          <a:prstGeom prst="rect">
-            <a:avLst/>
-          </a:prstGeom>
-          <a:noFill/>
-        </p:spPr>
-        <p:txBody>
-          <a:bodyPr wrap="none" rtlCol="0">
-            <a:spAutoFit/>
-          </a:bodyPr>
-          <a:lstStyle/>
-          <a:p>
-            <a:r>
-              <a:rPr lang="en-US" sz="4000" dirty="0"/>
-              <a:t>🤣</a:t>
-            </a:r>
-          </a:p>
-        </p:txBody>
-      </p:sp>
-      <p:sp>
-        <p:nvSpPr>
-          <p:cNvPr id="6" name="TextBox 5">
-            <a:extLst>
-              <a:ext uri="{FF2B5EF4-FFF2-40B4-BE49-F238E27FC236}">
-                <a16:creationId xmlns:a16="http://schemas.microsoft.com/office/drawing/2014/main" id="{9DD1F523-A5A5-9C40-A885-FA7BC77C7326}"/>
-              </a:ext>
-            </a:extLst>
-          </p:cNvPr>
-          <p:cNvSpPr txBox="1"/>
-          <p:nvPr/>
-        </p:nvSpPr>
-        <p:spPr>
-          <a:xfrm>
-            <a:off x="8832916" y="5442543"/>
-            <a:ext cx="3065968" cy="369332"/>
-          </a:xfrm>
-          <a:prstGeom prst="rect">
-            <a:avLst/>
-          </a:prstGeom>
-          <a:noFill/>
-        </p:spPr>
-        <p:txBody>
-          <a:bodyPr wrap="none" rtlCol="0">
-            <a:spAutoFit/>
-          </a:bodyPr>
-          <a:lstStyle/>
-          <a:p>
-            <a:r>
-              <a:rPr lang="en-US" dirty="0"/>
-              <a:t>(also from </a:t>
-            </a:r>
-            <a:r>
-              <a:rPr lang="en-US" dirty="0" err="1"/>
-              <a:t>TensorSensor</a:t>
-            </a:r>
-            <a:r>
-              <a:rPr lang="en-US" dirty="0"/>
-              <a:t> lib)</a:t>
-            </a:r>
-          </a:p>
-        </p:txBody>
-      </p:sp>
-    </p:spTree>
-    <p:extLst>
-      <p:ext uri="{BB962C8B-B14F-4D97-AF65-F5344CB8AC3E}">
-        <p14:creationId xmlns:p14="http://schemas.microsoft.com/office/powerpoint/2010/main" val="26650210"/>
-      </p:ext>
-    </p:extLst>
-  </p:cSld>
-  <p:clrMapOvr>
-    <a:masterClrMapping/>
-  </p:clrMapOvr>
-</p:sld>
-</file>
-
-<file path=ppt/slides/slide22.xml><?xml version="1.0" encoding="utf-8"?>
-<p:sld xmlns:a="http://schemas.openxmlformats.org/drawingml/2006/main" xmlns:r="http://schemas.openxmlformats.org/officeDocument/2006/relationships" xmlns:p="http://schemas.openxmlformats.org/presentationml/2006/main">
-  <p:cSld>
-    <p:spTree>
-      <p:nvGrpSpPr>
-        <p:cNvPr id="1" name=""/>
-        <p:cNvGrpSpPr/>
-        <p:nvPr/>
-      </p:nvGrpSpPr>
-      <p:grpSpPr>
-        <a:xfrm>
-          <a:off x="0" y="0"/>
-          <a:ext cx="0" cy="0"/>
-          <a:chOff x="0" y="0"/>
-          <a:chExt cx="0" cy="0"/>
-        </a:xfrm>
-      </p:grpSpPr>
-      <p:sp>
-        <p:nvSpPr>
-          <p:cNvPr id="2" name="Title 1">
-            <a:extLst>
-              <a:ext uri="{FF2B5EF4-FFF2-40B4-BE49-F238E27FC236}">
-                <a16:creationId xmlns:a16="http://schemas.microsoft.com/office/drawing/2014/main" id="{F7B71233-6082-A34D-891B-535438901B7C}"/>
-              </a:ext>
-            </a:extLst>
-          </p:cNvPr>
-          <p:cNvSpPr>
-            <a:spLocks noGrp="1"/>
-          </p:cNvSpPr>
-          <p:nvPr>
-            <p:ph type="title"/>
-          </p:nvPr>
-        </p:nvSpPr>
-        <p:spPr>
-          <a:xfrm>
-            <a:off x="838200" y="365125"/>
-            <a:ext cx="10515600" cy="727285"/>
-          </a:xfrm>
-        </p:spPr>
-        <p:txBody>
-          <a:bodyPr/>
-          <a:lstStyle/>
-          <a:p>
-            <a:r>
-              <a:rPr lang="en-US" dirty="0"/>
-              <a:t>Reevaluation mechanism continued</a:t>
-            </a:r>
-          </a:p>
-        </p:txBody>
-      </p:sp>
-      <p:sp>
-        <p:nvSpPr>
-          <p:cNvPr id="3" name="Content Placeholder 2">
-            <a:extLst>
-              <a:ext uri="{FF2B5EF4-FFF2-40B4-BE49-F238E27FC236}">
-                <a16:creationId xmlns:a16="http://schemas.microsoft.com/office/drawing/2014/main" id="{5B71B924-17ED-DE4C-80CE-C6506A32A07D}"/>
-              </a:ext>
-            </a:extLst>
-          </p:cNvPr>
-          <p:cNvSpPr>
-            <a:spLocks noGrp="1"/>
-          </p:cNvSpPr>
-          <p:nvPr>
-            <p:ph idx="1"/>
-          </p:nvPr>
-        </p:nvSpPr>
-        <p:spPr>
-          <a:xfrm>
-            <a:off x="584462" y="1230791"/>
-            <a:ext cx="5854045" cy="5222934"/>
-          </a:xfrm>
-        </p:spPr>
-        <p:txBody>
-          <a:bodyPr>
-            <a:normAutofit/>
-          </a:bodyPr>
-          <a:lstStyle/>
-          <a:p>
-            <a:r>
-              <a:rPr lang="en-US" dirty="0"/>
-              <a:t>Evaluate operators of AST bottom-up in proper exec order</a:t>
-            </a:r>
-          </a:p>
-          <a:p>
-            <a:r>
-              <a:rPr lang="en-US" dirty="0"/>
-              <a:t>Call </a:t>
-            </a:r>
-            <a:r>
-              <a:rPr lang="en-US" b="1" dirty="0"/>
-              <a:t>eval()</a:t>
-            </a:r>
-            <a:r>
-              <a:rPr lang="en-US" dirty="0"/>
-              <a:t> on Python source of subexpressions using the appropriate execution contexts, saving results in associated nodes</a:t>
-            </a:r>
-          </a:p>
-          <a:p>
-            <a:r>
-              <a:rPr lang="en-US" dirty="0"/>
-              <a:t>Trap and absorb exception from </a:t>
-            </a:r>
-            <a:r>
-              <a:rPr lang="en-US" b="1" dirty="0"/>
-              <a:t>eval()</a:t>
-            </a:r>
-            <a:r>
-              <a:rPr lang="en-US" dirty="0"/>
-              <a:t>, record that exception and offending AST node</a:t>
-            </a:r>
-          </a:p>
-          <a:p>
-            <a:r>
-              <a:rPr lang="en-US" dirty="0"/>
-              <a:t>Augment original exception message with info derived this new exception, op, operands</a:t>
-            </a:r>
-          </a:p>
-        </p:txBody>
-      </p:sp>
-      <p:pic>
-        <p:nvPicPr>
-          <p:cNvPr id="4" name="Picture 3">
-            <a:extLst>
-              <a:ext uri="{FF2B5EF4-FFF2-40B4-BE49-F238E27FC236}">
-                <a16:creationId xmlns:a16="http://schemas.microsoft.com/office/drawing/2014/main" id="{18CB3F87-D4DE-1940-8589-A9F959BA4C1D}"/>
-              </a:ext>
-            </a:extLst>
-          </p:cNvPr>
-          <p:cNvPicPr>
-            <a:picLocks noChangeAspect="1"/>
-          </p:cNvPicPr>
-          <p:nvPr/>
-        </p:nvPicPr>
-        <p:blipFill>
-          <a:blip r:embed="rId2"/>
-          <a:stretch>
-            <a:fillRect/>
-          </a:stretch>
-        </p:blipFill>
-        <p:spPr>
-          <a:xfrm>
-            <a:off x="6438507" y="1230791"/>
-            <a:ext cx="5684363" cy="5084553"/>
-          </a:xfrm>
-          <a:prstGeom prst="rect">
-            <a:avLst/>
-          </a:prstGeom>
-        </p:spPr>
-      </p:pic>
-    </p:spTree>
-    <p:extLst>
-      <p:ext uri="{BB962C8B-B14F-4D97-AF65-F5344CB8AC3E}">
-        <p14:creationId xmlns:p14="http://schemas.microsoft.com/office/powerpoint/2010/main" val="611637354"/>
-      </p:ext>
-    </p:extLst>
-  </p:cSld>
-  <p:clrMapOvr>
-    <a:masterClrMapping/>
-  </p:clrMapOvr>
-</p:sld>
-</file>
-
-<file path=ppt/slides/slide23.xml><?xml version="1.0" encoding="utf-8"?>
-<p:sld xmlns:a="http://schemas.openxmlformats.org/drawingml/2006/main" xmlns:r="http://schemas.openxmlformats.org/officeDocument/2006/relationships" xmlns:p="http://schemas.openxmlformats.org/presentationml/2006/main">
-  <p:cSld>
-    <p:spTree>
-      <p:nvGrpSpPr>
-        <p:cNvPr id="1" name=""/>
-        <p:cNvGrpSpPr/>
-        <p:nvPr/>
-      </p:nvGrpSpPr>
-      <p:grpSpPr>
-        <a:xfrm>
-          <a:off x="0" y="0"/>
-          <a:ext cx="0" cy="0"/>
-          <a:chOff x="0" y="0"/>
-          <a:chExt cx="0" cy="0"/>
-        </a:xfrm>
-      </p:grpSpPr>
-      <p:sp>
-        <p:nvSpPr>
-          <p:cNvPr id="2" name="Title 1">
-            <a:extLst>
-              <a:ext uri="{FF2B5EF4-FFF2-40B4-BE49-F238E27FC236}">
                 <a16:creationId xmlns:a16="http://schemas.microsoft.com/office/drawing/2014/main" id="{6EFC4823-71C6-5D49-A244-5A5599A9D139}"/>
               </a:ext>
             </a:extLst>
@@ -7321,7 +5748,7 @@
 </p:sld>
 </file>
 
-<file path=ppt/slides/slide24.xml><?xml version="1.0" encoding="utf-8"?>
+<file path=ppt/slides/slide18.xml><?xml version="1.0" encoding="utf-8"?>
 <p:sld xmlns:a="http://schemas.openxmlformats.org/drawingml/2006/main" xmlns:r="http://schemas.openxmlformats.org/officeDocument/2006/relationships" xmlns:p="http://schemas.openxmlformats.org/presentationml/2006/main">
   <p:cSld>
     <p:spTree>
@@ -8944,7 +7371,7 @@
 </p:sld>
 </file>
 
-<file path=ppt/slides/slide25.xml><?xml version="1.0" encoding="utf-8"?>
+<file path=ppt/slides/slide19.xml><?xml version="1.0" encoding="utf-8"?>
 <p:sld xmlns:a="http://schemas.openxmlformats.org/drawingml/2006/main" xmlns:r="http://schemas.openxmlformats.org/officeDocument/2006/relationships" xmlns:p="http://schemas.openxmlformats.org/presentationml/2006/main">
   <p:cSld>
     <p:spTree>
@@ -8966,7 +7393,7 @@
           <p:cNvPr id="2" name="Title 1">
             <a:extLst>
               <a:ext uri="{FF2B5EF4-FFF2-40B4-BE49-F238E27FC236}">
-                <a16:creationId xmlns:a16="http://schemas.microsoft.com/office/drawing/2014/main" id="{3844906B-2A4C-C44D-A3BD-5391EB636305}"/>
+                <a16:creationId xmlns:a16="http://schemas.microsoft.com/office/drawing/2014/main" id="{A3EB3F4E-990D-2A4C-9237-9182994CF50E}"/>
               </a:ext>
             </a:extLst>
           </p:cNvPr>
@@ -8977,15 +7404,34 @@
             <p:ph type="title"/>
           </p:nvPr>
         </p:nvSpPr>
-        <p:spPr/>
-        <p:txBody>
-          <a:bodyPr/>
-          <a:lstStyle/>
-          <a:p>
-            <a:r>
-              <a:rPr lang="en-US" dirty="0"/>
-              <a:t>Simplifying the user code interface</a:t>
-            </a:r>
+        <p:spPr>
+          <a:xfrm>
+            <a:off x="838200" y="365125"/>
+            <a:ext cx="10515600" cy="976309"/>
+          </a:xfrm>
+        </p:spPr>
+        <p:txBody>
+          <a:bodyPr>
+            <a:normAutofit fontScale="90000"/>
+          </a:bodyPr>
+          <a:lstStyle/>
+          <a:p>
+            <a:r>
+              <a:rPr lang="en-US" dirty="0" err="1"/>
+              <a:t>TensorSensor’s</a:t>
+            </a:r>
+            <a:r>
+              <a:rPr lang="en-US" dirty="0"/>
+              <a:t> explain() mechanism</a:t>
+            </a:r>
+            <a:br>
+              <a:rPr lang="en-US" dirty="0"/>
+            </a:br>
+            <a:r>
+              <a:rPr lang="en-US" sz="2400" dirty="0"/>
+              <a:t>(Visualizing correct Python code on-the-fly)</a:t>
+            </a:r>
+            <a:endParaRPr lang="en-US" dirty="0"/>
           </a:p>
         </p:txBody>
       </p:sp>
@@ -8994,7 +7440,7 @@
           <p:cNvPr id="3" name="Content Placeholder 2">
             <a:extLst>
               <a:ext uri="{FF2B5EF4-FFF2-40B4-BE49-F238E27FC236}">
-                <a16:creationId xmlns:a16="http://schemas.microsoft.com/office/drawing/2014/main" id="{5FA78310-8BCC-2840-82DD-12A50FDD4EE5}"/>
+                <a16:creationId xmlns:a16="http://schemas.microsoft.com/office/drawing/2014/main" id="{607F336A-C4CB-634D-B9E8-B66638B19F36}"/>
               </a:ext>
             </a:extLst>
           </p:cNvPr>
@@ -9007,8 +7453,8 @@
         </p:nvSpPr>
         <p:spPr>
           <a:xfrm>
-            <a:off x="838199" y="1545996"/>
-            <a:ext cx="10814821" cy="4630967"/>
+            <a:off x="838199" y="1555423"/>
+            <a:ext cx="10643647" cy="4621540"/>
           </a:xfrm>
         </p:spPr>
         <p:txBody>
@@ -9016,20 +7462,58 @@
           <a:lstStyle/>
           <a:p>
             <a:r>
-              <a:rPr lang="en-US" dirty="0"/>
-              <a:t>My prototype used try/except but was unwieldy for the user</a:t>
-            </a:r>
-          </a:p>
-          <a:p>
-            <a:r>
-              <a:rPr lang="en-US" dirty="0"/>
-              <a:t>And, the code looked like error handling, which obscured purpose</a:t>
-            </a:r>
-          </a:p>
-          <a:p>
-            <a:r>
-              <a:rPr lang="en-US" dirty="0"/>
-              <a:t>Python "</a:t>
+              <a:rPr lang="en-US" b="1" dirty="0"/>
+              <a:t>explain</a:t>
+            </a:r>
+            <a:r>
+              <a:rPr lang="en-US" dirty="0"/>
+              <a:t>() object's </a:t>
+            </a:r>
+            <a:r>
+              <a:rPr lang="en-US" b="1" dirty="0"/>
+              <a:t>__enter__()</a:t>
+            </a:r>
+            <a:r>
+              <a:rPr lang="en-US" dirty="0"/>
+              <a:t> method creates a tracer object and registers it with Python via </a:t>
+            </a:r>
+            <a:r>
+              <a:rPr lang="en-US" b="1" dirty="0" err="1"/>
+              <a:t>sys.settrace</a:t>
+            </a:r>
+            <a:r>
+              <a:rPr lang="en-US" b="1" dirty="0"/>
+              <a:t>()</a:t>
+            </a:r>
+            <a:r>
+              <a:rPr lang="en-US" dirty="0"/>
+              <a:t> [1]</a:t>
+            </a:r>
+          </a:p>
+          <a:p>
+            <a:r>
+              <a:rPr lang="en-US" dirty="0"/>
+              <a:t>The tracer is notified upon each source line execution</a:t>
+            </a:r>
+          </a:p>
+          <a:p>
+            <a:r>
+              <a:rPr lang="en-US" dirty="0"/>
+              <a:t>Using the same mechanism as </a:t>
+            </a:r>
+            <a:r>
+              <a:rPr lang="en-US" b="1" dirty="0"/>
+              <a:t>clarify</a:t>
+            </a:r>
+            <a:r>
+              <a:rPr lang="en-US" dirty="0"/>
+              <a:t>(): parse source line, build AST, evaluate AST subexpressions to identify operand shapes</a:t>
+            </a:r>
+          </a:p>
+          <a:p>
+            <a:r>
+              <a:rPr lang="en-US" dirty="0"/>
+              <a:t>Even in a loop within </a:t>
             </a:r>
             <a:r>
               <a:rPr lang="en-US" b="1" dirty="0"/>
@@ -9037,46 +7521,27 @@
             </a:r>
             <a:r>
               <a:rPr lang="en-US" dirty="0"/>
-              <a:t> </a:t>
-            </a:r>
-            <a:r>
-              <a:rPr lang="en-US" b="1" dirty="0"/>
-              <a:t>b</a:t>
-            </a:r>
-            <a:r>
-              <a:rPr lang="en-US" dirty="0"/>
-              <a:t>" blocks call </a:t>
-            </a:r>
-            <a:r>
-              <a:rPr lang="en-US" b="1" dirty="0"/>
-              <a:t>__enter__</a:t>
-            </a:r>
-            <a:r>
-              <a:rPr lang="en-US" dirty="0"/>
-              <a:t>(), </a:t>
-            </a:r>
-            <a:r>
-              <a:rPr lang="en-US" b="1" dirty="0"/>
-              <a:t>__exit__</a:t>
-            </a:r>
-            <a:r>
-              <a:rPr lang="en-US" dirty="0"/>
-              <a:t>() on object </a:t>
-            </a:r>
-            <a:r>
-              <a:rPr lang="en-US" b="1" dirty="0"/>
-              <a:t>b</a:t>
-            </a:r>
-            <a:r>
-              <a:rPr lang="en-US" dirty="0"/>
-              <a:t> and exit method receives exception object and execution stack</a:t>
-            </a:r>
-          </a:p>
-          <a:p>
-            <a:r>
-              <a:rPr lang="en-US" dirty="0"/>
-              <a:t>Exception handling code can automatically gen visualization</a:t>
-            </a:r>
+              <a:t> block, statements visualized just once</a:t>
+            </a:r>
+          </a:p>
+          <a:p>
+            <a:r>
+              <a:rPr lang="en-US" dirty="0"/>
+              <a:t>Slows down execution (a lot) but it's still useful</a:t>
+            </a:r>
+          </a:p>
+          <a:p>
+            <a:r>
+              <a:rPr lang="en-US" dirty="0"/>
+              <a:t>Watch out for side effects; e.g., this prints "hi" twice:</a:t>
+            </a:r>
+            <a:br>
+              <a:rPr lang="en-US" dirty="0"/>
+            </a:br>
+            <a:endParaRPr lang="en-US" dirty="0">
+              <a:latin typeface="Consolas" panose="020B0609020204030204" pitchFamily="49" charset="0"/>
+              <a:cs typeface="Consolas" panose="020B0609020204030204" pitchFamily="49" charset="0"/>
+            </a:endParaRPr>
           </a:p>
         </p:txBody>
       </p:sp>
@@ -9085,7 +7550,7 @@
           <p:cNvPr id="4" name="Rectangle 3">
             <a:extLst>
               <a:ext uri="{FF2B5EF4-FFF2-40B4-BE49-F238E27FC236}">
-                <a16:creationId xmlns:a16="http://schemas.microsoft.com/office/drawing/2014/main" id="{ABA1E4F6-1F44-B94F-ADAE-39534C4C165D}"/>
+                <a16:creationId xmlns:a16="http://schemas.microsoft.com/office/drawing/2014/main" id="{32AA5690-1EE5-E544-BAB3-77052A1A6C1B}"/>
               </a:ext>
             </a:extLst>
           </p:cNvPr>
@@ -9094,17 +7559,12 @@
         </p:nvSpPr>
         <p:spPr>
           <a:xfrm>
-            <a:off x="6828149" y="4524838"/>
-            <a:ext cx="4729113" cy="954107"/>
+            <a:off x="2859465" y="5443682"/>
+            <a:ext cx="4163505" cy="830997"/>
           </a:xfrm>
           <a:prstGeom prst="rect">
             <a:avLst/>
           </a:prstGeom>
-          <a:ln>
-            <a:solidFill>
-              <a:schemeClr val="accent1"/>
-            </a:solidFill>
-          </a:ln>
         </p:spPr>
         <p:txBody>
           <a:bodyPr wrap="square">
@@ -9113,175 +7573,59 @@
           <a:lstStyle/>
           <a:p>
             <a:r>
-              <a:rPr lang="en-US" sz="2800" b="1" dirty="0">
+              <a:rPr lang="en-US" sz="2400" b="1" dirty="0">
                 <a:solidFill>
                   <a:srgbClr val="000080"/>
                 </a:solidFill>
                 <a:latin typeface="Consolas" panose="020B0609020204030204" pitchFamily="49" charset="0"/>
                 <a:cs typeface="Consolas" panose="020B0609020204030204" pitchFamily="49" charset="0"/>
               </a:rPr>
-              <a:t>with </a:t>
-            </a:r>
-            <a:r>
-              <a:rPr lang="en-US" sz="2800" dirty="0" err="1">
+              <a:t>with</a:t>
+            </a:r>
+            <a:r>
+              <a:rPr lang="en-US" sz="2400" dirty="0">
                 <a:latin typeface="Consolas" panose="020B0609020204030204" pitchFamily="49" charset="0"/>
                 <a:cs typeface="Consolas" panose="020B0609020204030204" pitchFamily="49" charset="0"/>
               </a:rPr>
-              <a:t>tsensor.clarify</a:t>
-            </a:r>
-            <a:r>
-              <a:rPr lang="en-US" sz="2800" dirty="0">
+              <a:t> </a:t>
+            </a:r>
+            <a:r>
+              <a:rPr lang="en-US" sz="2400" dirty="0" err="1">
+                <a:latin typeface="Consolas" panose="020B0609020204030204" pitchFamily="49" charset="0"/>
+                <a:cs typeface="Consolas" panose="020B0609020204030204" pitchFamily="49" charset="0"/>
+              </a:rPr>
+              <a:t>tsensor.explain</a:t>
+            </a:r>
+            <a:r>
+              <a:rPr lang="en-US" sz="2400" dirty="0">
                 <a:latin typeface="Consolas" panose="020B0609020204030204" pitchFamily="49" charset="0"/>
                 <a:cs typeface="Consolas" panose="020B0609020204030204" pitchFamily="49" charset="0"/>
               </a:rPr>
               <a:t>():</a:t>
             </a:r>
             <a:br>
-              <a:rPr lang="en-US" sz="2800" dirty="0">
+              <a:rPr lang="en-US" sz="2400" dirty="0">
                 <a:latin typeface="Consolas" panose="020B0609020204030204" pitchFamily="49" charset="0"/>
                 <a:cs typeface="Consolas" panose="020B0609020204030204" pitchFamily="49" charset="0"/>
               </a:rPr>
             </a:br>
             <a:r>
-              <a:rPr lang="en-US" sz="2800" dirty="0">
+              <a:rPr lang="en-US" sz="2400" dirty="0">
                 <a:latin typeface="Consolas" panose="020B0609020204030204" pitchFamily="49" charset="0"/>
                 <a:cs typeface="Consolas" panose="020B0609020204030204" pitchFamily="49" charset="0"/>
               </a:rPr>
-              <a:t>    </a:t>
-            </a:r>
-            <a:r>
-              <a:rPr lang="en-US" sz="2800" dirty="0" err="1">
-                <a:latin typeface="Consolas" panose="020B0609020204030204" pitchFamily="49" charset="0"/>
-                <a:cs typeface="Consolas" panose="020B0609020204030204" pitchFamily="49" charset="0"/>
-              </a:rPr>
-              <a:t>myprogram</a:t>
-            </a:r>
-            <a:r>
-              <a:rPr lang="en-US" sz="2800" dirty="0">
-                <a:latin typeface="Consolas" panose="020B0609020204030204" pitchFamily="49" charset="0"/>
-                <a:cs typeface="Consolas" panose="020B0609020204030204" pitchFamily="49" charset="0"/>
-              </a:rPr>
-              <a:t>()</a:t>
-            </a:r>
-          </a:p>
-        </p:txBody>
-      </p:sp>
-      <p:sp>
-        <p:nvSpPr>
-          <p:cNvPr id="6" name="Rectangle 5">
-            <a:extLst>
-              <a:ext uri="{FF2B5EF4-FFF2-40B4-BE49-F238E27FC236}">
-                <a16:creationId xmlns:a16="http://schemas.microsoft.com/office/drawing/2014/main" id="{BCF22F74-0B6B-7045-9B6D-3E13D024788E}"/>
-              </a:ext>
-            </a:extLst>
-          </p:cNvPr>
-          <p:cNvSpPr/>
-          <p:nvPr/>
-        </p:nvSpPr>
-        <p:spPr>
-          <a:xfrm>
-            <a:off x="719579" y="4522509"/>
-            <a:ext cx="5681221" cy="1815882"/>
-          </a:xfrm>
-          <a:prstGeom prst="rect">
-            <a:avLst/>
-          </a:prstGeom>
-          <a:ln>
-            <a:solidFill>
-              <a:schemeClr val="accent1"/>
-            </a:solidFill>
-          </a:ln>
-        </p:spPr>
-        <p:txBody>
-          <a:bodyPr wrap="square">
-            <a:spAutoFit/>
-          </a:bodyPr>
-          <a:lstStyle/>
-          <a:p>
-            <a:r>
-              <a:rPr lang="en-US" sz="2800" b="1" dirty="0">
-                <a:solidFill>
-                  <a:srgbClr val="000080"/>
-                </a:solidFill>
-                <a:latin typeface="Consolas" panose="020B0609020204030204" pitchFamily="49" charset="0"/>
-                <a:cs typeface="Consolas" panose="020B0609020204030204" pitchFamily="49" charset="0"/>
-              </a:rPr>
-              <a:t>try:</a:t>
-            </a:r>
-          </a:p>
-          <a:p>
-            <a:r>
-              <a:rPr lang="en-US" sz="2800" dirty="0">
-                <a:latin typeface="Consolas" panose="020B0609020204030204" pitchFamily="49" charset="0"/>
-                <a:cs typeface="Consolas" panose="020B0609020204030204" pitchFamily="49" charset="0"/>
-              </a:rPr>
-              <a:t>    </a:t>
-            </a:r>
-            <a:r>
-              <a:rPr lang="en-US" sz="2800" dirty="0" err="1">
-                <a:latin typeface="Consolas" panose="020B0609020204030204" pitchFamily="49" charset="0"/>
-                <a:cs typeface="Consolas" panose="020B0609020204030204" pitchFamily="49" charset="0"/>
-              </a:rPr>
-              <a:t>myprogram</a:t>
-            </a:r>
-            <a:r>
-              <a:rPr lang="en-US" sz="2800" dirty="0">
-                <a:latin typeface="Consolas" panose="020B0609020204030204" pitchFamily="49" charset="0"/>
-                <a:cs typeface="Consolas" panose="020B0609020204030204" pitchFamily="49" charset="0"/>
-              </a:rPr>
-              <a:t>()</a:t>
-            </a:r>
-          </a:p>
-          <a:p>
-            <a:r>
-              <a:rPr lang="en-US" sz="2800" b="1" dirty="0">
-                <a:solidFill>
-                  <a:srgbClr val="000080"/>
-                </a:solidFill>
-                <a:latin typeface="Consolas" panose="020B0609020204030204" pitchFamily="49" charset="0"/>
-                <a:cs typeface="Consolas" panose="020B0609020204030204" pitchFamily="49" charset="0"/>
-              </a:rPr>
-              <a:t>except</a:t>
-            </a:r>
-            <a:r>
-              <a:rPr lang="en-US" sz="2800" dirty="0">
-                <a:latin typeface="Consolas" panose="020B0609020204030204" pitchFamily="49" charset="0"/>
-                <a:cs typeface="Consolas" panose="020B0609020204030204" pitchFamily="49" charset="0"/>
-              </a:rPr>
-              <a:t> Exception as e:</a:t>
-            </a:r>
-          </a:p>
-          <a:p>
-            <a:r>
-              <a:rPr lang="en-US" sz="2800" dirty="0">
-                <a:latin typeface="Consolas" panose="020B0609020204030204" pitchFamily="49" charset="0"/>
-                <a:cs typeface="Consolas" panose="020B0609020204030204" pitchFamily="49" charset="0"/>
-              </a:rPr>
-              <a:t>    </a:t>
-            </a:r>
-            <a:r>
-              <a:rPr lang="en-US" sz="2800" dirty="0" err="1">
-                <a:latin typeface="Consolas" panose="020B0609020204030204" pitchFamily="49" charset="0"/>
-                <a:cs typeface="Consolas" panose="020B0609020204030204" pitchFamily="49" charset="0"/>
-              </a:rPr>
-              <a:t>tsensor.do_everything</a:t>
-            </a:r>
-            <a:r>
-              <a:rPr lang="en-US" sz="2800" dirty="0">
-                <a:latin typeface="Consolas" panose="020B0609020204030204" pitchFamily="49" charset="0"/>
-                <a:cs typeface="Consolas" panose="020B0609020204030204" pitchFamily="49" charset="0"/>
-              </a:rPr>
-              <a:t>(e) </a:t>
-            </a:r>
-          </a:p>
-        </p:txBody>
-      </p:sp>
-      <p:sp>
-        <p:nvSpPr>
-          <p:cNvPr id="7" name="TextBox 6">
-            <a:extLst>
-              <a:ext uri="{FF2B5EF4-FFF2-40B4-BE49-F238E27FC236}">
-                <a16:creationId xmlns:a16="http://schemas.microsoft.com/office/drawing/2014/main" id="{BC4137DE-8F64-EE43-BFC8-6855EDCE7C84}"/>
+              <a:t>    print("hi")</a:t>
+            </a:r>
+            <a:endParaRPr lang="en-US" sz="2400" dirty="0"/>
+          </a:p>
+        </p:txBody>
+      </p:sp>
+      <p:sp>
+        <p:nvSpPr>
+          <p:cNvPr id="5" name="TextBox 4">
+            <a:extLst>
+              <a:ext uri="{FF2B5EF4-FFF2-40B4-BE49-F238E27FC236}">
+                <a16:creationId xmlns:a16="http://schemas.microsoft.com/office/drawing/2014/main" id="{00927F5E-5CFE-F746-9673-ECCB3AD12C8F}"/>
               </a:ext>
             </a:extLst>
           </p:cNvPr>
@@ -9290,8 +7634,8 @@
         </p:nvSpPr>
         <p:spPr>
           <a:xfrm>
-            <a:off x="2856322" y="4153177"/>
-            <a:ext cx="1281120" cy="400110"/>
+            <a:off x="0" y="6488668"/>
+            <a:ext cx="7258639" cy="307777"/>
           </a:xfrm>
           <a:prstGeom prst="rect">
             <a:avLst/>
@@ -9299,24 +7643,409 @@
           <a:noFill/>
         </p:spPr>
         <p:txBody>
-          <a:bodyPr wrap="none" rtlCol="0">
+          <a:bodyPr wrap="square" rtlCol="0">
             <a:spAutoFit/>
           </a:bodyPr>
           <a:lstStyle/>
           <a:p>
             <a:r>
-              <a:rPr lang="en-US" sz="2000" dirty="0"/>
-              <a:t>Prototype</a:t>
-            </a:r>
-          </a:p>
-        </p:txBody>
-      </p:sp>
-      <p:sp>
-        <p:nvSpPr>
-          <p:cNvPr id="8" name="TextBox 7">
-            <a:extLst>
-              <a:ext uri="{FF2B5EF4-FFF2-40B4-BE49-F238E27FC236}">
-                <a16:creationId xmlns:a16="http://schemas.microsoft.com/office/drawing/2014/main" id="{A9785AC6-08FA-C746-B169-345B3A20F332}"/>
+              <a:rPr lang="en-US" sz="1400" dirty="0"/>
+              <a:t>[1] </a:t>
+            </a:r>
+            <a:r>
+              <a:rPr lang="en-US" sz="1400" dirty="0">
+                <a:hlinkClick r:id="rId2"/>
+              </a:rPr>
+              <a:t>https://docs.python.org/3/library/sys.html#sys.settrace</a:t>
+            </a:r>
+            <a:endParaRPr lang="en-US" sz="1400" dirty="0"/>
+          </a:p>
+        </p:txBody>
+      </p:sp>
+    </p:spTree>
+    <p:extLst>
+      <p:ext uri="{BB962C8B-B14F-4D97-AF65-F5344CB8AC3E}">
+        <p14:creationId xmlns:p14="http://schemas.microsoft.com/office/powerpoint/2010/main" val="1839508605"/>
+      </p:ext>
+    </p:extLst>
+  </p:cSld>
+  <p:clrMapOvr>
+    <a:masterClrMapping/>
+  </p:clrMapOvr>
+</p:sld>
+</file>
+
+<file path=ppt/slides/slide2.xml><?xml version="1.0" encoding="utf-8"?>
+<p:sld xmlns:a="http://schemas.openxmlformats.org/drawingml/2006/main" xmlns:r="http://schemas.openxmlformats.org/officeDocument/2006/relationships" xmlns:p="http://schemas.openxmlformats.org/presentationml/2006/main">
+  <p:cSld>
+    <p:spTree>
+      <p:nvGrpSpPr>
+        <p:cNvPr id="1" name=""/>
+        <p:cNvGrpSpPr/>
+        <p:nvPr/>
+      </p:nvGrpSpPr>
+      <p:grpSpPr>
+        <a:xfrm>
+          <a:off x="0" y="0"/>
+          <a:ext cx="0" cy="0"/>
+          <a:chOff x="0" y="0"/>
+          <a:chExt cx="0" cy="0"/>
+        </a:xfrm>
+      </p:grpSpPr>
+      <p:sp>
+        <p:nvSpPr>
+          <p:cNvPr id="2" name="Title 1">
+            <a:extLst>
+              <a:ext uri="{FF2B5EF4-FFF2-40B4-BE49-F238E27FC236}">
+                <a16:creationId xmlns:a16="http://schemas.microsoft.com/office/drawing/2014/main" id="{EE2209B4-E162-6F4A-BB1F-9F13BC0E0037}"/>
+              </a:ext>
+            </a:extLst>
+          </p:cNvPr>
+          <p:cNvSpPr>
+            <a:spLocks noGrp="1"/>
+          </p:cNvSpPr>
+          <p:nvPr>
+            <p:ph type="title"/>
+          </p:nvPr>
+        </p:nvSpPr>
+        <p:spPr/>
+        <p:txBody>
+          <a:bodyPr/>
+          <a:lstStyle/>
+          <a:p>
+            <a:r>
+              <a:rPr lang="en-US" dirty="0"/>
+              <a:t>The problem</a:t>
+            </a:r>
+          </a:p>
+        </p:txBody>
+      </p:sp>
+      <p:sp>
+        <p:nvSpPr>
+          <p:cNvPr id="7" name="Content Placeholder 6">
+            <a:extLst>
+              <a:ext uri="{FF2B5EF4-FFF2-40B4-BE49-F238E27FC236}">
+                <a16:creationId xmlns:a16="http://schemas.microsoft.com/office/drawing/2014/main" id="{D9E81DA5-11F8-F84C-AF14-F859B3F7ECFD}"/>
+              </a:ext>
+            </a:extLst>
+          </p:cNvPr>
+          <p:cNvSpPr>
+            <a:spLocks noGrp="1"/>
+          </p:cNvSpPr>
+          <p:nvPr>
+            <p:ph idx="1"/>
+          </p:nvPr>
+        </p:nvSpPr>
+        <p:spPr>
+          <a:xfrm>
+            <a:off x="838200" y="1795346"/>
+            <a:ext cx="10515600" cy="4697529"/>
+          </a:xfrm>
+        </p:spPr>
+        <p:txBody>
+          <a:bodyPr>
+            <a:normAutofit/>
+          </a:bodyPr>
+          <a:lstStyle/>
+          <a:p>
+            <a:r>
+              <a:rPr lang="en-US" dirty="0"/>
+              <a:t>It's easy to lose track of matrix/tensor dimensionality in matrix algebra expressions (even in statically-typed languages)</a:t>
+            </a:r>
+          </a:p>
+          <a:p>
+            <a:r>
+              <a:rPr lang="en-US" dirty="0"/>
+              <a:t>Upon error, we often get less than helpful exception messages, such as this (</a:t>
+            </a:r>
+            <a:r>
+              <a:rPr lang="en-US" dirty="0" err="1"/>
+              <a:t>PyTorch</a:t>
+            </a:r>
+            <a:r>
+              <a:rPr lang="en-US" dirty="0"/>
+              <a:t>) message:</a:t>
+            </a:r>
+          </a:p>
+          <a:p>
+            <a:endParaRPr lang="en-US" dirty="0"/>
+          </a:p>
+          <a:p>
+            <a:endParaRPr lang="en-US" dirty="0"/>
+          </a:p>
+          <a:p>
+            <a:endParaRPr lang="en-US" dirty="0"/>
+          </a:p>
+          <a:p>
+            <a:r>
+              <a:rPr lang="en-US" dirty="0"/>
+              <a:t>The offending operator and operands are not identified, since Python exceptions occur at the line level rather than the operator level</a:t>
+            </a:r>
+          </a:p>
+        </p:txBody>
+      </p:sp>
+      <p:pic>
+        <p:nvPicPr>
+          <p:cNvPr id="8" name="Content Placeholder 4">
+            <a:extLst>
+              <a:ext uri="{FF2B5EF4-FFF2-40B4-BE49-F238E27FC236}">
+                <a16:creationId xmlns:a16="http://schemas.microsoft.com/office/drawing/2014/main" id="{A8252864-C658-CF4B-B4AA-5816A030DDC4}"/>
+              </a:ext>
+            </a:extLst>
+          </p:cNvPr>
+          <p:cNvPicPr>
+            <a:picLocks noChangeAspect="1"/>
+          </p:cNvPicPr>
+          <p:nvPr/>
+        </p:nvPicPr>
+        <p:blipFill>
+          <a:blip r:embed="rId2"/>
+          <a:stretch>
+            <a:fillRect/>
+          </a:stretch>
+        </p:blipFill>
+        <p:spPr>
+          <a:xfrm>
+            <a:off x="808856" y="3785394"/>
+            <a:ext cx="10544944" cy="915814"/>
+          </a:xfrm>
+          <a:prstGeom prst="rect">
+            <a:avLst/>
+          </a:prstGeom>
+        </p:spPr>
+      </p:pic>
+      <p:pic>
+        <p:nvPicPr>
+          <p:cNvPr id="4" name="Picture 3" descr="Graphical user interface, text, application, chat or text message&#10;&#10;Description automatically generated">
+            <a:extLst>
+              <a:ext uri="{FF2B5EF4-FFF2-40B4-BE49-F238E27FC236}">
+                <a16:creationId xmlns:a16="http://schemas.microsoft.com/office/drawing/2014/main" id="{C7DCD08B-E8A0-DC4D-8DEE-20E214DD99E6}"/>
+              </a:ext>
+            </a:extLst>
+          </p:cNvPr>
+          <p:cNvPicPr>
+            <a:picLocks noChangeAspect="1"/>
+          </p:cNvPicPr>
+          <p:nvPr/>
+        </p:nvPicPr>
+        <p:blipFill>
+          <a:blip r:embed="rId3"/>
+          <a:stretch>
+            <a:fillRect/>
+          </a:stretch>
+        </p:blipFill>
+        <p:spPr>
+          <a:xfrm>
+            <a:off x="7962734" y="4008"/>
+            <a:ext cx="4229266" cy="1675529"/>
+          </a:xfrm>
+          <a:prstGeom prst="rect">
+            <a:avLst/>
+          </a:prstGeom>
+        </p:spPr>
+      </p:pic>
+    </p:spTree>
+    <p:extLst>
+      <p:ext uri="{BB962C8B-B14F-4D97-AF65-F5344CB8AC3E}">
+        <p14:creationId xmlns:p14="http://schemas.microsoft.com/office/powerpoint/2010/main" val="1865253501"/>
+      </p:ext>
+    </p:extLst>
+  </p:cSld>
+  <p:clrMapOvr>
+    <a:masterClrMapping/>
+  </p:clrMapOvr>
+</p:sld>
+</file>
+
+<file path=ppt/slides/slide20.xml><?xml version="1.0" encoding="utf-8"?>
+<p:sld xmlns:a="http://schemas.openxmlformats.org/drawingml/2006/main" xmlns:r="http://schemas.openxmlformats.org/officeDocument/2006/relationships" xmlns:p="http://schemas.openxmlformats.org/presentationml/2006/main">
+  <p:cSld>
+    <p:spTree>
+      <p:nvGrpSpPr>
+        <p:cNvPr id="1" name=""/>
+        <p:cNvGrpSpPr/>
+        <p:nvPr/>
+      </p:nvGrpSpPr>
+      <p:grpSpPr>
+        <a:xfrm>
+          <a:off x="0" y="0"/>
+          <a:ext cx="0" cy="0"/>
+          <a:chOff x="0" y="0"/>
+          <a:chExt cx="0" cy="0"/>
+        </a:xfrm>
+      </p:grpSpPr>
+      <p:sp>
+        <p:nvSpPr>
+          <p:cNvPr id="2" name="Title 1">
+            <a:extLst>
+              <a:ext uri="{FF2B5EF4-FFF2-40B4-BE49-F238E27FC236}">
+                <a16:creationId xmlns:a16="http://schemas.microsoft.com/office/drawing/2014/main" id="{BD1AD132-44A6-764D-B524-D3159947C592}"/>
+              </a:ext>
+            </a:extLst>
+          </p:cNvPr>
+          <p:cNvSpPr>
+            <a:spLocks noGrp="1"/>
+          </p:cNvSpPr>
+          <p:nvPr>
+            <p:ph type="title"/>
+          </p:nvPr>
+        </p:nvSpPr>
+        <p:spPr/>
+        <p:txBody>
+          <a:bodyPr/>
+          <a:lstStyle/>
+          <a:p>
+            <a:r>
+              <a:rPr lang="en-US" dirty="0"/>
+              <a:t>Examples of future work</a:t>
+            </a:r>
+          </a:p>
+        </p:txBody>
+      </p:sp>
+      <p:sp>
+        <p:nvSpPr>
+          <p:cNvPr id="3" name="Content Placeholder 2">
+            <a:extLst>
+              <a:ext uri="{FF2B5EF4-FFF2-40B4-BE49-F238E27FC236}">
+                <a16:creationId xmlns:a16="http://schemas.microsoft.com/office/drawing/2014/main" id="{E23B81AC-73EF-5349-9FEF-73D407E03E6F}"/>
+              </a:ext>
+            </a:extLst>
+          </p:cNvPr>
+          <p:cNvSpPr>
+            <a:spLocks noGrp="1"/>
+          </p:cNvSpPr>
+          <p:nvPr>
+            <p:ph idx="1"/>
+          </p:nvPr>
+        </p:nvSpPr>
+        <p:spPr>
+          <a:xfrm>
+            <a:off x="838200" y="1825625"/>
+            <a:ext cx="5577221" cy="4667250"/>
+          </a:xfrm>
+        </p:spPr>
+        <p:txBody>
+          <a:bodyPr>
+            <a:normAutofit/>
+          </a:bodyPr>
+          <a:lstStyle/>
+          <a:p>
+            <a:r>
+              <a:rPr lang="en-US" dirty="0"/>
+              <a:t>Lots of meat still on the bone</a:t>
+            </a:r>
+          </a:p>
+          <a:p>
+            <a:r>
+              <a:rPr lang="en-US" dirty="0"/>
+              <a:t>Add tensor element type to messages and visualizations</a:t>
+            </a:r>
+          </a:p>
+          <a:p>
+            <a:pPr lvl="1"/>
+            <a:r>
+              <a:rPr lang="en-US" dirty="0"/>
+              <a:t>we don’t want integers becoming floats if they are used as indexes</a:t>
+            </a:r>
+          </a:p>
+          <a:p>
+            <a:pPr lvl="1"/>
+            <a:r>
+              <a:rPr lang="en-US" dirty="0"/>
+              <a:t>might need to restrict to 32 bits</a:t>
+            </a:r>
+          </a:p>
+          <a:p>
+            <a:pPr lvl="1"/>
+            <a:endParaRPr lang="en-US" dirty="0"/>
+          </a:p>
+          <a:p>
+            <a:r>
+              <a:rPr lang="en-US" dirty="0"/>
+              <a:t>Viz errors in predefined layers; currently highlights </a:t>
+            </a:r>
+            <a:r>
+              <a:rPr lang="en-US" b="1" dirty="0"/>
+              <a:t>model(X)</a:t>
+            </a:r>
+            <a:r>
+              <a:rPr lang="en-US" dirty="0"/>
+              <a:t> not layer in </a:t>
+            </a:r>
+            <a:r>
+              <a:rPr lang="en-US" b="1" dirty="0" err="1"/>
+              <a:t>nn.Sequential</a:t>
+            </a:r>
+            <a:endParaRPr lang="en-US" b="1" dirty="0"/>
+          </a:p>
+        </p:txBody>
+      </p:sp>
+      <p:pic>
+        <p:nvPicPr>
+          <p:cNvPr id="5" name="Picture 4" descr="Graphical user interface, text, application&#10;&#10;Description automatically generated">
+            <a:extLst>
+              <a:ext uri="{FF2B5EF4-FFF2-40B4-BE49-F238E27FC236}">
+                <a16:creationId xmlns:a16="http://schemas.microsoft.com/office/drawing/2014/main" id="{F1E953EE-2318-164D-9703-7552707BD67E}"/>
+              </a:ext>
+            </a:extLst>
+          </p:cNvPr>
+          <p:cNvPicPr>
+            <a:picLocks noChangeAspect="1"/>
+          </p:cNvPicPr>
+          <p:nvPr/>
+        </p:nvPicPr>
+        <p:blipFill>
+          <a:blip r:embed="rId2"/>
+          <a:stretch>
+            <a:fillRect/>
+          </a:stretch>
+        </p:blipFill>
+        <p:spPr>
+          <a:xfrm>
+            <a:off x="6415421" y="4713403"/>
+            <a:ext cx="5776579" cy="2144598"/>
+          </a:xfrm>
+          <a:prstGeom prst="rect">
+            <a:avLst/>
+          </a:prstGeom>
+        </p:spPr>
+      </p:pic>
+      <p:pic>
+        <p:nvPicPr>
+          <p:cNvPr id="6" name="Picture 5" descr="A picture containing diagram&#10;&#10;Description automatically generated">
+            <a:extLst>
+              <a:ext uri="{FF2B5EF4-FFF2-40B4-BE49-F238E27FC236}">
+                <a16:creationId xmlns:a16="http://schemas.microsoft.com/office/drawing/2014/main" id="{C2BB73C0-EE49-1541-8660-75CC0533AE8E}"/>
+              </a:ext>
+            </a:extLst>
+          </p:cNvPr>
+          <p:cNvPicPr>
+            <a:picLocks noChangeAspect="1"/>
+          </p:cNvPicPr>
+          <p:nvPr/>
+        </p:nvPicPr>
+        <p:blipFill>
+          <a:blip r:embed="rId3"/>
+          <a:stretch>
+            <a:fillRect/>
+          </a:stretch>
+        </p:blipFill>
+        <p:spPr>
+          <a:xfrm>
+            <a:off x="6415421" y="2594057"/>
+            <a:ext cx="3073400" cy="1054100"/>
+          </a:xfrm>
+          <a:prstGeom prst="rect">
+            <a:avLst/>
+          </a:prstGeom>
+        </p:spPr>
+      </p:pic>
+      <p:sp>
+        <p:nvSpPr>
+          <p:cNvPr id="7" name="TextBox 6">
+            <a:extLst>
+              <a:ext uri="{FF2B5EF4-FFF2-40B4-BE49-F238E27FC236}">
+                <a16:creationId xmlns:a16="http://schemas.microsoft.com/office/drawing/2014/main" id="{5B06F7B2-72D5-AC47-8565-254376BAB6C5}"/>
               </a:ext>
             </a:extLst>
           </p:cNvPr>
@@ -9325,8 +8054,8 @@
         </p:nvSpPr>
         <p:spPr>
           <a:xfrm>
-            <a:off x="8552145" y="4163355"/>
-            <a:ext cx="1039067" cy="400110"/>
+            <a:off x="6531816" y="3533035"/>
+            <a:ext cx="644728" cy="276999"/>
           </a:xfrm>
           <a:prstGeom prst="rect">
             <a:avLst/>
@@ -9340,8 +8069,8 @@
           <a:lstStyle/>
           <a:p>
             <a:r>
-              <a:rPr lang="en-US" sz="2000" dirty="0"/>
-              <a:t>Current</a:t>
+              <a:rPr lang="en-US" sz="1200" i="1" dirty="0"/>
+              <a:t>float64</a:t>
             </a:r>
           </a:p>
         </p:txBody>
@@ -9351,7 +8080,7 @@
           <p:cNvPr id="9" name="TextBox 8">
             <a:extLst>
               <a:ext uri="{FF2B5EF4-FFF2-40B4-BE49-F238E27FC236}">
-                <a16:creationId xmlns:a16="http://schemas.microsoft.com/office/drawing/2014/main" id="{18B2EC85-983D-DA4F-8A20-FFCD6B2ECEDA}"/>
+                <a16:creationId xmlns:a16="http://schemas.microsoft.com/office/drawing/2014/main" id="{F0CFFDCA-7D37-514C-855E-864EC2713A3E}"/>
               </a:ext>
             </a:extLst>
           </p:cNvPr>
@@ -9360,8 +8089,8 @@
         </p:nvSpPr>
         <p:spPr>
           <a:xfrm>
-            <a:off x="806760" y="6421622"/>
-            <a:ext cx="5477782" cy="338554"/>
+            <a:off x="9057654" y="3533034"/>
+            <a:ext cx="644728" cy="276999"/>
           </a:xfrm>
           <a:prstGeom prst="rect">
             <a:avLst/>
@@ -9375,43 +8104,142 @@
           <a:lstStyle/>
           <a:p>
             <a:r>
-              <a:rPr lang="en-US" sz="1600" dirty="0"/>
-              <a:t>(might not be able to hide everything here, like reraising </a:t>
-            </a:r>
-            <a:r>
-              <a:rPr lang="en-US" sz="1600" b="1" dirty="0"/>
-              <a:t>e</a:t>
-            </a:r>
-            <a:r>
-              <a:rPr lang="en-US" sz="1600" dirty="0"/>
-              <a:t>)</a:t>
+              <a:rPr lang="en-US" sz="1200" i="1" dirty="0"/>
+              <a:t>float64</a:t>
+            </a:r>
+          </a:p>
+        </p:txBody>
+      </p:sp>
+      <p:sp>
+        <p:nvSpPr>
+          <p:cNvPr id="10" name="TextBox 9">
+            <a:extLst>
+              <a:ext uri="{FF2B5EF4-FFF2-40B4-BE49-F238E27FC236}">
+                <a16:creationId xmlns:a16="http://schemas.microsoft.com/office/drawing/2014/main" id="{C3C95A6E-499E-CA4A-A37D-521F14F4290B}"/>
+              </a:ext>
+            </a:extLst>
+          </p:cNvPr>
+          <p:cNvSpPr txBox="1"/>
+          <p:nvPr/>
+        </p:nvSpPr>
+        <p:spPr>
+          <a:xfrm>
+            <a:off x="8321305" y="3533034"/>
+            <a:ext cx="644728" cy="276999"/>
+          </a:xfrm>
+          <a:prstGeom prst="rect">
+            <a:avLst/>
+          </a:prstGeom>
+          <a:noFill/>
+        </p:spPr>
+        <p:txBody>
+          <a:bodyPr wrap="none" rtlCol="0">
+            <a:spAutoFit/>
+          </a:bodyPr>
+          <a:lstStyle/>
+          <a:p>
+            <a:r>
+              <a:rPr lang="en-US" sz="1200" i="1" dirty="0"/>
+              <a:t>float32</a:t>
+            </a:r>
+          </a:p>
+        </p:txBody>
+      </p:sp>
+      <p:sp>
+        <p:nvSpPr>
+          <p:cNvPr id="11" name="TextBox 10">
+            <a:extLst>
+              <a:ext uri="{FF2B5EF4-FFF2-40B4-BE49-F238E27FC236}">
+                <a16:creationId xmlns:a16="http://schemas.microsoft.com/office/drawing/2014/main" id="{16D2B1FC-A595-C645-A7E3-A0826F32C12F}"/>
+              </a:ext>
+            </a:extLst>
+          </p:cNvPr>
+          <p:cNvSpPr txBox="1"/>
+          <p:nvPr/>
+        </p:nvSpPr>
+        <p:spPr>
+          <a:xfrm>
+            <a:off x="7439146" y="3533034"/>
+            <a:ext cx="644728" cy="276999"/>
+          </a:xfrm>
+          <a:prstGeom prst="rect">
+            <a:avLst/>
+          </a:prstGeom>
+          <a:noFill/>
+        </p:spPr>
+        <p:txBody>
+          <a:bodyPr wrap="none" rtlCol="0">
+            <a:spAutoFit/>
+          </a:bodyPr>
+          <a:lstStyle/>
+          <a:p>
+            <a:r>
+              <a:rPr lang="en-US" sz="1200" i="1" dirty="0"/>
+              <a:t>float32</a:t>
+            </a:r>
+          </a:p>
+        </p:txBody>
+      </p:sp>
+      <p:sp>
+        <p:nvSpPr>
+          <p:cNvPr id="8" name="TextBox 7">
+            <a:extLst>
+              <a:ext uri="{FF2B5EF4-FFF2-40B4-BE49-F238E27FC236}">
+                <a16:creationId xmlns:a16="http://schemas.microsoft.com/office/drawing/2014/main" id="{9D454AC8-842E-9548-8688-329D4006C264}"/>
+              </a:ext>
+            </a:extLst>
+          </p:cNvPr>
+          <p:cNvSpPr txBox="1"/>
+          <p:nvPr/>
+        </p:nvSpPr>
+        <p:spPr>
+          <a:xfrm>
+            <a:off x="10426046" y="2594057"/>
+            <a:ext cx="1408659" cy="1200329"/>
+          </a:xfrm>
+          <a:prstGeom prst="rect">
+            <a:avLst/>
+          </a:prstGeom>
+          <a:noFill/>
+        </p:spPr>
+        <p:txBody>
+          <a:bodyPr wrap="square" rtlCol="0">
+            <a:spAutoFit/>
+          </a:bodyPr>
+          <a:lstStyle/>
+          <a:p>
+            <a:r>
+              <a:rPr lang="en-US" dirty="0"/>
+              <a:t>This promotes all to float64</a:t>
             </a:r>
           </a:p>
         </p:txBody>
       </p:sp>
       <p:cxnSp>
         <p:nvCxnSpPr>
-          <p:cNvPr id="11" name="Straight Arrow Connector 10">
-            <a:extLst>
-              <a:ext uri="{FF2B5EF4-FFF2-40B4-BE49-F238E27FC236}">
-                <a16:creationId xmlns:a16="http://schemas.microsoft.com/office/drawing/2014/main" id="{155AE550-CC4F-B74C-B7A5-9901E643B76C}"/>
+          <p:cNvPr id="13" name="Straight Arrow Connector 12">
+            <a:extLst>
+              <a:ext uri="{FF2B5EF4-FFF2-40B4-BE49-F238E27FC236}">
+                <a16:creationId xmlns:a16="http://schemas.microsoft.com/office/drawing/2014/main" id="{8BED28D5-4CA1-BD44-B11F-5B410578700E}"/>
               </a:ext>
             </a:extLst>
           </p:cNvPr>
           <p:cNvCxnSpPr>
             <a:cxnSpLocks/>
+            <a:stCxn id="8" idx="1"/>
+            <a:endCxn id="9" idx="3"/>
           </p:cNvCxnSpPr>
           <p:nvPr/>
         </p:nvCxnSpPr>
         <p:spPr>
-          <a:xfrm flipV="1">
-            <a:off x="3884497" y="6197294"/>
-            <a:ext cx="0" cy="292542"/>
+          <a:xfrm flipH="1">
+            <a:off x="9702382" y="3194222"/>
+            <a:ext cx="723664" cy="477312"/>
           </a:xfrm>
           <a:prstGeom prst="straightConnector1">
             <a:avLst/>
           </a:prstGeom>
-          <a:ln w="25400">
+          <a:ln>
             <a:tailEnd type="triangle"/>
           </a:ln>
         </p:spPr>
@@ -9433,7 +8261,7 @@
     </p:spTree>
     <p:extLst>
       <p:ext uri="{BB962C8B-B14F-4D97-AF65-F5344CB8AC3E}">
-        <p14:creationId xmlns:p14="http://schemas.microsoft.com/office/powerpoint/2010/main" val="2761856631"/>
+        <p14:creationId xmlns:p14="http://schemas.microsoft.com/office/powerpoint/2010/main" val="4291488643"/>
       </p:ext>
     </p:extLst>
   </p:cSld>
@@ -9443,7 +8271,7 @@
 </p:sld>
 </file>
 
-<file path=ppt/slides/slide26.xml><?xml version="1.0" encoding="utf-8"?>
+<file path=ppt/slides/slide21.xml><?xml version="1.0" encoding="utf-8"?>
 <p:sld xmlns:a="http://schemas.openxmlformats.org/drawingml/2006/main" xmlns:r="http://schemas.openxmlformats.org/officeDocument/2006/relationships" xmlns:p="http://schemas.openxmlformats.org/presentationml/2006/main">
   <p:cSld>
     <p:spTree>
@@ -9465,7 +8293,7 @@
           <p:cNvPr id="2" name="Title 1">
             <a:extLst>
               <a:ext uri="{FF2B5EF4-FFF2-40B4-BE49-F238E27FC236}">
-                <a16:creationId xmlns:a16="http://schemas.microsoft.com/office/drawing/2014/main" id="{BE960F11-DB38-DD4F-A5A9-30B2DBDF797C}"/>
+                <a16:creationId xmlns:a16="http://schemas.microsoft.com/office/drawing/2014/main" id="{7E75EA96-DAD2-594D-8736-5AB3E5BDEA14}"/>
               </a:ext>
             </a:extLst>
           </p:cNvPr>
@@ -9476,19 +8304,14 @@
             <p:ph type="title"/>
           </p:nvPr>
         </p:nvSpPr>
-        <p:spPr>
-          <a:xfrm>
-            <a:off x="838200" y="365126"/>
-            <a:ext cx="10515600" cy="760674"/>
-          </a:xfrm>
-        </p:spPr>
+        <p:spPr/>
         <p:txBody>
           <a:bodyPr/>
           <a:lstStyle/>
           <a:p>
             <a:r>
               <a:rPr lang="en-US" dirty="0"/>
-              <a:t>Explaining correct matrix code</a:t>
+              <a:t>Summary</a:t>
             </a:r>
           </a:p>
         </p:txBody>
@@ -9498,7 +8321,7 @@
           <p:cNvPr id="3" name="Content Placeholder 2">
             <a:extLst>
               <a:ext uri="{FF2B5EF4-FFF2-40B4-BE49-F238E27FC236}">
-                <a16:creationId xmlns:a16="http://schemas.microsoft.com/office/drawing/2014/main" id="{AA044F21-7281-AA48-A6A2-4A996F6DF59E}"/>
+                <a16:creationId xmlns:a16="http://schemas.microsoft.com/office/drawing/2014/main" id="{852113E1-3352-D241-BB3C-CB11503853BA}"/>
               </a:ext>
             </a:extLst>
           </p:cNvPr>
@@ -9511,739 +8334,6 @@
         </p:nvSpPr>
         <p:spPr>
           <a:xfrm>
-            <a:off x="744718" y="1457145"/>
-            <a:ext cx="3939309" cy="4719818"/>
-          </a:xfrm>
-        </p:spPr>
-        <p:txBody>
-          <a:bodyPr>
-            <a:normAutofit/>
-          </a:bodyPr>
-          <a:lstStyle/>
-          <a:p>
-            <a:r>
-              <a:rPr lang="en-US" b="1" dirty="0"/>
-              <a:t>clarify</a:t>
-            </a:r>
-            <a:r>
-              <a:rPr lang="en-US" dirty="0"/>
-              <a:t>() has no effect unless tensor code triggers an exception</a:t>
-            </a:r>
-          </a:p>
-          <a:p>
-            <a:r>
-              <a:rPr lang="en-US" dirty="0"/>
-              <a:t>To aid reading matrix code, </a:t>
-            </a:r>
-            <a:r>
-              <a:rPr lang="en-US" b="1" dirty="0"/>
-              <a:t>explain</a:t>
-            </a:r>
-            <a:r>
-              <a:rPr lang="en-US" dirty="0"/>
-              <a:t>() gens a visualization for each statement within the block</a:t>
-            </a:r>
-          </a:p>
-        </p:txBody>
-      </p:sp>
-      <p:pic>
-        <p:nvPicPr>
-          <p:cNvPr id="7" name="Picture 6">
-            <a:extLst>
-              <a:ext uri="{FF2B5EF4-FFF2-40B4-BE49-F238E27FC236}">
-                <a16:creationId xmlns:a16="http://schemas.microsoft.com/office/drawing/2014/main" id="{50E83C4E-8003-6248-81B6-1F8B3E7AD2DA}"/>
-              </a:ext>
-            </a:extLst>
-          </p:cNvPr>
-          <p:cNvPicPr>
-            <a:picLocks noChangeAspect="1"/>
-          </p:cNvPicPr>
-          <p:nvPr/>
-        </p:nvPicPr>
-        <p:blipFill>
-          <a:blip r:embed="rId2"/>
-          <a:stretch>
-            <a:fillRect/>
-          </a:stretch>
-        </p:blipFill>
-        <p:spPr>
-          <a:xfrm>
-            <a:off x="4644608" y="1323765"/>
-            <a:ext cx="7582807" cy="4719817"/>
-          </a:xfrm>
-          <a:prstGeom prst="rect">
-            <a:avLst/>
-          </a:prstGeom>
-        </p:spPr>
-      </p:pic>
-      <p:cxnSp>
-        <p:nvCxnSpPr>
-          <p:cNvPr id="9" name="Straight Arrow Connector 8">
-            <a:extLst>
-              <a:ext uri="{FF2B5EF4-FFF2-40B4-BE49-F238E27FC236}">
-                <a16:creationId xmlns:a16="http://schemas.microsoft.com/office/drawing/2014/main" id="{F2AD9F4D-7105-9E48-8095-DE74A2C68C3F}"/>
-              </a:ext>
-            </a:extLst>
-          </p:cNvPr>
-          <p:cNvCxnSpPr>
-            <a:cxnSpLocks/>
-          </p:cNvCxnSpPr>
-          <p:nvPr/>
-        </p:nvCxnSpPr>
-        <p:spPr>
-          <a:xfrm flipH="1">
-            <a:off x="7720553" y="3157979"/>
-            <a:ext cx="1159496" cy="0"/>
-          </a:xfrm>
-          <a:prstGeom prst="straightConnector1">
-            <a:avLst/>
-          </a:prstGeom>
-          <a:ln w="41275">
-            <a:solidFill>
-              <a:srgbClr val="C00000"/>
-            </a:solidFill>
-            <a:tailEnd type="triangle"/>
-          </a:ln>
-        </p:spPr>
-        <p:style>
-          <a:lnRef idx="1">
-            <a:schemeClr val="accent1"/>
-          </a:lnRef>
-          <a:fillRef idx="0">
-            <a:schemeClr val="accent1"/>
-          </a:fillRef>
-          <a:effectRef idx="0">
-            <a:schemeClr val="accent1"/>
-          </a:effectRef>
-          <a:fontRef idx="minor">
-            <a:schemeClr val="tx1"/>
-          </a:fontRef>
-        </p:style>
-      </p:cxnSp>
-      <p:sp>
-        <p:nvSpPr>
-          <p:cNvPr id="13" name="TextBox 12">
-            <a:extLst>
-              <a:ext uri="{FF2B5EF4-FFF2-40B4-BE49-F238E27FC236}">
-                <a16:creationId xmlns:a16="http://schemas.microsoft.com/office/drawing/2014/main" id="{C132B5EE-3945-5F48-9AA4-495E224EE86A}"/>
-              </a:ext>
-            </a:extLst>
-          </p:cNvPr>
-          <p:cNvSpPr txBox="1"/>
-          <p:nvPr/>
-        </p:nvSpPr>
-        <p:spPr>
-          <a:xfrm>
-            <a:off x="8955465" y="5874305"/>
-            <a:ext cx="3185487" cy="338554"/>
-          </a:xfrm>
-          <a:prstGeom prst="rect">
-            <a:avLst/>
-          </a:prstGeom>
-          <a:noFill/>
-        </p:spPr>
-        <p:txBody>
-          <a:bodyPr wrap="none" rtlCol="0">
-            <a:spAutoFit/>
-          </a:bodyPr>
-          <a:lstStyle/>
-          <a:p>
-            <a:r>
-              <a:rPr lang="en-US" sz="1600" dirty="0"/>
-              <a:t>(From within a </a:t>
-            </a:r>
-            <a:r>
-              <a:rPr lang="en-US" sz="1600" dirty="0" err="1"/>
-              <a:t>Jupyter</a:t>
-            </a:r>
-            <a:r>
-              <a:rPr lang="en-US" sz="1600" dirty="0"/>
-              <a:t> notebook)</a:t>
-            </a:r>
-          </a:p>
-        </p:txBody>
-      </p:sp>
-    </p:spTree>
-    <p:extLst>
-      <p:ext uri="{BB962C8B-B14F-4D97-AF65-F5344CB8AC3E}">
-        <p14:creationId xmlns:p14="http://schemas.microsoft.com/office/powerpoint/2010/main" val="4207456944"/>
-      </p:ext>
-    </p:extLst>
-  </p:cSld>
-  <p:clrMapOvr>
-    <a:masterClrMapping/>
-  </p:clrMapOvr>
-</p:sld>
-</file>
-
-<file path=ppt/slides/slide27.xml><?xml version="1.0" encoding="utf-8"?>
-<p:sld xmlns:a="http://schemas.openxmlformats.org/drawingml/2006/main" xmlns:r="http://schemas.openxmlformats.org/officeDocument/2006/relationships" xmlns:p="http://schemas.openxmlformats.org/presentationml/2006/main">
-  <p:cSld>
-    <p:spTree>
-      <p:nvGrpSpPr>
-        <p:cNvPr id="1" name=""/>
-        <p:cNvGrpSpPr/>
-        <p:nvPr/>
-      </p:nvGrpSpPr>
-      <p:grpSpPr>
-        <a:xfrm>
-          <a:off x="0" y="0"/>
-          <a:ext cx="0" cy="0"/>
-          <a:chOff x="0" y="0"/>
-          <a:chExt cx="0" cy="0"/>
-        </a:xfrm>
-      </p:grpSpPr>
-      <p:sp>
-        <p:nvSpPr>
-          <p:cNvPr id="2" name="Title 1">
-            <a:extLst>
-              <a:ext uri="{FF2B5EF4-FFF2-40B4-BE49-F238E27FC236}">
-                <a16:creationId xmlns:a16="http://schemas.microsoft.com/office/drawing/2014/main" id="{A3EB3F4E-990D-2A4C-9237-9182994CF50E}"/>
-              </a:ext>
-            </a:extLst>
-          </p:cNvPr>
-          <p:cNvSpPr>
-            <a:spLocks noGrp="1"/>
-          </p:cNvSpPr>
-          <p:nvPr>
-            <p:ph type="title"/>
-          </p:nvPr>
-        </p:nvSpPr>
-        <p:spPr/>
-        <p:txBody>
-          <a:bodyPr/>
-          <a:lstStyle/>
-          <a:p>
-            <a:r>
-              <a:rPr lang="en-US" dirty="0"/>
-              <a:t>Visualizing Python code on-the-fly</a:t>
-            </a:r>
-          </a:p>
-        </p:txBody>
-      </p:sp>
-      <p:sp>
-        <p:nvSpPr>
-          <p:cNvPr id="3" name="Content Placeholder 2">
-            <a:extLst>
-              <a:ext uri="{FF2B5EF4-FFF2-40B4-BE49-F238E27FC236}">
-                <a16:creationId xmlns:a16="http://schemas.microsoft.com/office/drawing/2014/main" id="{607F336A-C4CB-634D-B9E8-B66638B19F36}"/>
-              </a:ext>
-            </a:extLst>
-          </p:cNvPr>
-          <p:cNvSpPr>
-            <a:spLocks noGrp="1"/>
-          </p:cNvSpPr>
-          <p:nvPr>
-            <p:ph idx="1"/>
-          </p:nvPr>
-        </p:nvSpPr>
-        <p:spPr>
-          <a:xfrm>
-            <a:off x="838199" y="1555423"/>
-            <a:ext cx="10643647" cy="4621540"/>
-          </a:xfrm>
-        </p:spPr>
-        <p:txBody>
-          <a:bodyPr/>
-          <a:lstStyle/>
-          <a:p>
-            <a:r>
-              <a:rPr lang="en-US" b="1" dirty="0"/>
-              <a:t>explain</a:t>
-            </a:r>
-            <a:r>
-              <a:rPr lang="en-US" dirty="0"/>
-              <a:t>() object's </a:t>
-            </a:r>
-            <a:r>
-              <a:rPr lang="en-US" b="1" dirty="0"/>
-              <a:t>__enter__()</a:t>
-            </a:r>
-            <a:r>
-              <a:rPr lang="en-US" dirty="0"/>
-              <a:t> method creates a tracer object and registers it with Python via </a:t>
-            </a:r>
-            <a:r>
-              <a:rPr lang="en-US" b="1" dirty="0" err="1"/>
-              <a:t>sys.settrace</a:t>
-            </a:r>
-            <a:r>
-              <a:rPr lang="en-US" b="1" dirty="0"/>
-              <a:t>()</a:t>
-            </a:r>
-            <a:r>
-              <a:rPr lang="en-US" dirty="0"/>
-              <a:t> [1]</a:t>
-            </a:r>
-          </a:p>
-          <a:p>
-            <a:r>
-              <a:rPr lang="en-US" dirty="0"/>
-              <a:t>The tracer is notified upon each source line execution</a:t>
-            </a:r>
-          </a:p>
-          <a:p>
-            <a:r>
-              <a:rPr lang="en-US" dirty="0"/>
-              <a:t>Using the same mechanism as </a:t>
-            </a:r>
-            <a:r>
-              <a:rPr lang="en-US" b="1" dirty="0"/>
-              <a:t>clarify</a:t>
-            </a:r>
-            <a:r>
-              <a:rPr lang="en-US" dirty="0"/>
-              <a:t>(): parse source line, build AST, evaluate AST subexpressions to identify operand shapes</a:t>
-            </a:r>
-          </a:p>
-          <a:p>
-            <a:r>
-              <a:rPr lang="en-US" dirty="0"/>
-              <a:t>Even in loop within </a:t>
-            </a:r>
-            <a:r>
-              <a:rPr lang="en-US" b="1" dirty="0"/>
-              <a:t>with</a:t>
-            </a:r>
-            <a:r>
-              <a:rPr lang="en-US" dirty="0"/>
-              <a:t> block, statements visualized just once</a:t>
-            </a:r>
-          </a:p>
-          <a:p>
-            <a:r>
-              <a:rPr lang="en-US" dirty="0"/>
-              <a:t>Slows down execution (a lot) but it's still useful</a:t>
-            </a:r>
-          </a:p>
-          <a:p>
-            <a:r>
-              <a:rPr lang="en-US" dirty="0"/>
-              <a:t>Watch out for side effects; this prints "hi" twice:</a:t>
-            </a:r>
-            <a:br>
-              <a:rPr lang="en-US" dirty="0"/>
-            </a:br>
-            <a:endParaRPr lang="en-US" dirty="0">
-              <a:latin typeface="Consolas" panose="020B0609020204030204" pitchFamily="49" charset="0"/>
-              <a:cs typeface="Consolas" panose="020B0609020204030204" pitchFamily="49" charset="0"/>
-            </a:endParaRPr>
-          </a:p>
-        </p:txBody>
-      </p:sp>
-      <p:sp>
-        <p:nvSpPr>
-          <p:cNvPr id="4" name="Rectangle 3">
-            <a:extLst>
-              <a:ext uri="{FF2B5EF4-FFF2-40B4-BE49-F238E27FC236}">
-                <a16:creationId xmlns:a16="http://schemas.microsoft.com/office/drawing/2014/main" id="{32AA5690-1EE5-E544-BAB3-77052A1A6C1B}"/>
-              </a:ext>
-            </a:extLst>
-          </p:cNvPr>
-          <p:cNvSpPr/>
-          <p:nvPr/>
-        </p:nvSpPr>
-        <p:spPr>
-          <a:xfrm>
-            <a:off x="2859465" y="5443682"/>
-            <a:ext cx="4163505" cy="830997"/>
-          </a:xfrm>
-          <a:prstGeom prst="rect">
-            <a:avLst/>
-          </a:prstGeom>
-        </p:spPr>
-        <p:txBody>
-          <a:bodyPr wrap="square">
-            <a:spAutoFit/>
-          </a:bodyPr>
-          <a:lstStyle/>
-          <a:p>
-            <a:r>
-              <a:rPr lang="en-US" sz="2400" b="1" dirty="0">
-                <a:solidFill>
-                  <a:srgbClr val="000080"/>
-                </a:solidFill>
-                <a:latin typeface="Consolas" panose="020B0609020204030204" pitchFamily="49" charset="0"/>
-                <a:cs typeface="Consolas" panose="020B0609020204030204" pitchFamily="49" charset="0"/>
-              </a:rPr>
-              <a:t>with</a:t>
-            </a:r>
-            <a:r>
-              <a:rPr lang="en-US" sz="2400" dirty="0">
-                <a:latin typeface="Consolas" panose="020B0609020204030204" pitchFamily="49" charset="0"/>
-                <a:cs typeface="Consolas" panose="020B0609020204030204" pitchFamily="49" charset="0"/>
-              </a:rPr>
-              <a:t> </a:t>
-            </a:r>
-            <a:r>
-              <a:rPr lang="en-US" sz="2400" dirty="0" err="1">
-                <a:latin typeface="Consolas" panose="020B0609020204030204" pitchFamily="49" charset="0"/>
-                <a:cs typeface="Consolas" panose="020B0609020204030204" pitchFamily="49" charset="0"/>
-              </a:rPr>
-              <a:t>tsensor.explain</a:t>
-            </a:r>
-            <a:r>
-              <a:rPr lang="en-US" sz="2400" dirty="0">
-                <a:latin typeface="Consolas" panose="020B0609020204030204" pitchFamily="49" charset="0"/>
-                <a:cs typeface="Consolas" panose="020B0609020204030204" pitchFamily="49" charset="0"/>
-              </a:rPr>
-              <a:t>():</a:t>
-            </a:r>
-            <a:br>
-              <a:rPr lang="en-US" sz="2400" dirty="0">
-                <a:latin typeface="Consolas" panose="020B0609020204030204" pitchFamily="49" charset="0"/>
-                <a:cs typeface="Consolas" panose="020B0609020204030204" pitchFamily="49" charset="0"/>
-              </a:rPr>
-            </a:br>
-            <a:r>
-              <a:rPr lang="en-US" sz="2400" dirty="0">
-                <a:latin typeface="Consolas" panose="020B0609020204030204" pitchFamily="49" charset="0"/>
-                <a:cs typeface="Consolas" panose="020B0609020204030204" pitchFamily="49" charset="0"/>
-              </a:rPr>
-              <a:t>    print("hi")</a:t>
-            </a:r>
-            <a:endParaRPr lang="en-US" sz="2400" dirty="0"/>
-          </a:p>
-        </p:txBody>
-      </p:sp>
-      <p:sp>
-        <p:nvSpPr>
-          <p:cNvPr id="5" name="TextBox 4">
-            <a:extLst>
-              <a:ext uri="{FF2B5EF4-FFF2-40B4-BE49-F238E27FC236}">
-                <a16:creationId xmlns:a16="http://schemas.microsoft.com/office/drawing/2014/main" id="{00927F5E-5CFE-F746-9673-ECCB3AD12C8F}"/>
-              </a:ext>
-            </a:extLst>
-          </p:cNvPr>
-          <p:cNvSpPr txBox="1"/>
-          <p:nvPr/>
-        </p:nvSpPr>
-        <p:spPr>
-          <a:xfrm>
-            <a:off x="0" y="6488668"/>
-            <a:ext cx="7258639" cy="307777"/>
-          </a:xfrm>
-          <a:prstGeom prst="rect">
-            <a:avLst/>
-          </a:prstGeom>
-          <a:noFill/>
-        </p:spPr>
-        <p:txBody>
-          <a:bodyPr wrap="square" rtlCol="0">
-            <a:spAutoFit/>
-          </a:bodyPr>
-          <a:lstStyle/>
-          <a:p>
-            <a:r>
-              <a:rPr lang="en-US" sz="1400" dirty="0"/>
-              <a:t>[1] </a:t>
-            </a:r>
-            <a:r>
-              <a:rPr lang="en-US" sz="1400" dirty="0">
-                <a:hlinkClick r:id="rId2"/>
-              </a:rPr>
-              <a:t>https://docs.python.org/3/library/sys.html#sys.settrace</a:t>
-            </a:r>
-            <a:endParaRPr lang="en-US" sz="1400" dirty="0"/>
-          </a:p>
-        </p:txBody>
-      </p:sp>
-    </p:spTree>
-    <p:extLst>
-      <p:ext uri="{BB962C8B-B14F-4D97-AF65-F5344CB8AC3E}">
-        <p14:creationId xmlns:p14="http://schemas.microsoft.com/office/powerpoint/2010/main" val="1839508605"/>
-      </p:ext>
-    </p:extLst>
-  </p:cSld>
-  <p:clrMapOvr>
-    <a:masterClrMapping/>
-  </p:clrMapOvr>
-</p:sld>
-</file>
-
-<file path=ppt/slides/slide28.xml><?xml version="1.0" encoding="utf-8"?>
-<p:sld xmlns:a="http://schemas.openxmlformats.org/drawingml/2006/main" xmlns:r="http://schemas.openxmlformats.org/officeDocument/2006/relationships" xmlns:p="http://schemas.openxmlformats.org/presentationml/2006/main">
-  <p:cSld>
-    <p:spTree>
-      <p:nvGrpSpPr>
-        <p:cNvPr id="1" name=""/>
-        <p:cNvGrpSpPr/>
-        <p:nvPr/>
-      </p:nvGrpSpPr>
-      <p:grpSpPr>
-        <a:xfrm>
-          <a:off x="0" y="0"/>
-          <a:ext cx="0" cy="0"/>
-          <a:chOff x="0" y="0"/>
-          <a:chExt cx="0" cy="0"/>
-        </a:xfrm>
-      </p:grpSpPr>
-      <p:sp>
-        <p:nvSpPr>
-          <p:cNvPr id="2" name="Title 1">
-            <a:extLst>
-              <a:ext uri="{FF2B5EF4-FFF2-40B4-BE49-F238E27FC236}">
-                <a16:creationId xmlns:a16="http://schemas.microsoft.com/office/drawing/2014/main" id="{BD1AD132-44A6-764D-B524-D3159947C592}"/>
-              </a:ext>
-            </a:extLst>
-          </p:cNvPr>
-          <p:cNvSpPr>
-            <a:spLocks noGrp="1"/>
-          </p:cNvSpPr>
-          <p:nvPr>
-            <p:ph type="title"/>
-          </p:nvPr>
-        </p:nvSpPr>
-        <p:spPr/>
-        <p:txBody>
-          <a:bodyPr/>
-          <a:lstStyle/>
-          <a:p>
-            <a:r>
-              <a:rPr lang="en-US" dirty="0"/>
-              <a:t>Examples of future work</a:t>
-            </a:r>
-          </a:p>
-        </p:txBody>
-      </p:sp>
-      <p:sp>
-        <p:nvSpPr>
-          <p:cNvPr id="3" name="Content Placeholder 2">
-            <a:extLst>
-              <a:ext uri="{FF2B5EF4-FFF2-40B4-BE49-F238E27FC236}">
-                <a16:creationId xmlns:a16="http://schemas.microsoft.com/office/drawing/2014/main" id="{E23B81AC-73EF-5349-9FEF-73D407E03E6F}"/>
-              </a:ext>
-            </a:extLst>
-          </p:cNvPr>
-          <p:cNvSpPr>
-            <a:spLocks noGrp="1"/>
-          </p:cNvSpPr>
-          <p:nvPr>
-            <p:ph idx="1"/>
-          </p:nvPr>
-        </p:nvSpPr>
-        <p:spPr>
-          <a:xfrm>
-            <a:off x="838200" y="1825625"/>
-            <a:ext cx="6293980" cy="4351338"/>
-          </a:xfrm>
-        </p:spPr>
-        <p:txBody>
-          <a:bodyPr>
-            <a:normAutofit/>
-          </a:bodyPr>
-          <a:lstStyle/>
-          <a:p>
-            <a:r>
-              <a:rPr lang="en-US" dirty="0"/>
-              <a:t>Lots of meat still on the bone</a:t>
-            </a:r>
-          </a:p>
-          <a:p>
-            <a:r>
-              <a:rPr lang="en-US" dirty="0"/>
-              <a:t>Add tensor element type to messages and visualizations</a:t>
-            </a:r>
-          </a:p>
-          <a:p>
-            <a:pPr lvl="1"/>
-            <a:r>
-              <a:rPr lang="en-US" dirty="0"/>
-              <a:t>we don’t want integers becoming floats if they are used as indexes</a:t>
-            </a:r>
-          </a:p>
-          <a:p>
-            <a:pPr lvl="1"/>
-            <a:r>
-              <a:rPr lang="en-US" dirty="0"/>
-              <a:t>might need to restrict to 32 bits </a:t>
-            </a:r>
-            <a:r>
-              <a:rPr lang="en-US" dirty="0" err="1"/>
-              <a:t>etc</a:t>
-            </a:r>
-            <a:r>
-              <a:rPr lang="en-US" dirty="0"/>
-              <a:t>…</a:t>
-            </a:r>
-          </a:p>
-          <a:p>
-            <a:endParaRPr lang="en-US" dirty="0"/>
-          </a:p>
-          <a:p>
-            <a:r>
-              <a:rPr lang="en-US" dirty="0"/>
-              <a:t>Viz errors in predefined layers; currently highlights </a:t>
-            </a:r>
-            <a:r>
-              <a:rPr lang="en-US" b="1" dirty="0"/>
-              <a:t>model(X)</a:t>
-            </a:r>
-            <a:r>
-              <a:rPr lang="en-US" dirty="0"/>
-              <a:t> not layer in </a:t>
-            </a:r>
-            <a:r>
-              <a:rPr lang="en-US" b="1" dirty="0" err="1"/>
-              <a:t>nn.Sequential</a:t>
-            </a:r>
-            <a:endParaRPr lang="en-US" b="1" dirty="0"/>
-          </a:p>
-        </p:txBody>
-      </p:sp>
-      <p:pic>
-        <p:nvPicPr>
-          <p:cNvPr id="1026" name="Picture 2" descr="Screenshot 2021-09-20 at 20 00 33">
-            <a:extLst>
-              <a:ext uri="{FF2B5EF4-FFF2-40B4-BE49-F238E27FC236}">
-                <a16:creationId xmlns:a16="http://schemas.microsoft.com/office/drawing/2014/main" id="{A204512C-502E-0A4F-9DF0-2F1ABC6805CE}"/>
-              </a:ext>
-            </a:extLst>
-          </p:cNvPr>
-          <p:cNvPicPr>
-            <a:picLocks noChangeAspect="1" noChangeArrowheads="1"/>
-          </p:cNvPicPr>
-          <p:nvPr/>
-        </p:nvPicPr>
-        <p:blipFill>
-          <a:blip r:embed="rId2">
-            <a:extLst>
-              <a:ext uri="{28A0092B-C50C-407E-A947-70E740481C1C}">
-                <a14:useLocalDpi xmlns:a14="http://schemas.microsoft.com/office/drawing/2010/main" val="0"/>
-              </a:ext>
-            </a:extLst>
-          </a:blip>
-          <a:srcRect/>
-          <a:stretch>
-            <a:fillRect/>
-          </a:stretch>
-        </p:blipFill>
-        <p:spPr bwMode="auto">
-          <a:xfrm>
-            <a:off x="7219674" y="2461271"/>
-            <a:ext cx="4951479" cy="1077059"/>
-          </a:xfrm>
-          <a:prstGeom prst="rect">
-            <a:avLst/>
-          </a:prstGeom>
-          <a:noFill/>
-          <a:extLst>
-            <a:ext uri="{909E8E84-426E-40DD-AFC4-6F175D3DCCD1}">
-              <a14:hiddenFill xmlns:a14="http://schemas.microsoft.com/office/drawing/2010/main">
-                <a:solidFill>
-                  <a:srgbClr val="FFFFFF"/>
-                </a:solidFill>
-              </a14:hiddenFill>
-            </a:ext>
-          </a:extLst>
-        </p:spPr>
-      </p:pic>
-      <p:pic>
-        <p:nvPicPr>
-          <p:cNvPr id="5" name="Picture 4" descr="Graphical user interface, text, application&#10;&#10;Description automatically generated">
-            <a:extLst>
-              <a:ext uri="{FF2B5EF4-FFF2-40B4-BE49-F238E27FC236}">
-                <a16:creationId xmlns:a16="http://schemas.microsoft.com/office/drawing/2014/main" id="{F1E953EE-2318-164D-9703-7552707BD67E}"/>
-              </a:ext>
-            </a:extLst>
-          </p:cNvPr>
-          <p:cNvPicPr>
-            <a:picLocks noChangeAspect="1"/>
-          </p:cNvPicPr>
-          <p:nvPr/>
-        </p:nvPicPr>
-        <p:blipFill>
-          <a:blip r:embed="rId3"/>
-          <a:stretch>
-            <a:fillRect/>
-          </a:stretch>
-        </p:blipFill>
-        <p:spPr>
-          <a:xfrm>
-            <a:off x="7051866" y="4949687"/>
-            <a:ext cx="5140134" cy="1908313"/>
-          </a:xfrm>
-          <a:prstGeom prst="rect">
-            <a:avLst/>
-          </a:prstGeom>
-        </p:spPr>
-      </p:pic>
-    </p:spTree>
-    <p:extLst>
-      <p:ext uri="{BB962C8B-B14F-4D97-AF65-F5344CB8AC3E}">
-        <p14:creationId xmlns:p14="http://schemas.microsoft.com/office/powerpoint/2010/main" val="4291488643"/>
-      </p:ext>
-    </p:extLst>
-  </p:cSld>
-  <p:clrMapOvr>
-    <a:masterClrMapping/>
-  </p:clrMapOvr>
-</p:sld>
-</file>
-
-<file path=ppt/slides/slide29.xml><?xml version="1.0" encoding="utf-8"?>
-<p:sld xmlns:a="http://schemas.openxmlformats.org/drawingml/2006/main" xmlns:r="http://schemas.openxmlformats.org/officeDocument/2006/relationships" xmlns:p="http://schemas.openxmlformats.org/presentationml/2006/main">
-  <p:cSld>
-    <p:spTree>
-      <p:nvGrpSpPr>
-        <p:cNvPr id="1" name=""/>
-        <p:cNvGrpSpPr/>
-        <p:nvPr/>
-      </p:nvGrpSpPr>
-      <p:grpSpPr>
-        <a:xfrm>
-          <a:off x="0" y="0"/>
-          <a:ext cx="0" cy="0"/>
-          <a:chOff x="0" y="0"/>
-          <a:chExt cx="0" cy="0"/>
-        </a:xfrm>
-      </p:grpSpPr>
-      <p:sp>
-        <p:nvSpPr>
-          <p:cNvPr id="2" name="Title 1">
-            <a:extLst>
-              <a:ext uri="{FF2B5EF4-FFF2-40B4-BE49-F238E27FC236}">
-                <a16:creationId xmlns:a16="http://schemas.microsoft.com/office/drawing/2014/main" id="{7E75EA96-DAD2-594D-8736-5AB3E5BDEA14}"/>
-              </a:ext>
-            </a:extLst>
-          </p:cNvPr>
-          <p:cNvSpPr>
-            <a:spLocks noGrp="1"/>
-          </p:cNvSpPr>
-          <p:nvPr>
-            <p:ph type="title"/>
-          </p:nvPr>
-        </p:nvSpPr>
-        <p:spPr/>
-        <p:txBody>
-          <a:bodyPr/>
-          <a:lstStyle/>
-          <a:p>
-            <a:r>
-              <a:rPr lang="en-US" dirty="0"/>
-              <a:t>Summary</a:t>
-            </a:r>
-          </a:p>
-        </p:txBody>
-      </p:sp>
-      <p:sp>
-        <p:nvSpPr>
-          <p:cNvPr id="3" name="Content Placeholder 2">
-            <a:extLst>
-              <a:ext uri="{FF2B5EF4-FFF2-40B4-BE49-F238E27FC236}">
-                <a16:creationId xmlns:a16="http://schemas.microsoft.com/office/drawing/2014/main" id="{852113E1-3352-D241-BB3C-CB11503853BA}"/>
-              </a:ext>
-            </a:extLst>
-          </p:cNvPr>
-          <p:cNvSpPr>
-            <a:spLocks noGrp="1"/>
-          </p:cNvSpPr>
-          <p:nvPr>
-            <p:ph idx="1"/>
-          </p:nvPr>
-        </p:nvSpPr>
-        <p:spPr>
-          <a:xfrm>
             <a:off x="838200" y="1498862"/>
             <a:ext cx="10515600" cy="4678101"/>
           </a:xfrm>
@@ -10256,7 +8346,7 @@
           <a:p>
             <a:r>
               <a:rPr lang="en-US" dirty="0"/>
-              <a:t>Language engineering is useful far beyond building compilers and interpreters</a:t>
+              <a:t>Finding and implementing an unobtrusive mechanism took a lot of experimentation (and had to learn about Python’s rich runtime)</a:t>
             </a:r>
           </a:p>
           <a:p>
@@ -10286,7 +8376,7 @@
             <a:pPr lvl="1"/>
             <a:r>
               <a:rPr lang="en-US" dirty="0"/>
-              <a:t>Involves extracting source line, parsing into an AST, then calling </a:t>
+              <a:t>Involves extracting the source line, parsing into an AST, then calling </a:t>
             </a:r>
             <a:r>
               <a:rPr lang="en-US" b="1" dirty="0"/>
@@ -10300,7 +8390,7 @@
           <a:p>
             <a:r>
               <a:rPr lang="en-US" dirty="0"/>
-              <a:t>Finding and implementing an unobtrusive mechanism also took a lot of experimentation</a:t>
+              <a:t>Language engineering is useful far beyond building compilers and interpreters</a:t>
             </a:r>
           </a:p>
           <a:p>
@@ -10369,7 +8459,7 @@
           <p:cNvPr id="2" name="Title 1">
             <a:extLst>
               <a:ext uri="{FF2B5EF4-FFF2-40B4-BE49-F238E27FC236}">
-                <a16:creationId xmlns:a16="http://schemas.microsoft.com/office/drawing/2014/main" id="{EE2209B4-E162-6F4A-BB1F-9F13BC0E0037}"/>
+                <a16:creationId xmlns:a16="http://schemas.microsoft.com/office/drawing/2014/main" id="{7642CDE2-8B6C-6346-B9A6-E3346FE4E24C}"/>
               </a:ext>
             </a:extLst>
           </p:cNvPr>
@@ -10387,17 +8477,17 @@
           <a:p>
             <a:r>
               <a:rPr lang="en-US" dirty="0"/>
-              <a:t>The problem</a:t>
-            </a:r>
-          </a:p>
-        </p:txBody>
-      </p:sp>
-      <p:sp>
-        <p:nvSpPr>
-          <p:cNvPr id="7" name="Content Placeholder 6">
-            <a:extLst>
-              <a:ext uri="{FF2B5EF4-FFF2-40B4-BE49-F238E27FC236}">
-                <a16:creationId xmlns:a16="http://schemas.microsoft.com/office/drawing/2014/main" id="{D9E81DA5-11F8-F84C-AF14-F859B3F7ECFD}"/>
+              <a:t>We could rerun using the debugger but…</a:t>
+            </a:r>
+          </a:p>
+        </p:txBody>
+      </p:sp>
+      <p:sp>
+        <p:nvSpPr>
+          <p:cNvPr id="3" name="Content Placeholder 2">
+            <a:extLst>
+              <a:ext uri="{FF2B5EF4-FFF2-40B4-BE49-F238E27FC236}">
+                <a16:creationId xmlns:a16="http://schemas.microsoft.com/office/drawing/2014/main" id="{3FDDB2C1-19DD-414C-9CDB-8EDFE922BD47}"/>
               </a:ext>
             </a:extLst>
           </p:cNvPr>
@@ -10408,118 +8498,72 @@
             <p:ph idx="1"/>
           </p:nvPr>
         </p:nvSpPr>
-        <p:spPr>
-          <a:xfrm>
-            <a:off x="838200" y="1795346"/>
-            <a:ext cx="10515600" cy="4697529"/>
-          </a:xfrm>
-        </p:spPr>
+        <p:spPr/>
         <p:txBody>
           <a:bodyPr>
-            <a:normAutofit/>
+            <a:normAutofit lnSpcReduction="10000"/>
           </a:bodyPr>
           <a:lstStyle/>
           <a:p>
             <a:r>
-              <a:rPr lang="en-US" dirty="0"/>
-              <a:t>It's easy to lose track of matrix/tensor dimensionality in matrix algebra expressions (even in statically-typed languages)</a:t>
-            </a:r>
-          </a:p>
-          <a:p>
-            <a:r>
-              <a:rPr lang="en-US" dirty="0"/>
-              <a:t>Upon error, we often get less than helpful exception messages, such as this (</a:t>
-            </a:r>
-            <a:r>
-              <a:rPr lang="en-US" dirty="0" err="1"/>
-              <a:t>PyTorch</a:t>
-            </a:r>
-            <a:r>
-              <a:rPr lang="en-US" dirty="0"/>
-              <a:t>) message:</a:t>
-            </a:r>
-          </a:p>
-          <a:p>
-            <a:endParaRPr lang="en-US" dirty="0"/>
-          </a:p>
-          <a:p>
-            <a:endParaRPr lang="en-US" dirty="0"/>
-          </a:p>
-          <a:p>
-            <a:endParaRPr lang="en-US" dirty="0"/>
-          </a:p>
-          <a:p>
-            <a:r>
-              <a:rPr lang="en-US" dirty="0"/>
-              <a:t>The offending operator and operands are not identified, since Python exceptions occur at the line level rather than the operator level</a:t>
-            </a:r>
-          </a:p>
-        </p:txBody>
-      </p:sp>
-      <p:pic>
-        <p:nvPicPr>
-          <p:cNvPr id="8" name="Content Placeholder 4">
-            <a:extLst>
-              <a:ext uri="{FF2B5EF4-FFF2-40B4-BE49-F238E27FC236}">
-                <a16:creationId xmlns:a16="http://schemas.microsoft.com/office/drawing/2014/main" id="{A8252864-C658-CF4B-B4AA-5816A030DDC4}"/>
-              </a:ext>
-            </a:extLst>
-          </p:cNvPr>
-          <p:cNvPicPr>
-            <a:picLocks noChangeAspect="1"/>
-          </p:cNvPicPr>
-          <p:nvPr/>
-        </p:nvPicPr>
-        <p:blipFill>
-          <a:blip r:embed="rId2"/>
-          <a:stretch>
-            <a:fillRect/>
-          </a:stretch>
-        </p:blipFill>
-        <p:spPr>
-          <a:xfrm>
-            <a:off x="808856" y="3785394"/>
-            <a:ext cx="10544944" cy="915814"/>
-          </a:xfrm>
-          <a:prstGeom prst="rect">
-            <a:avLst/>
-          </a:prstGeom>
-        </p:spPr>
-      </p:pic>
-      <p:pic>
-        <p:nvPicPr>
-          <p:cNvPr id="4" name="Picture 3" descr="Graphical user interface, text, application, chat or text message&#10;&#10;Description automatically generated">
-            <a:extLst>
-              <a:ext uri="{FF2B5EF4-FFF2-40B4-BE49-F238E27FC236}">
-                <a16:creationId xmlns:a16="http://schemas.microsoft.com/office/drawing/2014/main" id="{C7DCD08B-E8A0-DC4D-8DEE-20E214DD99E6}"/>
-              </a:ext>
-            </a:extLst>
-          </p:cNvPr>
-          <p:cNvPicPr>
-            <a:picLocks noChangeAspect="1"/>
-          </p:cNvPicPr>
-          <p:nvPr/>
-        </p:nvPicPr>
-        <p:blipFill>
-          <a:blip r:embed="rId3"/>
-          <a:stretch>
-            <a:fillRect/>
-          </a:stretch>
-        </p:blipFill>
-        <p:spPr>
-          <a:xfrm>
-            <a:off x="7962734" y="4008"/>
-            <a:ext cx="4229266" cy="1675529"/>
-          </a:xfrm>
-          <a:prstGeom prst="rect">
-            <a:avLst/>
-          </a:prstGeom>
-        </p:spPr>
-      </p:pic>
+              <a:rPr lang="en-US" dirty="0">
+                <a:solidFill>
+                  <a:schemeClr val="accent1"/>
+                </a:solidFill>
+              </a:rPr>
+              <a:t>The debugger still does not tell us which subexpression caused the exception</a:t>
+            </a:r>
+            <a:r>
+              <a:rPr lang="en-US" dirty="0"/>
+              <a:t>, due to line-level granularity of Python exceptions</a:t>
+            </a:r>
+          </a:p>
+          <a:p>
+            <a:r>
+              <a:rPr lang="en-US" dirty="0"/>
+              <a:t>We must write down shape of all operands then line up and compare dimensions on all subexpressions manually</a:t>
+            </a:r>
+          </a:p>
+          <a:p>
+            <a:r>
+              <a:rPr lang="en-US" dirty="0"/>
+              <a:t>Besides</a:t>
+            </a:r>
+          </a:p>
+          <a:p>
+            <a:pPr lvl="1"/>
+            <a:r>
+              <a:rPr lang="en-US" dirty="0"/>
+              <a:t>Python debuggers seem much slower than normal execution</a:t>
+            </a:r>
+          </a:p>
+          <a:p>
+            <a:pPr lvl="1"/>
+            <a:r>
+              <a:rPr lang="en-US" dirty="0"/>
+              <a:t>Even regular execution could take hours before faulting</a:t>
+            </a:r>
+          </a:p>
+          <a:p>
+            <a:pPr lvl="1"/>
+            <a:r>
+              <a:rPr lang="en-US" dirty="0"/>
+              <a:t>Sometimes it's hard to set a breakpoint on the right statement when it's in a loop</a:t>
+            </a:r>
+          </a:p>
+          <a:p>
+            <a:pPr lvl="1"/>
+            <a:r>
+              <a:rPr lang="en-US" dirty="0"/>
+              <a:t>Conditional breakpoints are challenging when the values are high-dimension matrices</a:t>
+            </a:r>
+          </a:p>
+        </p:txBody>
+      </p:sp>
     </p:spTree>
     <p:extLst>
       <p:ext uri="{BB962C8B-B14F-4D97-AF65-F5344CB8AC3E}">
-        <p14:creationId xmlns:p14="http://schemas.microsoft.com/office/powerpoint/2010/main" val="1865253501"/>
+        <p14:creationId xmlns:p14="http://schemas.microsoft.com/office/powerpoint/2010/main" val="2897700229"/>
       </p:ext>
     </p:extLst>
   </p:cSld>
@@ -10551,7 +8595,7 @@
           <p:cNvPr id="2" name="Title 1">
             <a:extLst>
               <a:ext uri="{FF2B5EF4-FFF2-40B4-BE49-F238E27FC236}">
-                <a16:creationId xmlns:a16="http://schemas.microsoft.com/office/drawing/2014/main" id="{7642CDE2-8B6C-6346-B9A6-E3346FE4E24C}"/>
+                <a16:creationId xmlns:a16="http://schemas.microsoft.com/office/drawing/2014/main" id="{8A5A68E7-ACD4-B347-964C-F4FDE235CF62}"/>
               </a:ext>
             </a:extLst>
           </p:cNvPr>
@@ -10569,17 +8613,17 @@
           <a:p>
             <a:r>
               <a:rPr lang="en-US" dirty="0"/>
-              <a:t>We could rerun using the debugger but…</a:t>
-            </a:r>
-          </a:p>
-        </p:txBody>
-      </p:sp>
-      <p:sp>
-        <p:nvSpPr>
-          <p:cNvPr id="3" name="Content Placeholder 2">
-            <a:extLst>
-              <a:ext uri="{FF2B5EF4-FFF2-40B4-BE49-F238E27FC236}">
-                <a16:creationId xmlns:a16="http://schemas.microsoft.com/office/drawing/2014/main" id="{3FDDB2C1-19DD-414C-9CDB-8EDFE922BD47}"/>
+              <a:t>What most people do</a:t>
+            </a:r>
+          </a:p>
+        </p:txBody>
+      </p:sp>
+      <p:sp>
+        <p:nvSpPr>
+          <p:cNvPr id="7" name="Content Placeholder 6">
+            <a:extLst>
+              <a:ext uri="{FF2B5EF4-FFF2-40B4-BE49-F238E27FC236}">
+                <a16:creationId xmlns:a16="http://schemas.microsoft.com/office/drawing/2014/main" id="{23B298DF-FA56-AD45-BCE3-5A7CF0721E97}"/>
               </a:ext>
             </a:extLst>
           </p:cNvPr>
@@ -10590,53 +8634,190 @@
             <p:ph idx="1"/>
           </p:nvPr>
         </p:nvSpPr>
-        <p:spPr/>
+        <p:spPr>
+          <a:xfrm>
+            <a:off x="838200" y="1500809"/>
+            <a:ext cx="10515600" cy="4676154"/>
+          </a:xfrm>
+        </p:spPr>
         <p:txBody>
           <a:bodyPr/>
           <a:lstStyle/>
           <a:p>
             <a:r>
               <a:rPr lang="en-US" dirty="0"/>
-              <a:t>Python debuggers seem much slower than normal execution</a:t>
-            </a:r>
-          </a:p>
-          <a:p>
-            <a:r>
-              <a:rPr lang="en-US" dirty="0"/>
-              <a:t>Even regular execution could take hours before faulting</a:t>
-            </a:r>
-          </a:p>
-          <a:p>
-            <a:r>
-              <a:rPr lang="en-US" dirty="0"/>
-              <a:t>Sometimes it's hard to set a breakpoint on the right statement when it's in a loop</a:t>
-            </a:r>
-          </a:p>
-          <a:p>
-            <a:r>
-              <a:rPr lang="en-US" dirty="0"/>
-              <a:t>Conditional breakpoints are challenging when the values are high-dimension matrices</a:t>
-            </a:r>
-          </a:p>
-          <a:p>
-            <a:r>
-              <a:rPr lang="en-US" dirty="0">
-                <a:solidFill>
-                  <a:schemeClr val="accent1"/>
-                </a:solidFill>
-              </a:rPr>
-              <a:t>Debugger still does not tell us which subexpression caused the exception</a:t>
-            </a:r>
-            <a:r>
-              <a:rPr lang="en-US" dirty="0"/>
-              <a:t>, due to line-level granularity of Python exceptions</a:t>
-            </a:r>
-            <a:br>
-              <a:rPr lang="en-US" dirty="0"/>
-            </a:br>
-            <a:r>
-              <a:rPr lang="en-US" dirty="0"/>
-              <a:t>(Must write down shape of all operands and lineup dimensions)</a:t>
+              <a:t>Most data scientists laboriously inject code and rerun to isolate:</a:t>
+            </a:r>
+          </a:p>
+        </p:txBody>
+      </p:sp>
+      <p:pic>
+        <p:nvPicPr>
+          <p:cNvPr id="8" name="Content Placeholder 4" descr="Text&#10;&#10;Description automatically generated">
+            <a:extLst>
+              <a:ext uri="{FF2B5EF4-FFF2-40B4-BE49-F238E27FC236}">
+                <a16:creationId xmlns:a16="http://schemas.microsoft.com/office/drawing/2014/main" id="{41C28C86-3DFC-3044-960E-262F6832AF19}"/>
+              </a:ext>
+            </a:extLst>
+          </p:cNvPr>
+          <p:cNvPicPr>
+            <a:picLocks noChangeAspect="1"/>
+          </p:cNvPicPr>
+          <p:nvPr/>
+        </p:nvPicPr>
+        <p:blipFill>
+          <a:blip r:embed="rId2"/>
+          <a:stretch>
+            <a:fillRect/>
+          </a:stretch>
+        </p:blipFill>
+        <p:spPr>
+          <a:xfrm>
+            <a:off x="1625600" y="2090738"/>
+            <a:ext cx="8940800" cy="2070100"/>
+          </a:xfrm>
+          <a:prstGeom prst="rect">
+            <a:avLst/>
+          </a:prstGeom>
+        </p:spPr>
+      </p:pic>
+      <p:pic>
+        <p:nvPicPr>
+          <p:cNvPr id="10" name="Picture 9" descr="A picture containing text&#10;&#10;Description automatically generated">
+            <a:extLst>
+              <a:ext uri="{FF2B5EF4-FFF2-40B4-BE49-F238E27FC236}">
+                <a16:creationId xmlns:a16="http://schemas.microsoft.com/office/drawing/2014/main" id="{B8273A2F-49A2-C64A-9269-7504B158B816}"/>
+              </a:ext>
+            </a:extLst>
+          </p:cNvPr>
+          <p:cNvPicPr>
+            <a:picLocks noChangeAspect="1"/>
+          </p:cNvPicPr>
+          <p:nvPr/>
+        </p:nvPicPr>
+        <p:blipFill>
+          <a:blip r:embed="rId3"/>
+          <a:stretch>
+            <a:fillRect/>
+          </a:stretch>
+        </p:blipFill>
+        <p:spPr>
+          <a:xfrm>
+            <a:off x="629012" y="4437218"/>
+            <a:ext cx="11156996" cy="2309270"/>
+          </a:xfrm>
+          <a:prstGeom prst="rect">
+            <a:avLst/>
+          </a:prstGeom>
+        </p:spPr>
+      </p:pic>
+      <p:sp>
+        <p:nvSpPr>
+          <p:cNvPr id="3" name="TextBox 2">
+            <a:extLst>
+              <a:ext uri="{FF2B5EF4-FFF2-40B4-BE49-F238E27FC236}">
+                <a16:creationId xmlns:a16="http://schemas.microsoft.com/office/drawing/2014/main" id="{C5C0C46A-0D61-6243-B08A-72B5C849975C}"/>
+              </a:ext>
+            </a:extLst>
+          </p:cNvPr>
+          <p:cNvSpPr txBox="1"/>
+          <p:nvPr/>
+        </p:nvSpPr>
+        <p:spPr>
+          <a:xfrm>
+            <a:off x="188843" y="2196547"/>
+            <a:ext cx="1152939" cy="646331"/>
+          </a:xfrm>
+          <a:prstGeom prst="rect">
+            <a:avLst/>
+          </a:prstGeom>
+          <a:noFill/>
+        </p:spPr>
+        <p:txBody>
+          <a:bodyPr wrap="square" rtlCol="0">
+            <a:spAutoFit/>
+          </a:bodyPr>
+          <a:lstStyle/>
+          <a:p>
+            <a:r>
+              <a:rPr lang="en-US" dirty="0"/>
+              <a:t>Or, they stop here</a:t>
+            </a:r>
+          </a:p>
+        </p:txBody>
+      </p:sp>
+      <p:cxnSp>
+        <p:nvCxnSpPr>
+          <p:cNvPr id="5" name="Straight Arrow Connector 4">
+            <a:extLst>
+              <a:ext uri="{FF2B5EF4-FFF2-40B4-BE49-F238E27FC236}">
+                <a16:creationId xmlns:a16="http://schemas.microsoft.com/office/drawing/2014/main" id="{5612FFCF-2EB0-D248-8E9C-C4CB84F4BC50}"/>
+              </a:ext>
+            </a:extLst>
+          </p:cNvPr>
+          <p:cNvCxnSpPr>
+            <a:cxnSpLocks/>
+          </p:cNvCxnSpPr>
+          <p:nvPr/>
+        </p:nvCxnSpPr>
+        <p:spPr>
+          <a:xfrm flipV="1">
+            <a:off x="1212574" y="2276062"/>
+            <a:ext cx="413026" cy="144720"/>
+          </a:xfrm>
+          <a:prstGeom prst="straightConnector1">
+            <a:avLst/>
+          </a:prstGeom>
+          <a:ln>
+            <a:tailEnd type="triangle"/>
+          </a:ln>
+        </p:spPr>
+        <p:style>
+          <a:lnRef idx="1">
+            <a:schemeClr val="accent1"/>
+          </a:lnRef>
+          <a:fillRef idx="0">
+            <a:schemeClr val="accent1"/>
+          </a:fillRef>
+          <a:effectRef idx="0">
+            <a:schemeClr val="accent1"/>
+          </a:effectRef>
+          <a:fontRef idx="minor">
+            <a:schemeClr val="tx1"/>
+          </a:fontRef>
+        </p:style>
+      </p:cxnSp>
+      <p:sp>
+        <p:nvSpPr>
+          <p:cNvPr id="11" name="TextBox 10">
+            <a:extLst>
+              <a:ext uri="{FF2B5EF4-FFF2-40B4-BE49-F238E27FC236}">
+                <a16:creationId xmlns:a16="http://schemas.microsoft.com/office/drawing/2014/main" id="{928F26F0-78D2-484D-A4CC-F1FB21F21510}"/>
+              </a:ext>
+            </a:extLst>
+          </p:cNvPr>
+          <p:cNvSpPr txBox="1"/>
+          <p:nvPr/>
+        </p:nvSpPr>
+        <p:spPr>
+          <a:xfrm>
+            <a:off x="10811909" y="148137"/>
+            <a:ext cx="1263826" cy="1569660"/>
+          </a:xfrm>
+          <a:prstGeom prst="rect">
+            <a:avLst/>
+          </a:prstGeom>
+          <a:noFill/>
+        </p:spPr>
+        <p:txBody>
+          <a:bodyPr wrap="square" rtlCol="0">
+            <a:spAutoFit/>
+          </a:bodyPr>
+          <a:lstStyle/>
+          <a:p>
+            <a:r>
+              <a:rPr lang="en-US" sz="9600" dirty="0"/>
+              <a:t>😿</a:t>
             </a:r>
           </a:p>
         </p:txBody>
@@ -10644,7 +8825,7 @@
     </p:spTree>
     <p:extLst>
       <p:ext uri="{BB962C8B-B14F-4D97-AF65-F5344CB8AC3E}">
-        <p14:creationId xmlns:p14="http://schemas.microsoft.com/office/powerpoint/2010/main" val="2897700229"/>
+        <p14:creationId xmlns:p14="http://schemas.microsoft.com/office/powerpoint/2010/main" val="2513423343"/>
       </p:ext>
     </p:extLst>
   </p:cSld>
@@ -10676,7 +8857,7 @@
           <p:cNvPr id="2" name="Title 1">
             <a:extLst>
               <a:ext uri="{FF2B5EF4-FFF2-40B4-BE49-F238E27FC236}">
-                <a16:creationId xmlns:a16="http://schemas.microsoft.com/office/drawing/2014/main" id="{8A5A68E7-ACD4-B347-964C-F4FDE235CF62}"/>
+                <a16:creationId xmlns:a16="http://schemas.microsoft.com/office/drawing/2014/main" id="{181508FF-49F9-E34F-B329-E9D3EFCC15CF}"/>
               </a:ext>
             </a:extLst>
           </p:cNvPr>
@@ -10694,17 +8875,25 @@
           <a:p>
             <a:r>
               <a:rPr lang="en-US" dirty="0"/>
-              <a:t>Most common solution</a:t>
-            </a:r>
-          </a:p>
-        </p:txBody>
-      </p:sp>
-      <p:sp>
-        <p:nvSpPr>
-          <p:cNvPr id="7" name="Content Placeholder 6">
-            <a:extLst>
-              <a:ext uri="{FF2B5EF4-FFF2-40B4-BE49-F238E27FC236}">
-                <a16:creationId xmlns:a16="http://schemas.microsoft.com/office/drawing/2014/main" id="{23B298DF-FA56-AD45-BCE3-5A7CF0721E97}"/>
+              <a:t>What </a:t>
+            </a:r>
+            <a:r>
+              <a:rPr lang="en-US" dirty="0" err="1"/>
+              <a:t>TensorSensor</a:t>
+            </a:r>
+            <a:r>
+              <a:rPr lang="en-US" dirty="0"/>
+              <a:t> proposes</a:t>
+            </a:r>
+          </a:p>
+        </p:txBody>
+      </p:sp>
+      <p:sp>
+        <p:nvSpPr>
+          <p:cNvPr id="3" name="Content Placeholder 2">
+            <a:extLst>
+              <a:ext uri="{FF2B5EF4-FFF2-40B4-BE49-F238E27FC236}">
+                <a16:creationId xmlns:a16="http://schemas.microsoft.com/office/drawing/2014/main" id="{2F6ECB7A-46C2-1F4F-8A3A-EEA9E9C3DB3D}"/>
               </a:ext>
             </a:extLst>
           </p:cNvPr>
@@ -10715,29 +8904,55 @@
             <p:ph idx="1"/>
           </p:nvPr>
         </p:nvSpPr>
-        <p:spPr>
-          <a:xfrm>
-            <a:off x="838200" y="1500809"/>
-            <a:ext cx="10515600" cy="4676154"/>
-          </a:xfrm>
-        </p:spPr>
-        <p:txBody>
-          <a:bodyPr/>
-          <a:lstStyle/>
-          <a:p>
-            <a:r>
-              <a:rPr lang="en-US" dirty="0"/>
-              <a:t>Most data scientists laboriously inject code and rerun to isolate:</a:t>
+        <p:spPr/>
+        <p:txBody>
+          <a:bodyPr>
+            <a:normAutofit/>
+          </a:bodyPr>
+          <a:lstStyle/>
+          <a:p>
+            <a:r>
+              <a:rPr lang="en-US" dirty="0"/>
+              <a:t>First, augment the exception message to identify the op/</a:t>
+            </a:r>
+            <a:r>
+              <a:rPr lang="en-US" dirty="0" err="1"/>
+              <a:t>opnds</a:t>
+            </a:r>
+            <a:r>
+              <a:rPr lang="en-US" dirty="0"/>
+              <a:t>:</a:t>
+            </a:r>
+          </a:p>
+          <a:p>
+            <a:endParaRPr lang="en-US" dirty="0"/>
+          </a:p>
+          <a:p>
+            <a:pPr marL="0" indent="0">
+              <a:buNone/>
+            </a:pPr>
+            <a:endParaRPr lang="en-US" dirty="0"/>
+          </a:p>
+          <a:p>
+            <a:r>
+              <a:rPr lang="en-US" dirty="0"/>
+              <a:t>But we can help programmers even more…</a:t>
+            </a:r>
+          </a:p>
+          <a:p>
+            <a:r>
+              <a:rPr lang="en-US" dirty="0"/>
+              <a:t>The key is to line up dimensions, so let’s show that visually!</a:t>
             </a:r>
           </a:p>
         </p:txBody>
       </p:sp>
       <p:pic>
         <p:nvPicPr>
-          <p:cNvPr id="8" name="Content Placeholder 4" descr="Text&#10;&#10;Description automatically generated">
-            <a:extLst>
-              <a:ext uri="{FF2B5EF4-FFF2-40B4-BE49-F238E27FC236}">
-                <a16:creationId xmlns:a16="http://schemas.microsoft.com/office/drawing/2014/main" id="{41C28C86-3DFC-3044-960E-262F6832AF19}"/>
+          <p:cNvPr id="5" name="Picture 4" descr="A picture containing text&#10;&#10;Description automatically generated">
+            <a:extLst>
+              <a:ext uri="{FF2B5EF4-FFF2-40B4-BE49-F238E27FC236}">
+                <a16:creationId xmlns:a16="http://schemas.microsoft.com/office/drawing/2014/main" id="{9E4926CC-B985-E046-9D6D-57DD2612DEFD}"/>
               </a:ext>
             </a:extLst>
           </p:cNvPr>
@@ -10754,20 +8969,65 @@
         </p:blipFill>
         <p:spPr>
           <a:xfrm>
-            <a:off x="1625600" y="2090738"/>
-            <a:ext cx="8940800" cy="2070100"/>
+            <a:off x="1191309" y="4526516"/>
+            <a:ext cx="9172560" cy="1590813"/>
           </a:xfrm>
           <a:prstGeom prst="rect">
             <a:avLst/>
           </a:prstGeom>
         </p:spPr>
       </p:pic>
+      <p:cxnSp>
+        <p:nvCxnSpPr>
+          <p:cNvPr id="6" name="Straight Arrow Connector 5">
+            <a:extLst>
+              <a:ext uri="{FF2B5EF4-FFF2-40B4-BE49-F238E27FC236}">
+                <a16:creationId xmlns:a16="http://schemas.microsoft.com/office/drawing/2014/main" id="{AB88FC99-4998-B840-B9E5-D63214567F67}"/>
+              </a:ext>
+            </a:extLst>
+          </p:cNvPr>
+          <p:cNvCxnSpPr>
+            <a:cxnSpLocks/>
+          </p:cNvCxnSpPr>
+          <p:nvPr/>
+        </p:nvCxnSpPr>
+        <p:spPr>
+          <a:xfrm>
+            <a:off x="7815467" y="5197171"/>
+            <a:ext cx="364924" cy="249502"/>
+          </a:xfrm>
+          <a:prstGeom prst="straightConnector1">
+            <a:avLst/>
+          </a:prstGeom>
+          <a:ln>
+            <a:solidFill>
+              <a:srgbClr val="FF0000"/>
+            </a:solidFill>
+            <a:headEnd type="triangle"/>
+            <a:tailEnd type="triangle"/>
+          </a:ln>
+        </p:spPr>
+        <p:style>
+          <a:lnRef idx="1">
+            <a:schemeClr val="accent1"/>
+          </a:lnRef>
+          <a:fillRef idx="0">
+            <a:schemeClr val="accent1"/>
+          </a:fillRef>
+          <a:effectRef idx="0">
+            <a:schemeClr val="accent1"/>
+          </a:effectRef>
+          <a:fontRef idx="minor">
+            <a:schemeClr val="tx1"/>
+          </a:fontRef>
+        </p:style>
+      </p:cxnSp>
       <p:pic>
         <p:nvPicPr>
-          <p:cNvPr id="10" name="Picture 9" descr="A picture containing text&#10;&#10;Description automatically generated">
-            <a:extLst>
-              <a:ext uri="{FF2B5EF4-FFF2-40B4-BE49-F238E27FC236}">
-                <a16:creationId xmlns:a16="http://schemas.microsoft.com/office/drawing/2014/main" id="{B8273A2F-49A2-C64A-9269-7504B158B816}"/>
+          <p:cNvPr id="12" name="Picture 11">
+            <a:extLst>
+              <a:ext uri="{FF2B5EF4-FFF2-40B4-BE49-F238E27FC236}">
+                <a16:creationId xmlns:a16="http://schemas.microsoft.com/office/drawing/2014/main" id="{CC039054-8509-A54B-9CA4-582220EBE0DF}"/>
               </a:ext>
             </a:extLst>
           </p:cNvPr>
@@ -10784,18 +9044,184 @@
         </p:blipFill>
         <p:spPr>
           <a:xfrm>
-            <a:off x="629012" y="4437218"/>
-            <a:ext cx="11156996" cy="2309270"/>
+            <a:off x="11151" y="2426715"/>
+            <a:ext cx="12168809" cy="609103"/>
           </a:xfrm>
           <a:prstGeom prst="rect">
             <a:avLst/>
           </a:prstGeom>
         </p:spPr>
       </p:pic>
+      <p:sp>
+        <p:nvSpPr>
+          <p:cNvPr id="13" name="Rectangle 12">
+            <a:extLst>
+              <a:ext uri="{FF2B5EF4-FFF2-40B4-BE49-F238E27FC236}">
+                <a16:creationId xmlns:a16="http://schemas.microsoft.com/office/drawing/2014/main" id="{5097608E-595E-054C-83FF-FDE2A00BC81C}"/>
+              </a:ext>
+            </a:extLst>
+          </p:cNvPr>
+          <p:cNvSpPr/>
+          <p:nvPr/>
+        </p:nvSpPr>
+        <p:spPr>
+          <a:xfrm>
+            <a:off x="1212" y="2731685"/>
+            <a:ext cx="12192000" cy="304133"/>
+          </a:xfrm>
+          <a:prstGeom prst="rect">
+            <a:avLst/>
+          </a:prstGeom>
+          <a:noFill/>
+          <a:ln w="19050">
+            <a:solidFill>
+              <a:srgbClr val="89D555"/>
+            </a:solidFill>
+          </a:ln>
+        </p:spPr>
+        <p:style>
+          <a:lnRef idx="2">
+            <a:schemeClr val="accent1">
+              <a:shade val="50000"/>
+            </a:schemeClr>
+          </a:lnRef>
+          <a:fillRef idx="1">
+            <a:schemeClr val="accent1"/>
+          </a:fillRef>
+          <a:effectRef idx="0">
+            <a:schemeClr val="accent1"/>
+          </a:effectRef>
+          <a:fontRef idx="minor">
+            <a:schemeClr val="lt1"/>
+          </a:fontRef>
+        </p:style>
+        <p:txBody>
+          <a:bodyPr rtlCol="0" anchor="ctr"/>
+          <a:lstStyle/>
+          <a:p>
+            <a:pPr algn="ctr"/>
+            <a:endParaRPr lang="en-US"/>
+          </a:p>
+        </p:txBody>
+      </p:sp>
+      <p:sp>
+        <p:nvSpPr>
+          <p:cNvPr id="8" name="Rectangle 7">
+            <a:extLst>
+              <a:ext uri="{FF2B5EF4-FFF2-40B4-BE49-F238E27FC236}">
+                <a16:creationId xmlns:a16="http://schemas.microsoft.com/office/drawing/2014/main" id="{E03FD023-7E16-4C49-A59B-DC21C1811A82}"/>
+              </a:ext>
+            </a:extLst>
+          </p:cNvPr>
+          <p:cNvSpPr/>
+          <p:nvPr/>
+        </p:nvSpPr>
+        <p:spPr>
+          <a:xfrm>
+            <a:off x="10731596" y="143172"/>
+            <a:ext cx="1460404" cy="1569660"/>
+          </a:xfrm>
+          <a:prstGeom prst="rect">
+            <a:avLst/>
+          </a:prstGeom>
+        </p:spPr>
+        <p:txBody>
+          <a:bodyPr wrap="square">
+            <a:spAutoFit/>
+          </a:bodyPr>
+          <a:lstStyle/>
+          <a:p>
+            <a:r>
+              <a:rPr lang="en-US" sz="9600" dirty="0"/>
+              <a:t>🎉</a:t>
+            </a:r>
+          </a:p>
+        </p:txBody>
+      </p:sp>
+      <p:sp>
+        <p:nvSpPr>
+          <p:cNvPr id="4" name="Rectangle 3">
+            <a:extLst>
+              <a:ext uri="{FF2B5EF4-FFF2-40B4-BE49-F238E27FC236}">
+                <a16:creationId xmlns:a16="http://schemas.microsoft.com/office/drawing/2014/main" id="{400BBAC6-87DD-D649-B999-069C3F6DB357}"/>
+              </a:ext>
+            </a:extLst>
+          </p:cNvPr>
+          <p:cNvSpPr/>
+          <p:nvPr/>
+        </p:nvSpPr>
+        <p:spPr>
+          <a:xfrm>
+            <a:off x="564940" y="6089701"/>
+            <a:ext cx="4370107" cy="400110"/>
+          </a:xfrm>
+          <a:prstGeom prst="rect">
+            <a:avLst/>
+          </a:prstGeom>
+        </p:spPr>
+        <p:txBody>
+          <a:bodyPr wrap="none">
+            <a:spAutoFit/>
+          </a:bodyPr>
+          <a:lstStyle/>
+          <a:p>
+            <a:r>
+              <a:rPr lang="en-US" sz="2000" dirty="0"/>
+              <a:t>Believe it or not, this is all </a:t>
+            </a:r>
+            <a:r>
+              <a:rPr lang="en-US" sz="2000" b="1" dirty="0"/>
+              <a:t>matplotlib</a:t>
+            </a:r>
+          </a:p>
+        </p:txBody>
+      </p:sp>
+      <p:cxnSp>
+        <p:nvCxnSpPr>
+          <p:cNvPr id="9" name="Straight Arrow Connector 8">
+            <a:extLst>
+              <a:ext uri="{FF2B5EF4-FFF2-40B4-BE49-F238E27FC236}">
+                <a16:creationId xmlns:a16="http://schemas.microsoft.com/office/drawing/2014/main" id="{7ED08D13-5473-C648-9F38-11E24BA9340B}"/>
+              </a:ext>
+            </a:extLst>
+          </p:cNvPr>
+          <p:cNvCxnSpPr>
+            <a:cxnSpLocks/>
+            <a:stCxn id="4" idx="3"/>
+          </p:cNvCxnSpPr>
+          <p:nvPr/>
+        </p:nvCxnSpPr>
+        <p:spPr>
+          <a:xfrm flipV="1">
+            <a:off x="4935047" y="5321922"/>
+            <a:ext cx="1160508" cy="967834"/>
+          </a:xfrm>
+          <a:prstGeom prst="straightConnector1">
+            <a:avLst/>
+          </a:prstGeom>
+          <a:ln>
+            <a:tailEnd type="triangle"/>
+          </a:ln>
+        </p:spPr>
+        <p:style>
+          <a:lnRef idx="1">
+            <a:schemeClr val="accent1"/>
+          </a:lnRef>
+          <a:fillRef idx="0">
+            <a:schemeClr val="accent1"/>
+          </a:fillRef>
+          <a:effectRef idx="0">
+            <a:schemeClr val="accent1"/>
+          </a:effectRef>
+          <a:fontRef idx="minor">
+            <a:schemeClr val="tx1"/>
+          </a:fontRef>
+        </p:style>
+      </p:cxnSp>
     </p:spTree>
     <p:extLst>
       <p:ext uri="{BB962C8B-B14F-4D97-AF65-F5344CB8AC3E}">
-        <p14:creationId xmlns:p14="http://schemas.microsoft.com/office/powerpoint/2010/main" val="2513423343"/>
+        <p14:creationId xmlns:p14="http://schemas.microsoft.com/office/powerpoint/2010/main" val="2599871143"/>
       </p:ext>
     </p:extLst>
   </p:cSld>
@@ -10822,91 +9248,12 @@
           <a:chExt cx="0" cy="0"/>
         </a:xfrm>
       </p:grpSpPr>
-      <p:sp>
-        <p:nvSpPr>
-          <p:cNvPr id="2" name="Title 1">
-            <a:extLst>
-              <a:ext uri="{FF2B5EF4-FFF2-40B4-BE49-F238E27FC236}">
-                <a16:creationId xmlns:a16="http://schemas.microsoft.com/office/drawing/2014/main" id="{181508FF-49F9-E34F-B329-E9D3EFCC15CF}"/>
-              </a:ext>
-            </a:extLst>
-          </p:cNvPr>
-          <p:cNvSpPr>
-            <a:spLocks noGrp="1"/>
-          </p:cNvSpPr>
-          <p:nvPr>
-            <p:ph type="title"/>
-          </p:nvPr>
-        </p:nvSpPr>
-        <p:spPr/>
-        <p:txBody>
-          <a:bodyPr/>
-          <a:lstStyle/>
-          <a:p>
-            <a:r>
-              <a:rPr lang="en-US" dirty="0"/>
-              <a:t>What we need</a:t>
-            </a:r>
-          </a:p>
-        </p:txBody>
-      </p:sp>
-      <p:sp>
-        <p:nvSpPr>
-          <p:cNvPr id="3" name="Content Placeholder 2">
-            <a:extLst>
-              <a:ext uri="{FF2B5EF4-FFF2-40B4-BE49-F238E27FC236}">
-                <a16:creationId xmlns:a16="http://schemas.microsoft.com/office/drawing/2014/main" id="{2F6ECB7A-46C2-1F4F-8A3A-EEA9E9C3DB3D}"/>
-              </a:ext>
-            </a:extLst>
-          </p:cNvPr>
-          <p:cNvSpPr>
-            <a:spLocks noGrp="1"/>
-          </p:cNvSpPr>
-          <p:nvPr>
-            <p:ph idx="1"/>
-          </p:nvPr>
-        </p:nvSpPr>
-        <p:spPr/>
-        <p:txBody>
-          <a:bodyPr>
-            <a:normAutofit/>
-          </a:bodyPr>
-          <a:lstStyle/>
-          <a:p>
-            <a:r>
-              <a:rPr lang="en-US" dirty="0"/>
-              <a:t>First, augment the exception message to identify operation</a:t>
-            </a:r>
-          </a:p>
-          <a:p>
-            <a:endParaRPr lang="en-US" dirty="0"/>
-          </a:p>
-          <a:p>
-            <a:pPr marL="0" indent="0">
-              <a:buNone/>
-            </a:pPr>
-            <a:endParaRPr lang="en-US" dirty="0"/>
-          </a:p>
-          <a:p>
-            <a:r>
-              <a:rPr lang="en-US" dirty="0"/>
-              <a:t>But we can help programmers even more…</a:t>
-            </a:r>
-          </a:p>
-          <a:p>
-            <a:r>
-              <a:rPr lang="en-US" dirty="0"/>
-              <a:t>We need to line up dimensions so let’s do that visually!</a:t>
-            </a:r>
-          </a:p>
-        </p:txBody>
-      </p:sp>
       <p:pic>
         <p:nvPicPr>
-          <p:cNvPr id="5" name="Picture 4" descr="A picture containing text&#10;&#10;Description automatically generated">
-            <a:extLst>
-              <a:ext uri="{FF2B5EF4-FFF2-40B4-BE49-F238E27FC236}">
-                <a16:creationId xmlns:a16="http://schemas.microsoft.com/office/drawing/2014/main" id="{9E4926CC-B985-E046-9D6D-57DD2612DEFD}"/>
+          <p:cNvPr id="4" name="Picture 3" descr="A picture containing diagram&#10;&#10;Description automatically generated">
+            <a:extLst>
+              <a:ext uri="{FF2B5EF4-FFF2-40B4-BE49-F238E27FC236}">
+                <a16:creationId xmlns:a16="http://schemas.microsoft.com/office/drawing/2014/main" id="{60493E7D-78DE-614C-B5CA-4DBBF82B10F3}"/>
               </a:ext>
             </a:extLst>
           </p:cNvPr>
@@ -10923,41 +9270,161 @@
         </p:blipFill>
         <p:spPr>
           <a:xfrm>
-            <a:off x="1370211" y="4586150"/>
-            <a:ext cx="9172560" cy="1590813"/>
+            <a:off x="1383574" y="1471973"/>
+            <a:ext cx="8852626" cy="2498287"/>
           </a:xfrm>
           <a:prstGeom prst="rect">
             <a:avLst/>
           </a:prstGeom>
         </p:spPr>
       </p:pic>
+      <p:pic>
+        <p:nvPicPr>
+          <p:cNvPr id="8" name="Picture 7" descr="Diagram&#10;&#10;Description automatically generated">
+            <a:extLst>
+              <a:ext uri="{FF2B5EF4-FFF2-40B4-BE49-F238E27FC236}">
+                <a16:creationId xmlns:a16="http://schemas.microsoft.com/office/drawing/2014/main" id="{C5B76390-D102-364D-A29B-53B7A41C27EB}"/>
+              </a:ext>
+            </a:extLst>
+          </p:cNvPr>
+          <p:cNvPicPr>
+            <a:picLocks noChangeAspect="1"/>
+          </p:cNvPicPr>
+          <p:nvPr/>
+        </p:nvPicPr>
+        <p:blipFill>
+          <a:blip r:embed="rId3"/>
+          <a:stretch>
+            <a:fillRect/>
+          </a:stretch>
+        </p:blipFill>
+        <p:spPr>
+          <a:xfrm>
+            <a:off x="599605" y="4507836"/>
+            <a:ext cx="3114592" cy="1426431"/>
+          </a:xfrm>
+          <a:prstGeom prst="rect">
+            <a:avLst/>
+          </a:prstGeom>
+        </p:spPr>
+      </p:pic>
+      <p:sp>
+        <p:nvSpPr>
+          <p:cNvPr id="2" name="Title 1">
+            <a:extLst>
+              <a:ext uri="{FF2B5EF4-FFF2-40B4-BE49-F238E27FC236}">
+                <a16:creationId xmlns:a16="http://schemas.microsoft.com/office/drawing/2014/main" id="{414E8CDF-97F8-BA4F-995B-9E79802D7E0F}"/>
+              </a:ext>
+            </a:extLst>
+          </p:cNvPr>
+          <p:cNvSpPr>
+            <a:spLocks noGrp="1"/>
+          </p:cNvSpPr>
+          <p:nvPr>
+            <p:ph type="title"/>
+          </p:nvPr>
+        </p:nvSpPr>
+        <p:spPr/>
+        <p:txBody>
+          <a:bodyPr/>
+          <a:lstStyle/>
+          <a:p>
+            <a:r>
+              <a:rPr lang="en-US" dirty="0"/>
+              <a:t>A nice-to-have feature: viz correct code</a:t>
+            </a:r>
+          </a:p>
+        </p:txBody>
+      </p:sp>
+      <p:pic>
+        <p:nvPicPr>
+          <p:cNvPr id="7" name="Picture 6">
+            <a:extLst>
+              <a:ext uri="{FF2B5EF4-FFF2-40B4-BE49-F238E27FC236}">
+                <a16:creationId xmlns:a16="http://schemas.microsoft.com/office/drawing/2014/main" id="{F608205B-45C4-2349-BC49-9E88A9AC5BFC}"/>
+              </a:ext>
+            </a:extLst>
+          </p:cNvPr>
+          <p:cNvPicPr>
+            <a:picLocks noChangeAspect="1"/>
+          </p:cNvPicPr>
+          <p:nvPr/>
+        </p:nvPicPr>
+        <p:blipFill>
+          <a:blip r:embed="rId4"/>
+          <a:stretch>
+            <a:fillRect/>
+          </a:stretch>
+        </p:blipFill>
+        <p:spPr>
+          <a:xfrm>
+            <a:off x="8319182" y="4637133"/>
+            <a:ext cx="2578100" cy="1219200"/>
+          </a:xfrm>
+          <a:prstGeom prst="rect">
+            <a:avLst/>
+          </a:prstGeom>
+        </p:spPr>
+      </p:pic>
+      <p:sp>
+        <p:nvSpPr>
+          <p:cNvPr id="13" name="TextBox 12">
+            <a:extLst>
+              <a:ext uri="{FF2B5EF4-FFF2-40B4-BE49-F238E27FC236}">
+                <a16:creationId xmlns:a16="http://schemas.microsoft.com/office/drawing/2014/main" id="{B33509D6-EC6F-A347-8DD4-BC83D7071C34}"/>
+              </a:ext>
+            </a:extLst>
+          </p:cNvPr>
+          <p:cNvSpPr txBox="1"/>
+          <p:nvPr/>
+        </p:nvSpPr>
+        <p:spPr>
+          <a:xfrm>
+            <a:off x="1739208" y="6219168"/>
+            <a:ext cx="3544560" cy="369332"/>
+          </a:xfrm>
+          <a:prstGeom prst="rect">
+            <a:avLst/>
+          </a:prstGeom>
+          <a:noFill/>
+        </p:spPr>
+        <p:txBody>
+          <a:bodyPr wrap="none" rtlCol="0">
+            <a:spAutoFit/>
+          </a:bodyPr>
+          <a:lstStyle/>
+          <a:p>
+            <a:r>
+              <a:rPr lang="en-US" dirty="0"/>
+              <a:t>Greater than 2 and 3 dimensions</a:t>
+            </a:r>
+          </a:p>
+        </p:txBody>
+      </p:sp>
       <p:cxnSp>
         <p:nvCxnSpPr>
-          <p:cNvPr id="6" name="Straight Arrow Connector 5">
-            <a:extLst>
-              <a:ext uri="{FF2B5EF4-FFF2-40B4-BE49-F238E27FC236}">
-                <a16:creationId xmlns:a16="http://schemas.microsoft.com/office/drawing/2014/main" id="{AB88FC99-4998-B840-B9E5-D63214567F67}"/>
+          <p:cNvPr id="14" name="Straight Arrow Connector 13">
+            <a:extLst>
+              <a:ext uri="{FF2B5EF4-FFF2-40B4-BE49-F238E27FC236}">
+                <a16:creationId xmlns:a16="http://schemas.microsoft.com/office/drawing/2014/main" id="{39F31D14-AB77-A74D-BE71-97035E03188A}"/>
               </a:ext>
             </a:extLst>
           </p:cNvPr>
           <p:cNvCxnSpPr>
             <a:cxnSpLocks/>
+            <a:endCxn id="8" idx="2"/>
           </p:cNvCxnSpPr>
           <p:nvPr/>
         </p:nvCxnSpPr>
         <p:spPr>
-          <a:xfrm>
-            <a:off x="7994369" y="5256805"/>
-            <a:ext cx="364924" cy="249502"/>
+          <a:xfrm flipV="1">
+            <a:off x="2156901" y="5934267"/>
+            <a:ext cx="0" cy="310568"/>
           </a:xfrm>
           <a:prstGeom prst="straightConnector1">
             <a:avLst/>
           </a:prstGeom>
           <a:ln>
-            <a:solidFill>
-              <a:srgbClr val="FF0000"/>
-            </a:solidFill>
-            <a:headEnd type="triangle"/>
             <a:tailEnd type="triangle"/>
           </a:ln>
         </p:spPr>
@@ -10976,92 +9443,121 @@
           </a:fontRef>
         </p:style>
       </p:cxnSp>
-      <p:pic>
-        <p:nvPicPr>
-          <p:cNvPr id="12" name="Picture 11">
-            <a:extLst>
-              <a:ext uri="{FF2B5EF4-FFF2-40B4-BE49-F238E27FC236}">
-                <a16:creationId xmlns:a16="http://schemas.microsoft.com/office/drawing/2014/main" id="{CC039054-8509-A54B-9CA4-582220EBE0DF}"/>
-              </a:ext>
-            </a:extLst>
-          </p:cNvPr>
-          <p:cNvPicPr>
-            <a:picLocks noChangeAspect="1"/>
-          </p:cNvPicPr>
+      <p:cxnSp>
+        <p:nvCxnSpPr>
+          <p:cNvPr id="19" name="Straight Connector 18">
+            <a:extLst>
+              <a:ext uri="{FF2B5EF4-FFF2-40B4-BE49-F238E27FC236}">
+                <a16:creationId xmlns:a16="http://schemas.microsoft.com/office/drawing/2014/main" id="{7EE79A98-C646-1D4A-A18D-A0A07DC95041}"/>
+              </a:ext>
+            </a:extLst>
+          </p:cNvPr>
+          <p:cNvCxnSpPr>
+            <a:cxnSpLocks/>
+          </p:cNvCxnSpPr>
           <p:nvPr/>
-        </p:nvPicPr>
-        <p:blipFill>
-          <a:blip r:embed="rId3"/>
-          <a:stretch>
-            <a:fillRect/>
-          </a:stretch>
-        </p:blipFill>
-        <p:spPr>
-          <a:xfrm>
-            <a:off x="11151" y="2426715"/>
-            <a:ext cx="12168809" cy="609103"/>
-          </a:xfrm>
-          <a:prstGeom prst="rect">
+        </p:nvCxnSpPr>
+        <p:spPr>
+          <a:xfrm>
+            <a:off x="6536800" y="4436508"/>
+            <a:ext cx="0" cy="1497956"/>
+          </a:xfrm>
+          <a:prstGeom prst="line">
             <a:avLst/>
           </a:prstGeom>
         </p:spPr>
-      </p:pic>
-      <p:sp>
-        <p:nvSpPr>
-          <p:cNvPr id="13" name="Rectangle 12">
-            <a:extLst>
-              <a:ext uri="{FF2B5EF4-FFF2-40B4-BE49-F238E27FC236}">
-                <a16:creationId xmlns:a16="http://schemas.microsoft.com/office/drawing/2014/main" id="{5097608E-595E-054C-83FF-FDE2A00BC81C}"/>
-              </a:ext>
-            </a:extLst>
-          </p:cNvPr>
-          <p:cNvSpPr/>
-          <p:nvPr/>
-        </p:nvSpPr>
-        <p:spPr>
-          <a:xfrm>
-            <a:off x="1212" y="2731685"/>
-            <a:ext cx="12192000" cy="304133"/>
-          </a:xfrm>
-          <a:prstGeom prst="rect">
-            <a:avLst/>
-          </a:prstGeom>
-          <a:noFill/>
-          <a:ln w="19050">
-            <a:solidFill>
-              <a:srgbClr val="89D555"/>
-            </a:solidFill>
-          </a:ln>
-        </p:spPr>
         <p:style>
-          <a:lnRef idx="2">
-            <a:schemeClr val="accent1">
-              <a:shade val="50000"/>
-            </a:schemeClr>
+          <a:lnRef idx="1">
+            <a:schemeClr val="accent1"/>
           </a:lnRef>
-          <a:fillRef idx="1">
+          <a:fillRef idx="0">
             <a:schemeClr val="accent1"/>
           </a:fillRef>
           <a:effectRef idx="0">
             <a:schemeClr val="accent1"/>
           </a:effectRef>
           <a:fontRef idx="minor">
-            <a:schemeClr val="lt1"/>
+            <a:schemeClr val="tx1"/>
           </a:fontRef>
         </p:style>
-        <p:txBody>
-          <a:bodyPr rtlCol="0" anchor="ctr"/>
-          <a:lstStyle/>
-          <a:p>
-            <a:pPr algn="ctr"/>
-            <a:endParaRPr lang="en-US"/>
-          </a:p>
-        </p:txBody>
-      </p:sp>
+      </p:cxnSp>
+      <p:sp>
+        <p:nvSpPr>
+          <p:cNvPr id="21" name="TextBox 20">
+            <a:extLst>
+              <a:ext uri="{FF2B5EF4-FFF2-40B4-BE49-F238E27FC236}">
+                <a16:creationId xmlns:a16="http://schemas.microsoft.com/office/drawing/2014/main" id="{681F30B4-E073-E04A-83C1-98D6FBB2C3CB}"/>
+              </a:ext>
+            </a:extLst>
+          </p:cNvPr>
+          <p:cNvSpPr txBox="1"/>
+          <p:nvPr/>
+        </p:nvSpPr>
+        <p:spPr>
+          <a:xfrm>
+            <a:off x="7086455" y="1586054"/>
+            <a:ext cx="4355068" cy="707886"/>
+          </a:xfrm>
+          <a:prstGeom prst="rect">
+            <a:avLst/>
+          </a:prstGeom>
+          <a:noFill/>
+        </p:spPr>
+        <p:txBody>
+          <a:bodyPr wrap="square" rtlCol="0">
+            <a:spAutoFit/>
+          </a:bodyPr>
+          <a:lstStyle/>
+          <a:p>
+            <a:r>
+              <a:rPr lang="en-US" sz="2000" dirty="0"/>
+              <a:t>Very helpful when trying to read (even correct) code</a:t>
+            </a:r>
+          </a:p>
+        </p:txBody>
+      </p:sp>
+      <p:cxnSp>
+        <p:nvCxnSpPr>
+          <p:cNvPr id="20" name="Straight Connector 19">
+            <a:extLst>
+              <a:ext uri="{FF2B5EF4-FFF2-40B4-BE49-F238E27FC236}">
+                <a16:creationId xmlns:a16="http://schemas.microsoft.com/office/drawing/2014/main" id="{1FA9ACEC-D4AB-B649-A999-E1F0001210EF}"/>
+              </a:ext>
+            </a:extLst>
+          </p:cNvPr>
+          <p:cNvCxnSpPr>
+            <a:cxnSpLocks/>
+          </p:cNvCxnSpPr>
+          <p:nvPr/>
+        </p:nvCxnSpPr>
+        <p:spPr>
+          <a:xfrm>
+            <a:off x="599605" y="4197267"/>
+            <a:ext cx="10897302" cy="0"/>
+          </a:xfrm>
+          <a:prstGeom prst="line">
+            <a:avLst/>
+          </a:prstGeom>
+        </p:spPr>
+        <p:style>
+          <a:lnRef idx="1">
+            <a:schemeClr val="accent1"/>
+          </a:lnRef>
+          <a:fillRef idx="0">
+            <a:schemeClr val="accent1"/>
+          </a:fillRef>
+          <a:effectRef idx="0">
+            <a:schemeClr val="accent1"/>
+          </a:effectRef>
+          <a:fontRef idx="minor">
+            <a:schemeClr val="tx1"/>
+          </a:fontRef>
+        </p:style>
+      </p:cxnSp>
     </p:spTree>
     <p:extLst>
       <p:ext uri="{BB962C8B-B14F-4D97-AF65-F5344CB8AC3E}">
-        <p14:creationId xmlns:p14="http://schemas.microsoft.com/office/powerpoint/2010/main" val="2599871143"/>
+        <p14:creationId xmlns:p14="http://schemas.microsoft.com/office/powerpoint/2010/main" val="2807488976"/>
       </p:ext>
     </p:extLst>
   </p:cSld>
@@ -11090,10 +9586,10 @@
       </p:grpSpPr>
       <p:pic>
         <p:nvPicPr>
-          <p:cNvPr id="4" name="Picture 3" descr="A picture containing diagram&#10;&#10;Description automatically generated">
-            <a:extLst>
-              <a:ext uri="{FF2B5EF4-FFF2-40B4-BE49-F238E27FC236}">
-                <a16:creationId xmlns:a16="http://schemas.microsoft.com/office/drawing/2014/main" id="{60493E7D-78DE-614C-B5CA-4DBBF82B10F3}"/>
+          <p:cNvPr id="22" name="Picture 21" descr="Diagram&#10;&#10;Description automatically generated">
+            <a:extLst>
+              <a:ext uri="{FF2B5EF4-FFF2-40B4-BE49-F238E27FC236}">
+                <a16:creationId xmlns:a16="http://schemas.microsoft.com/office/drawing/2014/main" id="{CA8EA7FD-A1C8-8944-8B27-79CA1C3EEA4B}"/>
               </a:ext>
             </a:extLst>
           </p:cNvPr>
@@ -11110,8 +9606,8 @@
         </p:blipFill>
         <p:spPr>
           <a:xfrm>
-            <a:off x="1383574" y="1471973"/>
-            <a:ext cx="8852626" cy="2498287"/>
+            <a:off x="797825" y="1938108"/>
+            <a:ext cx="2654300" cy="1079500"/>
           </a:xfrm>
           <a:prstGeom prst="rect">
             <a:avLst/>
@@ -11120,17 +9616,19 @@
       </p:pic>
       <p:pic>
         <p:nvPicPr>
-          <p:cNvPr id="8" name="Picture 7" descr="Diagram&#10;&#10;Description automatically generated">
-            <a:extLst>
-              <a:ext uri="{FF2B5EF4-FFF2-40B4-BE49-F238E27FC236}">
-                <a16:creationId xmlns:a16="http://schemas.microsoft.com/office/drawing/2014/main" id="{C5B76390-D102-364D-A29B-53B7A41C27EB}"/>
+          <p:cNvPr id="18" name="Content Placeholder 17" descr="Text&#10;&#10;Description automatically generated">
+            <a:extLst>
+              <a:ext uri="{FF2B5EF4-FFF2-40B4-BE49-F238E27FC236}">
+                <a16:creationId xmlns:a16="http://schemas.microsoft.com/office/drawing/2014/main" id="{867BBA78-1C42-5148-B115-A663E8CC6026}"/>
               </a:ext>
             </a:extLst>
           </p:cNvPr>
           <p:cNvPicPr>
-            <a:picLocks noChangeAspect="1"/>
+            <a:picLocks noGrp="1" noChangeAspect="1"/>
           </p:cNvPicPr>
-          <p:nvPr/>
+          <p:nvPr>
+            <p:ph idx="1"/>
+          </p:nvPr>
         </p:nvPicPr>
         <p:blipFill>
           <a:blip r:embed="rId3"/>
@@ -11140,48 +9638,17 @@
         </p:blipFill>
         <p:spPr>
           <a:xfrm>
-            <a:off x="599605" y="4507836"/>
-            <a:ext cx="3114592" cy="1426431"/>
-          </a:xfrm>
-          <a:prstGeom prst="rect">
-            <a:avLst/>
-          </a:prstGeom>
+            <a:off x="6474582" y="3970777"/>
+            <a:ext cx="5549892" cy="965199"/>
+          </a:xfrm>
         </p:spPr>
       </p:pic>
-      <p:sp>
-        <p:nvSpPr>
-          <p:cNvPr id="2" name="Title 1">
-            <a:extLst>
-              <a:ext uri="{FF2B5EF4-FFF2-40B4-BE49-F238E27FC236}">
-                <a16:creationId xmlns:a16="http://schemas.microsoft.com/office/drawing/2014/main" id="{414E8CDF-97F8-BA4F-995B-9E79802D7E0F}"/>
-              </a:ext>
-            </a:extLst>
-          </p:cNvPr>
-          <p:cNvSpPr>
-            <a:spLocks noGrp="1"/>
-          </p:cNvSpPr>
-          <p:nvPr>
-            <p:ph type="title"/>
-          </p:nvPr>
-        </p:nvSpPr>
-        <p:spPr/>
-        <p:txBody>
-          <a:bodyPr/>
-          <a:lstStyle/>
-          <a:p>
-            <a:r>
-              <a:rPr lang="en-US" dirty="0"/>
-              <a:t>A nice-to-have feature: viz correct code</a:t>
-            </a:r>
-          </a:p>
-        </p:txBody>
-      </p:sp>
       <p:pic>
         <p:nvPicPr>
-          <p:cNvPr id="7" name="Picture 6">
-            <a:extLst>
-              <a:ext uri="{FF2B5EF4-FFF2-40B4-BE49-F238E27FC236}">
-                <a16:creationId xmlns:a16="http://schemas.microsoft.com/office/drawing/2014/main" id="{F608205B-45C4-2349-BC49-9E88A9AC5BFC}"/>
+          <p:cNvPr id="4" name="Picture 3">
+            <a:extLst>
+              <a:ext uri="{FF2B5EF4-FFF2-40B4-BE49-F238E27FC236}">
+                <a16:creationId xmlns:a16="http://schemas.microsoft.com/office/drawing/2014/main" id="{AB13C54A-96D4-6B42-9017-F103FF5AC49C}"/>
               </a:ext>
             </a:extLst>
           </p:cNvPr>
@@ -11198,8 +9665,8 @@
         </p:blipFill>
         <p:spPr>
           <a:xfrm>
-            <a:off x="8319182" y="4637133"/>
-            <a:ext cx="2578100" cy="1219200"/>
+            <a:off x="6809744" y="2859961"/>
+            <a:ext cx="4584700" cy="965200"/>
           </a:xfrm>
           <a:prstGeom prst="rect">
             <a:avLst/>
@@ -11208,10 +9675,38 @@
       </p:pic>
       <p:sp>
         <p:nvSpPr>
-          <p:cNvPr id="13" name="TextBox 12">
-            <a:extLst>
-              <a:ext uri="{FF2B5EF4-FFF2-40B4-BE49-F238E27FC236}">
-                <a16:creationId xmlns:a16="http://schemas.microsoft.com/office/drawing/2014/main" id="{B33509D6-EC6F-A347-8DD4-BC83D7071C34}"/>
+          <p:cNvPr id="2" name="Title 1">
+            <a:extLst>
+              <a:ext uri="{FF2B5EF4-FFF2-40B4-BE49-F238E27FC236}">
+                <a16:creationId xmlns:a16="http://schemas.microsoft.com/office/drawing/2014/main" id="{77C84AC9-6D68-B847-8432-35493E969DEB}"/>
+              </a:ext>
+            </a:extLst>
+          </p:cNvPr>
+          <p:cNvSpPr>
+            <a:spLocks noGrp="1"/>
+          </p:cNvSpPr>
+          <p:nvPr>
+            <p:ph type="title"/>
+          </p:nvPr>
+        </p:nvSpPr>
+        <p:spPr/>
+        <p:txBody>
+          <a:bodyPr/>
+          <a:lstStyle/>
+          <a:p>
+            <a:r>
+              <a:rPr lang="en-US" dirty="0"/>
+              <a:t>Oh, and support multiple libraries</a:t>
+            </a:r>
+          </a:p>
+        </p:txBody>
+      </p:sp>
+      <p:sp>
+        <p:nvSpPr>
+          <p:cNvPr id="10" name="TextBox 9">
+            <a:extLst>
+              <a:ext uri="{FF2B5EF4-FFF2-40B4-BE49-F238E27FC236}">
+                <a16:creationId xmlns:a16="http://schemas.microsoft.com/office/drawing/2014/main" id="{A42E60A5-D452-ED43-BC7D-591A77D1B969}"/>
               </a:ext>
             </a:extLst>
           </p:cNvPr>
@@ -11220,8 +9715,8 @@
         </p:nvSpPr>
         <p:spPr>
           <a:xfrm>
-            <a:off x="1739208" y="6219168"/>
-            <a:ext cx="3544560" cy="369332"/>
+            <a:off x="4875609" y="4241582"/>
+            <a:ext cx="684803" cy="400110"/>
           </a:xfrm>
           <a:prstGeom prst="rect">
             <a:avLst/>
@@ -11235,8 +9730,79 @@
           <a:lstStyle/>
           <a:p>
             <a:r>
-              <a:rPr lang="en-US" dirty="0"/>
-              <a:t>Greater than 2 and 3 dimensions</a:t>
+              <a:rPr lang="en-US" sz="2000" b="1" dirty="0"/>
+              <a:t>JAX</a:t>
+            </a:r>
+          </a:p>
+        </p:txBody>
+      </p:sp>
+      <p:sp>
+        <p:nvSpPr>
+          <p:cNvPr id="11" name="TextBox 10">
+            <a:extLst>
+              <a:ext uri="{FF2B5EF4-FFF2-40B4-BE49-F238E27FC236}">
+                <a16:creationId xmlns:a16="http://schemas.microsoft.com/office/drawing/2014/main" id="{E2EA0D2B-CD69-5142-BA08-2CA47B87614F}"/>
+              </a:ext>
+            </a:extLst>
+          </p:cNvPr>
+          <p:cNvSpPr txBox="1"/>
+          <p:nvPr/>
+        </p:nvSpPr>
+        <p:spPr>
+          <a:xfrm>
+            <a:off x="4647757" y="2179191"/>
+            <a:ext cx="1193147" cy="400110"/>
+          </a:xfrm>
+          <a:prstGeom prst="rect">
+            <a:avLst/>
+          </a:prstGeom>
+          <a:noFill/>
+        </p:spPr>
+        <p:txBody>
+          <a:bodyPr wrap="none" rtlCol="0">
+            <a:spAutoFit/>
+          </a:bodyPr>
+          <a:lstStyle/>
+          <a:p>
+            <a:r>
+              <a:rPr lang="en-US" sz="2000" b="1" dirty="0" err="1"/>
+              <a:t>PyTorch</a:t>
+            </a:r>
+            <a:endParaRPr lang="en-US" sz="2000" b="1" dirty="0"/>
+          </a:p>
+        </p:txBody>
+      </p:sp>
+      <p:sp>
+        <p:nvSpPr>
+          <p:cNvPr id="12" name="TextBox 11">
+            <a:extLst>
+              <a:ext uri="{FF2B5EF4-FFF2-40B4-BE49-F238E27FC236}">
+                <a16:creationId xmlns:a16="http://schemas.microsoft.com/office/drawing/2014/main" id="{ABD11DCF-9AEF-3747-BC6D-5988187F63AB}"/>
+              </a:ext>
+            </a:extLst>
+          </p:cNvPr>
+          <p:cNvSpPr txBox="1"/>
+          <p:nvPr/>
+        </p:nvSpPr>
+        <p:spPr>
+          <a:xfrm>
+            <a:off x="2935240" y="1399416"/>
+            <a:ext cx="2282997" cy="338554"/>
+          </a:xfrm>
+          <a:prstGeom prst="rect">
+            <a:avLst/>
+          </a:prstGeom>
+          <a:noFill/>
+        </p:spPr>
+        <p:txBody>
+          <a:bodyPr wrap="none" rtlCol="0">
+            <a:spAutoFit/>
+          </a:bodyPr>
+          <a:lstStyle/>
+          <a:p>
+            <a:r>
+              <a:rPr lang="en-US" sz="1600" dirty="0"/>
+              <a:t>(1D vectors are yellow)</a:t>
             </a:r>
           </a:p>
         </p:txBody>
@@ -11246,20 +9812,20 @@
           <p:cNvPr id="14" name="Straight Arrow Connector 13">
             <a:extLst>
               <a:ext uri="{FF2B5EF4-FFF2-40B4-BE49-F238E27FC236}">
-                <a16:creationId xmlns:a16="http://schemas.microsoft.com/office/drawing/2014/main" id="{39F31D14-AB77-A74D-BE71-97035E03188A}"/>
+                <a16:creationId xmlns:a16="http://schemas.microsoft.com/office/drawing/2014/main" id="{42225EDD-FD6B-D04C-B2A5-A10FAADCAEEB}"/>
               </a:ext>
             </a:extLst>
           </p:cNvPr>
           <p:cNvCxnSpPr>
             <a:cxnSpLocks/>
-            <a:endCxn id="8" idx="2"/>
+            <a:stCxn id="12" idx="2"/>
           </p:cNvCxnSpPr>
           <p:nvPr/>
         </p:nvCxnSpPr>
         <p:spPr>
-          <a:xfrm flipV="1">
-            <a:off x="2156901" y="5934267"/>
-            <a:ext cx="0" cy="310568"/>
+          <a:xfrm flipH="1">
+            <a:off x="2743200" y="1737970"/>
+            <a:ext cx="1333539" cy="769610"/>
           </a:xfrm>
           <a:prstGeom prst="straightConnector1">
             <a:avLst/>
@@ -11283,121 +9849,291 @@
           </a:fontRef>
         </p:style>
       </p:cxnSp>
-      <p:cxnSp>
-        <p:nvCxnSpPr>
-          <p:cNvPr id="19" name="Straight Connector 18">
-            <a:extLst>
-              <a:ext uri="{FF2B5EF4-FFF2-40B4-BE49-F238E27FC236}">
-                <a16:creationId xmlns:a16="http://schemas.microsoft.com/office/drawing/2014/main" id="{7EE79A98-C646-1D4A-A18D-A0A07DC95041}"/>
-              </a:ext>
-            </a:extLst>
-          </p:cNvPr>
-          <p:cNvCxnSpPr>
-            <a:cxnSpLocks/>
-          </p:cNvCxnSpPr>
+      <p:pic>
+        <p:nvPicPr>
+          <p:cNvPr id="24" name="Picture 23" descr="A picture containing diagram&#10;&#10;Description automatically generated">
+            <a:extLst>
+              <a:ext uri="{FF2B5EF4-FFF2-40B4-BE49-F238E27FC236}">
+                <a16:creationId xmlns:a16="http://schemas.microsoft.com/office/drawing/2014/main" id="{522B3BFC-47C6-2544-BFBE-E184532B1289}"/>
+              </a:ext>
+            </a:extLst>
+          </p:cNvPr>
+          <p:cNvPicPr>
+            <a:picLocks noChangeAspect="1"/>
+          </p:cNvPicPr>
           <p:nvPr/>
-        </p:nvCxnSpPr>
-        <p:spPr>
-          <a:xfrm>
-            <a:off x="6536800" y="4436508"/>
-            <a:ext cx="0" cy="1497956"/>
-          </a:xfrm>
-          <a:prstGeom prst="line">
+        </p:nvPicPr>
+        <p:blipFill>
+          <a:blip r:embed="rId5"/>
+          <a:stretch>
+            <a:fillRect/>
+          </a:stretch>
+        </p:blipFill>
+        <p:spPr>
+          <a:xfrm>
+            <a:off x="589170" y="3090355"/>
+            <a:ext cx="5308600" cy="876300"/>
+          </a:xfrm>
+          <a:prstGeom prst="rect">
             <a:avLst/>
           </a:prstGeom>
         </p:spPr>
+      </p:pic>
+      <p:sp>
+        <p:nvSpPr>
+          <p:cNvPr id="25" name="TextBox 24">
+            <a:extLst>
+              <a:ext uri="{FF2B5EF4-FFF2-40B4-BE49-F238E27FC236}">
+                <a16:creationId xmlns:a16="http://schemas.microsoft.com/office/drawing/2014/main" id="{29DE42E4-A8DD-184B-A3B0-D541FA93BE4B}"/>
+              </a:ext>
+            </a:extLst>
+          </p:cNvPr>
+          <p:cNvSpPr txBox="1"/>
+          <p:nvPr/>
+        </p:nvSpPr>
+        <p:spPr>
+          <a:xfrm>
+            <a:off x="8569051" y="2182832"/>
+            <a:ext cx="1605119" cy="400110"/>
+          </a:xfrm>
+          <a:prstGeom prst="rect">
+            <a:avLst/>
+          </a:prstGeom>
+          <a:noFill/>
+        </p:spPr>
+        <p:txBody>
+          <a:bodyPr wrap="none" rtlCol="0">
+            <a:spAutoFit/>
+          </a:bodyPr>
+          <a:lstStyle/>
+          <a:p>
+            <a:r>
+              <a:rPr lang="en-US" sz="2000" b="1" dirty="0"/>
+              <a:t>TensorFlow</a:t>
+            </a:r>
+          </a:p>
+        </p:txBody>
+      </p:sp>
+      <p:pic>
+        <p:nvPicPr>
+          <p:cNvPr id="27" name="Picture 26" descr="A picture containing diagram&#10;&#10;Description automatically generated">
+            <a:extLst>
+              <a:ext uri="{FF2B5EF4-FFF2-40B4-BE49-F238E27FC236}">
+                <a16:creationId xmlns:a16="http://schemas.microsoft.com/office/drawing/2014/main" id="{30E5B32D-1B8F-B647-BF83-19C8C8B81F77}"/>
+              </a:ext>
+            </a:extLst>
+          </p:cNvPr>
+          <p:cNvPicPr>
+            <a:picLocks noChangeAspect="1"/>
+          </p:cNvPicPr>
+          <p:nvPr/>
+        </p:nvPicPr>
+        <p:blipFill>
+          <a:blip r:embed="rId6"/>
+          <a:stretch>
+            <a:fillRect/>
+          </a:stretch>
+        </p:blipFill>
+        <p:spPr>
+          <a:xfrm>
+            <a:off x="401214" y="4276419"/>
+            <a:ext cx="3340100" cy="1066800"/>
+          </a:xfrm>
+          <a:prstGeom prst="rect">
+            <a:avLst/>
+          </a:prstGeom>
+        </p:spPr>
+      </p:pic>
+      <p:pic>
+        <p:nvPicPr>
+          <p:cNvPr id="29" name="Picture 28" descr="Chart&#10;&#10;Description automatically generated with low confidence">
+            <a:extLst>
+              <a:ext uri="{FF2B5EF4-FFF2-40B4-BE49-F238E27FC236}">
+                <a16:creationId xmlns:a16="http://schemas.microsoft.com/office/drawing/2014/main" id="{629D5CB1-7C78-0541-8AE5-F12CCD7CF09E}"/>
+              </a:ext>
+            </a:extLst>
+          </p:cNvPr>
+          <p:cNvPicPr>
+            <a:picLocks noChangeAspect="1"/>
+          </p:cNvPicPr>
+          <p:nvPr/>
+        </p:nvPicPr>
+        <p:blipFill>
+          <a:blip r:embed="rId7"/>
+          <a:stretch>
+            <a:fillRect/>
+          </a:stretch>
+        </p:blipFill>
+        <p:spPr>
+          <a:xfrm>
+            <a:off x="229764" y="5458584"/>
+            <a:ext cx="7023100" cy="1104900"/>
+          </a:xfrm>
+          <a:prstGeom prst="rect">
+            <a:avLst/>
+          </a:prstGeom>
+        </p:spPr>
+      </p:pic>
+      <p:sp>
+        <p:nvSpPr>
+          <p:cNvPr id="31" name="Rectangle 30">
+            <a:extLst>
+              <a:ext uri="{FF2B5EF4-FFF2-40B4-BE49-F238E27FC236}">
+                <a16:creationId xmlns:a16="http://schemas.microsoft.com/office/drawing/2014/main" id="{77EAE92C-B3EF-204B-B320-2CA6CDD6F283}"/>
+              </a:ext>
+            </a:extLst>
+          </p:cNvPr>
+          <p:cNvSpPr/>
+          <p:nvPr/>
+        </p:nvSpPr>
+        <p:spPr>
+          <a:xfrm>
+            <a:off x="603082" y="3681781"/>
+            <a:ext cx="5237822" cy="284874"/>
+          </a:xfrm>
+          <a:prstGeom prst="rect">
+            <a:avLst/>
+          </a:prstGeom>
+          <a:noFill/>
+          <a:ln w="19050">
+            <a:solidFill>
+              <a:srgbClr val="89D555"/>
+            </a:solidFill>
+          </a:ln>
+        </p:spPr>
         <p:style>
-          <a:lnRef idx="1">
-            <a:schemeClr val="accent1"/>
+          <a:lnRef idx="2">
+            <a:schemeClr val="accent1">
+              <a:shade val="50000"/>
+            </a:schemeClr>
           </a:lnRef>
-          <a:fillRef idx="0">
+          <a:fillRef idx="1">
             <a:schemeClr val="accent1"/>
           </a:fillRef>
           <a:effectRef idx="0">
             <a:schemeClr val="accent1"/>
           </a:effectRef>
           <a:fontRef idx="minor">
-            <a:schemeClr val="tx1"/>
+            <a:schemeClr val="lt1"/>
           </a:fontRef>
         </p:style>
-      </p:cxnSp>
-      <p:sp>
-        <p:nvSpPr>
-          <p:cNvPr id="21" name="TextBox 20">
-            <a:extLst>
-              <a:ext uri="{FF2B5EF4-FFF2-40B4-BE49-F238E27FC236}">
-                <a16:creationId xmlns:a16="http://schemas.microsoft.com/office/drawing/2014/main" id="{681F30B4-E073-E04A-83C1-98D6FBB2C3CB}"/>
-              </a:ext>
-            </a:extLst>
-          </p:cNvPr>
-          <p:cNvSpPr txBox="1"/>
+        <p:txBody>
+          <a:bodyPr rtlCol="0" anchor="ctr"/>
+          <a:lstStyle/>
+          <a:p>
+            <a:pPr algn="ctr"/>
+            <a:endParaRPr lang="en-US"/>
+          </a:p>
+        </p:txBody>
+      </p:sp>
+      <p:sp>
+        <p:nvSpPr>
+          <p:cNvPr id="32" name="Rectangle 31">
+            <a:extLst>
+              <a:ext uri="{FF2B5EF4-FFF2-40B4-BE49-F238E27FC236}">
+                <a16:creationId xmlns:a16="http://schemas.microsoft.com/office/drawing/2014/main" id="{817C42C6-ECB0-2D48-94B9-DFEBAEA7045B}"/>
+              </a:ext>
+            </a:extLst>
+          </p:cNvPr>
+          <p:cNvSpPr/>
           <p:nvPr/>
         </p:nvSpPr>
         <p:spPr>
           <a:xfrm>
-            <a:off x="7086455" y="1586054"/>
-            <a:ext cx="4355068" cy="707886"/>
+            <a:off x="229764" y="6017674"/>
+            <a:ext cx="7023100" cy="545810"/>
           </a:xfrm>
           <a:prstGeom prst="rect">
             <a:avLst/>
           </a:prstGeom>
           <a:noFill/>
-        </p:spPr>
-        <p:txBody>
-          <a:bodyPr wrap="square" rtlCol="0">
-            <a:spAutoFit/>
-          </a:bodyPr>
-          <a:lstStyle/>
-          <a:p>
-            <a:r>
-              <a:rPr lang="en-US" sz="2000" dirty="0"/>
-              <a:t>Very helpful when trying to read (even correct) code</a:t>
-            </a:r>
-          </a:p>
-        </p:txBody>
-      </p:sp>
-      <p:cxnSp>
-        <p:nvCxnSpPr>
-          <p:cNvPr id="20" name="Straight Connector 19">
-            <a:extLst>
-              <a:ext uri="{FF2B5EF4-FFF2-40B4-BE49-F238E27FC236}">
-                <a16:creationId xmlns:a16="http://schemas.microsoft.com/office/drawing/2014/main" id="{1FA9ACEC-D4AB-B649-A999-E1F0001210EF}"/>
-              </a:ext>
-            </a:extLst>
-          </p:cNvPr>
-          <p:cNvCxnSpPr>
-            <a:cxnSpLocks/>
-          </p:cNvCxnSpPr>
-          <p:nvPr/>
-        </p:nvCxnSpPr>
-        <p:spPr>
-          <a:xfrm>
-            <a:off x="599605" y="4197267"/>
-            <a:ext cx="10897302" cy="0"/>
-          </a:xfrm>
-          <a:prstGeom prst="line">
-            <a:avLst/>
-          </a:prstGeom>
+          <a:ln w="19050">
+            <a:solidFill>
+              <a:srgbClr val="89D555"/>
+            </a:solidFill>
+          </a:ln>
         </p:spPr>
         <p:style>
-          <a:lnRef idx="1">
-            <a:schemeClr val="accent1"/>
+          <a:lnRef idx="2">
+            <a:schemeClr val="accent1">
+              <a:shade val="50000"/>
+            </a:schemeClr>
           </a:lnRef>
-          <a:fillRef idx="0">
+          <a:fillRef idx="1">
             <a:schemeClr val="accent1"/>
           </a:fillRef>
           <a:effectRef idx="0">
             <a:schemeClr val="accent1"/>
           </a:effectRef>
           <a:fontRef idx="minor">
-            <a:schemeClr val="tx1"/>
+            <a:schemeClr val="lt1"/>
           </a:fontRef>
         </p:style>
-      </p:cxnSp>
+        <p:txBody>
+          <a:bodyPr rtlCol="0" anchor="ctr"/>
+          <a:lstStyle/>
+          <a:p>
+            <a:pPr algn="ctr"/>
+            <a:endParaRPr lang="en-US"/>
+          </a:p>
+        </p:txBody>
+      </p:sp>
+      <p:sp>
+        <p:nvSpPr>
+          <p:cNvPr id="33" name="Rectangle 32">
+            <a:extLst>
+              <a:ext uri="{FF2B5EF4-FFF2-40B4-BE49-F238E27FC236}">
+                <a16:creationId xmlns:a16="http://schemas.microsoft.com/office/drawing/2014/main" id="{86CCDD78-E28D-E140-99C0-37CF17A4026D}"/>
+              </a:ext>
+            </a:extLst>
+          </p:cNvPr>
+          <p:cNvSpPr/>
+          <p:nvPr/>
+        </p:nvSpPr>
+        <p:spPr>
+          <a:xfrm>
+            <a:off x="6483182" y="4459498"/>
+            <a:ext cx="5541291" cy="476477"/>
+          </a:xfrm>
+          <a:prstGeom prst="rect">
+            <a:avLst/>
+          </a:prstGeom>
+          <a:noFill/>
+          <a:ln w="19050">
+            <a:solidFill>
+              <a:srgbClr val="89D555"/>
+            </a:solidFill>
+          </a:ln>
+        </p:spPr>
+        <p:style>
+          <a:lnRef idx="2">
+            <a:schemeClr val="accent1">
+              <a:shade val="50000"/>
+            </a:schemeClr>
+          </a:lnRef>
+          <a:fillRef idx="1">
+            <a:schemeClr val="accent1"/>
+          </a:fillRef>
+          <a:effectRef idx="0">
+            <a:schemeClr val="accent1"/>
+          </a:effectRef>
+          <a:fontRef idx="minor">
+            <a:schemeClr val="lt1"/>
+          </a:fontRef>
+        </p:style>
+        <p:txBody>
+          <a:bodyPr rtlCol="0" anchor="ctr"/>
+          <a:lstStyle/>
+          <a:p>
+            <a:pPr algn="ctr"/>
+            <a:endParaRPr lang="en-US"/>
+          </a:p>
+        </p:txBody>
+      </p:sp>
     </p:spTree>
     <p:extLst>
       <p:ext uri="{BB962C8B-B14F-4D97-AF65-F5344CB8AC3E}">
-        <p14:creationId xmlns:p14="http://schemas.microsoft.com/office/powerpoint/2010/main" val="2807488976"/>
+        <p14:creationId xmlns:p14="http://schemas.microsoft.com/office/powerpoint/2010/main" val="955658222"/>
       </p:ext>
     </p:extLst>
   </p:cSld>
@@ -11429,7 +10165,7 @@
           <p:cNvPr id="2" name="Title 1">
             <a:extLst>
               <a:ext uri="{FF2B5EF4-FFF2-40B4-BE49-F238E27FC236}">
-                <a16:creationId xmlns:a16="http://schemas.microsoft.com/office/drawing/2014/main" id="{77C84AC9-6D68-B847-8432-35493E969DEB}"/>
+                <a16:creationId xmlns:a16="http://schemas.microsoft.com/office/drawing/2014/main" id="{79978330-775B-5942-B0F9-BB003366EB25}"/>
               </a:ext>
             </a:extLst>
           </p:cNvPr>
@@ -11442,287 +10178,108 @@
         </p:nvSpPr>
         <p:spPr/>
         <p:txBody>
-          <a:bodyPr/>
-          <a:lstStyle/>
-          <a:p>
-            <a:r>
-              <a:rPr lang="en-US" dirty="0"/>
-              <a:t>Oh, and support multiple libraries</a:t>
-            </a:r>
-          </a:p>
-        </p:txBody>
-      </p:sp>
-      <p:pic>
-        <p:nvPicPr>
-          <p:cNvPr id="7" name="Picture 6">
-            <a:extLst>
-              <a:ext uri="{FF2B5EF4-FFF2-40B4-BE49-F238E27FC236}">
-                <a16:creationId xmlns:a16="http://schemas.microsoft.com/office/drawing/2014/main" id="{7747BABE-7A01-F341-8455-592CFA5A9D97}"/>
-              </a:ext>
-            </a:extLst>
-          </p:cNvPr>
-          <p:cNvPicPr>
-            <a:picLocks noChangeAspect="1"/>
-          </p:cNvPicPr>
-          <p:nvPr/>
-        </p:nvPicPr>
-        <p:blipFill>
-          <a:blip r:embed="rId2"/>
-          <a:stretch>
-            <a:fillRect/>
-          </a:stretch>
-        </p:blipFill>
-        <p:spPr>
-          <a:xfrm>
-            <a:off x="355111" y="4170557"/>
-            <a:ext cx="5924464" cy="2071416"/>
-          </a:xfrm>
-          <a:prstGeom prst="rect">
-            <a:avLst/>
-          </a:prstGeom>
-        </p:spPr>
-      </p:pic>
-      <p:pic>
-        <p:nvPicPr>
-          <p:cNvPr id="9" name="Picture 8">
-            <a:extLst>
-              <a:ext uri="{FF2B5EF4-FFF2-40B4-BE49-F238E27FC236}">
-                <a16:creationId xmlns:a16="http://schemas.microsoft.com/office/drawing/2014/main" id="{208FAAC5-76ED-994C-9D2D-B0132110E894}"/>
-              </a:ext>
-            </a:extLst>
-          </p:cNvPr>
-          <p:cNvPicPr>
-            <a:picLocks noChangeAspect="1"/>
-          </p:cNvPicPr>
-          <p:nvPr/>
-        </p:nvPicPr>
-        <p:blipFill>
-          <a:blip r:embed="rId3"/>
-          <a:stretch>
-            <a:fillRect/>
-          </a:stretch>
-        </p:blipFill>
-        <p:spPr>
-          <a:xfrm>
-            <a:off x="355111" y="1780884"/>
-            <a:ext cx="5837086" cy="2311613"/>
-          </a:xfrm>
-          <a:prstGeom prst="rect">
-            <a:avLst/>
-          </a:prstGeom>
-        </p:spPr>
-      </p:pic>
-      <p:pic>
-        <p:nvPicPr>
-          <p:cNvPr id="5" name="Content Placeholder 4">
-            <a:extLst>
-              <a:ext uri="{FF2B5EF4-FFF2-40B4-BE49-F238E27FC236}">
-                <a16:creationId xmlns:a16="http://schemas.microsoft.com/office/drawing/2014/main" id="{B6F23A89-C5A6-BB4E-85E5-1548EF9C3C36}"/>
-              </a:ext>
-            </a:extLst>
-          </p:cNvPr>
-          <p:cNvPicPr>
-            <a:picLocks noGrp="1" noChangeAspect="1"/>
-          </p:cNvPicPr>
+          <a:bodyPr>
+            <a:normAutofit/>
+          </a:bodyPr>
+          <a:lstStyle/>
+          <a:p>
+            <a:r>
+              <a:rPr lang="en-US" dirty="0"/>
+              <a:t>Design goals</a:t>
+            </a:r>
+            <a:br>
+              <a:rPr lang="en-US" dirty="0"/>
+            </a:br>
+            <a:r>
+              <a:rPr lang="en-US" sz="2800" dirty="0"/>
+              <a:t>(knowing what to build is as important as knowing how to build)</a:t>
+            </a:r>
+            <a:endParaRPr lang="en-US" dirty="0"/>
+          </a:p>
+        </p:txBody>
+      </p:sp>
+      <p:sp>
+        <p:nvSpPr>
+          <p:cNvPr id="3" name="Content Placeholder 2">
+            <a:extLst>
+              <a:ext uri="{FF2B5EF4-FFF2-40B4-BE49-F238E27FC236}">
+                <a16:creationId xmlns:a16="http://schemas.microsoft.com/office/drawing/2014/main" id="{EDF0EDDF-B0D0-C942-AF7C-FDB201B8348A}"/>
+              </a:ext>
+            </a:extLst>
+          </p:cNvPr>
+          <p:cNvSpPr>
+            <a:spLocks noGrp="1"/>
+          </p:cNvSpPr>
           <p:nvPr>
             <p:ph idx="1"/>
           </p:nvPr>
-        </p:nvPicPr>
-        <p:blipFill>
-          <a:blip r:embed="rId4"/>
-          <a:stretch>
-            <a:fillRect/>
-          </a:stretch>
-        </p:blipFill>
-        <p:spPr>
-          <a:xfrm>
-            <a:off x="5302665" y="1479938"/>
-            <a:ext cx="6775964" cy="4351338"/>
-          </a:xfrm>
-        </p:spPr>
-      </p:pic>
-      <p:sp>
-        <p:nvSpPr>
-          <p:cNvPr id="10" name="TextBox 9">
-            <a:extLst>
-              <a:ext uri="{FF2B5EF4-FFF2-40B4-BE49-F238E27FC236}">
-                <a16:creationId xmlns:a16="http://schemas.microsoft.com/office/drawing/2014/main" id="{A42E60A5-D452-ED43-BC7D-591A77D1B969}"/>
-              </a:ext>
-            </a:extLst>
-          </p:cNvPr>
-          <p:cNvSpPr txBox="1"/>
-          <p:nvPr/>
-        </p:nvSpPr>
-        <p:spPr>
-          <a:xfrm>
-            <a:off x="3712730" y="4092497"/>
-            <a:ext cx="655949" cy="400110"/>
-          </a:xfrm>
-          <a:prstGeom prst="rect">
-            <a:avLst/>
-          </a:prstGeom>
-          <a:noFill/>
-        </p:spPr>
-        <p:txBody>
-          <a:bodyPr wrap="none" rtlCol="0">
-            <a:spAutoFit/>
+        </p:nvSpPr>
+        <p:spPr>
+          <a:xfrm>
+            <a:off x="838200" y="1825625"/>
+            <a:ext cx="10848278" cy="4351338"/>
+          </a:xfrm>
+        </p:spPr>
+        <p:txBody>
+          <a:bodyPr>
+            <a:normAutofit/>
           </a:bodyPr>
           <a:lstStyle/>
           <a:p>
             <a:r>
-              <a:rPr lang="en-US" sz="2000" dirty="0"/>
-              <a:t>JAX</a:t>
-            </a:r>
-          </a:p>
-        </p:txBody>
-      </p:sp>
-      <p:sp>
-        <p:nvSpPr>
-          <p:cNvPr id="11" name="TextBox 10">
-            <a:extLst>
-              <a:ext uri="{FF2B5EF4-FFF2-40B4-BE49-F238E27FC236}">
-                <a16:creationId xmlns:a16="http://schemas.microsoft.com/office/drawing/2014/main" id="{E2EA0D2B-CD69-5142-BA08-2CA47B87614F}"/>
-              </a:ext>
-            </a:extLst>
-          </p:cNvPr>
-          <p:cNvSpPr txBox="1"/>
-          <p:nvPr/>
-        </p:nvSpPr>
-        <p:spPr>
-          <a:xfrm>
-            <a:off x="3484878" y="2143076"/>
-            <a:ext cx="1111651" cy="400110"/>
-          </a:xfrm>
-          <a:prstGeom prst="rect">
-            <a:avLst/>
-          </a:prstGeom>
-          <a:noFill/>
-        </p:spPr>
-        <p:txBody>
-          <a:bodyPr wrap="none" rtlCol="0">
-            <a:spAutoFit/>
-          </a:bodyPr>
-          <a:lstStyle/>
-          <a:p>
-            <a:r>
-              <a:rPr lang="en-US" sz="2000" dirty="0" err="1"/>
-              <a:t>PyTorch</a:t>
-            </a:r>
-            <a:endParaRPr lang="en-US" sz="2000" dirty="0"/>
-          </a:p>
-        </p:txBody>
-      </p:sp>
-      <p:sp>
-        <p:nvSpPr>
-          <p:cNvPr id="12" name="TextBox 11">
-            <a:extLst>
-              <a:ext uri="{FF2B5EF4-FFF2-40B4-BE49-F238E27FC236}">
-                <a16:creationId xmlns:a16="http://schemas.microsoft.com/office/drawing/2014/main" id="{ABD11DCF-9AEF-3747-BC6D-5988187F63AB}"/>
-              </a:ext>
-            </a:extLst>
-          </p:cNvPr>
-          <p:cNvSpPr txBox="1"/>
-          <p:nvPr/>
-        </p:nvSpPr>
-        <p:spPr>
-          <a:xfrm>
-            <a:off x="2935240" y="1399416"/>
-            <a:ext cx="2282997" cy="338554"/>
-          </a:xfrm>
-          <a:prstGeom prst="rect">
-            <a:avLst/>
-          </a:prstGeom>
-          <a:noFill/>
-        </p:spPr>
-        <p:txBody>
-          <a:bodyPr wrap="none" rtlCol="0">
-            <a:spAutoFit/>
-          </a:bodyPr>
-          <a:lstStyle/>
-          <a:p>
-            <a:r>
-              <a:rPr lang="en-US" sz="1600" dirty="0"/>
-              <a:t>(1D vectors are yellow)</a:t>
-            </a:r>
-          </a:p>
-        </p:txBody>
-      </p:sp>
-      <p:cxnSp>
-        <p:nvCxnSpPr>
-          <p:cNvPr id="14" name="Straight Arrow Connector 13">
-            <a:extLst>
-              <a:ext uri="{FF2B5EF4-FFF2-40B4-BE49-F238E27FC236}">
-                <a16:creationId xmlns:a16="http://schemas.microsoft.com/office/drawing/2014/main" id="{42225EDD-FD6B-D04C-B2A5-A10FAADCAEEB}"/>
-              </a:ext>
-            </a:extLst>
-          </p:cNvPr>
-          <p:cNvCxnSpPr>
-            <a:cxnSpLocks/>
-            <a:stCxn id="12" idx="2"/>
-          </p:cNvCxnSpPr>
-          <p:nvPr/>
-        </p:nvCxnSpPr>
-        <p:spPr>
-          <a:xfrm flipH="1">
-            <a:off x="2124975" y="1737970"/>
-            <a:ext cx="1951764" cy="514576"/>
-          </a:xfrm>
-          <a:prstGeom prst="straightConnector1">
-            <a:avLst/>
-          </a:prstGeom>
-          <a:ln>
-            <a:tailEnd type="triangle"/>
-          </a:ln>
-        </p:spPr>
-        <p:style>
-          <a:lnRef idx="1">
-            <a:schemeClr val="accent1"/>
-          </a:lnRef>
-          <a:fillRef idx="0">
-            <a:schemeClr val="accent1"/>
-          </a:fillRef>
-          <a:effectRef idx="0">
-            <a:schemeClr val="accent1"/>
-          </a:effectRef>
-          <a:fontRef idx="minor">
-            <a:schemeClr val="tx1"/>
-          </a:fontRef>
-        </p:style>
-      </p:cxnSp>
-      <p:pic>
-        <p:nvPicPr>
-          <p:cNvPr id="4" name="Picture 3">
-            <a:extLst>
-              <a:ext uri="{FF2B5EF4-FFF2-40B4-BE49-F238E27FC236}">
-                <a16:creationId xmlns:a16="http://schemas.microsoft.com/office/drawing/2014/main" id="{AB13C54A-96D4-6B42-9017-F103FF5AC49C}"/>
-              </a:ext>
-            </a:extLst>
-          </p:cNvPr>
-          <p:cNvPicPr>
-            <a:picLocks noChangeAspect="1"/>
-          </p:cNvPicPr>
-          <p:nvPr/>
-        </p:nvPicPr>
-        <p:blipFill>
-          <a:blip r:embed="rId5"/>
-          <a:stretch>
-            <a:fillRect/>
-          </a:stretch>
-        </p:blipFill>
-        <p:spPr>
-          <a:xfrm>
-            <a:off x="7394342" y="-354361"/>
-            <a:ext cx="4584700" cy="965200"/>
-          </a:xfrm>
-          <a:prstGeom prst="rect">
-            <a:avLst/>
-          </a:prstGeom>
-        </p:spPr>
-      </p:pic>
+              <a:rPr lang="en-US" dirty="0"/>
+              <a:t>Should be as unobtrusive as possible with least user effort</a:t>
+            </a:r>
+          </a:p>
+          <a:p>
+            <a:r>
+              <a:rPr lang="en-US" dirty="0"/>
+              <a:t>Users shouldn’t have to reorganize code</a:t>
+            </a:r>
+          </a:p>
+          <a:p>
+            <a:r>
+              <a:rPr lang="en-US" dirty="0"/>
+              <a:t>Trap just matrix-related exceptions</a:t>
+            </a:r>
+          </a:p>
+          <a:p>
+            <a:r>
+              <a:rPr lang="en-US" dirty="0"/>
+              <a:t>Avoid need for an external tool or translator  </a:t>
+            </a:r>
+          </a:p>
+          <a:p>
+            <a:r>
+              <a:rPr lang="en-US" dirty="0"/>
+              <a:t>Avoid spewing output until exception occurs</a:t>
+            </a:r>
+          </a:p>
+          <a:p>
+            <a:r>
+              <a:rPr lang="en-US" dirty="0"/>
+              <a:t>Can we avoid CPU cost until an exception?</a:t>
+            </a:r>
+          </a:p>
+          <a:p>
+            <a:r>
+              <a:rPr lang="en-US" dirty="0"/>
+              <a:t>Ideally, implementation would be small and straightforward</a:t>
+            </a:r>
+            <a:br>
+              <a:rPr lang="en-US" dirty="0"/>
+            </a:br>
+            <a:r>
+              <a:rPr lang="en-US" dirty="0"/>
+              <a:t>(at least to language engineers)</a:t>
+            </a:r>
+          </a:p>
+        </p:txBody>
+      </p:sp>
     </p:spTree>
     <p:extLst>
       <p:ext uri="{BB962C8B-B14F-4D97-AF65-F5344CB8AC3E}">
-        <p14:creationId xmlns:p14="http://schemas.microsoft.com/office/powerpoint/2010/main" val="955658222"/>
+        <p14:creationId xmlns:p14="http://schemas.microsoft.com/office/powerpoint/2010/main" val="499867538"/>
       </p:ext>
     </p:extLst>
   </p:cSld>
@@ -11754,7 +10311,7 @@
           <p:cNvPr id="2" name="Title 1">
             <a:extLst>
               <a:ext uri="{FF2B5EF4-FFF2-40B4-BE49-F238E27FC236}">
-                <a16:creationId xmlns:a16="http://schemas.microsoft.com/office/drawing/2014/main" id="{79978330-775B-5942-B0F9-BB003366EB25}"/>
+                <a16:creationId xmlns:a16="http://schemas.microsoft.com/office/drawing/2014/main" id="{72DDBC2C-EEEA-D645-828E-955759433D59}"/>
               </a:ext>
             </a:extLst>
           </p:cNvPr>
@@ -11771,8 +10328,12 @@
           <a:lstStyle/>
           <a:p>
             <a:r>
-              <a:rPr lang="en-US" dirty="0"/>
-              <a:t>What’s the right programmer interface?</a:t>
+              <a:rPr lang="en-US" dirty="0" err="1"/>
+              <a:t>TensorSensor</a:t>
+            </a:r>
+            <a:r>
+              <a:rPr lang="en-US" dirty="0"/>
+              <a:t> programmer interface</a:t>
             </a:r>
           </a:p>
         </p:txBody>
@@ -11782,7 +10343,7 @@
           <p:cNvPr id="3" name="Content Placeholder 2">
             <a:extLst>
               <a:ext uri="{FF2B5EF4-FFF2-40B4-BE49-F238E27FC236}">
-                <a16:creationId xmlns:a16="http://schemas.microsoft.com/office/drawing/2014/main" id="{EDF0EDDF-B0D0-C942-AF7C-FDB201B8348A}"/>
+                <a16:creationId xmlns:a16="http://schemas.microsoft.com/office/drawing/2014/main" id="{335B3CD8-BE99-7E4E-A1C3-3FE1EDAFD115}"/>
               </a:ext>
             </a:extLst>
           </p:cNvPr>
@@ -11795,8 +10356,8 @@
         </p:nvSpPr>
         <p:spPr>
           <a:xfrm>
-            <a:off x="838200" y="1825625"/>
-            <a:ext cx="10848278" cy="4351338"/>
+            <a:off x="838200" y="1505415"/>
+            <a:ext cx="10515600" cy="4671548"/>
           </a:xfrm>
         </p:spPr>
         <p:txBody>
@@ -11805,25 +10366,222 @@
           <a:p>
             <a:r>
               <a:rPr lang="en-US" dirty="0"/>
-              <a:t>Should be as unobtrusive as possible with least programmer effort</a:t>
-            </a:r>
-          </a:p>
-          <a:p>
-            <a:r>
-              <a:rPr lang="en-US" dirty="0"/>
-              <a:t>(Ideally, implementation would be simple)</a:t>
-            </a:r>
-          </a:p>
-          <a:p>
-            <a:r>
-              <a:rPr lang="en-US" dirty="0"/>
-              <a:t>How can we generate matrix visualizations w/o explicit calls?</a:t>
-            </a:r>
-          </a:p>
-          <a:p>
-            <a:r>
-              <a:rPr lang="en-US" dirty="0"/>
-              <a:t>Can we make use of library zero cost until an exception?</a:t>
+              <a:t>The Python </a:t>
+            </a:r>
+            <a:r>
+              <a:rPr lang="en-US" b="1" dirty="0"/>
+              <a:t>with</a:t>
+            </a:r>
+            <a:r>
+              <a:rPr lang="en-US" dirty="0"/>
+              <a:t> statement gives us the hooks we need</a:t>
+            </a:r>
+          </a:p>
+        </p:txBody>
+      </p:sp>
+      <p:pic>
+        <p:nvPicPr>
+          <p:cNvPr id="5" name="Picture 4" descr="Graphical user interface, text, application&#10;&#10;Description automatically generated">
+            <a:extLst>
+              <a:ext uri="{FF2B5EF4-FFF2-40B4-BE49-F238E27FC236}">
+                <a16:creationId xmlns:a16="http://schemas.microsoft.com/office/drawing/2014/main" id="{CA7E8E52-296A-354F-A95D-2ECC32E65325}"/>
+              </a:ext>
+            </a:extLst>
+          </p:cNvPr>
+          <p:cNvPicPr>
+            <a:picLocks noChangeAspect="1"/>
+          </p:cNvPicPr>
+          <p:nvPr/>
+        </p:nvPicPr>
+        <p:blipFill>
+          <a:blip r:embed="rId2"/>
+          <a:stretch>
+            <a:fillRect/>
+          </a:stretch>
+        </p:blipFill>
+        <p:spPr>
+          <a:xfrm>
+            <a:off x="1986600" y="1964715"/>
+            <a:ext cx="7223676" cy="2776101"/>
+          </a:xfrm>
+          <a:prstGeom prst="rect">
+            <a:avLst/>
+          </a:prstGeom>
+        </p:spPr>
+      </p:pic>
+      <p:pic>
+        <p:nvPicPr>
+          <p:cNvPr id="7" name="Picture 6" descr="Text&#10;&#10;Description automatically generated">
+            <a:extLst>
+              <a:ext uri="{FF2B5EF4-FFF2-40B4-BE49-F238E27FC236}">
+                <a16:creationId xmlns:a16="http://schemas.microsoft.com/office/drawing/2014/main" id="{6FD4D2A8-E8B3-DB4F-871E-E4D37EFA000C}"/>
+              </a:ext>
+            </a:extLst>
+          </p:cNvPr>
+          <p:cNvPicPr>
+            <a:picLocks noChangeAspect="1"/>
+          </p:cNvPicPr>
+          <p:nvPr/>
+        </p:nvPicPr>
+        <p:blipFill>
+          <a:blip r:embed="rId3"/>
+          <a:stretch>
+            <a:fillRect/>
+          </a:stretch>
+        </p:blipFill>
+        <p:spPr>
+          <a:xfrm>
+            <a:off x="1555421" y="4926089"/>
+            <a:ext cx="8211205" cy="1805866"/>
+          </a:xfrm>
+          <a:prstGeom prst="rect">
+            <a:avLst/>
+          </a:prstGeom>
+        </p:spPr>
+      </p:pic>
+      <p:sp>
+        <p:nvSpPr>
+          <p:cNvPr id="8" name="Rectangle 7">
+            <a:extLst>
+              <a:ext uri="{FF2B5EF4-FFF2-40B4-BE49-F238E27FC236}">
+                <a16:creationId xmlns:a16="http://schemas.microsoft.com/office/drawing/2014/main" id="{F58A9077-CC9B-8B48-ABC2-5E9A97330717}"/>
+              </a:ext>
+            </a:extLst>
+          </p:cNvPr>
+          <p:cNvSpPr/>
+          <p:nvPr/>
+        </p:nvSpPr>
+        <p:spPr>
+          <a:xfrm>
+            <a:off x="2058318" y="2724346"/>
+            <a:ext cx="3305534" cy="348273"/>
+          </a:xfrm>
+          <a:prstGeom prst="rect">
+            <a:avLst/>
+          </a:prstGeom>
+          <a:noFill/>
+          <a:ln w="19050">
+            <a:solidFill>
+              <a:srgbClr val="E4754F"/>
+            </a:solidFill>
+          </a:ln>
+        </p:spPr>
+        <p:style>
+          <a:lnRef idx="2">
+            <a:schemeClr val="accent1">
+              <a:shade val="50000"/>
+            </a:schemeClr>
+          </a:lnRef>
+          <a:fillRef idx="1">
+            <a:schemeClr val="accent1"/>
+          </a:fillRef>
+          <a:effectRef idx="0">
+            <a:schemeClr val="accent1"/>
+          </a:effectRef>
+          <a:fontRef idx="minor">
+            <a:schemeClr val="lt1"/>
+          </a:fontRef>
+        </p:style>
+        <p:txBody>
+          <a:bodyPr rtlCol="0" anchor="ctr"/>
+          <a:lstStyle/>
+          <a:p>
+            <a:pPr algn="ctr"/>
+            <a:endParaRPr lang="en-US"/>
+          </a:p>
+        </p:txBody>
+      </p:sp>
+      <p:sp>
+        <p:nvSpPr>
+          <p:cNvPr id="9" name="Rectangle 8">
+            <a:extLst>
+              <a:ext uri="{FF2B5EF4-FFF2-40B4-BE49-F238E27FC236}">
+                <a16:creationId xmlns:a16="http://schemas.microsoft.com/office/drawing/2014/main" id="{B90CD9C2-3E0C-634A-B7E8-AE3A03BFCB5D}"/>
+              </a:ext>
+            </a:extLst>
+          </p:cNvPr>
+          <p:cNvSpPr/>
+          <p:nvPr/>
+        </p:nvSpPr>
+        <p:spPr>
+          <a:xfrm>
+            <a:off x="9766626" y="5875290"/>
+            <a:ext cx="2082867" cy="917804"/>
+          </a:xfrm>
+          <a:prstGeom prst="rect">
+            <a:avLst/>
+          </a:prstGeom>
+          <a:solidFill>
+            <a:schemeClr val="bg1"/>
+          </a:solidFill>
+          <a:ln>
+            <a:noFill/>
+          </a:ln>
+        </p:spPr>
+        <p:style>
+          <a:lnRef idx="2">
+            <a:schemeClr val="accent1">
+              <a:shade val="50000"/>
+            </a:schemeClr>
+          </a:lnRef>
+          <a:fillRef idx="1">
+            <a:schemeClr val="accent1"/>
+          </a:fillRef>
+          <a:effectRef idx="0">
+            <a:schemeClr val="accent1"/>
+          </a:effectRef>
+          <a:fontRef idx="minor">
+            <a:schemeClr val="lt1"/>
+          </a:fontRef>
+        </p:style>
+        <p:txBody>
+          <a:bodyPr rtlCol="0" anchor="ctr"/>
+          <a:lstStyle/>
+          <a:p>
+            <a:pPr algn="ctr"/>
+            <a:endParaRPr lang="en-US"/>
+          </a:p>
+        </p:txBody>
+      </p:sp>
+      <p:sp>
+        <p:nvSpPr>
+          <p:cNvPr id="10" name="TextBox 9">
+            <a:extLst>
+              <a:ext uri="{FF2B5EF4-FFF2-40B4-BE49-F238E27FC236}">
+                <a16:creationId xmlns:a16="http://schemas.microsoft.com/office/drawing/2014/main" id="{78A74152-6662-3640-92BA-F234E1519596}"/>
+              </a:ext>
+            </a:extLst>
+          </p:cNvPr>
+          <p:cNvSpPr txBox="1"/>
+          <p:nvPr/>
+        </p:nvSpPr>
+        <p:spPr>
+          <a:xfrm>
+            <a:off x="8765932" y="2470612"/>
+            <a:ext cx="3185487" cy="338554"/>
+          </a:xfrm>
+          <a:prstGeom prst="rect">
+            <a:avLst/>
+          </a:prstGeom>
+          <a:noFill/>
+        </p:spPr>
+        <p:txBody>
+          <a:bodyPr wrap="none" rtlCol="0">
+            <a:spAutoFit/>
+          </a:bodyPr>
+          <a:lstStyle/>
+          <a:p>
+            <a:r>
+              <a:rPr lang="en-US" sz="1600" dirty="0"/>
+              <a:t>(From within a </a:t>
+            </a:r>
+            <a:r>
+              <a:rPr lang="en-US" sz="1600" dirty="0" err="1"/>
+              <a:t>Jupyter</a:t>
+            </a:r>
+            <a:r>
+              <a:rPr lang="en-US" sz="1600" dirty="0"/>
+              <a:t> notebook)</a:t>
             </a:r>
           </a:p>
         </p:txBody>
@@ -11831,7 +10589,7 @@
     </p:spTree>
     <p:extLst>
       <p:ext uri="{BB962C8B-B14F-4D97-AF65-F5344CB8AC3E}">
-        <p14:creationId xmlns:p14="http://schemas.microsoft.com/office/powerpoint/2010/main" val="499867538"/>
+        <p14:creationId xmlns:p14="http://schemas.microsoft.com/office/powerpoint/2010/main" val="1156493417"/>
       </p:ext>
     </p:extLst>
   </p:cSld>

--- a/talks/tensor-sensor.pptx
+++ b/talks/tensor-sensor.pptx
@@ -24,12 +24,12 @@
     <p:sldId id="320" r:id="rId12"/>
     <p:sldId id="322" r:id="rId13"/>
     <p:sldId id="323" r:id="rId14"/>
-    <p:sldId id="299" r:id="rId15"/>
-    <p:sldId id="300" r:id="rId16"/>
-    <p:sldId id="302" r:id="rId17"/>
-    <p:sldId id="301" r:id="rId18"/>
-    <p:sldId id="303" r:id="rId19"/>
-    <p:sldId id="306" r:id="rId20"/>
+    <p:sldId id="306" r:id="rId15"/>
+    <p:sldId id="299" r:id="rId16"/>
+    <p:sldId id="300" r:id="rId17"/>
+    <p:sldId id="302" r:id="rId18"/>
+    <p:sldId id="301" r:id="rId19"/>
+    <p:sldId id="303" r:id="rId20"/>
     <p:sldId id="312" r:id="rId21"/>
     <p:sldId id="310" r:id="rId22"/>
   </p:sldIdLst>
@@ -5010,7 +5010,7 @@
           <p:cNvPr id="2" name="Title 1">
             <a:extLst>
               <a:ext uri="{FF2B5EF4-FFF2-40B4-BE49-F238E27FC236}">
-                <a16:creationId xmlns:a16="http://schemas.microsoft.com/office/drawing/2014/main" id="{837F6A9A-0A6B-B94F-8B91-6C23BBC5A946}"/>
+                <a16:creationId xmlns:a16="http://schemas.microsoft.com/office/drawing/2014/main" id="{A3EB3F4E-990D-2A4C-9237-9182994CF50E}"/>
               </a:ext>
             </a:extLst>
           </p:cNvPr>
@@ -5023,8 +5023,8 @@
         </p:nvSpPr>
         <p:spPr>
           <a:xfrm>
-            <a:off x="838199" y="365125"/>
-            <a:ext cx="10662501" cy="1325563"/>
+            <a:off x="838200" y="365125"/>
+            <a:ext cx="10515600" cy="976309"/>
           </a:xfrm>
         </p:spPr>
         <p:txBody>
@@ -5034,9 +5034,21 @@
           <a:lstStyle/>
           <a:p>
             <a:r>
-              <a:rPr lang="en-US" dirty="0"/>
-              <a:t>Getting operator-level exceptions w/o bytecode instrumentation requires a total hack</a:t>
-            </a:r>
+              <a:rPr lang="en-US" dirty="0" err="1"/>
+              <a:t>TensorSensor’s</a:t>
+            </a:r>
+            <a:r>
+              <a:rPr lang="en-US" dirty="0"/>
+              <a:t> explain() mechanism</a:t>
+            </a:r>
+            <a:br>
+              <a:rPr lang="en-US" dirty="0"/>
+            </a:br>
+            <a:r>
+              <a:rPr lang="en-US" sz="2400" dirty="0"/>
+              <a:t>(Visualizing correct Python code on-the-fly)</a:t>
+            </a:r>
+            <a:endParaRPr lang="en-US" dirty="0"/>
           </a:p>
         </p:txBody>
       </p:sp>
@@ -5045,7 +5057,7 @@
           <p:cNvPr id="3" name="Content Placeholder 2">
             <a:extLst>
               <a:ext uri="{FF2B5EF4-FFF2-40B4-BE49-F238E27FC236}">
-                <a16:creationId xmlns:a16="http://schemas.microsoft.com/office/drawing/2014/main" id="{524F48FA-29F3-7C45-AEC9-CDAD6EE5405B}"/>
+                <a16:creationId xmlns:a16="http://schemas.microsoft.com/office/drawing/2014/main" id="{607F336A-C4CB-634D-B9E8-B66638B19F36}"/>
               </a:ext>
             </a:extLst>
           </p:cNvPr>
@@ -5056,20 +5068,35 @@
             <p:ph idx="1"/>
           </p:nvPr>
         </p:nvSpPr>
-        <p:spPr/>
-        <p:txBody>
-          <a:bodyPr>
-            <a:normAutofit lnSpcReduction="10000"/>
-          </a:bodyPr>
-          <a:lstStyle/>
-          <a:p>
-            <a:r>
-              <a:rPr lang="en-US" dirty="0"/>
-              <a:t>We have: (1) the full execution stack and (2) the offending line of source code (</a:t>
+        <p:spPr>
+          <a:xfrm>
+            <a:off x="838199" y="1555423"/>
+            <a:ext cx="10643647" cy="4621540"/>
+          </a:xfrm>
+        </p:spPr>
+        <p:txBody>
+          <a:bodyPr/>
+          <a:lstStyle/>
+          <a:p>
+            <a:r>
+              <a:rPr lang="en-US" b="1" dirty="0"/>
+              <a:t>explain</a:t>
+            </a:r>
+            <a:r>
+              <a:rPr lang="en-US" dirty="0"/>
+              <a:t>() object's </a:t>
+            </a:r>
+            <a:r>
+              <a:rPr lang="en-US" b="1" dirty="0"/>
+              <a:t>__enter__()</a:t>
+            </a:r>
+            <a:r>
+              <a:rPr lang="en-US" dirty="0"/>
+              <a:t> method creates a tracer object and registers it with Python via </a:t>
             </a:r>
             <a:r>
               <a:rPr lang="en-US" b="1" dirty="0" err="1"/>
-              <a:t>inspect.getframeinfo</a:t>
+              <a:t>sys.settrace</a:t>
             </a:r>
             <a:r>
               <a:rPr lang="en-US" b="1" dirty="0"/>
@@ -5077,58 +5104,185 @@
             </a:r>
             <a:r>
               <a:rPr lang="en-US" dirty="0"/>
-              <a:t>)</a:t>
-            </a:r>
-          </a:p>
-          <a:p>
-            <a:r>
-              <a:rPr lang="en-US" dirty="0"/>
-              <a:t>To identify the individual operator and operands that triggered an exception, use brute-force:</a:t>
-            </a:r>
-          </a:p>
-          <a:p>
-            <a:pPr lvl="1"/>
-            <a:r>
-              <a:rPr lang="en-US" dirty="0"/>
-              <a:t>reevaluate each operation in the line, piece-by-piece, in proper order, and in the correct execution context (must pick correct stack frame)</a:t>
-            </a:r>
-          </a:p>
-          <a:p>
-            <a:r>
-              <a:rPr lang="en-US" dirty="0"/>
-              <a:t>Wait for an operator to cause an exception, report op/</a:t>
-            </a:r>
-            <a:r>
-              <a:rPr lang="en-US" dirty="0" err="1"/>
-              <a:t>opnds</a:t>
-            </a:r>
-            <a:endParaRPr lang="en-US" dirty="0"/>
-          </a:p>
-          <a:p>
-            <a:r>
-              <a:rPr lang="en-US" dirty="0"/>
-              <a:t>Assumes side-effect free operations</a:t>
-            </a:r>
-          </a:p>
-          <a:p>
-            <a:r>
-              <a:rPr lang="en-US" dirty="0"/>
-              <a:t>Even if side-effecting, who cares (usually)?</a:t>
+              <a:t> [1]</a:t>
+            </a:r>
+          </a:p>
+          <a:p>
+            <a:r>
+              <a:rPr lang="en-US" dirty="0"/>
+              <a:t>The tracer is notified upon each source line execution</a:t>
+            </a:r>
+          </a:p>
+          <a:p>
+            <a:r>
+              <a:rPr lang="en-US" dirty="0"/>
+              <a:t>Using same mechanism as </a:t>
+            </a:r>
+            <a:r>
+              <a:rPr lang="en-US" b="1" dirty="0"/>
+              <a:t>clarify</a:t>
+            </a:r>
+            <a:r>
+              <a:rPr lang="en-US" dirty="0"/>
+              <a:t>() to identify operand shapes</a:t>
+            </a:r>
+          </a:p>
+          <a:p>
+            <a:r>
+              <a:rPr lang="en-US" dirty="0"/>
+              <a:t>Even in a loop within </a:t>
+            </a:r>
+            <a:r>
+              <a:rPr lang="en-US" b="1" dirty="0"/>
+              <a:t>with</a:t>
+            </a:r>
+            <a:r>
+              <a:rPr lang="en-US" dirty="0"/>
+              <a:t> block, statements visualized just once</a:t>
+            </a:r>
+          </a:p>
+          <a:p>
+            <a:r>
+              <a:rPr lang="en-US" dirty="0"/>
+              <a:t>Slows down execution (a lot) but it's still useful</a:t>
+            </a:r>
+          </a:p>
+          <a:p>
+            <a:r>
+              <a:rPr lang="en-US" dirty="0"/>
+              <a:t>Watch out for side effects; e.g., this prints "hi" twice:</a:t>
             </a:r>
             <a:br>
               <a:rPr lang="en-US" dirty="0"/>
             </a:br>
-            <a:r>
-              <a:rPr lang="en-US" dirty="0"/>
-              <a:t>The program is about to terminate</a:t>
-            </a:r>
+            <a:endParaRPr lang="en-US" dirty="0">
+              <a:latin typeface="Consolas" panose="020B0609020204030204" pitchFamily="49" charset="0"/>
+              <a:cs typeface="Consolas" panose="020B0609020204030204" pitchFamily="49" charset="0"/>
+            </a:endParaRPr>
+          </a:p>
+        </p:txBody>
+      </p:sp>
+      <p:sp>
+        <p:nvSpPr>
+          <p:cNvPr id="4" name="Rectangle 3">
+            <a:extLst>
+              <a:ext uri="{FF2B5EF4-FFF2-40B4-BE49-F238E27FC236}">
+                <a16:creationId xmlns:a16="http://schemas.microsoft.com/office/drawing/2014/main" id="{32AA5690-1EE5-E544-BAB3-77052A1A6C1B}"/>
+              </a:ext>
+            </a:extLst>
+          </p:cNvPr>
+          <p:cNvSpPr/>
+          <p:nvPr/>
+        </p:nvSpPr>
+        <p:spPr>
+          <a:xfrm>
+            <a:off x="3377939" y="5189158"/>
+            <a:ext cx="4163505" cy="830997"/>
+          </a:xfrm>
+          <a:prstGeom prst="rect">
+            <a:avLst/>
+          </a:prstGeom>
+        </p:spPr>
+        <p:txBody>
+          <a:bodyPr wrap="square">
+            <a:spAutoFit/>
+          </a:bodyPr>
+          <a:lstStyle/>
+          <a:p>
+            <a:r>
+              <a:rPr lang="en-US" sz="2400" b="1" dirty="0">
+                <a:solidFill>
+                  <a:srgbClr val="000080"/>
+                </a:solidFill>
+                <a:latin typeface="Consolas" panose="020B0609020204030204" pitchFamily="49" charset="0"/>
+                <a:cs typeface="Consolas" panose="020B0609020204030204" pitchFamily="49" charset="0"/>
+              </a:rPr>
+              <a:t>with</a:t>
+            </a:r>
+            <a:r>
+              <a:rPr lang="en-US" sz="2400" dirty="0">
+                <a:latin typeface="Consolas" panose="020B0609020204030204" pitchFamily="49" charset="0"/>
+                <a:cs typeface="Consolas" panose="020B0609020204030204" pitchFamily="49" charset="0"/>
+              </a:rPr>
+              <a:t> </a:t>
+            </a:r>
+            <a:r>
+              <a:rPr lang="en-US" sz="2400" dirty="0" err="1">
+                <a:latin typeface="Consolas" panose="020B0609020204030204" pitchFamily="49" charset="0"/>
+                <a:cs typeface="Consolas" panose="020B0609020204030204" pitchFamily="49" charset="0"/>
+              </a:rPr>
+              <a:t>tsensor.explain</a:t>
+            </a:r>
+            <a:r>
+              <a:rPr lang="en-US" sz="2400" dirty="0">
+                <a:latin typeface="Consolas" panose="020B0609020204030204" pitchFamily="49" charset="0"/>
+                <a:cs typeface="Consolas" panose="020B0609020204030204" pitchFamily="49" charset="0"/>
+              </a:rPr>
+              <a:t>():</a:t>
+            </a:r>
+            <a:br>
+              <a:rPr lang="en-US" sz="2400" dirty="0">
+                <a:latin typeface="Consolas" panose="020B0609020204030204" pitchFamily="49" charset="0"/>
+                <a:cs typeface="Consolas" panose="020B0609020204030204" pitchFamily="49" charset="0"/>
+              </a:rPr>
+            </a:br>
+            <a:r>
+              <a:rPr lang="en-US" sz="2400" dirty="0">
+                <a:latin typeface="Consolas" panose="020B0609020204030204" pitchFamily="49" charset="0"/>
+                <a:cs typeface="Consolas" panose="020B0609020204030204" pitchFamily="49" charset="0"/>
+              </a:rPr>
+              <a:t>    print("hi")</a:t>
+            </a:r>
+            <a:endParaRPr lang="en-US" sz="2400" dirty="0"/>
+          </a:p>
+        </p:txBody>
+      </p:sp>
+      <p:sp>
+        <p:nvSpPr>
+          <p:cNvPr id="5" name="TextBox 4">
+            <a:extLst>
+              <a:ext uri="{FF2B5EF4-FFF2-40B4-BE49-F238E27FC236}">
+                <a16:creationId xmlns:a16="http://schemas.microsoft.com/office/drawing/2014/main" id="{00927F5E-5CFE-F746-9673-ECCB3AD12C8F}"/>
+              </a:ext>
+            </a:extLst>
+          </p:cNvPr>
+          <p:cNvSpPr txBox="1"/>
+          <p:nvPr/>
+        </p:nvSpPr>
+        <p:spPr>
+          <a:xfrm>
+            <a:off x="0" y="6488668"/>
+            <a:ext cx="7258639" cy="307777"/>
+          </a:xfrm>
+          <a:prstGeom prst="rect">
+            <a:avLst/>
+          </a:prstGeom>
+          <a:noFill/>
+        </p:spPr>
+        <p:txBody>
+          <a:bodyPr wrap="square" rtlCol="0">
+            <a:spAutoFit/>
+          </a:bodyPr>
+          <a:lstStyle/>
+          <a:p>
+            <a:r>
+              <a:rPr lang="en-US" sz="1400" dirty="0"/>
+              <a:t>[1] </a:t>
+            </a:r>
+            <a:r>
+              <a:rPr lang="en-US" sz="1400" dirty="0">
+                <a:hlinkClick r:id="rId2"/>
+              </a:rPr>
+              <a:t>https://docs.python.org/3/library/sys.html#sys.settrace</a:t>
+            </a:r>
+            <a:endParaRPr lang="en-US" sz="1400" dirty="0"/>
           </a:p>
         </p:txBody>
       </p:sp>
     </p:spTree>
     <p:extLst>
       <p:ext uri="{BB962C8B-B14F-4D97-AF65-F5344CB8AC3E}">
-        <p14:creationId xmlns:p14="http://schemas.microsoft.com/office/powerpoint/2010/main" val="4145247834"/>
+        <p14:creationId xmlns:p14="http://schemas.microsoft.com/office/powerpoint/2010/main" val="1839508605"/>
       </p:ext>
     </p:extLst>
   </p:cSld>
@@ -5160,7 +5314,7 @@
           <p:cNvPr id="2" name="Title 1">
             <a:extLst>
               <a:ext uri="{FF2B5EF4-FFF2-40B4-BE49-F238E27FC236}">
-                <a16:creationId xmlns:a16="http://schemas.microsoft.com/office/drawing/2014/main" id="{F7B71233-6082-A34D-891B-535438901B7C}"/>
+                <a16:creationId xmlns:a16="http://schemas.microsoft.com/office/drawing/2014/main" id="{837F6A9A-0A6B-B94F-8B91-6C23BBC5A946}"/>
               </a:ext>
             </a:extLst>
           </p:cNvPr>
@@ -5173,17 +5327,19 @@
         </p:nvSpPr>
         <p:spPr>
           <a:xfrm>
-            <a:off x="838200" y="365125"/>
-            <a:ext cx="10515600" cy="727285"/>
-          </a:xfrm>
-        </p:spPr>
-        <p:txBody>
-          <a:bodyPr/>
-          <a:lstStyle/>
-          <a:p>
-            <a:r>
-              <a:rPr lang="en-US" dirty="0"/>
-              <a:t>Reevaluation mechanism</a:t>
+            <a:off x="838199" y="365125"/>
+            <a:ext cx="10662501" cy="1325563"/>
+          </a:xfrm>
+        </p:spPr>
+        <p:txBody>
+          <a:bodyPr>
+            <a:normAutofit fontScale="90000"/>
+          </a:bodyPr>
+          <a:lstStyle/>
+          <a:p>
+            <a:r>
+              <a:rPr lang="en-US" dirty="0"/>
+              <a:t>Getting operator-level exceptions w/o bytecode instrumentation requires a total hack</a:t>
             </a:r>
           </a:p>
         </p:txBody>
@@ -5193,7 +5349,7 @@
           <p:cNvPr id="3" name="Content Placeholder 2">
             <a:extLst>
               <a:ext uri="{FF2B5EF4-FFF2-40B4-BE49-F238E27FC236}">
-                <a16:creationId xmlns:a16="http://schemas.microsoft.com/office/drawing/2014/main" id="{5B71B924-17ED-DE4C-80CE-C6506A32A07D}"/>
+                <a16:creationId xmlns:a16="http://schemas.microsoft.com/office/drawing/2014/main" id="{524F48FA-29F3-7C45-AEC9-CDAD6EE5405B}"/>
               </a:ext>
             </a:extLst>
           </p:cNvPr>
@@ -5204,188 +5360,71 @@
             <p:ph idx="1"/>
           </p:nvPr>
         </p:nvSpPr>
-        <p:spPr>
-          <a:xfrm>
-            <a:off x="754144" y="1230792"/>
-            <a:ext cx="5684363" cy="5262084"/>
-          </a:xfrm>
-        </p:spPr>
+        <p:spPr/>
         <p:txBody>
           <a:bodyPr>
-            <a:normAutofit fontScale="92500" lnSpcReduction="20000"/>
+            <a:normAutofit lnSpcReduction="10000"/>
           </a:bodyPr>
           <a:lstStyle/>
           <a:p>
             <a:r>
               <a:rPr lang="en-US" dirty="0"/>
-              <a:t>First, check if exception is tensor-related or if exec stack descends into a known tensor lib</a:t>
-            </a:r>
-          </a:p>
-          <a:p>
-            <a:r>
-              <a:rPr lang="en-US" dirty="0"/>
-              <a:t>If so, scan stack to find and parse deepest </a:t>
-            </a:r>
-            <a:r>
-              <a:rPr lang="en-US" i="1" dirty="0"/>
-              <a:t>user-level</a:t>
-            </a:r>
-            <a:r>
-              <a:rPr lang="en-US" dirty="0"/>
-              <a:t> offending statement and build an appropriate AST with operators as subtree roots</a:t>
-            </a:r>
-          </a:p>
-          <a:p>
-            <a:r>
-              <a:rPr lang="en-US" dirty="0"/>
-              <a:t>Uses built-in Python tokenizer</a:t>
-            </a:r>
-          </a:p>
-          <a:p>
-            <a:r>
-              <a:rPr lang="en-US" dirty="0"/>
-              <a:t>Uses </a:t>
+              <a:t>We have: (1) the full execution stack and (2) the offending line of source code (</a:t>
+            </a:r>
+            <a:r>
+              <a:rPr lang="en-US" b="1" dirty="0" err="1"/>
+              <a:t>inspect.getframeinfo</a:t>
+            </a:r>
+            <a:r>
+              <a:rPr lang="en-US" b="1" dirty="0"/>
+              <a:t>()</a:t>
+            </a:r>
+            <a:r>
+              <a:rPr lang="en-US" dirty="0"/>
+              <a:t>)</a:t>
+            </a:r>
+          </a:p>
+          <a:p>
+            <a:r>
+              <a:rPr lang="en-US" dirty="0"/>
+              <a:t>To identify the individual operator and operands that triggered an exception, use brute-force:</a:t>
+            </a:r>
+          </a:p>
+          <a:p>
+            <a:pPr lvl="1"/>
+            <a:r>
+              <a:rPr lang="en-US" dirty="0"/>
+              <a:t>reevaluate each operation in the line, piece-by-piece, in proper order, and in the correct execution context (must pick correct stack frame)</a:t>
+            </a:r>
+          </a:p>
+          <a:p>
+            <a:r>
+              <a:rPr lang="en-US" dirty="0"/>
+              <a:t>Wait for an operator to cause an exception, report op/</a:t>
             </a:r>
             <a:r>
               <a:rPr lang="en-US" dirty="0" err="1"/>
-              <a:t>handbuilt</a:t>
-            </a:r>
-            <a:r>
-              <a:rPr lang="en-US" dirty="0"/>
-              <a:t> Python parser for subset of statements / </a:t>
-            </a:r>
-            <a:r>
-              <a:rPr lang="en-US" dirty="0" err="1"/>
-              <a:t>exprs</a:t>
+              <a:t>opnds</a:t>
             </a:r>
             <a:endParaRPr lang="en-US" dirty="0"/>
           </a:p>
           <a:p>
             <a:r>
               <a:rPr lang="en-US" dirty="0"/>
-              <a:t>Avoided ANTLR to avoid introducing a lib dependency</a:t>
-            </a:r>
-          </a:p>
-          <a:p>
-            <a:r>
-              <a:rPr lang="en-US" dirty="0"/>
-              <a:t>Avoided built-in Python parser since reorg'ing its AST is same work as  rolling my own "</a:t>
-            </a:r>
-            <a:r>
-              <a:rPr lang="en-US" dirty="0" err="1"/>
-              <a:t>parrser</a:t>
-            </a:r>
-            <a:r>
-              <a:rPr lang="en-US" dirty="0"/>
-              <a:t>"</a:t>
-            </a:r>
-          </a:p>
-        </p:txBody>
-      </p:sp>
-      <p:pic>
-        <p:nvPicPr>
-          <p:cNvPr id="4" name="Picture 3">
-            <a:extLst>
-              <a:ext uri="{FF2B5EF4-FFF2-40B4-BE49-F238E27FC236}">
-                <a16:creationId xmlns:a16="http://schemas.microsoft.com/office/drawing/2014/main" id="{18CB3F87-D4DE-1940-8589-A9F959BA4C1D}"/>
-              </a:ext>
-            </a:extLst>
-          </p:cNvPr>
-          <p:cNvPicPr>
-            <a:picLocks noChangeAspect="1"/>
-          </p:cNvPicPr>
-          <p:nvPr/>
-        </p:nvPicPr>
-        <p:blipFill>
-          <a:blip r:embed="rId2"/>
-          <a:stretch>
-            <a:fillRect/>
-          </a:stretch>
-        </p:blipFill>
-        <p:spPr>
-          <a:xfrm>
-            <a:off x="6438507" y="1230791"/>
-            <a:ext cx="5684363" cy="5084553"/>
-          </a:xfrm>
-          <a:prstGeom prst="rect">
-            <a:avLst/>
-          </a:prstGeom>
-        </p:spPr>
-      </p:pic>
-      <p:sp>
-        <p:nvSpPr>
-          <p:cNvPr id="5" name="TextBox 4">
-            <a:extLst>
-              <a:ext uri="{FF2B5EF4-FFF2-40B4-BE49-F238E27FC236}">
-                <a16:creationId xmlns:a16="http://schemas.microsoft.com/office/drawing/2014/main" id="{8054C3C1-F0F7-4C4F-B069-ED50342BA779}"/>
-              </a:ext>
-            </a:extLst>
-          </p:cNvPr>
-          <p:cNvSpPr txBox="1"/>
-          <p:nvPr/>
-        </p:nvSpPr>
-        <p:spPr>
-          <a:xfrm>
-            <a:off x="5203596" y="4490414"/>
-            <a:ext cx="697627" cy="707886"/>
-          </a:xfrm>
-          <a:prstGeom prst="rect">
-            <a:avLst/>
-          </a:prstGeom>
-          <a:noFill/>
-        </p:spPr>
-        <p:txBody>
-          <a:bodyPr wrap="none" rtlCol="0">
-            <a:spAutoFit/>
-          </a:bodyPr>
-          <a:lstStyle/>
-          <a:p>
-            <a:r>
-              <a:rPr lang="en-US" sz="4000" dirty="0"/>
-              <a:t>🤣</a:t>
-            </a:r>
-          </a:p>
-        </p:txBody>
-      </p:sp>
-      <p:sp>
-        <p:nvSpPr>
-          <p:cNvPr id="6" name="TextBox 5">
-            <a:extLst>
-              <a:ext uri="{FF2B5EF4-FFF2-40B4-BE49-F238E27FC236}">
-                <a16:creationId xmlns:a16="http://schemas.microsoft.com/office/drawing/2014/main" id="{9DD1F523-A5A5-9C40-A885-FA7BC77C7326}"/>
-              </a:ext>
-            </a:extLst>
-          </p:cNvPr>
-          <p:cNvSpPr txBox="1"/>
-          <p:nvPr/>
-        </p:nvSpPr>
-        <p:spPr>
-          <a:xfrm>
-            <a:off x="8832916" y="5442543"/>
-            <a:ext cx="3065968" cy="369332"/>
-          </a:xfrm>
-          <a:prstGeom prst="rect">
-            <a:avLst/>
-          </a:prstGeom>
-          <a:noFill/>
-        </p:spPr>
-        <p:txBody>
-          <a:bodyPr wrap="none" rtlCol="0">
-            <a:spAutoFit/>
-          </a:bodyPr>
-          <a:lstStyle/>
-          <a:p>
-            <a:r>
-              <a:rPr lang="en-US" dirty="0"/>
-              <a:t>(also from </a:t>
-            </a:r>
-            <a:r>
-              <a:rPr lang="en-US" dirty="0" err="1"/>
-              <a:t>TensorSensor</a:t>
-            </a:r>
-            <a:r>
-              <a:rPr lang="en-US" dirty="0"/>
-              <a:t> lib)</a:t>
+              <a:t>Assumes side-effect free operations</a:t>
+            </a:r>
+          </a:p>
+          <a:p>
+            <a:r>
+              <a:rPr lang="en-US" dirty="0"/>
+              <a:t>Even if side-effecting, who cares (usually)?</a:t>
+            </a:r>
+            <a:br>
+              <a:rPr lang="en-US" dirty="0"/>
+            </a:br>
+            <a:r>
+              <a:rPr lang="en-US" dirty="0"/>
+              <a:t>The program is about to terminate</a:t>
             </a:r>
           </a:p>
         </p:txBody>
@@ -5393,7 +5432,7 @@
     </p:spTree>
     <p:extLst>
       <p:ext uri="{BB962C8B-B14F-4D97-AF65-F5344CB8AC3E}">
-        <p14:creationId xmlns:p14="http://schemas.microsoft.com/office/powerpoint/2010/main" val="26650210"/>
+        <p14:creationId xmlns:p14="http://schemas.microsoft.com/office/powerpoint/2010/main" val="4145247834"/>
       </p:ext>
     </p:extLst>
   </p:cSld>
@@ -5448,7 +5487,7 @@
           <a:p>
             <a:r>
               <a:rPr lang="en-US" dirty="0"/>
-              <a:t>Reevaluation mechanism continued</a:t>
+              <a:t>Reevaluation mechanism</a:t>
             </a:r>
           </a:p>
         </p:txBody>
@@ -5471,53 +5510,78 @@
         </p:nvSpPr>
         <p:spPr>
           <a:xfrm>
-            <a:off x="584462" y="1230791"/>
-            <a:ext cx="5854045" cy="5222934"/>
+            <a:off x="754144" y="1230792"/>
+            <a:ext cx="5684363" cy="5262084"/>
           </a:xfrm>
         </p:spPr>
         <p:txBody>
           <a:bodyPr>
-            <a:normAutofit/>
+            <a:normAutofit fontScale="92500" lnSpcReduction="20000"/>
           </a:bodyPr>
           <a:lstStyle/>
           <a:p>
             <a:r>
               <a:rPr lang="en-US" dirty="0"/>
-              <a:t>Evaluate operators of AST bottom-up in proper exec order</a:t>
-            </a:r>
-          </a:p>
-          <a:p>
-            <a:r>
-              <a:rPr lang="en-US" dirty="0"/>
-              <a:t>Call </a:t>
-            </a:r>
-            <a:r>
-              <a:rPr lang="en-US" b="1" dirty="0"/>
-              <a:t>eval()</a:t>
-            </a:r>
-            <a:r>
-              <a:rPr lang="en-US" dirty="0"/>
-              <a:t> on Python source of subexpressions using the appropriate execution contexts, saving results in associated nodes</a:t>
-            </a:r>
-          </a:p>
-          <a:p>
-            <a:r>
-              <a:rPr lang="en-US" dirty="0"/>
-              <a:t>Trap and absorb exception from </a:t>
-            </a:r>
-            <a:r>
-              <a:rPr lang="en-US" b="1" dirty="0"/>
-              <a:t>eval()</a:t>
-            </a:r>
-            <a:r>
-              <a:rPr lang="en-US" dirty="0"/>
-              <a:t>, record that exception and offending AST node</a:t>
-            </a:r>
-          </a:p>
-          <a:p>
-            <a:r>
-              <a:rPr lang="en-US" dirty="0"/>
-              <a:t>Augment original exception message with info derived this new exception, op, operands</a:t>
+              <a:t>First, check if exception is tensor-related or if exec stack descends into a known tensor lib</a:t>
+            </a:r>
+          </a:p>
+          <a:p>
+            <a:r>
+              <a:rPr lang="en-US" dirty="0"/>
+              <a:t>If so, scan stack to find and parse deepest </a:t>
+            </a:r>
+            <a:r>
+              <a:rPr lang="en-US" i="1" dirty="0"/>
+              <a:t>user-level</a:t>
+            </a:r>
+            <a:r>
+              <a:rPr lang="en-US" dirty="0"/>
+              <a:t> offending statement and build an appropriate AST with operators as subtree roots</a:t>
+            </a:r>
+          </a:p>
+          <a:p>
+            <a:r>
+              <a:rPr lang="en-US" dirty="0"/>
+              <a:t>Uses built-in Python tokenizer</a:t>
+            </a:r>
+          </a:p>
+          <a:p>
+            <a:r>
+              <a:rPr lang="en-US" dirty="0"/>
+              <a:t>Uses </a:t>
+            </a:r>
+            <a:r>
+              <a:rPr lang="en-US" dirty="0" err="1"/>
+              <a:t>handbuilt</a:t>
+            </a:r>
+            <a:r>
+              <a:rPr lang="en-US" dirty="0"/>
+              <a:t> Python parser for subset of statements / </a:t>
+            </a:r>
+            <a:r>
+              <a:rPr lang="en-US" dirty="0" err="1"/>
+              <a:t>exprs</a:t>
+            </a:r>
+            <a:endParaRPr lang="en-US" dirty="0"/>
+          </a:p>
+          <a:p>
+            <a:r>
+              <a:rPr lang="en-US" dirty="0"/>
+              <a:t>Avoided ANTLR to avoid introducing a lib dependency</a:t>
+            </a:r>
+          </a:p>
+          <a:p>
+            <a:r>
+              <a:rPr lang="en-US" dirty="0"/>
+              <a:t>Avoided built-in Python parser since reorg'ing its AST is same work as  rolling my own "</a:t>
+            </a:r>
+            <a:r>
+              <a:rPr lang="en-US" dirty="0" err="1"/>
+              <a:t>parrser</a:t>
+            </a:r>
+            <a:r>
+              <a:rPr lang="en-US" dirty="0"/>
+              <a:t>"</a:t>
             </a:r>
           </a:p>
         </p:txBody>
@@ -5552,10 +5616,88 @@
           </a:prstGeom>
         </p:spPr>
       </p:pic>
+      <p:sp>
+        <p:nvSpPr>
+          <p:cNvPr id="5" name="TextBox 4">
+            <a:extLst>
+              <a:ext uri="{FF2B5EF4-FFF2-40B4-BE49-F238E27FC236}">
+                <a16:creationId xmlns:a16="http://schemas.microsoft.com/office/drawing/2014/main" id="{8054C3C1-F0F7-4C4F-B069-ED50342BA779}"/>
+              </a:ext>
+            </a:extLst>
+          </p:cNvPr>
+          <p:cNvSpPr txBox="1"/>
+          <p:nvPr/>
+        </p:nvSpPr>
+        <p:spPr>
+          <a:xfrm>
+            <a:off x="5203596" y="4490414"/>
+            <a:ext cx="697627" cy="707886"/>
+          </a:xfrm>
+          <a:prstGeom prst="rect">
+            <a:avLst/>
+          </a:prstGeom>
+          <a:noFill/>
+        </p:spPr>
+        <p:txBody>
+          <a:bodyPr wrap="none" rtlCol="0">
+            <a:spAutoFit/>
+          </a:bodyPr>
+          <a:lstStyle/>
+          <a:p>
+            <a:r>
+              <a:rPr lang="en-US" sz="4000" dirty="0"/>
+              <a:t>🤣</a:t>
+            </a:r>
+          </a:p>
+        </p:txBody>
+      </p:sp>
+      <p:sp>
+        <p:nvSpPr>
+          <p:cNvPr id="6" name="TextBox 5">
+            <a:extLst>
+              <a:ext uri="{FF2B5EF4-FFF2-40B4-BE49-F238E27FC236}">
+                <a16:creationId xmlns:a16="http://schemas.microsoft.com/office/drawing/2014/main" id="{9DD1F523-A5A5-9C40-A885-FA7BC77C7326}"/>
+              </a:ext>
+            </a:extLst>
+          </p:cNvPr>
+          <p:cNvSpPr txBox="1"/>
+          <p:nvPr/>
+        </p:nvSpPr>
+        <p:spPr>
+          <a:xfrm>
+            <a:off x="8832916" y="5442543"/>
+            <a:ext cx="3065968" cy="369332"/>
+          </a:xfrm>
+          <a:prstGeom prst="rect">
+            <a:avLst/>
+          </a:prstGeom>
+          <a:noFill/>
+        </p:spPr>
+        <p:txBody>
+          <a:bodyPr wrap="none" rtlCol="0">
+            <a:spAutoFit/>
+          </a:bodyPr>
+          <a:lstStyle/>
+          <a:p>
+            <a:r>
+              <a:rPr lang="en-US" dirty="0"/>
+              <a:t>(also from </a:t>
+            </a:r>
+            <a:r>
+              <a:rPr lang="en-US" dirty="0" err="1"/>
+              <a:t>TensorSensor</a:t>
+            </a:r>
+            <a:r>
+              <a:rPr lang="en-US" dirty="0"/>
+              <a:t> lib)</a:t>
+            </a:r>
+          </a:p>
+        </p:txBody>
+      </p:sp>
     </p:spTree>
     <p:extLst>
       <p:ext uri="{BB962C8B-B14F-4D97-AF65-F5344CB8AC3E}">
-        <p14:creationId xmlns:p14="http://schemas.microsoft.com/office/powerpoint/2010/main" val="611637354"/>
+        <p14:creationId xmlns:p14="http://schemas.microsoft.com/office/powerpoint/2010/main" val="26650210"/>
       </p:ext>
     </p:extLst>
   </p:cSld>
@@ -5587,6 +5729,168 @@
           <p:cNvPr id="2" name="Title 1">
             <a:extLst>
               <a:ext uri="{FF2B5EF4-FFF2-40B4-BE49-F238E27FC236}">
+                <a16:creationId xmlns:a16="http://schemas.microsoft.com/office/drawing/2014/main" id="{F7B71233-6082-A34D-891B-535438901B7C}"/>
+              </a:ext>
+            </a:extLst>
+          </p:cNvPr>
+          <p:cNvSpPr>
+            <a:spLocks noGrp="1"/>
+          </p:cNvSpPr>
+          <p:nvPr>
+            <p:ph type="title"/>
+          </p:nvPr>
+        </p:nvSpPr>
+        <p:spPr>
+          <a:xfrm>
+            <a:off x="838200" y="365125"/>
+            <a:ext cx="10515600" cy="727285"/>
+          </a:xfrm>
+        </p:spPr>
+        <p:txBody>
+          <a:bodyPr/>
+          <a:lstStyle/>
+          <a:p>
+            <a:r>
+              <a:rPr lang="en-US" dirty="0"/>
+              <a:t>Reevaluation mechanism continued</a:t>
+            </a:r>
+          </a:p>
+        </p:txBody>
+      </p:sp>
+      <p:sp>
+        <p:nvSpPr>
+          <p:cNvPr id="3" name="Content Placeholder 2">
+            <a:extLst>
+              <a:ext uri="{FF2B5EF4-FFF2-40B4-BE49-F238E27FC236}">
+                <a16:creationId xmlns:a16="http://schemas.microsoft.com/office/drawing/2014/main" id="{5B71B924-17ED-DE4C-80CE-C6506A32A07D}"/>
+              </a:ext>
+            </a:extLst>
+          </p:cNvPr>
+          <p:cNvSpPr>
+            <a:spLocks noGrp="1"/>
+          </p:cNvSpPr>
+          <p:nvPr>
+            <p:ph idx="1"/>
+          </p:nvPr>
+        </p:nvSpPr>
+        <p:spPr>
+          <a:xfrm>
+            <a:off x="584462" y="1230791"/>
+            <a:ext cx="5854045" cy="5222934"/>
+          </a:xfrm>
+        </p:spPr>
+        <p:txBody>
+          <a:bodyPr>
+            <a:normAutofit/>
+          </a:bodyPr>
+          <a:lstStyle/>
+          <a:p>
+            <a:r>
+              <a:rPr lang="en-US" dirty="0"/>
+              <a:t>Evaluate operators of AST bottom-up in proper exec order</a:t>
+            </a:r>
+          </a:p>
+          <a:p>
+            <a:r>
+              <a:rPr lang="en-US" dirty="0"/>
+              <a:t>Call </a:t>
+            </a:r>
+            <a:r>
+              <a:rPr lang="en-US" b="1" dirty="0"/>
+              <a:t>eval()</a:t>
+            </a:r>
+            <a:r>
+              <a:rPr lang="en-US" dirty="0"/>
+              <a:t> on Python source of subexpressions using the appropriate execution contexts, saving results in associated nodes</a:t>
+            </a:r>
+          </a:p>
+          <a:p>
+            <a:r>
+              <a:rPr lang="en-US" dirty="0"/>
+              <a:t>Trap and absorb exception from </a:t>
+            </a:r>
+            <a:r>
+              <a:rPr lang="en-US" b="1" dirty="0"/>
+              <a:t>eval()</a:t>
+            </a:r>
+            <a:r>
+              <a:rPr lang="en-US" dirty="0"/>
+              <a:t>, record that exception and offending AST node</a:t>
+            </a:r>
+          </a:p>
+          <a:p>
+            <a:r>
+              <a:rPr lang="en-US" dirty="0"/>
+              <a:t>Augment original exception message with info derived this new exception, op, operands</a:t>
+            </a:r>
+          </a:p>
+        </p:txBody>
+      </p:sp>
+      <p:pic>
+        <p:nvPicPr>
+          <p:cNvPr id="4" name="Picture 3">
+            <a:extLst>
+              <a:ext uri="{FF2B5EF4-FFF2-40B4-BE49-F238E27FC236}">
+                <a16:creationId xmlns:a16="http://schemas.microsoft.com/office/drawing/2014/main" id="{18CB3F87-D4DE-1940-8589-A9F959BA4C1D}"/>
+              </a:ext>
+            </a:extLst>
+          </p:cNvPr>
+          <p:cNvPicPr>
+            <a:picLocks noChangeAspect="1"/>
+          </p:cNvPicPr>
+          <p:nvPr/>
+        </p:nvPicPr>
+        <p:blipFill>
+          <a:blip r:embed="rId2"/>
+          <a:stretch>
+            <a:fillRect/>
+          </a:stretch>
+        </p:blipFill>
+        <p:spPr>
+          <a:xfrm>
+            <a:off x="6438507" y="1230791"/>
+            <a:ext cx="5684363" cy="5084553"/>
+          </a:xfrm>
+          <a:prstGeom prst="rect">
+            <a:avLst/>
+          </a:prstGeom>
+        </p:spPr>
+      </p:pic>
+    </p:spTree>
+    <p:extLst>
+      <p:ext uri="{BB962C8B-B14F-4D97-AF65-F5344CB8AC3E}">
+        <p14:creationId xmlns:p14="http://schemas.microsoft.com/office/powerpoint/2010/main" val="611637354"/>
+      </p:ext>
+    </p:extLst>
+  </p:cSld>
+  <p:clrMapOvr>
+    <a:masterClrMapping/>
+  </p:clrMapOvr>
+</p:sld>
+</file>
+
+<file path=ppt/slides/slide18.xml><?xml version="1.0" encoding="utf-8"?>
+<p:sld xmlns:a="http://schemas.openxmlformats.org/drawingml/2006/main" xmlns:r="http://schemas.openxmlformats.org/officeDocument/2006/relationships" xmlns:p="http://schemas.openxmlformats.org/presentationml/2006/main">
+  <p:cSld>
+    <p:spTree>
+      <p:nvGrpSpPr>
+        <p:cNvPr id="1" name=""/>
+        <p:cNvGrpSpPr/>
+        <p:nvPr/>
+      </p:nvGrpSpPr>
+      <p:grpSpPr>
+        <a:xfrm>
+          <a:off x="0" y="0"/>
+          <a:ext cx="0" cy="0"/>
+          <a:chOff x="0" y="0"/>
+          <a:chExt cx="0" cy="0"/>
+        </a:xfrm>
+      </p:grpSpPr>
+      <p:sp>
+        <p:nvSpPr>
+          <p:cNvPr id="2" name="Title 1">
+            <a:extLst>
+              <a:ext uri="{FF2B5EF4-FFF2-40B4-BE49-F238E27FC236}">
                 <a16:creationId xmlns:a16="http://schemas.microsoft.com/office/drawing/2014/main" id="{6EFC4823-71C6-5D49-A244-5A5599A9D139}"/>
               </a:ext>
             </a:extLst>
@@ -5748,7 +6052,7 @@
 </p:sld>
 </file>
 
-<file path=ppt/slides/slide18.xml><?xml version="1.0" encoding="utf-8"?>
+<file path=ppt/slides/slide19.xml><?xml version="1.0" encoding="utf-8"?>
 <p:sld xmlns:a="http://schemas.openxmlformats.org/drawingml/2006/main" xmlns:r="http://schemas.openxmlformats.org/officeDocument/2006/relationships" xmlns:p="http://schemas.openxmlformats.org/presentationml/2006/main">
   <p:cSld>
     <p:spTree>
@@ -7362,310 +7666,6 @@
     <p:extLst>
       <p:ext uri="{BB962C8B-B14F-4D97-AF65-F5344CB8AC3E}">
         <p14:creationId xmlns:p14="http://schemas.microsoft.com/office/powerpoint/2010/main" val="3345550375"/>
-      </p:ext>
-    </p:extLst>
-  </p:cSld>
-  <p:clrMapOvr>
-    <a:masterClrMapping/>
-  </p:clrMapOvr>
-</p:sld>
-</file>
-
-<file path=ppt/slides/slide19.xml><?xml version="1.0" encoding="utf-8"?>
-<p:sld xmlns:a="http://schemas.openxmlformats.org/drawingml/2006/main" xmlns:r="http://schemas.openxmlformats.org/officeDocument/2006/relationships" xmlns:p="http://schemas.openxmlformats.org/presentationml/2006/main">
-  <p:cSld>
-    <p:spTree>
-      <p:nvGrpSpPr>
-        <p:cNvPr id="1" name=""/>
-        <p:cNvGrpSpPr/>
-        <p:nvPr/>
-      </p:nvGrpSpPr>
-      <p:grpSpPr>
-        <a:xfrm>
-          <a:off x="0" y="0"/>
-          <a:ext cx="0" cy="0"/>
-          <a:chOff x="0" y="0"/>
-          <a:chExt cx="0" cy="0"/>
-        </a:xfrm>
-      </p:grpSpPr>
-      <p:sp>
-        <p:nvSpPr>
-          <p:cNvPr id="2" name="Title 1">
-            <a:extLst>
-              <a:ext uri="{FF2B5EF4-FFF2-40B4-BE49-F238E27FC236}">
-                <a16:creationId xmlns:a16="http://schemas.microsoft.com/office/drawing/2014/main" id="{A3EB3F4E-990D-2A4C-9237-9182994CF50E}"/>
-              </a:ext>
-            </a:extLst>
-          </p:cNvPr>
-          <p:cNvSpPr>
-            <a:spLocks noGrp="1"/>
-          </p:cNvSpPr>
-          <p:nvPr>
-            <p:ph type="title"/>
-          </p:nvPr>
-        </p:nvSpPr>
-        <p:spPr>
-          <a:xfrm>
-            <a:off x="838200" y="365125"/>
-            <a:ext cx="10515600" cy="976309"/>
-          </a:xfrm>
-        </p:spPr>
-        <p:txBody>
-          <a:bodyPr>
-            <a:normAutofit fontScale="90000"/>
-          </a:bodyPr>
-          <a:lstStyle/>
-          <a:p>
-            <a:r>
-              <a:rPr lang="en-US" dirty="0" err="1"/>
-              <a:t>TensorSensor’s</a:t>
-            </a:r>
-            <a:r>
-              <a:rPr lang="en-US" dirty="0"/>
-              <a:t> explain() mechanism</a:t>
-            </a:r>
-            <a:br>
-              <a:rPr lang="en-US" dirty="0"/>
-            </a:br>
-            <a:r>
-              <a:rPr lang="en-US" sz="2400" dirty="0"/>
-              <a:t>(Visualizing correct Python code on-the-fly)</a:t>
-            </a:r>
-            <a:endParaRPr lang="en-US" dirty="0"/>
-          </a:p>
-        </p:txBody>
-      </p:sp>
-      <p:sp>
-        <p:nvSpPr>
-          <p:cNvPr id="3" name="Content Placeholder 2">
-            <a:extLst>
-              <a:ext uri="{FF2B5EF4-FFF2-40B4-BE49-F238E27FC236}">
-                <a16:creationId xmlns:a16="http://schemas.microsoft.com/office/drawing/2014/main" id="{607F336A-C4CB-634D-B9E8-B66638B19F36}"/>
-              </a:ext>
-            </a:extLst>
-          </p:cNvPr>
-          <p:cNvSpPr>
-            <a:spLocks noGrp="1"/>
-          </p:cNvSpPr>
-          <p:nvPr>
-            <p:ph idx="1"/>
-          </p:nvPr>
-        </p:nvSpPr>
-        <p:spPr>
-          <a:xfrm>
-            <a:off x="838199" y="1555423"/>
-            <a:ext cx="10643647" cy="4621540"/>
-          </a:xfrm>
-        </p:spPr>
-        <p:txBody>
-          <a:bodyPr/>
-          <a:lstStyle/>
-          <a:p>
-            <a:r>
-              <a:rPr lang="en-US" b="1" dirty="0"/>
-              <a:t>explain</a:t>
-            </a:r>
-            <a:r>
-              <a:rPr lang="en-US" dirty="0"/>
-              <a:t>() object's </a:t>
-            </a:r>
-            <a:r>
-              <a:rPr lang="en-US" b="1" dirty="0"/>
-              <a:t>__enter__()</a:t>
-            </a:r>
-            <a:r>
-              <a:rPr lang="en-US" dirty="0"/>
-              <a:t> method creates a tracer object and registers it with Python via </a:t>
-            </a:r>
-            <a:r>
-              <a:rPr lang="en-US" b="1" dirty="0" err="1"/>
-              <a:t>sys.settrace</a:t>
-            </a:r>
-            <a:r>
-              <a:rPr lang="en-US" b="1" dirty="0"/>
-              <a:t>()</a:t>
-            </a:r>
-            <a:r>
-              <a:rPr lang="en-US" dirty="0"/>
-              <a:t> [1]</a:t>
-            </a:r>
-          </a:p>
-          <a:p>
-            <a:r>
-              <a:rPr lang="en-US" dirty="0"/>
-              <a:t>The tracer is notified upon each source line execution</a:t>
-            </a:r>
-          </a:p>
-          <a:p>
-            <a:r>
-              <a:rPr lang="en-US" dirty="0"/>
-              <a:t>Using the same mechanism as </a:t>
-            </a:r>
-            <a:r>
-              <a:rPr lang="en-US" b="1" dirty="0"/>
-              <a:t>clarify</a:t>
-            </a:r>
-            <a:r>
-              <a:rPr lang="en-US" dirty="0"/>
-              <a:t>(): parse source line, build AST, evaluate AST subexpressions to identify operand shapes</a:t>
-            </a:r>
-          </a:p>
-          <a:p>
-            <a:r>
-              <a:rPr lang="en-US" dirty="0"/>
-              <a:t>Even in a loop within </a:t>
-            </a:r>
-            <a:r>
-              <a:rPr lang="en-US" b="1" dirty="0"/>
-              <a:t>with</a:t>
-            </a:r>
-            <a:r>
-              <a:rPr lang="en-US" dirty="0"/>
-              <a:t> block, statements visualized just once</a:t>
-            </a:r>
-          </a:p>
-          <a:p>
-            <a:r>
-              <a:rPr lang="en-US" dirty="0"/>
-              <a:t>Slows down execution (a lot) but it's still useful</a:t>
-            </a:r>
-          </a:p>
-          <a:p>
-            <a:r>
-              <a:rPr lang="en-US" dirty="0"/>
-              <a:t>Watch out for side effects; e.g., this prints "hi" twice:</a:t>
-            </a:r>
-            <a:br>
-              <a:rPr lang="en-US" dirty="0"/>
-            </a:br>
-            <a:endParaRPr lang="en-US" dirty="0">
-              <a:latin typeface="Consolas" panose="020B0609020204030204" pitchFamily="49" charset="0"/>
-              <a:cs typeface="Consolas" panose="020B0609020204030204" pitchFamily="49" charset="0"/>
-            </a:endParaRPr>
-          </a:p>
-        </p:txBody>
-      </p:sp>
-      <p:sp>
-        <p:nvSpPr>
-          <p:cNvPr id="4" name="Rectangle 3">
-            <a:extLst>
-              <a:ext uri="{FF2B5EF4-FFF2-40B4-BE49-F238E27FC236}">
-                <a16:creationId xmlns:a16="http://schemas.microsoft.com/office/drawing/2014/main" id="{32AA5690-1EE5-E544-BAB3-77052A1A6C1B}"/>
-              </a:ext>
-            </a:extLst>
-          </p:cNvPr>
-          <p:cNvSpPr/>
-          <p:nvPr/>
-        </p:nvSpPr>
-        <p:spPr>
-          <a:xfrm>
-            <a:off x="2859465" y="5443682"/>
-            <a:ext cx="4163505" cy="830997"/>
-          </a:xfrm>
-          <a:prstGeom prst="rect">
-            <a:avLst/>
-          </a:prstGeom>
-        </p:spPr>
-        <p:txBody>
-          <a:bodyPr wrap="square">
-            <a:spAutoFit/>
-          </a:bodyPr>
-          <a:lstStyle/>
-          <a:p>
-            <a:r>
-              <a:rPr lang="en-US" sz="2400" b="1" dirty="0">
-                <a:solidFill>
-                  <a:srgbClr val="000080"/>
-                </a:solidFill>
-                <a:latin typeface="Consolas" panose="020B0609020204030204" pitchFamily="49" charset="0"/>
-                <a:cs typeface="Consolas" panose="020B0609020204030204" pitchFamily="49" charset="0"/>
-              </a:rPr>
-              <a:t>with</a:t>
-            </a:r>
-            <a:r>
-              <a:rPr lang="en-US" sz="2400" dirty="0">
-                <a:latin typeface="Consolas" panose="020B0609020204030204" pitchFamily="49" charset="0"/>
-                <a:cs typeface="Consolas" panose="020B0609020204030204" pitchFamily="49" charset="0"/>
-              </a:rPr>
-              <a:t> </a:t>
-            </a:r>
-            <a:r>
-              <a:rPr lang="en-US" sz="2400" dirty="0" err="1">
-                <a:latin typeface="Consolas" panose="020B0609020204030204" pitchFamily="49" charset="0"/>
-                <a:cs typeface="Consolas" panose="020B0609020204030204" pitchFamily="49" charset="0"/>
-              </a:rPr>
-              <a:t>tsensor.explain</a:t>
-            </a:r>
-            <a:r>
-              <a:rPr lang="en-US" sz="2400" dirty="0">
-                <a:latin typeface="Consolas" panose="020B0609020204030204" pitchFamily="49" charset="0"/>
-                <a:cs typeface="Consolas" panose="020B0609020204030204" pitchFamily="49" charset="0"/>
-              </a:rPr>
-              <a:t>():</a:t>
-            </a:r>
-            <a:br>
-              <a:rPr lang="en-US" sz="2400" dirty="0">
-                <a:latin typeface="Consolas" panose="020B0609020204030204" pitchFamily="49" charset="0"/>
-                <a:cs typeface="Consolas" panose="020B0609020204030204" pitchFamily="49" charset="0"/>
-              </a:rPr>
-            </a:br>
-            <a:r>
-              <a:rPr lang="en-US" sz="2400" dirty="0">
-                <a:latin typeface="Consolas" panose="020B0609020204030204" pitchFamily="49" charset="0"/>
-                <a:cs typeface="Consolas" panose="020B0609020204030204" pitchFamily="49" charset="0"/>
-              </a:rPr>
-              <a:t>    print("hi")</a:t>
-            </a:r>
-            <a:endParaRPr lang="en-US" sz="2400" dirty="0"/>
-          </a:p>
-        </p:txBody>
-      </p:sp>
-      <p:sp>
-        <p:nvSpPr>
-          <p:cNvPr id="5" name="TextBox 4">
-            <a:extLst>
-              <a:ext uri="{FF2B5EF4-FFF2-40B4-BE49-F238E27FC236}">
-                <a16:creationId xmlns:a16="http://schemas.microsoft.com/office/drawing/2014/main" id="{00927F5E-5CFE-F746-9673-ECCB3AD12C8F}"/>
-              </a:ext>
-            </a:extLst>
-          </p:cNvPr>
-          <p:cNvSpPr txBox="1"/>
-          <p:nvPr/>
-        </p:nvSpPr>
-        <p:spPr>
-          <a:xfrm>
-            <a:off x="0" y="6488668"/>
-            <a:ext cx="7258639" cy="307777"/>
-          </a:xfrm>
-          <a:prstGeom prst="rect">
-            <a:avLst/>
-          </a:prstGeom>
-          <a:noFill/>
-        </p:spPr>
-        <p:txBody>
-          <a:bodyPr wrap="square" rtlCol="0">
-            <a:spAutoFit/>
-          </a:bodyPr>
-          <a:lstStyle/>
-          <a:p>
-            <a:r>
-              <a:rPr lang="en-US" sz="1400" dirty="0"/>
-              <a:t>[1] </a:t>
-            </a:r>
-            <a:r>
-              <a:rPr lang="en-US" sz="1400" dirty="0">
-                <a:hlinkClick r:id="rId2"/>
-              </a:rPr>
-              <a:t>https://docs.python.org/3/library/sys.html#sys.settrace</a:t>
-            </a:r>
-            <a:endParaRPr lang="en-US" sz="1400" dirty="0"/>
-          </a:p>
-        </p:txBody>
-      </p:sp>
-    </p:spTree>
-    <p:extLst>
-      <p:ext uri="{BB962C8B-B14F-4D97-AF65-F5344CB8AC3E}">
-        <p14:creationId xmlns:p14="http://schemas.microsoft.com/office/powerpoint/2010/main" val="1839508605"/>
       </p:ext>
     </p:extLst>
   </p:cSld>

--- a/talks/tensor-sensor.pptx
+++ b/talks/tensor-sensor.pptx
@@ -5,10 +5,10 @@
     <p:sldMasterId id="2147483672" r:id="rId1"/>
   </p:sldMasterIdLst>
   <p:notesMasterIdLst>
-    <p:notesMasterId r:id="rId23"/>
+    <p:notesMasterId r:id="rId24"/>
   </p:notesMasterIdLst>
   <p:handoutMasterIdLst>
-    <p:handoutMasterId r:id="rId24"/>
+    <p:handoutMasterId r:id="rId25"/>
   </p:handoutMasterIdLst>
   <p:sldIdLst>
     <p:sldId id="256" r:id="rId2"/>
@@ -17,21 +17,22 @@
     <p:sldId id="314" r:id="rId5"/>
     <p:sldId id="316" r:id="rId6"/>
     <p:sldId id="317" r:id="rId7"/>
-    <p:sldId id="319" r:id="rId8"/>
-    <p:sldId id="318" r:id="rId9"/>
-    <p:sldId id="321" r:id="rId10"/>
-    <p:sldId id="305" r:id="rId11"/>
-    <p:sldId id="320" r:id="rId12"/>
-    <p:sldId id="322" r:id="rId13"/>
-    <p:sldId id="323" r:id="rId14"/>
-    <p:sldId id="306" r:id="rId15"/>
-    <p:sldId id="299" r:id="rId16"/>
-    <p:sldId id="300" r:id="rId17"/>
-    <p:sldId id="302" r:id="rId18"/>
-    <p:sldId id="301" r:id="rId19"/>
-    <p:sldId id="303" r:id="rId20"/>
-    <p:sldId id="312" r:id="rId21"/>
-    <p:sldId id="310" r:id="rId22"/>
+    <p:sldId id="324" r:id="rId8"/>
+    <p:sldId id="319" r:id="rId9"/>
+    <p:sldId id="318" r:id="rId10"/>
+    <p:sldId id="321" r:id="rId11"/>
+    <p:sldId id="305" r:id="rId12"/>
+    <p:sldId id="320" r:id="rId13"/>
+    <p:sldId id="322" r:id="rId14"/>
+    <p:sldId id="323" r:id="rId15"/>
+    <p:sldId id="306" r:id="rId16"/>
+    <p:sldId id="299" r:id="rId17"/>
+    <p:sldId id="300" r:id="rId18"/>
+    <p:sldId id="302" r:id="rId19"/>
+    <p:sldId id="301" r:id="rId20"/>
+    <p:sldId id="303" r:id="rId21"/>
+    <p:sldId id="312" r:id="rId22"/>
+    <p:sldId id="310" r:id="rId23"/>
   </p:sldIdLst>
   <p:sldSz cx="12192000" cy="6858000"/>
   <p:notesSz cx="9144000" cy="6858000"/>
@@ -226,7 +227,7 @@
           <a:p>
             <a:fld id="{8A1B613A-EFF1-404F-BEE8-EFAE84A4E5E2}" type="datetimeFigureOut">
               <a:rPr lang="en-US" smtClean="0"/>
-              <a:t>9/25/21</a:t>
+              <a:t>9/28/21</a:t>
             </a:fld>
             <a:endParaRPr lang="en-US"/>
           </a:p>
@@ -391,7 +392,7 @@
           <a:p>
             <a:fld id="{690847EA-AC25-3D4E-89E1-FD3F6A9702B6}" type="datetimeFigureOut">
               <a:rPr lang="en-US" smtClean="0"/>
-              <a:t>9/25/21</a:t>
+              <a:t>9/28/21</a:t>
             </a:fld>
             <a:endParaRPr lang="en-US"/>
           </a:p>
@@ -805,7 +806,7 @@
           <a:p>
             <a:fld id="{BE5295ED-3BAF-1140-8495-3D368771D6B1}" type="datetimeFigureOut">
               <a:rPr lang="en-US" smtClean="0"/>
-              <a:t>9/25/21</a:t>
+              <a:t>9/28/21</a:t>
             </a:fld>
             <a:endParaRPr lang="en-US"/>
           </a:p>
@@ -1003,7 +1004,7 @@
           <a:p>
             <a:fld id="{BE5295ED-3BAF-1140-8495-3D368771D6B1}" type="datetimeFigureOut">
               <a:rPr lang="en-US" smtClean="0"/>
-              <a:t>9/25/21</a:t>
+              <a:t>9/28/21</a:t>
             </a:fld>
             <a:endParaRPr lang="en-US"/>
           </a:p>
@@ -1211,7 +1212,7 @@
           <a:p>
             <a:fld id="{BE5295ED-3BAF-1140-8495-3D368771D6B1}" type="datetimeFigureOut">
               <a:rPr lang="en-US" smtClean="0"/>
-              <a:t>9/25/21</a:t>
+              <a:t>9/28/21</a:t>
             </a:fld>
             <a:endParaRPr lang="en-US"/>
           </a:p>
@@ -1409,7 +1410,7 @@
           <a:p>
             <a:fld id="{BE5295ED-3BAF-1140-8495-3D368771D6B1}" type="datetimeFigureOut">
               <a:rPr lang="en-US" smtClean="0"/>
-              <a:t>9/25/21</a:t>
+              <a:t>9/28/21</a:t>
             </a:fld>
             <a:endParaRPr lang="en-US"/>
           </a:p>
@@ -1684,7 +1685,7 @@
           <a:p>
             <a:fld id="{BE5295ED-3BAF-1140-8495-3D368771D6B1}" type="datetimeFigureOut">
               <a:rPr lang="en-US" smtClean="0"/>
-              <a:t>9/25/21</a:t>
+              <a:t>9/28/21</a:t>
             </a:fld>
             <a:endParaRPr lang="en-US"/>
           </a:p>
@@ -1949,7 +1950,7 @@
           <a:p>
             <a:fld id="{BE5295ED-3BAF-1140-8495-3D368771D6B1}" type="datetimeFigureOut">
               <a:rPr lang="en-US" smtClean="0"/>
-              <a:t>9/25/21</a:t>
+              <a:t>9/28/21</a:t>
             </a:fld>
             <a:endParaRPr lang="en-US"/>
           </a:p>
@@ -2361,7 +2362,7 @@
           <a:p>
             <a:fld id="{BE5295ED-3BAF-1140-8495-3D368771D6B1}" type="datetimeFigureOut">
               <a:rPr lang="en-US" smtClean="0"/>
-              <a:t>9/25/21</a:t>
+              <a:t>9/28/21</a:t>
             </a:fld>
             <a:endParaRPr lang="en-US"/>
           </a:p>
@@ -2502,7 +2503,7 @@
           <a:p>
             <a:fld id="{BE5295ED-3BAF-1140-8495-3D368771D6B1}" type="datetimeFigureOut">
               <a:rPr lang="en-US" smtClean="0"/>
-              <a:t>9/25/21</a:t>
+              <a:t>9/28/21</a:t>
             </a:fld>
             <a:endParaRPr lang="en-US"/>
           </a:p>
@@ -2615,7 +2616,7 @@
           <a:p>
             <a:fld id="{BE5295ED-3BAF-1140-8495-3D368771D6B1}" type="datetimeFigureOut">
               <a:rPr lang="en-US" smtClean="0"/>
-              <a:t>9/25/21</a:t>
+              <a:t>9/28/21</a:t>
             </a:fld>
             <a:endParaRPr lang="en-US"/>
           </a:p>
@@ -2926,7 +2927,7 @@
           <a:p>
             <a:fld id="{BE5295ED-3BAF-1140-8495-3D368771D6B1}" type="datetimeFigureOut">
               <a:rPr lang="en-US" smtClean="0"/>
-              <a:t>9/25/21</a:t>
+              <a:t>9/28/21</a:t>
             </a:fld>
             <a:endParaRPr lang="en-US"/>
           </a:p>
@@ -3217,7 +3218,7 @@
           <a:p>
             <a:fld id="{BE5295ED-3BAF-1140-8495-3D368771D6B1}" type="datetimeFigureOut">
               <a:rPr lang="en-US" smtClean="0"/>
-              <a:t>9/25/21</a:t>
+              <a:t>9/28/21</a:t>
             </a:fld>
             <a:endParaRPr lang="en-US"/>
           </a:p>
@@ -3458,7 +3459,7 @@
           <a:p>
             <a:fld id="{BE5295ED-3BAF-1140-8495-3D368771D6B1}" type="datetimeFigureOut">
               <a:rPr lang="en-US" smtClean="0"/>
-              <a:t>9/25/21</a:t>
+              <a:t>9/28/21</a:t>
             </a:fld>
             <a:endParaRPr lang="en-US"/>
           </a:p>
@@ -4037,7 +4038,7 @@
         <p:spPr>
           <a:xfrm>
             <a:off x="14342" y="6488668"/>
-            <a:ext cx="4557658" cy="369332"/>
+            <a:ext cx="7058343" cy="369332"/>
           </a:xfrm>
           <a:prstGeom prst="rect">
             <a:avLst/>
@@ -4059,6 +4060,16 @@
                 <a:hlinkClick r:id="rId2"/>
               </a:rPr>
               <a:t>https://github.com/parrt/tensor-sensor</a:t>
+            </a:r>
+            <a:r>
+              <a:rPr lang="en-US" dirty="0"/>
+              <a:t> and </a:t>
+            </a:r>
+            <a:r>
+              <a:rPr lang="en-US" dirty="0">
+                <a:hlinkClick r:id="rId3"/>
+              </a:rPr>
+              <a:t>https://explained.ai/</a:t>
             </a:r>
             <a:endParaRPr lang="en-US" dirty="0"/>
           </a:p>
@@ -4099,7 +4110,7 @@
           <p:cNvPr id="2" name="Title 1">
             <a:extLst>
               <a:ext uri="{FF2B5EF4-FFF2-40B4-BE49-F238E27FC236}">
-                <a16:creationId xmlns:a16="http://schemas.microsoft.com/office/drawing/2014/main" id="{BE960F11-DB38-DD4F-A5A9-30B2DBDF797C}"/>
+                <a16:creationId xmlns:a16="http://schemas.microsoft.com/office/drawing/2014/main" id="{72DDBC2C-EEEA-D645-828E-955759433D59}"/>
               </a:ext>
             </a:extLst>
           </p:cNvPr>
@@ -4110,19 +4121,18 @@
             <p:ph type="title"/>
           </p:nvPr>
         </p:nvSpPr>
-        <p:spPr>
-          <a:xfrm>
-            <a:off x="838200" y="365126"/>
-            <a:ext cx="10515600" cy="760674"/>
-          </a:xfrm>
-        </p:spPr>
+        <p:spPr/>
         <p:txBody>
           <a:bodyPr/>
           <a:lstStyle/>
           <a:p>
             <a:r>
-              <a:rPr lang="en-US" dirty="0"/>
-              <a:t>Explaining correct matrix code</a:t>
+              <a:rPr lang="en-US" dirty="0" err="1"/>
+              <a:t>TensorSensor</a:t>
+            </a:r>
+            <a:r>
+              <a:rPr lang="en-US" dirty="0"/>
+              <a:t> programmer interface</a:t>
             </a:r>
           </a:p>
         </p:txBody>
@@ -4132,7 +4142,7 @@
           <p:cNvPr id="3" name="Content Placeholder 2">
             <a:extLst>
               <a:ext uri="{FF2B5EF4-FFF2-40B4-BE49-F238E27FC236}">
-                <a16:creationId xmlns:a16="http://schemas.microsoft.com/office/drawing/2014/main" id="{AA044F21-7281-AA48-A6A2-4A996F6DF59E}"/>
+                <a16:creationId xmlns:a16="http://schemas.microsoft.com/office/drawing/2014/main" id="{335B3CD8-BE99-7E4E-A1C3-3FE1EDAFD115}"/>
               </a:ext>
             </a:extLst>
           </p:cNvPr>
@@ -4145,47 +4155,35 @@
         </p:nvSpPr>
         <p:spPr>
           <a:xfrm>
-            <a:off x="744718" y="1457145"/>
-            <a:ext cx="3939309" cy="4719818"/>
-          </a:xfrm>
-        </p:spPr>
-        <p:txBody>
-          <a:bodyPr>
-            <a:normAutofit/>
-          </a:bodyPr>
-          <a:lstStyle/>
-          <a:p>
+            <a:off x="838200" y="1505415"/>
+            <a:ext cx="10515600" cy="4671548"/>
+          </a:xfrm>
+        </p:spPr>
+        <p:txBody>
+          <a:bodyPr/>
+          <a:lstStyle/>
+          <a:p>
+            <a:r>
+              <a:rPr lang="en-US" dirty="0"/>
+              <a:t>The Python </a:t>
+            </a:r>
             <a:r>
               <a:rPr lang="en-US" b="1" dirty="0"/>
-              <a:t>clarify</a:t>
-            </a:r>
-            <a:r>
-              <a:rPr lang="en-US" dirty="0"/>
-              <a:t>() has no effect unless tensor code triggers an exception</a:t>
-            </a:r>
-          </a:p>
-          <a:p>
-            <a:r>
-              <a:rPr lang="en-US" dirty="0"/>
-              <a:t>But </a:t>
-            </a:r>
-            <a:r>
-              <a:rPr lang="en-US" b="1" dirty="0"/>
-              <a:t>explain</a:t>
-            </a:r>
-            <a:r>
-              <a:rPr lang="en-US" dirty="0"/>
-              <a:t>() gens a visualization for each statement within the block</a:t>
+              <a:t>with</a:t>
+            </a:r>
+            <a:r>
+              <a:rPr lang="en-US" dirty="0"/>
+              <a:t> statement gives us the hooks we need</a:t>
             </a:r>
           </a:p>
         </p:txBody>
       </p:sp>
       <p:pic>
         <p:nvPicPr>
-          <p:cNvPr id="7" name="Picture 6">
-            <a:extLst>
-              <a:ext uri="{FF2B5EF4-FFF2-40B4-BE49-F238E27FC236}">
-                <a16:creationId xmlns:a16="http://schemas.microsoft.com/office/drawing/2014/main" id="{50E83C4E-8003-6248-81B6-1F8B3E7AD2DA}"/>
+          <p:cNvPr id="5" name="Picture 4" descr="Graphical user interface, text, application&#10;&#10;Description automatically generated">
+            <a:extLst>
+              <a:ext uri="{FF2B5EF4-FFF2-40B4-BE49-F238E27FC236}">
+                <a16:creationId xmlns:a16="http://schemas.microsoft.com/office/drawing/2014/main" id="{CA7E8E52-296A-354F-A95D-2ECC32E65325}"/>
               </a:ext>
             </a:extLst>
           </p:cNvPr>
@@ -4202,20 +4200,50 @@
         </p:blipFill>
         <p:spPr>
           <a:xfrm>
-            <a:off x="4644608" y="1323765"/>
-            <a:ext cx="7582807" cy="4719817"/>
+            <a:off x="1986600" y="1964715"/>
+            <a:ext cx="7223676" cy="2776101"/>
           </a:xfrm>
           <a:prstGeom prst="rect">
             <a:avLst/>
           </a:prstGeom>
         </p:spPr>
       </p:pic>
+      <p:pic>
+        <p:nvPicPr>
+          <p:cNvPr id="7" name="Picture 6" descr="Text&#10;&#10;Description automatically generated">
+            <a:extLst>
+              <a:ext uri="{FF2B5EF4-FFF2-40B4-BE49-F238E27FC236}">
+                <a16:creationId xmlns:a16="http://schemas.microsoft.com/office/drawing/2014/main" id="{6FD4D2A8-E8B3-DB4F-871E-E4D37EFA000C}"/>
+              </a:ext>
+            </a:extLst>
+          </p:cNvPr>
+          <p:cNvPicPr>
+            <a:picLocks noChangeAspect="1"/>
+          </p:cNvPicPr>
+          <p:nvPr/>
+        </p:nvPicPr>
+        <p:blipFill>
+          <a:blip r:embed="rId3"/>
+          <a:stretch>
+            <a:fillRect/>
+          </a:stretch>
+        </p:blipFill>
+        <p:spPr>
+          <a:xfrm>
+            <a:off x="1555421" y="4926089"/>
+            <a:ext cx="8211205" cy="1805866"/>
+          </a:xfrm>
+          <a:prstGeom prst="rect">
+            <a:avLst/>
+          </a:prstGeom>
+        </p:spPr>
+      </p:pic>
       <p:sp>
         <p:nvSpPr>
           <p:cNvPr id="8" name="Rectangle 7">
             <a:extLst>
               <a:ext uri="{FF2B5EF4-FFF2-40B4-BE49-F238E27FC236}">
-                <a16:creationId xmlns:a16="http://schemas.microsoft.com/office/drawing/2014/main" id="{2E07496E-1AE6-A445-BB3E-B3A5C518C89C}"/>
+                <a16:creationId xmlns:a16="http://schemas.microsoft.com/office/drawing/2014/main" id="{F58A9077-CC9B-8B48-ABC2-5E9A97330717}"/>
               </a:ext>
             </a:extLst>
           </p:cNvPr>
@@ -4224,8 +4252,8 @@
         </p:nvSpPr>
         <p:spPr>
           <a:xfrm>
-            <a:off x="4704943" y="2983842"/>
-            <a:ext cx="2968476" cy="348273"/>
+            <a:off x="2058318" y="2724346"/>
+            <a:ext cx="3305534" cy="348273"/>
           </a:xfrm>
           <a:prstGeom prst="rect">
             <a:avLst/>
@@ -4258,14 +4286,109 @@
           <a:lstStyle/>
           <a:p>
             <a:pPr algn="ctr"/>
-            <a:endParaRPr lang="en-US" dirty="0"/>
+            <a:endParaRPr lang="en-US"/>
+          </a:p>
+        </p:txBody>
+      </p:sp>
+      <p:sp>
+        <p:nvSpPr>
+          <p:cNvPr id="9" name="Rectangle 8">
+            <a:extLst>
+              <a:ext uri="{FF2B5EF4-FFF2-40B4-BE49-F238E27FC236}">
+                <a16:creationId xmlns:a16="http://schemas.microsoft.com/office/drawing/2014/main" id="{B90CD9C2-3E0C-634A-B7E8-AE3A03BFCB5D}"/>
+              </a:ext>
+            </a:extLst>
+          </p:cNvPr>
+          <p:cNvSpPr/>
+          <p:nvPr/>
+        </p:nvSpPr>
+        <p:spPr>
+          <a:xfrm>
+            <a:off x="9766626" y="5875290"/>
+            <a:ext cx="2082867" cy="917804"/>
+          </a:xfrm>
+          <a:prstGeom prst="rect">
+            <a:avLst/>
+          </a:prstGeom>
+          <a:solidFill>
+            <a:schemeClr val="bg1"/>
+          </a:solidFill>
+          <a:ln>
+            <a:noFill/>
+          </a:ln>
+        </p:spPr>
+        <p:style>
+          <a:lnRef idx="2">
+            <a:schemeClr val="accent1">
+              <a:shade val="50000"/>
+            </a:schemeClr>
+          </a:lnRef>
+          <a:fillRef idx="1">
+            <a:schemeClr val="accent1"/>
+          </a:fillRef>
+          <a:effectRef idx="0">
+            <a:schemeClr val="accent1"/>
+          </a:effectRef>
+          <a:fontRef idx="minor">
+            <a:schemeClr val="lt1"/>
+          </a:fontRef>
+        </p:style>
+        <p:txBody>
+          <a:bodyPr rtlCol="0" anchor="ctr"/>
+          <a:lstStyle/>
+          <a:p>
+            <a:pPr algn="ctr"/>
+            <a:endParaRPr lang="en-US"/>
+          </a:p>
+        </p:txBody>
+      </p:sp>
+      <p:sp>
+        <p:nvSpPr>
+          <p:cNvPr id="10" name="TextBox 9">
+            <a:extLst>
+              <a:ext uri="{FF2B5EF4-FFF2-40B4-BE49-F238E27FC236}">
+                <a16:creationId xmlns:a16="http://schemas.microsoft.com/office/drawing/2014/main" id="{78A74152-6662-3640-92BA-F234E1519596}"/>
+              </a:ext>
+            </a:extLst>
+          </p:cNvPr>
+          <p:cNvSpPr txBox="1"/>
+          <p:nvPr/>
+        </p:nvSpPr>
+        <p:spPr>
+          <a:xfrm>
+            <a:off x="8765932" y="2470612"/>
+            <a:ext cx="3185487" cy="338554"/>
+          </a:xfrm>
+          <a:prstGeom prst="rect">
+            <a:avLst/>
+          </a:prstGeom>
+          <a:noFill/>
+        </p:spPr>
+        <p:txBody>
+          <a:bodyPr wrap="none" rtlCol="0">
+            <a:spAutoFit/>
+          </a:bodyPr>
+          <a:lstStyle/>
+          <a:p>
+            <a:r>
+              <a:rPr lang="en-US" sz="1600" dirty="0"/>
+              <a:t>(From within a </a:t>
+            </a:r>
+            <a:r>
+              <a:rPr lang="en-US" sz="1600" dirty="0" err="1"/>
+              <a:t>Jupyter</a:t>
+            </a:r>
+            <a:r>
+              <a:rPr lang="en-US" sz="1600" dirty="0"/>
+              <a:t> notebook)</a:t>
+            </a:r>
           </a:p>
         </p:txBody>
       </p:sp>
     </p:spTree>
     <p:extLst>
       <p:ext uri="{BB962C8B-B14F-4D97-AF65-F5344CB8AC3E}">
-        <p14:creationId xmlns:p14="http://schemas.microsoft.com/office/powerpoint/2010/main" val="4207456944"/>
+        <p14:creationId xmlns:p14="http://schemas.microsoft.com/office/powerpoint/2010/main" val="1156493417"/>
       </p:ext>
     </p:extLst>
   </p:cSld>
@@ -4297,7 +4420,7 @@
           <p:cNvPr id="2" name="Title 1">
             <a:extLst>
               <a:ext uri="{FF2B5EF4-FFF2-40B4-BE49-F238E27FC236}">
-                <a16:creationId xmlns:a16="http://schemas.microsoft.com/office/drawing/2014/main" id="{8CD637BD-F6B4-D44B-9203-AAEB21D39517}"/>
+                <a16:creationId xmlns:a16="http://schemas.microsoft.com/office/drawing/2014/main" id="{BE960F11-DB38-DD4F-A5A9-30B2DBDF797C}"/>
               </a:ext>
             </a:extLst>
           </p:cNvPr>
@@ -4308,14 +4431,19 @@
             <p:ph type="title"/>
           </p:nvPr>
         </p:nvSpPr>
-        <p:spPr/>
+        <p:spPr>
+          <a:xfrm>
+            <a:off x="838200" y="365126"/>
+            <a:ext cx="10515600" cy="760674"/>
+          </a:xfrm>
+        </p:spPr>
         <p:txBody>
           <a:bodyPr/>
           <a:lstStyle/>
           <a:p>
             <a:r>
               <a:rPr lang="en-US" dirty="0"/>
-              <a:t>Approaches I rejected</a:t>
+              <a:t>Explaining correct matrix code</a:t>
             </a:r>
           </a:p>
         </p:txBody>
@@ -4325,7 +4453,7 @@
           <p:cNvPr id="3" name="Content Placeholder 2">
             <a:extLst>
               <a:ext uri="{FF2B5EF4-FFF2-40B4-BE49-F238E27FC236}">
-                <a16:creationId xmlns:a16="http://schemas.microsoft.com/office/drawing/2014/main" id="{E10EC835-BF2B-1843-BE57-05A33B8F9CED}"/>
+                <a16:creationId xmlns:a16="http://schemas.microsoft.com/office/drawing/2014/main" id="{AA044F21-7281-AA48-A6A2-4A996F6DF59E}"/>
               </a:ext>
             </a:extLst>
           </p:cNvPr>
@@ -4338,339 +4466,127 @@
         </p:nvSpPr>
         <p:spPr>
           <a:xfrm>
-            <a:off x="838200" y="1825625"/>
-            <a:ext cx="5594022" cy="4351338"/>
+            <a:off x="744718" y="1457145"/>
+            <a:ext cx="3939309" cy="4719818"/>
           </a:xfrm>
         </p:spPr>
         <p:txBody>
           <a:bodyPr>
-            <a:normAutofit lnSpcReduction="10000"/>
+            <a:normAutofit/>
           </a:bodyPr>
           <a:lstStyle/>
           <a:p>
             <a:r>
-              <a:rPr lang="en-US" dirty="0"/>
-              <a:t>Python decorators: would require wrapping user code in functions</a:t>
-            </a:r>
-          </a:p>
-          <a:p>
-            <a:r>
-              <a:rPr lang="en-US" dirty="0"/>
-              <a:t>Try/except blocks</a:t>
-            </a:r>
-          </a:p>
-          <a:p>
-            <a:r>
-              <a:rPr lang="en-US" dirty="0"/>
-              <a:t>Program rewriting is complex and requires a separate tool</a:t>
-            </a:r>
-          </a:p>
-          <a:p>
-            <a:r>
-              <a:rPr lang="en-US" dirty="0"/>
-              <a:t>Bytecode injection:</a:t>
-            </a:r>
-          </a:p>
-          <a:p>
-            <a:pPr lvl="1"/>
-            <a:r>
-              <a:rPr lang="en-US" dirty="0"/>
-              <a:t>slows down entire program </a:t>
-            </a:r>
-          </a:p>
-          <a:p>
-            <a:pPr lvl="1"/>
-            <a:r>
-              <a:rPr lang="en-US" dirty="0"/>
-              <a:t>could require huge cache of subexpression partial results</a:t>
-            </a:r>
-          </a:p>
-          <a:p>
-            <a:pPr lvl="1"/>
-            <a:r>
-              <a:rPr lang="en-US" dirty="0"/>
-              <a:t>function-level granularity</a:t>
-            </a:r>
-          </a:p>
-          <a:p>
-            <a:endParaRPr lang="en-US" dirty="0"/>
-          </a:p>
-        </p:txBody>
-      </p:sp>
-      <p:sp>
-        <p:nvSpPr>
-          <p:cNvPr id="4" name="Rectangle 3">
-            <a:extLst>
-              <a:ext uri="{FF2B5EF4-FFF2-40B4-BE49-F238E27FC236}">
-                <a16:creationId xmlns:a16="http://schemas.microsoft.com/office/drawing/2014/main" id="{02AD3AED-FE8C-104D-A07E-A5FF9FCDC772}"/>
-              </a:ext>
-            </a:extLst>
-          </p:cNvPr>
-          <p:cNvSpPr/>
+              <a:rPr lang="en-US" b="1" dirty="0"/>
+              <a:t>clarify</a:t>
+            </a:r>
+            <a:r>
+              <a:rPr lang="en-US" dirty="0"/>
+              <a:t>() has no effect unless tensor code triggers an exception</a:t>
+            </a:r>
+          </a:p>
+          <a:p>
+            <a:r>
+              <a:rPr lang="en-US" dirty="0"/>
+              <a:t>But </a:t>
+            </a:r>
+            <a:r>
+              <a:rPr lang="en-US" b="1" dirty="0"/>
+              <a:t>explain</a:t>
+            </a:r>
+            <a:r>
+              <a:rPr lang="en-US" dirty="0"/>
+              <a:t>() gens a visualization for each statement within the block</a:t>
+            </a:r>
+          </a:p>
+        </p:txBody>
+      </p:sp>
+      <p:pic>
+        <p:nvPicPr>
+          <p:cNvPr id="7" name="Picture 6">
+            <a:extLst>
+              <a:ext uri="{FF2B5EF4-FFF2-40B4-BE49-F238E27FC236}">
+                <a16:creationId xmlns:a16="http://schemas.microsoft.com/office/drawing/2014/main" id="{50E83C4E-8003-6248-81B6-1F8B3E7AD2DA}"/>
+              </a:ext>
+            </a:extLst>
+          </p:cNvPr>
+          <p:cNvPicPr>
+            <a:picLocks noChangeAspect="1"/>
+          </p:cNvPicPr>
           <p:nvPr/>
-        </p:nvSpPr>
-        <p:spPr>
-          <a:xfrm>
-            <a:off x="6432222" y="2297783"/>
-            <a:ext cx="5681221" cy="1815882"/>
+        </p:nvPicPr>
+        <p:blipFill>
+          <a:blip r:embed="rId2"/>
+          <a:stretch>
+            <a:fillRect/>
+          </a:stretch>
+        </p:blipFill>
+        <p:spPr>
+          <a:xfrm>
+            <a:off x="4644608" y="1323765"/>
+            <a:ext cx="7582807" cy="4719817"/>
           </a:xfrm>
           <a:prstGeom prst="rect">
             <a:avLst/>
           </a:prstGeom>
-          <a:ln>
-            <a:solidFill>
-              <a:schemeClr val="accent1"/>
-            </a:solidFill>
-          </a:ln>
-        </p:spPr>
-        <p:txBody>
-          <a:bodyPr wrap="square">
-            <a:spAutoFit/>
-          </a:bodyPr>
-          <a:lstStyle/>
-          <a:p>
-            <a:r>
-              <a:rPr lang="en-US" sz="2800" b="1" dirty="0">
-                <a:solidFill>
-                  <a:srgbClr val="000080"/>
-                </a:solidFill>
-                <a:latin typeface="Consolas" panose="020B0609020204030204" pitchFamily="49" charset="0"/>
-                <a:cs typeface="Consolas" panose="020B0609020204030204" pitchFamily="49" charset="0"/>
-              </a:rPr>
-              <a:t>try:</a:t>
-            </a:r>
-          </a:p>
-          <a:p>
-            <a:r>
-              <a:rPr lang="en-US" sz="2800" dirty="0">
-                <a:latin typeface="Consolas" panose="020B0609020204030204" pitchFamily="49" charset="0"/>
-                <a:cs typeface="Consolas" panose="020B0609020204030204" pitchFamily="49" charset="0"/>
-              </a:rPr>
-              <a:t>    … </a:t>
-            </a:r>
-            <a:r>
-              <a:rPr lang="en-US" sz="2800" i="1" dirty="0">
-                <a:latin typeface="Consolas" panose="020B0609020204030204" pitchFamily="49" charset="0"/>
-                <a:cs typeface="Consolas" panose="020B0609020204030204" pitchFamily="49" charset="0"/>
-              </a:rPr>
-              <a:t>my code </a:t>
-            </a:r>
-            <a:r>
-              <a:rPr lang="en-US" sz="2800" dirty="0">
-                <a:latin typeface="Consolas" panose="020B0609020204030204" pitchFamily="49" charset="0"/>
-                <a:cs typeface="Consolas" panose="020B0609020204030204" pitchFamily="49" charset="0"/>
-              </a:rPr>
-              <a:t>…</a:t>
-            </a:r>
-          </a:p>
-          <a:p>
-            <a:r>
-              <a:rPr lang="en-US" sz="2800" b="1" dirty="0">
-                <a:solidFill>
-                  <a:srgbClr val="000080"/>
-                </a:solidFill>
-                <a:latin typeface="Consolas" panose="020B0609020204030204" pitchFamily="49" charset="0"/>
-                <a:cs typeface="Consolas" panose="020B0609020204030204" pitchFamily="49" charset="0"/>
-              </a:rPr>
-              <a:t>except</a:t>
-            </a:r>
-            <a:r>
-              <a:rPr lang="en-US" sz="2800" dirty="0">
-                <a:latin typeface="Consolas" panose="020B0609020204030204" pitchFamily="49" charset="0"/>
-                <a:cs typeface="Consolas" panose="020B0609020204030204" pitchFamily="49" charset="0"/>
-              </a:rPr>
-              <a:t> Exception as e:</a:t>
-            </a:r>
-          </a:p>
-          <a:p>
-            <a:r>
-              <a:rPr lang="en-US" sz="2800" dirty="0">
-                <a:latin typeface="Consolas" panose="020B0609020204030204" pitchFamily="49" charset="0"/>
-                <a:cs typeface="Consolas" panose="020B0609020204030204" pitchFamily="49" charset="0"/>
-              </a:rPr>
-              <a:t>    </a:t>
-            </a:r>
-            <a:r>
-              <a:rPr lang="en-US" sz="2800" dirty="0" err="1">
-                <a:latin typeface="Consolas" panose="020B0609020204030204" pitchFamily="49" charset="0"/>
-                <a:cs typeface="Consolas" panose="020B0609020204030204" pitchFamily="49" charset="0"/>
-              </a:rPr>
-              <a:t>tsensor.do_everything</a:t>
-            </a:r>
-            <a:r>
-              <a:rPr lang="en-US" sz="2800" dirty="0">
-                <a:latin typeface="Consolas" panose="020B0609020204030204" pitchFamily="49" charset="0"/>
-                <a:cs typeface="Consolas" panose="020B0609020204030204" pitchFamily="49" charset="0"/>
-              </a:rPr>
-              <a:t>(e) </a:t>
-            </a:r>
-          </a:p>
-        </p:txBody>
-      </p:sp>
-      <p:sp>
-        <p:nvSpPr>
-          <p:cNvPr id="5" name="TextBox 4">
-            <a:extLst>
-              <a:ext uri="{FF2B5EF4-FFF2-40B4-BE49-F238E27FC236}">
-                <a16:creationId xmlns:a16="http://schemas.microsoft.com/office/drawing/2014/main" id="{C575FEBC-D901-AE47-A3BE-02013090ACB4}"/>
-              </a:ext>
-            </a:extLst>
-          </p:cNvPr>
-          <p:cNvSpPr txBox="1"/>
+        </p:spPr>
+      </p:pic>
+      <p:sp>
+        <p:nvSpPr>
+          <p:cNvPr id="8" name="Rectangle 7">
+            <a:extLst>
+              <a:ext uri="{FF2B5EF4-FFF2-40B4-BE49-F238E27FC236}">
+                <a16:creationId xmlns:a16="http://schemas.microsoft.com/office/drawing/2014/main" id="{2E07496E-1AE6-A445-BB3E-B3A5C518C89C}"/>
+              </a:ext>
+            </a:extLst>
+          </p:cNvPr>
+          <p:cNvSpPr/>
           <p:nvPr/>
         </p:nvSpPr>
         <p:spPr>
           <a:xfrm>
-            <a:off x="6519403" y="4196896"/>
-            <a:ext cx="5477782" cy="338554"/>
+            <a:off x="4704943" y="2983842"/>
+            <a:ext cx="2968476" cy="348273"/>
           </a:xfrm>
           <a:prstGeom prst="rect">
             <a:avLst/>
           </a:prstGeom>
           <a:noFill/>
-        </p:spPr>
-        <p:txBody>
-          <a:bodyPr wrap="none" rtlCol="0">
-            <a:spAutoFit/>
-          </a:bodyPr>
-          <a:lstStyle/>
-          <a:p>
-            <a:r>
-              <a:rPr lang="en-US" sz="1600" dirty="0"/>
-              <a:t>(might not be able to hide everything here, like reraising </a:t>
-            </a:r>
-            <a:r>
-              <a:rPr lang="en-US" sz="1600" b="1" dirty="0"/>
-              <a:t>e</a:t>
-            </a:r>
-            <a:r>
-              <a:rPr lang="en-US" sz="1600" dirty="0"/>
-              <a:t>)</a:t>
-            </a:r>
-          </a:p>
-        </p:txBody>
-      </p:sp>
-      <p:cxnSp>
-        <p:nvCxnSpPr>
-          <p:cNvPr id="6" name="Straight Arrow Connector 5">
-            <a:extLst>
-              <a:ext uri="{FF2B5EF4-FFF2-40B4-BE49-F238E27FC236}">
-                <a16:creationId xmlns:a16="http://schemas.microsoft.com/office/drawing/2014/main" id="{C9534B90-BBA8-E642-B611-3E3BE8833E31}"/>
-              </a:ext>
-            </a:extLst>
-          </p:cNvPr>
-          <p:cNvCxnSpPr>
-            <a:cxnSpLocks/>
-          </p:cNvCxnSpPr>
-          <p:nvPr/>
-        </p:nvCxnSpPr>
-        <p:spPr>
-          <a:xfrm flipV="1">
-            <a:off x="9597140" y="3972568"/>
-            <a:ext cx="0" cy="292542"/>
-          </a:xfrm>
-          <a:prstGeom prst="straightConnector1">
-            <a:avLst/>
-          </a:prstGeom>
-          <a:ln w="25400">
-            <a:tailEnd type="triangle"/>
+          <a:ln w="19050">
+            <a:solidFill>
+              <a:srgbClr val="E4754F"/>
+            </a:solidFill>
           </a:ln>
         </p:spPr>
         <p:style>
-          <a:lnRef idx="1">
-            <a:schemeClr val="accent1"/>
+          <a:lnRef idx="2">
+            <a:schemeClr val="accent1">
+              <a:shade val="50000"/>
+            </a:schemeClr>
           </a:lnRef>
-          <a:fillRef idx="0">
+          <a:fillRef idx="1">
             <a:schemeClr val="accent1"/>
           </a:fillRef>
           <a:effectRef idx="0">
             <a:schemeClr val="accent1"/>
           </a:effectRef>
           <a:fontRef idx="minor">
-            <a:schemeClr val="tx1"/>
+            <a:schemeClr val="lt1"/>
           </a:fontRef>
         </p:style>
-      </p:cxnSp>
-      <p:cxnSp>
-        <p:nvCxnSpPr>
-          <p:cNvPr id="7" name="Straight Arrow Connector 6">
-            <a:extLst>
-              <a:ext uri="{FF2B5EF4-FFF2-40B4-BE49-F238E27FC236}">
-                <a16:creationId xmlns:a16="http://schemas.microsoft.com/office/drawing/2014/main" id="{EC6C9322-75A1-EA43-8AD5-A7D0CEFF2AE0}"/>
-              </a:ext>
-            </a:extLst>
-          </p:cNvPr>
-          <p:cNvCxnSpPr>
-            <a:cxnSpLocks/>
-          </p:cNvCxnSpPr>
-          <p:nvPr/>
-        </p:nvCxnSpPr>
-        <p:spPr>
-          <a:xfrm>
-            <a:off x="4008616" y="3210879"/>
-            <a:ext cx="2307366" cy="0"/>
-          </a:xfrm>
-          <a:prstGeom prst="straightConnector1">
-            <a:avLst/>
-          </a:prstGeom>
-          <a:ln w="25400">
-            <a:tailEnd type="triangle"/>
-          </a:ln>
-        </p:spPr>
-        <p:style>
-          <a:lnRef idx="1">
-            <a:schemeClr val="accent1"/>
-          </a:lnRef>
-          <a:fillRef idx="0">
-            <a:schemeClr val="accent1"/>
-          </a:fillRef>
-          <a:effectRef idx="0">
-            <a:schemeClr val="accent1"/>
-          </a:effectRef>
-          <a:fontRef idx="minor">
-            <a:schemeClr val="tx1"/>
-          </a:fontRef>
-        </p:style>
-      </p:cxnSp>
-      <p:sp>
-        <p:nvSpPr>
-          <p:cNvPr id="9" name="TextBox 8">
-            <a:extLst>
-              <a:ext uri="{FF2B5EF4-FFF2-40B4-BE49-F238E27FC236}">
-                <a16:creationId xmlns:a16="http://schemas.microsoft.com/office/drawing/2014/main" id="{E9546F54-06DF-6E41-AA3F-7CADCD70DA0D}"/>
-              </a:ext>
-            </a:extLst>
-          </p:cNvPr>
-          <p:cNvSpPr txBox="1"/>
-          <p:nvPr/>
-        </p:nvSpPr>
-        <p:spPr>
-          <a:xfrm>
-            <a:off x="11588618" y="2017336"/>
-            <a:ext cx="697627" cy="707886"/>
-          </a:xfrm>
-          <a:prstGeom prst="rect">
-            <a:avLst/>
-          </a:prstGeom>
-          <a:noFill/>
-        </p:spPr>
-        <p:txBody>
-          <a:bodyPr wrap="none" rtlCol="0">
-            <a:spAutoFit/>
-          </a:bodyPr>
-          <a:lstStyle/>
-          <a:p>
-            <a:r>
-              <a:rPr lang="en-US" sz="4000" dirty="0"/>
-              <a:t>🤢</a:t>
-            </a:r>
+        <p:txBody>
+          <a:bodyPr rtlCol="0" anchor="ctr"/>
+          <a:lstStyle/>
+          <a:p>
+            <a:pPr algn="ctr"/>
+            <a:endParaRPr lang="en-US" dirty="0"/>
           </a:p>
         </p:txBody>
       </p:sp>
     </p:spTree>
     <p:extLst>
       <p:ext uri="{BB962C8B-B14F-4D97-AF65-F5344CB8AC3E}">
-        <p14:creationId xmlns:p14="http://schemas.microsoft.com/office/powerpoint/2010/main" val="658349134"/>
+        <p14:creationId xmlns:p14="http://schemas.microsoft.com/office/powerpoint/2010/main" val="4207456944"/>
       </p:ext>
     </p:extLst>
   </p:cSld>
@@ -4702,7 +4618,7 @@
           <p:cNvPr id="2" name="Title 1">
             <a:extLst>
               <a:ext uri="{FF2B5EF4-FFF2-40B4-BE49-F238E27FC236}">
-                <a16:creationId xmlns:a16="http://schemas.microsoft.com/office/drawing/2014/main" id="{56556C72-B548-D541-9EFF-0667A6C9DABB}"/>
+                <a16:creationId xmlns:a16="http://schemas.microsoft.com/office/drawing/2014/main" id="{8CD637BD-F6B4-D44B-9203-AAEB21D39517}"/>
               </a:ext>
             </a:extLst>
           </p:cNvPr>
@@ -4719,22 +4635,18 @@
           <a:lstStyle/>
           <a:p>
             <a:r>
-              <a:rPr lang="en-US" dirty="0" err="1"/>
-              <a:t>TensorSensor</a:t>
-            </a:r>
-            <a:r>
-              <a:rPr lang="en-US" dirty="0"/>
-              <a:t> implementation</a:t>
-            </a:r>
-          </a:p>
-        </p:txBody>
-      </p:sp>
-      <p:sp>
-        <p:nvSpPr>
-          <p:cNvPr id="3" name="Text Placeholder 2">
-            <a:extLst>
-              <a:ext uri="{FF2B5EF4-FFF2-40B4-BE49-F238E27FC236}">
-                <a16:creationId xmlns:a16="http://schemas.microsoft.com/office/drawing/2014/main" id="{FAE4592F-C2B6-E04E-8A5A-F28EF3EA6048}"/>
+              <a:rPr lang="en-US" dirty="0"/>
+              <a:t>Approaches I rejected</a:t>
+            </a:r>
+          </a:p>
+        </p:txBody>
+      </p:sp>
+      <p:sp>
+        <p:nvSpPr>
+          <p:cNvPr id="3" name="Content Placeholder 2">
+            <a:extLst>
+              <a:ext uri="{FF2B5EF4-FFF2-40B4-BE49-F238E27FC236}">
+                <a16:creationId xmlns:a16="http://schemas.microsoft.com/office/drawing/2014/main" id="{E10EC835-BF2B-1843-BE57-05A33B8F9CED}"/>
               </a:ext>
             </a:extLst>
           </p:cNvPr>
@@ -4742,22 +4654,344 @@
             <a:spLocks noGrp="1"/>
           </p:cNvSpPr>
           <p:nvPr>
-            <p:ph type="body" idx="1"/>
+            <p:ph idx="1"/>
           </p:nvPr>
         </p:nvSpPr>
-        <p:spPr/>
-        <p:txBody>
-          <a:bodyPr/>
-          <a:lstStyle/>
-          <a:p>
-            <a:endParaRPr lang="en-US"/>
+        <p:spPr>
+          <a:xfrm>
+            <a:off x="838200" y="1825625"/>
+            <a:ext cx="5594022" cy="4351338"/>
+          </a:xfrm>
+        </p:spPr>
+        <p:txBody>
+          <a:bodyPr>
+            <a:normAutofit lnSpcReduction="10000"/>
+          </a:bodyPr>
+          <a:lstStyle/>
+          <a:p>
+            <a:r>
+              <a:rPr lang="en-US" dirty="0"/>
+              <a:t>Python decorators: would require wrapping user code in functions</a:t>
+            </a:r>
+          </a:p>
+          <a:p>
+            <a:r>
+              <a:rPr lang="en-US" dirty="0"/>
+              <a:t>Try/except blocks</a:t>
+            </a:r>
+          </a:p>
+          <a:p>
+            <a:r>
+              <a:rPr lang="en-US" dirty="0"/>
+              <a:t>Program rewriting is complex and requires a separate tool</a:t>
+            </a:r>
+          </a:p>
+          <a:p>
+            <a:r>
+              <a:rPr lang="en-US" dirty="0"/>
+              <a:t>Bytecode injection:</a:t>
+            </a:r>
+          </a:p>
+          <a:p>
+            <a:pPr lvl="1"/>
+            <a:r>
+              <a:rPr lang="en-US" dirty="0"/>
+              <a:t>slows down entire program </a:t>
+            </a:r>
+          </a:p>
+          <a:p>
+            <a:pPr lvl="1"/>
+            <a:r>
+              <a:rPr lang="en-US" dirty="0"/>
+              <a:t>could require huge cache of subexpression partial results</a:t>
+            </a:r>
+          </a:p>
+          <a:p>
+            <a:pPr lvl="1"/>
+            <a:r>
+              <a:rPr lang="en-US" dirty="0"/>
+              <a:t>function-level granularity</a:t>
+            </a:r>
+          </a:p>
+          <a:p>
+            <a:endParaRPr lang="en-US" dirty="0"/>
+          </a:p>
+        </p:txBody>
+      </p:sp>
+      <p:sp>
+        <p:nvSpPr>
+          <p:cNvPr id="4" name="Rectangle 3">
+            <a:extLst>
+              <a:ext uri="{FF2B5EF4-FFF2-40B4-BE49-F238E27FC236}">
+                <a16:creationId xmlns:a16="http://schemas.microsoft.com/office/drawing/2014/main" id="{02AD3AED-FE8C-104D-A07E-A5FF9FCDC772}"/>
+              </a:ext>
+            </a:extLst>
+          </p:cNvPr>
+          <p:cNvSpPr/>
+          <p:nvPr/>
+        </p:nvSpPr>
+        <p:spPr>
+          <a:xfrm>
+            <a:off x="6432222" y="2297783"/>
+            <a:ext cx="5681221" cy="1815882"/>
+          </a:xfrm>
+          <a:prstGeom prst="rect">
+            <a:avLst/>
+          </a:prstGeom>
+          <a:ln>
+            <a:solidFill>
+              <a:schemeClr val="accent1"/>
+            </a:solidFill>
+          </a:ln>
+        </p:spPr>
+        <p:txBody>
+          <a:bodyPr wrap="square">
+            <a:spAutoFit/>
+          </a:bodyPr>
+          <a:lstStyle/>
+          <a:p>
+            <a:r>
+              <a:rPr lang="en-US" sz="2800" b="1" dirty="0">
+                <a:solidFill>
+                  <a:srgbClr val="000080"/>
+                </a:solidFill>
+                <a:latin typeface="Consolas" panose="020B0609020204030204" pitchFamily="49" charset="0"/>
+                <a:cs typeface="Consolas" panose="020B0609020204030204" pitchFamily="49" charset="0"/>
+              </a:rPr>
+              <a:t>try:</a:t>
+            </a:r>
+          </a:p>
+          <a:p>
+            <a:r>
+              <a:rPr lang="en-US" sz="2800" dirty="0">
+                <a:latin typeface="Consolas" panose="020B0609020204030204" pitchFamily="49" charset="0"/>
+                <a:cs typeface="Consolas" panose="020B0609020204030204" pitchFamily="49" charset="0"/>
+              </a:rPr>
+              <a:t>    … </a:t>
+            </a:r>
+            <a:r>
+              <a:rPr lang="en-US" sz="2800" i="1" dirty="0">
+                <a:latin typeface="Consolas" panose="020B0609020204030204" pitchFamily="49" charset="0"/>
+                <a:cs typeface="Consolas" panose="020B0609020204030204" pitchFamily="49" charset="0"/>
+              </a:rPr>
+              <a:t>my code </a:t>
+            </a:r>
+            <a:r>
+              <a:rPr lang="en-US" sz="2800" dirty="0">
+                <a:latin typeface="Consolas" panose="020B0609020204030204" pitchFamily="49" charset="0"/>
+                <a:cs typeface="Consolas" panose="020B0609020204030204" pitchFamily="49" charset="0"/>
+              </a:rPr>
+              <a:t>…</a:t>
+            </a:r>
+          </a:p>
+          <a:p>
+            <a:r>
+              <a:rPr lang="en-US" sz="2800" b="1" dirty="0">
+                <a:solidFill>
+                  <a:srgbClr val="000080"/>
+                </a:solidFill>
+                <a:latin typeface="Consolas" panose="020B0609020204030204" pitchFamily="49" charset="0"/>
+                <a:cs typeface="Consolas" panose="020B0609020204030204" pitchFamily="49" charset="0"/>
+              </a:rPr>
+              <a:t>except</a:t>
+            </a:r>
+            <a:r>
+              <a:rPr lang="en-US" sz="2800" dirty="0">
+                <a:latin typeface="Consolas" panose="020B0609020204030204" pitchFamily="49" charset="0"/>
+                <a:cs typeface="Consolas" panose="020B0609020204030204" pitchFamily="49" charset="0"/>
+              </a:rPr>
+              <a:t> Exception as e:</a:t>
+            </a:r>
+          </a:p>
+          <a:p>
+            <a:r>
+              <a:rPr lang="en-US" sz="2800" dirty="0">
+                <a:latin typeface="Consolas" panose="020B0609020204030204" pitchFamily="49" charset="0"/>
+                <a:cs typeface="Consolas" panose="020B0609020204030204" pitchFamily="49" charset="0"/>
+              </a:rPr>
+              <a:t>    </a:t>
+            </a:r>
+            <a:r>
+              <a:rPr lang="en-US" sz="2800" dirty="0" err="1">
+                <a:latin typeface="Consolas" panose="020B0609020204030204" pitchFamily="49" charset="0"/>
+                <a:cs typeface="Consolas" panose="020B0609020204030204" pitchFamily="49" charset="0"/>
+              </a:rPr>
+              <a:t>tsensor.do_everything</a:t>
+            </a:r>
+            <a:r>
+              <a:rPr lang="en-US" sz="2800" dirty="0">
+                <a:latin typeface="Consolas" panose="020B0609020204030204" pitchFamily="49" charset="0"/>
+                <a:cs typeface="Consolas" panose="020B0609020204030204" pitchFamily="49" charset="0"/>
+              </a:rPr>
+              <a:t>(e) </a:t>
+            </a:r>
+          </a:p>
+        </p:txBody>
+      </p:sp>
+      <p:sp>
+        <p:nvSpPr>
+          <p:cNvPr id="5" name="TextBox 4">
+            <a:extLst>
+              <a:ext uri="{FF2B5EF4-FFF2-40B4-BE49-F238E27FC236}">
+                <a16:creationId xmlns:a16="http://schemas.microsoft.com/office/drawing/2014/main" id="{C575FEBC-D901-AE47-A3BE-02013090ACB4}"/>
+              </a:ext>
+            </a:extLst>
+          </p:cNvPr>
+          <p:cNvSpPr txBox="1"/>
+          <p:nvPr/>
+        </p:nvSpPr>
+        <p:spPr>
+          <a:xfrm>
+            <a:off x="6519403" y="4196896"/>
+            <a:ext cx="5477782" cy="338554"/>
+          </a:xfrm>
+          <a:prstGeom prst="rect">
+            <a:avLst/>
+          </a:prstGeom>
+          <a:noFill/>
+        </p:spPr>
+        <p:txBody>
+          <a:bodyPr wrap="none" rtlCol="0">
+            <a:spAutoFit/>
+          </a:bodyPr>
+          <a:lstStyle/>
+          <a:p>
+            <a:r>
+              <a:rPr lang="en-US" sz="1600" dirty="0"/>
+              <a:t>(might not be able to hide everything here, like reraising </a:t>
+            </a:r>
+            <a:r>
+              <a:rPr lang="en-US" sz="1600" b="1" dirty="0"/>
+              <a:t>e</a:t>
+            </a:r>
+            <a:r>
+              <a:rPr lang="en-US" sz="1600" dirty="0"/>
+              <a:t>)</a:t>
+            </a:r>
+          </a:p>
+        </p:txBody>
+      </p:sp>
+      <p:cxnSp>
+        <p:nvCxnSpPr>
+          <p:cNvPr id="6" name="Straight Arrow Connector 5">
+            <a:extLst>
+              <a:ext uri="{FF2B5EF4-FFF2-40B4-BE49-F238E27FC236}">
+                <a16:creationId xmlns:a16="http://schemas.microsoft.com/office/drawing/2014/main" id="{C9534B90-BBA8-E642-B611-3E3BE8833E31}"/>
+              </a:ext>
+            </a:extLst>
+          </p:cNvPr>
+          <p:cNvCxnSpPr>
+            <a:cxnSpLocks/>
+          </p:cNvCxnSpPr>
+          <p:nvPr/>
+        </p:nvCxnSpPr>
+        <p:spPr>
+          <a:xfrm flipV="1">
+            <a:off x="9597140" y="3972568"/>
+            <a:ext cx="0" cy="292542"/>
+          </a:xfrm>
+          <a:prstGeom prst="straightConnector1">
+            <a:avLst/>
+          </a:prstGeom>
+          <a:ln w="25400">
+            <a:tailEnd type="triangle"/>
+          </a:ln>
+        </p:spPr>
+        <p:style>
+          <a:lnRef idx="1">
+            <a:schemeClr val="accent1"/>
+          </a:lnRef>
+          <a:fillRef idx="0">
+            <a:schemeClr val="accent1"/>
+          </a:fillRef>
+          <a:effectRef idx="0">
+            <a:schemeClr val="accent1"/>
+          </a:effectRef>
+          <a:fontRef idx="minor">
+            <a:schemeClr val="tx1"/>
+          </a:fontRef>
+        </p:style>
+      </p:cxnSp>
+      <p:cxnSp>
+        <p:nvCxnSpPr>
+          <p:cNvPr id="7" name="Straight Arrow Connector 6">
+            <a:extLst>
+              <a:ext uri="{FF2B5EF4-FFF2-40B4-BE49-F238E27FC236}">
+                <a16:creationId xmlns:a16="http://schemas.microsoft.com/office/drawing/2014/main" id="{EC6C9322-75A1-EA43-8AD5-A7D0CEFF2AE0}"/>
+              </a:ext>
+            </a:extLst>
+          </p:cNvPr>
+          <p:cNvCxnSpPr>
+            <a:cxnSpLocks/>
+          </p:cNvCxnSpPr>
+          <p:nvPr/>
+        </p:nvCxnSpPr>
+        <p:spPr>
+          <a:xfrm>
+            <a:off x="4008616" y="3210879"/>
+            <a:ext cx="2307366" cy="0"/>
+          </a:xfrm>
+          <a:prstGeom prst="straightConnector1">
+            <a:avLst/>
+          </a:prstGeom>
+          <a:ln w="25400">
+            <a:tailEnd type="triangle"/>
+          </a:ln>
+        </p:spPr>
+        <p:style>
+          <a:lnRef idx="1">
+            <a:schemeClr val="accent1"/>
+          </a:lnRef>
+          <a:fillRef idx="0">
+            <a:schemeClr val="accent1"/>
+          </a:fillRef>
+          <a:effectRef idx="0">
+            <a:schemeClr val="accent1"/>
+          </a:effectRef>
+          <a:fontRef idx="minor">
+            <a:schemeClr val="tx1"/>
+          </a:fontRef>
+        </p:style>
+      </p:cxnSp>
+      <p:sp>
+        <p:nvSpPr>
+          <p:cNvPr id="9" name="TextBox 8">
+            <a:extLst>
+              <a:ext uri="{FF2B5EF4-FFF2-40B4-BE49-F238E27FC236}">
+                <a16:creationId xmlns:a16="http://schemas.microsoft.com/office/drawing/2014/main" id="{E9546F54-06DF-6E41-AA3F-7CADCD70DA0D}"/>
+              </a:ext>
+            </a:extLst>
+          </p:cNvPr>
+          <p:cNvSpPr txBox="1"/>
+          <p:nvPr/>
+        </p:nvSpPr>
+        <p:spPr>
+          <a:xfrm>
+            <a:off x="11588618" y="2017336"/>
+            <a:ext cx="697627" cy="707886"/>
+          </a:xfrm>
+          <a:prstGeom prst="rect">
+            <a:avLst/>
+          </a:prstGeom>
+          <a:noFill/>
+        </p:spPr>
+        <p:txBody>
+          <a:bodyPr wrap="none" rtlCol="0">
+            <a:spAutoFit/>
+          </a:bodyPr>
+          <a:lstStyle/>
+          <a:p>
+            <a:r>
+              <a:rPr lang="en-US" sz="4000" dirty="0"/>
+              <a:t>🤢</a:t>
+            </a:r>
           </a:p>
         </p:txBody>
       </p:sp>
     </p:spTree>
     <p:extLst>
       <p:ext uri="{BB962C8B-B14F-4D97-AF65-F5344CB8AC3E}">
-        <p14:creationId xmlns:p14="http://schemas.microsoft.com/office/powerpoint/2010/main" val="204516122"/>
+        <p14:creationId xmlns:p14="http://schemas.microsoft.com/office/powerpoint/2010/main" val="658349134"/>
       </p:ext>
     </p:extLst>
   </p:cSld>
@@ -4789,7 +5023,7 @@
           <p:cNvPr id="2" name="Title 1">
             <a:extLst>
               <a:ext uri="{FF2B5EF4-FFF2-40B4-BE49-F238E27FC236}">
-                <a16:creationId xmlns:a16="http://schemas.microsoft.com/office/drawing/2014/main" id="{ACB339FB-9A1C-5A4E-B920-A5114A541FAE}"/>
+                <a16:creationId xmlns:a16="http://schemas.microsoft.com/office/drawing/2014/main" id="{56556C72-B548-D541-9EFF-0667A6C9DABB}"/>
               </a:ext>
             </a:extLst>
           </p:cNvPr>
@@ -4800,33 +5034,28 @@
             <p:ph type="title"/>
           </p:nvPr>
         </p:nvSpPr>
-        <p:spPr>
-          <a:xfrm>
-            <a:off x="838200" y="365126"/>
-            <a:ext cx="10515600" cy="916920"/>
-          </a:xfrm>
-        </p:spPr>
+        <p:spPr/>
         <p:txBody>
           <a:bodyPr/>
           <a:lstStyle/>
           <a:p>
             <a:r>
               <a:rPr lang="en-US" dirty="0" err="1"/>
-              <a:t>Impl</a:t>
-            </a:r>
-            <a:r>
-              <a:rPr lang="en-US" dirty="0"/>
-              <a:t>. relies on “context manager” objects</a:t>
-            </a:r>
-          </a:p>
-        </p:txBody>
-      </p:sp>
-      <p:sp>
-        <p:nvSpPr>
-          <p:cNvPr id="3" name="Content Placeholder 2">
-            <a:extLst>
-              <a:ext uri="{FF2B5EF4-FFF2-40B4-BE49-F238E27FC236}">
-                <a16:creationId xmlns:a16="http://schemas.microsoft.com/office/drawing/2014/main" id="{0A0C09A6-32D3-734C-819A-877656E3D7D0}"/>
+              <a:t>TensorSensor</a:t>
+            </a:r>
+            <a:r>
+              <a:rPr lang="en-US" dirty="0"/>
+              <a:t> implementation</a:t>
+            </a:r>
+          </a:p>
+        </p:txBody>
+      </p:sp>
+      <p:sp>
+        <p:nvSpPr>
+          <p:cNvPr id="3" name="Text Placeholder 2">
+            <a:extLst>
+              <a:ext uri="{FF2B5EF4-FFF2-40B4-BE49-F238E27FC236}">
+                <a16:creationId xmlns:a16="http://schemas.microsoft.com/office/drawing/2014/main" id="{FAE4592F-C2B6-E04E-8A5A-F28EF3EA6048}"/>
               </a:ext>
             </a:extLst>
           </p:cNvPr>
@@ -4834,151 +5063,22 @@
             <a:spLocks noGrp="1"/>
           </p:cNvSpPr>
           <p:nvPr>
-            <p:ph idx="1"/>
+            <p:ph type="body" idx="1"/>
           </p:nvPr>
         </p:nvSpPr>
-        <p:spPr>
-          <a:xfrm>
-            <a:off x="838200" y="1423447"/>
-            <a:ext cx="10515600" cy="4753516"/>
-          </a:xfrm>
-        </p:spPr>
+        <p:spPr/>
         <p:txBody>
           <a:bodyPr/>
           <a:lstStyle/>
           <a:p>
-            <a:r>
-              <a:rPr lang="en-US" dirty="0"/>
-              <a:t>Python "</a:t>
-            </a:r>
-            <a:r>
-              <a:rPr lang="en-US" b="1" dirty="0"/>
-              <a:t>with</a:t>
-            </a:r>
-            <a:r>
-              <a:rPr lang="en-US" dirty="0"/>
-              <a:t> </a:t>
-            </a:r>
-            <a:r>
-              <a:rPr lang="en-US" b="1" dirty="0"/>
-              <a:t>b</a:t>
-            </a:r>
-            <a:r>
-              <a:rPr lang="en-US" dirty="0"/>
-              <a:t>" blocks call </a:t>
-            </a:r>
-            <a:r>
-              <a:rPr lang="en-US" b="1" dirty="0"/>
-              <a:t>__enter__</a:t>
-            </a:r>
-            <a:r>
-              <a:rPr lang="en-US" dirty="0"/>
-              <a:t>(), </a:t>
-            </a:r>
-            <a:r>
-              <a:rPr lang="en-US" b="1" dirty="0"/>
-              <a:t>__exit__</a:t>
-            </a:r>
-            <a:r>
-              <a:rPr lang="en-US" dirty="0"/>
-              <a:t>() on object </a:t>
-            </a:r>
-            <a:r>
-              <a:rPr lang="en-US" b="1" dirty="0"/>
-              <a:t>b</a:t>
-            </a:r>
-            <a:r>
-              <a:rPr lang="en-US" dirty="0"/>
-              <a:t> and exit method receives exception object and execution stack</a:t>
-            </a:r>
-          </a:p>
-          <a:p>
-            <a:r>
-              <a:rPr lang="en-US" b="1" dirty="0"/>
-              <a:t>clarify() </a:t>
-            </a:r>
-            <a:r>
-              <a:rPr lang="en-US" dirty="0"/>
-              <a:t>needs the exception object to augment messages and the execution stack to obtain subexpression values, identify offending operator</a:t>
-            </a:r>
-          </a:p>
-          <a:p>
-            <a:r>
-              <a:rPr lang="en-US" b="1" dirty="0"/>
-              <a:t>__exit__</a:t>
-            </a:r>
-            <a:r>
-              <a:rPr lang="en-US" dirty="0"/>
-              <a:t>() can automatically gen visualization in notebook or pop-up a window if run outside a notebook</a:t>
-            </a:r>
-          </a:p>
-          <a:p>
-            <a:r>
-              <a:rPr lang="en-US" dirty="0"/>
-              <a:t>There’s no cost unless</a:t>
-            </a:r>
-            <a:br>
-              <a:rPr lang="en-US" dirty="0"/>
-            </a:br>
-            <a:r>
-              <a:rPr lang="en-US" dirty="0"/>
-              <a:t>exception occurs within</a:t>
-            </a:r>
-            <a:br>
-              <a:rPr lang="en-US" dirty="0"/>
-            </a:br>
-            <a:r>
-              <a:rPr lang="en-US" dirty="0"/>
-              <a:t>the </a:t>
-            </a:r>
-            <a:r>
-              <a:rPr lang="en-US" b="1" dirty="0"/>
-              <a:t>with</a:t>
-            </a:r>
-            <a:r>
-              <a:rPr lang="en-US" dirty="0"/>
-              <a:t> block</a:t>
-            </a:r>
-          </a:p>
-          <a:p>
-            <a:endParaRPr lang="en-US" dirty="0"/>
-          </a:p>
-        </p:txBody>
-      </p:sp>
-      <p:pic>
-        <p:nvPicPr>
-          <p:cNvPr id="4" name="Picture 3" descr="Graphical user interface, text, application&#10;&#10;Description automatically generated">
-            <a:extLst>
-              <a:ext uri="{FF2B5EF4-FFF2-40B4-BE49-F238E27FC236}">
-                <a16:creationId xmlns:a16="http://schemas.microsoft.com/office/drawing/2014/main" id="{4640D0C1-3ACB-9947-8F41-2783B855C0B9}"/>
-              </a:ext>
-            </a:extLst>
-          </p:cNvPr>
-          <p:cNvPicPr>
-            <a:picLocks noChangeAspect="1"/>
-          </p:cNvPicPr>
-          <p:nvPr/>
-        </p:nvPicPr>
-        <p:blipFill>
-          <a:blip r:embed="rId2"/>
-          <a:stretch>
-            <a:fillRect/>
-          </a:stretch>
-        </p:blipFill>
-        <p:spPr>
-          <a:xfrm>
-            <a:off x="6022850" y="4487159"/>
-            <a:ext cx="6169150" cy="2370841"/>
-          </a:xfrm>
-          <a:prstGeom prst="rect">
-            <a:avLst/>
-          </a:prstGeom>
-        </p:spPr>
-      </p:pic>
+            <a:endParaRPr lang="en-US"/>
+          </a:p>
+        </p:txBody>
+      </p:sp>
     </p:spTree>
     <p:extLst>
       <p:ext uri="{BB962C8B-B14F-4D97-AF65-F5344CB8AC3E}">
-        <p14:creationId xmlns:p14="http://schemas.microsoft.com/office/powerpoint/2010/main" val="2164074136"/>
+        <p14:creationId xmlns:p14="http://schemas.microsoft.com/office/powerpoint/2010/main" val="204516122"/>
       </p:ext>
     </p:extLst>
   </p:cSld>
@@ -5010,7 +5110,7 @@
           <p:cNvPr id="2" name="Title 1">
             <a:extLst>
               <a:ext uri="{FF2B5EF4-FFF2-40B4-BE49-F238E27FC236}">
-                <a16:creationId xmlns:a16="http://schemas.microsoft.com/office/drawing/2014/main" id="{A3EB3F4E-990D-2A4C-9237-9182994CF50E}"/>
+                <a16:creationId xmlns:a16="http://schemas.microsoft.com/office/drawing/2014/main" id="{ACB339FB-9A1C-5A4E-B920-A5114A541FAE}"/>
               </a:ext>
             </a:extLst>
           </p:cNvPr>
@@ -5023,32 +5123,22 @@
         </p:nvSpPr>
         <p:spPr>
           <a:xfrm>
-            <a:off x="838200" y="365125"/>
-            <a:ext cx="10515600" cy="976309"/>
-          </a:xfrm>
-        </p:spPr>
-        <p:txBody>
-          <a:bodyPr>
-            <a:normAutofit fontScale="90000"/>
-          </a:bodyPr>
+            <a:off x="838200" y="365126"/>
+            <a:ext cx="10515600" cy="916920"/>
+          </a:xfrm>
+        </p:spPr>
+        <p:txBody>
+          <a:bodyPr/>
           <a:lstStyle/>
           <a:p>
             <a:r>
               <a:rPr lang="en-US" dirty="0" err="1"/>
-              <a:t>TensorSensor’s</a:t>
-            </a:r>
-            <a:r>
-              <a:rPr lang="en-US" dirty="0"/>
-              <a:t> explain() mechanism</a:t>
-            </a:r>
-            <a:br>
-              <a:rPr lang="en-US" dirty="0"/>
-            </a:br>
-            <a:r>
-              <a:rPr lang="en-US" sz="2400" dirty="0"/>
-              <a:t>(Visualizing correct Python code on-the-fly)</a:t>
-            </a:r>
-            <a:endParaRPr lang="en-US" dirty="0"/>
+              <a:t>Impl</a:t>
+            </a:r>
+            <a:r>
+              <a:rPr lang="en-US" dirty="0"/>
+              <a:t>. relies on “context manager” objects</a:t>
+            </a:r>
           </a:p>
         </p:txBody>
       </p:sp>
@@ -5057,7 +5147,7 @@
           <p:cNvPr id="3" name="Content Placeholder 2">
             <a:extLst>
               <a:ext uri="{FF2B5EF4-FFF2-40B4-BE49-F238E27FC236}">
-                <a16:creationId xmlns:a16="http://schemas.microsoft.com/office/drawing/2014/main" id="{607F336A-C4CB-634D-B9E8-B66638B19F36}"/>
+                <a16:creationId xmlns:a16="http://schemas.microsoft.com/office/drawing/2014/main" id="{0A0C09A6-32D3-734C-819A-877656E3D7D0}"/>
               </a:ext>
             </a:extLst>
           </p:cNvPr>
@@ -5070,8 +5160,8 @@
         </p:nvSpPr>
         <p:spPr>
           <a:xfrm>
-            <a:off x="838199" y="1555423"/>
-            <a:ext cx="10643647" cy="4621540"/>
+            <a:off x="838200" y="1423447"/>
+            <a:ext cx="10515600" cy="4753516"/>
           </a:xfrm>
         </p:spPr>
         <p:txBody>
@@ -5079,58 +5169,8 @@
           <a:lstStyle/>
           <a:p>
             <a:r>
-              <a:rPr lang="en-US" b="1" dirty="0"/>
-              <a:t>explain</a:t>
-            </a:r>
-            <a:r>
-              <a:rPr lang="en-US" dirty="0"/>
-              <a:t>() object's </a:t>
-            </a:r>
-            <a:r>
-              <a:rPr lang="en-US" b="1" dirty="0"/>
-              <a:t>__enter__()</a:t>
-            </a:r>
-            <a:r>
-              <a:rPr lang="en-US" dirty="0"/>
-              <a:t> method creates a tracer object and registers it with Python via </a:t>
-            </a:r>
-            <a:r>
-              <a:rPr lang="en-US" b="1" dirty="0" err="1"/>
-              <a:t>sys.settrace</a:t>
-            </a:r>
-            <a:r>
-              <a:rPr lang="en-US" b="1" dirty="0"/>
-              <a:t>()</a:t>
-            </a:r>
-            <a:r>
-              <a:rPr lang="en-US" dirty="0"/>
-              <a:t> [1]</a:t>
-            </a:r>
-          </a:p>
-          <a:p>
-            <a:r>
-              <a:rPr lang="en-US" dirty="0"/>
-              <a:t>The tracer is notified upon each source line execution</a:t>
-            </a:r>
-          </a:p>
-          <a:p>
-            <a:r>
-              <a:rPr lang="en-US" dirty="0"/>
-              <a:t>Using same mechanism as </a:t>
-            </a:r>
-            <a:r>
-              <a:rPr lang="en-US" b="1" dirty="0"/>
-              <a:t>clarify</a:t>
-            </a:r>
-            <a:r>
-              <a:rPr lang="en-US" dirty="0"/>
-              <a:t>() to identify operand shapes</a:t>
-            </a:r>
-          </a:p>
-          <a:p>
-            <a:r>
-              <a:rPr lang="en-US" dirty="0"/>
-              <a:t>Even in a loop within </a:t>
+              <a:rPr lang="en-US" dirty="0"/>
+              <a:t>Python "</a:t>
             </a:r>
             <a:r>
               <a:rPr lang="en-US" b="1" dirty="0"/>
@@ -5138,151 +5178,128 @@
             </a:r>
             <a:r>
               <a:rPr lang="en-US" dirty="0"/>
-              <a:t> block, statements visualized just once</a:t>
-            </a:r>
-          </a:p>
-          <a:p>
-            <a:r>
-              <a:rPr lang="en-US" dirty="0"/>
-              <a:t>Slows down execution (a lot) but it's still useful</a:t>
-            </a:r>
-          </a:p>
-          <a:p>
-            <a:r>
-              <a:rPr lang="en-US" dirty="0"/>
-              <a:t>Watch out for side effects; e.g., this prints "hi" twice:</a:t>
+              <a:t> </a:t>
+            </a:r>
+            <a:r>
+              <a:rPr lang="en-US" b="1" dirty="0"/>
+              <a:t>b</a:t>
+            </a:r>
+            <a:r>
+              <a:rPr lang="en-US" dirty="0"/>
+              <a:t>" blocks call </a:t>
+            </a:r>
+            <a:r>
+              <a:rPr lang="en-US" b="1" dirty="0"/>
+              <a:t>__enter__</a:t>
+            </a:r>
+            <a:r>
+              <a:rPr lang="en-US" dirty="0"/>
+              <a:t>(), </a:t>
+            </a:r>
+            <a:r>
+              <a:rPr lang="en-US" b="1" dirty="0"/>
+              <a:t>__exit__</a:t>
+            </a:r>
+            <a:r>
+              <a:rPr lang="en-US" dirty="0"/>
+              <a:t>() on object </a:t>
+            </a:r>
+            <a:r>
+              <a:rPr lang="en-US" b="1" dirty="0"/>
+              <a:t>b</a:t>
+            </a:r>
+            <a:r>
+              <a:rPr lang="en-US" dirty="0"/>
+              <a:t> and exit method receives exception object and execution stack</a:t>
+            </a:r>
+          </a:p>
+          <a:p>
+            <a:r>
+              <a:rPr lang="en-US" b="1" dirty="0"/>
+              <a:t>clarify() </a:t>
+            </a:r>
+            <a:r>
+              <a:rPr lang="en-US" dirty="0"/>
+              <a:t>needs the exception object to augment messages and the execution stack to obtain subexpression values, identify offending operator</a:t>
+            </a:r>
+          </a:p>
+          <a:p>
+            <a:r>
+              <a:rPr lang="en-US" b="1" dirty="0"/>
+              <a:t>__exit__</a:t>
+            </a:r>
+            <a:r>
+              <a:rPr lang="en-US" dirty="0"/>
+              <a:t>() can automatically gen visualization in notebook or pop-up a window if run outside a notebook</a:t>
+            </a:r>
+          </a:p>
+          <a:p>
+            <a:r>
+              <a:rPr lang="en-US" dirty="0"/>
+              <a:t>There’s no cost unless</a:t>
             </a:r>
             <a:br>
               <a:rPr lang="en-US" dirty="0"/>
             </a:br>
-            <a:endParaRPr lang="en-US" dirty="0">
-              <a:latin typeface="Consolas" panose="020B0609020204030204" pitchFamily="49" charset="0"/>
-              <a:cs typeface="Consolas" panose="020B0609020204030204" pitchFamily="49" charset="0"/>
-            </a:endParaRPr>
-          </a:p>
-        </p:txBody>
-      </p:sp>
-      <p:sp>
-        <p:nvSpPr>
-          <p:cNvPr id="4" name="Rectangle 3">
-            <a:extLst>
-              <a:ext uri="{FF2B5EF4-FFF2-40B4-BE49-F238E27FC236}">
-                <a16:creationId xmlns:a16="http://schemas.microsoft.com/office/drawing/2014/main" id="{32AA5690-1EE5-E544-BAB3-77052A1A6C1B}"/>
-              </a:ext>
-            </a:extLst>
-          </p:cNvPr>
-          <p:cNvSpPr/>
+            <a:r>
+              <a:rPr lang="en-US" dirty="0"/>
+              <a:t>exception occurs within</a:t>
+            </a:r>
+            <a:br>
+              <a:rPr lang="en-US" dirty="0"/>
+            </a:br>
+            <a:r>
+              <a:rPr lang="en-US" dirty="0"/>
+              <a:t>the </a:t>
+            </a:r>
+            <a:r>
+              <a:rPr lang="en-US" b="1" dirty="0"/>
+              <a:t>with</a:t>
+            </a:r>
+            <a:r>
+              <a:rPr lang="en-US" dirty="0"/>
+              <a:t> block</a:t>
+            </a:r>
+          </a:p>
+          <a:p>
+            <a:endParaRPr lang="en-US" dirty="0"/>
+          </a:p>
+        </p:txBody>
+      </p:sp>
+      <p:pic>
+        <p:nvPicPr>
+          <p:cNvPr id="4" name="Picture 3" descr="Graphical user interface, text, application&#10;&#10;Description automatically generated">
+            <a:extLst>
+              <a:ext uri="{FF2B5EF4-FFF2-40B4-BE49-F238E27FC236}">
+                <a16:creationId xmlns:a16="http://schemas.microsoft.com/office/drawing/2014/main" id="{4640D0C1-3ACB-9947-8F41-2783B855C0B9}"/>
+              </a:ext>
+            </a:extLst>
+          </p:cNvPr>
+          <p:cNvPicPr>
+            <a:picLocks noChangeAspect="1"/>
+          </p:cNvPicPr>
           <p:nvPr/>
-        </p:nvSpPr>
-        <p:spPr>
-          <a:xfrm>
-            <a:off x="3377939" y="5189158"/>
-            <a:ext cx="4163505" cy="830997"/>
+        </p:nvPicPr>
+        <p:blipFill>
+          <a:blip r:embed="rId2"/>
+          <a:stretch>
+            <a:fillRect/>
+          </a:stretch>
+        </p:blipFill>
+        <p:spPr>
+          <a:xfrm>
+            <a:off x="6022850" y="4487159"/>
+            <a:ext cx="6169150" cy="2370841"/>
           </a:xfrm>
           <a:prstGeom prst="rect">
             <a:avLst/>
           </a:prstGeom>
         </p:spPr>
-        <p:txBody>
-          <a:bodyPr wrap="square">
-            <a:spAutoFit/>
-          </a:bodyPr>
-          <a:lstStyle/>
-          <a:p>
-            <a:r>
-              <a:rPr lang="en-US" sz="2400" b="1" dirty="0">
-                <a:solidFill>
-                  <a:srgbClr val="000080"/>
-                </a:solidFill>
-                <a:latin typeface="Consolas" panose="020B0609020204030204" pitchFamily="49" charset="0"/>
-                <a:cs typeface="Consolas" panose="020B0609020204030204" pitchFamily="49" charset="0"/>
-              </a:rPr>
-              <a:t>with</a:t>
-            </a:r>
-            <a:r>
-              <a:rPr lang="en-US" sz="2400" dirty="0">
-                <a:latin typeface="Consolas" panose="020B0609020204030204" pitchFamily="49" charset="0"/>
-                <a:cs typeface="Consolas" panose="020B0609020204030204" pitchFamily="49" charset="0"/>
-              </a:rPr>
-              <a:t> </a:t>
-            </a:r>
-            <a:r>
-              <a:rPr lang="en-US" sz="2400" dirty="0" err="1">
-                <a:latin typeface="Consolas" panose="020B0609020204030204" pitchFamily="49" charset="0"/>
-                <a:cs typeface="Consolas" panose="020B0609020204030204" pitchFamily="49" charset="0"/>
-              </a:rPr>
-              <a:t>tsensor.explain</a:t>
-            </a:r>
-            <a:r>
-              <a:rPr lang="en-US" sz="2400" dirty="0">
-                <a:latin typeface="Consolas" panose="020B0609020204030204" pitchFamily="49" charset="0"/>
-                <a:cs typeface="Consolas" panose="020B0609020204030204" pitchFamily="49" charset="0"/>
-              </a:rPr>
-              <a:t>():</a:t>
-            </a:r>
-            <a:br>
-              <a:rPr lang="en-US" sz="2400" dirty="0">
-                <a:latin typeface="Consolas" panose="020B0609020204030204" pitchFamily="49" charset="0"/>
-                <a:cs typeface="Consolas" panose="020B0609020204030204" pitchFamily="49" charset="0"/>
-              </a:rPr>
-            </a:br>
-            <a:r>
-              <a:rPr lang="en-US" sz="2400" dirty="0">
-                <a:latin typeface="Consolas" panose="020B0609020204030204" pitchFamily="49" charset="0"/>
-                <a:cs typeface="Consolas" panose="020B0609020204030204" pitchFamily="49" charset="0"/>
-              </a:rPr>
-              <a:t>    print("hi")</a:t>
-            </a:r>
-            <a:endParaRPr lang="en-US" sz="2400" dirty="0"/>
-          </a:p>
-        </p:txBody>
-      </p:sp>
-      <p:sp>
-        <p:nvSpPr>
-          <p:cNvPr id="5" name="TextBox 4">
-            <a:extLst>
-              <a:ext uri="{FF2B5EF4-FFF2-40B4-BE49-F238E27FC236}">
-                <a16:creationId xmlns:a16="http://schemas.microsoft.com/office/drawing/2014/main" id="{00927F5E-5CFE-F746-9673-ECCB3AD12C8F}"/>
-              </a:ext>
-            </a:extLst>
-          </p:cNvPr>
-          <p:cNvSpPr txBox="1"/>
-          <p:nvPr/>
-        </p:nvSpPr>
-        <p:spPr>
-          <a:xfrm>
-            <a:off x="0" y="6488668"/>
-            <a:ext cx="7258639" cy="307777"/>
-          </a:xfrm>
-          <a:prstGeom prst="rect">
-            <a:avLst/>
-          </a:prstGeom>
-          <a:noFill/>
-        </p:spPr>
-        <p:txBody>
-          <a:bodyPr wrap="square" rtlCol="0">
-            <a:spAutoFit/>
-          </a:bodyPr>
-          <a:lstStyle/>
-          <a:p>
-            <a:r>
-              <a:rPr lang="en-US" sz="1400" dirty="0"/>
-              <a:t>[1] </a:t>
-            </a:r>
-            <a:r>
-              <a:rPr lang="en-US" sz="1400" dirty="0">
-                <a:hlinkClick r:id="rId2"/>
-              </a:rPr>
-              <a:t>https://docs.python.org/3/library/sys.html#sys.settrace</a:t>
-            </a:r>
-            <a:endParaRPr lang="en-US" sz="1400" dirty="0"/>
-          </a:p>
-        </p:txBody>
-      </p:sp>
+      </p:pic>
     </p:spTree>
     <p:extLst>
       <p:ext uri="{BB962C8B-B14F-4D97-AF65-F5344CB8AC3E}">
-        <p14:creationId xmlns:p14="http://schemas.microsoft.com/office/powerpoint/2010/main" val="1839508605"/>
+        <p14:creationId xmlns:p14="http://schemas.microsoft.com/office/powerpoint/2010/main" val="2164074136"/>
       </p:ext>
     </p:extLst>
   </p:cSld>
@@ -5314,7 +5331,7 @@
           <p:cNvPr id="2" name="Title 1">
             <a:extLst>
               <a:ext uri="{FF2B5EF4-FFF2-40B4-BE49-F238E27FC236}">
-                <a16:creationId xmlns:a16="http://schemas.microsoft.com/office/drawing/2014/main" id="{837F6A9A-0A6B-B94F-8B91-6C23BBC5A946}"/>
+                <a16:creationId xmlns:a16="http://schemas.microsoft.com/office/drawing/2014/main" id="{A3EB3F4E-990D-2A4C-9237-9182994CF50E}"/>
               </a:ext>
             </a:extLst>
           </p:cNvPr>
@@ -5327,8 +5344,8 @@
         </p:nvSpPr>
         <p:spPr>
           <a:xfrm>
-            <a:off x="838199" y="365125"/>
-            <a:ext cx="10662501" cy="1325563"/>
+            <a:off x="838200" y="365125"/>
+            <a:ext cx="10515600" cy="976309"/>
           </a:xfrm>
         </p:spPr>
         <p:txBody>
@@ -5338,9 +5355,21 @@
           <a:lstStyle/>
           <a:p>
             <a:r>
-              <a:rPr lang="en-US" dirty="0"/>
-              <a:t>Getting operator-level exceptions w/o bytecode instrumentation requires a total hack</a:t>
-            </a:r>
+              <a:rPr lang="en-US" dirty="0" err="1"/>
+              <a:t>TensorSensor’s</a:t>
+            </a:r>
+            <a:r>
+              <a:rPr lang="en-US" dirty="0"/>
+              <a:t> explain() mechanism</a:t>
+            </a:r>
+            <a:br>
+              <a:rPr lang="en-US" dirty="0"/>
+            </a:br>
+            <a:r>
+              <a:rPr lang="en-US" sz="2400" dirty="0"/>
+              <a:t>(Visualizing correct Python code on-the-fly)</a:t>
+            </a:r>
+            <a:endParaRPr lang="en-US" dirty="0"/>
           </a:p>
         </p:txBody>
       </p:sp>
@@ -5349,7 +5378,7 @@
           <p:cNvPr id="3" name="Content Placeholder 2">
             <a:extLst>
               <a:ext uri="{FF2B5EF4-FFF2-40B4-BE49-F238E27FC236}">
-                <a16:creationId xmlns:a16="http://schemas.microsoft.com/office/drawing/2014/main" id="{524F48FA-29F3-7C45-AEC9-CDAD6EE5405B}"/>
+                <a16:creationId xmlns:a16="http://schemas.microsoft.com/office/drawing/2014/main" id="{607F336A-C4CB-634D-B9E8-B66638B19F36}"/>
               </a:ext>
             </a:extLst>
           </p:cNvPr>
@@ -5360,20 +5389,35 @@
             <p:ph idx="1"/>
           </p:nvPr>
         </p:nvSpPr>
-        <p:spPr/>
-        <p:txBody>
-          <a:bodyPr>
-            <a:normAutofit lnSpcReduction="10000"/>
-          </a:bodyPr>
-          <a:lstStyle/>
-          <a:p>
-            <a:r>
-              <a:rPr lang="en-US" dirty="0"/>
-              <a:t>We have: (1) the full execution stack and (2) the offending line of source code (</a:t>
+        <p:spPr>
+          <a:xfrm>
+            <a:off x="838199" y="1555423"/>
+            <a:ext cx="10643647" cy="4621540"/>
+          </a:xfrm>
+        </p:spPr>
+        <p:txBody>
+          <a:bodyPr/>
+          <a:lstStyle/>
+          <a:p>
+            <a:r>
+              <a:rPr lang="en-US" b="1" dirty="0"/>
+              <a:t>explain</a:t>
+            </a:r>
+            <a:r>
+              <a:rPr lang="en-US" dirty="0"/>
+              <a:t>() object's </a:t>
+            </a:r>
+            <a:r>
+              <a:rPr lang="en-US" b="1" dirty="0"/>
+              <a:t>__enter__()</a:t>
+            </a:r>
+            <a:r>
+              <a:rPr lang="en-US" dirty="0"/>
+              <a:t> method creates a tracer object and registers it with Python via </a:t>
             </a:r>
             <a:r>
               <a:rPr lang="en-US" b="1" dirty="0" err="1"/>
-              <a:t>inspect.getframeinfo</a:t>
+              <a:t>sys.settrace</a:t>
             </a:r>
             <a:r>
               <a:rPr lang="en-US" b="1" dirty="0"/>
@@ -5381,58 +5425,185 @@
             </a:r>
             <a:r>
               <a:rPr lang="en-US" dirty="0"/>
-              <a:t>)</a:t>
-            </a:r>
-          </a:p>
-          <a:p>
-            <a:r>
-              <a:rPr lang="en-US" dirty="0"/>
-              <a:t>To identify the individual operator and operands that triggered an exception, use brute-force:</a:t>
-            </a:r>
-          </a:p>
-          <a:p>
-            <a:pPr lvl="1"/>
-            <a:r>
-              <a:rPr lang="en-US" dirty="0"/>
-              <a:t>reevaluate each operation in the line, piece-by-piece, in proper order, and in the correct execution context (must pick correct stack frame)</a:t>
-            </a:r>
-          </a:p>
-          <a:p>
-            <a:r>
-              <a:rPr lang="en-US" dirty="0"/>
-              <a:t>Wait for an operator to cause an exception, report op/</a:t>
-            </a:r>
-            <a:r>
-              <a:rPr lang="en-US" dirty="0" err="1"/>
-              <a:t>opnds</a:t>
-            </a:r>
-            <a:endParaRPr lang="en-US" dirty="0"/>
-          </a:p>
-          <a:p>
-            <a:r>
-              <a:rPr lang="en-US" dirty="0"/>
-              <a:t>Assumes side-effect free operations</a:t>
-            </a:r>
-          </a:p>
-          <a:p>
-            <a:r>
-              <a:rPr lang="en-US" dirty="0"/>
-              <a:t>Even if side-effecting, who cares (usually)?</a:t>
+              <a:t> [1]</a:t>
+            </a:r>
+          </a:p>
+          <a:p>
+            <a:r>
+              <a:rPr lang="en-US" dirty="0"/>
+              <a:t>The tracer is notified upon each source line execution</a:t>
+            </a:r>
+          </a:p>
+          <a:p>
+            <a:r>
+              <a:rPr lang="en-US" dirty="0"/>
+              <a:t>Using same mechanism as </a:t>
+            </a:r>
+            <a:r>
+              <a:rPr lang="en-US" b="1" dirty="0"/>
+              <a:t>clarify</a:t>
+            </a:r>
+            <a:r>
+              <a:rPr lang="en-US" dirty="0"/>
+              <a:t>() to identify operand shapes</a:t>
+            </a:r>
+          </a:p>
+          <a:p>
+            <a:r>
+              <a:rPr lang="en-US" dirty="0"/>
+              <a:t>Even in a loop within </a:t>
+            </a:r>
+            <a:r>
+              <a:rPr lang="en-US" b="1" dirty="0"/>
+              <a:t>with</a:t>
+            </a:r>
+            <a:r>
+              <a:rPr lang="en-US" dirty="0"/>
+              <a:t> block, statements visualized just once</a:t>
+            </a:r>
+          </a:p>
+          <a:p>
+            <a:r>
+              <a:rPr lang="en-US" dirty="0"/>
+              <a:t>Slows down execution (a lot) but it's still useful</a:t>
+            </a:r>
+          </a:p>
+          <a:p>
+            <a:r>
+              <a:rPr lang="en-US" dirty="0"/>
+              <a:t>Watch out for side effects; e.g., this prints "hi" twice:</a:t>
             </a:r>
             <a:br>
               <a:rPr lang="en-US" dirty="0"/>
             </a:br>
-            <a:r>
-              <a:rPr lang="en-US" dirty="0"/>
-              <a:t>The program is about to terminate</a:t>
-            </a:r>
+            <a:endParaRPr lang="en-US" dirty="0">
+              <a:latin typeface="Consolas" panose="020B0609020204030204" pitchFamily="49" charset="0"/>
+              <a:cs typeface="Consolas" panose="020B0609020204030204" pitchFamily="49" charset="0"/>
+            </a:endParaRPr>
+          </a:p>
+        </p:txBody>
+      </p:sp>
+      <p:sp>
+        <p:nvSpPr>
+          <p:cNvPr id="4" name="Rectangle 3">
+            <a:extLst>
+              <a:ext uri="{FF2B5EF4-FFF2-40B4-BE49-F238E27FC236}">
+                <a16:creationId xmlns:a16="http://schemas.microsoft.com/office/drawing/2014/main" id="{32AA5690-1EE5-E544-BAB3-77052A1A6C1B}"/>
+              </a:ext>
+            </a:extLst>
+          </p:cNvPr>
+          <p:cNvSpPr/>
+          <p:nvPr/>
+        </p:nvSpPr>
+        <p:spPr>
+          <a:xfrm>
+            <a:off x="3377939" y="5189158"/>
+            <a:ext cx="4163505" cy="830997"/>
+          </a:xfrm>
+          <a:prstGeom prst="rect">
+            <a:avLst/>
+          </a:prstGeom>
+        </p:spPr>
+        <p:txBody>
+          <a:bodyPr wrap="square">
+            <a:spAutoFit/>
+          </a:bodyPr>
+          <a:lstStyle/>
+          <a:p>
+            <a:r>
+              <a:rPr lang="en-US" sz="2400" b="1" dirty="0">
+                <a:solidFill>
+                  <a:srgbClr val="000080"/>
+                </a:solidFill>
+                <a:latin typeface="Consolas" panose="020B0609020204030204" pitchFamily="49" charset="0"/>
+                <a:cs typeface="Consolas" panose="020B0609020204030204" pitchFamily="49" charset="0"/>
+              </a:rPr>
+              <a:t>with</a:t>
+            </a:r>
+            <a:r>
+              <a:rPr lang="en-US" sz="2400" dirty="0">
+                <a:latin typeface="Consolas" panose="020B0609020204030204" pitchFamily="49" charset="0"/>
+                <a:cs typeface="Consolas" panose="020B0609020204030204" pitchFamily="49" charset="0"/>
+              </a:rPr>
+              <a:t> </a:t>
+            </a:r>
+            <a:r>
+              <a:rPr lang="en-US" sz="2400" dirty="0" err="1">
+                <a:latin typeface="Consolas" panose="020B0609020204030204" pitchFamily="49" charset="0"/>
+                <a:cs typeface="Consolas" panose="020B0609020204030204" pitchFamily="49" charset="0"/>
+              </a:rPr>
+              <a:t>tsensor.explain</a:t>
+            </a:r>
+            <a:r>
+              <a:rPr lang="en-US" sz="2400" dirty="0">
+                <a:latin typeface="Consolas" panose="020B0609020204030204" pitchFamily="49" charset="0"/>
+                <a:cs typeface="Consolas" panose="020B0609020204030204" pitchFamily="49" charset="0"/>
+              </a:rPr>
+              <a:t>():</a:t>
+            </a:r>
+            <a:br>
+              <a:rPr lang="en-US" sz="2400" dirty="0">
+                <a:latin typeface="Consolas" panose="020B0609020204030204" pitchFamily="49" charset="0"/>
+                <a:cs typeface="Consolas" panose="020B0609020204030204" pitchFamily="49" charset="0"/>
+              </a:rPr>
+            </a:br>
+            <a:r>
+              <a:rPr lang="en-US" sz="2400" dirty="0">
+                <a:latin typeface="Consolas" panose="020B0609020204030204" pitchFamily="49" charset="0"/>
+                <a:cs typeface="Consolas" panose="020B0609020204030204" pitchFamily="49" charset="0"/>
+              </a:rPr>
+              <a:t>    print("hi")</a:t>
+            </a:r>
+            <a:endParaRPr lang="en-US" sz="2400" dirty="0"/>
+          </a:p>
+        </p:txBody>
+      </p:sp>
+      <p:sp>
+        <p:nvSpPr>
+          <p:cNvPr id="5" name="TextBox 4">
+            <a:extLst>
+              <a:ext uri="{FF2B5EF4-FFF2-40B4-BE49-F238E27FC236}">
+                <a16:creationId xmlns:a16="http://schemas.microsoft.com/office/drawing/2014/main" id="{00927F5E-5CFE-F746-9673-ECCB3AD12C8F}"/>
+              </a:ext>
+            </a:extLst>
+          </p:cNvPr>
+          <p:cNvSpPr txBox="1"/>
+          <p:nvPr/>
+        </p:nvSpPr>
+        <p:spPr>
+          <a:xfrm>
+            <a:off x="0" y="6488668"/>
+            <a:ext cx="7258639" cy="307777"/>
+          </a:xfrm>
+          <a:prstGeom prst="rect">
+            <a:avLst/>
+          </a:prstGeom>
+          <a:noFill/>
+        </p:spPr>
+        <p:txBody>
+          <a:bodyPr wrap="square" rtlCol="0">
+            <a:spAutoFit/>
+          </a:bodyPr>
+          <a:lstStyle/>
+          <a:p>
+            <a:r>
+              <a:rPr lang="en-US" sz="1400" dirty="0"/>
+              <a:t>[1] </a:t>
+            </a:r>
+            <a:r>
+              <a:rPr lang="en-US" sz="1400" dirty="0">
+                <a:hlinkClick r:id="rId2"/>
+              </a:rPr>
+              <a:t>https://docs.python.org/3/library/sys.html#sys.settrace</a:t>
+            </a:r>
+            <a:endParaRPr lang="en-US" sz="1400" dirty="0"/>
           </a:p>
         </p:txBody>
       </p:sp>
     </p:spTree>
     <p:extLst>
       <p:ext uri="{BB962C8B-B14F-4D97-AF65-F5344CB8AC3E}">
-        <p14:creationId xmlns:p14="http://schemas.microsoft.com/office/powerpoint/2010/main" val="4145247834"/>
+        <p14:creationId xmlns:p14="http://schemas.microsoft.com/office/powerpoint/2010/main" val="1839508605"/>
       </p:ext>
     </p:extLst>
   </p:cSld>
@@ -5464,7 +5635,7 @@
           <p:cNvPr id="2" name="Title 1">
             <a:extLst>
               <a:ext uri="{FF2B5EF4-FFF2-40B4-BE49-F238E27FC236}">
-                <a16:creationId xmlns:a16="http://schemas.microsoft.com/office/drawing/2014/main" id="{F7B71233-6082-A34D-891B-535438901B7C}"/>
+                <a16:creationId xmlns:a16="http://schemas.microsoft.com/office/drawing/2014/main" id="{837F6A9A-0A6B-B94F-8B91-6C23BBC5A946}"/>
               </a:ext>
             </a:extLst>
           </p:cNvPr>
@@ -5477,17 +5648,19 @@
         </p:nvSpPr>
         <p:spPr>
           <a:xfrm>
-            <a:off x="838200" y="365125"/>
-            <a:ext cx="10515600" cy="727285"/>
-          </a:xfrm>
-        </p:spPr>
-        <p:txBody>
-          <a:bodyPr/>
-          <a:lstStyle/>
-          <a:p>
-            <a:r>
-              <a:rPr lang="en-US" dirty="0"/>
-              <a:t>Reevaluation mechanism</a:t>
+            <a:off x="838199" y="365125"/>
+            <a:ext cx="10662501" cy="1325563"/>
+          </a:xfrm>
+        </p:spPr>
+        <p:txBody>
+          <a:bodyPr>
+            <a:normAutofit fontScale="90000"/>
+          </a:bodyPr>
+          <a:lstStyle/>
+          <a:p>
+            <a:r>
+              <a:rPr lang="en-US" dirty="0"/>
+              <a:t>Getting operator-level exceptions w/o bytecode instrumentation requires a total hack</a:t>
             </a:r>
           </a:p>
         </p:txBody>
@@ -5497,7 +5670,7 @@
           <p:cNvPr id="3" name="Content Placeholder 2">
             <a:extLst>
               <a:ext uri="{FF2B5EF4-FFF2-40B4-BE49-F238E27FC236}">
-                <a16:creationId xmlns:a16="http://schemas.microsoft.com/office/drawing/2014/main" id="{5B71B924-17ED-DE4C-80CE-C6506A32A07D}"/>
+                <a16:creationId xmlns:a16="http://schemas.microsoft.com/office/drawing/2014/main" id="{524F48FA-29F3-7C45-AEC9-CDAD6EE5405B}"/>
               </a:ext>
             </a:extLst>
           </p:cNvPr>
@@ -5508,188 +5681,71 @@
             <p:ph idx="1"/>
           </p:nvPr>
         </p:nvSpPr>
-        <p:spPr>
-          <a:xfrm>
-            <a:off x="754144" y="1230792"/>
-            <a:ext cx="5684363" cy="5262084"/>
-          </a:xfrm>
-        </p:spPr>
+        <p:spPr/>
         <p:txBody>
           <a:bodyPr>
-            <a:normAutofit fontScale="92500" lnSpcReduction="20000"/>
+            <a:normAutofit lnSpcReduction="10000"/>
           </a:bodyPr>
           <a:lstStyle/>
           <a:p>
             <a:r>
               <a:rPr lang="en-US" dirty="0"/>
-              <a:t>First, check if exception is tensor-related or if exec stack descends into a known tensor lib</a:t>
-            </a:r>
-          </a:p>
-          <a:p>
-            <a:r>
-              <a:rPr lang="en-US" dirty="0"/>
-              <a:t>If so, scan stack to find and parse deepest </a:t>
-            </a:r>
-            <a:r>
-              <a:rPr lang="en-US" i="1" dirty="0"/>
-              <a:t>user-level</a:t>
-            </a:r>
-            <a:r>
-              <a:rPr lang="en-US" dirty="0"/>
-              <a:t> offending statement and build an appropriate AST with operators as subtree roots</a:t>
-            </a:r>
-          </a:p>
-          <a:p>
-            <a:r>
-              <a:rPr lang="en-US" dirty="0"/>
-              <a:t>Uses built-in Python tokenizer</a:t>
-            </a:r>
-          </a:p>
-          <a:p>
-            <a:r>
-              <a:rPr lang="en-US" dirty="0"/>
-              <a:t>Uses </a:t>
+              <a:t>We have: (1) the full execution stack from which we can get (2) the offending line of source code (</a:t>
+            </a:r>
+            <a:r>
+              <a:rPr lang="en-US" b="1" dirty="0" err="1"/>
+              <a:t>inspect.getframeinfo</a:t>
+            </a:r>
+            <a:r>
+              <a:rPr lang="en-US" b="1" dirty="0"/>
+              <a:t>()</a:t>
+            </a:r>
+            <a:r>
+              <a:rPr lang="en-US" dirty="0"/>
+              <a:t>)</a:t>
+            </a:r>
+          </a:p>
+          <a:p>
+            <a:r>
+              <a:rPr lang="en-US" dirty="0"/>
+              <a:t>To identify the individual operator and operands that triggered an exception, use brute-force:</a:t>
+            </a:r>
+          </a:p>
+          <a:p>
+            <a:pPr lvl="1"/>
+            <a:r>
+              <a:rPr lang="en-US" dirty="0"/>
+              <a:t>reevaluate each operation in the line, piece-by-piece, in proper order, and in the correct execution context (must pick correct stack frame)</a:t>
+            </a:r>
+          </a:p>
+          <a:p>
+            <a:r>
+              <a:rPr lang="en-US" dirty="0"/>
+              <a:t>Wait for an operator to cause an exception, report op/</a:t>
             </a:r>
             <a:r>
               <a:rPr lang="en-US" dirty="0" err="1"/>
-              <a:t>handbuilt</a:t>
-            </a:r>
-            <a:r>
-              <a:rPr lang="en-US" dirty="0"/>
-              <a:t> Python parser for subset of statements / </a:t>
-            </a:r>
-            <a:r>
-              <a:rPr lang="en-US" dirty="0" err="1"/>
-              <a:t>exprs</a:t>
+              <a:t>opnds</a:t>
             </a:r>
             <a:endParaRPr lang="en-US" dirty="0"/>
           </a:p>
           <a:p>
             <a:r>
               <a:rPr lang="en-US" dirty="0"/>
-              <a:t>Avoided ANTLR to avoid introducing a lib dependency</a:t>
-            </a:r>
-          </a:p>
-          <a:p>
-            <a:r>
-              <a:rPr lang="en-US" dirty="0"/>
-              <a:t>Avoided built-in Python parser since reorg'ing its AST is same work as  rolling my own "</a:t>
-            </a:r>
-            <a:r>
-              <a:rPr lang="en-US" dirty="0" err="1"/>
-              <a:t>parrser</a:t>
-            </a:r>
-            <a:r>
-              <a:rPr lang="en-US" dirty="0"/>
-              <a:t>"</a:t>
-            </a:r>
-          </a:p>
-        </p:txBody>
-      </p:sp>
-      <p:pic>
-        <p:nvPicPr>
-          <p:cNvPr id="4" name="Picture 3">
-            <a:extLst>
-              <a:ext uri="{FF2B5EF4-FFF2-40B4-BE49-F238E27FC236}">
-                <a16:creationId xmlns:a16="http://schemas.microsoft.com/office/drawing/2014/main" id="{18CB3F87-D4DE-1940-8589-A9F959BA4C1D}"/>
-              </a:ext>
-            </a:extLst>
-          </p:cNvPr>
-          <p:cNvPicPr>
-            <a:picLocks noChangeAspect="1"/>
-          </p:cNvPicPr>
-          <p:nvPr/>
-        </p:nvPicPr>
-        <p:blipFill>
-          <a:blip r:embed="rId2"/>
-          <a:stretch>
-            <a:fillRect/>
-          </a:stretch>
-        </p:blipFill>
-        <p:spPr>
-          <a:xfrm>
-            <a:off x="6438507" y="1230791"/>
-            <a:ext cx="5684363" cy="5084553"/>
-          </a:xfrm>
-          <a:prstGeom prst="rect">
-            <a:avLst/>
-          </a:prstGeom>
-        </p:spPr>
-      </p:pic>
-      <p:sp>
-        <p:nvSpPr>
-          <p:cNvPr id="5" name="TextBox 4">
-            <a:extLst>
-              <a:ext uri="{FF2B5EF4-FFF2-40B4-BE49-F238E27FC236}">
-                <a16:creationId xmlns:a16="http://schemas.microsoft.com/office/drawing/2014/main" id="{8054C3C1-F0F7-4C4F-B069-ED50342BA779}"/>
-              </a:ext>
-            </a:extLst>
-          </p:cNvPr>
-          <p:cNvSpPr txBox="1"/>
-          <p:nvPr/>
-        </p:nvSpPr>
-        <p:spPr>
-          <a:xfrm>
-            <a:off x="5203596" y="4490414"/>
-            <a:ext cx="697627" cy="707886"/>
-          </a:xfrm>
-          <a:prstGeom prst="rect">
-            <a:avLst/>
-          </a:prstGeom>
-          <a:noFill/>
-        </p:spPr>
-        <p:txBody>
-          <a:bodyPr wrap="none" rtlCol="0">
-            <a:spAutoFit/>
-          </a:bodyPr>
-          <a:lstStyle/>
-          <a:p>
-            <a:r>
-              <a:rPr lang="en-US" sz="4000" dirty="0"/>
-              <a:t>🤣</a:t>
-            </a:r>
-          </a:p>
-        </p:txBody>
-      </p:sp>
-      <p:sp>
-        <p:nvSpPr>
-          <p:cNvPr id="6" name="TextBox 5">
-            <a:extLst>
-              <a:ext uri="{FF2B5EF4-FFF2-40B4-BE49-F238E27FC236}">
-                <a16:creationId xmlns:a16="http://schemas.microsoft.com/office/drawing/2014/main" id="{9DD1F523-A5A5-9C40-A885-FA7BC77C7326}"/>
-              </a:ext>
-            </a:extLst>
-          </p:cNvPr>
-          <p:cNvSpPr txBox="1"/>
-          <p:nvPr/>
-        </p:nvSpPr>
-        <p:spPr>
-          <a:xfrm>
-            <a:off x="8832916" y="5442543"/>
-            <a:ext cx="3065968" cy="369332"/>
-          </a:xfrm>
-          <a:prstGeom prst="rect">
-            <a:avLst/>
-          </a:prstGeom>
-          <a:noFill/>
-        </p:spPr>
-        <p:txBody>
-          <a:bodyPr wrap="none" rtlCol="0">
-            <a:spAutoFit/>
-          </a:bodyPr>
-          <a:lstStyle/>
-          <a:p>
-            <a:r>
-              <a:rPr lang="en-US" dirty="0"/>
-              <a:t>(also from </a:t>
-            </a:r>
-            <a:r>
-              <a:rPr lang="en-US" dirty="0" err="1"/>
-              <a:t>TensorSensor</a:t>
-            </a:r>
-            <a:r>
-              <a:rPr lang="en-US" dirty="0"/>
-              <a:t> lib)</a:t>
+              <a:t>Assumes side-effect free operations</a:t>
+            </a:r>
+          </a:p>
+          <a:p>
+            <a:r>
+              <a:rPr lang="en-US" dirty="0"/>
+              <a:t>Even if side-effecting, who cares (usually)?</a:t>
+            </a:r>
+            <a:br>
+              <a:rPr lang="en-US" dirty="0"/>
+            </a:br>
+            <a:r>
+              <a:rPr lang="en-US" dirty="0"/>
+              <a:t>The program is about to terminate</a:t>
             </a:r>
           </a:p>
         </p:txBody>
@@ -5697,7 +5753,7 @@
     </p:spTree>
     <p:extLst>
       <p:ext uri="{BB962C8B-B14F-4D97-AF65-F5344CB8AC3E}">
-        <p14:creationId xmlns:p14="http://schemas.microsoft.com/office/powerpoint/2010/main" val="26650210"/>
+        <p14:creationId xmlns:p14="http://schemas.microsoft.com/office/powerpoint/2010/main" val="4145247834"/>
       </p:ext>
     </p:extLst>
   </p:cSld>
@@ -5752,7 +5808,7 @@
           <a:p>
             <a:r>
               <a:rPr lang="en-US" dirty="0"/>
-              <a:t>Reevaluation mechanism continued</a:t>
+              <a:t>Reevaluation mechanism</a:t>
             </a:r>
           </a:p>
         </p:txBody>
@@ -5775,53 +5831,78 @@
         </p:nvSpPr>
         <p:spPr>
           <a:xfrm>
-            <a:off x="584462" y="1230791"/>
-            <a:ext cx="5854045" cy="5222934"/>
+            <a:off x="754144" y="1230792"/>
+            <a:ext cx="5684363" cy="5262084"/>
           </a:xfrm>
         </p:spPr>
         <p:txBody>
           <a:bodyPr>
-            <a:normAutofit/>
+            <a:normAutofit fontScale="92500" lnSpcReduction="20000"/>
           </a:bodyPr>
           <a:lstStyle/>
           <a:p>
             <a:r>
               <a:rPr lang="en-US" dirty="0"/>
-              <a:t>Evaluate operators of AST bottom-up in proper exec order</a:t>
-            </a:r>
-          </a:p>
-          <a:p>
-            <a:r>
-              <a:rPr lang="en-US" dirty="0"/>
-              <a:t>Call </a:t>
-            </a:r>
-            <a:r>
-              <a:rPr lang="en-US" b="1" dirty="0"/>
-              <a:t>eval()</a:t>
-            </a:r>
-            <a:r>
-              <a:rPr lang="en-US" dirty="0"/>
-              <a:t> on Python source of subexpressions using the appropriate execution contexts, saving results in associated nodes</a:t>
-            </a:r>
-          </a:p>
-          <a:p>
-            <a:r>
-              <a:rPr lang="en-US" dirty="0"/>
-              <a:t>Trap and absorb exception from </a:t>
-            </a:r>
-            <a:r>
-              <a:rPr lang="en-US" b="1" dirty="0"/>
-              <a:t>eval()</a:t>
-            </a:r>
-            <a:r>
-              <a:rPr lang="en-US" dirty="0"/>
-              <a:t>, record that exception and offending AST node</a:t>
-            </a:r>
-          </a:p>
-          <a:p>
-            <a:r>
-              <a:rPr lang="en-US" dirty="0"/>
-              <a:t>Augment original exception message with info derived this new exception, op, operands</a:t>
+              <a:t>First, check if exception is tensor-related or if exec stack descends into a known tensor lib</a:t>
+            </a:r>
+          </a:p>
+          <a:p>
+            <a:r>
+              <a:rPr lang="en-US" dirty="0"/>
+              <a:t>If so, scan stack to find and parse deepest </a:t>
+            </a:r>
+            <a:r>
+              <a:rPr lang="en-US" i="1" dirty="0"/>
+              <a:t>user-level</a:t>
+            </a:r>
+            <a:r>
+              <a:rPr lang="en-US" dirty="0"/>
+              <a:t> offending statement and build an appropriate AST with operators as subtree roots</a:t>
+            </a:r>
+          </a:p>
+          <a:p>
+            <a:r>
+              <a:rPr lang="en-US" dirty="0"/>
+              <a:t>Uses built-in Python tokenizer</a:t>
+            </a:r>
+          </a:p>
+          <a:p>
+            <a:r>
+              <a:rPr lang="en-US" dirty="0"/>
+              <a:t>Uses </a:t>
+            </a:r>
+            <a:r>
+              <a:rPr lang="en-US" dirty="0" err="1"/>
+              <a:t>handbuilt</a:t>
+            </a:r>
+            <a:r>
+              <a:rPr lang="en-US" dirty="0"/>
+              <a:t> Python parser for subset of statements / </a:t>
+            </a:r>
+            <a:r>
+              <a:rPr lang="en-US" dirty="0" err="1"/>
+              <a:t>exprs</a:t>
+            </a:r>
+            <a:endParaRPr lang="en-US" dirty="0"/>
+          </a:p>
+          <a:p>
+            <a:r>
+              <a:rPr lang="en-US" dirty="0"/>
+              <a:t>Avoided ANTLR to avoid introducing a lib dependency</a:t>
+            </a:r>
+          </a:p>
+          <a:p>
+            <a:r>
+              <a:rPr lang="en-US" dirty="0"/>
+              <a:t>Avoided built-in Python parser since reorg'ing its AST is same work as  rolling my own "</a:t>
+            </a:r>
+            <a:r>
+              <a:rPr lang="en-US" dirty="0" err="1"/>
+              <a:t>parrser</a:t>
+            </a:r>
+            <a:r>
+              <a:rPr lang="en-US" dirty="0"/>
+              <a:t>"</a:t>
             </a:r>
           </a:p>
         </p:txBody>
@@ -5856,10 +5937,88 @@
           </a:prstGeom>
         </p:spPr>
       </p:pic>
+      <p:sp>
+        <p:nvSpPr>
+          <p:cNvPr id="5" name="TextBox 4">
+            <a:extLst>
+              <a:ext uri="{FF2B5EF4-FFF2-40B4-BE49-F238E27FC236}">
+                <a16:creationId xmlns:a16="http://schemas.microsoft.com/office/drawing/2014/main" id="{8054C3C1-F0F7-4C4F-B069-ED50342BA779}"/>
+              </a:ext>
+            </a:extLst>
+          </p:cNvPr>
+          <p:cNvSpPr txBox="1"/>
+          <p:nvPr/>
+        </p:nvSpPr>
+        <p:spPr>
+          <a:xfrm>
+            <a:off x="5203596" y="4490414"/>
+            <a:ext cx="697627" cy="707886"/>
+          </a:xfrm>
+          <a:prstGeom prst="rect">
+            <a:avLst/>
+          </a:prstGeom>
+          <a:noFill/>
+        </p:spPr>
+        <p:txBody>
+          <a:bodyPr wrap="none" rtlCol="0">
+            <a:spAutoFit/>
+          </a:bodyPr>
+          <a:lstStyle/>
+          <a:p>
+            <a:r>
+              <a:rPr lang="en-US" sz="4000" dirty="0"/>
+              <a:t>🤣</a:t>
+            </a:r>
+          </a:p>
+        </p:txBody>
+      </p:sp>
+      <p:sp>
+        <p:nvSpPr>
+          <p:cNvPr id="6" name="TextBox 5">
+            <a:extLst>
+              <a:ext uri="{FF2B5EF4-FFF2-40B4-BE49-F238E27FC236}">
+                <a16:creationId xmlns:a16="http://schemas.microsoft.com/office/drawing/2014/main" id="{9DD1F523-A5A5-9C40-A885-FA7BC77C7326}"/>
+              </a:ext>
+            </a:extLst>
+          </p:cNvPr>
+          <p:cNvSpPr txBox="1"/>
+          <p:nvPr/>
+        </p:nvSpPr>
+        <p:spPr>
+          <a:xfrm>
+            <a:off x="8832916" y="5442543"/>
+            <a:ext cx="3065968" cy="369332"/>
+          </a:xfrm>
+          <a:prstGeom prst="rect">
+            <a:avLst/>
+          </a:prstGeom>
+          <a:noFill/>
+        </p:spPr>
+        <p:txBody>
+          <a:bodyPr wrap="none" rtlCol="0">
+            <a:spAutoFit/>
+          </a:bodyPr>
+          <a:lstStyle/>
+          <a:p>
+            <a:r>
+              <a:rPr lang="en-US" dirty="0"/>
+              <a:t>(also from </a:t>
+            </a:r>
+            <a:r>
+              <a:rPr lang="en-US" dirty="0" err="1"/>
+              <a:t>TensorSensor</a:t>
+            </a:r>
+            <a:r>
+              <a:rPr lang="en-US" dirty="0"/>
+              <a:t> lib)</a:t>
+            </a:r>
+          </a:p>
+        </p:txBody>
+      </p:sp>
     </p:spTree>
     <p:extLst>
       <p:ext uri="{BB962C8B-B14F-4D97-AF65-F5344CB8AC3E}">
-        <p14:creationId xmlns:p14="http://schemas.microsoft.com/office/powerpoint/2010/main" val="611637354"/>
+        <p14:creationId xmlns:p14="http://schemas.microsoft.com/office/powerpoint/2010/main" val="26650210"/>
       </p:ext>
     </p:extLst>
   </p:cSld>
@@ -5891,6 +6050,168 @@
           <p:cNvPr id="2" name="Title 1">
             <a:extLst>
               <a:ext uri="{FF2B5EF4-FFF2-40B4-BE49-F238E27FC236}">
+                <a16:creationId xmlns:a16="http://schemas.microsoft.com/office/drawing/2014/main" id="{F7B71233-6082-A34D-891B-535438901B7C}"/>
+              </a:ext>
+            </a:extLst>
+          </p:cNvPr>
+          <p:cNvSpPr>
+            <a:spLocks noGrp="1"/>
+          </p:cNvSpPr>
+          <p:nvPr>
+            <p:ph type="title"/>
+          </p:nvPr>
+        </p:nvSpPr>
+        <p:spPr>
+          <a:xfrm>
+            <a:off x="838200" y="365125"/>
+            <a:ext cx="10515600" cy="727285"/>
+          </a:xfrm>
+        </p:spPr>
+        <p:txBody>
+          <a:bodyPr/>
+          <a:lstStyle/>
+          <a:p>
+            <a:r>
+              <a:rPr lang="en-US" dirty="0"/>
+              <a:t>Reevaluation mechanism continued</a:t>
+            </a:r>
+          </a:p>
+        </p:txBody>
+      </p:sp>
+      <p:sp>
+        <p:nvSpPr>
+          <p:cNvPr id="3" name="Content Placeholder 2">
+            <a:extLst>
+              <a:ext uri="{FF2B5EF4-FFF2-40B4-BE49-F238E27FC236}">
+                <a16:creationId xmlns:a16="http://schemas.microsoft.com/office/drawing/2014/main" id="{5B71B924-17ED-DE4C-80CE-C6506A32A07D}"/>
+              </a:ext>
+            </a:extLst>
+          </p:cNvPr>
+          <p:cNvSpPr>
+            <a:spLocks noGrp="1"/>
+          </p:cNvSpPr>
+          <p:nvPr>
+            <p:ph idx="1"/>
+          </p:nvPr>
+        </p:nvSpPr>
+        <p:spPr>
+          <a:xfrm>
+            <a:off x="584462" y="1230791"/>
+            <a:ext cx="5854045" cy="5222934"/>
+          </a:xfrm>
+        </p:spPr>
+        <p:txBody>
+          <a:bodyPr>
+            <a:normAutofit/>
+          </a:bodyPr>
+          <a:lstStyle/>
+          <a:p>
+            <a:r>
+              <a:rPr lang="en-US" dirty="0"/>
+              <a:t>Evaluate operators of AST bottom-up in proper exec order</a:t>
+            </a:r>
+          </a:p>
+          <a:p>
+            <a:r>
+              <a:rPr lang="en-US" dirty="0"/>
+              <a:t>Call </a:t>
+            </a:r>
+            <a:r>
+              <a:rPr lang="en-US" b="1" dirty="0"/>
+              <a:t>eval()</a:t>
+            </a:r>
+            <a:r>
+              <a:rPr lang="en-US" dirty="0"/>
+              <a:t> on Python source of subexpressions using the appropriate execution contexts, saving results in associated nodes</a:t>
+            </a:r>
+          </a:p>
+          <a:p>
+            <a:r>
+              <a:rPr lang="en-US" dirty="0"/>
+              <a:t>Trap and absorb exception from </a:t>
+            </a:r>
+            <a:r>
+              <a:rPr lang="en-US" b="1" dirty="0"/>
+              <a:t>eval()</a:t>
+            </a:r>
+            <a:r>
+              <a:rPr lang="en-US" dirty="0"/>
+              <a:t>, record that exception and offending AST node</a:t>
+            </a:r>
+          </a:p>
+          <a:p>
+            <a:r>
+              <a:rPr lang="en-US" dirty="0"/>
+              <a:t>Augment original exception message with info derived this new exception, op, operands</a:t>
+            </a:r>
+          </a:p>
+        </p:txBody>
+      </p:sp>
+      <p:pic>
+        <p:nvPicPr>
+          <p:cNvPr id="4" name="Picture 3">
+            <a:extLst>
+              <a:ext uri="{FF2B5EF4-FFF2-40B4-BE49-F238E27FC236}">
+                <a16:creationId xmlns:a16="http://schemas.microsoft.com/office/drawing/2014/main" id="{18CB3F87-D4DE-1940-8589-A9F959BA4C1D}"/>
+              </a:ext>
+            </a:extLst>
+          </p:cNvPr>
+          <p:cNvPicPr>
+            <a:picLocks noChangeAspect="1"/>
+          </p:cNvPicPr>
+          <p:nvPr/>
+        </p:nvPicPr>
+        <p:blipFill>
+          <a:blip r:embed="rId2"/>
+          <a:stretch>
+            <a:fillRect/>
+          </a:stretch>
+        </p:blipFill>
+        <p:spPr>
+          <a:xfrm>
+            <a:off x="6438507" y="1230791"/>
+            <a:ext cx="5684363" cy="5084553"/>
+          </a:xfrm>
+          <a:prstGeom prst="rect">
+            <a:avLst/>
+          </a:prstGeom>
+        </p:spPr>
+      </p:pic>
+    </p:spTree>
+    <p:extLst>
+      <p:ext uri="{BB962C8B-B14F-4D97-AF65-F5344CB8AC3E}">
+        <p14:creationId xmlns:p14="http://schemas.microsoft.com/office/powerpoint/2010/main" val="611637354"/>
+      </p:ext>
+    </p:extLst>
+  </p:cSld>
+  <p:clrMapOvr>
+    <a:masterClrMapping/>
+  </p:clrMapOvr>
+</p:sld>
+</file>
+
+<file path=ppt/slides/slide19.xml><?xml version="1.0" encoding="utf-8"?>
+<p:sld xmlns:a="http://schemas.openxmlformats.org/drawingml/2006/main" xmlns:r="http://schemas.openxmlformats.org/officeDocument/2006/relationships" xmlns:p="http://schemas.openxmlformats.org/presentationml/2006/main">
+  <p:cSld>
+    <p:spTree>
+      <p:nvGrpSpPr>
+        <p:cNvPr id="1" name=""/>
+        <p:cNvGrpSpPr/>
+        <p:nvPr/>
+      </p:nvGrpSpPr>
+      <p:grpSpPr>
+        <a:xfrm>
+          <a:off x="0" y="0"/>
+          <a:ext cx="0" cy="0"/>
+          <a:chOff x="0" y="0"/>
+          <a:chExt cx="0" cy="0"/>
+        </a:xfrm>
+      </p:grpSpPr>
+      <p:sp>
+        <p:nvSpPr>
+          <p:cNvPr id="2" name="Title 1">
+            <a:extLst>
+              <a:ext uri="{FF2B5EF4-FFF2-40B4-BE49-F238E27FC236}">
                 <a16:creationId xmlns:a16="http://schemas.microsoft.com/office/drawing/2014/main" id="{6EFC4823-71C6-5D49-A244-5A5599A9D139}"/>
               </a:ext>
             </a:extLst>
@@ -6052,7 +6373,189 @@
 </p:sld>
 </file>
 
-<file path=ppt/slides/slide19.xml><?xml version="1.0" encoding="utf-8"?>
+<file path=ppt/slides/slide2.xml><?xml version="1.0" encoding="utf-8"?>
+<p:sld xmlns:a="http://schemas.openxmlformats.org/drawingml/2006/main" xmlns:r="http://schemas.openxmlformats.org/officeDocument/2006/relationships" xmlns:p="http://schemas.openxmlformats.org/presentationml/2006/main">
+  <p:cSld>
+    <p:spTree>
+      <p:nvGrpSpPr>
+        <p:cNvPr id="1" name=""/>
+        <p:cNvGrpSpPr/>
+        <p:nvPr/>
+      </p:nvGrpSpPr>
+      <p:grpSpPr>
+        <a:xfrm>
+          <a:off x="0" y="0"/>
+          <a:ext cx="0" cy="0"/>
+          <a:chOff x="0" y="0"/>
+          <a:chExt cx="0" cy="0"/>
+        </a:xfrm>
+      </p:grpSpPr>
+      <p:sp>
+        <p:nvSpPr>
+          <p:cNvPr id="2" name="Title 1">
+            <a:extLst>
+              <a:ext uri="{FF2B5EF4-FFF2-40B4-BE49-F238E27FC236}">
+                <a16:creationId xmlns:a16="http://schemas.microsoft.com/office/drawing/2014/main" id="{EE2209B4-E162-6F4A-BB1F-9F13BC0E0037}"/>
+              </a:ext>
+            </a:extLst>
+          </p:cNvPr>
+          <p:cNvSpPr>
+            <a:spLocks noGrp="1"/>
+          </p:cNvSpPr>
+          <p:nvPr>
+            <p:ph type="title"/>
+          </p:nvPr>
+        </p:nvSpPr>
+        <p:spPr/>
+        <p:txBody>
+          <a:bodyPr/>
+          <a:lstStyle/>
+          <a:p>
+            <a:r>
+              <a:rPr lang="en-US" dirty="0"/>
+              <a:t>The problem</a:t>
+            </a:r>
+          </a:p>
+        </p:txBody>
+      </p:sp>
+      <p:sp>
+        <p:nvSpPr>
+          <p:cNvPr id="7" name="Content Placeholder 6">
+            <a:extLst>
+              <a:ext uri="{FF2B5EF4-FFF2-40B4-BE49-F238E27FC236}">
+                <a16:creationId xmlns:a16="http://schemas.microsoft.com/office/drawing/2014/main" id="{D9E81DA5-11F8-F84C-AF14-F859B3F7ECFD}"/>
+              </a:ext>
+            </a:extLst>
+          </p:cNvPr>
+          <p:cNvSpPr>
+            <a:spLocks noGrp="1"/>
+          </p:cNvSpPr>
+          <p:nvPr>
+            <p:ph idx="1"/>
+          </p:nvPr>
+        </p:nvSpPr>
+        <p:spPr>
+          <a:xfrm>
+            <a:off x="838200" y="1795346"/>
+            <a:ext cx="10515600" cy="4697529"/>
+          </a:xfrm>
+        </p:spPr>
+        <p:txBody>
+          <a:bodyPr>
+            <a:normAutofit/>
+          </a:bodyPr>
+          <a:lstStyle/>
+          <a:p>
+            <a:r>
+              <a:rPr lang="en-US" dirty="0"/>
+              <a:t>It's easy to lose track of matrix/tensor dimensionality in matrix algebra expressions (even in statically-typed languages)</a:t>
+            </a:r>
+          </a:p>
+          <a:p>
+            <a:r>
+              <a:rPr lang="en-US" dirty="0"/>
+              <a:t>Upon error, we often get less than helpful exception messages, such as this (</a:t>
+            </a:r>
+            <a:r>
+              <a:rPr lang="en-US" dirty="0" err="1"/>
+              <a:t>PyTorch</a:t>
+            </a:r>
+            <a:r>
+              <a:rPr lang="en-US" dirty="0"/>
+              <a:t>) message:</a:t>
+            </a:r>
+          </a:p>
+          <a:p>
+            <a:endParaRPr lang="en-US" dirty="0"/>
+          </a:p>
+          <a:p>
+            <a:endParaRPr lang="en-US" dirty="0"/>
+          </a:p>
+          <a:p>
+            <a:endParaRPr lang="en-US" dirty="0"/>
+          </a:p>
+          <a:p>
+            <a:r>
+              <a:rPr lang="en-US" dirty="0"/>
+              <a:t>The offending operator and operands are not identified, since Python exceptions occur at the line level rather than the operator level</a:t>
+            </a:r>
+          </a:p>
+        </p:txBody>
+      </p:sp>
+      <p:pic>
+        <p:nvPicPr>
+          <p:cNvPr id="8" name="Content Placeholder 4">
+            <a:extLst>
+              <a:ext uri="{FF2B5EF4-FFF2-40B4-BE49-F238E27FC236}">
+                <a16:creationId xmlns:a16="http://schemas.microsoft.com/office/drawing/2014/main" id="{A8252864-C658-CF4B-B4AA-5816A030DDC4}"/>
+              </a:ext>
+            </a:extLst>
+          </p:cNvPr>
+          <p:cNvPicPr>
+            <a:picLocks noChangeAspect="1"/>
+          </p:cNvPicPr>
+          <p:nvPr/>
+        </p:nvPicPr>
+        <p:blipFill>
+          <a:blip r:embed="rId2"/>
+          <a:stretch>
+            <a:fillRect/>
+          </a:stretch>
+        </p:blipFill>
+        <p:spPr>
+          <a:xfrm>
+            <a:off x="808856" y="3785394"/>
+            <a:ext cx="10544944" cy="915814"/>
+          </a:xfrm>
+          <a:prstGeom prst="rect">
+            <a:avLst/>
+          </a:prstGeom>
+        </p:spPr>
+      </p:pic>
+      <p:pic>
+        <p:nvPicPr>
+          <p:cNvPr id="4" name="Picture 3" descr="Graphical user interface, text, application, chat or text message&#10;&#10;Description automatically generated">
+            <a:extLst>
+              <a:ext uri="{FF2B5EF4-FFF2-40B4-BE49-F238E27FC236}">
+                <a16:creationId xmlns:a16="http://schemas.microsoft.com/office/drawing/2014/main" id="{C7DCD08B-E8A0-DC4D-8DEE-20E214DD99E6}"/>
+              </a:ext>
+            </a:extLst>
+          </p:cNvPr>
+          <p:cNvPicPr>
+            <a:picLocks noChangeAspect="1"/>
+          </p:cNvPicPr>
+          <p:nvPr/>
+        </p:nvPicPr>
+        <p:blipFill>
+          <a:blip r:embed="rId3"/>
+          <a:stretch>
+            <a:fillRect/>
+          </a:stretch>
+        </p:blipFill>
+        <p:spPr>
+          <a:xfrm>
+            <a:off x="7962734" y="4008"/>
+            <a:ext cx="4229266" cy="1675529"/>
+          </a:xfrm>
+          <a:prstGeom prst="rect">
+            <a:avLst/>
+          </a:prstGeom>
+        </p:spPr>
+      </p:pic>
+    </p:spTree>
+    <p:extLst>
+      <p:ext uri="{BB962C8B-B14F-4D97-AF65-F5344CB8AC3E}">
+        <p14:creationId xmlns:p14="http://schemas.microsoft.com/office/powerpoint/2010/main" val="1865253501"/>
+      </p:ext>
+    </p:extLst>
+  </p:cSld>
+  <p:clrMapOvr>
+    <a:masterClrMapping/>
+  </p:clrMapOvr>
+</p:sld>
+</file>
+
+<file path=ppt/slides/slide20.xml><?xml version="1.0" encoding="utf-8"?>
 <p:sld xmlns:a="http://schemas.openxmlformats.org/drawingml/2006/main" xmlns:r="http://schemas.openxmlformats.org/officeDocument/2006/relationships" xmlns:p="http://schemas.openxmlformats.org/presentationml/2006/main">
   <p:cSld>
     <p:spTree>
@@ -7675,189 +8178,7 @@
 </p:sld>
 </file>
 
-<file path=ppt/slides/slide2.xml><?xml version="1.0" encoding="utf-8"?>
-<p:sld xmlns:a="http://schemas.openxmlformats.org/drawingml/2006/main" xmlns:r="http://schemas.openxmlformats.org/officeDocument/2006/relationships" xmlns:p="http://schemas.openxmlformats.org/presentationml/2006/main">
-  <p:cSld>
-    <p:spTree>
-      <p:nvGrpSpPr>
-        <p:cNvPr id="1" name=""/>
-        <p:cNvGrpSpPr/>
-        <p:nvPr/>
-      </p:nvGrpSpPr>
-      <p:grpSpPr>
-        <a:xfrm>
-          <a:off x="0" y="0"/>
-          <a:ext cx="0" cy="0"/>
-          <a:chOff x="0" y="0"/>
-          <a:chExt cx="0" cy="0"/>
-        </a:xfrm>
-      </p:grpSpPr>
-      <p:sp>
-        <p:nvSpPr>
-          <p:cNvPr id="2" name="Title 1">
-            <a:extLst>
-              <a:ext uri="{FF2B5EF4-FFF2-40B4-BE49-F238E27FC236}">
-                <a16:creationId xmlns:a16="http://schemas.microsoft.com/office/drawing/2014/main" id="{EE2209B4-E162-6F4A-BB1F-9F13BC0E0037}"/>
-              </a:ext>
-            </a:extLst>
-          </p:cNvPr>
-          <p:cNvSpPr>
-            <a:spLocks noGrp="1"/>
-          </p:cNvSpPr>
-          <p:nvPr>
-            <p:ph type="title"/>
-          </p:nvPr>
-        </p:nvSpPr>
-        <p:spPr/>
-        <p:txBody>
-          <a:bodyPr/>
-          <a:lstStyle/>
-          <a:p>
-            <a:r>
-              <a:rPr lang="en-US" dirty="0"/>
-              <a:t>The problem</a:t>
-            </a:r>
-          </a:p>
-        </p:txBody>
-      </p:sp>
-      <p:sp>
-        <p:nvSpPr>
-          <p:cNvPr id="7" name="Content Placeholder 6">
-            <a:extLst>
-              <a:ext uri="{FF2B5EF4-FFF2-40B4-BE49-F238E27FC236}">
-                <a16:creationId xmlns:a16="http://schemas.microsoft.com/office/drawing/2014/main" id="{D9E81DA5-11F8-F84C-AF14-F859B3F7ECFD}"/>
-              </a:ext>
-            </a:extLst>
-          </p:cNvPr>
-          <p:cNvSpPr>
-            <a:spLocks noGrp="1"/>
-          </p:cNvSpPr>
-          <p:nvPr>
-            <p:ph idx="1"/>
-          </p:nvPr>
-        </p:nvSpPr>
-        <p:spPr>
-          <a:xfrm>
-            <a:off x="838200" y="1795346"/>
-            <a:ext cx="10515600" cy="4697529"/>
-          </a:xfrm>
-        </p:spPr>
-        <p:txBody>
-          <a:bodyPr>
-            <a:normAutofit/>
-          </a:bodyPr>
-          <a:lstStyle/>
-          <a:p>
-            <a:r>
-              <a:rPr lang="en-US" dirty="0"/>
-              <a:t>It's easy to lose track of matrix/tensor dimensionality in matrix algebra expressions (even in statically-typed languages)</a:t>
-            </a:r>
-          </a:p>
-          <a:p>
-            <a:r>
-              <a:rPr lang="en-US" dirty="0"/>
-              <a:t>Upon error, we often get less than helpful exception messages, such as this (</a:t>
-            </a:r>
-            <a:r>
-              <a:rPr lang="en-US" dirty="0" err="1"/>
-              <a:t>PyTorch</a:t>
-            </a:r>
-            <a:r>
-              <a:rPr lang="en-US" dirty="0"/>
-              <a:t>) message:</a:t>
-            </a:r>
-          </a:p>
-          <a:p>
-            <a:endParaRPr lang="en-US" dirty="0"/>
-          </a:p>
-          <a:p>
-            <a:endParaRPr lang="en-US" dirty="0"/>
-          </a:p>
-          <a:p>
-            <a:endParaRPr lang="en-US" dirty="0"/>
-          </a:p>
-          <a:p>
-            <a:r>
-              <a:rPr lang="en-US" dirty="0"/>
-              <a:t>The offending operator and operands are not identified, since Python exceptions occur at the line level rather than the operator level</a:t>
-            </a:r>
-          </a:p>
-        </p:txBody>
-      </p:sp>
-      <p:pic>
-        <p:nvPicPr>
-          <p:cNvPr id="8" name="Content Placeholder 4">
-            <a:extLst>
-              <a:ext uri="{FF2B5EF4-FFF2-40B4-BE49-F238E27FC236}">
-                <a16:creationId xmlns:a16="http://schemas.microsoft.com/office/drawing/2014/main" id="{A8252864-C658-CF4B-B4AA-5816A030DDC4}"/>
-              </a:ext>
-            </a:extLst>
-          </p:cNvPr>
-          <p:cNvPicPr>
-            <a:picLocks noChangeAspect="1"/>
-          </p:cNvPicPr>
-          <p:nvPr/>
-        </p:nvPicPr>
-        <p:blipFill>
-          <a:blip r:embed="rId2"/>
-          <a:stretch>
-            <a:fillRect/>
-          </a:stretch>
-        </p:blipFill>
-        <p:spPr>
-          <a:xfrm>
-            <a:off x="808856" y="3785394"/>
-            <a:ext cx="10544944" cy="915814"/>
-          </a:xfrm>
-          <a:prstGeom prst="rect">
-            <a:avLst/>
-          </a:prstGeom>
-        </p:spPr>
-      </p:pic>
-      <p:pic>
-        <p:nvPicPr>
-          <p:cNvPr id="4" name="Picture 3" descr="Graphical user interface, text, application, chat or text message&#10;&#10;Description automatically generated">
-            <a:extLst>
-              <a:ext uri="{FF2B5EF4-FFF2-40B4-BE49-F238E27FC236}">
-                <a16:creationId xmlns:a16="http://schemas.microsoft.com/office/drawing/2014/main" id="{C7DCD08B-E8A0-DC4D-8DEE-20E214DD99E6}"/>
-              </a:ext>
-            </a:extLst>
-          </p:cNvPr>
-          <p:cNvPicPr>
-            <a:picLocks noChangeAspect="1"/>
-          </p:cNvPicPr>
-          <p:nvPr/>
-        </p:nvPicPr>
-        <p:blipFill>
-          <a:blip r:embed="rId3"/>
-          <a:stretch>
-            <a:fillRect/>
-          </a:stretch>
-        </p:blipFill>
-        <p:spPr>
-          <a:xfrm>
-            <a:off x="7962734" y="4008"/>
-            <a:ext cx="4229266" cy="1675529"/>
-          </a:xfrm>
-          <a:prstGeom prst="rect">
-            <a:avLst/>
-          </a:prstGeom>
-        </p:spPr>
-      </p:pic>
-    </p:spTree>
-    <p:extLst>
-      <p:ext uri="{BB962C8B-B14F-4D97-AF65-F5344CB8AC3E}">
-        <p14:creationId xmlns:p14="http://schemas.microsoft.com/office/powerpoint/2010/main" val="1865253501"/>
-      </p:ext>
-    </p:extLst>
-  </p:cSld>
-  <p:clrMapOvr>
-    <a:masterClrMapping/>
-  </p:clrMapOvr>
-</p:sld>
-</file>
-
-<file path=ppt/slides/slide20.xml><?xml version="1.0" encoding="utf-8"?>
+<file path=ppt/slides/slide21.xml><?xml version="1.0" encoding="utf-8"?>
 <p:sld xmlns:a="http://schemas.openxmlformats.org/drawingml/2006/main" xmlns:r="http://schemas.openxmlformats.org/officeDocument/2006/relationships" xmlns:p="http://schemas.openxmlformats.org/presentationml/2006/main">
   <p:cSld>
     <p:spTree>
@@ -8271,7 +8592,7 @@
 </p:sld>
 </file>
 
-<file path=ppt/slides/slide21.xml><?xml version="1.0" encoding="utf-8"?>
+<file path=ppt/slides/slide22.xml><?xml version="1.0" encoding="utf-8"?>
 <p:sld xmlns:a="http://schemas.openxmlformats.org/drawingml/2006/main" xmlns:r="http://schemas.openxmlformats.org/officeDocument/2006/relationships" xmlns:p="http://schemas.openxmlformats.org/presentationml/2006/main">
   <p:cSld>
     <p:spTree>
@@ -8421,6 +8742,45 @@
               <a:t>https://github.com/parrt/tensor-sensor</a:t>
             </a:r>
             <a:endParaRPr lang="en-US" dirty="0"/>
+          </a:p>
+        </p:txBody>
+      </p:sp>
+      <p:sp>
+        <p:nvSpPr>
+          <p:cNvPr id="5" name="TextBox 4">
+            <a:extLst>
+              <a:ext uri="{FF2B5EF4-FFF2-40B4-BE49-F238E27FC236}">
+                <a16:creationId xmlns:a16="http://schemas.microsoft.com/office/drawing/2014/main" id="{B0B95244-C820-B446-BD4B-719141EDB789}"/>
+              </a:ext>
+            </a:extLst>
+          </p:cNvPr>
+          <p:cNvSpPr txBox="1"/>
+          <p:nvPr/>
+        </p:nvSpPr>
+        <p:spPr>
+          <a:xfrm>
+            <a:off x="9817632" y="0"/>
+            <a:ext cx="2374368" cy="461665"/>
+          </a:xfrm>
+          <a:prstGeom prst="rect">
+            <a:avLst/>
+          </a:prstGeom>
+          <a:noFill/>
+        </p:spPr>
+        <p:txBody>
+          <a:bodyPr wrap="none" rtlCol="0">
+            <a:spAutoFit/>
+          </a:bodyPr>
+          <a:lstStyle/>
+          <a:p>
+            <a:r>
+              <a:rPr lang="en-US" sz="2400" i="1" dirty="0" err="1"/>
+              <a:t>parrt</a:t>
+            </a:r>
+            <a:r>
+              <a:rPr lang="en-US" sz="2400" i="1" dirty="0"/>
+              <a:t>: run demo!</a:t>
+            </a:r>
           </a:p>
         </p:txBody>
       </p:sp>
@@ -9584,101 +9944,12 @@
           <a:chExt cx="0" cy="0"/>
         </a:xfrm>
       </p:grpSpPr>
-      <p:pic>
-        <p:nvPicPr>
-          <p:cNvPr id="22" name="Picture 21" descr="Diagram&#10;&#10;Description automatically generated">
-            <a:extLst>
-              <a:ext uri="{FF2B5EF4-FFF2-40B4-BE49-F238E27FC236}">
-                <a16:creationId xmlns:a16="http://schemas.microsoft.com/office/drawing/2014/main" id="{CA8EA7FD-A1C8-8944-8B27-79CA1C3EEA4B}"/>
-              </a:ext>
-            </a:extLst>
-          </p:cNvPr>
-          <p:cNvPicPr>
-            <a:picLocks noChangeAspect="1"/>
-          </p:cNvPicPr>
-          <p:nvPr/>
-        </p:nvPicPr>
-        <p:blipFill>
-          <a:blip r:embed="rId2"/>
-          <a:stretch>
-            <a:fillRect/>
-          </a:stretch>
-        </p:blipFill>
-        <p:spPr>
-          <a:xfrm>
-            <a:off x="797825" y="1938108"/>
-            <a:ext cx="2654300" cy="1079500"/>
-          </a:xfrm>
-          <a:prstGeom prst="rect">
-            <a:avLst/>
-          </a:prstGeom>
-        </p:spPr>
-      </p:pic>
-      <p:pic>
-        <p:nvPicPr>
-          <p:cNvPr id="18" name="Content Placeholder 17" descr="Text&#10;&#10;Description automatically generated">
-            <a:extLst>
-              <a:ext uri="{FF2B5EF4-FFF2-40B4-BE49-F238E27FC236}">
-                <a16:creationId xmlns:a16="http://schemas.microsoft.com/office/drawing/2014/main" id="{867BBA78-1C42-5148-B115-A663E8CC6026}"/>
-              </a:ext>
-            </a:extLst>
-          </p:cNvPr>
-          <p:cNvPicPr>
-            <a:picLocks noGrp="1" noChangeAspect="1"/>
-          </p:cNvPicPr>
-          <p:nvPr>
-            <p:ph idx="1"/>
-          </p:nvPr>
-        </p:nvPicPr>
-        <p:blipFill>
-          <a:blip r:embed="rId3"/>
-          <a:stretch>
-            <a:fillRect/>
-          </a:stretch>
-        </p:blipFill>
-        <p:spPr>
-          <a:xfrm>
-            <a:off x="6474582" y="3970777"/>
-            <a:ext cx="5549892" cy="965199"/>
-          </a:xfrm>
-        </p:spPr>
-      </p:pic>
-      <p:pic>
-        <p:nvPicPr>
-          <p:cNvPr id="4" name="Picture 3">
-            <a:extLst>
-              <a:ext uri="{FF2B5EF4-FFF2-40B4-BE49-F238E27FC236}">
-                <a16:creationId xmlns:a16="http://schemas.microsoft.com/office/drawing/2014/main" id="{AB13C54A-96D4-6B42-9017-F103FF5AC49C}"/>
-              </a:ext>
-            </a:extLst>
-          </p:cNvPr>
-          <p:cNvPicPr>
-            <a:picLocks noChangeAspect="1"/>
-          </p:cNvPicPr>
-          <p:nvPr/>
-        </p:nvPicPr>
-        <p:blipFill>
-          <a:blip r:embed="rId4"/>
-          <a:stretch>
-            <a:fillRect/>
-          </a:stretch>
-        </p:blipFill>
-        <p:spPr>
-          <a:xfrm>
-            <a:off x="6809744" y="2859961"/>
-            <a:ext cx="4584700" cy="965200"/>
-          </a:xfrm>
-          <a:prstGeom prst="rect">
-            <a:avLst/>
-          </a:prstGeom>
-        </p:spPr>
-      </p:pic>
       <p:sp>
         <p:nvSpPr>
           <p:cNvPr id="2" name="Title 1">
             <a:extLst>
               <a:ext uri="{FF2B5EF4-FFF2-40B4-BE49-F238E27FC236}">
-                <a16:creationId xmlns:a16="http://schemas.microsoft.com/office/drawing/2014/main" id="{77C84AC9-6D68-B847-8432-35493E969DEB}"/>
+                <a16:creationId xmlns:a16="http://schemas.microsoft.com/office/drawing/2014/main" id="{414E8CDF-97F8-BA4F-995B-9E79802D7E0F}"/>
               </a:ext>
             </a:extLst>
           </p:cNvPr>
@@ -9696,143 +9967,40 @@
           <a:p>
             <a:r>
               <a:rPr lang="en-US" dirty="0"/>
-              <a:t>Oh, and support multiple libraries</a:t>
-            </a:r>
-          </a:p>
-        </p:txBody>
-      </p:sp>
-      <p:sp>
-        <p:nvSpPr>
-          <p:cNvPr id="10" name="TextBox 9">
-            <a:extLst>
-              <a:ext uri="{FF2B5EF4-FFF2-40B4-BE49-F238E27FC236}">
-                <a16:creationId xmlns:a16="http://schemas.microsoft.com/office/drawing/2014/main" id="{A42E60A5-D452-ED43-BC7D-591A77D1B969}"/>
-              </a:ext>
-            </a:extLst>
-          </p:cNvPr>
-          <p:cNvSpPr txBox="1"/>
-          <p:nvPr/>
-        </p:nvSpPr>
-        <p:spPr>
-          <a:xfrm>
-            <a:off x="4875609" y="4241582"/>
-            <a:ext cx="684803" cy="400110"/>
-          </a:xfrm>
-          <a:prstGeom prst="rect">
-            <a:avLst/>
-          </a:prstGeom>
-          <a:noFill/>
-        </p:spPr>
-        <p:txBody>
-          <a:bodyPr wrap="none" rtlCol="0">
-            <a:spAutoFit/>
-          </a:bodyPr>
-          <a:lstStyle/>
-          <a:p>
-            <a:r>
-              <a:rPr lang="en-US" sz="2000" b="1" dirty="0"/>
-              <a:t>JAX</a:t>
-            </a:r>
-          </a:p>
-        </p:txBody>
-      </p:sp>
-      <p:sp>
-        <p:nvSpPr>
-          <p:cNvPr id="11" name="TextBox 10">
-            <a:extLst>
-              <a:ext uri="{FF2B5EF4-FFF2-40B4-BE49-F238E27FC236}">
-                <a16:creationId xmlns:a16="http://schemas.microsoft.com/office/drawing/2014/main" id="{E2EA0D2B-CD69-5142-BA08-2CA47B87614F}"/>
-              </a:ext>
-            </a:extLst>
-          </p:cNvPr>
-          <p:cNvSpPr txBox="1"/>
-          <p:nvPr/>
-        </p:nvSpPr>
-        <p:spPr>
-          <a:xfrm>
-            <a:off x="4647757" y="2179191"/>
-            <a:ext cx="1193147" cy="400110"/>
-          </a:xfrm>
-          <a:prstGeom prst="rect">
-            <a:avLst/>
-          </a:prstGeom>
-          <a:noFill/>
-        </p:spPr>
-        <p:txBody>
-          <a:bodyPr wrap="none" rtlCol="0">
-            <a:spAutoFit/>
-          </a:bodyPr>
-          <a:lstStyle/>
-          <a:p>
-            <a:r>
-              <a:rPr lang="en-US" sz="2000" b="1" dirty="0" err="1"/>
-              <a:t>PyTorch</a:t>
-            </a:r>
-            <a:endParaRPr lang="en-US" sz="2000" b="1" dirty="0"/>
-          </a:p>
-        </p:txBody>
-      </p:sp>
-      <p:sp>
-        <p:nvSpPr>
-          <p:cNvPr id="12" name="TextBox 11">
-            <a:extLst>
-              <a:ext uri="{FF2B5EF4-FFF2-40B4-BE49-F238E27FC236}">
-                <a16:creationId xmlns:a16="http://schemas.microsoft.com/office/drawing/2014/main" id="{ABD11DCF-9AEF-3747-BC6D-5988187F63AB}"/>
-              </a:ext>
-            </a:extLst>
-          </p:cNvPr>
-          <p:cNvSpPr txBox="1"/>
-          <p:nvPr/>
-        </p:nvSpPr>
-        <p:spPr>
-          <a:xfrm>
-            <a:off x="2935240" y="1399416"/>
-            <a:ext cx="2282997" cy="338554"/>
-          </a:xfrm>
-          <a:prstGeom prst="rect">
-            <a:avLst/>
-          </a:prstGeom>
-          <a:noFill/>
-        </p:spPr>
-        <p:txBody>
-          <a:bodyPr wrap="none" rtlCol="0">
-            <a:spAutoFit/>
-          </a:bodyPr>
-          <a:lstStyle/>
-          <a:p>
-            <a:r>
-              <a:rPr lang="en-US" sz="1600" dirty="0"/>
-              <a:t>(1D vectors are yellow)</a:t>
+              <a:t>A nice-to-have feature:</a:t>
+            </a:r>
+            <a:br>
+              <a:rPr lang="en-US" dirty="0"/>
+            </a:br>
+            <a:r>
+              <a:rPr lang="en-US" dirty="0"/>
+              <a:t>Abstract syntax trees with dimensions</a:t>
             </a:r>
           </a:p>
         </p:txBody>
       </p:sp>
       <p:cxnSp>
         <p:nvCxnSpPr>
-          <p:cNvPr id="14" name="Straight Arrow Connector 13">
-            <a:extLst>
-              <a:ext uri="{FF2B5EF4-FFF2-40B4-BE49-F238E27FC236}">
-                <a16:creationId xmlns:a16="http://schemas.microsoft.com/office/drawing/2014/main" id="{42225EDD-FD6B-D04C-B2A5-A10FAADCAEEB}"/>
+          <p:cNvPr id="19" name="Straight Connector 18">
+            <a:extLst>
+              <a:ext uri="{FF2B5EF4-FFF2-40B4-BE49-F238E27FC236}">
+                <a16:creationId xmlns:a16="http://schemas.microsoft.com/office/drawing/2014/main" id="{7EE79A98-C646-1D4A-A18D-A0A07DC95041}"/>
               </a:ext>
             </a:extLst>
           </p:cNvPr>
           <p:cNvCxnSpPr>
             <a:cxnSpLocks/>
-            <a:stCxn id="12" idx="2"/>
           </p:cNvCxnSpPr>
           <p:nvPr/>
         </p:nvCxnSpPr>
         <p:spPr>
-          <a:xfrm flipH="1">
-            <a:off x="2743200" y="1737970"/>
-            <a:ext cx="1333539" cy="769610"/>
-          </a:xfrm>
-          <a:prstGeom prst="straightConnector1">
+          <a:xfrm>
+            <a:off x="6536800" y="4436508"/>
+            <a:ext cx="0" cy="1497956"/>
+          </a:xfrm>
+          <a:prstGeom prst="line">
             <a:avLst/>
           </a:prstGeom>
-          <a:ln>
-            <a:tailEnd type="triangle"/>
-          </a:ln>
         </p:spPr>
         <p:style>
           <a:lnRef idx="1">
@@ -9851,10 +10019,10 @@
       </p:cxnSp>
       <p:pic>
         <p:nvPicPr>
-          <p:cNvPr id="24" name="Picture 23" descr="A picture containing diagram&#10;&#10;Description automatically generated">
-            <a:extLst>
-              <a:ext uri="{FF2B5EF4-FFF2-40B4-BE49-F238E27FC236}">
-                <a16:creationId xmlns:a16="http://schemas.microsoft.com/office/drawing/2014/main" id="{522B3BFC-47C6-2544-BFBE-E184532B1289}"/>
+          <p:cNvPr id="11" name="Picture 10">
+            <a:extLst>
+              <a:ext uri="{FF2B5EF4-FFF2-40B4-BE49-F238E27FC236}">
+                <a16:creationId xmlns:a16="http://schemas.microsoft.com/office/drawing/2014/main" id="{3EE2BF71-4BD4-8E40-98F6-506E625F4A4E}"/>
               </a:ext>
             </a:extLst>
           </p:cNvPr>
@@ -9864,15 +10032,15 @@
           <p:nvPr/>
         </p:nvPicPr>
         <p:blipFill>
-          <a:blip r:embed="rId5"/>
+          <a:blip r:embed="rId2"/>
           <a:stretch>
             <a:fillRect/>
           </a:stretch>
         </p:blipFill>
         <p:spPr>
           <a:xfrm>
-            <a:off x="589170" y="3090355"/>
-            <a:ext cx="5308600" cy="876300"/>
+            <a:off x="6353666" y="1690688"/>
+            <a:ext cx="5684363" cy="5084553"/>
           </a:xfrm>
           <a:prstGeom prst="rect">
             <a:avLst/>
@@ -9881,10 +10049,10 @@
       </p:pic>
       <p:sp>
         <p:nvSpPr>
-          <p:cNvPr id="25" name="TextBox 24">
-            <a:extLst>
-              <a:ext uri="{FF2B5EF4-FFF2-40B4-BE49-F238E27FC236}">
-                <a16:creationId xmlns:a16="http://schemas.microsoft.com/office/drawing/2014/main" id="{29DE42E4-A8DD-184B-A3B0-D541FA93BE4B}"/>
+          <p:cNvPr id="3" name="TextBox 2">
+            <a:extLst>
+              <a:ext uri="{FF2B5EF4-FFF2-40B4-BE49-F238E27FC236}">
+                <a16:creationId xmlns:a16="http://schemas.microsoft.com/office/drawing/2014/main" id="{89D56055-0617-F945-94A6-1A14E279B513}"/>
               </a:ext>
             </a:extLst>
           </p:cNvPr>
@@ -9893,8 +10061,8 @@
         </p:nvSpPr>
         <p:spPr>
           <a:xfrm>
-            <a:off x="8569051" y="2182832"/>
-            <a:ext cx="1605119" cy="400110"/>
+            <a:off x="1159498" y="2598003"/>
+            <a:ext cx="5033912" cy="1200329"/>
           </a:xfrm>
           <a:prstGeom prst="rect">
             <a:avLst/>
@@ -9902,238 +10070,28 @@
           <a:noFill/>
         </p:spPr>
         <p:txBody>
-          <a:bodyPr wrap="none" rtlCol="0">
+          <a:bodyPr wrap="square" rtlCol="0">
             <a:spAutoFit/>
           </a:bodyPr>
           <a:lstStyle/>
           <a:p>
             <a:r>
-              <a:rPr lang="en-US" sz="2000" b="1" dirty="0"/>
-              <a:t>TensorFlow</a:t>
-            </a:r>
-          </a:p>
-        </p:txBody>
-      </p:sp>
-      <p:pic>
-        <p:nvPicPr>
-          <p:cNvPr id="27" name="Picture 26" descr="A picture containing diagram&#10;&#10;Description automatically generated">
-            <a:extLst>
-              <a:ext uri="{FF2B5EF4-FFF2-40B4-BE49-F238E27FC236}">
-                <a16:creationId xmlns:a16="http://schemas.microsoft.com/office/drawing/2014/main" id="{30E5B32D-1B8F-B647-BF83-19C8C8B81F77}"/>
-              </a:ext>
-            </a:extLst>
-          </p:cNvPr>
-          <p:cNvPicPr>
-            <a:picLocks noChangeAspect="1"/>
-          </p:cNvPicPr>
-          <p:nvPr/>
-        </p:nvPicPr>
-        <p:blipFill>
-          <a:blip r:embed="rId6"/>
-          <a:stretch>
-            <a:fillRect/>
-          </a:stretch>
-        </p:blipFill>
-        <p:spPr>
-          <a:xfrm>
-            <a:off x="401214" y="4276419"/>
-            <a:ext cx="3340100" cy="1066800"/>
-          </a:xfrm>
-          <a:prstGeom prst="rect">
-            <a:avLst/>
-          </a:prstGeom>
-        </p:spPr>
-      </p:pic>
-      <p:pic>
-        <p:nvPicPr>
-          <p:cNvPr id="29" name="Picture 28" descr="Chart&#10;&#10;Description automatically generated with low confidence">
-            <a:extLst>
-              <a:ext uri="{FF2B5EF4-FFF2-40B4-BE49-F238E27FC236}">
-                <a16:creationId xmlns:a16="http://schemas.microsoft.com/office/drawing/2014/main" id="{629D5CB1-7C78-0541-8AE5-F12CCD7CF09E}"/>
-              </a:ext>
-            </a:extLst>
-          </p:cNvPr>
-          <p:cNvPicPr>
-            <a:picLocks noChangeAspect="1"/>
-          </p:cNvPicPr>
-          <p:nvPr/>
-        </p:nvPicPr>
-        <p:blipFill>
-          <a:blip r:embed="rId7"/>
-          <a:stretch>
-            <a:fillRect/>
-          </a:stretch>
-        </p:blipFill>
-        <p:spPr>
-          <a:xfrm>
-            <a:off x="229764" y="5458584"/>
-            <a:ext cx="7023100" cy="1104900"/>
-          </a:xfrm>
-          <a:prstGeom prst="rect">
-            <a:avLst/>
-          </a:prstGeom>
-        </p:spPr>
-      </p:pic>
-      <p:sp>
-        <p:nvSpPr>
-          <p:cNvPr id="31" name="Rectangle 30">
-            <a:extLst>
-              <a:ext uri="{FF2B5EF4-FFF2-40B4-BE49-F238E27FC236}">
-                <a16:creationId xmlns:a16="http://schemas.microsoft.com/office/drawing/2014/main" id="{77EAE92C-B3EF-204B-B320-2CA6CDD6F283}"/>
-              </a:ext>
-            </a:extLst>
-          </p:cNvPr>
-          <p:cNvSpPr/>
-          <p:nvPr/>
-        </p:nvSpPr>
-        <p:spPr>
-          <a:xfrm>
-            <a:off x="603082" y="3681781"/>
-            <a:ext cx="5237822" cy="284874"/>
-          </a:xfrm>
-          <a:prstGeom prst="rect">
-            <a:avLst/>
-          </a:prstGeom>
-          <a:noFill/>
-          <a:ln w="19050">
-            <a:solidFill>
-              <a:srgbClr val="89D555"/>
-            </a:solidFill>
-          </a:ln>
-        </p:spPr>
-        <p:style>
-          <a:lnRef idx="2">
-            <a:schemeClr val="accent1">
-              <a:shade val="50000"/>
-            </a:schemeClr>
-          </a:lnRef>
-          <a:fillRef idx="1">
-            <a:schemeClr val="accent1"/>
-          </a:fillRef>
-          <a:effectRef idx="0">
-            <a:schemeClr val="accent1"/>
-          </a:effectRef>
-          <a:fontRef idx="minor">
-            <a:schemeClr val="lt1"/>
-          </a:fontRef>
-        </p:style>
-        <p:txBody>
-          <a:bodyPr rtlCol="0" anchor="ctr"/>
-          <a:lstStyle/>
-          <a:p>
-            <a:pPr algn="ctr"/>
-            <a:endParaRPr lang="en-US"/>
-          </a:p>
-        </p:txBody>
-      </p:sp>
-      <p:sp>
-        <p:nvSpPr>
-          <p:cNvPr id="32" name="Rectangle 31">
-            <a:extLst>
-              <a:ext uri="{FF2B5EF4-FFF2-40B4-BE49-F238E27FC236}">
-                <a16:creationId xmlns:a16="http://schemas.microsoft.com/office/drawing/2014/main" id="{817C42C6-ECB0-2D48-94B9-DFEBAEA7045B}"/>
-              </a:ext>
-            </a:extLst>
-          </p:cNvPr>
-          <p:cNvSpPr/>
-          <p:nvPr/>
-        </p:nvSpPr>
-        <p:spPr>
-          <a:xfrm>
-            <a:off x="229764" y="6017674"/>
-            <a:ext cx="7023100" cy="545810"/>
-          </a:xfrm>
-          <a:prstGeom prst="rect">
-            <a:avLst/>
-          </a:prstGeom>
-          <a:noFill/>
-          <a:ln w="19050">
-            <a:solidFill>
-              <a:srgbClr val="89D555"/>
-            </a:solidFill>
-          </a:ln>
-        </p:spPr>
-        <p:style>
-          <a:lnRef idx="2">
-            <a:schemeClr val="accent1">
-              <a:shade val="50000"/>
-            </a:schemeClr>
-          </a:lnRef>
-          <a:fillRef idx="1">
-            <a:schemeClr val="accent1"/>
-          </a:fillRef>
-          <a:effectRef idx="0">
-            <a:schemeClr val="accent1"/>
-          </a:effectRef>
-          <a:fontRef idx="minor">
-            <a:schemeClr val="lt1"/>
-          </a:fontRef>
-        </p:style>
-        <p:txBody>
-          <a:bodyPr rtlCol="0" anchor="ctr"/>
-          <a:lstStyle/>
-          <a:p>
-            <a:pPr algn="ctr"/>
-            <a:endParaRPr lang="en-US"/>
-          </a:p>
-        </p:txBody>
-      </p:sp>
-      <p:sp>
-        <p:nvSpPr>
-          <p:cNvPr id="33" name="Rectangle 32">
-            <a:extLst>
-              <a:ext uri="{FF2B5EF4-FFF2-40B4-BE49-F238E27FC236}">
-                <a16:creationId xmlns:a16="http://schemas.microsoft.com/office/drawing/2014/main" id="{86CCDD78-E28D-E140-99C0-37CF17A4026D}"/>
-              </a:ext>
-            </a:extLst>
-          </p:cNvPr>
-          <p:cNvSpPr/>
-          <p:nvPr/>
-        </p:nvSpPr>
-        <p:spPr>
-          <a:xfrm>
-            <a:off x="6483182" y="4459498"/>
-            <a:ext cx="5541291" cy="476477"/>
-          </a:xfrm>
-          <a:prstGeom prst="rect">
-            <a:avLst/>
-          </a:prstGeom>
-          <a:noFill/>
-          <a:ln w="19050">
-            <a:solidFill>
-              <a:srgbClr val="89D555"/>
-            </a:solidFill>
-          </a:ln>
-        </p:spPr>
-        <p:style>
-          <a:lnRef idx="2">
-            <a:schemeClr val="accent1">
-              <a:shade val="50000"/>
-            </a:schemeClr>
-          </a:lnRef>
-          <a:fillRef idx="1">
-            <a:schemeClr val="accent1"/>
-          </a:fillRef>
-          <a:effectRef idx="0">
-            <a:schemeClr val="accent1"/>
-          </a:effectRef>
-          <a:fontRef idx="minor">
-            <a:schemeClr val="lt1"/>
-          </a:fontRef>
-        </p:style>
-        <p:txBody>
-          <a:bodyPr rtlCol="0" anchor="ctr"/>
-          <a:lstStyle/>
-          <a:p>
-            <a:pPr algn="ctr"/>
-            <a:endParaRPr lang="en-US"/>
+              <a:rPr lang="en-US" sz="2400" dirty="0"/>
+              <a:t>Shows tensor dimensions for all subexpression partial results</a:t>
+            </a:r>
+          </a:p>
+          <a:p>
+            <a:r>
+              <a:rPr lang="en-US" sz="2400" dirty="0"/>
+              <a:t>(currently must call explicit function)</a:t>
+            </a:r>
           </a:p>
         </p:txBody>
       </p:sp>
     </p:spTree>
     <p:extLst>
       <p:ext uri="{BB962C8B-B14F-4D97-AF65-F5344CB8AC3E}">
-        <p14:creationId xmlns:p14="http://schemas.microsoft.com/office/powerpoint/2010/main" val="955658222"/>
+        <p14:creationId xmlns:p14="http://schemas.microsoft.com/office/powerpoint/2010/main" val="1630164548"/>
       </p:ext>
     </p:extLst>
   </p:cSld>
@@ -10160,12 +10118,101 @@
           <a:chExt cx="0" cy="0"/>
         </a:xfrm>
       </p:grpSpPr>
+      <p:pic>
+        <p:nvPicPr>
+          <p:cNvPr id="22" name="Picture 21" descr="Diagram&#10;&#10;Description automatically generated">
+            <a:extLst>
+              <a:ext uri="{FF2B5EF4-FFF2-40B4-BE49-F238E27FC236}">
+                <a16:creationId xmlns:a16="http://schemas.microsoft.com/office/drawing/2014/main" id="{CA8EA7FD-A1C8-8944-8B27-79CA1C3EEA4B}"/>
+              </a:ext>
+            </a:extLst>
+          </p:cNvPr>
+          <p:cNvPicPr>
+            <a:picLocks noChangeAspect="1"/>
+          </p:cNvPicPr>
+          <p:nvPr/>
+        </p:nvPicPr>
+        <p:blipFill>
+          <a:blip r:embed="rId2"/>
+          <a:stretch>
+            <a:fillRect/>
+          </a:stretch>
+        </p:blipFill>
+        <p:spPr>
+          <a:xfrm>
+            <a:off x="797825" y="1938108"/>
+            <a:ext cx="2654300" cy="1079500"/>
+          </a:xfrm>
+          <a:prstGeom prst="rect">
+            <a:avLst/>
+          </a:prstGeom>
+        </p:spPr>
+      </p:pic>
+      <p:pic>
+        <p:nvPicPr>
+          <p:cNvPr id="18" name="Content Placeholder 17" descr="Text&#10;&#10;Description automatically generated">
+            <a:extLst>
+              <a:ext uri="{FF2B5EF4-FFF2-40B4-BE49-F238E27FC236}">
+                <a16:creationId xmlns:a16="http://schemas.microsoft.com/office/drawing/2014/main" id="{867BBA78-1C42-5148-B115-A663E8CC6026}"/>
+              </a:ext>
+            </a:extLst>
+          </p:cNvPr>
+          <p:cNvPicPr>
+            <a:picLocks noGrp="1" noChangeAspect="1"/>
+          </p:cNvPicPr>
+          <p:nvPr>
+            <p:ph idx="1"/>
+          </p:nvPr>
+        </p:nvPicPr>
+        <p:blipFill>
+          <a:blip r:embed="rId3"/>
+          <a:stretch>
+            <a:fillRect/>
+          </a:stretch>
+        </p:blipFill>
+        <p:spPr>
+          <a:xfrm>
+            <a:off x="6474582" y="3970777"/>
+            <a:ext cx="5549892" cy="965199"/>
+          </a:xfrm>
+        </p:spPr>
+      </p:pic>
+      <p:pic>
+        <p:nvPicPr>
+          <p:cNvPr id="4" name="Picture 3">
+            <a:extLst>
+              <a:ext uri="{FF2B5EF4-FFF2-40B4-BE49-F238E27FC236}">
+                <a16:creationId xmlns:a16="http://schemas.microsoft.com/office/drawing/2014/main" id="{AB13C54A-96D4-6B42-9017-F103FF5AC49C}"/>
+              </a:ext>
+            </a:extLst>
+          </p:cNvPr>
+          <p:cNvPicPr>
+            <a:picLocks noChangeAspect="1"/>
+          </p:cNvPicPr>
+          <p:nvPr/>
+        </p:nvPicPr>
+        <p:blipFill>
+          <a:blip r:embed="rId4"/>
+          <a:stretch>
+            <a:fillRect/>
+          </a:stretch>
+        </p:blipFill>
+        <p:spPr>
+          <a:xfrm>
+            <a:off x="6809744" y="2859961"/>
+            <a:ext cx="4584700" cy="965200"/>
+          </a:xfrm>
+          <a:prstGeom prst="rect">
+            <a:avLst/>
+          </a:prstGeom>
+        </p:spPr>
+      </p:pic>
       <p:sp>
         <p:nvSpPr>
           <p:cNvPr id="2" name="Title 1">
             <a:extLst>
               <a:ext uri="{FF2B5EF4-FFF2-40B4-BE49-F238E27FC236}">
-                <a16:creationId xmlns:a16="http://schemas.microsoft.com/office/drawing/2014/main" id="{79978330-775B-5942-B0F9-BB003366EB25}"/>
+                <a16:creationId xmlns:a16="http://schemas.microsoft.com/office/drawing/2014/main" id="{77C84AC9-6D68-B847-8432-35493E969DEB}"/>
               </a:ext>
             </a:extLst>
           </p:cNvPr>
@@ -10178,108 +10225,449 @@
         </p:nvSpPr>
         <p:spPr/>
         <p:txBody>
-          <a:bodyPr>
-            <a:normAutofit/>
+          <a:bodyPr/>
+          <a:lstStyle/>
+          <a:p>
+            <a:r>
+              <a:rPr lang="en-US" dirty="0"/>
+              <a:t>Oh, and support multiple libraries</a:t>
+            </a:r>
+          </a:p>
+        </p:txBody>
+      </p:sp>
+      <p:sp>
+        <p:nvSpPr>
+          <p:cNvPr id="10" name="TextBox 9">
+            <a:extLst>
+              <a:ext uri="{FF2B5EF4-FFF2-40B4-BE49-F238E27FC236}">
+                <a16:creationId xmlns:a16="http://schemas.microsoft.com/office/drawing/2014/main" id="{A42E60A5-D452-ED43-BC7D-591A77D1B969}"/>
+              </a:ext>
+            </a:extLst>
+          </p:cNvPr>
+          <p:cNvSpPr txBox="1"/>
+          <p:nvPr/>
+        </p:nvSpPr>
+        <p:spPr>
+          <a:xfrm>
+            <a:off x="4875609" y="4241582"/>
+            <a:ext cx="684803" cy="400110"/>
+          </a:xfrm>
+          <a:prstGeom prst="rect">
+            <a:avLst/>
+          </a:prstGeom>
+          <a:noFill/>
+        </p:spPr>
+        <p:txBody>
+          <a:bodyPr wrap="none" rtlCol="0">
+            <a:spAutoFit/>
           </a:bodyPr>
           <a:lstStyle/>
           <a:p>
             <a:r>
-              <a:rPr lang="en-US" dirty="0"/>
-              <a:t>Design goals</a:t>
-            </a:r>
-            <a:br>
-              <a:rPr lang="en-US" dirty="0"/>
-            </a:br>
-            <a:r>
-              <a:rPr lang="en-US" sz="2800" dirty="0"/>
-              <a:t>(knowing what to build is as important as knowing how to build)</a:t>
-            </a:r>
-            <a:endParaRPr lang="en-US" dirty="0"/>
-          </a:p>
-        </p:txBody>
-      </p:sp>
-      <p:sp>
-        <p:nvSpPr>
-          <p:cNvPr id="3" name="Content Placeholder 2">
-            <a:extLst>
-              <a:ext uri="{FF2B5EF4-FFF2-40B4-BE49-F238E27FC236}">
-                <a16:creationId xmlns:a16="http://schemas.microsoft.com/office/drawing/2014/main" id="{EDF0EDDF-B0D0-C942-AF7C-FDB201B8348A}"/>
-              </a:ext>
-            </a:extLst>
-          </p:cNvPr>
-          <p:cNvSpPr>
-            <a:spLocks noGrp="1"/>
-          </p:cNvSpPr>
-          <p:nvPr>
-            <p:ph idx="1"/>
-          </p:nvPr>
-        </p:nvSpPr>
-        <p:spPr>
-          <a:xfrm>
-            <a:off x="838200" y="1825625"/>
-            <a:ext cx="10848278" cy="4351338"/>
-          </a:xfrm>
-        </p:spPr>
-        <p:txBody>
-          <a:bodyPr>
-            <a:normAutofit/>
+              <a:rPr lang="en-US" sz="2000" b="1" dirty="0"/>
+              <a:t>JAX</a:t>
+            </a:r>
+          </a:p>
+        </p:txBody>
+      </p:sp>
+      <p:sp>
+        <p:nvSpPr>
+          <p:cNvPr id="11" name="TextBox 10">
+            <a:extLst>
+              <a:ext uri="{FF2B5EF4-FFF2-40B4-BE49-F238E27FC236}">
+                <a16:creationId xmlns:a16="http://schemas.microsoft.com/office/drawing/2014/main" id="{E2EA0D2B-CD69-5142-BA08-2CA47B87614F}"/>
+              </a:ext>
+            </a:extLst>
+          </p:cNvPr>
+          <p:cNvSpPr txBox="1"/>
+          <p:nvPr/>
+        </p:nvSpPr>
+        <p:spPr>
+          <a:xfrm>
+            <a:off x="4647757" y="2179191"/>
+            <a:ext cx="1193147" cy="400110"/>
+          </a:xfrm>
+          <a:prstGeom prst="rect">
+            <a:avLst/>
+          </a:prstGeom>
+          <a:noFill/>
+        </p:spPr>
+        <p:txBody>
+          <a:bodyPr wrap="none" rtlCol="0">
+            <a:spAutoFit/>
           </a:bodyPr>
           <a:lstStyle/>
           <a:p>
             <a:r>
-              <a:rPr lang="en-US" dirty="0"/>
-              <a:t>Should be as unobtrusive as possible with least user effort</a:t>
-            </a:r>
-          </a:p>
-          <a:p>
-            <a:r>
-              <a:rPr lang="en-US" dirty="0"/>
-              <a:t>Users shouldn’t have to reorganize code</a:t>
-            </a:r>
-          </a:p>
-          <a:p>
-            <a:r>
-              <a:rPr lang="en-US" dirty="0"/>
-              <a:t>Trap just matrix-related exceptions</a:t>
-            </a:r>
-          </a:p>
-          <a:p>
-            <a:r>
-              <a:rPr lang="en-US" dirty="0"/>
-              <a:t>Avoid need for an external tool or translator  </a:t>
-            </a:r>
-          </a:p>
-          <a:p>
-            <a:r>
-              <a:rPr lang="en-US" dirty="0"/>
-              <a:t>Avoid spewing output until exception occurs</a:t>
-            </a:r>
-          </a:p>
-          <a:p>
-            <a:r>
-              <a:rPr lang="en-US" dirty="0"/>
-              <a:t>Can we avoid CPU cost until an exception?</a:t>
-            </a:r>
-          </a:p>
-          <a:p>
-            <a:r>
-              <a:rPr lang="en-US" dirty="0"/>
-              <a:t>Ideally, implementation would be small and straightforward</a:t>
-            </a:r>
-            <a:br>
-              <a:rPr lang="en-US" dirty="0"/>
-            </a:br>
-            <a:r>
-              <a:rPr lang="en-US" dirty="0"/>
-              <a:t>(at least to language engineers)</a:t>
-            </a:r>
+              <a:rPr lang="en-US" sz="2000" b="1" dirty="0" err="1"/>
+              <a:t>PyTorch</a:t>
+            </a:r>
+            <a:endParaRPr lang="en-US" sz="2000" b="1" dirty="0"/>
+          </a:p>
+        </p:txBody>
+      </p:sp>
+      <p:sp>
+        <p:nvSpPr>
+          <p:cNvPr id="12" name="TextBox 11">
+            <a:extLst>
+              <a:ext uri="{FF2B5EF4-FFF2-40B4-BE49-F238E27FC236}">
+                <a16:creationId xmlns:a16="http://schemas.microsoft.com/office/drawing/2014/main" id="{ABD11DCF-9AEF-3747-BC6D-5988187F63AB}"/>
+              </a:ext>
+            </a:extLst>
+          </p:cNvPr>
+          <p:cNvSpPr txBox="1"/>
+          <p:nvPr/>
+        </p:nvSpPr>
+        <p:spPr>
+          <a:xfrm>
+            <a:off x="2935240" y="1399416"/>
+            <a:ext cx="2282997" cy="338554"/>
+          </a:xfrm>
+          <a:prstGeom prst="rect">
+            <a:avLst/>
+          </a:prstGeom>
+          <a:noFill/>
+        </p:spPr>
+        <p:txBody>
+          <a:bodyPr wrap="none" rtlCol="0">
+            <a:spAutoFit/>
+          </a:bodyPr>
+          <a:lstStyle/>
+          <a:p>
+            <a:r>
+              <a:rPr lang="en-US" sz="1600" dirty="0"/>
+              <a:t>(1D vectors are yellow)</a:t>
+            </a:r>
+          </a:p>
+        </p:txBody>
+      </p:sp>
+      <p:cxnSp>
+        <p:nvCxnSpPr>
+          <p:cNvPr id="14" name="Straight Arrow Connector 13">
+            <a:extLst>
+              <a:ext uri="{FF2B5EF4-FFF2-40B4-BE49-F238E27FC236}">
+                <a16:creationId xmlns:a16="http://schemas.microsoft.com/office/drawing/2014/main" id="{42225EDD-FD6B-D04C-B2A5-A10FAADCAEEB}"/>
+              </a:ext>
+            </a:extLst>
+          </p:cNvPr>
+          <p:cNvCxnSpPr>
+            <a:cxnSpLocks/>
+            <a:stCxn id="12" idx="2"/>
+          </p:cNvCxnSpPr>
+          <p:nvPr/>
+        </p:nvCxnSpPr>
+        <p:spPr>
+          <a:xfrm flipH="1">
+            <a:off x="2743200" y="1737970"/>
+            <a:ext cx="1333539" cy="769610"/>
+          </a:xfrm>
+          <a:prstGeom prst="straightConnector1">
+            <a:avLst/>
+          </a:prstGeom>
+          <a:ln>
+            <a:tailEnd type="triangle"/>
+          </a:ln>
+        </p:spPr>
+        <p:style>
+          <a:lnRef idx="1">
+            <a:schemeClr val="accent1"/>
+          </a:lnRef>
+          <a:fillRef idx="0">
+            <a:schemeClr val="accent1"/>
+          </a:fillRef>
+          <a:effectRef idx="0">
+            <a:schemeClr val="accent1"/>
+          </a:effectRef>
+          <a:fontRef idx="minor">
+            <a:schemeClr val="tx1"/>
+          </a:fontRef>
+        </p:style>
+      </p:cxnSp>
+      <p:pic>
+        <p:nvPicPr>
+          <p:cNvPr id="24" name="Picture 23" descr="A picture containing diagram&#10;&#10;Description automatically generated">
+            <a:extLst>
+              <a:ext uri="{FF2B5EF4-FFF2-40B4-BE49-F238E27FC236}">
+                <a16:creationId xmlns:a16="http://schemas.microsoft.com/office/drawing/2014/main" id="{522B3BFC-47C6-2544-BFBE-E184532B1289}"/>
+              </a:ext>
+            </a:extLst>
+          </p:cNvPr>
+          <p:cNvPicPr>
+            <a:picLocks noChangeAspect="1"/>
+          </p:cNvPicPr>
+          <p:nvPr/>
+        </p:nvPicPr>
+        <p:blipFill>
+          <a:blip r:embed="rId5"/>
+          <a:stretch>
+            <a:fillRect/>
+          </a:stretch>
+        </p:blipFill>
+        <p:spPr>
+          <a:xfrm>
+            <a:off x="589170" y="3090355"/>
+            <a:ext cx="5308600" cy="876300"/>
+          </a:xfrm>
+          <a:prstGeom prst="rect">
+            <a:avLst/>
+          </a:prstGeom>
+        </p:spPr>
+      </p:pic>
+      <p:sp>
+        <p:nvSpPr>
+          <p:cNvPr id="25" name="TextBox 24">
+            <a:extLst>
+              <a:ext uri="{FF2B5EF4-FFF2-40B4-BE49-F238E27FC236}">
+                <a16:creationId xmlns:a16="http://schemas.microsoft.com/office/drawing/2014/main" id="{29DE42E4-A8DD-184B-A3B0-D541FA93BE4B}"/>
+              </a:ext>
+            </a:extLst>
+          </p:cNvPr>
+          <p:cNvSpPr txBox="1"/>
+          <p:nvPr/>
+        </p:nvSpPr>
+        <p:spPr>
+          <a:xfrm>
+            <a:off x="8569051" y="2182832"/>
+            <a:ext cx="1605119" cy="400110"/>
+          </a:xfrm>
+          <a:prstGeom prst="rect">
+            <a:avLst/>
+          </a:prstGeom>
+          <a:noFill/>
+        </p:spPr>
+        <p:txBody>
+          <a:bodyPr wrap="none" rtlCol="0">
+            <a:spAutoFit/>
+          </a:bodyPr>
+          <a:lstStyle/>
+          <a:p>
+            <a:r>
+              <a:rPr lang="en-US" sz="2000" b="1" dirty="0"/>
+              <a:t>TensorFlow</a:t>
+            </a:r>
+          </a:p>
+        </p:txBody>
+      </p:sp>
+      <p:pic>
+        <p:nvPicPr>
+          <p:cNvPr id="27" name="Picture 26" descr="A picture containing diagram&#10;&#10;Description automatically generated">
+            <a:extLst>
+              <a:ext uri="{FF2B5EF4-FFF2-40B4-BE49-F238E27FC236}">
+                <a16:creationId xmlns:a16="http://schemas.microsoft.com/office/drawing/2014/main" id="{30E5B32D-1B8F-B647-BF83-19C8C8B81F77}"/>
+              </a:ext>
+            </a:extLst>
+          </p:cNvPr>
+          <p:cNvPicPr>
+            <a:picLocks noChangeAspect="1"/>
+          </p:cNvPicPr>
+          <p:nvPr/>
+        </p:nvPicPr>
+        <p:blipFill>
+          <a:blip r:embed="rId6"/>
+          <a:stretch>
+            <a:fillRect/>
+          </a:stretch>
+        </p:blipFill>
+        <p:spPr>
+          <a:xfrm>
+            <a:off x="401214" y="4276419"/>
+            <a:ext cx="3340100" cy="1066800"/>
+          </a:xfrm>
+          <a:prstGeom prst="rect">
+            <a:avLst/>
+          </a:prstGeom>
+        </p:spPr>
+      </p:pic>
+      <p:pic>
+        <p:nvPicPr>
+          <p:cNvPr id="29" name="Picture 28" descr="Chart&#10;&#10;Description automatically generated with low confidence">
+            <a:extLst>
+              <a:ext uri="{FF2B5EF4-FFF2-40B4-BE49-F238E27FC236}">
+                <a16:creationId xmlns:a16="http://schemas.microsoft.com/office/drawing/2014/main" id="{629D5CB1-7C78-0541-8AE5-F12CCD7CF09E}"/>
+              </a:ext>
+            </a:extLst>
+          </p:cNvPr>
+          <p:cNvPicPr>
+            <a:picLocks noChangeAspect="1"/>
+          </p:cNvPicPr>
+          <p:nvPr/>
+        </p:nvPicPr>
+        <p:blipFill>
+          <a:blip r:embed="rId7"/>
+          <a:stretch>
+            <a:fillRect/>
+          </a:stretch>
+        </p:blipFill>
+        <p:spPr>
+          <a:xfrm>
+            <a:off x="229764" y="5458584"/>
+            <a:ext cx="7023100" cy="1104900"/>
+          </a:xfrm>
+          <a:prstGeom prst="rect">
+            <a:avLst/>
+          </a:prstGeom>
+        </p:spPr>
+      </p:pic>
+      <p:sp>
+        <p:nvSpPr>
+          <p:cNvPr id="31" name="Rectangle 30">
+            <a:extLst>
+              <a:ext uri="{FF2B5EF4-FFF2-40B4-BE49-F238E27FC236}">
+                <a16:creationId xmlns:a16="http://schemas.microsoft.com/office/drawing/2014/main" id="{77EAE92C-B3EF-204B-B320-2CA6CDD6F283}"/>
+              </a:ext>
+            </a:extLst>
+          </p:cNvPr>
+          <p:cNvSpPr/>
+          <p:nvPr/>
+        </p:nvSpPr>
+        <p:spPr>
+          <a:xfrm>
+            <a:off x="603082" y="3681781"/>
+            <a:ext cx="5237822" cy="284874"/>
+          </a:xfrm>
+          <a:prstGeom prst="rect">
+            <a:avLst/>
+          </a:prstGeom>
+          <a:noFill/>
+          <a:ln w="19050">
+            <a:solidFill>
+              <a:srgbClr val="89D555"/>
+            </a:solidFill>
+          </a:ln>
+        </p:spPr>
+        <p:style>
+          <a:lnRef idx="2">
+            <a:schemeClr val="accent1">
+              <a:shade val="50000"/>
+            </a:schemeClr>
+          </a:lnRef>
+          <a:fillRef idx="1">
+            <a:schemeClr val="accent1"/>
+          </a:fillRef>
+          <a:effectRef idx="0">
+            <a:schemeClr val="accent1"/>
+          </a:effectRef>
+          <a:fontRef idx="minor">
+            <a:schemeClr val="lt1"/>
+          </a:fontRef>
+        </p:style>
+        <p:txBody>
+          <a:bodyPr rtlCol="0" anchor="ctr"/>
+          <a:lstStyle/>
+          <a:p>
+            <a:pPr algn="ctr"/>
+            <a:endParaRPr lang="en-US"/>
+          </a:p>
+        </p:txBody>
+      </p:sp>
+      <p:sp>
+        <p:nvSpPr>
+          <p:cNvPr id="32" name="Rectangle 31">
+            <a:extLst>
+              <a:ext uri="{FF2B5EF4-FFF2-40B4-BE49-F238E27FC236}">
+                <a16:creationId xmlns:a16="http://schemas.microsoft.com/office/drawing/2014/main" id="{817C42C6-ECB0-2D48-94B9-DFEBAEA7045B}"/>
+              </a:ext>
+            </a:extLst>
+          </p:cNvPr>
+          <p:cNvSpPr/>
+          <p:nvPr/>
+        </p:nvSpPr>
+        <p:spPr>
+          <a:xfrm>
+            <a:off x="229764" y="6017674"/>
+            <a:ext cx="7023100" cy="545810"/>
+          </a:xfrm>
+          <a:prstGeom prst="rect">
+            <a:avLst/>
+          </a:prstGeom>
+          <a:noFill/>
+          <a:ln w="19050">
+            <a:solidFill>
+              <a:srgbClr val="89D555"/>
+            </a:solidFill>
+          </a:ln>
+        </p:spPr>
+        <p:style>
+          <a:lnRef idx="2">
+            <a:schemeClr val="accent1">
+              <a:shade val="50000"/>
+            </a:schemeClr>
+          </a:lnRef>
+          <a:fillRef idx="1">
+            <a:schemeClr val="accent1"/>
+          </a:fillRef>
+          <a:effectRef idx="0">
+            <a:schemeClr val="accent1"/>
+          </a:effectRef>
+          <a:fontRef idx="minor">
+            <a:schemeClr val="lt1"/>
+          </a:fontRef>
+        </p:style>
+        <p:txBody>
+          <a:bodyPr rtlCol="0" anchor="ctr"/>
+          <a:lstStyle/>
+          <a:p>
+            <a:pPr algn="ctr"/>
+            <a:endParaRPr lang="en-US"/>
+          </a:p>
+        </p:txBody>
+      </p:sp>
+      <p:sp>
+        <p:nvSpPr>
+          <p:cNvPr id="33" name="Rectangle 32">
+            <a:extLst>
+              <a:ext uri="{FF2B5EF4-FFF2-40B4-BE49-F238E27FC236}">
+                <a16:creationId xmlns:a16="http://schemas.microsoft.com/office/drawing/2014/main" id="{86CCDD78-E28D-E140-99C0-37CF17A4026D}"/>
+              </a:ext>
+            </a:extLst>
+          </p:cNvPr>
+          <p:cNvSpPr/>
+          <p:nvPr/>
+        </p:nvSpPr>
+        <p:spPr>
+          <a:xfrm>
+            <a:off x="6483182" y="4459498"/>
+            <a:ext cx="5541291" cy="476477"/>
+          </a:xfrm>
+          <a:prstGeom prst="rect">
+            <a:avLst/>
+          </a:prstGeom>
+          <a:noFill/>
+          <a:ln w="19050">
+            <a:solidFill>
+              <a:srgbClr val="89D555"/>
+            </a:solidFill>
+          </a:ln>
+        </p:spPr>
+        <p:style>
+          <a:lnRef idx="2">
+            <a:schemeClr val="accent1">
+              <a:shade val="50000"/>
+            </a:schemeClr>
+          </a:lnRef>
+          <a:fillRef idx="1">
+            <a:schemeClr val="accent1"/>
+          </a:fillRef>
+          <a:effectRef idx="0">
+            <a:schemeClr val="accent1"/>
+          </a:effectRef>
+          <a:fontRef idx="minor">
+            <a:schemeClr val="lt1"/>
+          </a:fontRef>
+        </p:style>
+        <p:txBody>
+          <a:bodyPr rtlCol="0" anchor="ctr"/>
+          <a:lstStyle/>
+          <a:p>
+            <a:pPr algn="ctr"/>
+            <a:endParaRPr lang="en-US"/>
           </a:p>
         </p:txBody>
       </p:sp>
     </p:spTree>
     <p:extLst>
       <p:ext uri="{BB962C8B-B14F-4D97-AF65-F5344CB8AC3E}">
-        <p14:creationId xmlns:p14="http://schemas.microsoft.com/office/powerpoint/2010/main" val="499867538"/>
+        <p14:creationId xmlns:p14="http://schemas.microsoft.com/office/powerpoint/2010/main" val="955658222"/>
       </p:ext>
     </p:extLst>
   </p:cSld>
@@ -10311,7 +10699,7 @@
           <p:cNvPr id="2" name="Title 1">
             <a:extLst>
               <a:ext uri="{FF2B5EF4-FFF2-40B4-BE49-F238E27FC236}">
-                <a16:creationId xmlns:a16="http://schemas.microsoft.com/office/drawing/2014/main" id="{72DDBC2C-EEEA-D645-828E-955759433D59}"/>
+                <a16:creationId xmlns:a16="http://schemas.microsoft.com/office/drawing/2014/main" id="{79978330-775B-5942-B0F9-BB003366EB25}"/>
               </a:ext>
             </a:extLst>
           </p:cNvPr>
@@ -10324,17 +10712,23 @@
         </p:nvSpPr>
         <p:spPr/>
         <p:txBody>
-          <a:bodyPr/>
-          <a:lstStyle/>
-          <a:p>
-            <a:r>
-              <a:rPr lang="en-US" dirty="0" err="1"/>
-              <a:t>TensorSensor</a:t>
-            </a:r>
-            <a:r>
-              <a:rPr lang="en-US" dirty="0"/>
-              <a:t> programmer interface</a:t>
-            </a:r>
+          <a:bodyPr>
+            <a:normAutofit/>
+          </a:bodyPr>
+          <a:lstStyle/>
+          <a:p>
+            <a:r>
+              <a:rPr lang="en-US" dirty="0"/>
+              <a:t>Design goals</a:t>
+            </a:r>
+            <a:br>
+              <a:rPr lang="en-US" dirty="0"/>
+            </a:br>
+            <a:r>
+              <a:rPr lang="en-US" sz="2800" dirty="0"/>
+              <a:t>(knowing what to build is as important as knowing how to build)</a:t>
+            </a:r>
+            <a:endParaRPr lang="en-US" dirty="0"/>
           </a:p>
         </p:txBody>
       </p:sp>
@@ -10343,7 +10737,7 @@
           <p:cNvPr id="3" name="Content Placeholder 2">
             <a:extLst>
               <a:ext uri="{FF2B5EF4-FFF2-40B4-BE49-F238E27FC236}">
-                <a16:creationId xmlns:a16="http://schemas.microsoft.com/office/drawing/2014/main" id="{335B3CD8-BE99-7E4E-A1C3-3FE1EDAFD115}"/>
+                <a16:creationId xmlns:a16="http://schemas.microsoft.com/office/drawing/2014/main" id="{EDF0EDDF-B0D0-C942-AF7C-FDB201B8348A}"/>
               </a:ext>
             </a:extLst>
           </p:cNvPr>
@@ -10356,232 +10750,62 @@
         </p:nvSpPr>
         <p:spPr>
           <a:xfrm>
-            <a:off x="838200" y="1505415"/>
-            <a:ext cx="10515600" cy="4671548"/>
-          </a:xfrm>
-        </p:spPr>
-        <p:txBody>
-          <a:bodyPr/>
-          <a:lstStyle/>
-          <a:p>
-            <a:r>
-              <a:rPr lang="en-US" dirty="0"/>
-              <a:t>The Python </a:t>
-            </a:r>
-            <a:r>
-              <a:rPr lang="en-US" b="1" dirty="0"/>
-              <a:t>with</a:t>
-            </a:r>
-            <a:r>
-              <a:rPr lang="en-US" dirty="0"/>
-              <a:t> statement gives us the hooks we need</a:t>
-            </a:r>
-          </a:p>
-        </p:txBody>
-      </p:sp>
-      <p:pic>
-        <p:nvPicPr>
-          <p:cNvPr id="5" name="Picture 4" descr="Graphical user interface, text, application&#10;&#10;Description automatically generated">
-            <a:extLst>
-              <a:ext uri="{FF2B5EF4-FFF2-40B4-BE49-F238E27FC236}">
-                <a16:creationId xmlns:a16="http://schemas.microsoft.com/office/drawing/2014/main" id="{CA7E8E52-296A-354F-A95D-2ECC32E65325}"/>
-              </a:ext>
-            </a:extLst>
-          </p:cNvPr>
-          <p:cNvPicPr>
-            <a:picLocks noChangeAspect="1"/>
-          </p:cNvPicPr>
-          <p:nvPr/>
-        </p:nvPicPr>
-        <p:blipFill>
-          <a:blip r:embed="rId2"/>
-          <a:stretch>
-            <a:fillRect/>
-          </a:stretch>
-        </p:blipFill>
-        <p:spPr>
-          <a:xfrm>
-            <a:off x="1986600" y="1964715"/>
-            <a:ext cx="7223676" cy="2776101"/>
-          </a:xfrm>
-          <a:prstGeom prst="rect">
-            <a:avLst/>
-          </a:prstGeom>
-        </p:spPr>
-      </p:pic>
-      <p:pic>
-        <p:nvPicPr>
-          <p:cNvPr id="7" name="Picture 6" descr="Text&#10;&#10;Description automatically generated">
-            <a:extLst>
-              <a:ext uri="{FF2B5EF4-FFF2-40B4-BE49-F238E27FC236}">
-                <a16:creationId xmlns:a16="http://schemas.microsoft.com/office/drawing/2014/main" id="{6FD4D2A8-E8B3-DB4F-871E-E4D37EFA000C}"/>
-              </a:ext>
-            </a:extLst>
-          </p:cNvPr>
-          <p:cNvPicPr>
-            <a:picLocks noChangeAspect="1"/>
-          </p:cNvPicPr>
-          <p:nvPr/>
-        </p:nvPicPr>
-        <p:blipFill>
-          <a:blip r:embed="rId3"/>
-          <a:stretch>
-            <a:fillRect/>
-          </a:stretch>
-        </p:blipFill>
-        <p:spPr>
-          <a:xfrm>
-            <a:off x="1555421" y="4926089"/>
-            <a:ext cx="8211205" cy="1805866"/>
-          </a:xfrm>
-          <a:prstGeom prst="rect">
-            <a:avLst/>
-          </a:prstGeom>
-        </p:spPr>
-      </p:pic>
-      <p:sp>
-        <p:nvSpPr>
-          <p:cNvPr id="8" name="Rectangle 7">
-            <a:extLst>
-              <a:ext uri="{FF2B5EF4-FFF2-40B4-BE49-F238E27FC236}">
-                <a16:creationId xmlns:a16="http://schemas.microsoft.com/office/drawing/2014/main" id="{F58A9077-CC9B-8B48-ABC2-5E9A97330717}"/>
-              </a:ext>
-            </a:extLst>
-          </p:cNvPr>
-          <p:cNvSpPr/>
-          <p:nvPr/>
-        </p:nvSpPr>
-        <p:spPr>
-          <a:xfrm>
-            <a:off x="2058318" y="2724346"/>
-            <a:ext cx="3305534" cy="348273"/>
-          </a:xfrm>
-          <a:prstGeom prst="rect">
-            <a:avLst/>
-          </a:prstGeom>
-          <a:noFill/>
-          <a:ln w="19050">
-            <a:solidFill>
-              <a:srgbClr val="E4754F"/>
-            </a:solidFill>
-          </a:ln>
-        </p:spPr>
-        <p:style>
-          <a:lnRef idx="2">
-            <a:schemeClr val="accent1">
-              <a:shade val="50000"/>
-            </a:schemeClr>
-          </a:lnRef>
-          <a:fillRef idx="1">
-            <a:schemeClr val="accent1"/>
-          </a:fillRef>
-          <a:effectRef idx="0">
-            <a:schemeClr val="accent1"/>
-          </a:effectRef>
-          <a:fontRef idx="minor">
-            <a:schemeClr val="lt1"/>
-          </a:fontRef>
-        </p:style>
-        <p:txBody>
-          <a:bodyPr rtlCol="0" anchor="ctr"/>
-          <a:lstStyle/>
-          <a:p>
-            <a:pPr algn="ctr"/>
-            <a:endParaRPr lang="en-US"/>
-          </a:p>
-        </p:txBody>
-      </p:sp>
-      <p:sp>
-        <p:nvSpPr>
-          <p:cNvPr id="9" name="Rectangle 8">
-            <a:extLst>
-              <a:ext uri="{FF2B5EF4-FFF2-40B4-BE49-F238E27FC236}">
-                <a16:creationId xmlns:a16="http://schemas.microsoft.com/office/drawing/2014/main" id="{B90CD9C2-3E0C-634A-B7E8-AE3A03BFCB5D}"/>
-              </a:ext>
-            </a:extLst>
-          </p:cNvPr>
-          <p:cNvSpPr/>
-          <p:nvPr/>
-        </p:nvSpPr>
-        <p:spPr>
-          <a:xfrm>
-            <a:off x="9766626" y="5875290"/>
-            <a:ext cx="2082867" cy="917804"/>
-          </a:xfrm>
-          <a:prstGeom prst="rect">
-            <a:avLst/>
-          </a:prstGeom>
-          <a:solidFill>
-            <a:schemeClr val="bg1"/>
-          </a:solidFill>
-          <a:ln>
-            <a:noFill/>
-          </a:ln>
-        </p:spPr>
-        <p:style>
-          <a:lnRef idx="2">
-            <a:schemeClr val="accent1">
-              <a:shade val="50000"/>
-            </a:schemeClr>
-          </a:lnRef>
-          <a:fillRef idx="1">
-            <a:schemeClr val="accent1"/>
-          </a:fillRef>
-          <a:effectRef idx="0">
-            <a:schemeClr val="accent1"/>
-          </a:effectRef>
-          <a:fontRef idx="minor">
-            <a:schemeClr val="lt1"/>
-          </a:fontRef>
-        </p:style>
-        <p:txBody>
-          <a:bodyPr rtlCol="0" anchor="ctr"/>
-          <a:lstStyle/>
-          <a:p>
-            <a:pPr algn="ctr"/>
-            <a:endParaRPr lang="en-US"/>
-          </a:p>
-        </p:txBody>
-      </p:sp>
-      <p:sp>
-        <p:nvSpPr>
-          <p:cNvPr id="10" name="TextBox 9">
-            <a:extLst>
-              <a:ext uri="{FF2B5EF4-FFF2-40B4-BE49-F238E27FC236}">
-                <a16:creationId xmlns:a16="http://schemas.microsoft.com/office/drawing/2014/main" id="{78A74152-6662-3640-92BA-F234E1519596}"/>
-              </a:ext>
-            </a:extLst>
-          </p:cNvPr>
-          <p:cNvSpPr txBox="1"/>
-          <p:nvPr/>
-        </p:nvSpPr>
-        <p:spPr>
-          <a:xfrm>
-            <a:off x="8765932" y="2470612"/>
-            <a:ext cx="3185487" cy="338554"/>
-          </a:xfrm>
-          <a:prstGeom prst="rect">
-            <a:avLst/>
-          </a:prstGeom>
-          <a:noFill/>
-        </p:spPr>
-        <p:txBody>
-          <a:bodyPr wrap="none" rtlCol="0">
-            <a:spAutoFit/>
+            <a:off x="838200" y="1825625"/>
+            <a:ext cx="10848278" cy="4351338"/>
+          </a:xfrm>
+        </p:spPr>
+        <p:txBody>
+          <a:bodyPr>
+            <a:normAutofit/>
           </a:bodyPr>
           <a:lstStyle/>
           <a:p>
             <a:r>
-              <a:rPr lang="en-US" sz="1600" dirty="0"/>
-              <a:t>(From within a </a:t>
-            </a:r>
-            <a:r>
-              <a:rPr lang="en-US" sz="1600" dirty="0" err="1"/>
-              <a:t>Jupyter</a:t>
-            </a:r>
-            <a:r>
-              <a:rPr lang="en-US" sz="1600" dirty="0"/>
-              <a:t> notebook)</a:t>
+              <a:rPr lang="en-US" dirty="0"/>
+              <a:t>Should be as unobtrusive as possible with least user effort</a:t>
+            </a:r>
+          </a:p>
+          <a:p>
+            <a:r>
+              <a:rPr lang="en-US" dirty="0"/>
+              <a:t>Users shouldn’t have to reorganize code</a:t>
+            </a:r>
+          </a:p>
+          <a:p>
+            <a:r>
+              <a:rPr lang="en-US" dirty="0"/>
+              <a:t>Trap just matrix-related exceptions</a:t>
+            </a:r>
+          </a:p>
+          <a:p>
+            <a:r>
+              <a:rPr lang="en-US" dirty="0"/>
+              <a:t>Avoid need for an external tool or translator  </a:t>
+            </a:r>
+          </a:p>
+          <a:p>
+            <a:r>
+              <a:rPr lang="en-US" dirty="0"/>
+              <a:t>Avoid spewing output until exception occurs</a:t>
+            </a:r>
+          </a:p>
+          <a:p>
+            <a:r>
+              <a:rPr lang="en-US" dirty="0"/>
+              <a:t>Can we avoid CPU cost until an exception?</a:t>
+            </a:r>
+          </a:p>
+          <a:p>
+            <a:r>
+              <a:rPr lang="en-US" dirty="0"/>
+              <a:t>Ideally, implementation would be small and straightforward</a:t>
+            </a:r>
+            <a:br>
+              <a:rPr lang="en-US" dirty="0"/>
+            </a:br>
+            <a:r>
+              <a:rPr lang="en-US" dirty="0"/>
+              <a:t>(at least to language engineers)</a:t>
             </a:r>
           </a:p>
         </p:txBody>
@@ -10589,7 +10813,7 @@
     </p:spTree>
     <p:extLst>
       <p:ext uri="{BB962C8B-B14F-4D97-AF65-F5344CB8AC3E}">
-        <p14:creationId xmlns:p14="http://schemas.microsoft.com/office/powerpoint/2010/main" val="1156493417"/>
+        <p14:creationId xmlns:p14="http://schemas.microsoft.com/office/powerpoint/2010/main" val="499867538"/>
       </p:ext>
     </p:extLst>
   </p:cSld>
